--- a/Presentations/Deckblatt/Poster.pptx
+++ b/Presentations/Deckblatt/Poster.pptx
@@ -4,6 +4,9 @@
   <p:sldMasterIdLst>
     <p:sldMasterId id="2147483696" r:id="rId1"/>
   </p:sldMasterIdLst>
+  <p:notesMasterIdLst>
+    <p:notesMasterId r:id="rId3"/>
+  </p:notesMasterIdLst>
   <p:sldIdLst>
     <p:sldId id="275" r:id="rId2"/>
   </p:sldIdLst>
@@ -129,6 +132,440 @@
 </p188:authorLst>
 </file>
 
+<file path=ppt/notesMasters/notesMaster1.xml><?xml version="1.0" encoding="utf-8"?>
+<p:notesMaster xmlns:a="http://schemas.openxmlformats.org/drawingml/2006/main" xmlns:r="http://schemas.openxmlformats.org/officeDocument/2006/relationships" xmlns:p="http://schemas.openxmlformats.org/presentationml/2006/main">
+  <p:cSld>
+    <p:bg>
+      <p:bgRef idx="1001">
+        <a:schemeClr val="bg1"/>
+      </p:bgRef>
+    </p:bg>
+    <p:spTree>
+      <p:nvGrpSpPr>
+        <p:cNvPr id="1" name=""/>
+        <p:cNvGrpSpPr/>
+        <p:nvPr/>
+      </p:nvGrpSpPr>
+      <p:grpSpPr>
+        <a:xfrm>
+          <a:off x="0" y="0"/>
+          <a:ext cx="0" cy="0"/>
+          <a:chOff x="0" y="0"/>
+          <a:chExt cx="0" cy="0"/>
+        </a:xfrm>
+      </p:grpSpPr>
+      <p:sp>
+        <p:nvSpPr>
+          <p:cNvPr id="2" name="Header Placeholder 1"/>
+          <p:cNvSpPr>
+            <a:spLocks noGrp="1"/>
+          </p:cNvSpPr>
+          <p:nvPr>
+            <p:ph type="hdr" sz="quarter"/>
+          </p:nvPr>
+        </p:nvSpPr>
+        <p:spPr>
+          <a:xfrm>
+            <a:off x="0" y="0"/>
+            <a:ext cx="12922250" cy="2122488"/>
+          </a:xfrm>
+          <a:prstGeom prst="rect">
+            <a:avLst/>
+          </a:prstGeom>
+        </p:spPr>
+        <p:txBody>
+          <a:bodyPr vert="horz" lIns="91440" tIns="45720" rIns="91440" bIns="45720" rtlCol="0"/>
+          <a:lstStyle>
+            <a:lvl1pPr algn="l">
+              <a:defRPr sz="1200"/>
+            </a:lvl1pPr>
+          </a:lstStyle>
+          <a:p>
+            <a:endParaRPr lang="de-DE"/>
+          </a:p>
+        </p:txBody>
+      </p:sp>
+      <p:sp>
+        <p:nvSpPr>
+          <p:cNvPr id="3" name="Date Placeholder 2"/>
+          <p:cNvSpPr>
+            <a:spLocks noGrp="1"/>
+          </p:cNvSpPr>
+          <p:nvPr>
+            <p:ph type="dt" idx="1"/>
+          </p:nvPr>
+        </p:nvSpPr>
+        <p:spPr>
+          <a:xfrm>
+            <a:off x="16891000" y="0"/>
+            <a:ext cx="12922250" cy="2122488"/>
+          </a:xfrm>
+          <a:prstGeom prst="rect">
+            <a:avLst/>
+          </a:prstGeom>
+        </p:spPr>
+        <p:txBody>
+          <a:bodyPr vert="horz" lIns="91440" tIns="45720" rIns="91440" bIns="45720" rtlCol="0"/>
+          <a:lstStyle>
+            <a:lvl1pPr algn="r">
+              <a:defRPr sz="1200"/>
+            </a:lvl1pPr>
+          </a:lstStyle>
+          <a:p>
+            <a:fld id="{F5F779A3-EDDA-431B-AF07-CD568712874D}" type="datetimeFigureOut">
+              <a:rPr lang="de-DE" smtClean="0"/>
+              <a:t>09.02.2025</a:t>
+            </a:fld>
+            <a:endParaRPr lang="de-DE"/>
+          </a:p>
+        </p:txBody>
+      </p:sp>
+      <p:sp>
+        <p:nvSpPr>
+          <p:cNvPr id="4" name="Slide Image Placeholder 3"/>
+          <p:cNvSpPr>
+            <a:spLocks noGrp="1" noRot="1" noChangeAspect="1"/>
+          </p:cNvSpPr>
+          <p:nvPr>
+            <p:ph type="sldImg" idx="2"/>
+          </p:nvPr>
+        </p:nvSpPr>
+        <p:spPr>
+          <a:xfrm>
+            <a:off x="9863138" y="5292725"/>
+            <a:ext cx="10093325" cy="14290675"/>
+          </a:xfrm>
+          <a:prstGeom prst="rect">
+            <a:avLst/>
+          </a:prstGeom>
+          <a:noFill/>
+          <a:ln w="12700">
+            <a:solidFill>
+              <a:prstClr val="black"/>
+            </a:solidFill>
+          </a:ln>
+        </p:spPr>
+        <p:txBody>
+          <a:bodyPr vert="horz" lIns="91440" tIns="45720" rIns="91440" bIns="45720" rtlCol="0" anchor="ctr"/>
+          <a:lstStyle/>
+          <a:p>
+            <a:endParaRPr lang="de-DE"/>
+          </a:p>
+        </p:txBody>
+      </p:sp>
+      <p:sp>
+        <p:nvSpPr>
+          <p:cNvPr id="5" name="Notes Placeholder 4"/>
+          <p:cNvSpPr>
+            <a:spLocks noGrp="1"/>
+          </p:cNvSpPr>
+          <p:nvPr>
+            <p:ph type="body" sz="quarter" idx="3"/>
+          </p:nvPr>
+        </p:nvSpPr>
+        <p:spPr>
+          <a:xfrm>
+            <a:off x="2981325" y="20377150"/>
+            <a:ext cx="23856950" cy="16671925"/>
+          </a:xfrm>
+          <a:prstGeom prst="rect">
+            <a:avLst/>
+          </a:prstGeom>
+        </p:spPr>
+        <p:txBody>
+          <a:bodyPr vert="horz" lIns="91440" tIns="45720" rIns="91440" bIns="45720" rtlCol="0"/>
+          <a:lstStyle/>
+          <a:p>
+            <a:pPr lvl="0"/>
+            <a:r>
+              <a:rPr lang="en-US"/>
+              <a:t>Click to edit Master text styles</a:t>
+            </a:r>
+          </a:p>
+          <a:p>
+            <a:pPr lvl="1"/>
+            <a:r>
+              <a:rPr lang="en-US"/>
+              <a:t>Second level</a:t>
+            </a:r>
+          </a:p>
+          <a:p>
+            <a:pPr lvl="2"/>
+            <a:r>
+              <a:rPr lang="en-US"/>
+              <a:t>Third level</a:t>
+            </a:r>
+          </a:p>
+          <a:p>
+            <a:pPr lvl="3"/>
+            <a:r>
+              <a:rPr lang="en-US"/>
+              <a:t>Fourth level</a:t>
+            </a:r>
+          </a:p>
+          <a:p>
+            <a:pPr lvl="4"/>
+            <a:r>
+              <a:rPr lang="en-US"/>
+              <a:t>Fifth level</a:t>
+            </a:r>
+            <a:endParaRPr lang="de-DE"/>
+          </a:p>
+        </p:txBody>
+      </p:sp>
+      <p:sp>
+        <p:nvSpPr>
+          <p:cNvPr id="6" name="Footer Placeholder 5"/>
+          <p:cNvSpPr>
+            <a:spLocks noGrp="1"/>
+          </p:cNvSpPr>
+          <p:nvPr>
+            <p:ph type="ftr" sz="quarter" idx="4"/>
+          </p:nvPr>
+        </p:nvSpPr>
+        <p:spPr>
+          <a:xfrm>
+            <a:off x="0" y="40219313"/>
+            <a:ext cx="12922250" cy="2122487"/>
+          </a:xfrm>
+          <a:prstGeom prst="rect">
+            <a:avLst/>
+          </a:prstGeom>
+        </p:spPr>
+        <p:txBody>
+          <a:bodyPr vert="horz" lIns="91440" tIns="45720" rIns="91440" bIns="45720" rtlCol="0" anchor="b"/>
+          <a:lstStyle>
+            <a:lvl1pPr algn="l">
+              <a:defRPr sz="1200"/>
+            </a:lvl1pPr>
+          </a:lstStyle>
+          <a:p>
+            <a:endParaRPr lang="de-DE"/>
+          </a:p>
+        </p:txBody>
+      </p:sp>
+      <p:sp>
+        <p:nvSpPr>
+          <p:cNvPr id="7" name="Slide Number Placeholder 6"/>
+          <p:cNvSpPr>
+            <a:spLocks noGrp="1"/>
+          </p:cNvSpPr>
+          <p:nvPr>
+            <p:ph type="sldNum" sz="quarter" idx="5"/>
+          </p:nvPr>
+        </p:nvSpPr>
+        <p:spPr>
+          <a:xfrm>
+            <a:off x="16891000" y="40219313"/>
+            <a:ext cx="12922250" cy="2122487"/>
+          </a:xfrm>
+          <a:prstGeom prst="rect">
+            <a:avLst/>
+          </a:prstGeom>
+        </p:spPr>
+        <p:txBody>
+          <a:bodyPr vert="horz" lIns="91440" tIns="45720" rIns="91440" bIns="45720" rtlCol="0" anchor="b"/>
+          <a:lstStyle>
+            <a:lvl1pPr algn="r">
+              <a:defRPr sz="1200"/>
+            </a:lvl1pPr>
+          </a:lstStyle>
+          <a:p>
+            <a:fld id="{663BC1B8-8CF5-4A2F-AE81-3AA42D60F461}" type="slidenum">
+              <a:rPr lang="de-DE" smtClean="0"/>
+              <a:t>‹#›</a:t>
+            </a:fld>
+            <a:endParaRPr lang="de-DE"/>
+          </a:p>
+        </p:txBody>
+      </p:sp>
+    </p:spTree>
+    <p:extLst>
+      <p:ext uri="{BB962C8B-B14F-4D97-AF65-F5344CB8AC3E}">
+        <p14:creationId xmlns:p14="http://schemas.microsoft.com/office/powerpoint/2010/main" val="3739914895"/>
+      </p:ext>
+    </p:extLst>
+  </p:cSld>
+  <p:clrMap bg1="lt1" tx1="dk1" bg2="lt2" tx2="dk2" accent1="accent1" accent2="accent2" accent3="accent3" accent4="accent4" accent5="accent5" accent6="accent6" hlink="hlink" folHlink="folHlink"/>
+  <p:notesStyle>
+    <a:lvl1pPr marL="0" algn="l" defTabSz="914400" rtl="0" eaLnBrk="1" latinLnBrk="0" hangingPunct="1">
+      <a:defRPr sz="1200" kern="1200">
+        <a:solidFill>
+          <a:schemeClr val="tx1"/>
+        </a:solidFill>
+        <a:latin typeface="+mn-lt"/>
+        <a:ea typeface="+mn-ea"/>
+        <a:cs typeface="+mn-cs"/>
+      </a:defRPr>
+    </a:lvl1pPr>
+    <a:lvl2pPr marL="457200" algn="l" defTabSz="914400" rtl="0" eaLnBrk="1" latinLnBrk="0" hangingPunct="1">
+      <a:defRPr sz="1200" kern="1200">
+        <a:solidFill>
+          <a:schemeClr val="tx1"/>
+        </a:solidFill>
+        <a:latin typeface="+mn-lt"/>
+        <a:ea typeface="+mn-ea"/>
+        <a:cs typeface="+mn-cs"/>
+      </a:defRPr>
+    </a:lvl2pPr>
+    <a:lvl3pPr marL="914400" algn="l" defTabSz="914400" rtl="0" eaLnBrk="1" latinLnBrk="0" hangingPunct="1">
+      <a:defRPr sz="1200" kern="1200">
+        <a:solidFill>
+          <a:schemeClr val="tx1"/>
+        </a:solidFill>
+        <a:latin typeface="+mn-lt"/>
+        <a:ea typeface="+mn-ea"/>
+        <a:cs typeface="+mn-cs"/>
+      </a:defRPr>
+    </a:lvl3pPr>
+    <a:lvl4pPr marL="1371600" algn="l" defTabSz="914400" rtl="0" eaLnBrk="1" latinLnBrk="0" hangingPunct="1">
+      <a:defRPr sz="1200" kern="1200">
+        <a:solidFill>
+          <a:schemeClr val="tx1"/>
+        </a:solidFill>
+        <a:latin typeface="+mn-lt"/>
+        <a:ea typeface="+mn-ea"/>
+        <a:cs typeface="+mn-cs"/>
+      </a:defRPr>
+    </a:lvl4pPr>
+    <a:lvl5pPr marL="1828800" algn="l" defTabSz="914400" rtl="0" eaLnBrk="1" latinLnBrk="0" hangingPunct="1">
+      <a:defRPr sz="1200" kern="1200">
+        <a:solidFill>
+          <a:schemeClr val="tx1"/>
+        </a:solidFill>
+        <a:latin typeface="+mn-lt"/>
+        <a:ea typeface="+mn-ea"/>
+        <a:cs typeface="+mn-cs"/>
+      </a:defRPr>
+    </a:lvl5pPr>
+    <a:lvl6pPr marL="2286000" algn="l" defTabSz="914400" rtl="0" eaLnBrk="1" latinLnBrk="0" hangingPunct="1">
+      <a:defRPr sz="1200" kern="1200">
+        <a:solidFill>
+          <a:schemeClr val="tx1"/>
+        </a:solidFill>
+        <a:latin typeface="+mn-lt"/>
+        <a:ea typeface="+mn-ea"/>
+        <a:cs typeface="+mn-cs"/>
+      </a:defRPr>
+    </a:lvl6pPr>
+    <a:lvl7pPr marL="2743200" algn="l" defTabSz="914400" rtl="0" eaLnBrk="1" latinLnBrk="0" hangingPunct="1">
+      <a:defRPr sz="1200" kern="1200">
+        <a:solidFill>
+          <a:schemeClr val="tx1"/>
+        </a:solidFill>
+        <a:latin typeface="+mn-lt"/>
+        <a:ea typeface="+mn-ea"/>
+        <a:cs typeface="+mn-cs"/>
+      </a:defRPr>
+    </a:lvl7pPr>
+    <a:lvl8pPr marL="3200400" algn="l" defTabSz="914400" rtl="0" eaLnBrk="1" latinLnBrk="0" hangingPunct="1">
+      <a:defRPr sz="1200" kern="1200">
+        <a:solidFill>
+          <a:schemeClr val="tx1"/>
+        </a:solidFill>
+        <a:latin typeface="+mn-lt"/>
+        <a:ea typeface="+mn-ea"/>
+        <a:cs typeface="+mn-cs"/>
+      </a:defRPr>
+    </a:lvl8pPr>
+    <a:lvl9pPr marL="3657600" algn="l" defTabSz="914400" rtl="0" eaLnBrk="1" latinLnBrk="0" hangingPunct="1">
+      <a:defRPr sz="1200" kern="1200">
+        <a:solidFill>
+          <a:schemeClr val="tx1"/>
+        </a:solidFill>
+        <a:latin typeface="+mn-lt"/>
+        <a:ea typeface="+mn-ea"/>
+        <a:cs typeface="+mn-cs"/>
+      </a:defRPr>
+    </a:lvl9pPr>
+  </p:notesStyle>
+</p:notesMaster>
+</file>
+
+<file path=ppt/notesSlides/notesSlide1.xml><?xml version="1.0" encoding="utf-8"?>
+<p:notes xmlns:a="http://schemas.openxmlformats.org/drawingml/2006/main" xmlns:r="http://schemas.openxmlformats.org/officeDocument/2006/relationships" xmlns:p="http://schemas.openxmlformats.org/presentationml/2006/main">
+  <p:cSld>
+    <p:spTree>
+      <p:nvGrpSpPr>
+        <p:cNvPr id="1" name=""/>
+        <p:cNvGrpSpPr/>
+        <p:nvPr/>
+      </p:nvGrpSpPr>
+      <p:grpSpPr>
+        <a:xfrm>
+          <a:off x="0" y="0"/>
+          <a:ext cx="0" cy="0"/>
+          <a:chOff x="0" y="0"/>
+          <a:chExt cx="0" cy="0"/>
+        </a:xfrm>
+      </p:grpSpPr>
+      <p:sp>
+        <p:nvSpPr>
+          <p:cNvPr id="2" name="Slide Image Placeholder 1"/>
+          <p:cNvSpPr>
+            <a:spLocks noGrp="1" noRot="1" noChangeAspect="1"/>
+          </p:cNvSpPr>
+          <p:nvPr>
+            <p:ph type="sldImg"/>
+          </p:nvPr>
+        </p:nvSpPr>
+        <p:spPr/>
+      </p:sp>
+      <p:sp>
+        <p:nvSpPr>
+          <p:cNvPr id="3" name="Notes Placeholder 2"/>
+          <p:cNvSpPr>
+            <a:spLocks noGrp="1"/>
+          </p:cNvSpPr>
+          <p:nvPr>
+            <p:ph type="body" idx="1"/>
+          </p:nvPr>
+        </p:nvSpPr>
+        <p:spPr/>
+        <p:txBody>
+          <a:bodyPr/>
+          <a:lstStyle/>
+          <a:p>
+            <a:endParaRPr lang="de-DE" dirty="0"/>
+          </a:p>
+        </p:txBody>
+      </p:sp>
+      <p:sp>
+        <p:nvSpPr>
+          <p:cNvPr id="4" name="Slide Number Placeholder 3"/>
+          <p:cNvSpPr>
+            <a:spLocks noGrp="1"/>
+          </p:cNvSpPr>
+          <p:nvPr>
+            <p:ph type="sldNum" sz="quarter" idx="5"/>
+          </p:nvPr>
+        </p:nvSpPr>
+        <p:spPr/>
+        <p:txBody>
+          <a:bodyPr/>
+          <a:lstStyle/>
+          <a:p>
+            <a:fld id="{663BC1B8-8CF5-4A2F-AE81-3AA42D60F461}" type="slidenum">
+              <a:rPr lang="de-DE" smtClean="0"/>
+              <a:t>1</a:t>
+            </a:fld>
+            <a:endParaRPr lang="de-DE"/>
+          </a:p>
+        </p:txBody>
+      </p:sp>
+    </p:spTree>
+    <p:extLst>
+      <p:ext uri="{BB962C8B-B14F-4D97-AF65-F5344CB8AC3E}">
+        <p14:creationId xmlns:p14="http://schemas.microsoft.com/office/powerpoint/2010/main" val="1208252752"/>
+      </p:ext>
+    </p:extLst>
+  </p:cSld>
+  <p:clrMapOvr>
+    <a:masterClrMapping/>
+  </p:clrMapOvr>
+</p:notes>
+</file>
+
 <file path=ppt/slideLayouts/slideLayout1.xml><?xml version="1.0" encoding="utf-8"?>
 <p:sldLayout xmlns:a="http://schemas.openxmlformats.org/drawingml/2006/main" xmlns:r="http://schemas.openxmlformats.org/officeDocument/2006/relationships" xmlns:p="http://schemas.openxmlformats.org/presentationml/2006/main" type="title" preserve="1">
   <p:cSld name="Titelfolie">
@@ -260,7 +697,7 @@
           <a:p>
             <a:fld id="{DCC59FF0-020B-4F2F-9C83-EF26E34AF9B2}" type="datetimeFigureOut">
               <a:rPr lang="de-DE" smtClean="0"/>
-              <a:t>05.02.2025</a:t>
+              <a:t>09.02.2025</a:t>
             </a:fld>
             <a:endParaRPr lang="de-DE"/>
           </a:p>
@@ -302,7 +739,7 @@
           <a:p>
             <a:fld id="{56188895-7528-427E-A6B4-65AE1BD2454C}" type="slidenum">
               <a:rPr lang="de-DE" smtClean="0"/>
-              <a:t>‹Nr.›</a:t>
+              <a:t>‹#›</a:t>
             </a:fld>
             <a:endParaRPr lang="de-DE"/>
           </a:p>
@@ -430,7 +867,7 @@
           <a:p>
             <a:fld id="{DCC59FF0-020B-4F2F-9C83-EF26E34AF9B2}" type="datetimeFigureOut">
               <a:rPr lang="de-DE" smtClean="0"/>
-              <a:t>05.02.2025</a:t>
+              <a:t>09.02.2025</a:t>
             </a:fld>
             <a:endParaRPr lang="de-DE"/>
           </a:p>
@@ -472,7 +909,7 @@
           <a:p>
             <a:fld id="{56188895-7528-427E-A6B4-65AE1BD2454C}" type="slidenum">
               <a:rPr lang="de-DE" smtClean="0"/>
-              <a:t>‹Nr.›</a:t>
+              <a:t>‹#›</a:t>
             </a:fld>
             <a:endParaRPr lang="de-DE"/>
           </a:p>
@@ -610,7 +1047,7 @@
           <a:p>
             <a:fld id="{DCC59FF0-020B-4F2F-9C83-EF26E34AF9B2}" type="datetimeFigureOut">
               <a:rPr lang="de-DE" smtClean="0"/>
-              <a:t>05.02.2025</a:t>
+              <a:t>09.02.2025</a:t>
             </a:fld>
             <a:endParaRPr lang="de-DE"/>
           </a:p>
@@ -652,7 +1089,7 @@
           <a:p>
             <a:fld id="{56188895-7528-427E-A6B4-65AE1BD2454C}" type="slidenum">
               <a:rPr lang="de-DE" smtClean="0"/>
-              <a:t>‹Nr.›</a:t>
+              <a:t>‹#›</a:t>
             </a:fld>
             <a:endParaRPr lang="de-DE"/>
           </a:p>
@@ -780,7 +1217,7 @@
           <a:p>
             <a:fld id="{DCC59FF0-020B-4F2F-9C83-EF26E34AF9B2}" type="datetimeFigureOut">
               <a:rPr lang="de-DE" smtClean="0"/>
-              <a:t>05.02.2025</a:t>
+              <a:t>09.02.2025</a:t>
             </a:fld>
             <a:endParaRPr lang="de-DE"/>
           </a:p>
@@ -822,7 +1259,7 @@
           <a:p>
             <a:fld id="{56188895-7528-427E-A6B4-65AE1BD2454C}" type="slidenum">
               <a:rPr lang="de-DE" smtClean="0"/>
-              <a:t>‹Nr.›</a:t>
+              <a:t>‹#›</a:t>
             </a:fld>
             <a:endParaRPr lang="de-DE"/>
           </a:p>
@@ -1024,7 +1461,7 @@
           <a:p>
             <a:fld id="{DCC59FF0-020B-4F2F-9C83-EF26E34AF9B2}" type="datetimeFigureOut">
               <a:rPr lang="de-DE" smtClean="0"/>
-              <a:t>05.02.2025</a:t>
+              <a:t>09.02.2025</a:t>
             </a:fld>
             <a:endParaRPr lang="de-DE"/>
           </a:p>
@@ -1066,7 +1503,7 @@
           <a:p>
             <a:fld id="{56188895-7528-427E-A6B4-65AE1BD2454C}" type="slidenum">
               <a:rPr lang="de-DE" smtClean="0"/>
-              <a:t>‹Nr.›</a:t>
+              <a:t>‹#›</a:t>
             </a:fld>
             <a:endParaRPr lang="de-DE"/>
           </a:p>
@@ -1256,7 +1693,7 @@
           <a:p>
             <a:fld id="{DCC59FF0-020B-4F2F-9C83-EF26E34AF9B2}" type="datetimeFigureOut">
               <a:rPr lang="de-DE" smtClean="0"/>
-              <a:t>05.02.2025</a:t>
+              <a:t>09.02.2025</a:t>
             </a:fld>
             <a:endParaRPr lang="de-DE"/>
           </a:p>
@@ -1298,7 +1735,7 @@
           <a:p>
             <a:fld id="{56188895-7528-427E-A6B4-65AE1BD2454C}" type="slidenum">
               <a:rPr lang="de-DE" smtClean="0"/>
-              <a:t>‹Nr.›</a:t>
+              <a:t>‹#›</a:t>
             </a:fld>
             <a:endParaRPr lang="de-DE"/>
           </a:p>
@@ -1623,7 +2060,7 @@
           <a:p>
             <a:fld id="{DCC59FF0-020B-4F2F-9C83-EF26E34AF9B2}" type="datetimeFigureOut">
               <a:rPr lang="de-DE" smtClean="0"/>
-              <a:t>05.02.2025</a:t>
+              <a:t>09.02.2025</a:t>
             </a:fld>
             <a:endParaRPr lang="de-DE"/>
           </a:p>
@@ -1665,7 +2102,7 @@
           <a:p>
             <a:fld id="{56188895-7528-427E-A6B4-65AE1BD2454C}" type="slidenum">
               <a:rPr lang="de-DE" smtClean="0"/>
-              <a:t>‹Nr.›</a:t>
+              <a:t>‹#›</a:t>
             </a:fld>
             <a:endParaRPr lang="de-DE"/>
           </a:p>
@@ -1741,7 +2178,7 @@
           <a:p>
             <a:fld id="{DCC59FF0-020B-4F2F-9C83-EF26E34AF9B2}" type="datetimeFigureOut">
               <a:rPr lang="de-DE" smtClean="0"/>
-              <a:t>05.02.2025</a:t>
+              <a:t>09.02.2025</a:t>
             </a:fld>
             <a:endParaRPr lang="de-DE"/>
           </a:p>
@@ -1783,7 +2220,7 @@
           <a:p>
             <a:fld id="{56188895-7528-427E-A6B4-65AE1BD2454C}" type="slidenum">
               <a:rPr lang="de-DE" smtClean="0"/>
-              <a:t>‹Nr.›</a:t>
+              <a:t>‹#›</a:t>
             </a:fld>
             <a:endParaRPr lang="de-DE"/>
           </a:p>
@@ -1836,7 +2273,7 @@
           <a:p>
             <a:fld id="{DCC59FF0-020B-4F2F-9C83-EF26E34AF9B2}" type="datetimeFigureOut">
               <a:rPr lang="de-DE" smtClean="0"/>
-              <a:t>05.02.2025</a:t>
+              <a:t>09.02.2025</a:t>
             </a:fld>
             <a:endParaRPr lang="de-DE"/>
           </a:p>
@@ -1878,7 +2315,7 @@
           <a:p>
             <a:fld id="{56188895-7528-427E-A6B4-65AE1BD2454C}" type="slidenum">
               <a:rPr lang="de-DE" smtClean="0"/>
-              <a:t>‹Nr.›</a:t>
+              <a:t>‹#›</a:t>
             </a:fld>
             <a:endParaRPr lang="de-DE"/>
           </a:p>
@@ -2113,7 +2550,7 @@
           <a:p>
             <a:fld id="{DCC59FF0-020B-4F2F-9C83-EF26E34AF9B2}" type="datetimeFigureOut">
               <a:rPr lang="de-DE" smtClean="0"/>
-              <a:t>05.02.2025</a:t>
+              <a:t>09.02.2025</a:t>
             </a:fld>
             <a:endParaRPr lang="de-DE"/>
           </a:p>
@@ -2155,7 +2592,7 @@
           <a:p>
             <a:fld id="{56188895-7528-427E-A6B4-65AE1BD2454C}" type="slidenum">
               <a:rPr lang="de-DE" smtClean="0"/>
-              <a:t>‹Nr.›</a:t>
+              <a:t>‹#›</a:t>
             </a:fld>
             <a:endParaRPr lang="de-DE"/>
           </a:p>
@@ -2370,7 +2807,7 @@
           <a:p>
             <a:fld id="{DCC59FF0-020B-4F2F-9C83-EF26E34AF9B2}" type="datetimeFigureOut">
               <a:rPr lang="de-DE" smtClean="0"/>
-              <a:t>05.02.2025</a:t>
+              <a:t>09.02.2025</a:t>
             </a:fld>
             <a:endParaRPr lang="de-DE"/>
           </a:p>
@@ -2412,7 +2849,7 @@
           <a:p>
             <a:fld id="{56188895-7528-427E-A6B4-65AE1BD2454C}" type="slidenum">
               <a:rPr lang="de-DE" smtClean="0"/>
-              <a:t>‹Nr.›</a:t>
+              <a:t>‹#›</a:t>
             </a:fld>
             <a:endParaRPr lang="de-DE"/>
           </a:p>
@@ -2583,7 +3020,7 @@
           <a:p>
             <a:fld id="{DCC59FF0-020B-4F2F-9C83-EF26E34AF9B2}" type="datetimeFigureOut">
               <a:rPr lang="de-DE" smtClean="0"/>
-              <a:t>05.02.2025</a:t>
+              <a:t>09.02.2025</a:t>
             </a:fld>
             <a:endParaRPr lang="de-DE"/>
           </a:p>
@@ -2661,7 +3098,7 @@
           <a:p>
             <a:fld id="{56188895-7528-427E-A6B4-65AE1BD2454C}" type="slidenum">
               <a:rPr lang="de-DE" smtClean="0"/>
-              <a:t>‹Nr.›</a:t>
+              <a:t>‹#›</a:t>
             </a:fld>
             <a:endParaRPr lang="de-DE"/>
           </a:p>
@@ -3045,7 +3482,10 @@
           <a:lstStyle/>
           <a:p>
             <a:pPr algn="ctr"/>
-            <a:endParaRPr lang="de-DE" sz="1600" dirty="0"/>
+            <a:endParaRPr lang="de-DE" sz="1600" dirty="0">
+              <a:latin typeface="Times New Roman" panose="02020603050405020304" pitchFamily="18" charset="0"/>
+              <a:cs typeface="Times New Roman" panose="02020603050405020304" pitchFamily="18" charset="0"/>
+            </a:endParaRPr>
           </a:p>
         </p:txBody>
       </p:sp>
@@ -3103,8 +3543,9 @@
                   <a:lumMod val="50000"/>
                 </a:schemeClr>
               </a:solidFill>
+              <a:latin typeface="Times New Roman" panose="02020603050405020304" pitchFamily="18" charset="0"/>
               <a:ea typeface="Calibri" panose="020F0502020204030204" pitchFamily="34" charset="0"/>
-              <a:cs typeface="Calibri" panose="020F0502020204030204" pitchFamily="34" charset="0"/>
+              <a:cs typeface="Times New Roman" panose="02020603050405020304" pitchFamily="18" charset="0"/>
             </a:endParaRPr>
           </a:p>
         </p:txBody>
@@ -3157,7 +3598,10 @@
           <a:lstStyle/>
           <a:p>
             <a:pPr algn="ctr"/>
-            <a:endParaRPr lang="de-DE" sz="1600"/>
+            <a:endParaRPr lang="de-DE" sz="1600">
+              <a:latin typeface="Times New Roman" panose="02020603050405020304" pitchFamily="18" charset="0"/>
+              <a:cs typeface="Times New Roman" panose="02020603050405020304" pitchFamily="18" charset="0"/>
+            </a:endParaRPr>
           </a:p>
         </p:txBody>
       </p:sp>
@@ -3209,7 +3653,10 @@
           <a:lstStyle/>
           <a:p>
             <a:pPr algn="ctr"/>
-            <a:endParaRPr lang="de-DE" sz="1600"/>
+            <a:endParaRPr lang="de-DE" sz="1600">
+              <a:latin typeface="Times New Roman" panose="02020603050405020304" pitchFamily="18" charset="0"/>
+              <a:cs typeface="Times New Roman" panose="02020603050405020304" pitchFamily="18" charset="0"/>
+            </a:endParaRPr>
           </a:p>
         </p:txBody>
       </p:sp>
@@ -3247,8 +3694,9 @@
                 <a:solidFill>
                   <a:srgbClr val="A2232C"/>
                 </a:solidFill>
+                <a:latin typeface="Times New Roman" panose="02020603050405020304" pitchFamily="18" charset="0"/>
                 <a:ea typeface="Calibri" panose="020F0502020204030204" pitchFamily="34" charset="0"/>
-                <a:cs typeface="Calibri" panose="020F0502020204030204" pitchFamily="34" charset="0"/>
+                <a:cs typeface="Times New Roman" panose="02020603050405020304" pitchFamily="18" charset="0"/>
               </a:rPr>
               <a:t>Wandel der Worte</a:t>
             </a:r>
@@ -3291,8 +3739,9 @@
                     <a:lumMod val="50000"/>
                   </a:schemeClr>
                 </a:solidFill>
+                <a:latin typeface="Times New Roman" panose="02020603050405020304" pitchFamily="18" charset="0"/>
                 <a:ea typeface="Calibri" panose="020F0502020204030204" pitchFamily="34" charset="0"/>
-                <a:cs typeface="Calibri" panose="020F0502020204030204" pitchFamily="34" charset="0"/>
+                <a:cs typeface="Times New Roman" panose="02020603050405020304" pitchFamily="18" charset="0"/>
               </a:rPr>
               <a:t>Levi Blumenwitz</a:t>
             </a:r>
@@ -3354,8 +3803,9 @@
                     <a:lumMod val="50000"/>
                   </a:schemeClr>
                 </a:solidFill>
+                <a:latin typeface="Times New Roman" panose="02020603050405020304" pitchFamily="18" charset="0"/>
                 <a:ea typeface="Calibri" panose="020F0502020204030204" pitchFamily="34" charset="0"/>
-                <a:cs typeface="Calibri" panose="020F0502020204030204" pitchFamily="34" charset="0"/>
+                <a:cs typeface="Times New Roman" panose="02020603050405020304" pitchFamily="18" charset="0"/>
               </a:rPr>
               <a:t>Arbeitswelt – Melanie </a:t>
             </a:r>
@@ -3366,8 +3816,9 @@
                     <a:lumMod val="50000"/>
                   </a:schemeClr>
                 </a:solidFill>
+                <a:latin typeface="Times New Roman" panose="02020603050405020304" pitchFamily="18" charset="0"/>
                 <a:ea typeface="Calibri" panose="020F0502020204030204" pitchFamily="34" charset="0"/>
-                <a:cs typeface="Calibri" panose="020F0502020204030204" pitchFamily="34" charset="0"/>
+                <a:cs typeface="Times New Roman" panose="02020603050405020304" pitchFamily="18" charset="0"/>
               </a:rPr>
               <a:t>Mestl</a:t>
             </a:r>
@@ -3378,8 +3829,9 @@
                     <a:lumMod val="50000"/>
                   </a:schemeClr>
                 </a:solidFill>
+                <a:latin typeface="Times New Roman" panose="02020603050405020304" pitchFamily="18" charset="0"/>
                 <a:ea typeface="Calibri" panose="020F0502020204030204" pitchFamily="34" charset="0"/>
-                <a:cs typeface="Calibri" panose="020F0502020204030204" pitchFamily="34" charset="0"/>
+                <a:cs typeface="Times New Roman" panose="02020603050405020304" pitchFamily="18" charset="0"/>
               </a:rPr>
               <a:t> – Schuljahr 24/25</a:t>
             </a:r>
@@ -3434,7 +3886,10 @@
           <a:lstStyle/>
           <a:p>
             <a:pPr algn="ctr"/>
-            <a:endParaRPr lang="de-DE" sz="1600"/>
+            <a:endParaRPr lang="de-DE" sz="1600">
+              <a:latin typeface="Times New Roman" panose="02020603050405020304" pitchFamily="18" charset="0"/>
+              <a:cs typeface="Times New Roman" panose="02020603050405020304" pitchFamily="18" charset="0"/>
+            </a:endParaRPr>
           </a:p>
         </p:txBody>
       </p:sp>
@@ -3454,8 +3909,8 @@
         </p:nvSpPr>
         <p:spPr>
           <a:xfrm>
-            <a:off x="11552787" y="17165431"/>
-            <a:ext cx="9557909" cy="8366479"/>
+            <a:off x="14840492" y="16541601"/>
+            <a:ext cx="6356924" cy="9399302"/>
           </a:xfrm>
           <a:prstGeom prst="rect">
             <a:avLst/>
@@ -3489,7 +3944,29 @@
           <a:p>
             <a:pPr algn="ctr"/>
             <a:endParaRPr lang="de-DE" sz="440" dirty="0">
-              <a:latin typeface="Myriad Pro" panose="020B0503030403020204"/>
+              <a:latin typeface="Times New Roman" panose="02020603050405020304" pitchFamily="18" charset="0"/>
+              <a:cs typeface="Times New Roman" panose="02020603050405020304" pitchFamily="18" charset="0"/>
+            </a:endParaRPr>
+          </a:p>
+          <a:p>
+            <a:pPr algn="ctr"/>
+            <a:endParaRPr lang="de-DE" sz="440" dirty="0">
+              <a:latin typeface="Times New Roman" panose="02020603050405020304" pitchFamily="18" charset="0"/>
+              <a:cs typeface="Times New Roman" panose="02020603050405020304" pitchFamily="18" charset="0"/>
+            </a:endParaRPr>
+          </a:p>
+          <a:p>
+            <a:pPr algn="ctr"/>
+            <a:endParaRPr lang="de-DE" sz="440" dirty="0">
+              <a:latin typeface="Times New Roman" panose="02020603050405020304" pitchFamily="18" charset="0"/>
+              <a:cs typeface="Times New Roman" panose="02020603050405020304" pitchFamily="18" charset="0"/>
+            </a:endParaRPr>
+          </a:p>
+          <a:p>
+            <a:pPr algn="ctr"/>
+            <a:endParaRPr lang="de-DE" sz="440" dirty="0">
+              <a:latin typeface="Times New Roman" panose="02020603050405020304" pitchFamily="18" charset="0"/>
+              <a:cs typeface="Times New Roman" panose="02020603050405020304" pitchFamily="18" charset="0"/>
             </a:endParaRPr>
           </a:p>
         </p:txBody>
@@ -3510,8 +3987,8 @@
         </p:nvSpPr>
         <p:spPr>
           <a:xfrm>
-            <a:off x="11552787" y="16963973"/>
-            <a:ext cx="9557306" cy="736592"/>
+            <a:off x="14845552" y="16534570"/>
+            <a:ext cx="6356923" cy="736592"/>
           </a:xfrm>
           <a:prstGeom prst="rect">
             <a:avLst/>
@@ -3548,7 +4025,8 @@
                 <a:solidFill>
                   <a:schemeClr val="tx1"/>
                 </a:solidFill>
-                <a:latin typeface="Myriad Pro" panose="020B0503030403020204"/>
+                <a:latin typeface="Times New Roman" panose="02020603050405020304" pitchFamily="18" charset="0"/>
+                <a:cs typeface="Times New Roman" panose="02020603050405020304" pitchFamily="18" charset="0"/>
               </a:rPr>
               <a:t>Interpretation</a:t>
             </a:r>
@@ -3571,8 +4049,8 @@
         </p:nvSpPr>
         <p:spPr>
           <a:xfrm>
-            <a:off x="198518" y="17036558"/>
-            <a:ext cx="11184730" cy="9657141"/>
+            <a:off x="272852" y="17073097"/>
+            <a:ext cx="7368267" cy="9657141"/>
           </a:xfrm>
           <a:prstGeom prst="rect">
             <a:avLst/>
@@ -3607,7 +4085,8 @@
             <a:pPr algn="ctr"/>
             <a:r>
               <a:rPr lang="de-DE" sz="3200" dirty="0">
-                <a:latin typeface="Myriad Pro" panose="020B0503030403020204"/>
+                <a:latin typeface="Times New Roman" panose="02020603050405020304" pitchFamily="18" charset="0"/>
+                <a:cs typeface="Times New Roman" panose="02020603050405020304" pitchFamily="18" charset="0"/>
               </a:rPr>
               <a:t>&lt;&lt;&lt;&lt;&lt;&lt;&lt;</a:t>
             </a:r>
@@ -3630,8 +4109,8 @@
         </p:nvSpPr>
         <p:spPr>
           <a:xfrm>
-            <a:off x="239050" y="16963973"/>
-            <a:ext cx="11184730" cy="736592"/>
+            <a:off x="272852" y="16603166"/>
+            <a:ext cx="7368267" cy="710403"/>
           </a:xfrm>
           <a:prstGeom prst="rect">
             <a:avLst/>
@@ -3668,9 +4147,10 @@
                 <a:solidFill>
                   <a:schemeClr val="tx1"/>
                 </a:solidFill>
-                <a:latin typeface="Myriad Pro" panose="020B0503030403020204"/>
-              </a:rPr>
-              <a:t>Ergebnisse</a:t>
+                <a:latin typeface="Times New Roman" panose="02020603050405020304" pitchFamily="18" charset="0"/>
+                <a:cs typeface="Times New Roman" panose="02020603050405020304" pitchFamily="18" charset="0"/>
+              </a:rPr>
+              <a:t> Ergebnisse 🏆</a:t>
             </a:r>
           </a:p>
         </p:txBody>
@@ -3691,8 +4171,8 @@
         </p:nvSpPr>
         <p:spPr>
           <a:xfrm>
-            <a:off x="11552113" y="23586406"/>
-            <a:ext cx="9518051" cy="5063883"/>
+            <a:off x="68637" y="27836813"/>
+            <a:ext cx="21036280" cy="1095424"/>
           </a:xfrm>
           <a:prstGeom prst="rect">
             <a:avLst/>
@@ -3726,7 +4206,8 @@
           <a:p>
             <a:pPr algn="ctr"/>
             <a:endParaRPr lang="de-DE" sz="440" dirty="0">
-              <a:latin typeface="Myriad Pro" panose="020B0503030403020204"/>
+              <a:latin typeface="Times New Roman" panose="02020603050405020304" pitchFamily="18" charset="0"/>
+              <a:cs typeface="Times New Roman" panose="02020603050405020304" pitchFamily="18" charset="0"/>
             </a:endParaRPr>
           </a:p>
         </p:txBody>
@@ -3747,8 +4228,8 @@
         </p:nvSpPr>
         <p:spPr>
           <a:xfrm>
-            <a:off x="11552113" y="23530145"/>
-            <a:ext cx="9518051" cy="650820"/>
+            <a:off x="266725" y="28077148"/>
+            <a:ext cx="11169942" cy="592866"/>
           </a:xfrm>
           <a:prstGeom prst="rect">
             <a:avLst/>
@@ -3786,7 +4267,8 @@
                 <a:solidFill>
                   <a:schemeClr val="tx1"/>
                 </a:solidFill>
-                <a:latin typeface="Myriad Pro" panose="020B0503030403020204"/>
+                <a:latin typeface="Times New Roman" panose="02020603050405020304" pitchFamily="18" charset="0"/>
+                <a:cs typeface="Times New Roman" panose="02020603050405020304" pitchFamily="18" charset="0"/>
               </a:rPr>
               <a:t>Literatur</a:t>
             </a:r>
@@ -3809,8 +4291,8 @@
         </p:nvSpPr>
         <p:spPr>
           <a:xfrm>
-            <a:off x="272852" y="11291451"/>
-            <a:ext cx="20837920" cy="5127976"/>
+            <a:off x="272852" y="10880061"/>
+            <a:ext cx="9261841" cy="5539366"/>
           </a:xfrm>
           <a:prstGeom prst="rect">
             <a:avLst/>
@@ -3844,7 +4326,8 @@
           <a:p>
             <a:pPr algn="ctr"/>
             <a:endParaRPr lang="de-DE" sz="440" dirty="0">
-              <a:latin typeface="Myriad Pro" panose="020B0503030403020204"/>
+              <a:latin typeface="Times New Roman" panose="02020603050405020304" pitchFamily="18" charset="0"/>
+              <a:cs typeface="Times New Roman" panose="02020603050405020304" pitchFamily="18" charset="0"/>
             </a:endParaRPr>
           </a:p>
         </p:txBody>
@@ -3865,8 +4348,8 @@
         </p:nvSpPr>
         <p:spPr>
           <a:xfrm>
-            <a:off x="273532" y="11218486"/>
-            <a:ext cx="20836561" cy="736591"/>
+            <a:off x="273532" y="10373651"/>
+            <a:ext cx="9261841" cy="817695"/>
           </a:xfrm>
           <a:prstGeom prst="rect">
             <a:avLst/>
@@ -3903,9 +4386,10 @@
                 <a:solidFill>
                   <a:schemeClr val="tx1"/>
                 </a:solidFill>
-                <a:latin typeface="Myriad Pro" panose="020B0503030403020204"/>
-              </a:rPr>
-              <a:t>Methodik</a:t>
+                <a:latin typeface="Times New Roman" panose="02020603050405020304" pitchFamily="18" charset="0"/>
+                <a:cs typeface="Times New Roman" panose="02020603050405020304" pitchFamily="18" charset="0"/>
+              </a:rPr>
+              <a:t> Methodik 🛠️</a:t>
             </a:r>
           </a:p>
         </p:txBody>
@@ -3927,7 +4411,7 @@
         <p:spPr>
           <a:xfrm>
             <a:off x="273533" y="6646463"/>
-            <a:ext cx="10116333" cy="4327226"/>
+            <a:ext cx="9252933" cy="3388507"/>
           </a:xfrm>
           <a:prstGeom prst="rect">
             <a:avLst/>
@@ -3961,7 +4445,8 @@
           <a:p>
             <a:pPr algn="ctr"/>
             <a:endParaRPr lang="de-DE" sz="440" dirty="0">
-              <a:latin typeface="Myriad Pro" panose="020B0503030403020204"/>
+              <a:latin typeface="Times New Roman" panose="02020603050405020304" pitchFamily="18" charset="0"/>
+              <a:cs typeface="Times New Roman" panose="02020603050405020304" pitchFamily="18" charset="0"/>
             </a:endParaRPr>
           </a:p>
         </p:txBody>
@@ -3982,8 +4467,8 @@
         </p:nvSpPr>
         <p:spPr>
           <a:xfrm>
-            <a:off x="273533" y="5874031"/>
-            <a:ext cx="10116333" cy="786948"/>
+            <a:off x="273534" y="5874031"/>
+            <a:ext cx="9261160" cy="786948"/>
           </a:xfrm>
           <a:prstGeom prst="rect">
             <a:avLst/>
@@ -4020,18 +4505,23 @@
                 <a:solidFill>
                   <a:schemeClr val="tx1"/>
                 </a:solidFill>
-                <a:latin typeface="Myriad Pro" panose="020B0503030403020204"/>
-              </a:rPr>
-              <a:t>Fragestellung</a:t>
-            </a:r>
-            <a:endParaRPr lang="en-GB" sz="4400" dirty="0"/>
+                <a:latin typeface="Times New Roman" panose="02020603050405020304" pitchFamily="18" charset="0"/>
+                <a:cs typeface="Times New Roman" panose="02020603050405020304" pitchFamily="18" charset="0"/>
+              </a:rPr>
+              <a:t> Fragestellung❓</a:t>
+            </a:r>
+            <a:endParaRPr lang="en-GB" sz="4400" dirty="0">
+              <a:latin typeface="Times New Roman" panose="02020603050405020304" pitchFamily="18" charset="0"/>
+              <a:cs typeface="Times New Roman" panose="02020603050405020304" pitchFamily="18" charset="0"/>
+            </a:endParaRPr>
           </a:p>
           <a:p>
             <a:endParaRPr lang="de-DE" sz="4400" b="1" dirty="0">
               <a:solidFill>
                 <a:schemeClr val="tx1"/>
               </a:solidFill>
-              <a:latin typeface="Myriad Pro" panose="020B0503030403020204"/>
+              <a:latin typeface="Times New Roman" panose="02020603050405020304" pitchFamily="18" charset="0"/>
+              <a:cs typeface="Times New Roman" panose="02020603050405020304" pitchFamily="18" charset="0"/>
             </a:endParaRPr>
           </a:p>
         </p:txBody>
@@ -4050,8 +4540,8 @@
         </p:nvSpPr>
         <p:spPr>
           <a:xfrm>
-            <a:off x="11680413" y="24425762"/>
-            <a:ext cx="9193268" cy="2554545"/>
+            <a:off x="1114758" y="28310994"/>
+            <a:ext cx="1941354" cy="400110"/>
           </a:xfrm>
           <a:prstGeom prst="rect">
             <a:avLst/>
@@ -4067,54 +4557,10 @@
             <a:pPr algn="just"/>
             <a:r>
               <a:rPr lang="de-DE" sz="2000" dirty="0">
-                <a:latin typeface="Myriad Pro" panose="020B0503030403020204"/>
-              </a:rPr>
-              <a:t>Quellen</a:t>
-            </a:r>
-          </a:p>
-          <a:p>
-            <a:pPr algn="just"/>
-            <a:endParaRPr lang="de-DE" sz="2000" dirty="0">
-              <a:latin typeface="Myriad Pro" panose="020B0503030403020204"/>
-            </a:endParaRPr>
-          </a:p>
-          <a:p>
-            <a:pPr algn="just"/>
-            <a:endParaRPr lang="de-DE" sz="2000" dirty="0">
-              <a:latin typeface="Myriad Pro" panose="020B0503030403020204"/>
-            </a:endParaRPr>
-          </a:p>
-          <a:p>
-            <a:pPr algn="just"/>
-            <a:endParaRPr lang="de-DE" sz="2000" dirty="0">
-              <a:latin typeface="Myriad Pro" panose="020B0503030403020204"/>
-            </a:endParaRPr>
-          </a:p>
-          <a:p>
-            <a:pPr algn="just"/>
-            <a:endParaRPr lang="de-DE" sz="2000" dirty="0">
-              <a:latin typeface="Myriad Pro" panose="020B0503030403020204"/>
-            </a:endParaRPr>
-          </a:p>
-          <a:p>
-            <a:pPr algn="just"/>
-            <a:endParaRPr lang="de-DE" sz="2000" dirty="0">
-              <a:latin typeface="Myriad Pro" panose="020B0503030403020204"/>
-            </a:endParaRPr>
-          </a:p>
-          <a:p>
-            <a:pPr algn="just"/>
-            <a:endParaRPr lang="de-DE" sz="2000" dirty="0">
-              <a:latin typeface="Myriad Pro" panose="020B0503030403020204"/>
-            </a:endParaRPr>
-          </a:p>
-          <a:p>
-            <a:pPr algn="just"/>
-            <a:r>
-              <a:rPr lang="de-DE" sz="2000" dirty="0">
-                <a:latin typeface="Myriad Pro" panose="020B0503030403020204"/>
-              </a:rPr>
-              <a:t>Direkte Zitate</a:t>
+                <a:latin typeface="Times New Roman" panose="02020603050405020304" pitchFamily="18" charset="0"/>
+                <a:cs typeface="Times New Roman" panose="02020603050405020304" pitchFamily="18" charset="0"/>
+              </a:rPr>
+              <a:t>Wuellen</a:t>
             </a:r>
           </a:p>
         </p:txBody>
@@ -4134,7 +4580,7 @@
           <p:nvPr/>
         </p:nvPicPr>
         <p:blipFill>
-          <a:blip r:embed="rId2" cstate="print">
+          <a:blip r:embed="rId3" cstate="print">
             <a:extLst>
               <a:ext uri="{28A0092B-C50C-407E-A947-70E740481C1C}">
                 <a14:useLocalDpi xmlns:a14="http://schemas.microsoft.com/office/drawing/2010/main" val="0"/>
@@ -4170,7 +4616,7 @@
           <p:nvPr/>
         </p:nvPicPr>
         <p:blipFill>
-          <a:blip r:embed="rId3">
+          <a:blip r:embed="rId4">
             <a:clrChange>
               <a:clrFrom>
                 <a:srgbClr val="EFEFEF"/>
@@ -4211,15 +4657,14 @@
             </a:extLst>
           </p:cNvPr>
           <p:cNvCxnSpPr>
-            <a:stCxn id="95" idx="1"/>
-            <a:endCxn id="95" idx="3"/>
+            <a:cxnSpLocks/>
           </p:cNvCxnSpPr>
           <p:nvPr/>
         </p:nvCxnSpPr>
         <p:spPr>
-          <a:xfrm>
-            <a:off x="11552113" y="26118348"/>
-            <a:ext cx="9518051" cy="0"/>
+          <a:xfrm flipH="1" flipV="1">
+            <a:off x="11359333" y="26930918"/>
+            <a:ext cx="22368" cy="2112753"/>
           </a:xfrm>
           <a:prstGeom prst="line">
             <a:avLst/>
@@ -4279,8 +4724,9 @@
                 <a:solidFill>
                   <a:srgbClr val="A2232C"/>
                 </a:solidFill>
+                <a:latin typeface="Times New Roman" panose="02020603050405020304" pitchFamily="18" charset="0"/>
                 <a:ea typeface="Calibri" panose="020F0502020204030204" pitchFamily="34" charset="0"/>
-                <a:cs typeface="Calibri" panose="020F0502020204030204" pitchFamily="34" charset="0"/>
+                <a:cs typeface="Times New Roman" panose="02020603050405020304" pitchFamily="18" charset="0"/>
               </a:rPr>
               <a:t>Langzeitdatenanalyse journalistischer Perspektiven</a:t>
             </a:r>
@@ -4302,7 +4748,7 @@
           <p:nvPr/>
         </p:nvPicPr>
         <p:blipFill rotWithShape="1">
-          <a:blip r:embed="rId4" cstate="print">
+          <a:blip r:embed="rId5" cstate="print">
             <a:extLst>
               <a:ext uri="{28A0092B-C50C-407E-A947-70E740481C1C}">
                 <a14:useLocalDpi xmlns:a14="http://schemas.microsoft.com/office/drawing/2010/main" val="0"/>
@@ -4338,8 +4784,8 @@
         </p:nvSpPr>
         <p:spPr>
           <a:xfrm>
-            <a:off x="10651885" y="5861796"/>
-            <a:ext cx="10418279" cy="786948"/>
+            <a:off x="9845609" y="5861796"/>
+            <a:ext cx="11224555" cy="786948"/>
           </a:xfrm>
           <a:prstGeom prst="rect">
             <a:avLst/>
@@ -4376,12 +4822,16 @@
                 <a:solidFill>
                   <a:schemeClr val="tx1"/>
                 </a:solidFill>
-                <a:latin typeface="Myriad Pro" panose="020B0503030403020204"/>
-              </a:rPr>
-              <a:t>Ziel:</a:t>
-            </a:r>
-            <a:r>
-              <a:rPr lang="en-GB" sz="4400" dirty="0"/>
+                <a:latin typeface="Times New Roman" panose="02020603050405020304" pitchFamily="18" charset="0"/>
+                <a:cs typeface="Times New Roman" panose="02020603050405020304" pitchFamily="18" charset="0"/>
+              </a:rPr>
+              <a:t> Ziel</a:t>
+            </a:r>
+            <a:r>
+              <a:rPr lang="en-GB" sz="4400" dirty="0">
+                <a:latin typeface="Times New Roman" panose="02020603050405020304" pitchFamily="18" charset="0"/>
+                <a:cs typeface="Times New Roman" panose="02020603050405020304" pitchFamily="18" charset="0"/>
+              </a:rPr>
               <a:t>🎯 </a:t>
             </a:r>
           </a:p>
@@ -4390,7 +4840,8 @@
               <a:solidFill>
                 <a:schemeClr val="tx1"/>
               </a:solidFill>
-              <a:latin typeface="Myriad Pro" panose="020B0503030403020204"/>
+              <a:latin typeface="Times New Roman" panose="02020603050405020304" pitchFamily="18" charset="0"/>
+              <a:cs typeface="Times New Roman" panose="02020603050405020304" pitchFamily="18" charset="0"/>
             </a:endParaRPr>
           </a:p>
         </p:txBody>
@@ -4411,8 +4862,8 @@
         </p:nvSpPr>
         <p:spPr>
           <a:xfrm>
-            <a:off x="10650958" y="6662994"/>
-            <a:ext cx="10419206" cy="4310696"/>
+            <a:off x="9845609" y="6662994"/>
+            <a:ext cx="11224555" cy="4767835"/>
           </a:xfrm>
           <a:prstGeom prst="rect">
             <a:avLst/>
@@ -4448,28 +4899,10 @@
               <a:buFont typeface="Arial" panose="020B0604020202020204" pitchFamily="34" charset="0"/>
               <a:buChar char="•"/>
             </a:pPr>
-            <a:r>
-              <a:rPr lang="en-GB" sz="800"/>
-              <a:t>🔍 Analyse von Artikeln der „New York Times“ und „The Guardian“ in den Kategorien </a:t>
-            </a:r>
-            <a:r>
-              <a:rPr lang="en-GB" sz="800" i="1"/>
-              <a:t>World, Politics, Opinion</a:t>
-            </a:r>
-            <a:r>
-              <a:rPr lang="en-GB" sz="800"/>
-              <a:t> von 2010-2021.</a:t>
-            </a:r>
-          </a:p>
-          <a:p>
-            <a:pPr>
-              <a:buFont typeface="Arial" panose="020B0604020202020204" pitchFamily="34" charset="0"/>
-              <a:buChar char="•"/>
-            </a:pPr>
-            <a:r>
-              <a:rPr lang="en-GB" sz="800"/>
-              <a:t>📊 Untersuchung von Objektivität, Polarisierung, Anzahl und Länge der Artikel.</a:t>
-            </a:r>
+            <a:endParaRPr lang="en-GB" sz="800" dirty="0">
+              <a:latin typeface="Times New Roman" panose="02020603050405020304" pitchFamily="18" charset="0"/>
+              <a:cs typeface="Times New Roman" panose="02020603050405020304" pitchFamily="18" charset="0"/>
+            </a:endParaRPr>
           </a:p>
         </p:txBody>
       </p:sp>
@@ -4487,8 +4920,8 @@
         </p:nvSpPr>
         <p:spPr>
           <a:xfrm>
-            <a:off x="585555" y="7009326"/>
-            <a:ext cx="9590076" cy="4401205"/>
+            <a:off x="373576" y="6824892"/>
+            <a:ext cx="9590076" cy="3416320"/>
           </a:xfrm>
           <a:prstGeom prst="rect">
             <a:avLst/>
@@ -4502,24 +4935,36 @@
           <a:lstStyle/>
           <a:p>
             <a:r>
-              <a:rPr lang="de-DE" sz="4000" dirty="0"/>
+              <a:rPr lang="de-DE" sz="3600" dirty="0">
+                <a:latin typeface="Times New Roman" panose="02020603050405020304" pitchFamily="18" charset="0"/>
+                <a:cs typeface="Times New Roman" panose="02020603050405020304" pitchFamily="18" charset="0"/>
+              </a:rPr>
               <a:t>📰 Wie haben sich Medieninhalte über die letzten Jahre verändert?</a:t>
             </a:r>
           </a:p>
           <a:p>
             <a:r>
-              <a:rPr lang="de-DE" sz="4000" dirty="0"/>
+              <a:rPr lang="de-DE" sz="3600" dirty="0">
+                <a:latin typeface="Times New Roman" panose="02020603050405020304" pitchFamily="18" charset="0"/>
+                <a:cs typeface="Times New Roman" panose="02020603050405020304" pitchFamily="18" charset="0"/>
+              </a:rPr>
               <a:t>⚖️ Ist der Journalismus objektiver oder subjektiver geworden?</a:t>
             </a:r>
           </a:p>
           <a:p>
             <a:r>
-              <a:rPr lang="de-DE" sz="4000" dirty="0"/>
-              <a:t>📈 Gibt es Trends in der Artikelanzahl und -länge?</a:t>
-            </a:r>
-          </a:p>
-          <a:p>
-            <a:endParaRPr lang="de-DE" sz="4000" dirty="0"/>
+              <a:rPr lang="de-DE" sz="3600" dirty="0">
+                <a:latin typeface="Times New Roman" panose="02020603050405020304" pitchFamily="18" charset="0"/>
+                <a:cs typeface="Times New Roman" panose="02020603050405020304" pitchFamily="18" charset="0"/>
+              </a:rPr>
+              <a:t>📈 Gibt es Trends in der Artikelanzahl/länge?</a:t>
+            </a:r>
+          </a:p>
+          <a:p>
+            <a:endParaRPr lang="de-DE" sz="3600" dirty="0">
+              <a:latin typeface="Times New Roman" panose="02020603050405020304" pitchFamily="18" charset="0"/>
+              <a:cs typeface="Times New Roman" panose="02020603050405020304" pitchFamily="18" charset="0"/>
+            </a:endParaRPr>
           </a:p>
         </p:txBody>
       </p:sp>
@@ -4537,8 +4982,8 @@
         </p:nvSpPr>
         <p:spPr>
           <a:xfrm>
-            <a:off x="10924409" y="6847189"/>
-            <a:ext cx="9473745" cy="4154984"/>
+            <a:off x="9937935" y="6781752"/>
+            <a:ext cx="11092857" cy="4524315"/>
           </a:xfrm>
           <a:prstGeom prst="rect">
             <a:avLst/>
@@ -4552,63 +4997,169 @@
           <a:lstStyle/>
           <a:p>
             <a:r>
-              <a:rPr lang="en-GB" sz="4400" dirty="0"/>
-              <a:t>🔍 Analyse der „New York Times” und „The Guardian“ von 2010 - 2021</a:t>
-            </a:r>
-          </a:p>
-          <a:p>
-            <a:r>
-              <a:rPr lang="en-GB" sz="4400" dirty="0"/>
+              <a:rPr lang="en-GB" sz="3600" dirty="0">
+                <a:latin typeface="Times New Roman" panose="02020603050405020304" pitchFamily="18" charset="0"/>
+                <a:cs typeface="Times New Roman" panose="02020603050405020304" pitchFamily="18" charset="0"/>
+              </a:rPr>
+              <a:t>🔍 Analyse von „</a:t>
+            </a:r>
+            <a:r>
+              <a:rPr lang="en-GB" sz="3600" b="1" dirty="0">
+                <a:latin typeface="Times New Roman" panose="02020603050405020304" pitchFamily="18" charset="0"/>
+                <a:cs typeface="Times New Roman" panose="02020603050405020304" pitchFamily="18" charset="0"/>
+              </a:rPr>
+              <a:t>The New York Times</a:t>
+            </a:r>
+            <a:r>
+              <a:rPr lang="en-GB" sz="3600" dirty="0">
+                <a:latin typeface="Times New Roman" panose="02020603050405020304" pitchFamily="18" charset="0"/>
+                <a:cs typeface="Times New Roman" panose="02020603050405020304" pitchFamily="18" charset="0"/>
+              </a:rPr>
+              <a:t>” und „</a:t>
+            </a:r>
+            <a:r>
+              <a:rPr lang="en-GB" sz="3600" b="1" dirty="0">
+                <a:latin typeface="Times New Roman" panose="02020603050405020304" pitchFamily="18" charset="0"/>
+                <a:cs typeface="Times New Roman" panose="02020603050405020304" pitchFamily="18" charset="0"/>
+              </a:rPr>
+              <a:t>The Guardian</a:t>
+            </a:r>
+            <a:r>
+              <a:rPr lang="en-GB" sz="3600" dirty="0">
+                <a:latin typeface="Times New Roman" panose="02020603050405020304" pitchFamily="18" charset="0"/>
+                <a:cs typeface="Times New Roman" panose="02020603050405020304" pitchFamily="18" charset="0"/>
+              </a:rPr>
+              <a:t>“ von 2010 – 2011 und 2020 - 2021</a:t>
+            </a:r>
+          </a:p>
+          <a:p>
+            <a:r>
+              <a:rPr lang="en-GB" sz="3600" dirty="0">
+                <a:latin typeface="Times New Roman" panose="02020603050405020304" pitchFamily="18" charset="0"/>
+                <a:cs typeface="Times New Roman" panose="02020603050405020304" pitchFamily="18" charset="0"/>
+              </a:rPr>
               <a:t>📊 </a:t>
             </a:r>
             <a:r>
-              <a:rPr lang="en-GB" sz="4400" dirty="0" err="1"/>
+              <a:rPr lang="en-GB" sz="3600" dirty="0" err="1">
+                <a:latin typeface="Times New Roman" panose="02020603050405020304" pitchFamily="18" charset="0"/>
+                <a:cs typeface="Times New Roman" panose="02020603050405020304" pitchFamily="18" charset="0"/>
+              </a:rPr>
               <a:t>Untersuchung</a:t>
             </a:r>
             <a:r>
-              <a:rPr lang="en-GB" sz="4400" dirty="0"/>
+              <a:rPr lang="en-GB" sz="3600" dirty="0">
+                <a:latin typeface="Times New Roman" panose="02020603050405020304" pitchFamily="18" charset="0"/>
+                <a:cs typeface="Times New Roman" panose="02020603050405020304" pitchFamily="18" charset="0"/>
+              </a:rPr>
               <a:t> von </a:t>
             </a:r>
             <a:r>
-              <a:rPr lang="en-GB" sz="4400" dirty="0" err="1"/>
+              <a:rPr lang="en-GB" sz="3600" b="1" dirty="0" err="1">
+                <a:latin typeface="Times New Roman" panose="02020603050405020304" pitchFamily="18" charset="0"/>
+                <a:cs typeface="Times New Roman" panose="02020603050405020304" pitchFamily="18" charset="0"/>
+              </a:rPr>
               <a:t>Objektivität</a:t>
             </a:r>
             <a:r>
-              <a:rPr lang="en-GB" sz="4400" dirty="0"/>
+              <a:rPr lang="en-GB" sz="3600" dirty="0">
+                <a:latin typeface="Times New Roman" panose="02020603050405020304" pitchFamily="18" charset="0"/>
+                <a:cs typeface="Times New Roman" panose="02020603050405020304" pitchFamily="18" charset="0"/>
+              </a:rPr>
               <a:t>, </a:t>
             </a:r>
             <a:r>
-              <a:rPr lang="en-GB" sz="4400" dirty="0" err="1"/>
+              <a:rPr lang="en-GB" sz="3600" b="1" dirty="0" err="1">
+                <a:latin typeface="Times New Roman" panose="02020603050405020304" pitchFamily="18" charset="0"/>
+                <a:cs typeface="Times New Roman" panose="02020603050405020304" pitchFamily="18" charset="0"/>
+              </a:rPr>
               <a:t>Polarisierung</a:t>
             </a:r>
             <a:r>
-              <a:rPr lang="en-GB" sz="4400" dirty="0"/>
+              <a:rPr lang="en-GB" sz="3600" dirty="0">
+                <a:latin typeface="Times New Roman" panose="02020603050405020304" pitchFamily="18" charset="0"/>
+                <a:cs typeface="Times New Roman" panose="02020603050405020304" pitchFamily="18" charset="0"/>
+              </a:rPr>
               <a:t>, </a:t>
             </a:r>
             <a:r>
-              <a:rPr lang="en-GB" sz="4400" dirty="0" err="1"/>
+              <a:rPr lang="en-GB" sz="3600" dirty="0" err="1">
+                <a:latin typeface="Times New Roman" panose="02020603050405020304" pitchFamily="18" charset="0"/>
+                <a:cs typeface="Times New Roman" panose="02020603050405020304" pitchFamily="18" charset="0"/>
+              </a:rPr>
               <a:t>Anzahl</a:t>
             </a:r>
             <a:r>
-              <a:rPr lang="en-GB" sz="4400" dirty="0"/>
+              <a:rPr lang="en-GB" sz="3600" dirty="0">
+                <a:latin typeface="Times New Roman" panose="02020603050405020304" pitchFamily="18" charset="0"/>
+                <a:cs typeface="Times New Roman" panose="02020603050405020304" pitchFamily="18" charset="0"/>
+              </a:rPr>
               <a:t> und </a:t>
             </a:r>
             <a:r>
-              <a:rPr lang="en-GB" sz="4400" dirty="0" err="1"/>
+              <a:rPr lang="en-GB" sz="3600" dirty="0" err="1">
+                <a:latin typeface="Times New Roman" panose="02020603050405020304" pitchFamily="18" charset="0"/>
+                <a:cs typeface="Times New Roman" panose="02020603050405020304" pitchFamily="18" charset="0"/>
+              </a:rPr>
               <a:t>Länge</a:t>
             </a:r>
             <a:r>
-              <a:rPr lang="en-GB" sz="4400" dirty="0"/>
-              <a:t> der </a:t>
-            </a:r>
-            <a:r>
-              <a:rPr lang="en-GB" sz="4400" dirty="0" err="1"/>
-              <a:t>Artikel</a:t>
-            </a:r>
-            <a:endParaRPr lang="en-GB" sz="4400" dirty="0"/>
-          </a:p>
-          <a:p>
-            <a:endParaRPr lang="de-DE" sz="4400" dirty="0"/>
+              <a:rPr lang="en-GB" sz="3600" dirty="0">
+                <a:latin typeface="Times New Roman" panose="02020603050405020304" pitchFamily="18" charset="0"/>
+                <a:cs typeface="Times New Roman" panose="02020603050405020304" pitchFamily="18" charset="0"/>
+              </a:rPr>
+              <a:t> der Artikel</a:t>
+            </a:r>
+          </a:p>
+          <a:p>
+            <a:r>
+              <a:rPr lang="de-DE" sz="3600" dirty="0">
+                <a:latin typeface="Times New Roman" panose="02020603050405020304" pitchFamily="18" charset="0"/>
+                <a:cs typeface="Times New Roman" panose="02020603050405020304" pitchFamily="18" charset="0"/>
+              </a:rPr>
+              <a:t>🔎Identifikation von </a:t>
+            </a:r>
+            <a:r>
+              <a:rPr lang="de-DE" sz="3600" b="1" dirty="0">
+                <a:latin typeface="Times New Roman" panose="02020603050405020304" pitchFamily="18" charset="0"/>
+                <a:cs typeface="Times New Roman" panose="02020603050405020304" pitchFamily="18" charset="0"/>
+              </a:rPr>
+              <a:t>langfristigen Trends</a:t>
+            </a:r>
+            <a:r>
+              <a:rPr lang="de-DE" sz="3600" dirty="0">
+                <a:latin typeface="Times New Roman" panose="02020603050405020304" pitchFamily="18" charset="0"/>
+                <a:cs typeface="Times New Roman" panose="02020603050405020304" pitchFamily="18" charset="0"/>
+              </a:rPr>
+              <a:t> im Journalismus</a:t>
+            </a:r>
+            <a:endParaRPr lang="en-GB" sz="3600" dirty="0">
+              <a:latin typeface="Times New Roman" panose="02020603050405020304" pitchFamily="18" charset="0"/>
+              <a:cs typeface="Times New Roman" panose="02020603050405020304" pitchFamily="18" charset="0"/>
+            </a:endParaRPr>
+          </a:p>
+          <a:p>
+            <a:r>
+              <a:rPr lang="de-DE" sz="3600" dirty="0">
+                <a:latin typeface="Times New Roman" panose="02020603050405020304" pitchFamily="18" charset="0"/>
+                <a:cs typeface="Times New Roman" panose="02020603050405020304" pitchFamily="18" charset="0"/>
+              </a:rPr>
+              <a:t>📢 </a:t>
+            </a:r>
+            <a:r>
+              <a:rPr lang="de-DE" sz="3600" b="1" dirty="0">
+                <a:latin typeface="Times New Roman" panose="02020603050405020304" pitchFamily="18" charset="0"/>
+                <a:cs typeface="Times New Roman" panose="02020603050405020304" pitchFamily="18" charset="0"/>
+              </a:rPr>
+              <a:t>Vergleich</a:t>
+            </a:r>
+            <a:r>
+              <a:rPr lang="de-DE" sz="3600" dirty="0">
+                <a:latin typeface="Times New Roman" panose="02020603050405020304" pitchFamily="18" charset="0"/>
+                <a:cs typeface="Times New Roman" panose="02020603050405020304" pitchFamily="18" charset="0"/>
+              </a:rPr>
+              <a:t> der Berichterstattung in verschiedenen gesellschaftlichen und politischen Kontexten</a:t>
+            </a:r>
           </a:p>
         </p:txBody>
       </p:sp>
@@ -4626,8 +5177,8 @@
         </p:nvSpPr>
         <p:spPr>
           <a:xfrm>
-            <a:off x="528431" y="12197368"/>
-            <a:ext cx="20345250" cy="4524315"/>
+            <a:off x="315825" y="11241527"/>
+            <a:ext cx="9210642" cy="5016758"/>
           </a:xfrm>
           <a:prstGeom prst="rect">
             <a:avLst/>
@@ -4641,187 +5192,340 @@
           <a:lstStyle/>
           <a:p>
             <a:r>
-              <a:rPr lang="en-GB" sz="3600" dirty="0"/>
+              <a:rPr lang="en-GB" sz="3200" dirty="0">
+                <a:latin typeface="Times New Roman" panose="02020603050405020304" pitchFamily="18" charset="0"/>
+                <a:cs typeface="Times New Roman" panose="02020603050405020304" pitchFamily="18" charset="0"/>
+              </a:rPr>
               <a:t>💻 </a:t>
             </a:r>
             <a:r>
-              <a:rPr lang="en-GB" sz="3600" b="1" dirty="0" err="1"/>
+              <a:rPr lang="en-GB" sz="3200" b="1" dirty="0" err="1">
+                <a:latin typeface="Times New Roman" panose="02020603050405020304" pitchFamily="18" charset="0"/>
+                <a:cs typeface="Times New Roman" panose="02020603050405020304" pitchFamily="18" charset="0"/>
+              </a:rPr>
               <a:t>Datenbeschaffung</a:t>
             </a:r>
             <a:r>
-              <a:rPr lang="en-GB" sz="3600" b="1" dirty="0"/>
+              <a:rPr lang="en-GB" sz="3200" b="1" dirty="0">
+                <a:latin typeface="Times New Roman" panose="02020603050405020304" pitchFamily="18" charset="0"/>
+                <a:cs typeface="Times New Roman" panose="02020603050405020304" pitchFamily="18" charset="0"/>
+              </a:rPr>
               <a:t>:</a:t>
             </a:r>
-            <a:endParaRPr lang="en-GB" sz="3600" dirty="0"/>
-          </a:p>
-          <a:p>
-            <a:r>
-              <a:rPr lang="en-GB" sz="3600" dirty="0"/>
+            <a:endParaRPr lang="en-GB" sz="3200" dirty="0">
+              <a:latin typeface="Times New Roman" panose="02020603050405020304" pitchFamily="18" charset="0"/>
+              <a:cs typeface="Times New Roman" panose="02020603050405020304" pitchFamily="18" charset="0"/>
+            </a:endParaRPr>
+          </a:p>
+          <a:p>
+            <a:r>
+              <a:rPr lang="en-GB" sz="3200" dirty="0">
+                <a:latin typeface="Times New Roman" panose="02020603050405020304" pitchFamily="18" charset="0"/>
+                <a:cs typeface="Times New Roman" panose="02020603050405020304" pitchFamily="18" charset="0"/>
+              </a:rPr>
               <a:t>	🌐 Web Scraping </a:t>
             </a:r>
             <a:r>
-              <a:rPr lang="en-GB" sz="3600" dirty="0" err="1"/>
+              <a:rPr lang="en-GB" sz="3200" dirty="0" err="1">
+                <a:latin typeface="Times New Roman" panose="02020603050405020304" pitchFamily="18" charset="0"/>
+                <a:cs typeface="Times New Roman" panose="02020603050405020304" pitchFamily="18" charset="0"/>
+              </a:rPr>
               <a:t>mit</a:t>
             </a:r>
             <a:r>
-              <a:rPr lang="en-GB" sz="3600" dirty="0"/>
+              <a:rPr lang="en-GB" sz="3200" dirty="0">
+                <a:latin typeface="Times New Roman" panose="02020603050405020304" pitchFamily="18" charset="0"/>
+                <a:cs typeface="Times New Roman" panose="02020603050405020304" pitchFamily="18" charset="0"/>
+              </a:rPr>
               <a:t> </a:t>
             </a:r>
             <a:r>
-              <a:rPr lang="en-GB" sz="3600" b="1" dirty="0"/>
-              <a:t>Python, Selenium, </a:t>
-            </a:r>
-            <a:r>
-              <a:rPr lang="en-GB" sz="3600" b="1" dirty="0" err="1"/>
+              <a:rPr lang="en-GB" sz="3200" b="1" dirty="0">
+                <a:latin typeface="Times New Roman" panose="02020603050405020304" pitchFamily="18" charset="0"/>
+                <a:cs typeface="Times New Roman" panose="02020603050405020304" pitchFamily="18" charset="0"/>
+              </a:rPr>
+              <a:t>Python, Selenium,</a:t>
+            </a:r>
+          </a:p>
+          <a:p>
+            <a:r>
+              <a:rPr lang="en-GB" sz="3200" b="1" dirty="0">
+                <a:latin typeface="Times New Roman" panose="02020603050405020304" pitchFamily="18" charset="0"/>
+                <a:cs typeface="Times New Roman" panose="02020603050405020304" pitchFamily="18" charset="0"/>
+              </a:rPr>
+              <a:t>            </a:t>
+            </a:r>
+            <a:r>
+              <a:rPr lang="en-GB" sz="3200" b="1" dirty="0" err="1">
+                <a:latin typeface="Times New Roman" panose="02020603050405020304" pitchFamily="18" charset="0"/>
+                <a:cs typeface="Times New Roman" panose="02020603050405020304" pitchFamily="18" charset="0"/>
+              </a:rPr>
               <a:t>BeautifulSoup</a:t>
             </a:r>
-            <a:endParaRPr lang="en-GB" sz="3600" dirty="0"/>
-          </a:p>
-          <a:p>
-            <a:r>
-              <a:rPr lang="en-GB" sz="3600" dirty="0"/>
+            <a:endParaRPr lang="en-GB" sz="3200" dirty="0">
+              <a:latin typeface="Times New Roman" panose="02020603050405020304" pitchFamily="18" charset="0"/>
+              <a:cs typeface="Times New Roman" panose="02020603050405020304" pitchFamily="18" charset="0"/>
+            </a:endParaRPr>
+          </a:p>
+          <a:p>
+            <a:r>
+              <a:rPr lang="en-GB" sz="3200" dirty="0">
+                <a:latin typeface="Times New Roman" panose="02020603050405020304" pitchFamily="18" charset="0"/>
+                <a:cs typeface="Times New Roman" panose="02020603050405020304" pitchFamily="18" charset="0"/>
+              </a:rPr>
               <a:t>	🔗 </a:t>
             </a:r>
             <a:r>
-              <a:rPr lang="en-GB" sz="3600" dirty="0" err="1"/>
+              <a:rPr lang="en-GB" sz="3200" dirty="0" err="1">
+                <a:latin typeface="Times New Roman" panose="02020603050405020304" pitchFamily="18" charset="0"/>
+                <a:cs typeface="Times New Roman" panose="02020603050405020304" pitchFamily="18" charset="0"/>
+              </a:rPr>
               <a:t>Nutzung</a:t>
             </a:r>
             <a:r>
-              <a:rPr lang="en-GB" sz="3600" dirty="0"/>
+              <a:rPr lang="en-GB" sz="3200" dirty="0">
+                <a:latin typeface="Times New Roman" panose="02020603050405020304" pitchFamily="18" charset="0"/>
+                <a:cs typeface="Times New Roman" panose="02020603050405020304" pitchFamily="18" charset="0"/>
+              </a:rPr>
               <a:t> der </a:t>
             </a:r>
             <a:r>
-              <a:rPr lang="en-GB" sz="3600" b="1" dirty="0"/>
+              <a:rPr lang="en-GB" sz="3200" b="1" dirty="0">
+                <a:latin typeface="Times New Roman" panose="02020603050405020304" pitchFamily="18" charset="0"/>
+                <a:cs typeface="Times New Roman" panose="02020603050405020304" pitchFamily="18" charset="0"/>
+              </a:rPr>
               <a:t>APIs</a:t>
             </a:r>
             <a:r>
-              <a:rPr lang="en-GB" sz="3600" dirty="0"/>
+              <a:rPr lang="en-GB" sz="3200" dirty="0">
+                <a:latin typeface="Times New Roman" panose="02020603050405020304" pitchFamily="18" charset="0"/>
+                <a:cs typeface="Times New Roman" panose="02020603050405020304" pitchFamily="18" charset="0"/>
+              </a:rPr>
               <a:t> </a:t>
             </a:r>
             <a:r>
-              <a:rPr lang="en-GB" sz="3600" dirty="0" err="1"/>
+              <a:rPr lang="en-GB" sz="3200" dirty="0" err="1">
+                <a:latin typeface="Times New Roman" panose="02020603050405020304" pitchFamily="18" charset="0"/>
+                <a:cs typeface="Times New Roman" panose="02020603050405020304" pitchFamily="18" charset="0"/>
+              </a:rPr>
               <a:t>beider</a:t>
             </a:r>
             <a:r>
-              <a:rPr lang="en-GB" sz="3600" dirty="0"/>
+              <a:rPr lang="en-GB" sz="3200" dirty="0">
+                <a:latin typeface="Times New Roman" panose="02020603050405020304" pitchFamily="18" charset="0"/>
+                <a:cs typeface="Times New Roman" panose="02020603050405020304" pitchFamily="18" charset="0"/>
+              </a:rPr>
               <a:t> </a:t>
             </a:r>
             <a:r>
-              <a:rPr lang="en-GB" sz="3600" dirty="0" err="1"/>
+              <a:rPr lang="en-GB" sz="3200" dirty="0" err="1">
+                <a:latin typeface="Times New Roman" panose="02020603050405020304" pitchFamily="18" charset="0"/>
+                <a:cs typeface="Times New Roman" panose="02020603050405020304" pitchFamily="18" charset="0"/>
+              </a:rPr>
               <a:t>Zeitungen</a:t>
             </a:r>
-            <a:endParaRPr lang="en-GB" sz="3600" dirty="0"/>
-          </a:p>
-          <a:p>
-            <a:r>
-              <a:rPr lang="en-GB" sz="3600" dirty="0"/>
+            <a:endParaRPr lang="en-GB" sz="3200" dirty="0">
+              <a:latin typeface="Times New Roman" panose="02020603050405020304" pitchFamily="18" charset="0"/>
+              <a:cs typeface="Times New Roman" panose="02020603050405020304" pitchFamily="18" charset="0"/>
+            </a:endParaRPr>
+          </a:p>
+          <a:p>
+            <a:r>
+              <a:rPr lang="en-GB" sz="3200" dirty="0">
+                <a:latin typeface="Times New Roman" panose="02020603050405020304" pitchFamily="18" charset="0"/>
+                <a:cs typeface="Times New Roman" panose="02020603050405020304" pitchFamily="18" charset="0"/>
+              </a:rPr>
               <a:t>📊 </a:t>
             </a:r>
             <a:r>
-              <a:rPr lang="en-GB" sz="3600" b="1" dirty="0"/>
+              <a:rPr lang="en-GB" sz="3200" b="1" dirty="0">
+                <a:latin typeface="Times New Roman" panose="02020603050405020304" pitchFamily="18" charset="0"/>
+                <a:cs typeface="Times New Roman" panose="02020603050405020304" pitchFamily="18" charset="0"/>
+              </a:rPr>
               <a:t>Analyse:</a:t>
             </a:r>
-            <a:endParaRPr lang="en-GB" sz="3600" dirty="0"/>
-          </a:p>
-          <a:p>
-            <a:r>
-              <a:rPr lang="en-GB" sz="3600" dirty="0"/>
+            <a:endParaRPr lang="en-GB" sz="3200" dirty="0">
+              <a:latin typeface="Times New Roman" panose="02020603050405020304" pitchFamily="18" charset="0"/>
+              <a:cs typeface="Times New Roman" panose="02020603050405020304" pitchFamily="18" charset="0"/>
+            </a:endParaRPr>
+          </a:p>
+          <a:p>
+            <a:r>
+              <a:rPr lang="en-GB" sz="3200" dirty="0">
+                <a:latin typeface="Times New Roman" panose="02020603050405020304" pitchFamily="18" charset="0"/>
+                <a:cs typeface="Times New Roman" panose="02020603050405020304" pitchFamily="18" charset="0"/>
+              </a:rPr>
               <a:t>	🤖 </a:t>
             </a:r>
             <a:r>
-              <a:rPr lang="en-GB" sz="3600" dirty="0" err="1"/>
+              <a:rPr lang="en-GB" sz="3200" dirty="0" err="1">
+                <a:latin typeface="Times New Roman" panose="02020603050405020304" pitchFamily="18" charset="0"/>
+                <a:cs typeface="Times New Roman" panose="02020603050405020304" pitchFamily="18" charset="0"/>
+              </a:rPr>
               <a:t>Sentimentanalyse</a:t>
             </a:r>
             <a:r>
-              <a:rPr lang="en-GB" sz="3600" dirty="0"/>
+              <a:rPr lang="en-GB" sz="3200" dirty="0">
+                <a:latin typeface="Times New Roman" panose="02020603050405020304" pitchFamily="18" charset="0"/>
+                <a:cs typeface="Times New Roman" panose="02020603050405020304" pitchFamily="18" charset="0"/>
+              </a:rPr>
               <a:t> </a:t>
             </a:r>
             <a:r>
-              <a:rPr lang="en-GB" sz="3600" dirty="0" err="1"/>
+              <a:rPr lang="en-GB" sz="3200" dirty="0" err="1">
+                <a:latin typeface="Times New Roman" panose="02020603050405020304" pitchFamily="18" charset="0"/>
+                <a:cs typeface="Times New Roman" panose="02020603050405020304" pitchFamily="18" charset="0"/>
+              </a:rPr>
               <a:t>mit</a:t>
             </a:r>
             <a:r>
-              <a:rPr lang="en-GB" sz="3600" dirty="0"/>
+              <a:rPr lang="en-GB" sz="3200" dirty="0">
+                <a:latin typeface="Times New Roman" panose="02020603050405020304" pitchFamily="18" charset="0"/>
+                <a:cs typeface="Times New Roman" panose="02020603050405020304" pitchFamily="18" charset="0"/>
+              </a:rPr>
               <a:t> </a:t>
             </a:r>
             <a:r>
-              <a:rPr lang="en-GB" sz="3600" b="1" dirty="0" err="1"/>
+              <a:rPr lang="en-GB" sz="3200" b="1" dirty="0" err="1">
+                <a:latin typeface="Times New Roman" panose="02020603050405020304" pitchFamily="18" charset="0"/>
+                <a:cs typeface="Times New Roman" panose="02020603050405020304" pitchFamily="18" charset="0"/>
+              </a:rPr>
               <a:t>TextBlob</a:t>
             </a:r>
-            <a:endParaRPr lang="en-GB" sz="3600" dirty="0"/>
-          </a:p>
-          <a:p>
-            <a:r>
-              <a:rPr lang="en-GB" sz="3600" dirty="0"/>
+            <a:endParaRPr lang="en-GB" sz="3200" dirty="0">
+              <a:latin typeface="Times New Roman" panose="02020603050405020304" pitchFamily="18" charset="0"/>
+              <a:cs typeface="Times New Roman" panose="02020603050405020304" pitchFamily="18" charset="0"/>
+            </a:endParaRPr>
+          </a:p>
+          <a:p>
+            <a:r>
+              <a:rPr lang="en-GB" sz="3200" dirty="0">
+                <a:latin typeface="Times New Roman" panose="02020603050405020304" pitchFamily="18" charset="0"/>
+                <a:cs typeface="Times New Roman" panose="02020603050405020304" pitchFamily="18" charset="0"/>
+              </a:rPr>
               <a:t>	📉 </a:t>
             </a:r>
             <a:r>
-              <a:rPr lang="en-GB" sz="3600" dirty="0" err="1"/>
+              <a:rPr lang="en-GB" sz="3200" dirty="0" err="1">
+                <a:latin typeface="Times New Roman" panose="02020603050405020304" pitchFamily="18" charset="0"/>
+                <a:cs typeface="Times New Roman" panose="02020603050405020304" pitchFamily="18" charset="0"/>
+              </a:rPr>
               <a:t>Berechnung</a:t>
             </a:r>
             <a:r>
-              <a:rPr lang="en-GB" sz="3600" dirty="0"/>
+              <a:rPr lang="en-GB" sz="3200" dirty="0">
+                <a:latin typeface="Times New Roman" panose="02020603050405020304" pitchFamily="18" charset="0"/>
+                <a:cs typeface="Times New Roman" panose="02020603050405020304" pitchFamily="18" charset="0"/>
+              </a:rPr>
               <a:t> von </a:t>
             </a:r>
             <a:r>
-              <a:rPr lang="en-GB" sz="3600" b="1" dirty="0" err="1"/>
+              <a:rPr lang="en-GB" sz="3200" b="1" dirty="0" err="1">
+                <a:latin typeface="Times New Roman" panose="02020603050405020304" pitchFamily="18" charset="0"/>
+                <a:cs typeface="Times New Roman" panose="02020603050405020304" pitchFamily="18" charset="0"/>
+              </a:rPr>
               <a:t>Subjektivität</a:t>
             </a:r>
             <a:r>
-              <a:rPr lang="en-GB" sz="3600" b="1" dirty="0"/>
+              <a:rPr lang="en-GB" sz="3200" b="1" dirty="0">
+                <a:latin typeface="Times New Roman" panose="02020603050405020304" pitchFamily="18" charset="0"/>
+                <a:cs typeface="Times New Roman" panose="02020603050405020304" pitchFamily="18" charset="0"/>
+              </a:rPr>
               <a:t> &amp; Polarisation</a:t>
             </a:r>
-            <a:endParaRPr lang="en-GB" sz="3600" dirty="0"/>
-          </a:p>
-          <a:p>
-            <a:r>
-              <a:rPr lang="en-GB" sz="3600" dirty="0"/>
-              <a:t>	🗄 </a:t>
-            </a:r>
-            <a:r>
-              <a:rPr lang="en-GB" sz="3600" dirty="0" err="1"/>
+            <a:endParaRPr lang="en-GB" sz="3200" dirty="0">
+              <a:latin typeface="Times New Roman" panose="02020603050405020304" pitchFamily="18" charset="0"/>
+              <a:cs typeface="Times New Roman" panose="02020603050405020304" pitchFamily="18" charset="0"/>
+            </a:endParaRPr>
+          </a:p>
+          <a:p>
+            <a:r>
+              <a:rPr lang="en-GB" sz="3200" dirty="0">
+                <a:latin typeface="Times New Roman" panose="02020603050405020304" pitchFamily="18" charset="0"/>
+                <a:cs typeface="Times New Roman" panose="02020603050405020304" pitchFamily="18" charset="0"/>
+              </a:rPr>
+              <a:t>	💾</a:t>
+            </a:r>
+            <a:r>
+              <a:rPr lang="en-GB" sz="3200" dirty="0" err="1">
+                <a:latin typeface="Times New Roman" panose="02020603050405020304" pitchFamily="18" charset="0"/>
+                <a:cs typeface="Times New Roman" panose="02020603050405020304" pitchFamily="18" charset="0"/>
+              </a:rPr>
               <a:t>Speicherung</a:t>
             </a:r>
             <a:r>
-              <a:rPr lang="en-GB" sz="3600" dirty="0"/>
+              <a:rPr lang="en-GB" sz="3200" dirty="0">
+                <a:latin typeface="Times New Roman" panose="02020603050405020304" pitchFamily="18" charset="0"/>
+                <a:cs typeface="Times New Roman" panose="02020603050405020304" pitchFamily="18" charset="0"/>
+              </a:rPr>
               <a:t> und </a:t>
             </a:r>
             <a:r>
-              <a:rPr lang="en-GB" sz="3600" dirty="0" err="1"/>
+              <a:rPr lang="en-GB" sz="3200" dirty="0" err="1">
+                <a:latin typeface="Times New Roman" panose="02020603050405020304" pitchFamily="18" charset="0"/>
+                <a:cs typeface="Times New Roman" panose="02020603050405020304" pitchFamily="18" charset="0"/>
+              </a:rPr>
               <a:t>Visualisierung</a:t>
             </a:r>
             <a:r>
-              <a:rPr lang="en-GB" sz="3600" dirty="0"/>
+              <a:rPr lang="en-GB" sz="3200" dirty="0">
+                <a:latin typeface="Times New Roman" panose="02020603050405020304" pitchFamily="18" charset="0"/>
+                <a:cs typeface="Times New Roman" panose="02020603050405020304" pitchFamily="18" charset="0"/>
+              </a:rPr>
               <a:t> </a:t>
             </a:r>
             <a:r>
-              <a:rPr lang="en-GB" sz="3600" dirty="0" err="1"/>
+              <a:rPr lang="en-GB" sz="3200" dirty="0" err="1">
+                <a:latin typeface="Times New Roman" panose="02020603050405020304" pitchFamily="18" charset="0"/>
+                <a:cs typeface="Times New Roman" panose="02020603050405020304" pitchFamily="18" charset="0"/>
+              </a:rPr>
               <a:t>mit</a:t>
             </a:r>
             <a:r>
-              <a:rPr lang="en-GB" sz="3600" dirty="0"/>
+              <a:rPr lang="en-GB" sz="3200" dirty="0">
+                <a:latin typeface="Times New Roman" panose="02020603050405020304" pitchFamily="18" charset="0"/>
+                <a:cs typeface="Times New Roman" panose="02020603050405020304" pitchFamily="18" charset="0"/>
+              </a:rPr>
               <a:t> </a:t>
             </a:r>
             <a:r>
-              <a:rPr lang="en-GB" sz="3600" b="1" dirty="0"/>
+              <a:rPr lang="en-GB" sz="3200" b="1" dirty="0">
+                <a:latin typeface="Times New Roman" panose="02020603050405020304" pitchFamily="18" charset="0"/>
+                <a:cs typeface="Times New Roman" panose="02020603050405020304" pitchFamily="18" charset="0"/>
+              </a:rPr>
               <a:t>SQLite, </a:t>
             </a:r>
             <a:r>
-              <a:rPr lang="en-GB" sz="3600" b="1" dirty="0" err="1"/>
+              <a:rPr lang="en-GB" sz="3200" b="1" dirty="0" err="1">
+                <a:latin typeface="Times New Roman" panose="02020603050405020304" pitchFamily="18" charset="0"/>
+                <a:cs typeface="Times New Roman" panose="02020603050405020304" pitchFamily="18" charset="0"/>
+              </a:rPr>
               <a:t>Plotly</a:t>
             </a:r>
             <a:r>
-              <a:rPr lang="en-GB" sz="3600" b="1" dirty="0"/>
+              <a:rPr lang="en-GB" sz="3200" b="1" dirty="0">
+                <a:latin typeface="Times New Roman" panose="02020603050405020304" pitchFamily="18" charset="0"/>
+                <a:cs typeface="Times New Roman" panose="02020603050405020304" pitchFamily="18" charset="0"/>
+              </a:rPr>
               <a:t>, </a:t>
             </a:r>
             <a:r>
-              <a:rPr lang="en-GB" sz="3600" b="1" dirty="0" err="1"/>
+              <a:rPr lang="en-GB" sz="3200" b="1" dirty="0" err="1">
+                <a:latin typeface="Times New Roman" panose="02020603050405020304" pitchFamily="18" charset="0"/>
+                <a:cs typeface="Times New Roman" panose="02020603050405020304" pitchFamily="18" charset="0"/>
+              </a:rPr>
               <a:t>Streamlit</a:t>
             </a:r>
-            <a:endParaRPr lang="en-GB" sz="3600" dirty="0"/>
-          </a:p>
-          <a:p>
-            <a:endParaRPr lang="de-DE" sz="3600" dirty="0"/>
+            <a:endParaRPr lang="en-GB" sz="3200" dirty="0">
+              <a:latin typeface="Times New Roman" panose="02020603050405020304" pitchFamily="18" charset="0"/>
+              <a:cs typeface="Times New Roman" panose="02020603050405020304" pitchFamily="18" charset="0"/>
+            </a:endParaRPr>
+          </a:p>
+          <a:p>
+            <a:endParaRPr lang="de-DE" sz="3200" dirty="0">
+              <a:latin typeface="Times New Roman" panose="02020603050405020304" pitchFamily="18" charset="0"/>
+              <a:cs typeface="Times New Roman" panose="02020603050405020304" pitchFamily="18" charset="0"/>
+            </a:endParaRPr>
           </a:p>
         </p:txBody>
       </p:sp>
@@ -4839,8 +5543,8 @@
         </p:nvSpPr>
         <p:spPr>
           <a:xfrm>
-            <a:off x="509944" y="18053538"/>
-            <a:ext cx="10181868" cy="2554545"/>
+            <a:off x="366657" y="17640256"/>
+            <a:ext cx="7110056" cy="8710077"/>
           </a:xfrm>
           <a:prstGeom prst="rect">
             <a:avLst/>
@@ -4854,54 +5558,943 @@
           <a:lstStyle/>
           <a:p>
             <a:r>
-              <a:rPr lang="de-DE" sz="3200" b="1" dirty="0"/>
-              <a:t>Ergebnisse</a:t>
-            </a:r>
-          </a:p>
-          <a:p>
-            <a:r>
-              <a:rPr lang="de-DE" sz="3200" dirty="0"/>
+              <a:rPr lang="de-DE" sz="2800" dirty="0">
+                <a:latin typeface="Times New Roman" panose="02020603050405020304" pitchFamily="18" charset="0"/>
+                <a:cs typeface="Times New Roman" panose="02020603050405020304" pitchFamily="18" charset="0"/>
+              </a:rPr>
               <a:t>📉 </a:t>
             </a:r>
             <a:r>
-              <a:rPr lang="de-DE" sz="3200" b="1" dirty="0"/>
-              <a:t>Artikelanzahl:</a:t>
-            </a:r>
-            <a:endParaRPr lang="de-DE" sz="3200" dirty="0"/>
-          </a:p>
-          <a:p>
-            <a:r>
-              <a:rPr lang="de-DE" sz="3200" dirty="0"/>
-              <a:t>	🔽 Rückgang von </a:t>
-            </a:r>
-            <a:r>
-              <a:rPr lang="de-DE" sz="3200" i="1" dirty="0"/>
-              <a:t>Opinion</a:t>
-            </a:r>
-            <a:r>
-              <a:rPr lang="de-DE" sz="3200" dirty="0"/>
-              <a:t>-Artikeln im „Guardian“</a:t>
-            </a:r>
-          </a:p>
-          <a:p>
-            <a:r>
-              <a:rPr lang="de-DE" sz="3200" dirty="0"/>
-              <a:t>	🔼 Anstieg von </a:t>
-            </a:r>
-            <a:r>
-              <a:rPr lang="de-DE" sz="3200" i="1" dirty="0"/>
+              <a:rPr lang="de-DE" sz="2800" b="1" dirty="0">
+                <a:latin typeface="Times New Roman" panose="02020603050405020304" pitchFamily="18" charset="0"/>
+                <a:cs typeface="Times New Roman" panose="02020603050405020304" pitchFamily="18" charset="0"/>
+              </a:rPr>
+              <a:t>Artikellänge:</a:t>
+            </a:r>
+            <a:endParaRPr lang="de-DE" sz="2800" dirty="0">
+              <a:latin typeface="Times New Roman" panose="02020603050405020304" pitchFamily="18" charset="0"/>
+              <a:cs typeface="Times New Roman" panose="02020603050405020304" pitchFamily="18" charset="0"/>
+            </a:endParaRPr>
+          </a:p>
+          <a:p>
+            <a:r>
+              <a:rPr lang="de-DE" sz="2800" dirty="0">
+                <a:latin typeface="Times New Roman" panose="02020603050405020304" pitchFamily="18" charset="0"/>
+                <a:cs typeface="Times New Roman" panose="02020603050405020304" pitchFamily="18" charset="0"/>
+              </a:rPr>
+              <a:t>		Guardian ca. 800 Wörter pro Artikel</a:t>
+            </a:r>
+          </a:p>
+          <a:p>
+            <a:r>
+              <a:rPr lang="de-DE" sz="2800" dirty="0">
+                <a:latin typeface="Times New Roman" panose="02020603050405020304" pitchFamily="18" charset="0"/>
+                <a:cs typeface="Times New Roman" panose="02020603050405020304" pitchFamily="18" charset="0"/>
+              </a:rPr>
+              <a:t>		NY Times ca. 1100 Wörter pro Artikel</a:t>
+            </a:r>
+            <a:br>
+              <a:rPr lang="de-DE" sz="2800" dirty="0">
+                <a:latin typeface="Times New Roman" panose="02020603050405020304" pitchFamily="18" charset="0"/>
+                <a:cs typeface="Times New Roman" panose="02020603050405020304" pitchFamily="18" charset="0"/>
+              </a:rPr>
+            </a:br>
+            <a:r>
+              <a:rPr lang="de-DE" sz="2800" dirty="0">
+                <a:latin typeface="Times New Roman" panose="02020603050405020304" pitchFamily="18" charset="0"/>
+                <a:cs typeface="Times New Roman" panose="02020603050405020304" pitchFamily="18" charset="0"/>
+              </a:rPr>
+              <a:t>			keine signifikanten Veränderungen</a:t>
+            </a:r>
+          </a:p>
+          <a:p>
+            <a:endParaRPr lang="de-DE" sz="2800" dirty="0">
+              <a:latin typeface="Times New Roman" panose="02020603050405020304" pitchFamily="18" charset="0"/>
+              <a:cs typeface="Times New Roman" panose="02020603050405020304" pitchFamily="18" charset="0"/>
+            </a:endParaRPr>
+          </a:p>
+          <a:p>
+            <a:r>
+              <a:rPr lang="en-GB" sz="2800" b="1" dirty="0">
+                <a:latin typeface="Times New Roman" panose="02020603050405020304" pitchFamily="18" charset="0"/>
+                <a:cs typeface="Times New Roman" panose="02020603050405020304" pitchFamily="18" charset="0"/>
+              </a:rPr>
+              <a:t>📊Polarisation:</a:t>
+            </a:r>
+            <a:endParaRPr lang="de-DE" sz="2800" b="1" dirty="0">
+              <a:latin typeface="Times New Roman" panose="02020603050405020304" pitchFamily="18" charset="0"/>
+              <a:cs typeface="Times New Roman" panose="02020603050405020304" pitchFamily="18" charset="0"/>
+            </a:endParaRPr>
+          </a:p>
+          <a:p>
+            <a:r>
+              <a:rPr lang="de-DE" sz="2800" dirty="0">
+                <a:latin typeface="Times New Roman" panose="02020603050405020304" pitchFamily="18" charset="0"/>
+                <a:cs typeface="Times New Roman" panose="02020603050405020304" pitchFamily="18" charset="0"/>
+              </a:rPr>
+              <a:t>		konstanter Durchschnittswert von 0,1</a:t>
+            </a:r>
+          </a:p>
+          <a:p>
+            <a:r>
+              <a:rPr lang="de-DE" sz="2800" dirty="0">
+                <a:latin typeface="Times New Roman" panose="02020603050405020304" pitchFamily="18" charset="0"/>
+                <a:cs typeface="Times New Roman" panose="02020603050405020304" pitchFamily="18" charset="0"/>
+              </a:rPr>
+              <a:t>		keine negative oder positive Tendenz erkennbar</a:t>
+            </a:r>
+          </a:p>
+          <a:p>
+            <a:endParaRPr lang="de-DE" sz="2800" dirty="0">
+              <a:latin typeface="Times New Roman" panose="02020603050405020304" pitchFamily="18" charset="0"/>
+              <a:cs typeface="Times New Roman" panose="02020603050405020304" pitchFamily="18" charset="0"/>
+            </a:endParaRPr>
+          </a:p>
+          <a:p>
+            <a:r>
+              <a:rPr lang="de-DE" sz="2800" dirty="0">
+                <a:latin typeface="Times New Roman" panose="02020603050405020304" pitchFamily="18" charset="0"/>
+                <a:cs typeface="Times New Roman" panose="02020603050405020304" pitchFamily="18" charset="0"/>
+              </a:rPr>
+              <a:t>⚖️</a:t>
+            </a:r>
+            <a:r>
+              <a:rPr lang="de-DE" sz="2800" i="1" dirty="0">
+                <a:latin typeface="Times New Roman" panose="02020603050405020304" pitchFamily="18" charset="0"/>
+                <a:cs typeface="Times New Roman" panose="02020603050405020304" pitchFamily="18" charset="0"/>
+              </a:rPr>
+              <a:t> </a:t>
+            </a:r>
+            <a:r>
+              <a:rPr lang="de-DE" sz="2800" b="1" dirty="0">
+                <a:latin typeface="Times New Roman" panose="02020603050405020304" pitchFamily="18" charset="0"/>
+                <a:cs typeface="Times New Roman" panose="02020603050405020304" pitchFamily="18" charset="0"/>
+              </a:rPr>
+              <a:t>Subjektivität:</a:t>
+            </a:r>
+          </a:p>
+          <a:p>
+            <a:r>
+              <a:rPr lang="de-DE" sz="2800" i="1" dirty="0">
+                <a:latin typeface="Times New Roman" panose="02020603050405020304" pitchFamily="18" charset="0"/>
+                <a:cs typeface="Times New Roman" panose="02020603050405020304" pitchFamily="18" charset="0"/>
+              </a:rPr>
+              <a:t>		Opinion</a:t>
+            </a:r>
+            <a:r>
+              <a:rPr lang="de-DE" sz="2800" dirty="0">
+                <a:latin typeface="Times New Roman" panose="02020603050405020304" pitchFamily="18" charset="0"/>
+                <a:cs typeface="Times New Roman" panose="02020603050405020304" pitchFamily="18" charset="0"/>
+              </a:rPr>
+              <a:t>-Artikel </a:t>
+            </a:r>
+            <a:r>
+              <a:rPr lang="de-DE" sz="2800" dirty="0">
+                <a:latin typeface="Times New Roman" panose="02020603050405020304" pitchFamily="18" charset="0"/>
+                <a:cs typeface="Times New Roman" panose="02020603050405020304" pitchFamily="18" charset="0"/>
+                <a:sym typeface="Wingdings" panose="05000000000000000000" pitchFamily="2" charset="2"/>
+              </a:rPr>
+              <a:t> subjektiv</a:t>
+            </a:r>
+            <a:br>
+              <a:rPr lang="de-DE" sz="2800" dirty="0">
+                <a:latin typeface="Times New Roman" panose="02020603050405020304" pitchFamily="18" charset="0"/>
+                <a:cs typeface="Times New Roman" panose="02020603050405020304" pitchFamily="18" charset="0"/>
+                <a:sym typeface="Wingdings" panose="05000000000000000000" pitchFamily="2" charset="2"/>
+              </a:rPr>
+            </a:br>
+            <a:r>
+              <a:rPr lang="de-DE" sz="2800" dirty="0">
+                <a:latin typeface="Times New Roman" panose="02020603050405020304" pitchFamily="18" charset="0"/>
+                <a:cs typeface="Times New Roman" panose="02020603050405020304" pitchFamily="18" charset="0"/>
+                <a:sym typeface="Wingdings" panose="05000000000000000000" pitchFamily="2" charset="2"/>
+              </a:rPr>
+              <a:t>		</a:t>
+            </a:r>
+            <a:r>
+              <a:rPr lang="de-DE" sz="2800" i="1" dirty="0">
+                <a:latin typeface="Times New Roman" panose="02020603050405020304" pitchFamily="18" charset="0"/>
+                <a:cs typeface="Times New Roman" panose="02020603050405020304" pitchFamily="18" charset="0"/>
+                <a:sym typeface="Wingdings" panose="05000000000000000000" pitchFamily="2" charset="2"/>
+              </a:rPr>
+              <a:t>W</a:t>
+            </a:r>
+            <a:r>
+              <a:rPr lang="de-DE" sz="2800" i="1" dirty="0">
+                <a:latin typeface="Times New Roman" panose="02020603050405020304" pitchFamily="18" charset="0"/>
+                <a:cs typeface="Times New Roman" panose="02020603050405020304" pitchFamily="18" charset="0"/>
+              </a:rPr>
+              <a:t>orld</a:t>
+            </a:r>
+            <a:r>
+              <a:rPr lang="de-DE" sz="2800" dirty="0">
+                <a:latin typeface="Times New Roman" panose="02020603050405020304" pitchFamily="18" charset="0"/>
+                <a:cs typeface="Times New Roman" panose="02020603050405020304" pitchFamily="18" charset="0"/>
+              </a:rPr>
+              <a:t>-Artikel </a:t>
+            </a:r>
+            <a:r>
+              <a:rPr lang="de-DE" sz="2800" dirty="0">
+                <a:latin typeface="Times New Roman" panose="02020603050405020304" pitchFamily="18" charset="0"/>
+                <a:cs typeface="Times New Roman" panose="02020603050405020304" pitchFamily="18" charset="0"/>
+                <a:sym typeface="Wingdings" panose="05000000000000000000" pitchFamily="2" charset="2"/>
+              </a:rPr>
+              <a:t> konstant objektiv</a:t>
+            </a:r>
+          </a:p>
+          <a:p>
+            <a:r>
+              <a:rPr lang="de-DE" sz="2800" dirty="0">
+                <a:latin typeface="Times New Roman" panose="02020603050405020304" pitchFamily="18" charset="0"/>
+                <a:cs typeface="Times New Roman" panose="02020603050405020304" pitchFamily="18" charset="0"/>
+              </a:rPr>
+              <a:t>		</a:t>
+            </a:r>
+            <a:r>
+              <a:rPr lang="de-DE" sz="2800" i="1" dirty="0">
+                <a:latin typeface="Times New Roman" panose="02020603050405020304" pitchFamily="18" charset="0"/>
+                <a:cs typeface="Times New Roman" panose="02020603050405020304" pitchFamily="18" charset="0"/>
+              </a:rPr>
               <a:t>Politics</a:t>
             </a:r>
             <a:r>
-              <a:rPr lang="de-DE" sz="3200" dirty="0"/>
-              <a:t>-Artikeln in der „NY Times“</a:t>
-            </a:r>
-          </a:p>
-          <a:p>
-            <a:endParaRPr lang="de-DE" sz="3200" dirty="0"/>
-          </a:p>
-        </p:txBody>
-      </p:sp>
+              <a:rPr lang="de-DE" sz="2800" dirty="0">
+                <a:latin typeface="Times New Roman" panose="02020603050405020304" pitchFamily="18" charset="0"/>
+                <a:cs typeface="Times New Roman" panose="02020603050405020304" pitchFamily="18" charset="0"/>
+              </a:rPr>
+              <a:t>-Artikel </a:t>
+            </a:r>
+            <a:r>
+              <a:rPr lang="de-DE" sz="2800" dirty="0">
+                <a:latin typeface="Times New Roman" panose="02020603050405020304" pitchFamily="18" charset="0"/>
+                <a:cs typeface="Times New Roman" panose="02020603050405020304" pitchFamily="18" charset="0"/>
+                <a:sym typeface="Wingdings" panose="05000000000000000000" pitchFamily="2" charset="2"/>
+              </a:rPr>
+              <a:t> zunehmend objektiv</a:t>
+            </a:r>
+          </a:p>
+          <a:p>
+            <a:endParaRPr lang="de-DE" sz="2800" dirty="0">
+              <a:latin typeface="Times New Roman" panose="02020603050405020304" pitchFamily="18" charset="0"/>
+              <a:cs typeface="Times New Roman" panose="02020603050405020304" pitchFamily="18" charset="0"/>
+              <a:sym typeface="Wingdings" panose="05000000000000000000" pitchFamily="2" charset="2"/>
+            </a:endParaRPr>
+          </a:p>
+          <a:p>
+            <a:endParaRPr lang="de-DE" sz="2800" dirty="0">
+              <a:latin typeface="Times New Roman" panose="02020603050405020304" pitchFamily="18" charset="0"/>
+              <a:cs typeface="Times New Roman" panose="02020603050405020304" pitchFamily="18" charset="0"/>
+            </a:endParaRPr>
+          </a:p>
+          <a:p>
+            <a:r>
+              <a:rPr lang="de-DE" sz="2800" b="1" dirty="0">
+                <a:latin typeface="Times New Roman" panose="02020603050405020304" pitchFamily="18" charset="0"/>
+                <a:cs typeface="Times New Roman" panose="02020603050405020304" pitchFamily="18" charset="0"/>
+              </a:rPr>
+              <a:t>🔢Artikelanzahl:</a:t>
+            </a:r>
+          </a:p>
+          <a:p>
+            <a:r>
+              <a:rPr lang="de-DE" sz="2800" dirty="0">
+                <a:latin typeface="Times New Roman" panose="02020603050405020304" pitchFamily="18" charset="0"/>
+                <a:cs typeface="Times New Roman" panose="02020603050405020304" pitchFamily="18" charset="0"/>
+              </a:rPr>
+              <a:t>		Guardian-Artikelanzahl ist gesunken</a:t>
+            </a:r>
+          </a:p>
+          <a:p>
+            <a:r>
+              <a:rPr lang="de-DE" sz="2800" dirty="0">
+                <a:latin typeface="Times New Roman" panose="02020603050405020304" pitchFamily="18" charset="0"/>
+                <a:cs typeface="Times New Roman" panose="02020603050405020304" pitchFamily="18" charset="0"/>
+              </a:rPr>
+              <a:t>		New-York-Times-Artikelanzahl der Rubrik </a:t>
+            </a:r>
+            <a:r>
+              <a:rPr lang="de-DE" sz="2800" i="1" dirty="0">
+                <a:latin typeface="Times New Roman" panose="02020603050405020304" pitchFamily="18" charset="0"/>
+                <a:cs typeface="Times New Roman" panose="02020603050405020304" pitchFamily="18" charset="0"/>
+              </a:rPr>
+              <a:t>Politics</a:t>
+            </a:r>
+            <a:r>
+              <a:rPr lang="de-DE" sz="2800" dirty="0">
+                <a:latin typeface="Times New Roman" panose="02020603050405020304" pitchFamily="18" charset="0"/>
+                <a:cs typeface="Times New Roman" panose="02020603050405020304" pitchFamily="18" charset="0"/>
+              </a:rPr>
+              <a:t> 					gestiegen</a:t>
+            </a:r>
+          </a:p>
+        </p:txBody>
+      </p:sp>
+      <p:sp>
+        <p:nvSpPr>
+          <p:cNvPr id="11" name="Textfeld 10">
+            <a:extLst>
+              <a:ext uri="{FF2B5EF4-FFF2-40B4-BE49-F238E27FC236}">
+                <a16:creationId xmlns:a16="http://schemas.microsoft.com/office/drawing/2014/main" id="{2D72864D-895D-3BB4-CCE5-7C56F93D2D41}"/>
+              </a:ext>
+            </a:extLst>
+          </p:cNvPr>
+          <p:cNvSpPr txBox="1"/>
+          <p:nvPr/>
+        </p:nvSpPr>
+        <p:spPr>
+          <a:xfrm>
+            <a:off x="11613881" y="27157356"/>
+            <a:ext cx="9491036" cy="400110"/>
+          </a:xfrm>
+          <a:prstGeom prst="rect">
+            <a:avLst/>
+          </a:prstGeom>
+          <a:noFill/>
+        </p:spPr>
+        <p:txBody>
+          <a:bodyPr wrap="square" rtlCol="0">
+            <a:spAutoFit/>
+          </a:bodyPr>
+          <a:lstStyle/>
+          <a:p>
+            <a:r>
+              <a:rPr lang="de-DE" sz="2000" dirty="0">
+                <a:latin typeface="Times New Roman" panose="02020603050405020304" pitchFamily="18" charset="0"/>
+                <a:cs typeface="Times New Roman" panose="02020603050405020304" pitchFamily="18" charset="0"/>
+              </a:rPr>
+              <a:t>Direkte Zitate</a:t>
+            </a:r>
+          </a:p>
+        </p:txBody>
+      </p:sp>
+      <p:sp>
+        <p:nvSpPr>
+          <p:cNvPr id="14" name="Rechteck 13">
+            <a:extLst>
+              <a:ext uri="{FF2B5EF4-FFF2-40B4-BE49-F238E27FC236}">
+                <a16:creationId xmlns:a16="http://schemas.microsoft.com/office/drawing/2014/main" id="{D64860A1-9E2D-6404-42BD-FE5A43EE5081}"/>
+              </a:ext>
+            </a:extLst>
+          </p:cNvPr>
+          <p:cNvSpPr>
+            <a:spLocks/>
+          </p:cNvSpPr>
+          <p:nvPr/>
+        </p:nvSpPr>
+        <p:spPr>
+          <a:xfrm>
+            <a:off x="9900099" y="28104481"/>
+            <a:ext cx="11219483" cy="589729"/>
+          </a:xfrm>
+          <a:prstGeom prst="rect">
+            <a:avLst/>
+          </a:prstGeom>
+          <a:solidFill>
+            <a:srgbClr val="D7D7D7"/>
+          </a:solidFill>
+          <a:ln>
+            <a:noFill/>
+          </a:ln>
+        </p:spPr>
+        <p:style>
+          <a:lnRef idx="2">
+            <a:schemeClr val="accent1">
+              <a:shade val="50000"/>
+            </a:schemeClr>
+          </a:lnRef>
+          <a:fillRef idx="1">
+            <a:schemeClr val="accent1"/>
+          </a:fillRef>
+          <a:effectRef idx="0">
+            <a:schemeClr val="accent1"/>
+          </a:effectRef>
+          <a:fontRef idx="minor">
+            <a:schemeClr val="lt1"/>
+          </a:fontRef>
+        </p:style>
+        <p:txBody>
+          <a:bodyPr rtlCol="0" anchor="ctr"/>
+          <a:lstStyle/>
+          <a:p>
+            <a:pPr algn="ctr"/>
+            <a:endParaRPr lang="de-DE" sz="4000" b="1" dirty="0">
+              <a:solidFill>
+                <a:schemeClr val="tx1"/>
+              </a:solidFill>
+              <a:latin typeface="Times New Roman" panose="02020603050405020304" pitchFamily="18" charset="0"/>
+              <a:cs typeface="Times New Roman" panose="02020603050405020304" pitchFamily="18" charset="0"/>
+            </a:endParaRPr>
+          </a:p>
+        </p:txBody>
+      </p:sp>
+      <p:sp>
+        <p:nvSpPr>
+          <p:cNvPr id="20" name="Textfeld 19">
+            <a:extLst>
+              <a:ext uri="{FF2B5EF4-FFF2-40B4-BE49-F238E27FC236}">
+                <a16:creationId xmlns:a16="http://schemas.microsoft.com/office/drawing/2014/main" id="{7835EE6A-0F96-C59F-8829-2C5EDFD32962}"/>
+              </a:ext>
+            </a:extLst>
+          </p:cNvPr>
+          <p:cNvSpPr txBox="1"/>
+          <p:nvPr/>
+        </p:nvSpPr>
+        <p:spPr>
+          <a:xfrm>
+            <a:off x="14995073" y="18024947"/>
+            <a:ext cx="6207402" cy="6986528"/>
+          </a:xfrm>
+          <a:prstGeom prst="rect">
+            <a:avLst/>
+          </a:prstGeom>
+          <a:noFill/>
+        </p:spPr>
+        <p:txBody>
+          <a:bodyPr wrap="square" rtlCol="0">
+            <a:spAutoFit/>
+          </a:bodyPr>
+          <a:lstStyle/>
+          <a:p>
+            <a:r>
+              <a:rPr lang="de-DE" sz="2800" dirty="0">
+                <a:latin typeface="Times New Roman" panose="02020603050405020304" pitchFamily="18" charset="0"/>
+                <a:cs typeface="Times New Roman" panose="02020603050405020304" pitchFamily="18" charset="0"/>
+              </a:rPr>
+              <a:t>Kein Einfluss von sozialen Medien oder dem Trend zu kürzeren Texten erkennbar.</a:t>
+            </a:r>
+          </a:p>
+          <a:p>
+            <a:endParaRPr lang="de-DE" sz="2800" dirty="0">
+              <a:latin typeface="Times New Roman" panose="02020603050405020304" pitchFamily="18" charset="0"/>
+              <a:cs typeface="Times New Roman" panose="02020603050405020304" pitchFamily="18" charset="0"/>
+            </a:endParaRPr>
+          </a:p>
+          <a:p>
+            <a:endParaRPr lang="de-DE" sz="2800" dirty="0">
+              <a:latin typeface="Times New Roman" panose="02020603050405020304" pitchFamily="18" charset="0"/>
+              <a:cs typeface="Times New Roman" panose="02020603050405020304" pitchFamily="18" charset="0"/>
+            </a:endParaRPr>
+          </a:p>
+          <a:p>
+            <a:r>
+              <a:rPr lang="de-DE" sz="2800" dirty="0">
+                <a:latin typeface="Times New Roman" panose="02020603050405020304" pitchFamily="18" charset="0"/>
+                <a:cs typeface="Times New Roman" panose="02020603050405020304" pitchFamily="18" charset="0"/>
+              </a:rPr>
+              <a:t>Beide Zeitungen zeigen eine ähnliche Entwicklung, was auf vergleichbare journalistische Standards hindeutet.</a:t>
+            </a:r>
+          </a:p>
+          <a:p>
+            <a:endParaRPr lang="de-DE" sz="2800" dirty="0">
+              <a:latin typeface="Times New Roman" panose="02020603050405020304" pitchFamily="18" charset="0"/>
+              <a:cs typeface="Times New Roman" panose="02020603050405020304" pitchFamily="18" charset="0"/>
+            </a:endParaRPr>
+          </a:p>
+          <a:p>
+            <a:endParaRPr lang="de-DE" sz="2800" dirty="0">
+              <a:latin typeface="Times New Roman" panose="02020603050405020304" pitchFamily="18" charset="0"/>
+              <a:cs typeface="Times New Roman" panose="02020603050405020304" pitchFamily="18" charset="0"/>
+            </a:endParaRPr>
+          </a:p>
+          <a:p>
+            <a:r>
+              <a:rPr lang="de-DE" sz="2800" dirty="0">
+                <a:latin typeface="Times New Roman" panose="02020603050405020304" pitchFamily="18" charset="0"/>
+                <a:cs typeface="Times New Roman" panose="02020603050405020304" pitchFamily="18" charset="0"/>
+              </a:rPr>
+              <a:t>Spricht für eine weiterhin neutrale Berichterstattung.</a:t>
+            </a:r>
+          </a:p>
+          <a:p>
+            <a:endParaRPr lang="de-DE" sz="2800" dirty="0">
+              <a:latin typeface="Times New Roman" panose="02020603050405020304" pitchFamily="18" charset="0"/>
+              <a:cs typeface="Times New Roman" panose="02020603050405020304" pitchFamily="18" charset="0"/>
+            </a:endParaRPr>
+          </a:p>
+          <a:p>
+            <a:endParaRPr lang="de-DE" sz="2800" dirty="0">
+              <a:latin typeface="Times New Roman" panose="02020603050405020304" pitchFamily="18" charset="0"/>
+              <a:cs typeface="Times New Roman" panose="02020603050405020304" pitchFamily="18" charset="0"/>
+            </a:endParaRPr>
+          </a:p>
+          <a:p>
+            <a:r>
+              <a:rPr lang="de-DE" sz="2800" dirty="0">
+                <a:latin typeface="Times New Roman" panose="02020603050405020304" pitchFamily="18" charset="0"/>
+                <a:cs typeface="Times New Roman" panose="02020603050405020304" pitchFamily="18" charset="0"/>
+              </a:rPr>
+              <a:t>Mögliche Gründe: geänderte redaktionelle Schwerpunkte oder eine veränderte Nachrichtenlage.</a:t>
+            </a:r>
+          </a:p>
+        </p:txBody>
+      </p:sp>
+      <p:sp>
+        <p:nvSpPr>
+          <p:cNvPr id="22" name="Pfeil: nach rechts 21">
+            <a:extLst>
+              <a:ext uri="{FF2B5EF4-FFF2-40B4-BE49-F238E27FC236}">
+                <a16:creationId xmlns:a16="http://schemas.microsoft.com/office/drawing/2014/main" id="{70534D61-CDFE-474A-339A-0AB8BEEAB909}"/>
+              </a:ext>
+            </a:extLst>
+          </p:cNvPr>
+          <p:cNvSpPr/>
+          <p:nvPr/>
+        </p:nvSpPr>
+        <p:spPr>
+          <a:xfrm>
+            <a:off x="7201249" y="18305926"/>
+            <a:ext cx="1532188" cy="580948"/>
+          </a:xfrm>
+          <a:prstGeom prst="rightArrow">
+            <a:avLst/>
+          </a:prstGeom>
+        </p:spPr>
+        <p:style>
+          <a:lnRef idx="2">
+            <a:schemeClr val="dk1">
+              <a:shade val="15000"/>
+            </a:schemeClr>
+          </a:lnRef>
+          <a:fillRef idx="1">
+            <a:schemeClr val="dk1"/>
+          </a:fillRef>
+          <a:effectRef idx="0">
+            <a:schemeClr val="dk1"/>
+          </a:effectRef>
+          <a:fontRef idx="minor">
+            <a:schemeClr val="lt1"/>
+          </a:fontRef>
+        </p:style>
+        <p:txBody>
+          <a:bodyPr rtlCol="0" anchor="ctr"/>
+          <a:lstStyle/>
+          <a:p>
+            <a:pPr algn="ctr"/>
+            <a:endParaRPr lang="de-DE">
+              <a:latin typeface="Times New Roman" panose="02020603050405020304" pitchFamily="18" charset="0"/>
+              <a:cs typeface="Times New Roman" panose="02020603050405020304" pitchFamily="18" charset="0"/>
+            </a:endParaRPr>
+          </a:p>
+        </p:txBody>
+      </p:sp>
+      <p:pic>
+        <p:nvPicPr>
+          <p:cNvPr id="25" name="Grafik 23" descr="Artikelanzahl - Guardian - Opinion - Days">
+            <a:extLst>
+              <a:ext uri="{FF2B5EF4-FFF2-40B4-BE49-F238E27FC236}">
+                <a16:creationId xmlns:a16="http://schemas.microsoft.com/office/drawing/2014/main" id="{23208AE9-2B61-D9CD-A83E-3DFA327395C0}"/>
+              </a:ext>
+            </a:extLst>
+          </p:cNvPr>
+          <p:cNvPicPr>
+            <a:picLocks noChangeAspect="1"/>
+          </p:cNvPicPr>
+          <p:nvPr/>
+        </p:nvPicPr>
+        <p:blipFill>
+          <a:blip r:embed="rId6">
+            <a:extLst>
+              <a:ext uri="{28A0092B-C50C-407E-A947-70E740481C1C}">
+                <a14:useLocalDpi xmlns:a14="http://schemas.microsoft.com/office/drawing/2010/main" val="0"/>
+              </a:ext>
+            </a:extLst>
+          </a:blip>
+          <a:srcRect/>
+          <a:stretch>
+            <a:fillRect/>
+          </a:stretch>
+        </p:blipFill>
+        <p:spPr bwMode="auto">
+          <a:xfrm>
+            <a:off x="9055110" y="16222789"/>
+            <a:ext cx="5117542" cy="3838157"/>
+          </a:xfrm>
+          <a:prstGeom prst="rect">
+            <a:avLst/>
+          </a:prstGeom>
+          <a:noFill/>
+          <a:ln>
+            <a:noFill/>
+          </a:ln>
+        </p:spPr>
+      </p:pic>
+      <p:pic>
+        <p:nvPicPr>
+          <p:cNvPr id="29" name="Picture 28">
+            <a:extLst>
+              <a:ext uri="{FF2B5EF4-FFF2-40B4-BE49-F238E27FC236}">
+                <a16:creationId xmlns:a16="http://schemas.microsoft.com/office/drawing/2014/main" id="{0DC952ED-F9B5-3131-9049-192ACA68F0CD}"/>
+              </a:ext>
+            </a:extLst>
+          </p:cNvPr>
+          <p:cNvPicPr>
+            <a:picLocks noChangeAspect="1"/>
+          </p:cNvPicPr>
+          <p:nvPr/>
+        </p:nvPicPr>
+        <p:blipFill>
+          <a:blip r:embed="rId7"/>
+          <a:stretch>
+            <a:fillRect/>
+          </a:stretch>
+        </p:blipFill>
+        <p:spPr>
+          <a:xfrm>
+            <a:off x="10754458" y="11766639"/>
+            <a:ext cx="2361631" cy="3045115"/>
+          </a:xfrm>
+          <a:prstGeom prst="rect">
+            <a:avLst/>
+          </a:prstGeom>
+        </p:spPr>
+      </p:pic>
+      <p:pic>
+        <p:nvPicPr>
+          <p:cNvPr id="32" name="Picture 31">
+            <a:extLst>
+              <a:ext uri="{FF2B5EF4-FFF2-40B4-BE49-F238E27FC236}">
+                <a16:creationId xmlns:a16="http://schemas.microsoft.com/office/drawing/2014/main" id="{F38D7A60-C5C2-ADF0-9478-8AEBF5787597}"/>
+              </a:ext>
+            </a:extLst>
+          </p:cNvPr>
+          <p:cNvPicPr>
+            <a:picLocks noChangeAspect="1"/>
+          </p:cNvPicPr>
+          <p:nvPr/>
+        </p:nvPicPr>
+        <p:blipFill>
+          <a:blip r:embed="rId8"/>
+          <a:stretch>
+            <a:fillRect/>
+          </a:stretch>
+        </p:blipFill>
+        <p:spPr>
+          <a:xfrm>
+            <a:off x="12144839" y="11683843"/>
+            <a:ext cx="5953935" cy="3332378"/>
+          </a:xfrm>
+          <a:prstGeom prst="rect">
+            <a:avLst/>
+          </a:prstGeom>
+        </p:spPr>
+      </p:pic>
+      <p:pic>
+        <p:nvPicPr>
+          <p:cNvPr id="36" name="Picture 35">
+            <a:extLst>
+              <a:ext uri="{FF2B5EF4-FFF2-40B4-BE49-F238E27FC236}">
+                <a16:creationId xmlns:a16="http://schemas.microsoft.com/office/drawing/2014/main" id="{E32111B5-9EA9-AA6B-11C0-A3C14198C24C}"/>
+              </a:ext>
+            </a:extLst>
+          </p:cNvPr>
+          <p:cNvPicPr>
+            <a:picLocks noChangeAspect="1"/>
+          </p:cNvPicPr>
+          <p:nvPr/>
+        </p:nvPicPr>
+        <p:blipFill>
+          <a:blip r:embed="rId9"/>
+          <a:stretch>
+            <a:fillRect/>
+          </a:stretch>
+        </p:blipFill>
+        <p:spPr>
+          <a:xfrm>
+            <a:off x="16926702" y="11677927"/>
+            <a:ext cx="3248179" cy="3248179"/>
+          </a:xfrm>
+          <a:prstGeom prst="rect">
+            <a:avLst/>
+          </a:prstGeom>
+        </p:spPr>
+      </p:pic>
+      <p:pic>
+        <p:nvPicPr>
+          <p:cNvPr id="40" name="Picture 39">
+            <a:extLst>
+              <a:ext uri="{FF2B5EF4-FFF2-40B4-BE49-F238E27FC236}">
+                <a16:creationId xmlns:a16="http://schemas.microsoft.com/office/drawing/2014/main" id="{C4641425-5500-1B16-C63E-C99A0B47222E}"/>
+              </a:ext>
+            </a:extLst>
+          </p:cNvPr>
+          <p:cNvPicPr>
+            <a:picLocks noChangeAspect="1"/>
+          </p:cNvPicPr>
+          <p:nvPr/>
+        </p:nvPicPr>
+        <p:blipFill>
+          <a:blip r:embed="rId10"/>
+          <a:srcRect t="36271" b="36271"/>
+          <a:stretch/>
+        </p:blipFill>
+        <p:spPr>
+          <a:xfrm>
+            <a:off x="15451668" y="14636280"/>
+            <a:ext cx="5953935" cy="1636653"/>
+          </a:xfrm>
+          <a:prstGeom prst="rect">
+            <a:avLst/>
+          </a:prstGeom>
+        </p:spPr>
+      </p:pic>
+      <p:pic>
+        <p:nvPicPr>
+          <p:cNvPr id="41" name="Picture 40">
+            <a:extLst>
+              <a:ext uri="{FF2B5EF4-FFF2-40B4-BE49-F238E27FC236}">
+                <a16:creationId xmlns:a16="http://schemas.microsoft.com/office/drawing/2014/main" id="{2635A352-E364-D02C-407A-9611C4E7A432}"/>
+              </a:ext>
+            </a:extLst>
+          </p:cNvPr>
+          <p:cNvPicPr>
+            <a:picLocks noChangeAspect="1"/>
+          </p:cNvPicPr>
+          <p:nvPr/>
+        </p:nvPicPr>
+        <p:blipFill>
+          <a:blip r:embed="rId11"/>
+          <a:srcRect l="18701" t="30507" b="35807"/>
+          <a:stretch/>
+        </p:blipFill>
+        <p:spPr>
+          <a:xfrm>
+            <a:off x="9526466" y="14800178"/>
+            <a:ext cx="5831376" cy="1358156"/>
+          </a:xfrm>
+          <a:prstGeom prst="rect">
+            <a:avLst/>
+          </a:prstGeom>
+        </p:spPr>
+      </p:pic>
+      <p:sp>
+        <p:nvSpPr>
+          <p:cNvPr id="54" name="Pfeil: nach rechts 21">
+            <a:extLst>
+              <a:ext uri="{FF2B5EF4-FFF2-40B4-BE49-F238E27FC236}">
+                <a16:creationId xmlns:a16="http://schemas.microsoft.com/office/drawing/2014/main" id="{AF7A0520-AD8F-EBE1-2182-0641680742A4}"/>
+              </a:ext>
+            </a:extLst>
+          </p:cNvPr>
+          <p:cNvSpPr/>
+          <p:nvPr/>
+        </p:nvSpPr>
+        <p:spPr>
+          <a:xfrm>
+            <a:off x="7201249" y="20584372"/>
+            <a:ext cx="1532188" cy="580948"/>
+          </a:xfrm>
+          <a:prstGeom prst="rightArrow">
+            <a:avLst/>
+          </a:prstGeom>
+        </p:spPr>
+        <p:style>
+          <a:lnRef idx="2">
+            <a:schemeClr val="dk1">
+              <a:shade val="15000"/>
+            </a:schemeClr>
+          </a:lnRef>
+          <a:fillRef idx="1">
+            <a:schemeClr val="dk1"/>
+          </a:fillRef>
+          <a:effectRef idx="0">
+            <a:schemeClr val="dk1"/>
+          </a:effectRef>
+          <a:fontRef idx="minor">
+            <a:schemeClr val="lt1"/>
+          </a:fontRef>
+        </p:style>
+        <p:txBody>
+          <a:bodyPr rtlCol="0" anchor="ctr"/>
+          <a:lstStyle/>
+          <a:p>
+            <a:pPr algn="ctr"/>
+            <a:endParaRPr lang="de-DE">
+              <a:latin typeface="Times New Roman" panose="02020603050405020304" pitchFamily="18" charset="0"/>
+              <a:cs typeface="Times New Roman" panose="02020603050405020304" pitchFamily="18" charset="0"/>
+            </a:endParaRPr>
+          </a:p>
+        </p:txBody>
+      </p:sp>
+      <p:sp>
+        <p:nvSpPr>
+          <p:cNvPr id="55" name="Pfeil: nach rechts 21">
+            <a:extLst>
+              <a:ext uri="{FF2B5EF4-FFF2-40B4-BE49-F238E27FC236}">
+                <a16:creationId xmlns:a16="http://schemas.microsoft.com/office/drawing/2014/main" id="{D0976170-E048-0C02-1F60-017FB2F33133}"/>
+              </a:ext>
+            </a:extLst>
+          </p:cNvPr>
+          <p:cNvSpPr/>
+          <p:nvPr/>
+        </p:nvSpPr>
+        <p:spPr>
+          <a:xfrm>
+            <a:off x="7201249" y="22862818"/>
+            <a:ext cx="1532188" cy="580948"/>
+          </a:xfrm>
+          <a:prstGeom prst="rightArrow">
+            <a:avLst/>
+          </a:prstGeom>
+        </p:spPr>
+        <p:style>
+          <a:lnRef idx="2">
+            <a:schemeClr val="dk1">
+              <a:shade val="15000"/>
+            </a:schemeClr>
+          </a:lnRef>
+          <a:fillRef idx="1">
+            <a:schemeClr val="dk1"/>
+          </a:fillRef>
+          <a:effectRef idx="0">
+            <a:schemeClr val="dk1"/>
+          </a:effectRef>
+          <a:fontRef idx="minor">
+            <a:schemeClr val="lt1"/>
+          </a:fontRef>
+        </p:style>
+        <p:txBody>
+          <a:bodyPr rtlCol="0" anchor="ctr"/>
+          <a:lstStyle/>
+          <a:p>
+            <a:pPr algn="ctr"/>
+            <a:endParaRPr lang="de-DE">
+              <a:latin typeface="Times New Roman" panose="02020603050405020304" pitchFamily="18" charset="0"/>
+              <a:cs typeface="Times New Roman" panose="02020603050405020304" pitchFamily="18" charset="0"/>
+            </a:endParaRPr>
+          </a:p>
+        </p:txBody>
+      </p:sp>
+      <p:sp>
+        <p:nvSpPr>
+          <p:cNvPr id="56" name="Pfeil: nach rechts 21">
+            <a:extLst>
+              <a:ext uri="{FF2B5EF4-FFF2-40B4-BE49-F238E27FC236}">
+                <a16:creationId xmlns:a16="http://schemas.microsoft.com/office/drawing/2014/main" id="{A665BC97-4429-A222-6352-F78733EDF6D9}"/>
+              </a:ext>
+            </a:extLst>
+          </p:cNvPr>
+          <p:cNvSpPr/>
+          <p:nvPr/>
+        </p:nvSpPr>
+        <p:spPr>
+          <a:xfrm>
+            <a:off x="7201249" y="25141264"/>
+            <a:ext cx="1532188" cy="580948"/>
+          </a:xfrm>
+          <a:prstGeom prst="rightArrow">
+            <a:avLst/>
+          </a:prstGeom>
+        </p:spPr>
+        <p:style>
+          <a:lnRef idx="2">
+            <a:schemeClr val="dk1">
+              <a:shade val="15000"/>
+            </a:schemeClr>
+          </a:lnRef>
+          <a:fillRef idx="1">
+            <a:schemeClr val="dk1"/>
+          </a:fillRef>
+          <a:effectRef idx="0">
+            <a:schemeClr val="dk1"/>
+          </a:effectRef>
+          <a:fontRef idx="minor">
+            <a:schemeClr val="lt1"/>
+          </a:fontRef>
+        </p:style>
+        <p:txBody>
+          <a:bodyPr rtlCol="0" anchor="ctr"/>
+          <a:lstStyle/>
+          <a:p>
+            <a:pPr algn="ctr"/>
+            <a:endParaRPr lang="de-DE">
+              <a:latin typeface="Times New Roman" panose="02020603050405020304" pitchFamily="18" charset="0"/>
+              <a:cs typeface="Times New Roman" panose="02020603050405020304" pitchFamily="18" charset="0"/>
+            </a:endParaRPr>
+          </a:p>
+        </p:txBody>
+      </p:sp>
+      <p:pic>
+        <p:nvPicPr>
+          <p:cNvPr id="58" name="Grafik 19" descr="Polarisation - Guardian - Together">
+            <a:extLst>
+              <a:ext uri="{FF2B5EF4-FFF2-40B4-BE49-F238E27FC236}">
+                <a16:creationId xmlns:a16="http://schemas.microsoft.com/office/drawing/2014/main" id="{D340636C-99DA-F9EB-435F-902FB7DBABBC}"/>
+              </a:ext>
+            </a:extLst>
+          </p:cNvPr>
+          <p:cNvPicPr>
+            <a:picLocks noChangeAspect="1"/>
+          </p:cNvPicPr>
+          <p:nvPr/>
+        </p:nvPicPr>
+        <p:blipFill>
+          <a:blip r:embed="rId12">
+            <a:extLst>
+              <a:ext uri="{28A0092B-C50C-407E-A947-70E740481C1C}">
+                <a14:useLocalDpi xmlns:a14="http://schemas.microsoft.com/office/drawing/2010/main" val="0"/>
+              </a:ext>
+            </a:extLst>
+          </a:blip>
+          <a:srcRect/>
+          <a:stretch>
+            <a:fillRect/>
+          </a:stretch>
+        </p:blipFill>
+        <p:spPr bwMode="auto">
+          <a:xfrm>
+            <a:off x="9055110" y="20007644"/>
+            <a:ext cx="5117542" cy="3838157"/>
+          </a:xfrm>
+          <a:prstGeom prst="rect">
+            <a:avLst/>
+          </a:prstGeom>
+          <a:noFill/>
+          <a:ln>
+            <a:noFill/>
+          </a:ln>
+        </p:spPr>
+      </p:pic>
+      <p:pic>
+        <p:nvPicPr>
+          <p:cNvPr id="59" name="Grafik 17" descr="Subjektivität - NYT - All">
+            <a:extLst>
+              <a:ext uri="{FF2B5EF4-FFF2-40B4-BE49-F238E27FC236}">
+                <a16:creationId xmlns:a16="http://schemas.microsoft.com/office/drawing/2014/main" id="{24223019-F8CB-F9BA-26F9-4A1B1F87B71E}"/>
+              </a:ext>
+            </a:extLst>
+          </p:cNvPr>
+          <p:cNvPicPr>
+            <a:picLocks noChangeAspect="1"/>
+          </p:cNvPicPr>
+          <p:nvPr/>
+        </p:nvPicPr>
+        <p:blipFill>
+          <a:blip r:embed="rId13">
+            <a:extLst>
+              <a:ext uri="{28A0092B-C50C-407E-A947-70E740481C1C}">
+                <a14:useLocalDpi xmlns:a14="http://schemas.microsoft.com/office/drawing/2010/main" val="0"/>
+              </a:ext>
+            </a:extLst>
+          </a:blip>
+          <a:srcRect/>
+          <a:stretch>
+            <a:fillRect/>
+          </a:stretch>
+        </p:blipFill>
+        <p:spPr bwMode="auto">
+          <a:xfrm>
+            <a:off x="9050050" y="23812922"/>
+            <a:ext cx="5117543" cy="3838157"/>
+          </a:xfrm>
+          <a:prstGeom prst="rect">
+            <a:avLst/>
+          </a:prstGeom>
+          <a:noFill/>
+          <a:ln>
+            <a:noFill/>
+          </a:ln>
+        </p:spPr>
+      </p:pic>
     </p:spTree>
     <p:extLst>
       <p:ext uri="{BB962C8B-B14F-4D97-AF65-F5344CB8AC3E}">
@@ -5174,4 +6767,299 @@
     </a:ext>
   </a:extLst>
 </a:theme>
+</file>
+
+<file path=ppt/theme/theme2.xml><?xml version="1.0" encoding="utf-8"?>
+<a:theme xmlns:a="http://schemas.openxmlformats.org/drawingml/2006/main" name="Office Theme">
+  <a:themeElements>
+    <a:clrScheme name="Office">
+      <a:dk1>
+        <a:sysClr val="windowText" lastClr="000000"/>
+      </a:dk1>
+      <a:lt1>
+        <a:sysClr val="window" lastClr="FFFFFF"/>
+      </a:lt1>
+      <a:dk2>
+        <a:srgbClr val="44546A"/>
+      </a:dk2>
+      <a:lt2>
+        <a:srgbClr val="E7E6E6"/>
+      </a:lt2>
+      <a:accent1>
+        <a:srgbClr val="4472C4"/>
+      </a:accent1>
+      <a:accent2>
+        <a:srgbClr val="ED7D31"/>
+      </a:accent2>
+      <a:accent3>
+        <a:srgbClr val="A5A5A5"/>
+      </a:accent3>
+      <a:accent4>
+        <a:srgbClr val="FFC000"/>
+      </a:accent4>
+      <a:accent5>
+        <a:srgbClr val="5B9BD5"/>
+      </a:accent5>
+      <a:accent6>
+        <a:srgbClr val="70AD47"/>
+      </a:accent6>
+      <a:hlink>
+        <a:srgbClr val="0563C1"/>
+      </a:hlink>
+      <a:folHlink>
+        <a:srgbClr val="954F72"/>
+      </a:folHlink>
+    </a:clrScheme>
+    <a:fontScheme name="Office">
+      <a:majorFont>
+        <a:latin typeface="Calibri Light" panose="020F0302020204030204"/>
+        <a:ea typeface=""/>
+        <a:cs typeface=""/>
+        <a:font script="Jpan" typeface="游ゴシック Light"/>
+        <a:font script="Hang" typeface="맑은 고딕"/>
+        <a:font script="Hans" typeface="等线 Light"/>
+        <a:font script="Hant" typeface="新細明體"/>
+        <a:font script="Arab" typeface="Times New Roman"/>
+        <a:font script="Hebr" typeface="Times New Roman"/>
+        <a:font script="Thai" typeface="Angsana New"/>
+        <a:font script="Ethi" typeface="Nyala"/>
+        <a:font script="Beng" typeface="Vrinda"/>
+        <a:font script="Gujr" typeface="Shruti"/>
+        <a:font script="Khmr" typeface="MoolBoran"/>
+        <a:font script="Knda" typeface="Tunga"/>
+        <a:font script="Guru" typeface="Raavi"/>
+        <a:font script="Cans" typeface="Euphemia"/>
+        <a:font script="Cher" typeface="Plantagenet Cherokee"/>
+        <a:font script="Yiii" typeface="Microsoft Yi Baiti"/>
+        <a:font script="Tibt" typeface="Microsoft Himalaya"/>
+        <a:font script="Thaa" typeface="MV Boli"/>
+        <a:font script="Deva" typeface="Mangal"/>
+        <a:font script="Telu" typeface="Gautami"/>
+        <a:font script="Taml" typeface="Latha"/>
+        <a:font script="Syrc" typeface="Estrangelo Edessa"/>
+        <a:font script="Orya" typeface="Kalinga"/>
+        <a:font script="Mlym" typeface="Kartika"/>
+        <a:font script="Laoo" typeface="DokChampa"/>
+        <a:font script="Sinh" typeface="Iskoola Pota"/>
+        <a:font script="Mong" typeface="Mongolian Baiti"/>
+        <a:font script="Viet" typeface="Times New Roman"/>
+        <a:font script="Uigh" typeface="Microsoft Uighur"/>
+        <a:font script="Geor" typeface="Sylfaen"/>
+        <a:font script="Armn" typeface="Arial"/>
+        <a:font script="Bugi" typeface="Leelawadee UI"/>
+        <a:font script="Bopo" typeface="Microsoft JhengHei"/>
+        <a:font script="Java" typeface="Javanese Text"/>
+        <a:font script="Lisu" typeface="Segoe UI"/>
+        <a:font script="Mymr" typeface="Myanmar Text"/>
+        <a:font script="Nkoo" typeface="Ebrima"/>
+        <a:font script="Olck" typeface="Nirmala UI"/>
+        <a:font script="Osma" typeface="Ebrima"/>
+        <a:font script="Phag" typeface="Phagspa"/>
+        <a:font script="Syrn" typeface="Estrangelo Edessa"/>
+        <a:font script="Syrj" typeface="Estrangelo Edessa"/>
+        <a:font script="Syre" typeface="Estrangelo Edessa"/>
+        <a:font script="Sora" typeface="Nirmala UI"/>
+        <a:font script="Tale" typeface="Microsoft Tai Le"/>
+        <a:font script="Talu" typeface="Microsoft New Tai Lue"/>
+        <a:font script="Tfng" typeface="Ebrima"/>
+      </a:majorFont>
+      <a:minorFont>
+        <a:latin typeface="Calibri" panose="020F0502020204030204"/>
+        <a:ea typeface=""/>
+        <a:cs typeface=""/>
+        <a:font script="Jpan" typeface="游ゴシック"/>
+        <a:font script="Hang" typeface="맑은 고딕"/>
+        <a:font script="Hans" typeface="等线"/>
+        <a:font script="Hant" typeface="新細明體"/>
+        <a:font script="Arab" typeface="Arial"/>
+        <a:font script="Hebr" typeface="Arial"/>
+        <a:font script="Thai" typeface="Cordia New"/>
+        <a:font script="Ethi" typeface="Nyala"/>
+        <a:font script="Beng" typeface="Vrinda"/>
+        <a:font script="Gujr" typeface="Shruti"/>
+        <a:font script="Khmr" typeface="DaunPenh"/>
+        <a:font script="Knda" typeface="Tunga"/>
+        <a:font script="Guru" typeface="Raavi"/>
+        <a:font script="Cans" typeface="Euphemia"/>
+        <a:font script="Cher" typeface="Plantagenet Cherokee"/>
+        <a:font script="Yiii" typeface="Microsoft Yi Baiti"/>
+        <a:font script="Tibt" typeface="Microsoft Himalaya"/>
+        <a:font script="Thaa" typeface="MV Boli"/>
+        <a:font script="Deva" typeface="Mangal"/>
+        <a:font script="Telu" typeface="Gautami"/>
+        <a:font script="Taml" typeface="Latha"/>
+        <a:font script="Syrc" typeface="Estrangelo Edessa"/>
+        <a:font script="Orya" typeface="Kalinga"/>
+        <a:font script="Mlym" typeface="Kartika"/>
+        <a:font script="Laoo" typeface="DokChampa"/>
+        <a:font script="Sinh" typeface="Iskoola Pota"/>
+        <a:font script="Mong" typeface="Mongolian Baiti"/>
+        <a:font script="Viet" typeface="Arial"/>
+        <a:font script="Uigh" typeface="Microsoft Uighur"/>
+        <a:font script="Geor" typeface="Sylfaen"/>
+        <a:font script="Armn" typeface="Arial"/>
+        <a:font script="Bugi" typeface="Leelawadee UI"/>
+        <a:font script="Bopo" typeface="Microsoft JhengHei"/>
+        <a:font script="Java" typeface="Javanese Text"/>
+        <a:font script="Lisu" typeface="Segoe UI"/>
+        <a:font script="Mymr" typeface="Myanmar Text"/>
+        <a:font script="Nkoo" typeface="Ebrima"/>
+        <a:font script="Olck" typeface="Nirmala UI"/>
+        <a:font script="Osma" typeface="Ebrima"/>
+        <a:font script="Phag" typeface="Phagspa"/>
+        <a:font script="Syrn" typeface="Estrangelo Edessa"/>
+        <a:font script="Syrj" typeface="Estrangelo Edessa"/>
+        <a:font script="Syre" typeface="Estrangelo Edessa"/>
+        <a:font script="Sora" typeface="Nirmala UI"/>
+        <a:font script="Tale" typeface="Microsoft Tai Le"/>
+        <a:font script="Talu" typeface="Microsoft New Tai Lue"/>
+        <a:font script="Tfng" typeface="Ebrima"/>
+      </a:minorFont>
+    </a:fontScheme>
+    <a:fmtScheme name="Office">
+      <a:fillStyleLst>
+        <a:solidFill>
+          <a:schemeClr val="phClr"/>
+        </a:solidFill>
+        <a:gradFill rotWithShape="1">
+          <a:gsLst>
+            <a:gs pos="0">
+              <a:schemeClr val="phClr">
+                <a:lumMod val="110000"/>
+                <a:satMod val="105000"/>
+                <a:tint val="67000"/>
+              </a:schemeClr>
+            </a:gs>
+            <a:gs pos="50000">
+              <a:schemeClr val="phClr">
+                <a:lumMod val="105000"/>
+                <a:satMod val="103000"/>
+                <a:tint val="73000"/>
+              </a:schemeClr>
+            </a:gs>
+            <a:gs pos="100000">
+              <a:schemeClr val="phClr">
+                <a:lumMod val="105000"/>
+                <a:satMod val="109000"/>
+                <a:tint val="81000"/>
+              </a:schemeClr>
+            </a:gs>
+          </a:gsLst>
+          <a:lin ang="5400000" scaled="0"/>
+        </a:gradFill>
+        <a:gradFill rotWithShape="1">
+          <a:gsLst>
+            <a:gs pos="0">
+              <a:schemeClr val="phClr">
+                <a:satMod val="103000"/>
+                <a:lumMod val="102000"/>
+                <a:tint val="94000"/>
+              </a:schemeClr>
+            </a:gs>
+            <a:gs pos="50000">
+              <a:schemeClr val="phClr">
+                <a:satMod val="110000"/>
+                <a:lumMod val="100000"/>
+                <a:shade val="100000"/>
+              </a:schemeClr>
+            </a:gs>
+            <a:gs pos="100000">
+              <a:schemeClr val="phClr">
+                <a:lumMod val="99000"/>
+                <a:satMod val="120000"/>
+                <a:shade val="78000"/>
+              </a:schemeClr>
+            </a:gs>
+          </a:gsLst>
+          <a:lin ang="5400000" scaled="0"/>
+        </a:gradFill>
+      </a:fillStyleLst>
+      <a:lnStyleLst>
+        <a:ln w="6350" cap="flat" cmpd="sng" algn="ctr">
+          <a:solidFill>
+            <a:schemeClr val="phClr"/>
+          </a:solidFill>
+          <a:prstDash val="solid"/>
+          <a:miter lim="800000"/>
+        </a:ln>
+        <a:ln w="12700" cap="flat" cmpd="sng" algn="ctr">
+          <a:solidFill>
+            <a:schemeClr val="phClr"/>
+          </a:solidFill>
+          <a:prstDash val="solid"/>
+          <a:miter lim="800000"/>
+        </a:ln>
+        <a:ln w="19050" cap="flat" cmpd="sng" algn="ctr">
+          <a:solidFill>
+            <a:schemeClr val="phClr"/>
+          </a:solidFill>
+          <a:prstDash val="solid"/>
+          <a:miter lim="800000"/>
+        </a:ln>
+      </a:lnStyleLst>
+      <a:effectStyleLst>
+        <a:effectStyle>
+          <a:effectLst/>
+        </a:effectStyle>
+        <a:effectStyle>
+          <a:effectLst/>
+        </a:effectStyle>
+        <a:effectStyle>
+          <a:effectLst>
+            <a:outerShdw blurRad="57150" dist="19050" dir="5400000" algn="ctr" rotWithShape="0">
+              <a:srgbClr val="000000">
+                <a:alpha val="63000"/>
+              </a:srgbClr>
+            </a:outerShdw>
+          </a:effectLst>
+        </a:effectStyle>
+      </a:effectStyleLst>
+      <a:bgFillStyleLst>
+        <a:solidFill>
+          <a:schemeClr val="phClr"/>
+        </a:solidFill>
+        <a:solidFill>
+          <a:schemeClr val="phClr">
+            <a:tint val="95000"/>
+            <a:satMod val="170000"/>
+          </a:schemeClr>
+        </a:solidFill>
+        <a:gradFill rotWithShape="1">
+          <a:gsLst>
+            <a:gs pos="0">
+              <a:schemeClr val="phClr">
+                <a:tint val="93000"/>
+                <a:satMod val="150000"/>
+                <a:shade val="98000"/>
+                <a:lumMod val="102000"/>
+              </a:schemeClr>
+            </a:gs>
+            <a:gs pos="50000">
+              <a:schemeClr val="phClr">
+                <a:tint val="98000"/>
+                <a:satMod val="130000"/>
+                <a:shade val="90000"/>
+                <a:lumMod val="103000"/>
+              </a:schemeClr>
+            </a:gs>
+            <a:gs pos="100000">
+              <a:schemeClr val="phClr">
+                <a:shade val="63000"/>
+                <a:satMod val="120000"/>
+              </a:schemeClr>
+            </a:gs>
+          </a:gsLst>
+          <a:lin ang="5400000" scaled="0"/>
+        </a:gradFill>
+      </a:bgFillStyleLst>
+    </a:fmtScheme>
+  </a:themeElements>
+  <a:objectDefaults/>
+  <a:extraClrSchemeLst/>
+  <a:extLst>
+    <a:ext uri="{05A4C25C-085E-4340-85A3-A5531E510DB2}">
+      <thm15:themeFamily xmlns:thm15="http://schemas.microsoft.com/office/thememl/2012/main" name="Office Theme" id="{62F939B6-93AF-4DB8-9C6B-D6C7DFDC589F}" vid="{4A3C46E8-61CC-4603-A589-7422A47A8E4A}"/>
+    </a:ext>
+  </a:extLst>
+</a:theme>
 </file>
--- a/Presentations/Deckblatt/Poster.pptx
+++ b/Presentations/Deckblatt/Poster.pptx
@@ -11,7 +11,7 @@
     <p:sldId id="275" r:id="rId2"/>
   </p:sldIdLst>
   <p:sldSz cx="21383625" cy="30275213"/>
-  <p:notesSz cx="29819600" cy="42341800"/>
+  <p:notesSz cx="7099300" cy="10234613"/>
   <p:defaultTextStyle>
     <a:defPPr>
       <a:defRPr lang="en-US"/>
@@ -166,18 +166,18 @@
         </p:nvSpPr>
         <p:spPr>
           <a:xfrm>
-            <a:off x="0" y="0"/>
-            <a:ext cx="12922250" cy="2122488"/>
+            <a:off x="1" y="1"/>
+            <a:ext cx="3076464" cy="513035"/>
           </a:xfrm>
           <a:prstGeom prst="rect">
             <a:avLst/>
           </a:prstGeom>
         </p:spPr>
         <p:txBody>
-          <a:bodyPr vert="horz" lIns="91440" tIns="45720" rIns="91440" bIns="45720" rtlCol="0"/>
+          <a:bodyPr vert="horz" lIns="21955" tIns="10978" rIns="21955" bIns="10978" rtlCol="0"/>
           <a:lstStyle>
             <a:lvl1pPr algn="l">
-              <a:defRPr sz="1200"/>
+              <a:defRPr sz="300"/>
             </a:lvl1pPr>
           </a:lstStyle>
           <a:p>
@@ -197,18 +197,18 @@
         </p:nvSpPr>
         <p:spPr>
           <a:xfrm>
-            <a:off x="16891000" y="0"/>
-            <a:ext cx="12922250" cy="2122488"/>
+            <a:off x="4021325" y="1"/>
+            <a:ext cx="3076464" cy="513035"/>
           </a:xfrm>
           <a:prstGeom prst="rect">
             <a:avLst/>
           </a:prstGeom>
         </p:spPr>
         <p:txBody>
-          <a:bodyPr vert="horz" lIns="91440" tIns="45720" rIns="91440" bIns="45720" rtlCol="0"/>
+          <a:bodyPr vert="horz" lIns="21955" tIns="10978" rIns="21955" bIns="10978" rtlCol="0"/>
           <a:lstStyle>
             <a:lvl1pPr algn="r">
-              <a:defRPr sz="1200"/>
+              <a:defRPr sz="300"/>
             </a:lvl1pPr>
           </a:lstStyle>
           <a:p>
@@ -232,8 +232,8 @@
         </p:nvSpPr>
         <p:spPr>
           <a:xfrm>
-            <a:off x="9863138" y="5292725"/>
-            <a:ext cx="10093325" cy="14290675"/>
+            <a:off x="2330450" y="1279525"/>
+            <a:ext cx="2438400" cy="3454400"/>
           </a:xfrm>
           <a:prstGeom prst="rect">
             <a:avLst/>
@@ -246,7 +246,7 @@
           </a:ln>
         </p:spPr>
         <p:txBody>
-          <a:bodyPr vert="horz" lIns="91440" tIns="45720" rIns="91440" bIns="45720" rtlCol="0" anchor="ctr"/>
+          <a:bodyPr vert="horz" lIns="21955" tIns="10978" rIns="21955" bIns="10978" rtlCol="0" anchor="ctr"/>
           <a:lstStyle/>
           <a:p>
             <a:endParaRPr lang="de-DE"/>
@@ -265,15 +265,15 @@
         </p:nvSpPr>
         <p:spPr>
           <a:xfrm>
-            <a:off x="2981325" y="20377150"/>
-            <a:ext cx="23856950" cy="16671925"/>
+            <a:off x="709779" y="4925446"/>
+            <a:ext cx="5679742" cy="4029840"/>
           </a:xfrm>
           <a:prstGeom prst="rect">
             <a:avLst/>
           </a:prstGeom>
         </p:spPr>
         <p:txBody>
-          <a:bodyPr vert="horz" lIns="91440" tIns="45720" rIns="91440" bIns="45720" rtlCol="0"/>
+          <a:bodyPr vert="horz" lIns="21955" tIns="10978" rIns="21955" bIns="10978" rtlCol="0"/>
           <a:lstStyle/>
           <a:p>
             <a:pPr lvl="0"/>
@@ -325,18 +325,18 @@
         </p:nvSpPr>
         <p:spPr>
           <a:xfrm>
-            <a:off x="0" y="40219313"/>
-            <a:ext cx="12922250" cy="2122487"/>
+            <a:off x="1" y="9721579"/>
+            <a:ext cx="3076464" cy="513035"/>
           </a:xfrm>
           <a:prstGeom prst="rect">
             <a:avLst/>
           </a:prstGeom>
         </p:spPr>
         <p:txBody>
-          <a:bodyPr vert="horz" lIns="91440" tIns="45720" rIns="91440" bIns="45720" rtlCol="0" anchor="b"/>
+          <a:bodyPr vert="horz" lIns="21955" tIns="10978" rIns="21955" bIns="10978" rtlCol="0" anchor="b"/>
           <a:lstStyle>
             <a:lvl1pPr algn="l">
-              <a:defRPr sz="1200"/>
+              <a:defRPr sz="300"/>
             </a:lvl1pPr>
           </a:lstStyle>
           <a:p>
@@ -356,18 +356,18 @@
         </p:nvSpPr>
         <p:spPr>
           <a:xfrm>
-            <a:off x="16891000" y="40219313"/>
-            <a:ext cx="12922250" cy="2122487"/>
+            <a:off x="4021325" y="9721579"/>
+            <a:ext cx="3076464" cy="513035"/>
           </a:xfrm>
           <a:prstGeom prst="rect">
             <a:avLst/>
           </a:prstGeom>
         </p:spPr>
         <p:txBody>
-          <a:bodyPr vert="horz" lIns="91440" tIns="45720" rIns="91440" bIns="45720" rtlCol="0" anchor="b"/>
+          <a:bodyPr vert="horz" lIns="21955" tIns="10978" rIns="21955" bIns="10978" rtlCol="0" anchor="b"/>
           <a:lstStyle>
             <a:lvl1pPr algn="r">
-              <a:defRPr sz="1200"/>
+              <a:defRPr sz="300"/>
             </a:lvl1pPr>
           </a:lstStyle>
           <a:p>
@@ -4863,7 +4863,7 @@
         <p:spPr>
           <a:xfrm>
             <a:off x="9845609" y="6662994"/>
-            <a:ext cx="11224555" cy="4767835"/>
+            <a:ext cx="11224555" cy="9409641"/>
           </a:xfrm>
           <a:prstGeom prst="rect">
             <a:avLst/>
@@ -4921,7 +4921,7 @@
         <p:spPr>
           <a:xfrm>
             <a:off x="373576" y="6824892"/>
-            <a:ext cx="9590076" cy="3416320"/>
+            <a:ext cx="9227209" cy="3416320"/>
           </a:xfrm>
           <a:prstGeom prst="rect">
             <a:avLst/>
@@ -6140,7 +6140,7 @@
         </p:blipFill>
         <p:spPr>
           <a:xfrm>
-            <a:off x="10754458" y="11766639"/>
+            <a:off x="10769013" y="11677927"/>
             <a:ext cx="2361631" cy="3045115"/>
           </a:xfrm>
           <a:prstGeom prst="rect">
@@ -6170,8 +6170,8 @@
         </p:blipFill>
         <p:spPr>
           <a:xfrm>
-            <a:off x="12144839" y="11683843"/>
-            <a:ext cx="5953935" cy="3332378"/>
+            <a:off x="12144840" y="11683843"/>
+            <a:ext cx="5569726" cy="3117339"/>
           </a:xfrm>
           <a:prstGeom prst="rect">
             <a:avLst/>
@@ -6200,7 +6200,7 @@
         </p:blipFill>
         <p:spPr>
           <a:xfrm>
-            <a:off x="16926702" y="11677927"/>
+            <a:off x="16685976" y="11538753"/>
             <a:ext cx="3248179" cy="3248179"/>
           </a:xfrm>
           <a:prstGeom prst="rect">
@@ -6229,8 +6229,8 @@
         </p:blipFill>
         <p:spPr>
           <a:xfrm>
-            <a:off x="15451668" y="14636280"/>
-            <a:ext cx="5953935" cy="1636653"/>
+            <a:off x="15710049" y="14709956"/>
+            <a:ext cx="5369442" cy="1475984"/>
           </a:xfrm>
           <a:prstGeom prst="rect">
             <a:avLst/>
@@ -6258,8 +6258,8 @@
         </p:blipFill>
         <p:spPr>
           <a:xfrm>
-            <a:off x="9526466" y="14800178"/>
-            <a:ext cx="5831376" cy="1358156"/>
+            <a:off x="9754994" y="14820581"/>
+            <a:ext cx="5545966" cy="1291683"/>
           </a:xfrm>
           <a:prstGeom prst="rect">
             <a:avLst/>

--- a/Presentations/Deckblatt/Poster.pptx
+++ b/Presentations/Deckblatt/Poster.pptx
@@ -214,7 +214,7 @@
           <a:p>
             <a:fld id="{F5F779A3-EDDA-431B-AF07-CD568712874D}" type="datetimeFigureOut">
               <a:rPr lang="de-DE" smtClean="0"/>
-              <a:t>09.02.2025</a:t>
+              <a:t>13.02.2025</a:t>
             </a:fld>
             <a:endParaRPr lang="de-DE"/>
           </a:p>
@@ -697,7 +697,7 @@
           <a:p>
             <a:fld id="{DCC59FF0-020B-4F2F-9C83-EF26E34AF9B2}" type="datetimeFigureOut">
               <a:rPr lang="de-DE" smtClean="0"/>
-              <a:t>09.02.2025</a:t>
+              <a:t>13.02.2025</a:t>
             </a:fld>
             <a:endParaRPr lang="de-DE"/>
           </a:p>
@@ -867,7 +867,7 @@
           <a:p>
             <a:fld id="{DCC59FF0-020B-4F2F-9C83-EF26E34AF9B2}" type="datetimeFigureOut">
               <a:rPr lang="de-DE" smtClean="0"/>
-              <a:t>09.02.2025</a:t>
+              <a:t>13.02.2025</a:t>
             </a:fld>
             <a:endParaRPr lang="de-DE"/>
           </a:p>
@@ -1047,7 +1047,7 @@
           <a:p>
             <a:fld id="{DCC59FF0-020B-4F2F-9C83-EF26E34AF9B2}" type="datetimeFigureOut">
               <a:rPr lang="de-DE" smtClean="0"/>
-              <a:t>09.02.2025</a:t>
+              <a:t>13.02.2025</a:t>
             </a:fld>
             <a:endParaRPr lang="de-DE"/>
           </a:p>
@@ -1217,7 +1217,7 @@
           <a:p>
             <a:fld id="{DCC59FF0-020B-4F2F-9C83-EF26E34AF9B2}" type="datetimeFigureOut">
               <a:rPr lang="de-DE" smtClean="0"/>
-              <a:t>09.02.2025</a:t>
+              <a:t>13.02.2025</a:t>
             </a:fld>
             <a:endParaRPr lang="de-DE"/>
           </a:p>
@@ -1461,7 +1461,7 @@
           <a:p>
             <a:fld id="{DCC59FF0-020B-4F2F-9C83-EF26E34AF9B2}" type="datetimeFigureOut">
               <a:rPr lang="de-DE" smtClean="0"/>
-              <a:t>09.02.2025</a:t>
+              <a:t>13.02.2025</a:t>
             </a:fld>
             <a:endParaRPr lang="de-DE"/>
           </a:p>
@@ -1693,7 +1693,7 @@
           <a:p>
             <a:fld id="{DCC59FF0-020B-4F2F-9C83-EF26E34AF9B2}" type="datetimeFigureOut">
               <a:rPr lang="de-DE" smtClean="0"/>
-              <a:t>09.02.2025</a:t>
+              <a:t>13.02.2025</a:t>
             </a:fld>
             <a:endParaRPr lang="de-DE"/>
           </a:p>
@@ -2060,7 +2060,7 @@
           <a:p>
             <a:fld id="{DCC59FF0-020B-4F2F-9C83-EF26E34AF9B2}" type="datetimeFigureOut">
               <a:rPr lang="de-DE" smtClean="0"/>
-              <a:t>09.02.2025</a:t>
+              <a:t>13.02.2025</a:t>
             </a:fld>
             <a:endParaRPr lang="de-DE"/>
           </a:p>
@@ -2178,7 +2178,7 @@
           <a:p>
             <a:fld id="{DCC59FF0-020B-4F2F-9C83-EF26E34AF9B2}" type="datetimeFigureOut">
               <a:rPr lang="de-DE" smtClean="0"/>
-              <a:t>09.02.2025</a:t>
+              <a:t>13.02.2025</a:t>
             </a:fld>
             <a:endParaRPr lang="de-DE"/>
           </a:p>
@@ -2273,7 +2273,7 @@
           <a:p>
             <a:fld id="{DCC59FF0-020B-4F2F-9C83-EF26E34AF9B2}" type="datetimeFigureOut">
               <a:rPr lang="de-DE" smtClean="0"/>
-              <a:t>09.02.2025</a:t>
+              <a:t>13.02.2025</a:t>
             </a:fld>
             <a:endParaRPr lang="de-DE"/>
           </a:p>
@@ -2550,7 +2550,7 @@
           <a:p>
             <a:fld id="{DCC59FF0-020B-4F2F-9C83-EF26E34AF9B2}" type="datetimeFigureOut">
               <a:rPr lang="de-DE" smtClean="0"/>
-              <a:t>09.02.2025</a:t>
+              <a:t>13.02.2025</a:t>
             </a:fld>
             <a:endParaRPr lang="de-DE"/>
           </a:p>
@@ -2807,7 +2807,7 @@
           <a:p>
             <a:fld id="{DCC59FF0-020B-4F2F-9C83-EF26E34AF9B2}" type="datetimeFigureOut">
               <a:rPr lang="de-DE" smtClean="0"/>
-              <a:t>09.02.2025</a:t>
+              <a:t>13.02.2025</a:t>
             </a:fld>
             <a:endParaRPr lang="de-DE"/>
           </a:p>
@@ -3020,7 +3020,7 @@
           <a:p>
             <a:fld id="{DCC59FF0-020B-4F2F-9C83-EF26E34AF9B2}" type="datetimeFigureOut">
               <a:rPr lang="de-DE" smtClean="0"/>
-              <a:t>09.02.2025</a:t>
+              <a:t>13.02.2025</a:t>
             </a:fld>
             <a:endParaRPr lang="de-DE"/>
           </a:p>
@@ -3439,8 +3439,8 @@
         </p:nvSpPr>
         <p:spPr>
           <a:xfrm>
-            <a:off x="-45610" y="5651869"/>
-            <a:ext cx="21360598" cy="23446700"/>
+            <a:off x="0" y="5240342"/>
+            <a:ext cx="21429235" cy="25034871"/>
           </a:xfrm>
           <a:prstGeom prst="rect">
             <a:avLst/>
@@ -3491,26 +3491,28 @@
       </p:sp>
       <p:sp>
         <p:nvSpPr>
-          <p:cNvPr id="106" name="Rechteck 105">
+          <p:cNvPr id="35" name="Rechteck 1">
             <a:extLst>
               <a:ext uri="{FF2B5EF4-FFF2-40B4-BE49-F238E27FC236}">
-                <a16:creationId xmlns:a16="http://schemas.microsoft.com/office/drawing/2014/main" id="{1D976F8F-1924-2833-9FDE-BBD592AEA6C9}"/>
+                <a16:creationId xmlns:a16="http://schemas.microsoft.com/office/drawing/2014/main" id="{D2678536-C2CE-CCFA-B314-5E149381F2B3}"/>
               </a:ext>
             </a:extLst>
           </p:cNvPr>
-          <p:cNvSpPr/>
+          <p:cNvSpPr>
+            <a:spLocks/>
+          </p:cNvSpPr>
           <p:nvPr/>
         </p:nvSpPr>
         <p:spPr>
           <a:xfrm>
-            <a:off x="11514" y="24685"/>
-            <a:ext cx="21360598" cy="2375803"/>
+            <a:off x="186541" y="16576127"/>
+            <a:ext cx="4950000" cy="9106874"/>
           </a:xfrm>
           <a:prstGeom prst="rect">
             <a:avLst/>
           </a:prstGeom>
           <a:solidFill>
-            <a:srgbClr val="D7D7D7"/>
+            <a:schemeClr val="bg1"/>
           </a:solidFill>
           <a:ln>
             <a:noFill/>
@@ -3537,35 +3539,34 @@
           <a:lstStyle/>
           <a:p>
             <a:pPr algn="ctr"/>
-            <a:endParaRPr lang="de-DE" sz="3387" b="1" dirty="0">
-              <a:solidFill>
-                <a:schemeClr val="bg1">
-                  <a:lumMod val="50000"/>
-                </a:schemeClr>
-              </a:solidFill>
-              <a:latin typeface="Times New Roman" panose="02020603050405020304" pitchFamily="18" charset="0"/>
-              <a:ea typeface="Calibri" panose="020F0502020204030204" pitchFamily="34" charset="0"/>
-              <a:cs typeface="Times New Roman" panose="02020603050405020304" pitchFamily="18" charset="0"/>
-            </a:endParaRPr>
-          </a:p>
-        </p:txBody>
-      </p:sp>
-      <p:sp>
-        <p:nvSpPr>
-          <p:cNvPr id="107" name="Rechteck 106">
+            <a:r>
+              <a:rPr lang="de-DE" sz="3200" dirty="0">
+                <a:latin typeface="Times New Roman" panose="02020603050405020304" pitchFamily="18" charset="0"/>
+                <a:cs typeface="Times New Roman" panose="02020603050405020304" pitchFamily="18" charset="0"/>
+              </a:rPr>
+              <a:t>&lt;&lt;&lt;&lt;&lt;&lt;&lt;</a:t>
+            </a:r>
+          </a:p>
+        </p:txBody>
+      </p:sp>
+      <p:sp>
+        <p:nvSpPr>
+          <p:cNvPr id="47" name="Rechteck 1">
             <a:extLst>
               <a:ext uri="{FF2B5EF4-FFF2-40B4-BE49-F238E27FC236}">
-                <a16:creationId xmlns:a16="http://schemas.microsoft.com/office/drawing/2014/main" id="{6A506C52-2225-C394-DE53-CC3FA7ED9F4B}"/>
+                <a16:creationId xmlns:a16="http://schemas.microsoft.com/office/drawing/2014/main" id="{27F7F46E-F8F3-8697-C2BA-3290F10CB7C5}"/>
               </a:ext>
             </a:extLst>
           </p:cNvPr>
-          <p:cNvSpPr/>
+          <p:cNvSpPr>
+            <a:spLocks/>
+          </p:cNvSpPr>
           <p:nvPr/>
         </p:nvSpPr>
         <p:spPr>
           <a:xfrm>
-            <a:off x="11514" y="1711243"/>
-            <a:ext cx="21360598" cy="3367912"/>
+            <a:off x="5547727" y="16576127"/>
+            <a:ext cx="4950000" cy="9108000"/>
           </a:xfrm>
           <a:prstGeom prst="rect">
             <a:avLst/>
@@ -3598,35 +3599,40 @@
           <a:lstStyle/>
           <a:p>
             <a:pPr algn="ctr"/>
-            <a:endParaRPr lang="de-DE" sz="1600">
-              <a:latin typeface="Times New Roman" panose="02020603050405020304" pitchFamily="18" charset="0"/>
-              <a:cs typeface="Times New Roman" panose="02020603050405020304" pitchFamily="18" charset="0"/>
-            </a:endParaRPr>
-          </a:p>
-        </p:txBody>
-      </p:sp>
-      <p:sp>
-        <p:nvSpPr>
-          <p:cNvPr id="112" name="Rechteck 111">
+            <a:r>
+              <a:rPr lang="de-DE" sz="3200" dirty="0">
+                <a:latin typeface="Times New Roman" panose="02020603050405020304" pitchFamily="18" charset="0"/>
+                <a:cs typeface="Times New Roman" panose="02020603050405020304" pitchFamily="18" charset="0"/>
+              </a:rPr>
+              <a:t>&lt;&lt;&lt;&lt;&lt;&lt;&lt;</a:t>
+            </a:r>
+          </a:p>
+        </p:txBody>
+      </p:sp>
+      <p:sp>
+        <p:nvSpPr>
+          <p:cNvPr id="48" name="Rechteck 1">
             <a:extLst>
               <a:ext uri="{FF2B5EF4-FFF2-40B4-BE49-F238E27FC236}">
-                <a16:creationId xmlns:a16="http://schemas.microsoft.com/office/drawing/2014/main" id="{6B7FF5A8-53EF-ACD1-1BD5-448447BDDF81}"/>
+                <a16:creationId xmlns:a16="http://schemas.microsoft.com/office/drawing/2014/main" id="{1783D117-E1F1-868A-08CF-B7833151A180}"/>
               </a:ext>
             </a:extLst>
           </p:cNvPr>
-          <p:cNvSpPr/>
+          <p:cNvSpPr>
+            <a:spLocks/>
+          </p:cNvSpPr>
           <p:nvPr/>
         </p:nvSpPr>
         <p:spPr>
           <a:xfrm>
-            <a:off x="11513" y="1697160"/>
-            <a:ext cx="21360600" cy="266288"/>
+            <a:off x="10847051" y="16551404"/>
+            <a:ext cx="4950000" cy="9108000"/>
           </a:xfrm>
           <a:prstGeom prst="rect">
             <a:avLst/>
           </a:prstGeom>
           <a:solidFill>
-            <a:srgbClr val="A2222B"/>
+            <a:schemeClr val="bg1"/>
           </a:solidFill>
           <a:ln>
             <a:noFill/>
@@ -3653,123 +3659,40 @@
           <a:lstStyle/>
           <a:p>
             <a:pPr algn="ctr"/>
-            <a:endParaRPr lang="de-DE" sz="1600">
-              <a:latin typeface="Times New Roman" panose="02020603050405020304" pitchFamily="18" charset="0"/>
-              <a:cs typeface="Times New Roman" panose="02020603050405020304" pitchFamily="18" charset="0"/>
-            </a:endParaRPr>
-          </a:p>
-        </p:txBody>
-      </p:sp>
-      <p:sp>
-        <p:nvSpPr>
-          <p:cNvPr id="113" name="Textfeld 112">
+            <a:r>
+              <a:rPr lang="de-DE" sz="3200" dirty="0">
+                <a:latin typeface="Times New Roman" panose="02020603050405020304" pitchFamily="18" charset="0"/>
+                <a:cs typeface="Times New Roman" panose="02020603050405020304" pitchFamily="18" charset="0"/>
+              </a:rPr>
+              <a:t>&lt;&lt;&lt;&lt;&lt;&lt;&lt;</a:t>
+            </a:r>
+          </a:p>
+        </p:txBody>
+      </p:sp>
+      <p:sp>
+        <p:nvSpPr>
+          <p:cNvPr id="49" name="Rechteck 1">
             <a:extLst>
               <a:ext uri="{FF2B5EF4-FFF2-40B4-BE49-F238E27FC236}">
-                <a16:creationId xmlns:a16="http://schemas.microsoft.com/office/drawing/2014/main" id="{7A7A41FB-DCE4-F96C-1184-90647BDB0B17}"/>
+                <a16:creationId xmlns:a16="http://schemas.microsoft.com/office/drawing/2014/main" id="{51A12177-0FCD-A117-5694-B07CB067B5B8}"/>
               </a:ext>
             </a:extLst>
           </p:cNvPr>
-          <p:cNvSpPr txBox="1"/>
+          <p:cNvSpPr>
+            <a:spLocks/>
+          </p:cNvSpPr>
           <p:nvPr/>
         </p:nvSpPr>
         <p:spPr>
           <a:xfrm>
-            <a:off x="-26392" y="1988491"/>
-            <a:ext cx="21360601" cy="1446550"/>
-          </a:xfrm>
-          <a:prstGeom prst="rect">
-            <a:avLst/>
-          </a:prstGeom>
-          <a:noFill/>
-        </p:spPr>
-        <p:txBody>
-          <a:bodyPr wrap="square">
-            <a:spAutoFit/>
-          </a:bodyPr>
-          <a:lstStyle/>
-          <a:p>
-            <a:pPr algn="ctr"/>
-            <a:r>
-              <a:rPr lang="de-DE" sz="8800" b="1" dirty="0">
-                <a:solidFill>
-                  <a:srgbClr val="A2232C"/>
-                </a:solidFill>
-                <a:latin typeface="Times New Roman" panose="02020603050405020304" pitchFamily="18" charset="0"/>
-                <a:ea typeface="Calibri" panose="020F0502020204030204" pitchFamily="34" charset="0"/>
-                <a:cs typeface="Times New Roman" panose="02020603050405020304" pitchFamily="18" charset="0"/>
-              </a:rPr>
-              <a:t>Wandel der Worte</a:t>
-            </a:r>
-          </a:p>
-        </p:txBody>
-      </p:sp>
-      <p:sp>
-        <p:nvSpPr>
-          <p:cNvPr id="114" name="Textfeld 113">
-            <a:extLst>
-              <a:ext uri="{FF2B5EF4-FFF2-40B4-BE49-F238E27FC236}">
-                <a16:creationId xmlns:a16="http://schemas.microsoft.com/office/drawing/2014/main" id="{41E1E875-79DC-0157-2830-B018677C0A75}"/>
-              </a:ext>
-            </a:extLst>
-          </p:cNvPr>
-          <p:cNvSpPr txBox="1"/>
-          <p:nvPr/>
-        </p:nvSpPr>
-        <p:spPr>
-          <a:xfrm>
-            <a:off x="585555" y="4389108"/>
-            <a:ext cx="20136708" cy="1015663"/>
-          </a:xfrm>
-          <a:prstGeom prst="rect">
-            <a:avLst/>
-          </a:prstGeom>
-          <a:noFill/>
-        </p:spPr>
-        <p:txBody>
-          <a:bodyPr wrap="square">
-            <a:spAutoFit/>
-          </a:bodyPr>
-          <a:lstStyle/>
-          <a:p>
-            <a:pPr algn="ctr"/>
-            <a:r>
-              <a:rPr lang="de-DE" sz="6000" b="1" dirty="0">
-                <a:solidFill>
-                  <a:schemeClr val="bg1">
-                    <a:lumMod val="50000"/>
-                  </a:schemeClr>
-                </a:solidFill>
-                <a:latin typeface="Times New Roman" panose="02020603050405020304" pitchFamily="18" charset="0"/>
-                <a:ea typeface="Calibri" panose="020F0502020204030204" pitchFamily="34" charset="0"/>
-                <a:cs typeface="Times New Roman" panose="02020603050405020304" pitchFamily="18" charset="0"/>
-              </a:rPr>
-              <a:t>Levi Blumenwitz</a:t>
-            </a:r>
-          </a:p>
-        </p:txBody>
-      </p:sp>
-      <p:sp>
-        <p:nvSpPr>
-          <p:cNvPr id="115" name="Rechteck 114">
-            <a:extLst>
-              <a:ext uri="{FF2B5EF4-FFF2-40B4-BE49-F238E27FC236}">
-                <a16:creationId xmlns:a16="http://schemas.microsoft.com/office/drawing/2014/main" id="{952D83D5-83E2-BDEE-1FDF-304A27496AF7}"/>
-              </a:ext>
-            </a:extLst>
-          </p:cNvPr>
-          <p:cNvSpPr/>
-          <p:nvPr/>
-        </p:nvSpPr>
-        <p:spPr>
-          <a:xfrm>
-            <a:off x="7235" y="29157625"/>
-            <a:ext cx="21361527" cy="1092904"/>
+            <a:off x="16268768" y="16576127"/>
+            <a:ext cx="4950000" cy="9108000"/>
           </a:xfrm>
           <a:prstGeom prst="rect">
             <a:avLst/>
           </a:prstGeom>
           <a:solidFill>
-            <a:srgbClr val="D7D7D7"/>
+            <a:schemeClr val="bg1"/>
           </a:solidFill>
           <a:ln>
             <a:noFill/>
@@ -3797,53 +3720,21 @@
           <a:p>
             <a:pPr algn="ctr"/>
             <a:r>
-              <a:rPr lang="de-DE" sz="4657" b="1" dirty="0">
-                <a:solidFill>
-                  <a:schemeClr val="bg1">
-                    <a:lumMod val="50000"/>
-                  </a:schemeClr>
-                </a:solidFill>
+              <a:rPr lang="de-DE" sz="3200" dirty="0">
                 <a:latin typeface="Times New Roman" panose="02020603050405020304" pitchFamily="18" charset="0"/>
-                <a:ea typeface="Calibri" panose="020F0502020204030204" pitchFamily="34" charset="0"/>
-                <a:cs typeface="Times New Roman" panose="02020603050405020304" pitchFamily="18" charset="0"/>
-              </a:rPr>
-              <a:t>Arbeitswelt – Melanie </a:t>
-            </a:r>
-            <a:r>
-              <a:rPr lang="de-DE" sz="4657" b="1" dirty="0" err="1">
-                <a:solidFill>
-                  <a:schemeClr val="bg1">
-                    <a:lumMod val="50000"/>
-                  </a:schemeClr>
-                </a:solidFill>
-                <a:latin typeface="Times New Roman" panose="02020603050405020304" pitchFamily="18" charset="0"/>
-                <a:ea typeface="Calibri" panose="020F0502020204030204" pitchFamily="34" charset="0"/>
-                <a:cs typeface="Times New Roman" panose="02020603050405020304" pitchFamily="18" charset="0"/>
-              </a:rPr>
-              <a:t>Mestl</a:t>
-            </a:r>
-            <a:r>
-              <a:rPr lang="de-DE" sz="4657" b="1" dirty="0">
-                <a:solidFill>
-                  <a:schemeClr val="bg1">
-                    <a:lumMod val="50000"/>
-                  </a:schemeClr>
-                </a:solidFill>
-                <a:latin typeface="Times New Roman" panose="02020603050405020304" pitchFamily="18" charset="0"/>
-                <a:ea typeface="Calibri" panose="020F0502020204030204" pitchFamily="34" charset="0"/>
-                <a:cs typeface="Times New Roman" panose="02020603050405020304" pitchFamily="18" charset="0"/>
-              </a:rPr>
-              <a:t> – Schuljahr 24/25</a:t>
-            </a:r>
-          </a:p>
-        </p:txBody>
-      </p:sp>
-      <p:sp>
-        <p:nvSpPr>
-          <p:cNvPr id="116" name="Rechteck 115">
+                <a:cs typeface="Times New Roman" panose="02020603050405020304" pitchFamily="18" charset="0"/>
+              </a:rPr>
+              <a:t>&lt;&lt;&lt;&lt;&lt;&lt;&lt;</a:t>
+            </a:r>
+          </a:p>
+        </p:txBody>
+      </p:sp>
+      <p:sp>
+        <p:nvSpPr>
+          <p:cNvPr id="106" name="Rechteck 105">
             <a:extLst>
               <a:ext uri="{FF2B5EF4-FFF2-40B4-BE49-F238E27FC236}">
-                <a16:creationId xmlns:a16="http://schemas.microsoft.com/office/drawing/2014/main" id="{CE398EA9-A530-5E10-F2DC-B8F0CCF10034}"/>
+                <a16:creationId xmlns:a16="http://schemas.microsoft.com/office/drawing/2014/main" id="{1D976F8F-1924-2833-9FDE-BBD592AEA6C9}"/>
               </a:ext>
             </a:extLst>
           </p:cNvPr>
@@ -3852,14 +3743,14 @@
         </p:nvSpPr>
         <p:spPr>
           <a:xfrm>
-            <a:off x="11511" y="28910527"/>
-            <a:ext cx="21360597" cy="266288"/>
+            <a:off x="57125" y="49369"/>
+            <a:ext cx="21360598" cy="2375803"/>
           </a:xfrm>
           <a:prstGeom prst="rect">
             <a:avLst/>
           </a:prstGeom>
           <a:solidFill>
-            <a:srgbClr val="A2232C"/>
+            <a:srgbClr val="D7D7D7"/>
           </a:solidFill>
           <a:ln>
             <a:noFill/>
@@ -3886,8 +3777,14 @@
           <a:lstStyle/>
           <a:p>
             <a:pPr algn="ctr"/>
-            <a:endParaRPr lang="de-DE" sz="1600">
+            <a:endParaRPr lang="de-DE" sz="3387" b="1" dirty="0">
+              <a:solidFill>
+                <a:schemeClr val="bg1">
+                  <a:lumMod val="50000"/>
+                </a:schemeClr>
+              </a:solidFill>
               <a:latin typeface="Times New Roman" panose="02020603050405020304" pitchFamily="18" charset="0"/>
+              <a:ea typeface="Calibri" panose="020F0502020204030204" pitchFamily="34" charset="0"/>
               <a:cs typeface="Times New Roman" panose="02020603050405020304" pitchFamily="18" charset="0"/>
             </a:endParaRPr>
           </a:p>
@@ -3895,22 +3792,20 @@
       </p:sp>
       <p:sp>
         <p:nvSpPr>
-          <p:cNvPr id="7" name="Rechteck 6">
+          <p:cNvPr id="107" name="Rechteck 106">
             <a:extLst>
               <a:ext uri="{FF2B5EF4-FFF2-40B4-BE49-F238E27FC236}">
-                <a16:creationId xmlns:a16="http://schemas.microsoft.com/office/drawing/2014/main" id="{38DD6E99-C416-8835-6230-375679D4C67E}"/>
+                <a16:creationId xmlns:a16="http://schemas.microsoft.com/office/drawing/2014/main" id="{6A506C52-2225-C394-DE53-CC3FA7ED9F4B}"/>
               </a:ext>
             </a:extLst>
           </p:cNvPr>
-          <p:cNvSpPr>
-            <a:spLocks/>
-          </p:cNvSpPr>
+          <p:cNvSpPr/>
           <p:nvPr/>
         </p:nvSpPr>
         <p:spPr>
           <a:xfrm>
-            <a:off x="14840492" y="16541601"/>
-            <a:ext cx="6356924" cy="9399302"/>
+            <a:off x="57125" y="1735927"/>
+            <a:ext cx="21360598" cy="3367912"/>
           </a:xfrm>
           <a:prstGeom prst="rect">
             <a:avLst/>
@@ -3943,58 +3838,35 @@
           <a:lstStyle/>
           <a:p>
             <a:pPr algn="ctr"/>
-            <a:endParaRPr lang="de-DE" sz="440" dirty="0">
+            <a:endParaRPr lang="de-DE" sz="1600">
               <a:latin typeface="Times New Roman" panose="02020603050405020304" pitchFamily="18" charset="0"/>
               <a:cs typeface="Times New Roman" panose="02020603050405020304" pitchFamily="18" charset="0"/>
             </a:endParaRPr>
           </a:p>
-          <a:p>
-            <a:pPr algn="ctr"/>
-            <a:endParaRPr lang="de-DE" sz="440" dirty="0">
-              <a:latin typeface="Times New Roman" panose="02020603050405020304" pitchFamily="18" charset="0"/>
-              <a:cs typeface="Times New Roman" panose="02020603050405020304" pitchFamily="18" charset="0"/>
-            </a:endParaRPr>
-          </a:p>
-          <a:p>
-            <a:pPr algn="ctr"/>
-            <a:endParaRPr lang="de-DE" sz="440" dirty="0">
-              <a:latin typeface="Times New Roman" panose="02020603050405020304" pitchFamily="18" charset="0"/>
-              <a:cs typeface="Times New Roman" panose="02020603050405020304" pitchFamily="18" charset="0"/>
-            </a:endParaRPr>
-          </a:p>
-          <a:p>
-            <a:pPr algn="ctr"/>
-            <a:endParaRPr lang="de-DE" sz="440" dirty="0">
-              <a:latin typeface="Times New Roman" panose="02020603050405020304" pitchFamily="18" charset="0"/>
-              <a:cs typeface="Times New Roman" panose="02020603050405020304" pitchFamily="18" charset="0"/>
-            </a:endParaRPr>
-          </a:p>
-        </p:txBody>
-      </p:sp>
-      <p:sp>
-        <p:nvSpPr>
-          <p:cNvPr id="8" name="Rechteck 7">
+        </p:txBody>
+      </p:sp>
+      <p:sp>
+        <p:nvSpPr>
+          <p:cNvPr id="112" name="Rechteck 111">
             <a:extLst>
               <a:ext uri="{FF2B5EF4-FFF2-40B4-BE49-F238E27FC236}">
-                <a16:creationId xmlns:a16="http://schemas.microsoft.com/office/drawing/2014/main" id="{0AF23CE4-9515-AF3C-37E8-B6CBD4A29F89}"/>
+                <a16:creationId xmlns:a16="http://schemas.microsoft.com/office/drawing/2014/main" id="{6B7FF5A8-53EF-ACD1-1BD5-448447BDDF81}"/>
               </a:ext>
             </a:extLst>
           </p:cNvPr>
-          <p:cNvSpPr>
-            <a:spLocks/>
-          </p:cNvSpPr>
+          <p:cNvSpPr/>
           <p:nvPr/>
         </p:nvSpPr>
         <p:spPr>
           <a:xfrm>
-            <a:off x="14845552" y="16534570"/>
-            <a:ext cx="6356923" cy="736592"/>
+            <a:off x="57124" y="1721844"/>
+            <a:ext cx="21360600" cy="266288"/>
           </a:xfrm>
           <a:prstGeom prst="rect">
             <a:avLst/>
           </a:prstGeom>
           <a:solidFill>
-            <a:srgbClr val="D7D7D7"/>
+            <a:srgbClr val="A2222B"/>
           </a:solidFill>
           <a:ln>
             <a:noFill/>
@@ -4020,43 +3892,124 @@
           <a:bodyPr rtlCol="0" anchor="ctr"/>
           <a:lstStyle/>
           <a:p>
-            <a:r>
-              <a:rPr lang="de-DE" sz="4400" b="1" dirty="0">
-                <a:solidFill>
-                  <a:schemeClr val="tx1"/>
-                </a:solidFill>
-                <a:latin typeface="Times New Roman" panose="02020603050405020304" pitchFamily="18" charset="0"/>
-                <a:cs typeface="Times New Roman" panose="02020603050405020304" pitchFamily="18" charset="0"/>
-              </a:rPr>
-              <a:t>Interpretation</a:t>
-            </a:r>
-          </a:p>
-        </p:txBody>
-      </p:sp>
-      <p:sp>
-        <p:nvSpPr>
-          <p:cNvPr id="2" name="Rechteck 1">
+            <a:pPr algn="ctr"/>
+            <a:endParaRPr lang="de-DE" sz="1600">
+              <a:latin typeface="Times New Roman" panose="02020603050405020304" pitchFamily="18" charset="0"/>
+              <a:cs typeface="Times New Roman" panose="02020603050405020304" pitchFamily="18" charset="0"/>
+            </a:endParaRPr>
+          </a:p>
+        </p:txBody>
+      </p:sp>
+      <p:sp>
+        <p:nvSpPr>
+          <p:cNvPr id="113" name="Textfeld 112">
             <a:extLst>
               <a:ext uri="{FF2B5EF4-FFF2-40B4-BE49-F238E27FC236}">
-                <a16:creationId xmlns:a16="http://schemas.microsoft.com/office/drawing/2014/main" id="{3A8401BF-6F63-1B59-D17C-4BAED99551A0}"/>
+                <a16:creationId xmlns:a16="http://schemas.microsoft.com/office/drawing/2014/main" id="{7A7A41FB-DCE4-F96C-1184-90647BDB0B17}"/>
               </a:ext>
             </a:extLst>
           </p:cNvPr>
-          <p:cNvSpPr>
-            <a:spLocks/>
-          </p:cNvSpPr>
+          <p:cNvSpPr txBox="1"/>
           <p:nvPr/>
         </p:nvSpPr>
         <p:spPr>
           <a:xfrm>
-            <a:off x="272852" y="17073097"/>
-            <a:ext cx="7368267" cy="9657141"/>
+            <a:off x="19219" y="2013175"/>
+            <a:ext cx="21360601" cy="1446550"/>
+          </a:xfrm>
+          <a:prstGeom prst="rect">
+            <a:avLst/>
+          </a:prstGeom>
+          <a:noFill/>
+        </p:spPr>
+        <p:txBody>
+          <a:bodyPr wrap="square">
+            <a:spAutoFit/>
+          </a:bodyPr>
+          <a:lstStyle/>
+          <a:p>
+            <a:pPr algn="ctr"/>
+            <a:r>
+              <a:rPr lang="de-DE" sz="8800" b="1" dirty="0">
+                <a:solidFill>
+                  <a:srgbClr val="A2232C"/>
+                </a:solidFill>
+                <a:latin typeface="Aptos" panose="020B0004020202020204" pitchFamily="34" charset="0"/>
+                <a:ea typeface="Calibri" panose="020F0502020204030204" pitchFamily="34" charset="0"/>
+                <a:cs typeface="Times New Roman" panose="02020603050405020304" pitchFamily="18" charset="0"/>
+              </a:rPr>
+              <a:t>Wandel der Worte</a:t>
+            </a:r>
+          </a:p>
+        </p:txBody>
+      </p:sp>
+      <p:sp>
+        <p:nvSpPr>
+          <p:cNvPr id="114" name="Textfeld 113">
+            <a:extLst>
+              <a:ext uri="{FF2B5EF4-FFF2-40B4-BE49-F238E27FC236}">
+                <a16:creationId xmlns:a16="http://schemas.microsoft.com/office/drawing/2014/main" id="{41E1E875-79DC-0157-2830-B018677C0A75}"/>
+              </a:ext>
+            </a:extLst>
+          </p:cNvPr>
+          <p:cNvSpPr txBox="1"/>
+          <p:nvPr/>
+        </p:nvSpPr>
+        <p:spPr>
+          <a:xfrm>
+            <a:off x="631166" y="4229132"/>
+            <a:ext cx="20136708" cy="1015663"/>
+          </a:xfrm>
+          <a:prstGeom prst="rect">
+            <a:avLst/>
+          </a:prstGeom>
+          <a:noFill/>
+        </p:spPr>
+        <p:txBody>
+          <a:bodyPr wrap="square">
+            <a:spAutoFit/>
+          </a:bodyPr>
+          <a:lstStyle/>
+          <a:p>
+            <a:pPr algn="ctr"/>
+            <a:r>
+              <a:rPr lang="de-DE" sz="6000" b="1" dirty="0">
+                <a:solidFill>
+                  <a:schemeClr val="bg1">
+                    <a:lumMod val="50000"/>
+                  </a:schemeClr>
+                </a:solidFill>
+                <a:latin typeface="Aptos" panose="020B0004020202020204" pitchFamily="34" charset="0"/>
+                <a:ea typeface="Calibri" panose="020F0502020204030204" pitchFamily="34" charset="0"/>
+                <a:cs typeface="Times New Roman" panose="02020603050405020304" pitchFamily="18" charset="0"/>
+              </a:rPr>
+              <a:t>Levi Blumenwitz</a:t>
+            </a:r>
+          </a:p>
+        </p:txBody>
+      </p:sp>
+      <p:sp>
+        <p:nvSpPr>
+          <p:cNvPr id="115" name="Rechteck 114">
+            <a:extLst>
+              <a:ext uri="{FF2B5EF4-FFF2-40B4-BE49-F238E27FC236}">
+                <a16:creationId xmlns:a16="http://schemas.microsoft.com/office/drawing/2014/main" id="{952D83D5-83E2-BDEE-1FDF-304A27496AF7}"/>
+              </a:ext>
+            </a:extLst>
+          </p:cNvPr>
+          <p:cNvSpPr/>
+          <p:nvPr/>
+        </p:nvSpPr>
+        <p:spPr>
+          <a:xfrm>
+            <a:off x="-14862" y="29380671"/>
+            <a:ext cx="21656020" cy="894542"/>
           </a:xfrm>
           <a:prstGeom prst="rect">
             <a:avLst/>
           </a:prstGeom>
           <a:solidFill>
-            <a:schemeClr val="bg1"/>
+            <a:srgbClr val="D7D7D7"/>
           </a:solidFill>
           <a:ln>
             <a:noFill/>
@@ -4084,39 +4037,69 @@
           <a:p>
             <a:pPr algn="ctr"/>
             <a:r>
-              <a:rPr lang="de-DE" sz="3200" dirty="0">
+              <a:rPr lang="de-DE" sz="4657" b="1" dirty="0">
+                <a:solidFill>
+                  <a:schemeClr val="bg1">
+                    <a:lumMod val="50000"/>
+                  </a:schemeClr>
+                </a:solidFill>
                 <a:latin typeface="Times New Roman" panose="02020603050405020304" pitchFamily="18" charset="0"/>
-                <a:cs typeface="Times New Roman" panose="02020603050405020304" pitchFamily="18" charset="0"/>
-              </a:rPr>
-              <a:t>&lt;&lt;&lt;&lt;&lt;&lt;&lt;</a:t>
-            </a:r>
-          </a:p>
-        </p:txBody>
-      </p:sp>
-      <p:sp>
-        <p:nvSpPr>
-          <p:cNvPr id="3" name="Rechteck 2">
+                <a:ea typeface="Calibri" panose="020F0502020204030204" pitchFamily="34" charset="0"/>
+                <a:cs typeface="Times New Roman" panose="02020603050405020304" pitchFamily="18" charset="0"/>
+              </a:rPr>
+              <a:t>Arbeitswelt – Melanie </a:t>
+            </a:r>
+            <a:r>
+              <a:rPr lang="de-DE" sz="4657" b="1" dirty="0" err="1">
+                <a:solidFill>
+                  <a:schemeClr val="bg1">
+                    <a:lumMod val="50000"/>
+                  </a:schemeClr>
+                </a:solidFill>
+                <a:latin typeface="Times New Roman" panose="02020603050405020304" pitchFamily="18" charset="0"/>
+                <a:ea typeface="Calibri" panose="020F0502020204030204" pitchFamily="34" charset="0"/>
+                <a:cs typeface="Times New Roman" panose="02020603050405020304" pitchFamily="18" charset="0"/>
+              </a:rPr>
+              <a:t>Mestl</a:t>
+            </a:r>
+            <a:r>
+              <a:rPr lang="de-DE" sz="4657" b="1" dirty="0">
+                <a:solidFill>
+                  <a:schemeClr val="bg1">
+                    <a:lumMod val="50000"/>
+                  </a:schemeClr>
+                </a:solidFill>
+                <a:latin typeface="Times New Roman" panose="02020603050405020304" pitchFamily="18" charset="0"/>
+                <a:ea typeface="Calibri" panose="020F0502020204030204" pitchFamily="34" charset="0"/>
+                <a:cs typeface="Times New Roman" panose="02020603050405020304" pitchFamily="18" charset="0"/>
+              </a:rPr>
+              <a:t> – Schuljahr 24/25</a:t>
+            </a:r>
+          </a:p>
+        </p:txBody>
+      </p:sp>
+      <p:sp>
+        <p:nvSpPr>
+          <p:cNvPr id="116" name="Rechteck 115">
             <a:extLst>
               <a:ext uri="{FF2B5EF4-FFF2-40B4-BE49-F238E27FC236}">
-                <a16:creationId xmlns:a16="http://schemas.microsoft.com/office/drawing/2014/main" id="{B7060FFC-3FA9-A720-CEAE-A87714C8724B}"/>
+                <a16:creationId xmlns:a16="http://schemas.microsoft.com/office/drawing/2014/main" id="{CE398EA9-A530-5E10-F2DC-B8F0CCF10034}"/>
               </a:ext>
             </a:extLst>
           </p:cNvPr>
-          <p:cNvSpPr>
-            <a:spLocks/>
-          </p:cNvSpPr>
+          <p:cNvSpPr/>
           <p:nvPr/>
         </p:nvSpPr>
         <p:spPr>
           <a:xfrm>
-            <a:off x="272852" y="16603166"/>
-            <a:ext cx="7368267" cy="710403"/>
+            <a:off x="57122" y="28935211"/>
+            <a:ext cx="21360597" cy="266288"/>
           </a:xfrm>
           <a:prstGeom prst="rect">
             <a:avLst/>
           </a:prstGeom>
           <a:solidFill>
-            <a:srgbClr val="D7D7D7"/>
+            <a:srgbClr val="A2232C"/>
           </a:solidFill>
           <a:ln>
             <a:noFill/>
@@ -4142,25 +4125,20 @@
           <a:bodyPr rtlCol="0" anchor="ctr"/>
           <a:lstStyle/>
           <a:p>
-            <a:r>
-              <a:rPr lang="de-DE" sz="4400" b="1" dirty="0">
-                <a:solidFill>
-                  <a:schemeClr val="tx1"/>
-                </a:solidFill>
-                <a:latin typeface="Times New Roman" panose="02020603050405020304" pitchFamily="18" charset="0"/>
-                <a:cs typeface="Times New Roman" panose="02020603050405020304" pitchFamily="18" charset="0"/>
-              </a:rPr>
-              <a:t> Ergebnisse 🏆</a:t>
-            </a:r>
-          </a:p>
-        </p:txBody>
-      </p:sp>
-      <p:sp>
-        <p:nvSpPr>
-          <p:cNvPr id="95" name="Rechteck 94">
+            <a:pPr algn="ctr"/>
+            <a:endParaRPr lang="de-DE" sz="1600">
+              <a:latin typeface="Times New Roman" panose="02020603050405020304" pitchFamily="18" charset="0"/>
+              <a:cs typeface="Times New Roman" panose="02020603050405020304" pitchFamily="18" charset="0"/>
+            </a:endParaRPr>
+          </a:p>
+        </p:txBody>
+      </p:sp>
+      <p:sp>
+        <p:nvSpPr>
+          <p:cNvPr id="3" name="Rechteck 2">
             <a:extLst>
               <a:ext uri="{FF2B5EF4-FFF2-40B4-BE49-F238E27FC236}">
-                <a16:creationId xmlns:a16="http://schemas.microsoft.com/office/drawing/2014/main" id="{54391BC1-8EB6-EE21-230A-1C5A4E0D0BF2}"/>
+                <a16:creationId xmlns:a16="http://schemas.microsoft.com/office/drawing/2014/main" id="{B7060FFC-3FA9-A720-CEAE-A87714C8724B}"/>
               </a:ext>
             </a:extLst>
           </p:cNvPr>
@@ -4171,14 +4149,14 @@
         </p:nvSpPr>
         <p:spPr>
           <a:xfrm>
-            <a:off x="68637" y="27836813"/>
-            <a:ext cx="21036280" cy="1095424"/>
+            <a:off x="186541" y="15848852"/>
+            <a:ext cx="21032227" cy="727579"/>
           </a:xfrm>
           <a:prstGeom prst="rect">
             <a:avLst/>
           </a:prstGeom>
           <a:solidFill>
-            <a:schemeClr val="bg1"/>
+            <a:srgbClr val="D7D7D7"/>
           </a:solidFill>
           <a:ln>
             <a:noFill/>
@@ -4204,20 +4182,25 @@
           <a:bodyPr rtlCol="0" anchor="ctr"/>
           <a:lstStyle/>
           <a:p>
-            <a:pPr algn="ctr"/>
-            <a:endParaRPr lang="de-DE" sz="440" dirty="0">
-              <a:latin typeface="Times New Roman" panose="02020603050405020304" pitchFamily="18" charset="0"/>
-              <a:cs typeface="Times New Roman" panose="02020603050405020304" pitchFamily="18" charset="0"/>
-            </a:endParaRPr>
-          </a:p>
-        </p:txBody>
-      </p:sp>
-      <p:sp>
-        <p:nvSpPr>
-          <p:cNvPr id="143" name="Rechteck 142">
+            <a:r>
+              <a:rPr lang="de-DE" sz="4400" b="1" dirty="0">
+                <a:solidFill>
+                  <a:schemeClr val="tx1"/>
+                </a:solidFill>
+                <a:latin typeface="Aptos" panose="020B0004020202020204" pitchFamily="34" charset="0"/>
+                <a:cs typeface="Times New Roman" panose="02020603050405020304" pitchFamily="18" charset="0"/>
+              </a:rPr>
+              <a:t> Ergebnisse 🏆</a:t>
+            </a:r>
+          </a:p>
+        </p:txBody>
+      </p:sp>
+      <p:sp>
+        <p:nvSpPr>
+          <p:cNvPr id="95" name="Rechteck 94">
             <a:extLst>
               <a:ext uri="{FF2B5EF4-FFF2-40B4-BE49-F238E27FC236}">
-                <a16:creationId xmlns:a16="http://schemas.microsoft.com/office/drawing/2014/main" id="{5A880DFE-0358-5AEE-2901-52F7DCFE246A}"/>
+                <a16:creationId xmlns:a16="http://schemas.microsoft.com/office/drawing/2014/main" id="{54391BC1-8EB6-EE21-230A-1C5A4E0D0BF2}"/>
               </a:ext>
             </a:extLst>
           </p:cNvPr>
@@ -4228,14 +4211,14 @@
         </p:nvSpPr>
         <p:spPr>
           <a:xfrm>
-            <a:off x="266725" y="28077148"/>
-            <a:ext cx="11169942" cy="592866"/>
+            <a:off x="7726040" y="27508200"/>
+            <a:ext cx="7160157" cy="933190"/>
           </a:xfrm>
           <a:prstGeom prst="rect">
             <a:avLst/>
           </a:prstGeom>
           <a:solidFill>
-            <a:srgbClr val="D7D7D7"/>
+            <a:schemeClr val="bg1"/>
           </a:solidFill>
           <a:ln>
             <a:noFill/>
@@ -4262,25 +4245,19 @@
           <a:lstStyle/>
           <a:p>
             <a:pPr algn="ctr"/>
-            <a:r>
-              <a:rPr lang="de-DE" sz="4000" b="1" dirty="0">
-                <a:solidFill>
-                  <a:schemeClr val="tx1"/>
-                </a:solidFill>
-                <a:latin typeface="Times New Roman" panose="02020603050405020304" pitchFamily="18" charset="0"/>
-                <a:cs typeface="Times New Roman" panose="02020603050405020304" pitchFamily="18" charset="0"/>
-              </a:rPr>
-              <a:t>Literatur</a:t>
-            </a:r>
-          </a:p>
-        </p:txBody>
-      </p:sp>
-      <p:sp>
-        <p:nvSpPr>
-          <p:cNvPr id="9" name="Rechteck 8">
+            <a:endParaRPr lang="de-DE" sz="440" dirty="0">
+              <a:latin typeface="Times New Roman" panose="02020603050405020304" pitchFamily="18" charset="0"/>
+              <a:cs typeface="Times New Roman" panose="02020603050405020304" pitchFamily="18" charset="0"/>
+            </a:endParaRPr>
+          </a:p>
+        </p:txBody>
+      </p:sp>
+      <p:sp>
+        <p:nvSpPr>
+          <p:cNvPr id="143" name="Rechteck 142">
             <a:extLst>
               <a:ext uri="{FF2B5EF4-FFF2-40B4-BE49-F238E27FC236}">
-                <a16:creationId xmlns:a16="http://schemas.microsoft.com/office/drawing/2014/main" id="{C93FA780-9853-8DCC-8E85-D0027E4B2187}"/>
+                <a16:creationId xmlns:a16="http://schemas.microsoft.com/office/drawing/2014/main" id="{5A880DFE-0358-5AEE-2901-52F7DCFE246A}"/>
               </a:ext>
             </a:extLst>
           </p:cNvPr>
@@ -4291,14 +4268,14 @@
         </p:nvSpPr>
         <p:spPr>
           <a:xfrm>
-            <a:off x="272852" y="10880061"/>
-            <a:ext cx="9261841" cy="5539366"/>
+            <a:off x="220406" y="26153344"/>
+            <a:ext cx="7476942" cy="824313"/>
           </a:xfrm>
           <a:prstGeom prst="rect">
             <a:avLst/>
           </a:prstGeom>
           <a:solidFill>
-            <a:schemeClr val="bg1"/>
+            <a:srgbClr val="D7D7D7"/>
           </a:solidFill>
           <a:ln>
             <a:noFill/>
@@ -4324,20 +4301,25 @@
           <a:bodyPr rtlCol="0" anchor="ctr"/>
           <a:lstStyle/>
           <a:p>
-            <a:pPr algn="ctr"/>
-            <a:endParaRPr lang="de-DE" sz="440" dirty="0">
-              <a:latin typeface="Times New Roman" panose="02020603050405020304" pitchFamily="18" charset="0"/>
-              <a:cs typeface="Times New Roman" panose="02020603050405020304" pitchFamily="18" charset="0"/>
-            </a:endParaRPr>
-          </a:p>
-        </p:txBody>
-      </p:sp>
-      <p:sp>
-        <p:nvSpPr>
-          <p:cNvPr id="68" name="Rechteck 67">
+            <a:r>
+              <a:rPr lang="de-DE" sz="4000" b="1" dirty="0">
+                <a:solidFill>
+                  <a:schemeClr val="tx1"/>
+                </a:solidFill>
+                <a:latin typeface="Aptos" panose="020B0004020202020204" pitchFamily="34" charset="0"/>
+                <a:cs typeface="Times New Roman" panose="02020603050405020304" pitchFamily="18" charset="0"/>
+              </a:rPr>
+              <a:t>Literatur</a:t>
+            </a:r>
+          </a:p>
+        </p:txBody>
+      </p:sp>
+      <p:sp>
+        <p:nvSpPr>
+          <p:cNvPr id="9" name="Rechteck 8">
             <a:extLst>
               <a:ext uri="{FF2B5EF4-FFF2-40B4-BE49-F238E27FC236}">
-                <a16:creationId xmlns:a16="http://schemas.microsoft.com/office/drawing/2014/main" id="{58D84797-E1AD-9F73-EAC0-168D7AB82188}"/>
+                <a16:creationId xmlns:a16="http://schemas.microsoft.com/office/drawing/2014/main" id="{C93FA780-9853-8DCC-8E85-D0027E4B2187}"/>
               </a:ext>
             </a:extLst>
           </p:cNvPr>
@@ -4348,14 +4330,14 @@
         </p:nvSpPr>
         <p:spPr>
           <a:xfrm>
-            <a:off x="273532" y="10373651"/>
-            <a:ext cx="9261841" cy="817695"/>
+            <a:off x="318463" y="10537591"/>
+            <a:ext cx="9261841" cy="4893717"/>
           </a:xfrm>
           <a:prstGeom prst="rect">
             <a:avLst/>
           </a:prstGeom>
           <a:solidFill>
-            <a:srgbClr val="D7D7D7"/>
+            <a:schemeClr val="bg1"/>
           </a:solidFill>
           <a:ln>
             <a:noFill/>
@@ -4381,25 +4363,20 @@
           <a:bodyPr rtlCol="0" anchor="ctr"/>
           <a:lstStyle/>
           <a:p>
-            <a:r>
-              <a:rPr lang="de-DE" sz="4400" b="1" dirty="0">
-                <a:solidFill>
-                  <a:schemeClr val="tx1"/>
-                </a:solidFill>
-                <a:latin typeface="Times New Roman" panose="02020603050405020304" pitchFamily="18" charset="0"/>
-                <a:cs typeface="Times New Roman" panose="02020603050405020304" pitchFamily="18" charset="0"/>
-              </a:rPr>
-              <a:t> Methodik 🛠️</a:t>
-            </a:r>
-          </a:p>
-        </p:txBody>
-      </p:sp>
-      <p:sp>
-        <p:nvSpPr>
-          <p:cNvPr id="1076" name="Rechteck 1075">
+            <a:pPr algn="ctr"/>
+            <a:endParaRPr lang="de-DE" sz="440" dirty="0">
+              <a:latin typeface="Times New Roman" panose="02020603050405020304" pitchFamily="18" charset="0"/>
+              <a:cs typeface="Times New Roman" panose="02020603050405020304" pitchFamily="18" charset="0"/>
+            </a:endParaRPr>
+          </a:p>
+        </p:txBody>
+      </p:sp>
+      <p:sp>
+        <p:nvSpPr>
+          <p:cNvPr id="68" name="Rechteck 67">
             <a:extLst>
               <a:ext uri="{FF2B5EF4-FFF2-40B4-BE49-F238E27FC236}">
-                <a16:creationId xmlns:a16="http://schemas.microsoft.com/office/drawing/2014/main" id="{CF8B20A8-1B03-4A2D-653F-D6FAF6833FAE}"/>
+                <a16:creationId xmlns:a16="http://schemas.microsoft.com/office/drawing/2014/main" id="{58D84797-E1AD-9F73-EAC0-168D7AB82188}"/>
               </a:ext>
             </a:extLst>
           </p:cNvPr>
@@ -4410,14 +4387,14 @@
         </p:nvSpPr>
         <p:spPr>
           <a:xfrm>
-            <a:off x="273533" y="6646463"/>
-            <a:ext cx="9252933" cy="3388507"/>
+            <a:off x="319143" y="10031181"/>
+            <a:ext cx="9261841" cy="817695"/>
           </a:xfrm>
           <a:prstGeom prst="rect">
             <a:avLst/>
           </a:prstGeom>
           <a:solidFill>
-            <a:schemeClr val="bg1"/>
+            <a:srgbClr val="D7D7D7"/>
           </a:solidFill>
           <a:ln>
             <a:noFill/>
@@ -4443,20 +4420,25 @@
           <a:bodyPr rtlCol="0" anchor="ctr"/>
           <a:lstStyle/>
           <a:p>
-            <a:pPr algn="ctr"/>
-            <a:endParaRPr lang="de-DE" sz="440" dirty="0">
-              <a:latin typeface="Times New Roman" panose="02020603050405020304" pitchFamily="18" charset="0"/>
-              <a:cs typeface="Times New Roman" panose="02020603050405020304" pitchFamily="18" charset="0"/>
-            </a:endParaRPr>
-          </a:p>
-        </p:txBody>
-      </p:sp>
-      <p:sp>
-        <p:nvSpPr>
-          <p:cNvPr id="1073" name="Rechteck 1072">
+            <a:r>
+              <a:rPr lang="de-DE" sz="4400" b="1" dirty="0">
+                <a:solidFill>
+                  <a:schemeClr val="tx1"/>
+                </a:solidFill>
+                <a:latin typeface="Aptos" panose="020B0004020202020204" pitchFamily="34" charset="0"/>
+                <a:cs typeface="Times New Roman" panose="02020603050405020304" pitchFamily="18" charset="0"/>
+              </a:rPr>
+              <a:t> Methodik 🛠️</a:t>
+            </a:r>
+          </a:p>
+        </p:txBody>
+      </p:sp>
+      <p:sp>
+        <p:nvSpPr>
+          <p:cNvPr id="1076" name="Rechteck 1075">
             <a:extLst>
               <a:ext uri="{FF2B5EF4-FFF2-40B4-BE49-F238E27FC236}">
-                <a16:creationId xmlns:a16="http://schemas.microsoft.com/office/drawing/2014/main" id="{9F368E97-2D2E-5C65-3363-C994D847D0EF}"/>
+                <a16:creationId xmlns:a16="http://schemas.microsoft.com/office/drawing/2014/main" id="{CF8B20A8-1B03-4A2D-653F-D6FAF6833FAE}"/>
               </a:ext>
             </a:extLst>
           </p:cNvPr>
@@ -4467,14 +4449,14 @@
         </p:nvSpPr>
         <p:spPr>
           <a:xfrm>
-            <a:off x="273534" y="5874031"/>
-            <a:ext cx="9261160" cy="786948"/>
+            <a:off x="319144" y="6303993"/>
+            <a:ext cx="9252933" cy="3388507"/>
           </a:xfrm>
           <a:prstGeom prst="rect">
             <a:avLst/>
           </a:prstGeom>
           <a:solidFill>
-            <a:srgbClr val="D7D7D7"/>
+            <a:schemeClr val="bg1"/>
           </a:solidFill>
           <a:ln>
             <a:noFill/>
@@ -4497,6 +4479,63 @@
           </a:fontRef>
         </p:style>
         <p:txBody>
+          <a:bodyPr rtlCol="0" anchor="ctr"/>
+          <a:lstStyle/>
+          <a:p>
+            <a:pPr algn="ctr"/>
+            <a:endParaRPr lang="de-DE" sz="440" dirty="0">
+              <a:latin typeface="Times New Roman" panose="02020603050405020304" pitchFamily="18" charset="0"/>
+              <a:cs typeface="Times New Roman" panose="02020603050405020304" pitchFamily="18" charset="0"/>
+            </a:endParaRPr>
+          </a:p>
+        </p:txBody>
+      </p:sp>
+      <p:sp>
+        <p:nvSpPr>
+          <p:cNvPr id="1073" name="Rechteck 1072">
+            <a:extLst>
+              <a:ext uri="{FF2B5EF4-FFF2-40B4-BE49-F238E27FC236}">
+                <a16:creationId xmlns:a16="http://schemas.microsoft.com/office/drawing/2014/main" id="{9F368E97-2D2E-5C65-3363-C994D847D0EF}"/>
+              </a:ext>
+            </a:extLst>
+          </p:cNvPr>
+          <p:cNvSpPr>
+            <a:spLocks/>
+          </p:cNvSpPr>
+          <p:nvPr/>
+        </p:nvSpPr>
+        <p:spPr>
+          <a:xfrm>
+            <a:off x="319145" y="5531561"/>
+            <a:ext cx="9261160" cy="786948"/>
+          </a:xfrm>
+          <a:prstGeom prst="rect">
+            <a:avLst/>
+          </a:prstGeom>
+          <a:solidFill>
+            <a:srgbClr val="D7D7D7"/>
+          </a:solidFill>
+          <a:ln>
+            <a:noFill/>
+          </a:ln>
+        </p:spPr>
+        <p:style>
+          <a:lnRef idx="2">
+            <a:schemeClr val="accent1">
+              <a:shade val="50000"/>
+            </a:schemeClr>
+          </a:lnRef>
+          <a:fillRef idx="1">
+            <a:schemeClr val="accent1"/>
+          </a:fillRef>
+          <a:effectRef idx="0">
+            <a:schemeClr val="accent1"/>
+          </a:effectRef>
+          <a:fontRef idx="minor">
+            <a:schemeClr val="lt1"/>
+          </a:fontRef>
+        </p:style>
+        <p:txBody>
           <a:bodyPr rtlCol="0" anchor="t"/>
           <a:lstStyle/>
           <a:p>
@@ -4505,13 +4544,13 @@
                 <a:solidFill>
                   <a:schemeClr val="tx1"/>
                 </a:solidFill>
-                <a:latin typeface="Times New Roman" panose="02020603050405020304" pitchFamily="18" charset="0"/>
+                <a:latin typeface="Aptos" panose="020B0004020202020204" pitchFamily="34" charset="0"/>
                 <a:cs typeface="Times New Roman" panose="02020603050405020304" pitchFamily="18" charset="0"/>
               </a:rPr>
               <a:t> Fragestellung❓</a:t>
             </a:r>
             <a:endParaRPr lang="en-GB" sz="4400" dirty="0">
-              <a:latin typeface="Times New Roman" panose="02020603050405020304" pitchFamily="18" charset="0"/>
+              <a:latin typeface="Aptos" panose="020B0004020202020204" pitchFamily="34" charset="0"/>
               <a:cs typeface="Times New Roman" panose="02020603050405020304" pitchFamily="18" charset="0"/>
             </a:endParaRPr>
           </a:p>
@@ -4520,48 +4559,9 @@
               <a:solidFill>
                 <a:schemeClr val="tx1"/>
               </a:solidFill>
-              <a:latin typeface="Times New Roman" panose="02020603050405020304" pitchFamily="18" charset="0"/>
+              <a:latin typeface="Aptos" panose="020B0004020202020204" pitchFamily="34" charset="0"/>
               <a:cs typeface="Times New Roman" panose="02020603050405020304" pitchFamily="18" charset="0"/>
             </a:endParaRPr>
-          </a:p>
-        </p:txBody>
-      </p:sp>
-      <p:sp>
-        <p:nvSpPr>
-          <p:cNvPr id="72" name="Textfeld 71">
-            <a:extLst>
-              <a:ext uri="{FF2B5EF4-FFF2-40B4-BE49-F238E27FC236}">
-                <a16:creationId xmlns:a16="http://schemas.microsoft.com/office/drawing/2014/main" id="{ED756739-7DBC-1FA6-C41A-668C96E238F1}"/>
-              </a:ext>
-            </a:extLst>
-          </p:cNvPr>
-          <p:cNvSpPr txBox="1"/>
-          <p:nvPr/>
-        </p:nvSpPr>
-        <p:spPr>
-          <a:xfrm>
-            <a:off x="1114758" y="28310994"/>
-            <a:ext cx="1941354" cy="400110"/>
-          </a:xfrm>
-          <a:prstGeom prst="rect">
-            <a:avLst/>
-          </a:prstGeom>
-          <a:noFill/>
-        </p:spPr>
-        <p:txBody>
-          <a:bodyPr wrap="square" rtlCol="0">
-            <a:spAutoFit/>
-          </a:bodyPr>
-          <a:lstStyle/>
-          <a:p>
-            <a:pPr algn="just"/>
-            <a:r>
-              <a:rPr lang="de-DE" sz="2000" dirty="0">
-                <a:latin typeface="Times New Roman" panose="02020603050405020304" pitchFamily="18" charset="0"/>
-                <a:cs typeface="Times New Roman" panose="02020603050405020304" pitchFamily="18" charset="0"/>
-              </a:rPr>
-              <a:t>Wuellen</a:t>
-            </a:r>
           </a:p>
         </p:txBody>
       </p:sp>
@@ -4593,7 +4593,7 @@
         </p:blipFill>
         <p:spPr>
           <a:xfrm>
-            <a:off x="272852" y="162796"/>
+            <a:off x="318463" y="187480"/>
             <a:ext cx="1440000" cy="1440000"/>
           </a:xfrm>
           <a:prstGeom prst="rect">
@@ -4639,7 +4639,7 @@
         </p:blipFill>
         <p:spPr>
           <a:xfrm>
-            <a:off x="1697967" y="213745"/>
+            <a:off x="1743578" y="238429"/>
             <a:ext cx="3205044" cy="1327242"/>
           </a:xfrm>
           <a:prstGeom prst="rect">
@@ -4647,49 +4647,6 @@
           </a:prstGeom>
         </p:spPr>
       </p:pic>
-      <p:cxnSp>
-        <p:nvCxnSpPr>
-          <p:cNvPr id="6" name="Gerader Verbinder 5">
-            <a:extLst>
-              <a:ext uri="{FF2B5EF4-FFF2-40B4-BE49-F238E27FC236}">
-                <a16:creationId xmlns:a16="http://schemas.microsoft.com/office/drawing/2014/main" id="{61896088-AA9F-5439-87ED-E690F0A16B22}"/>
-              </a:ext>
-            </a:extLst>
-          </p:cNvPr>
-          <p:cNvCxnSpPr>
-            <a:cxnSpLocks/>
-          </p:cNvCxnSpPr>
-          <p:nvPr/>
-        </p:nvCxnSpPr>
-        <p:spPr>
-          <a:xfrm flipH="1" flipV="1">
-            <a:off x="11359333" y="26930918"/>
-            <a:ext cx="22368" cy="2112753"/>
-          </a:xfrm>
-          <a:prstGeom prst="line">
-            <a:avLst/>
-          </a:prstGeom>
-          <a:ln w="57150">
-            <a:solidFill>
-              <a:srgbClr val="ECA6AB"/>
-            </a:solidFill>
-          </a:ln>
-        </p:spPr>
-        <p:style>
-          <a:lnRef idx="1">
-            <a:schemeClr val="accent1"/>
-          </a:lnRef>
-          <a:fillRef idx="0">
-            <a:schemeClr val="accent1"/>
-          </a:fillRef>
-          <a:effectRef idx="0">
-            <a:schemeClr val="accent1"/>
-          </a:effectRef>
-          <a:fontRef idx="minor">
-            <a:schemeClr val="tx1"/>
-          </a:fontRef>
-        </p:style>
-      </p:cxnSp>
       <p:sp>
         <p:nvSpPr>
           <p:cNvPr id="30" name="Textfeld 29">
@@ -4704,7 +4661,7 @@
         </p:nvSpPr>
         <p:spPr>
           <a:xfrm>
-            <a:off x="-7441" y="3544975"/>
+            <a:off x="38170" y="3478814"/>
             <a:ext cx="21360601" cy="707886"/>
           </a:xfrm>
           <a:prstGeom prst="rect">
@@ -4724,7 +4681,7 @@
                 <a:solidFill>
                   <a:srgbClr val="A2232C"/>
                 </a:solidFill>
-                <a:latin typeface="Times New Roman" panose="02020603050405020304" pitchFamily="18" charset="0"/>
+                <a:latin typeface="Aptos" panose="020B0004020202020204" pitchFamily="34" charset="0"/>
                 <a:ea typeface="Calibri" panose="020F0502020204030204" pitchFamily="34" charset="0"/>
                 <a:cs typeface="Times New Roman" panose="02020603050405020304" pitchFamily="18" charset="0"/>
               </a:rPr>
@@ -4760,7 +4717,7 @@
         </p:blipFill>
         <p:spPr>
           <a:xfrm>
-            <a:off x="13460424" y="-144255"/>
+            <a:off x="13506035" y="-119571"/>
             <a:ext cx="8135123" cy="1666962"/>
           </a:xfrm>
           <a:prstGeom prst="rect">
@@ -4784,7 +4741,7 @@
         </p:nvSpPr>
         <p:spPr>
           <a:xfrm>
-            <a:off x="9845609" y="5861796"/>
+            <a:off x="9891220" y="5519326"/>
             <a:ext cx="11224555" cy="786948"/>
           </a:xfrm>
           <a:prstGeom prst="rect">
@@ -4822,14 +4779,14 @@
                 <a:solidFill>
                   <a:schemeClr val="tx1"/>
                 </a:solidFill>
-                <a:latin typeface="Times New Roman" panose="02020603050405020304" pitchFamily="18" charset="0"/>
+                <a:latin typeface="Aptos" panose="020B0004020202020204" pitchFamily="34" charset="0"/>
                 <a:cs typeface="Times New Roman" panose="02020603050405020304" pitchFamily="18" charset="0"/>
               </a:rPr>
               <a:t> Ziel</a:t>
             </a:r>
             <a:r>
               <a:rPr lang="en-GB" sz="4400" dirty="0">
-                <a:latin typeface="Times New Roman" panose="02020603050405020304" pitchFamily="18" charset="0"/>
+                <a:latin typeface="Aptos" panose="020B0004020202020204" pitchFamily="34" charset="0"/>
                 <a:cs typeface="Times New Roman" panose="02020603050405020304" pitchFamily="18" charset="0"/>
               </a:rPr>
               <a:t>🎯 </a:t>
@@ -4840,7 +4797,7 @@
               <a:solidFill>
                 <a:schemeClr val="tx1"/>
               </a:solidFill>
-              <a:latin typeface="Times New Roman" panose="02020603050405020304" pitchFamily="18" charset="0"/>
+              <a:latin typeface="Aptos" panose="020B0004020202020204" pitchFamily="34" charset="0"/>
               <a:cs typeface="Times New Roman" panose="02020603050405020304" pitchFamily="18" charset="0"/>
             </a:endParaRPr>
           </a:p>
@@ -4862,8 +4819,8 @@
         </p:nvSpPr>
         <p:spPr>
           <a:xfrm>
-            <a:off x="9845609" y="6662994"/>
-            <a:ext cx="11224555" cy="9409641"/>
+            <a:off x="9891219" y="6268845"/>
+            <a:ext cx="11224555" cy="9084290"/>
           </a:xfrm>
           <a:prstGeom prst="rect">
             <a:avLst/>
@@ -4920,8 +4877,8 @@
         </p:nvSpPr>
         <p:spPr>
           <a:xfrm>
-            <a:off x="373576" y="6824892"/>
-            <a:ext cx="9227209" cy="3416320"/>
+            <a:off x="419187" y="6482422"/>
+            <a:ext cx="9227209" cy="2862322"/>
           </a:xfrm>
           <a:prstGeom prst="rect">
             <a:avLst/>
@@ -4936,35 +4893,29 @@
           <a:p>
             <a:r>
               <a:rPr lang="de-DE" sz="3600" dirty="0">
-                <a:latin typeface="Times New Roman" panose="02020603050405020304" pitchFamily="18" charset="0"/>
-                <a:cs typeface="Times New Roman" panose="02020603050405020304" pitchFamily="18" charset="0"/>
-              </a:rPr>
-              <a:t>📰 Wie haben sich Medieninhalte über die letzten Jahre verändert?</a:t>
+                <a:latin typeface="Aptos" panose="020B0004020202020204" pitchFamily="34" charset="0"/>
+                <a:cs typeface="Times New Roman" panose="02020603050405020304" pitchFamily="18" charset="0"/>
+              </a:rPr>
+              <a:t>📰 Wie haben sich Medien über die letzten Jahre verändert?</a:t>
             </a:r>
           </a:p>
           <a:p>
             <a:r>
               <a:rPr lang="de-DE" sz="3600" dirty="0">
-                <a:latin typeface="Times New Roman" panose="02020603050405020304" pitchFamily="18" charset="0"/>
-                <a:cs typeface="Times New Roman" panose="02020603050405020304" pitchFamily="18" charset="0"/>
-              </a:rPr>
-              <a:t>⚖️ Ist der Journalismus objektiver oder subjektiver geworden?</a:t>
+                <a:latin typeface="Aptos" panose="020B0004020202020204" pitchFamily="34" charset="0"/>
+                <a:cs typeface="Times New Roman" panose="02020603050405020304" pitchFamily="18" charset="0"/>
+              </a:rPr>
+              <a:t>⚖️ Ist der Journalismus subjektiver geworden?</a:t>
             </a:r>
           </a:p>
           <a:p>
             <a:r>
               <a:rPr lang="de-DE" sz="3600" dirty="0">
-                <a:latin typeface="Times New Roman" panose="02020603050405020304" pitchFamily="18" charset="0"/>
-                <a:cs typeface="Times New Roman" panose="02020603050405020304" pitchFamily="18" charset="0"/>
-              </a:rPr>
-              <a:t>📈 Gibt es Trends in der Artikelanzahl/länge?</a:t>
-            </a:r>
-          </a:p>
-          <a:p>
-            <a:endParaRPr lang="de-DE" sz="3600" dirty="0">
-              <a:latin typeface="Times New Roman" panose="02020603050405020304" pitchFamily="18" charset="0"/>
-              <a:cs typeface="Times New Roman" panose="02020603050405020304" pitchFamily="18" charset="0"/>
-            </a:endParaRPr>
+                <a:latin typeface="Aptos" panose="020B0004020202020204" pitchFamily="34" charset="0"/>
+                <a:cs typeface="Times New Roman" panose="02020603050405020304" pitchFamily="18" charset="0"/>
+              </a:rPr>
+              <a:t>📈 Gibt es Trends in der Artikelanzahl/-länge?</a:t>
+            </a:r>
           </a:p>
         </p:txBody>
       </p:sp>
@@ -4982,7 +4933,7 @@
         </p:nvSpPr>
         <p:spPr>
           <a:xfrm>
-            <a:off x="9937935" y="6781752"/>
+            <a:off x="9983546" y="6439282"/>
             <a:ext cx="11092857" cy="4524315"/>
           </a:xfrm>
           <a:prstGeom prst="rect">
@@ -4998,35 +4949,35 @@
           <a:p>
             <a:r>
               <a:rPr lang="en-GB" sz="3600" dirty="0">
-                <a:latin typeface="Times New Roman" panose="02020603050405020304" pitchFamily="18" charset="0"/>
+                <a:latin typeface="Aptos" panose="020B0004020202020204" pitchFamily="34" charset="0"/>
                 <a:cs typeface="Times New Roman" panose="02020603050405020304" pitchFamily="18" charset="0"/>
               </a:rPr>
               <a:t>🔍 Analyse von „</a:t>
             </a:r>
             <a:r>
               <a:rPr lang="en-GB" sz="3600" b="1" dirty="0">
-                <a:latin typeface="Times New Roman" panose="02020603050405020304" pitchFamily="18" charset="0"/>
+                <a:latin typeface="Aptos" panose="020B0004020202020204" pitchFamily="34" charset="0"/>
                 <a:cs typeface="Times New Roman" panose="02020603050405020304" pitchFamily="18" charset="0"/>
               </a:rPr>
               <a:t>The New York Times</a:t>
             </a:r>
             <a:r>
               <a:rPr lang="en-GB" sz="3600" dirty="0">
-                <a:latin typeface="Times New Roman" panose="02020603050405020304" pitchFamily="18" charset="0"/>
+                <a:latin typeface="Aptos" panose="020B0004020202020204" pitchFamily="34" charset="0"/>
                 <a:cs typeface="Times New Roman" panose="02020603050405020304" pitchFamily="18" charset="0"/>
               </a:rPr>
               <a:t>” und „</a:t>
             </a:r>
             <a:r>
               <a:rPr lang="en-GB" sz="3600" b="1" dirty="0">
-                <a:latin typeface="Times New Roman" panose="02020603050405020304" pitchFamily="18" charset="0"/>
+                <a:latin typeface="Aptos" panose="020B0004020202020204" pitchFamily="34" charset="0"/>
                 <a:cs typeface="Times New Roman" panose="02020603050405020304" pitchFamily="18" charset="0"/>
               </a:rPr>
               <a:t>The Guardian</a:t>
             </a:r>
             <a:r>
               <a:rPr lang="en-GB" sz="3600" dirty="0">
-                <a:latin typeface="Times New Roman" panose="02020603050405020304" pitchFamily="18" charset="0"/>
+                <a:latin typeface="Aptos" panose="020B0004020202020204" pitchFamily="34" charset="0"/>
                 <a:cs typeface="Times New Roman" panose="02020603050405020304" pitchFamily="18" charset="0"/>
               </a:rPr>
               <a:t>“ von 2010 – 2011 und 2020 - 2021</a:t>
@@ -5035,77 +4986,77 @@
           <a:p>
             <a:r>
               <a:rPr lang="en-GB" sz="3600" dirty="0">
-                <a:latin typeface="Times New Roman" panose="02020603050405020304" pitchFamily="18" charset="0"/>
+                <a:latin typeface="Aptos" panose="020B0004020202020204" pitchFamily="34" charset="0"/>
                 <a:cs typeface="Times New Roman" panose="02020603050405020304" pitchFamily="18" charset="0"/>
               </a:rPr>
               <a:t>📊 </a:t>
             </a:r>
             <a:r>
               <a:rPr lang="en-GB" sz="3600" dirty="0" err="1">
-                <a:latin typeface="Times New Roman" panose="02020603050405020304" pitchFamily="18" charset="0"/>
+                <a:latin typeface="Aptos" panose="020B0004020202020204" pitchFamily="34" charset="0"/>
                 <a:cs typeface="Times New Roman" panose="02020603050405020304" pitchFamily="18" charset="0"/>
               </a:rPr>
               <a:t>Untersuchung</a:t>
             </a:r>
             <a:r>
               <a:rPr lang="en-GB" sz="3600" dirty="0">
-                <a:latin typeface="Times New Roman" panose="02020603050405020304" pitchFamily="18" charset="0"/>
+                <a:latin typeface="Aptos" panose="020B0004020202020204" pitchFamily="34" charset="0"/>
                 <a:cs typeface="Times New Roman" panose="02020603050405020304" pitchFamily="18" charset="0"/>
               </a:rPr>
               <a:t> von </a:t>
             </a:r>
             <a:r>
               <a:rPr lang="en-GB" sz="3600" b="1" dirty="0" err="1">
-                <a:latin typeface="Times New Roman" panose="02020603050405020304" pitchFamily="18" charset="0"/>
+                <a:latin typeface="Aptos" panose="020B0004020202020204" pitchFamily="34" charset="0"/>
                 <a:cs typeface="Times New Roman" panose="02020603050405020304" pitchFamily="18" charset="0"/>
               </a:rPr>
               <a:t>Objektivität</a:t>
             </a:r>
             <a:r>
               <a:rPr lang="en-GB" sz="3600" dirty="0">
-                <a:latin typeface="Times New Roman" panose="02020603050405020304" pitchFamily="18" charset="0"/>
+                <a:latin typeface="Aptos" panose="020B0004020202020204" pitchFamily="34" charset="0"/>
                 <a:cs typeface="Times New Roman" panose="02020603050405020304" pitchFamily="18" charset="0"/>
               </a:rPr>
               <a:t>, </a:t>
             </a:r>
             <a:r>
               <a:rPr lang="en-GB" sz="3600" b="1" dirty="0" err="1">
-                <a:latin typeface="Times New Roman" panose="02020603050405020304" pitchFamily="18" charset="0"/>
+                <a:latin typeface="Aptos" panose="020B0004020202020204" pitchFamily="34" charset="0"/>
                 <a:cs typeface="Times New Roman" panose="02020603050405020304" pitchFamily="18" charset="0"/>
               </a:rPr>
               <a:t>Polarisierung</a:t>
             </a:r>
             <a:r>
               <a:rPr lang="en-GB" sz="3600" dirty="0">
-                <a:latin typeface="Times New Roman" panose="02020603050405020304" pitchFamily="18" charset="0"/>
+                <a:latin typeface="Aptos" panose="020B0004020202020204" pitchFamily="34" charset="0"/>
                 <a:cs typeface="Times New Roman" panose="02020603050405020304" pitchFamily="18" charset="0"/>
               </a:rPr>
               <a:t>, </a:t>
             </a:r>
             <a:r>
               <a:rPr lang="en-GB" sz="3600" dirty="0" err="1">
-                <a:latin typeface="Times New Roman" panose="02020603050405020304" pitchFamily="18" charset="0"/>
+                <a:latin typeface="Aptos" panose="020B0004020202020204" pitchFamily="34" charset="0"/>
                 <a:cs typeface="Times New Roman" panose="02020603050405020304" pitchFamily="18" charset="0"/>
               </a:rPr>
               <a:t>Anzahl</a:t>
             </a:r>
             <a:r>
               <a:rPr lang="en-GB" sz="3600" dirty="0">
-                <a:latin typeface="Times New Roman" panose="02020603050405020304" pitchFamily="18" charset="0"/>
+                <a:latin typeface="Aptos" panose="020B0004020202020204" pitchFamily="34" charset="0"/>
                 <a:cs typeface="Times New Roman" panose="02020603050405020304" pitchFamily="18" charset="0"/>
               </a:rPr>
               <a:t> und </a:t>
             </a:r>
             <a:r>
               <a:rPr lang="en-GB" sz="3600" dirty="0" err="1">
-                <a:latin typeface="Times New Roman" panose="02020603050405020304" pitchFamily="18" charset="0"/>
+                <a:latin typeface="Aptos" panose="020B0004020202020204" pitchFamily="34" charset="0"/>
                 <a:cs typeface="Times New Roman" panose="02020603050405020304" pitchFamily="18" charset="0"/>
               </a:rPr>
               <a:t>Länge</a:t>
             </a:r>
             <a:r>
               <a:rPr lang="en-GB" sz="3600" dirty="0">
-                <a:latin typeface="Times New Roman" panose="02020603050405020304" pitchFamily="18" charset="0"/>
+                <a:latin typeface="Aptos" panose="020B0004020202020204" pitchFamily="34" charset="0"/>
                 <a:cs typeface="Times New Roman" panose="02020603050405020304" pitchFamily="18" charset="0"/>
               </a:rPr>
               <a:t> der Artikel</a:t>
@@ -5114,51 +5065,51 @@
           <a:p>
             <a:r>
               <a:rPr lang="de-DE" sz="3600" dirty="0">
-                <a:latin typeface="Times New Roman" panose="02020603050405020304" pitchFamily="18" charset="0"/>
+                <a:latin typeface="Aptos" panose="020B0004020202020204" pitchFamily="34" charset="0"/>
                 <a:cs typeface="Times New Roman" panose="02020603050405020304" pitchFamily="18" charset="0"/>
               </a:rPr>
               <a:t>🔎Identifikation von </a:t>
             </a:r>
             <a:r>
               <a:rPr lang="de-DE" sz="3600" b="1" dirty="0">
-                <a:latin typeface="Times New Roman" panose="02020603050405020304" pitchFamily="18" charset="0"/>
+                <a:latin typeface="Aptos" panose="020B0004020202020204" pitchFamily="34" charset="0"/>
                 <a:cs typeface="Times New Roman" panose="02020603050405020304" pitchFamily="18" charset="0"/>
               </a:rPr>
               <a:t>langfristigen Trends</a:t>
             </a:r>
             <a:r>
               <a:rPr lang="de-DE" sz="3600" dirty="0">
-                <a:latin typeface="Times New Roman" panose="02020603050405020304" pitchFamily="18" charset="0"/>
+                <a:latin typeface="Aptos" panose="020B0004020202020204" pitchFamily="34" charset="0"/>
                 <a:cs typeface="Times New Roman" panose="02020603050405020304" pitchFamily="18" charset="0"/>
               </a:rPr>
               <a:t> im Journalismus</a:t>
             </a:r>
             <a:endParaRPr lang="en-GB" sz="3600" dirty="0">
-              <a:latin typeface="Times New Roman" panose="02020603050405020304" pitchFamily="18" charset="0"/>
+              <a:latin typeface="Aptos" panose="020B0004020202020204" pitchFamily="34" charset="0"/>
               <a:cs typeface="Times New Roman" panose="02020603050405020304" pitchFamily="18" charset="0"/>
             </a:endParaRPr>
           </a:p>
           <a:p>
             <a:r>
               <a:rPr lang="de-DE" sz="3600" dirty="0">
-                <a:latin typeface="Times New Roman" panose="02020603050405020304" pitchFamily="18" charset="0"/>
+                <a:latin typeface="Aptos" panose="020B0004020202020204" pitchFamily="34" charset="0"/>
                 <a:cs typeface="Times New Roman" panose="02020603050405020304" pitchFamily="18" charset="0"/>
               </a:rPr>
               <a:t>📢 </a:t>
             </a:r>
             <a:r>
               <a:rPr lang="de-DE" sz="3600" b="1" dirty="0">
-                <a:latin typeface="Times New Roman" panose="02020603050405020304" pitchFamily="18" charset="0"/>
+                <a:latin typeface="Aptos" panose="020B0004020202020204" pitchFamily="34" charset="0"/>
                 <a:cs typeface="Times New Roman" panose="02020603050405020304" pitchFamily="18" charset="0"/>
               </a:rPr>
               <a:t>Vergleich</a:t>
             </a:r>
             <a:r>
               <a:rPr lang="de-DE" sz="3600" dirty="0">
-                <a:latin typeface="Times New Roman" panose="02020603050405020304" pitchFamily="18" charset="0"/>
-                <a:cs typeface="Times New Roman" panose="02020603050405020304" pitchFamily="18" charset="0"/>
-              </a:rPr>
-              <a:t> der Berichterstattung in verschiedenen gesellschaftlichen und politischen Kontexten</a:t>
+                <a:latin typeface="Aptos" panose="020B0004020202020204" pitchFamily="34" charset="0"/>
+                <a:cs typeface="Times New Roman" panose="02020603050405020304" pitchFamily="18" charset="0"/>
+              </a:rPr>
+              <a:t> zwischen einer amerikanischen und einer britischen Zeitung</a:t>
             </a:r>
           </a:p>
         </p:txBody>
@@ -5177,8 +5128,8 @@
         </p:nvSpPr>
         <p:spPr>
           <a:xfrm>
-            <a:off x="315825" y="11241527"/>
-            <a:ext cx="9210642" cy="5016758"/>
+            <a:off x="439142" y="10960083"/>
+            <a:ext cx="9261842" cy="5016758"/>
           </a:xfrm>
           <a:prstGeom prst="rect">
             <a:avLst/>
@@ -5193,55 +5144,55 @@
           <a:p>
             <a:r>
               <a:rPr lang="en-GB" sz="3200" dirty="0">
-                <a:latin typeface="Times New Roman" panose="02020603050405020304" pitchFamily="18" charset="0"/>
+                <a:latin typeface="Aptos" panose="020B0004020202020204" pitchFamily="34" charset="0"/>
                 <a:cs typeface="Times New Roman" panose="02020603050405020304" pitchFamily="18" charset="0"/>
               </a:rPr>
               <a:t>💻 </a:t>
             </a:r>
             <a:r>
               <a:rPr lang="en-GB" sz="3200" b="1" dirty="0" err="1">
-                <a:latin typeface="Times New Roman" panose="02020603050405020304" pitchFamily="18" charset="0"/>
+                <a:latin typeface="Aptos" panose="020B0004020202020204" pitchFamily="34" charset="0"/>
                 <a:cs typeface="Times New Roman" panose="02020603050405020304" pitchFamily="18" charset="0"/>
               </a:rPr>
               <a:t>Datenbeschaffung</a:t>
             </a:r>
             <a:r>
               <a:rPr lang="en-GB" sz="3200" b="1" dirty="0">
-                <a:latin typeface="Times New Roman" panose="02020603050405020304" pitchFamily="18" charset="0"/>
+                <a:latin typeface="Aptos" panose="020B0004020202020204" pitchFamily="34" charset="0"/>
                 <a:cs typeface="Times New Roman" panose="02020603050405020304" pitchFamily="18" charset="0"/>
               </a:rPr>
               <a:t>:</a:t>
             </a:r>
             <a:endParaRPr lang="en-GB" sz="3200" dirty="0">
-              <a:latin typeface="Times New Roman" panose="02020603050405020304" pitchFamily="18" charset="0"/>
+              <a:latin typeface="Aptos" panose="020B0004020202020204" pitchFamily="34" charset="0"/>
               <a:cs typeface="Times New Roman" panose="02020603050405020304" pitchFamily="18" charset="0"/>
             </a:endParaRPr>
           </a:p>
           <a:p>
             <a:r>
               <a:rPr lang="en-GB" sz="3200" dirty="0">
-                <a:latin typeface="Times New Roman" panose="02020603050405020304" pitchFamily="18" charset="0"/>
+                <a:latin typeface="Aptos" panose="020B0004020202020204" pitchFamily="34" charset="0"/>
                 <a:cs typeface="Times New Roman" panose="02020603050405020304" pitchFamily="18" charset="0"/>
               </a:rPr>
               <a:t>	🌐 Web Scraping </a:t>
             </a:r>
             <a:r>
               <a:rPr lang="en-GB" sz="3200" dirty="0" err="1">
-                <a:latin typeface="Times New Roman" panose="02020603050405020304" pitchFamily="18" charset="0"/>
+                <a:latin typeface="Aptos" panose="020B0004020202020204" pitchFamily="34" charset="0"/>
                 <a:cs typeface="Times New Roman" panose="02020603050405020304" pitchFamily="18" charset="0"/>
               </a:rPr>
               <a:t>mit</a:t>
             </a:r>
             <a:r>
               <a:rPr lang="en-GB" sz="3200" dirty="0">
-                <a:latin typeface="Times New Roman" panose="02020603050405020304" pitchFamily="18" charset="0"/>
+                <a:latin typeface="Aptos" panose="020B0004020202020204" pitchFamily="34" charset="0"/>
                 <a:cs typeface="Times New Roman" panose="02020603050405020304" pitchFamily="18" charset="0"/>
               </a:rPr>
               <a:t> </a:t>
             </a:r>
             <a:r>
               <a:rPr lang="en-GB" sz="3200" b="1" dirty="0">
-                <a:latin typeface="Times New Roman" panose="02020603050405020304" pitchFamily="18" charset="0"/>
+                <a:latin typeface="Aptos" panose="020B0004020202020204" pitchFamily="34" charset="0"/>
                 <a:cs typeface="Times New Roman" panose="02020603050405020304" pitchFamily="18" charset="0"/>
               </a:rPr>
               <a:t>Python, Selenium,</a:t>
@@ -5250,582 +5201,291 @@
           <a:p>
             <a:r>
               <a:rPr lang="en-GB" sz="3200" b="1" dirty="0">
-                <a:latin typeface="Times New Roman" panose="02020603050405020304" pitchFamily="18" charset="0"/>
+                <a:latin typeface="Aptos" panose="020B0004020202020204" pitchFamily="34" charset="0"/>
                 <a:cs typeface="Times New Roman" panose="02020603050405020304" pitchFamily="18" charset="0"/>
               </a:rPr>
               <a:t>            </a:t>
             </a:r>
             <a:r>
               <a:rPr lang="en-GB" sz="3200" b="1" dirty="0" err="1">
-                <a:latin typeface="Times New Roman" panose="02020603050405020304" pitchFamily="18" charset="0"/>
+                <a:latin typeface="Aptos" panose="020B0004020202020204" pitchFamily="34" charset="0"/>
                 <a:cs typeface="Times New Roman" panose="02020603050405020304" pitchFamily="18" charset="0"/>
               </a:rPr>
               <a:t>BeautifulSoup</a:t>
             </a:r>
             <a:endParaRPr lang="en-GB" sz="3200" dirty="0">
-              <a:latin typeface="Times New Roman" panose="02020603050405020304" pitchFamily="18" charset="0"/>
+              <a:latin typeface="Aptos" panose="020B0004020202020204" pitchFamily="34" charset="0"/>
               <a:cs typeface="Times New Roman" panose="02020603050405020304" pitchFamily="18" charset="0"/>
             </a:endParaRPr>
           </a:p>
           <a:p>
             <a:r>
               <a:rPr lang="en-GB" sz="3200" dirty="0">
-                <a:latin typeface="Times New Roman" panose="02020603050405020304" pitchFamily="18" charset="0"/>
+                <a:latin typeface="Aptos" panose="020B0004020202020204" pitchFamily="34" charset="0"/>
                 <a:cs typeface="Times New Roman" panose="02020603050405020304" pitchFamily="18" charset="0"/>
               </a:rPr>
               <a:t>	🔗 </a:t>
             </a:r>
             <a:r>
               <a:rPr lang="en-GB" sz="3200" dirty="0" err="1">
-                <a:latin typeface="Times New Roman" panose="02020603050405020304" pitchFamily="18" charset="0"/>
+                <a:latin typeface="Aptos" panose="020B0004020202020204" pitchFamily="34" charset="0"/>
                 <a:cs typeface="Times New Roman" panose="02020603050405020304" pitchFamily="18" charset="0"/>
               </a:rPr>
               <a:t>Nutzung</a:t>
             </a:r>
             <a:r>
               <a:rPr lang="en-GB" sz="3200" dirty="0">
-                <a:latin typeface="Times New Roman" panose="02020603050405020304" pitchFamily="18" charset="0"/>
+                <a:latin typeface="Aptos" panose="020B0004020202020204" pitchFamily="34" charset="0"/>
                 <a:cs typeface="Times New Roman" panose="02020603050405020304" pitchFamily="18" charset="0"/>
               </a:rPr>
               <a:t> der </a:t>
             </a:r>
             <a:r>
               <a:rPr lang="en-GB" sz="3200" b="1" dirty="0">
-                <a:latin typeface="Times New Roman" panose="02020603050405020304" pitchFamily="18" charset="0"/>
+                <a:latin typeface="Aptos" panose="020B0004020202020204" pitchFamily="34" charset="0"/>
                 <a:cs typeface="Times New Roman" panose="02020603050405020304" pitchFamily="18" charset="0"/>
               </a:rPr>
               <a:t>APIs</a:t>
             </a:r>
             <a:r>
               <a:rPr lang="en-GB" sz="3200" dirty="0">
-                <a:latin typeface="Times New Roman" panose="02020603050405020304" pitchFamily="18" charset="0"/>
+                <a:latin typeface="Aptos" panose="020B0004020202020204" pitchFamily="34" charset="0"/>
                 <a:cs typeface="Times New Roman" panose="02020603050405020304" pitchFamily="18" charset="0"/>
               </a:rPr>
               <a:t> </a:t>
             </a:r>
             <a:r>
               <a:rPr lang="en-GB" sz="3200" dirty="0" err="1">
-                <a:latin typeface="Times New Roman" panose="02020603050405020304" pitchFamily="18" charset="0"/>
+                <a:latin typeface="Aptos" panose="020B0004020202020204" pitchFamily="34" charset="0"/>
                 <a:cs typeface="Times New Roman" panose="02020603050405020304" pitchFamily="18" charset="0"/>
               </a:rPr>
               <a:t>beider</a:t>
             </a:r>
             <a:r>
               <a:rPr lang="en-GB" sz="3200" dirty="0">
-                <a:latin typeface="Times New Roman" panose="02020603050405020304" pitchFamily="18" charset="0"/>
+                <a:latin typeface="Aptos" panose="020B0004020202020204" pitchFamily="34" charset="0"/>
                 <a:cs typeface="Times New Roman" panose="02020603050405020304" pitchFamily="18" charset="0"/>
               </a:rPr>
               <a:t> </a:t>
             </a:r>
             <a:r>
               <a:rPr lang="en-GB" sz="3200" dirty="0" err="1">
-                <a:latin typeface="Times New Roman" panose="02020603050405020304" pitchFamily="18" charset="0"/>
+                <a:latin typeface="Aptos" panose="020B0004020202020204" pitchFamily="34" charset="0"/>
                 <a:cs typeface="Times New Roman" panose="02020603050405020304" pitchFamily="18" charset="0"/>
               </a:rPr>
               <a:t>Zeitungen</a:t>
             </a:r>
             <a:endParaRPr lang="en-GB" sz="3200" dirty="0">
-              <a:latin typeface="Times New Roman" panose="02020603050405020304" pitchFamily="18" charset="0"/>
+              <a:latin typeface="Aptos" panose="020B0004020202020204" pitchFamily="34" charset="0"/>
               <a:cs typeface="Times New Roman" panose="02020603050405020304" pitchFamily="18" charset="0"/>
             </a:endParaRPr>
           </a:p>
           <a:p>
             <a:r>
               <a:rPr lang="en-GB" sz="3200" dirty="0">
-                <a:latin typeface="Times New Roman" panose="02020603050405020304" pitchFamily="18" charset="0"/>
+                <a:latin typeface="Aptos" panose="020B0004020202020204" pitchFamily="34" charset="0"/>
                 <a:cs typeface="Times New Roman" panose="02020603050405020304" pitchFamily="18" charset="0"/>
               </a:rPr>
               <a:t>📊 </a:t>
             </a:r>
             <a:r>
               <a:rPr lang="en-GB" sz="3200" b="1" dirty="0">
-                <a:latin typeface="Times New Roman" panose="02020603050405020304" pitchFamily="18" charset="0"/>
+                <a:latin typeface="Aptos" panose="020B0004020202020204" pitchFamily="34" charset="0"/>
                 <a:cs typeface="Times New Roman" panose="02020603050405020304" pitchFamily="18" charset="0"/>
               </a:rPr>
               <a:t>Analyse:</a:t>
             </a:r>
             <a:endParaRPr lang="en-GB" sz="3200" dirty="0">
-              <a:latin typeface="Times New Roman" panose="02020603050405020304" pitchFamily="18" charset="0"/>
+              <a:latin typeface="Aptos" panose="020B0004020202020204" pitchFamily="34" charset="0"/>
               <a:cs typeface="Times New Roman" panose="02020603050405020304" pitchFamily="18" charset="0"/>
             </a:endParaRPr>
           </a:p>
           <a:p>
             <a:r>
               <a:rPr lang="en-GB" sz="3200" dirty="0">
-                <a:latin typeface="Times New Roman" panose="02020603050405020304" pitchFamily="18" charset="0"/>
+                <a:latin typeface="Aptos" panose="020B0004020202020204" pitchFamily="34" charset="0"/>
                 <a:cs typeface="Times New Roman" panose="02020603050405020304" pitchFamily="18" charset="0"/>
               </a:rPr>
               <a:t>	🤖 </a:t>
             </a:r>
             <a:r>
               <a:rPr lang="en-GB" sz="3200" dirty="0" err="1">
-                <a:latin typeface="Times New Roman" panose="02020603050405020304" pitchFamily="18" charset="0"/>
+                <a:latin typeface="Aptos" panose="020B0004020202020204" pitchFamily="34" charset="0"/>
                 <a:cs typeface="Times New Roman" panose="02020603050405020304" pitchFamily="18" charset="0"/>
               </a:rPr>
               <a:t>Sentimentanalyse</a:t>
             </a:r>
             <a:r>
               <a:rPr lang="en-GB" sz="3200" dirty="0">
-                <a:latin typeface="Times New Roman" panose="02020603050405020304" pitchFamily="18" charset="0"/>
+                <a:latin typeface="Aptos" panose="020B0004020202020204" pitchFamily="34" charset="0"/>
                 <a:cs typeface="Times New Roman" panose="02020603050405020304" pitchFamily="18" charset="0"/>
               </a:rPr>
               <a:t> </a:t>
             </a:r>
             <a:r>
               <a:rPr lang="en-GB" sz="3200" dirty="0" err="1">
-                <a:latin typeface="Times New Roman" panose="02020603050405020304" pitchFamily="18" charset="0"/>
+                <a:latin typeface="Aptos" panose="020B0004020202020204" pitchFamily="34" charset="0"/>
                 <a:cs typeface="Times New Roman" panose="02020603050405020304" pitchFamily="18" charset="0"/>
               </a:rPr>
               <a:t>mit</a:t>
             </a:r>
             <a:r>
               <a:rPr lang="en-GB" sz="3200" dirty="0">
-                <a:latin typeface="Times New Roman" panose="02020603050405020304" pitchFamily="18" charset="0"/>
+                <a:latin typeface="Aptos" panose="020B0004020202020204" pitchFamily="34" charset="0"/>
                 <a:cs typeface="Times New Roman" panose="02020603050405020304" pitchFamily="18" charset="0"/>
               </a:rPr>
               <a:t> </a:t>
             </a:r>
             <a:r>
               <a:rPr lang="en-GB" sz="3200" b="1" dirty="0" err="1">
-                <a:latin typeface="Times New Roman" panose="02020603050405020304" pitchFamily="18" charset="0"/>
+                <a:latin typeface="Aptos" panose="020B0004020202020204" pitchFamily="34" charset="0"/>
                 <a:cs typeface="Times New Roman" panose="02020603050405020304" pitchFamily="18" charset="0"/>
               </a:rPr>
               <a:t>TextBlob</a:t>
             </a:r>
             <a:endParaRPr lang="en-GB" sz="3200" dirty="0">
-              <a:latin typeface="Times New Roman" panose="02020603050405020304" pitchFamily="18" charset="0"/>
+              <a:latin typeface="Aptos" panose="020B0004020202020204" pitchFamily="34" charset="0"/>
               <a:cs typeface="Times New Roman" panose="02020603050405020304" pitchFamily="18" charset="0"/>
             </a:endParaRPr>
           </a:p>
           <a:p>
             <a:r>
               <a:rPr lang="en-GB" sz="3200" dirty="0">
-                <a:latin typeface="Times New Roman" panose="02020603050405020304" pitchFamily="18" charset="0"/>
+                <a:latin typeface="Aptos" panose="020B0004020202020204" pitchFamily="34" charset="0"/>
                 <a:cs typeface="Times New Roman" panose="02020603050405020304" pitchFamily="18" charset="0"/>
               </a:rPr>
               <a:t>	📉 </a:t>
             </a:r>
             <a:r>
               <a:rPr lang="en-GB" sz="3200" dirty="0" err="1">
-                <a:latin typeface="Times New Roman" panose="02020603050405020304" pitchFamily="18" charset="0"/>
+                <a:latin typeface="Aptos" panose="020B0004020202020204" pitchFamily="34" charset="0"/>
                 <a:cs typeface="Times New Roman" panose="02020603050405020304" pitchFamily="18" charset="0"/>
               </a:rPr>
               <a:t>Berechnung</a:t>
             </a:r>
             <a:r>
               <a:rPr lang="en-GB" sz="3200" dirty="0">
-                <a:latin typeface="Times New Roman" panose="02020603050405020304" pitchFamily="18" charset="0"/>
+                <a:latin typeface="Aptos" panose="020B0004020202020204" pitchFamily="34" charset="0"/>
                 <a:cs typeface="Times New Roman" panose="02020603050405020304" pitchFamily="18" charset="0"/>
               </a:rPr>
               <a:t> von </a:t>
             </a:r>
             <a:r>
               <a:rPr lang="en-GB" sz="3200" b="1" dirty="0" err="1">
-                <a:latin typeface="Times New Roman" panose="02020603050405020304" pitchFamily="18" charset="0"/>
+                <a:latin typeface="Aptos" panose="020B0004020202020204" pitchFamily="34" charset="0"/>
                 <a:cs typeface="Times New Roman" panose="02020603050405020304" pitchFamily="18" charset="0"/>
               </a:rPr>
               <a:t>Subjektivität</a:t>
             </a:r>
             <a:r>
               <a:rPr lang="en-GB" sz="3200" b="1" dirty="0">
-                <a:latin typeface="Times New Roman" panose="02020603050405020304" pitchFamily="18" charset="0"/>
+                <a:latin typeface="Aptos" panose="020B0004020202020204" pitchFamily="34" charset="0"/>
                 <a:cs typeface="Times New Roman" panose="02020603050405020304" pitchFamily="18" charset="0"/>
               </a:rPr>
               <a:t> &amp; Polarisation</a:t>
             </a:r>
             <a:endParaRPr lang="en-GB" sz="3200" dirty="0">
-              <a:latin typeface="Times New Roman" panose="02020603050405020304" pitchFamily="18" charset="0"/>
+              <a:latin typeface="Aptos" panose="020B0004020202020204" pitchFamily="34" charset="0"/>
               <a:cs typeface="Times New Roman" panose="02020603050405020304" pitchFamily="18" charset="0"/>
             </a:endParaRPr>
           </a:p>
           <a:p>
             <a:r>
               <a:rPr lang="en-GB" sz="3200" dirty="0">
-                <a:latin typeface="Times New Roman" panose="02020603050405020304" pitchFamily="18" charset="0"/>
+                <a:latin typeface="Aptos" panose="020B0004020202020204" pitchFamily="34" charset="0"/>
                 <a:cs typeface="Times New Roman" panose="02020603050405020304" pitchFamily="18" charset="0"/>
               </a:rPr>
               <a:t>	💾</a:t>
             </a:r>
             <a:r>
               <a:rPr lang="en-GB" sz="3200" dirty="0" err="1">
-                <a:latin typeface="Times New Roman" panose="02020603050405020304" pitchFamily="18" charset="0"/>
+                <a:latin typeface="Aptos" panose="020B0004020202020204" pitchFamily="34" charset="0"/>
                 <a:cs typeface="Times New Roman" panose="02020603050405020304" pitchFamily="18" charset="0"/>
               </a:rPr>
               <a:t>Speicherung</a:t>
             </a:r>
             <a:r>
               <a:rPr lang="en-GB" sz="3200" dirty="0">
-                <a:latin typeface="Times New Roman" panose="02020603050405020304" pitchFamily="18" charset="0"/>
+                <a:latin typeface="Aptos" panose="020B0004020202020204" pitchFamily="34" charset="0"/>
                 <a:cs typeface="Times New Roman" panose="02020603050405020304" pitchFamily="18" charset="0"/>
               </a:rPr>
               <a:t> und </a:t>
             </a:r>
             <a:r>
               <a:rPr lang="en-GB" sz="3200" dirty="0" err="1">
-                <a:latin typeface="Times New Roman" panose="02020603050405020304" pitchFamily="18" charset="0"/>
+                <a:latin typeface="Aptos" panose="020B0004020202020204" pitchFamily="34" charset="0"/>
                 <a:cs typeface="Times New Roman" panose="02020603050405020304" pitchFamily="18" charset="0"/>
               </a:rPr>
               <a:t>Visualisierung</a:t>
             </a:r>
             <a:r>
               <a:rPr lang="en-GB" sz="3200" dirty="0">
-                <a:latin typeface="Times New Roman" panose="02020603050405020304" pitchFamily="18" charset="0"/>
+                <a:latin typeface="Aptos" panose="020B0004020202020204" pitchFamily="34" charset="0"/>
                 <a:cs typeface="Times New Roman" panose="02020603050405020304" pitchFamily="18" charset="0"/>
               </a:rPr>
               <a:t> </a:t>
             </a:r>
             <a:r>
               <a:rPr lang="en-GB" sz="3200" dirty="0" err="1">
-                <a:latin typeface="Times New Roman" panose="02020603050405020304" pitchFamily="18" charset="0"/>
+                <a:latin typeface="Aptos" panose="020B0004020202020204" pitchFamily="34" charset="0"/>
                 <a:cs typeface="Times New Roman" panose="02020603050405020304" pitchFamily="18" charset="0"/>
               </a:rPr>
               <a:t>mit</a:t>
             </a:r>
             <a:r>
               <a:rPr lang="en-GB" sz="3200" dirty="0">
-                <a:latin typeface="Times New Roman" panose="02020603050405020304" pitchFamily="18" charset="0"/>
+                <a:latin typeface="Aptos" panose="020B0004020202020204" pitchFamily="34" charset="0"/>
                 <a:cs typeface="Times New Roman" panose="02020603050405020304" pitchFamily="18" charset="0"/>
               </a:rPr>
               <a:t> </a:t>
             </a:r>
             <a:r>
               <a:rPr lang="en-GB" sz="3200" b="1" dirty="0">
-                <a:latin typeface="Times New Roman" panose="02020603050405020304" pitchFamily="18" charset="0"/>
-                <a:cs typeface="Times New Roman" panose="02020603050405020304" pitchFamily="18" charset="0"/>
-              </a:rPr>
-              <a:t>SQLite, </a:t>
+                <a:latin typeface="Aptos" panose="020B0004020202020204" pitchFamily="34" charset="0"/>
+                <a:cs typeface="Times New Roman" panose="02020603050405020304" pitchFamily="18" charset="0"/>
+              </a:rPr>
+              <a:t>SQLite,</a:t>
+            </a:r>
+          </a:p>
+          <a:p>
+            <a:r>
+              <a:rPr lang="en-GB" sz="3200" b="1" dirty="0">
+                <a:latin typeface="Aptos" panose="020B0004020202020204" pitchFamily="34" charset="0"/>
+                <a:cs typeface="Times New Roman" panose="02020603050405020304" pitchFamily="18" charset="0"/>
+              </a:rPr>
+              <a:t>          </a:t>
             </a:r>
             <a:r>
               <a:rPr lang="en-GB" sz="3200" b="1" dirty="0" err="1">
-                <a:latin typeface="Times New Roman" panose="02020603050405020304" pitchFamily="18" charset="0"/>
+                <a:latin typeface="Aptos" panose="020B0004020202020204" pitchFamily="34" charset="0"/>
                 <a:cs typeface="Times New Roman" panose="02020603050405020304" pitchFamily="18" charset="0"/>
               </a:rPr>
               <a:t>Plotly</a:t>
             </a:r>
             <a:r>
               <a:rPr lang="en-GB" sz="3200" b="1" dirty="0">
-                <a:latin typeface="Times New Roman" panose="02020603050405020304" pitchFamily="18" charset="0"/>
+                <a:latin typeface="Aptos" panose="020B0004020202020204" pitchFamily="34" charset="0"/>
                 <a:cs typeface="Times New Roman" panose="02020603050405020304" pitchFamily="18" charset="0"/>
               </a:rPr>
               <a:t>, </a:t>
             </a:r>
             <a:r>
               <a:rPr lang="en-GB" sz="3200" b="1" dirty="0" err="1">
-                <a:latin typeface="Times New Roman" panose="02020603050405020304" pitchFamily="18" charset="0"/>
+                <a:latin typeface="Aptos" panose="020B0004020202020204" pitchFamily="34" charset="0"/>
                 <a:cs typeface="Times New Roman" panose="02020603050405020304" pitchFamily="18" charset="0"/>
               </a:rPr>
               <a:t>Streamlit</a:t>
             </a:r>
             <a:endParaRPr lang="en-GB" sz="3200" dirty="0">
-              <a:latin typeface="Times New Roman" panose="02020603050405020304" pitchFamily="18" charset="0"/>
+              <a:latin typeface="Aptos" panose="020B0004020202020204" pitchFamily="34" charset="0"/>
               <a:cs typeface="Times New Roman" panose="02020603050405020304" pitchFamily="18" charset="0"/>
             </a:endParaRPr>
           </a:p>
           <a:p>
             <a:endParaRPr lang="de-DE" sz="3200" dirty="0">
-              <a:latin typeface="Times New Roman" panose="02020603050405020304" pitchFamily="18" charset="0"/>
+              <a:latin typeface="Aptos" panose="020B0004020202020204" pitchFamily="34" charset="0"/>
               <a:cs typeface="Times New Roman" panose="02020603050405020304" pitchFamily="18" charset="0"/>
             </a:endParaRPr>
-          </a:p>
-        </p:txBody>
-      </p:sp>
-      <p:sp>
-        <p:nvSpPr>
-          <p:cNvPr id="16" name="Textfeld 15">
-            <a:extLst>
-              <a:ext uri="{FF2B5EF4-FFF2-40B4-BE49-F238E27FC236}">
-                <a16:creationId xmlns:a16="http://schemas.microsoft.com/office/drawing/2014/main" id="{A5DB40BD-AE90-49CC-B684-A08B086E4906}"/>
-              </a:ext>
-            </a:extLst>
-          </p:cNvPr>
-          <p:cNvSpPr txBox="1"/>
-          <p:nvPr/>
-        </p:nvSpPr>
-        <p:spPr>
-          <a:xfrm>
-            <a:off x="366657" y="17640256"/>
-            <a:ext cx="7110056" cy="8710077"/>
-          </a:xfrm>
-          <a:prstGeom prst="rect">
-            <a:avLst/>
-          </a:prstGeom>
-          <a:noFill/>
-        </p:spPr>
-        <p:txBody>
-          <a:bodyPr wrap="square" rtlCol="0">
-            <a:spAutoFit/>
-          </a:bodyPr>
-          <a:lstStyle/>
-          <a:p>
-            <a:r>
-              <a:rPr lang="de-DE" sz="2800" dirty="0">
-                <a:latin typeface="Times New Roman" panose="02020603050405020304" pitchFamily="18" charset="0"/>
-                <a:cs typeface="Times New Roman" panose="02020603050405020304" pitchFamily="18" charset="0"/>
-              </a:rPr>
-              <a:t>📉 </a:t>
-            </a:r>
-            <a:r>
-              <a:rPr lang="de-DE" sz="2800" b="1" dirty="0">
-                <a:latin typeface="Times New Roman" panose="02020603050405020304" pitchFamily="18" charset="0"/>
-                <a:cs typeface="Times New Roman" panose="02020603050405020304" pitchFamily="18" charset="0"/>
-              </a:rPr>
-              <a:t>Artikellänge:</a:t>
-            </a:r>
-            <a:endParaRPr lang="de-DE" sz="2800" dirty="0">
-              <a:latin typeface="Times New Roman" panose="02020603050405020304" pitchFamily="18" charset="0"/>
-              <a:cs typeface="Times New Roman" panose="02020603050405020304" pitchFamily="18" charset="0"/>
-            </a:endParaRPr>
-          </a:p>
-          <a:p>
-            <a:r>
-              <a:rPr lang="de-DE" sz="2800" dirty="0">
-                <a:latin typeface="Times New Roman" panose="02020603050405020304" pitchFamily="18" charset="0"/>
-                <a:cs typeface="Times New Roman" panose="02020603050405020304" pitchFamily="18" charset="0"/>
-              </a:rPr>
-              <a:t>		Guardian ca. 800 Wörter pro Artikel</a:t>
-            </a:r>
-          </a:p>
-          <a:p>
-            <a:r>
-              <a:rPr lang="de-DE" sz="2800" dirty="0">
-                <a:latin typeface="Times New Roman" panose="02020603050405020304" pitchFamily="18" charset="0"/>
-                <a:cs typeface="Times New Roman" panose="02020603050405020304" pitchFamily="18" charset="0"/>
-              </a:rPr>
-              <a:t>		NY Times ca. 1100 Wörter pro Artikel</a:t>
-            </a:r>
-            <a:br>
-              <a:rPr lang="de-DE" sz="2800" dirty="0">
-                <a:latin typeface="Times New Roman" panose="02020603050405020304" pitchFamily="18" charset="0"/>
-                <a:cs typeface="Times New Roman" panose="02020603050405020304" pitchFamily="18" charset="0"/>
-              </a:rPr>
-            </a:br>
-            <a:r>
-              <a:rPr lang="de-DE" sz="2800" dirty="0">
-                <a:latin typeface="Times New Roman" panose="02020603050405020304" pitchFamily="18" charset="0"/>
-                <a:cs typeface="Times New Roman" panose="02020603050405020304" pitchFamily="18" charset="0"/>
-              </a:rPr>
-              <a:t>			keine signifikanten Veränderungen</a:t>
-            </a:r>
-          </a:p>
-          <a:p>
-            <a:endParaRPr lang="de-DE" sz="2800" dirty="0">
-              <a:latin typeface="Times New Roman" panose="02020603050405020304" pitchFamily="18" charset="0"/>
-              <a:cs typeface="Times New Roman" panose="02020603050405020304" pitchFamily="18" charset="0"/>
-            </a:endParaRPr>
-          </a:p>
-          <a:p>
-            <a:r>
-              <a:rPr lang="en-GB" sz="2800" b="1" dirty="0">
-                <a:latin typeface="Times New Roman" panose="02020603050405020304" pitchFamily="18" charset="0"/>
-                <a:cs typeface="Times New Roman" panose="02020603050405020304" pitchFamily="18" charset="0"/>
-              </a:rPr>
-              <a:t>📊Polarisation:</a:t>
-            </a:r>
-            <a:endParaRPr lang="de-DE" sz="2800" b="1" dirty="0">
-              <a:latin typeface="Times New Roman" panose="02020603050405020304" pitchFamily="18" charset="0"/>
-              <a:cs typeface="Times New Roman" panose="02020603050405020304" pitchFamily="18" charset="0"/>
-            </a:endParaRPr>
-          </a:p>
-          <a:p>
-            <a:r>
-              <a:rPr lang="de-DE" sz="2800" dirty="0">
-                <a:latin typeface="Times New Roman" panose="02020603050405020304" pitchFamily="18" charset="0"/>
-                <a:cs typeface="Times New Roman" panose="02020603050405020304" pitchFamily="18" charset="0"/>
-              </a:rPr>
-              <a:t>		konstanter Durchschnittswert von 0,1</a:t>
-            </a:r>
-          </a:p>
-          <a:p>
-            <a:r>
-              <a:rPr lang="de-DE" sz="2800" dirty="0">
-                <a:latin typeface="Times New Roman" panose="02020603050405020304" pitchFamily="18" charset="0"/>
-                <a:cs typeface="Times New Roman" panose="02020603050405020304" pitchFamily="18" charset="0"/>
-              </a:rPr>
-              <a:t>		keine negative oder positive Tendenz erkennbar</a:t>
-            </a:r>
-          </a:p>
-          <a:p>
-            <a:endParaRPr lang="de-DE" sz="2800" dirty="0">
-              <a:latin typeface="Times New Roman" panose="02020603050405020304" pitchFamily="18" charset="0"/>
-              <a:cs typeface="Times New Roman" panose="02020603050405020304" pitchFamily="18" charset="0"/>
-            </a:endParaRPr>
-          </a:p>
-          <a:p>
-            <a:r>
-              <a:rPr lang="de-DE" sz="2800" dirty="0">
-                <a:latin typeface="Times New Roman" panose="02020603050405020304" pitchFamily="18" charset="0"/>
-                <a:cs typeface="Times New Roman" panose="02020603050405020304" pitchFamily="18" charset="0"/>
-              </a:rPr>
-              <a:t>⚖️</a:t>
-            </a:r>
-            <a:r>
-              <a:rPr lang="de-DE" sz="2800" i="1" dirty="0">
-                <a:latin typeface="Times New Roman" panose="02020603050405020304" pitchFamily="18" charset="0"/>
-                <a:cs typeface="Times New Roman" panose="02020603050405020304" pitchFamily="18" charset="0"/>
-              </a:rPr>
-              <a:t> </a:t>
-            </a:r>
-            <a:r>
-              <a:rPr lang="de-DE" sz="2800" b="1" dirty="0">
-                <a:latin typeface="Times New Roman" panose="02020603050405020304" pitchFamily="18" charset="0"/>
-                <a:cs typeface="Times New Roman" panose="02020603050405020304" pitchFamily="18" charset="0"/>
-              </a:rPr>
-              <a:t>Subjektivität:</a:t>
-            </a:r>
-          </a:p>
-          <a:p>
-            <a:r>
-              <a:rPr lang="de-DE" sz="2800" i="1" dirty="0">
-                <a:latin typeface="Times New Roman" panose="02020603050405020304" pitchFamily="18" charset="0"/>
-                <a:cs typeface="Times New Roman" panose="02020603050405020304" pitchFamily="18" charset="0"/>
-              </a:rPr>
-              <a:t>		Opinion</a:t>
-            </a:r>
-            <a:r>
-              <a:rPr lang="de-DE" sz="2800" dirty="0">
-                <a:latin typeface="Times New Roman" panose="02020603050405020304" pitchFamily="18" charset="0"/>
-                <a:cs typeface="Times New Roman" panose="02020603050405020304" pitchFamily="18" charset="0"/>
-              </a:rPr>
-              <a:t>-Artikel </a:t>
-            </a:r>
-            <a:r>
-              <a:rPr lang="de-DE" sz="2800" dirty="0">
-                <a:latin typeface="Times New Roman" panose="02020603050405020304" pitchFamily="18" charset="0"/>
-                <a:cs typeface="Times New Roman" panose="02020603050405020304" pitchFamily="18" charset="0"/>
-                <a:sym typeface="Wingdings" panose="05000000000000000000" pitchFamily="2" charset="2"/>
-              </a:rPr>
-              <a:t> subjektiv</a:t>
-            </a:r>
-            <a:br>
-              <a:rPr lang="de-DE" sz="2800" dirty="0">
-                <a:latin typeface="Times New Roman" panose="02020603050405020304" pitchFamily="18" charset="0"/>
-                <a:cs typeface="Times New Roman" panose="02020603050405020304" pitchFamily="18" charset="0"/>
-                <a:sym typeface="Wingdings" panose="05000000000000000000" pitchFamily="2" charset="2"/>
-              </a:rPr>
-            </a:br>
-            <a:r>
-              <a:rPr lang="de-DE" sz="2800" dirty="0">
-                <a:latin typeface="Times New Roman" panose="02020603050405020304" pitchFamily="18" charset="0"/>
-                <a:cs typeface="Times New Roman" panose="02020603050405020304" pitchFamily="18" charset="0"/>
-                <a:sym typeface="Wingdings" panose="05000000000000000000" pitchFamily="2" charset="2"/>
-              </a:rPr>
-              <a:t>		</a:t>
-            </a:r>
-            <a:r>
-              <a:rPr lang="de-DE" sz="2800" i="1" dirty="0">
-                <a:latin typeface="Times New Roman" panose="02020603050405020304" pitchFamily="18" charset="0"/>
-                <a:cs typeface="Times New Roman" panose="02020603050405020304" pitchFamily="18" charset="0"/>
-                <a:sym typeface="Wingdings" panose="05000000000000000000" pitchFamily="2" charset="2"/>
-              </a:rPr>
-              <a:t>W</a:t>
-            </a:r>
-            <a:r>
-              <a:rPr lang="de-DE" sz="2800" i="1" dirty="0">
-                <a:latin typeface="Times New Roman" panose="02020603050405020304" pitchFamily="18" charset="0"/>
-                <a:cs typeface="Times New Roman" panose="02020603050405020304" pitchFamily="18" charset="0"/>
-              </a:rPr>
-              <a:t>orld</a:t>
-            </a:r>
-            <a:r>
-              <a:rPr lang="de-DE" sz="2800" dirty="0">
-                <a:latin typeface="Times New Roman" panose="02020603050405020304" pitchFamily="18" charset="0"/>
-                <a:cs typeface="Times New Roman" panose="02020603050405020304" pitchFamily="18" charset="0"/>
-              </a:rPr>
-              <a:t>-Artikel </a:t>
-            </a:r>
-            <a:r>
-              <a:rPr lang="de-DE" sz="2800" dirty="0">
-                <a:latin typeface="Times New Roman" panose="02020603050405020304" pitchFamily="18" charset="0"/>
-                <a:cs typeface="Times New Roman" panose="02020603050405020304" pitchFamily="18" charset="0"/>
-                <a:sym typeface="Wingdings" panose="05000000000000000000" pitchFamily="2" charset="2"/>
-              </a:rPr>
-              <a:t> konstant objektiv</a:t>
-            </a:r>
-          </a:p>
-          <a:p>
-            <a:r>
-              <a:rPr lang="de-DE" sz="2800" dirty="0">
-                <a:latin typeface="Times New Roman" panose="02020603050405020304" pitchFamily="18" charset="0"/>
-                <a:cs typeface="Times New Roman" panose="02020603050405020304" pitchFamily="18" charset="0"/>
-              </a:rPr>
-              <a:t>		</a:t>
-            </a:r>
-            <a:r>
-              <a:rPr lang="de-DE" sz="2800" i="1" dirty="0">
-                <a:latin typeface="Times New Roman" panose="02020603050405020304" pitchFamily="18" charset="0"/>
-                <a:cs typeface="Times New Roman" panose="02020603050405020304" pitchFamily="18" charset="0"/>
-              </a:rPr>
-              <a:t>Politics</a:t>
-            </a:r>
-            <a:r>
-              <a:rPr lang="de-DE" sz="2800" dirty="0">
-                <a:latin typeface="Times New Roman" panose="02020603050405020304" pitchFamily="18" charset="0"/>
-                <a:cs typeface="Times New Roman" panose="02020603050405020304" pitchFamily="18" charset="0"/>
-              </a:rPr>
-              <a:t>-Artikel </a:t>
-            </a:r>
-            <a:r>
-              <a:rPr lang="de-DE" sz="2800" dirty="0">
-                <a:latin typeface="Times New Roman" panose="02020603050405020304" pitchFamily="18" charset="0"/>
-                <a:cs typeface="Times New Roman" panose="02020603050405020304" pitchFamily="18" charset="0"/>
-                <a:sym typeface="Wingdings" panose="05000000000000000000" pitchFamily="2" charset="2"/>
-              </a:rPr>
-              <a:t> zunehmend objektiv</a:t>
-            </a:r>
-          </a:p>
-          <a:p>
-            <a:endParaRPr lang="de-DE" sz="2800" dirty="0">
-              <a:latin typeface="Times New Roman" panose="02020603050405020304" pitchFamily="18" charset="0"/>
-              <a:cs typeface="Times New Roman" panose="02020603050405020304" pitchFamily="18" charset="0"/>
-              <a:sym typeface="Wingdings" panose="05000000000000000000" pitchFamily="2" charset="2"/>
-            </a:endParaRPr>
-          </a:p>
-          <a:p>
-            <a:endParaRPr lang="de-DE" sz="2800" dirty="0">
-              <a:latin typeface="Times New Roman" panose="02020603050405020304" pitchFamily="18" charset="0"/>
-              <a:cs typeface="Times New Roman" panose="02020603050405020304" pitchFamily="18" charset="0"/>
-            </a:endParaRPr>
-          </a:p>
-          <a:p>
-            <a:r>
-              <a:rPr lang="de-DE" sz="2800" b="1" dirty="0">
-                <a:latin typeface="Times New Roman" panose="02020603050405020304" pitchFamily="18" charset="0"/>
-                <a:cs typeface="Times New Roman" panose="02020603050405020304" pitchFamily="18" charset="0"/>
-              </a:rPr>
-              <a:t>🔢Artikelanzahl:</a:t>
-            </a:r>
-          </a:p>
-          <a:p>
-            <a:r>
-              <a:rPr lang="de-DE" sz="2800" dirty="0">
-                <a:latin typeface="Times New Roman" panose="02020603050405020304" pitchFamily="18" charset="0"/>
-                <a:cs typeface="Times New Roman" panose="02020603050405020304" pitchFamily="18" charset="0"/>
-              </a:rPr>
-              <a:t>		Guardian-Artikelanzahl ist gesunken</a:t>
-            </a:r>
-          </a:p>
-          <a:p>
-            <a:r>
-              <a:rPr lang="de-DE" sz="2800" dirty="0">
-                <a:latin typeface="Times New Roman" panose="02020603050405020304" pitchFamily="18" charset="0"/>
-                <a:cs typeface="Times New Roman" panose="02020603050405020304" pitchFamily="18" charset="0"/>
-              </a:rPr>
-              <a:t>		New-York-Times-Artikelanzahl der Rubrik </a:t>
-            </a:r>
-            <a:r>
-              <a:rPr lang="de-DE" sz="2800" i="1" dirty="0">
-                <a:latin typeface="Times New Roman" panose="02020603050405020304" pitchFamily="18" charset="0"/>
-                <a:cs typeface="Times New Roman" panose="02020603050405020304" pitchFamily="18" charset="0"/>
-              </a:rPr>
-              <a:t>Politics</a:t>
-            </a:r>
-            <a:r>
-              <a:rPr lang="de-DE" sz="2800" dirty="0">
-                <a:latin typeface="Times New Roman" panose="02020603050405020304" pitchFamily="18" charset="0"/>
-                <a:cs typeface="Times New Roman" panose="02020603050405020304" pitchFamily="18" charset="0"/>
-              </a:rPr>
-              <a:t> 					gestiegen</a:t>
-            </a:r>
           </a:p>
         </p:txBody>
       </p:sp>
@@ -5843,7 +5503,7 @@
         </p:nvSpPr>
         <p:spPr>
           <a:xfrm>
-            <a:off x="11613881" y="27157356"/>
+            <a:off x="9572077" y="27843841"/>
             <a:ext cx="9491036" cy="400110"/>
           </a:xfrm>
           <a:prstGeom prst="rect">
@@ -5859,7 +5519,7 @@
           <a:p>
             <a:r>
               <a:rPr lang="de-DE" sz="2000" dirty="0">
-                <a:latin typeface="Times New Roman" panose="02020603050405020304" pitchFamily="18" charset="0"/>
+                <a:latin typeface="Aptos" panose="020B0004020202020204" pitchFamily="34" charset="0"/>
                 <a:cs typeface="Times New Roman" panose="02020603050405020304" pitchFamily="18" charset="0"/>
               </a:rPr>
               <a:t>Direkte Zitate</a:t>
@@ -5883,8 +5543,8 @@
         </p:nvSpPr>
         <p:spPr>
           <a:xfrm>
-            <a:off x="9900099" y="28104481"/>
-            <a:ext cx="11219483" cy="589729"/>
+            <a:off x="8022726" y="26620545"/>
+            <a:ext cx="7160157" cy="743840"/>
           </a:xfrm>
           <a:prstGeom prst="rect">
             <a:avLst/>
@@ -5927,197 +5587,6 @@
           </a:p>
         </p:txBody>
       </p:sp>
-      <p:sp>
-        <p:nvSpPr>
-          <p:cNvPr id="20" name="Textfeld 19">
-            <a:extLst>
-              <a:ext uri="{FF2B5EF4-FFF2-40B4-BE49-F238E27FC236}">
-                <a16:creationId xmlns:a16="http://schemas.microsoft.com/office/drawing/2014/main" id="{7835EE6A-0F96-C59F-8829-2C5EDFD32962}"/>
-              </a:ext>
-            </a:extLst>
-          </p:cNvPr>
-          <p:cNvSpPr txBox="1"/>
-          <p:nvPr/>
-        </p:nvSpPr>
-        <p:spPr>
-          <a:xfrm>
-            <a:off x="14995073" y="18024947"/>
-            <a:ext cx="6207402" cy="6986528"/>
-          </a:xfrm>
-          <a:prstGeom prst="rect">
-            <a:avLst/>
-          </a:prstGeom>
-          <a:noFill/>
-        </p:spPr>
-        <p:txBody>
-          <a:bodyPr wrap="square" rtlCol="0">
-            <a:spAutoFit/>
-          </a:bodyPr>
-          <a:lstStyle/>
-          <a:p>
-            <a:r>
-              <a:rPr lang="de-DE" sz="2800" dirty="0">
-                <a:latin typeface="Times New Roman" panose="02020603050405020304" pitchFamily="18" charset="0"/>
-                <a:cs typeface="Times New Roman" panose="02020603050405020304" pitchFamily="18" charset="0"/>
-              </a:rPr>
-              <a:t>Kein Einfluss von sozialen Medien oder dem Trend zu kürzeren Texten erkennbar.</a:t>
-            </a:r>
-          </a:p>
-          <a:p>
-            <a:endParaRPr lang="de-DE" sz="2800" dirty="0">
-              <a:latin typeface="Times New Roman" panose="02020603050405020304" pitchFamily="18" charset="0"/>
-              <a:cs typeface="Times New Roman" panose="02020603050405020304" pitchFamily="18" charset="0"/>
-            </a:endParaRPr>
-          </a:p>
-          <a:p>
-            <a:endParaRPr lang="de-DE" sz="2800" dirty="0">
-              <a:latin typeface="Times New Roman" panose="02020603050405020304" pitchFamily="18" charset="0"/>
-              <a:cs typeface="Times New Roman" panose="02020603050405020304" pitchFamily="18" charset="0"/>
-            </a:endParaRPr>
-          </a:p>
-          <a:p>
-            <a:r>
-              <a:rPr lang="de-DE" sz="2800" dirty="0">
-                <a:latin typeface="Times New Roman" panose="02020603050405020304" pitchFamily="18" charset="0"/>
-                <a:cs typeface="Times New Roman" panose="02020603050405020304" pitchFamily="18" charset="0"/>
-              </a:rPr>
-              <a:t>Beide Zeitungen zeigen eine ähnliche Entwicklung, was auf vergleichbare journalistische Standards hindeutet.</a:t>
-            </a:r>
-          </a:p>
-          <a:p>
-            <a:endParaRPr lang="de-DE" sz="2800" dirty="0">
-              <a:latin typeface="Times New Roman" panose="02020603050405020304" pitchFamily="18" charset="0"/>
-              <a:cs typeface="Times New Roman" panose="02020603050405020304" pitchFamily="18" charset="0"/>
-            </a:endParaRPr>
-          </a:p>
-          <a:p>
-            <a:endParaRPr lang="de-DE" sz="2800" dirty="0">
-              <a:latin typeface="Times New Roman" panose="02020603050405020304" pitchFamily="18" charset="0"/>
-              <a:cs typeface="Times New Roman" panose="02020603050405020304" pitchFamily="18" charset="0"/>
-            </a:endParaRPr>
-          </a:p>
-          <a:p>
-            <a:r>
-              <a:rPr lang="de-DE" sz="2800" dirty="0">
-                <a:latin typeface="Times New Roman" panose="02020603050405020304" pitchFamily="18" charset="0"/>
-                <a:cs typeface="Times New Roman" panose="02020603050405020304" pitchFamily="18" charset="0"/>
-              </a:rPr>
-              <a:t>Spricht für eine weiterhin neutrale Berichterstattung.</a:t>
-            </a:r>
-          </a:p>
-          <a:p>
-            <a:endParaRPr lang="de-DE" sz="2800" dirty="0">
-              <a:latin typeface="Times New Roman" panose="02020603050405020304" pitchFamily="18" charset="0"/>
-              <a:cs typeface="Times New Roman" panose="02020603050405020304" pitchFamily="18" charset="0"/>
-            </a:endParaRPr>
-          </a:p>
-          <a:p>
-            <a:endParaRPr lang="de-DE" sz="2800" dirty="0">
-              <a:latin typeface="Times New Roman" panose="02020603050405020304" pitchFamily="18" charset="0"/>
-              <a:cs typeface="Times New Roman" panose="02020603050405020304" pitchFamily="18" charset="0"/>
-            </a:endParaRPr>
-          </a:p>
-          <a:p>
-            <a:r>
-              <a:rPr lang="de-DE" sz="2800" dirty="0">
-                <a:latin typeface="Times New Roman" panose="02020603050405020304" pitchFamily="18" charset="0"/>
-                <a:cs typeface="Times New Roman" panose="02020603050405020304" pitchFamily="18" charset="0"/>
-              </a:rPr>
-              <a:t>Mögliche Gründe: geänderte redaktionelle Schwerpunkte oder eine veränderte Nachrichtenlage.</a:t>
-            </a:r>
-          </a:p>
-        </p:txBody>
-      </p:sp>
-      <p:sp>
-        <p:nvSpPr>
-          <p:cNvPr id="22" name="Pfeil: nach rechts 21">
-            <a:extLst>
-              <a:ext uri="{FF2B5EF4-FFF2-40B4-BE49-F238E27FC236}">
-                <a16:creationId xmlns:a16="http://schemas.microsoft.com/office/drawing/2014/main" id="{70534D61-CDFE-474A-339A-0AB8BEEAB909}"/>
-              </a:ext>
-            </a:extLst>
-          </p:cNvPr>
-          <p:cNvSpPr/>
-          <p:nvPr/>
-        </p:nvSpPr>
-        <p:spPr>
-          <a:xfrm>
-            <a:off x="7201249" y="18305926"/>
-            <a:ext cx="1532188" cy="580948"/>
-          </a:xfrm>
-          <a:prstGeom prst="rightArrow">
-            <a:avLst/>
-          </a:prstGeom>
-        </p:spPr>
-        <p:style>
-          <a:lnRef idx="2">
-            <a:schemeClr val="dk1">
-              <a:shade val="15000"/>
-            </a:schemeClr>
-          </a:lnRef>
-          <a:fillRef idx="1">
-            <a:schemeClr val="dk1"/>
-          </a:fillRef>
-          <a:effectRef idx="0">
-            <a:schemeClr val="dk1"/>
-          </a:effectRef>
-          <a:fontRef idx="minor">
-            <a:schemeClr val="lt1"/>
-          </a:fontRef>
-        </p:style>
-        <p:txBody>
-          <a:bodyPr rtlCol="0" anchor="ctr"/>
-          <a:lstStyle/>
-          <a:p>
-            <a:pPr algn="ctr"/>
-            <a:endParaRPr lang="de-DE">
-              <a:latin typeface="Times New Roman" panose="02020603050405020304" pitchFamily="18" charset="0"/>
-              <a:cs typeface="Times New Roman" panose="02020603050405020304" pitchFamily="18" charset="0"/>
-            </a:endParaRPr>
-          </a:p>
-        </p:txBody>
-      </p:sp>
-      <p:pic>
-        <p:nvPicPr>
-          <p:cNvPr id="25" name="Grafik 23" descr="Artikelanzahl - Guardian - Opinion - Days">
-            <a:extLst>
-              <a:ext uri="{FF2B5EF4-FFF2-40B4-BE49-F238E27FC236}">
-                <a16:creationId xmlns:a16="http://schemas.microsoft.com/office/drawing/2014/main" id="{23208AE9-2B61-D9CD-A83E-3DFA327395C0}"/>
-              </a:ext>
-            </a:extLst>
-          </p:cNvPr>
-          <p:cNvPicPr>
-            <a:picLocks noChangeAspect="1"/>
-          </p:cNvPicPr>
-          <p:nvPr/>
-        </p:nvPicPr>
-        <p:blipFill>
-          <a:blip r:embed="rId6">
-            <a:extLst>
-              <a:ext uri="{28A0092B-C50C-407E-A947-70E740481C1C}">
-                <a14:useLocalDpi xmlns:a14="http://schemas.microsoft.com/office/drawing/2010/main" val="0"/>
-              </a:ext>
-            </a:extLst>
-          </a:blip>
-          <a:srcRect/>
-          <a:stretch>
-            <a:fillRect/>
-          </a:stretch>
-        </p:blipFill>
-        <p:spPr bwMode="auto">
-          <a:xfrm>
-            <a:off x="9055110" y="16222789"/>
-            <a:ext cx="5117542" cy="3838157"/>
-          </a:xfrm>
-          <a:prstGeom prst="rect">
-            <a:avLst/>
-          </a:prstGeom>
-          <a:noFill/>
-          <a:ln>
-            <a:noFill/>
-          </a:ln>
-        </p:spPr>
-      </p:pic>
       <p:pic>
         <p:nvPicPr>
           <p:cNvPr id="29" name="Picture 28">
@@ -6133,15 +5602,15 @@
           <p:nvPr/>
         </p:nvPicPr>
         <p:blipFill>
-          <a:blip r:embed="rId7"/>
+          <a:blip r:embed="rId6"/>
           <a:stretch>
             <a:fillRect/>
           </a:stretch>
         </p:blipFill>
         <p:spPr>
           <a:xfrm>
-            <a:off x="10769013" y="11677927"/>
-            <a:ext cx="2361631" cy="3045115"/>
+            <a:off x="10922703" y="11178314"/>
+            <a:ext cx="2124027" cy="2738746"/>
           </a:xfrm>
           <a:prstGeom prst="rect">
             <a:avLst/>
@@ -6163,14 +5632,14 @@
           <p:nvPr/>
         </p:nvPicPr>
         <p:blipFill>
-          <a:blip r:embed="rId8"/>
+          <a:blip r:embed="rId7"/>
           <a:stretch>
             <a:fillRect/>
           </a:stretch>
         </p:blipFill>
         <p:spPr>
           <a:xfrm>
-            <a:off x="12144840" y="11683843"/>
+            <a:off x="12130822" y="10945675"/>
             <a:ext cx="5569726" cy="3117339"/>
           </a:xfrm>
           <a:prstGeom prst="rect">
@@ -6193,15 +5662,15 @@
           <p:nvPr/>
         </p:nvPicPr>
         <p:blipFill>
-          <a:blip r:embed="rId9"/>
+          <a:blip r:embed="rId8"/>
           <a:stretch>
             <a:fillRect/>
           </a:stretch>
         </p:blipFill>
         <p:spPr>
           <a:xfrm>
-            <a:off x="16685976" y="11538753"/>
-            <a:ext cx="3248179" cy="3248179"/>
+            <a:off x="16646217" y="11045680"/>
+            <a:ext cx="2913785" cy="2913785"/>
           </a:xfrm>
           <a:prstGeom prst="rect">
             <a:avLst/>
@@ -6223,13 +5692,13 @@
           <p:nvPr/>
         </p:nvPicPr>
         <p:blipFill>
-          <a:blip r:embed="rId10"/>
+          <a:blip r:embed="rId9"/>
           <a:srcRect t="36271" b="36271"/>
           <a:stretch/>
         </p:blipFill>
         <p:spPr>
           <a:xfrm>
-            <a:off x="15710049" y="14709956"/>
+            <a:off x="15706961" y="13911024"/>
             <a:ext cx="5369442" cy="1475984"/>
           </a:xfrm>
           <a:prstGeom prst="rect">
@@ -6252,13 +5721,13 @@
           <p:nvPr/>
         </p:nvPicPr>
         <p:blipFill>
-          <a:blip r:embed="rId11"/>
+          <a:blip r:embed="rId10"/>
           <a:srcRect l="18701" t="30507" b="35807"/>
           <a:stretch/>
         </p:blipFill>
         <p:spPr>
           <a:xfrm>
-            <a:off x="9754994" y="14820581"/>
+            <a:off x="10171330" y="14082011"/>
             <a:ext cx="5545966" cy="1291683"/>
           </a:xfrm>
           <a:prstGeom prst="rect">
@@ -6268,36 +5737,44 @@
       </p:pic>
       <p:sp>
         <p:nvSpPr>
-          <p:cNvPr id="54" name="Pfeil: nach rechts 21">
+          <p:cNvPr id="24" name="Rechteck 94">
             <a:extLst>
               <a:ext uri="{FF2B5EF4-FFF2-40B4-BE49-F238E27FC236}">
-                <a16:creationId xmlns:a16="http://schemas.microsoft.com/office/drawing/2014/main" id="{AF7A0520-AD8F-EBE1-2182-0641680742A4}"/>
+                <a16:creationId xmlns:a16="http://schemas.microsoft.com/office/drawing/2014/main" id="{401397C9-30A3-6689-4EBB-20B230E1C967}"/>
               </a:ext>
             </a:extLst>
           </p:cNvPr>
-          <p:cNvSpPr/>
+          <p:cNvSpPr>
+            <a:spLocks/>
+          </p:cNvSpPr>
           <p:nvPr/>
         </p:nvSpPr>
         <p:spPr>
           <a:xfrm>
-            <a:off x="7201249" y="20584372"/>
-            <a:ext cx="1532188" cy="580948"/>
-          </a:xfrm>
-          <a:prstGeom prst="rightArrow">
+            <a:off x="220406" y="26977657"/>
+            <a:ext cx="7467885" cy="1911962"/>
+          </a:xfrm>
+          <a:prstGeom prst="rect">
             <a:avLst/>
           </a:prstGeom>
+          <a:solidFill>
+            <a:schemeClr val="bg1"/>
+          </a:solidFill>
+          <a:ln>
+            <a:noFill/>
+          </a:ln>
         </p:spPr>
         <p:style>
           <a:lnRef idx="2">
-            <a:schemeClr val="dk1">
-              <a:shade val="15000"/>
+            <a:schemeClr val="accent1">
+              <a:shade val="50000"/>
             </a:schemeClr>
           </a:lnRef>
           <a:fillRef idx="1">
-            <a:schemeClr val="dk1"/>
+            <a:schemeClr val="accent1"/>
           </a:fillRef>
           <a:effectRef idx="0">
-            <a:schemeClr val="dk1"/>
+            <a:schemeClr val="accent1"/>
           </a:effectRef>
           <a:fontRef idx="minor">
             <a:schemeClr val="lt1"/>
@@ -6308,7 +5785,7 @@
           <a:lstStyle/>
           <a:p>
             <a:pPr algn="ctr"/>
-            <a:endParaRPr lang="de-DE">
+            <a:endParaRPr lang="de-DE" sz="440" dirty="0">
               <a:latin typeface="Times New Roman" panose="02020603050405020304" pitchFamily="18" charset="0"/>
               <a:cs typeface="Times New Roman" panose="02020603050405020304" pitchFamily="18" charset="0"/>
             </a:endParaRPr>
@@ -6317,108 +5794,403 @@
       </p:sp>
       <p:sp>
         <p:nvSpPr>
-          <p:cNvPr id="55" name="Pfeil: nach rechts 21">
+          <p:cNvPr id="72" name="Textfeld 71">
             <a:extLst>
               <a:ext uri="{FF2B5EF4-FFF2-40B4-BE49-F238E27FC236}">
-                <a16:creationId xmlns:a16="http://schemas.microsoft.com/office/drawing/2014/main" id="{D0976170-E048-0C02-1F60-017FB2F33133}"/>
+                <a16:creationId xmlns:a16="http://schemas.microsoft.com/office/drawing/2014/main" id="{ED756739-7DBC-1FA6-C41A-668C96E238F1}"/>
               </a:ext>
             </a:extLst>
           </p:cNvPr>
-          <p:cNvSpPr/>
+          <p:cNvSpPr txBox="1"/>
           <p:nvPr/>
         </p:nvSpPr>
         <p:spPr>
           <a:xfrm>
-            <a:off x="7201249" y="22862818"/>
-            <a:ext cx="1532188" cy="580948"/>
-          </a:xfrm>
-          <a:prstGeom prst="rightArrow">
+            <a:off x="458618" y="27072712"/>
+            <a:ext cx="7229673" cy="707886"/>
+          </a:xfrm>
+          <a:prstGeom prst="rect">
             <a:avLst/>
           </a:prstGeom>
-        </p:spPr>
-        <p:style>
-          <a:lnRef idx="2">
-            <a:schemeClr val="dk1">
-              <a:shade val="15000"/>
-            </a:schemeClr>
-          </a:lnRef>
-          <a:fillRef idx="1">
-            <a:schemeClr val="dk1"/>
-          </a:fillRef>
-          <a:effectRef idx="0">
-            <a:schemeClr val="dk1"/>
-          </a:effectRef>
-          <a:fontRef idx="minor">
-            <a:schemeClr val="lt1"/>
-          </a:fontRef>
-        </p:style>
-        <p:txBody>
-          <a:bodyPr rtlCol="0" anchor="ctr"/>
-          <a:lstStyle/>
-          <a:p>
-            <a:pPr algn="ctr"/>
-            <a:endParaRPr lang="de-DE">
-              <a:latin typeface="Times New Roman" panose="02020603050405020304" pitchFamily="18" charset="0"/>
+          <a:noFill/>
+        </p:spPr>
+        <p:txBody>
+          <a:bodyPr wrap="square" rtlCol="0">
+            <a:spAutoFit/>
+          </a:bodyPr>
+          <a:lstStyle/>
+          <a:p>
+            <a:pPr algn="just"/>
+            <a:r>
+              <a:rPr lang="de-DE" sz="2000" dirty="0">
+                <a:latin typeface="Aptos" panose="020B0004020202020204" pitchFamily="34" charset="0"/>
+                <a:cs typeface="Times New Roman" panose="02020603050405020304" pitchFamily="18" charset="0"/>
+              </a:rPr>
+              <a:t>Text</a:t>
+            </a:r>
+          </a:p>
+          <a:p>
+            <a:pPr algn="just"/>
+            <a:endParaRPr lang="de-DE" sz="2000" dirty="0">
+              <a:latin typeface="Aptos" panose="020B0004020202020204" pitchFamily="34" charset="0"/>
               <a:cs typeface="Times New Roman" panose="02020603050405020304" pitchFamily="18" charset="0"/>
             </a:endParaRPr>
           </a:p>
         </p:txBody>
       </p:sp>
-      <p:sp>
-        <p:nvSpPr>
-          <p:cNvPr id="56" name="Pfeil: nach rechts 21">
+      <p:cxnSp>
+        <p:nvCxnSpPr>
+          <p:cNvPr id="6" name="Gerader Verbinder 5">
             <a:extLst>
               <a:ext uri="{FF2B5EF4-FFF2-40B4-BE49-F238E27FC236}">
-                <a16:creationId xmlns:a16="http://schemas.microsoft.com/office/drawing/2014/main" id="{A665BC97-4429-A222-6352-F78733EDF6D9}"/>
+                <a16:creationId xmlns:a16="http://schemas.microsoft.com/office/drawing/2014/main" id="{61896088-AA9F-5439-87ED-E690F0A16B22}"/>
               </a:ext>
             </a:extLst>
           </p:cNvPr>
-          <p:cNvSpPr/>
+          <p:cNvCxnSpPr>
+            <a:cxnSpLocks/>
+          </p:cNvCxnSpPr>
           <p:nvPr/>
-        </p:nvSpPr>
+        </p:nvCxnSpPr>
         <p:spPr>
-          <a:xfrm>
-            <a:off x="7201249" y="25141264"/>
-            <a:ext cx="1532188" cy="580948"/>
-          </a:xfrm>
-          <a:prstGeom prst="rightArrow">
+          <a:xfrm flipV="1">
+            <a:off x="3656815" y="26153344"/>
+            <a:ext cx="58222" cy="2736275"/>
+          </a:xfrm>
+          <a:prstGeom prst="line">
             <a:avLst/>
           </a:prstGeom>
+          <a:ln w="57150">
+            <a:solidFill>
+              <a:srgbClr val="ECA6AB"/>
+            </a:solidFill>
+          </a:ln>
         </p:spPr>
         <p:style>
-          <a:lnRef idx="2">
-            <a:schemeClr val="dk1">
-              <a:shade val="15000"/>
-            </a:schemeClr>
+          <a:lnRef idx="1">
+            <a:schemeClr val="accent1"/>
           </a:lnRef>
-          <a:fillRef idx="1">
-            <a:schemeClr val="dk1"/>
+          <a:fillRef idx="0">
+            <a:schemeClr val="accent1"/>
           </a:fillRef>
           <a:effectRef idx="0">
-            <a:schemeClr val="dk1"/>
+            <a:schemeClr val="accent1"/>
           </a:effectRef>
           <a:fontRef idx="minor">
-            <a:schemeClr val="lt1"/>
+            <a:schemeClr val="tx1"/>
           </a:fontRef>
         </p:style>
-        <p:txBody>
-          <a:bodyPr rtlCol="0" anchor="ctr"/>
-          <a:lstStyle/>
-          <a:p>
-            <a:pPr algn="ctr"/>
-            <a:endParaRPr lang="de-DE">
-              <a:latin typeface="Times New Roman" panose="02020603050405020304" pitchFamily="18" charset="0"/>
-              <a:cs typeface="Times New Roman" panose="02020603050405020304" pitchFamily="18" charset="0"/>
-            </a:endParaRPr>
+      </p:cxnSp>
+      <p:grpSp>
+        <p:nvGrpSpPr>
+          <p:cNvPr id="25" name="Group 24">
+            <a:extLst>
+              <a:ext uri="{FF2B5EF4-FFF2-40B4-BE49-F238E27FC236}">
+                <a16:creationId xmlns:a16="http://schemas.microsoft.com/office/drawing/2014/main" id="{974FCBBF-525E-8637-B521-38088A11F09A}"/>
+              </a:ext>
+            </a:extLst>
+          </p:cNvPr>
+          <p:cNvGrpSpPr/>
+          <p:nvPr/>
+        </p:nvGrpSpPr>
+        <p:grpSpPr>
+          <a:xfrm>
+            <a:off x="23094441" y="20278397"/>
+            <a:ext cx="6361983" cy="7396521"/>
+            <a:chOff x="14134485" y="20753556"/>
+            <a:chExt cx="6361983" cy="7396521"/>
+          </a:xfrm>
+        </p:grpSpPr>
+        <p:sp>
+          <p:nvSpPr>
+            <p:cNvPr id="7" name="Rechteck 6">
+              <a:extLst>
+                <a:ext uri="{FF2B5EF4-FFF2-40B4-BE49-F238E27FC236}">
+                  <a16:creationId xmlns:a16="http://schemas.microsoft.com/office/drawing/2014/main" id="{38DD6E99-C416-8835-6230-375679D4C67E}"/>
+                </a:ext>
+              </a:extLst>
+            </p:cNvPr>
+            <p:cNvSpPr>
+              <a:spLocks/>
+            </p:cNvSpPr>
+            <p:nvPr/>
+          </p:nvSpPr>
+          <p:spPr>
+            <a:xfrm>
+              <a:off x="14134485" y="20760588"/>
+              <a:ext cx="6202592" cy="7389489"/>
+            </a:xfrm>
+            <a:prstGeom prst="rect">
+              <a:avLst/>
+            </a:prstGeom>
+            <a:solidFill>
+              <a:schemeClr val="bg1"/>
+            </a:solidFill>
+            <a:ln>
+              <a:noFill/>
+            </a:ln>
+          </p:spPr>
+          <p:style>
+            <a:lnRef idx="2">
+              <a:schemeClr val="accent1">
+                <a:shade val="50000"/>
+              </a:schemeClr>
+            </a:lnRef>
+            <a:fillRef idx="1">
+              <a:schemeClr val="accent1"/>
+            </a:fillRef>
+            <a:effectRef idx="0">
+              <a:schemeClr val="accent1"/>
+            </a:effectRef>
+            <a:fontRef idx="minor">
+              <a:schemeClr val="lt1"/>
+            </a:fontRef>
+          </p:style>
+          <p:txBody>
+            <a:bodyPr rtlCol="0" anchor="ctr"/>
+            <a:lstStyle/>
+            <a:p>
+              <a:pPr algn="ctr"/>
+              <a:endParaRPr lang="de-DE" sz="440" dirty="0">
+                <a:latin typeface="Times New Roman" panose="02020603050405020304" pitchFamily="18" charset="0"/>
+                <a:cs typeface="Times New Roman" panose="02020603050405020304" pitchFamily="18" charset="0"/>
+              </a:endParaRPr>
+            </a:p>
+            <a:p>
+              <a:pPr algn="ctr"/>
+              <a:endParaRPr lang="de-DE" sz="440" dirty="0">
+                <a:latin typeface="Times New Roman" panose="02020603050405020304" pitchFamily="18" charset="0"/>
+                <a:cs typeface="Times New Roman" panose="02020603050405020304" pitchFamily="18" charset="0"/>
+              </a:endParaRPr>
+            </a:p>
+            <a:p>
+              <a:pPr algn="ctr"/>
+              <a:endParaRPr lang="de-DE" sz="440" dirty="0">
+                <a:latin typeface="Times New Roman" panose="02020603050405020304" pitchFamily="18" charset="0"/>
+                <a:cs typeface="Times New Roman" panose="02020603050405020304" pitchFamily="18" charset="0"/>
+              </a:endParaRPr>
+            </a:p>
+            <a:p>
+              <a:pPr algn="ctr"/>
+              <a:endParaRPr lang="de-DE" sz="440" dirty="0">
+                <a:latin typeface="Times New Roman" panose="02020603050405020304" pitchFamily="18" charset="0"/>
+                <a:cs typeface="Times New Roman" panose="02020603050405020304" pitchFamily="18" charset="0"/>
+              </a:endParaRPr>
+            </a:p>
+          </p:txBody>
+        </p:sp>
+        <p:sp>
+          <p:nvSpPr>
+            <p:cNvPr id="8" name="Rechteck 7">
+              <a:extLst>
+                <a:ext uri="{FF2B5EF4-FFF2-40B4-BE49-F238E27FC236}">
+                  <a16:creationId xmlns:a16="http://schemas.microsoft.com/office/drawing/2014/main" id="{0AF23CE4-9515-AF3C-37E8-B6CBD4A29F89}"/>
+                </a:ext>
+              </a:extLst>
+            </p:cNvPr>
+            <p:cNvSpPr>
+              <a:spLocks/>
+            </p:cNvSpPr>
+            <p:nvPr/>
+          </p:nvSpPr>
+          <p:spPr>
+            <a:xfrm>
+              <a:off x="14139546" y="20753556"/>
+              <a:ext cx="6197531" cy="835976"/>
+            </a:xfrm>
+            <a:prstGeom prst="rect">
+              <a:avLst/>
+            </a:prstGeom>
+            <a:solidFill>
+              <a:srgbClr val="D7D7D7"/>
+            </a:solidFill>
+            <a:ln>
+              <a:noFill/>
+            </a:ln>
+          </p:spPr>
+          <p:style>
+            <a:lnRef idx="2">
+              <a:schemeClr val="accent1">
+                <a:shade val="50000"/>
+              </a:schemeClr>
+            </a:lnRef>
+            <a:fillRef idx="1">
+              <a:schemeClr val="accent1"/>
+            </a:fillRef>
+            <a:effectRef idx="0">
+              <a:schemeClr val="accent1"/>
+            </a:effectRef>
+            <a:fontRef idx="minor">
+              <a:schemeClr val="lt1"/>
+            </a:fontRef>
+          </p:style>
+          <p:txBody>
+            <a:bodyPr rtlCol="0" anchor="ctr"/>
+            <a:lstStyle/>
+            <a:p>
+              <a:r>
+                <a:rPr lang="de-DE" sz="4400" b="1" dirty="0">
+                  <a:solidFill>
+                    <a:schemeClr val="tx1"/>
+                  </a:solidFill>
+                  <a:latin typeface="Aptos" panose="020B0004020202020204" pitchFamily="34" charset="0"/>
+                  <a:cs typeface="Times New Roman" panose="02020603050405020304" pitchFamily="18" charset="0"/>
+                </a:rPr>
+                <a:t>Interpretation🤔</a:t>
+              </a:r>
+            </a:p>
+          </p:txBody>
+        </p:sp>
+        <p:sp>
+          <p:nvSpPr>
+            <p:cNvPr id="20" name="Textfeld 19">
+              <a:extLst>
+                <a:ext uri="{FF2B5EF4-FFF2-40B4-BE49-F238E27FC236}">
+                  <a16:creationId xmlns:a16="http://schemas.microsoft.com/office/drawing/2014/main" id="{7835EE6A-0F96-C59F-8829-2C5EDFD32962}"/>
+                </a:ext>
+              </a:extLst>
+            </p:cNvPr>
+            <p:cNvSpPr txBox="1"/>
+            <p:nvPr/>
+          </p:nvSpPr>
+          <p:spPr>
+            <a:xfrm>
+              <a:off x="14289066" y="21843206"/>
+              <a:ext cx="6207402" cy="6124754"/>
+            </a:xfrm>
+            <a:prstGeom prst="rect">
+              <a:avLst/>
+            </a:prstGeom>
+            <a:noFill/>
+          </p:spPr>
+          <p:txBody>
+            <a:bodyPr wrap="square" rtlCol="0">
+              <a:spAutoFit/>
+            </a:bodyPr>
+            <a:lstStyle/>
+            <a:p>
+              <a:r>
+                <a:rPr lang="de-DE" sz="2800" dirty="0">
+                  <a:latin typeface="Aptos" panose="020B0004020202020204" pitchFamily="34" charset="0"/>
+                  <a:cs typeface="Times New Roman" panose="02020603050405020304" pitchFamily="18" charset="0"/>
+                </a:rPr>
+                <a:t>Kein Einfluss von sozialen Medien oder dem Trend zu kürzeren Texten erkennbar.</a:t>
+              </a:r>
+            </a:p>
+            <a:p>
+              <a:endParaRPr lang="de-DE" sz="2800" dirty="0">
+                <a:latin typeface="Aptos" panose="020B0004020202020204" pitchFamily="34" charset="0"/>
+                <a:cs typeface="Times New Roman" panose="02020603050405020304" pitchFamily="18" charset="0"/>
+              </a:endParaRPr>
+            </a:p>
+            <a:p>
+              <a:r>
+                <a:rPr lang="de-DE" sz="2800" dirty="0">
+                  <a:latin typeface="Aptos" panose="020B0004020202020204" pitchFamily="34" charset="0"/>
+                  <a:cs typeface="Times New Roman" panose="02020603050405020304" pitchFamily="18" charset="0"/>
+                </a:rPr>
+                <a:t>Beide Zeitungen zeigen eine ähnliche Entwicklung, was auf vergleichbare journalistische Standards hindeutet.</a:t>
+              </a:r>
+            </a:p>
+            <a:p>
+              <a:endParaRPr lang="de-DE" sz="2800" dirty="0">
+                <a:latin typeface="Aptos" panose="020B0004020202020204" pitchFamily="34" charset="0"/>
+                <a:cs typeface="Times New Roman" panose="02020603050405020304" pitchFamily="18" charset="0"/>
+              </a:endParaRPr>
+            </a:p>
+            <a:p>
+              <a:r>
+                <a:rPr lang="de-DE" sz="2800" dirty="0">
+                  <a:latin typeface="Aptos" panose="020B0004020202020204" pitchFamily="34" charset="0"/>
+                  <a:cs typeface="Times New Roman" panose="02020603050405020304" pitchFamily="18" charset="0"/>
+                </a:rPr>
+                <a:t>Spricht für eine weiterhin neutrale Berichterstattung.</a:t>
+              </a:r>
+            </a:p>
+            <a:p>
+              <a:endParaRPr lang="de-DE" sz="2800" dirty="0">
+                <a:latin typeface="Aptos" panose="020B0004020202020204" pitchFamily="34" charset="0"/>
+                <a:cs typeface="Times New Roman" panose="02020603050405020304" pitchFamily="18" charset="0"/>
+              </a:endParaRPr>
+            </a:p>
+            <a:p>
+              <a:r>
+                <a:rPr lang="de-DE" sz="2800" dirty="0">
+                  <a:latin typeface="Aptos" panose="020B0004020202020204" pitchFamily="34" charset="0"/>
+                  <a:cs typeface="Times New Roman" panose="02020603050405020304" pitchFamily="18" charset="0"/>
+                </a:rPr>
+                <a:t>Mögliche Gründe: geänderte redaktionelle Schwerpunkte oder eine veränderte Nachrichtenlage.</a:t>
+              </a:r>
+            </a:p>
+          </p:txBody>
+        </p:sp>
+      </p:grpSp>
+      <p:sp>
+        <p:nvSpPr>
+          <p:cNvPr id="16" name="Textfeld 15">
+            <a:extLst>
+              <a:ext uri="{FF2B5EF4-FFF2-40B4-BE49-F238E27FC236}">
+                <a16:creationId xmlns:a16="http://schemas.microsoft.com/office/drawing/2014/main" id="{A5DB40BD-AE90-49CC-B684-A08B086E4906}"/>
+              </a:ext>
+            </a:extLst>
+          </p:cNvPr>
+          <p:cNvSpPr txBox="1"/>
+          <p:nvPr/>
+        </p:nvSpPr>
+        <p:spPr>
+          <a:xfrm>
+            <a:off x="10930798" y="20448135"/>
+            <a:ext cx="5150473" cy="2677656"/>
+          </a:xfrm>
+          <a:prstGeom prst="rect">
+            <a:avLst/>
+          </a:prstGeom>
+          <a:noFill/>
+        </p:spPr>
+        <p:txBody>
+          <a:bodyPr wrap="square" rtlCol="0">
+            <a:spAutoFit/>
+          </a:bodyPr>
+          <a:lstStyle/>
+          <a:p>
+            <a:r>
+              <a:rPr lang="de-DE" sz="2400" b="1" dirty="0"/>
+              <a:t>📉 Artikellänge:</a:t>
+            </a:r>
+          </a:p>
+          <a:p>
+            <a:endParaRPr lang="de-DE" sz="2400" b="1" dirty="0"/>
+          </a:p>
+          <a:p>
+            <a:r>
+              <a:rPr lang="de-DE" sz="2400" dirty="0"/>
+              <a:t>Guardian ca. 800 Wörter pro Artikel</a:t>
+            </a:r>
+          </a:p>
+          <a:p>
+            <a:r>
+              <a:rPr lang="de-DE" sz="2400" dirty="0"/>
+              <a:t>New York Times ca. 1100 Wörter pro Artikel</a:t>
+            </a:r>
+            <a:br>
+              <a:rPr lang="de-DE" sz="2400" dirty="0"/>
+            </a:br>
+            <a:r>
+              <a:rPr lang="de-DE" sz="2400" dirty="0"/>
+              <a:t>keine signifikanten Veränderungen</a:t>
+            </a:r>
+          </a:p>
+          <a:p>
+            <a:endParaRPr lang="de-DE" sz="2400" dirty="0"/>
           </a:p>
         </p:txBody>
       </p:sp>
       <p:pic>
         <p:nvPicPr>
-          <p:cNvPr id="58" name="Grafik 19" descr="Polarisation - Guardian - Together">
+          <p:cNvPr id="19" name="Grafik 23">
             <a:extLst>
               <a:ext uri="{FF2B5EF4-FFF2-40B4-BE49-F238E27FC236}">
-                <a16:creationId xmlns:a16="http://schemas.microsoft.com/office/drawing/2014/main" id="{D340636C-99DA-F9EB-435F-902FB7DBABBC}"/>
+                <a16:creationId xmlns:a16="http://schemas.microsoft.com/office/drawing/2014/main" id="{7E3565B8-9C95-8554-A2D4-9678AF1C1ABB}"/>
               </a:ext>
             </a:extLst>
           </p:cNvPr>
@@ -6428,22 +6200,20 @@
           <p:nvPr/>
         </p:nvPicPr>
         <p:blipFill>
-          <a:blip r:embed="rId12">
+          <a:blip r:embed="rId11">
             <a:extLst>
               <a:ext uri="{28A0092B-C50C-407E-A947-70E740481C1C}">
                 <a14:useLocalDpi xmlns:a14="http://schemas.microsoft.com/office/drawing/2010/main" val="0"/>
               </a:ext>
             </a:extLst>
           </a:blip>
-          <a:srcRect/>
-          <a:stretch>
-            <a:fillRect/>
-          </a:stretch>
+          <a:srcRect l="5150" t="2584" r="2589" b="5158"/>
+          <a:stretch/>
         </p:blipFill>
         <p:spPr bwMode="auto">
           <a:xfrm>
-            <a:off x="9055110" y="20007644"/>
-            <a:ext cx="5117542" cy="3838157"/>
+            <a:off x="186540" y="16565699"/>
+            <a:ext cx="4946591" cy="3712698"/>
           </a:xfrm>
           <a:prstGeom prst="rect">
             <a:avLst/>
@@ -6454,12 +6224,160 @@
           </a:ln>
         </p:spPr>
       </p:pic>
+      <p:sp>
+        <p:nvSpPr>
+          <p:cNvPr id="22" name="TextBox 21">
+            <a:extLst>
+              <a:ext uri="{FF2B5EF4-FFF2-40B4-BE49-F238E27FC236}">
+                <a16:creationId xmlns:a16="http://schemas.microsoft.com/office/drawing/2014/main" id="{CED6CCD7-D8A9-7A17-BE6D-CE140A303851}"/>
+              </a:ext>
+            </a:extLst>
+          </p:cNvPr>
+          <p:cNvSpPr txBox="1"/>
+          <p:nvPr/>
+        </p:nvSpPr>
+        <p:spPr>
+          <a:xfrm>
+            <a:off x="161821" y="20087204"/>
+            <a:ext cx="4946591" cy="2677656"/>
+          </a:xfrm>
+          <a:prstGeom prst="rect">
+            <a:avLst/>
+          </a:prstGeom>
+          <a:noFill/>
+        </p:spPr>
+        <p:txBody>
+          <a:bodyPr wrap="square" rtlCol="0">
+            <a:spAutoFit/>
+          </a:bodyPr>
+          <a:lstStyle/>
+          <a:p>
+            <a:endParaRPr lang="de-DE" sz="2400" dirty="0"/>
+          </a:p>
+          <a:p>
+            <a:r>
+              <a:rPr lang="de-DE" sz="2400" b="1" dirty="0"/>
+              <a:t>⚖️ Subjektivität:</a:t>
+            </a:r>
+          </a:p>
+          <a:p>
+            <a:endParaRPr lang="de-DE" sz="2400" dirty="0"/>
+          </a:p>
+          <a:p>
+            <a:r>
+              <a:rPr lang="de-DE" sz="2400" dirty="0"/>
+              <a:t>Opinion-Artikel </a:t>
+            </a:r>
+            <a:r>
+              <a:rPr lang="de-DE" sz="2400" dirty="0">
+                <a:sym typeface="Wingdings" panose="05000000000000000000" pitchFamily="2" charset="2"/>
+              </a:rPr>
+              <a:t> subjektiv</a:t>
+            </a:r>
+            <a:br>
+              <a:rPr lang="de-DE" sz="2400" dirty="0">
+                <a:sym typeface="Wingdings" panose="05000000000000000000" pitchFamily="2" charset="2"/>
+              </a:rPr>
+            </a:br>
+            <a:r>
+              <a:rPr lang="de-DE" sz="2400" dirty="0">
+                <a:sym typeface="Wingdings" panose="05000000000000000000" pitchFamily="2" charset="2"/>
+              </a:rPr>
+              <a:t>W</a:t>
+            </a:r>
+            <a:r>
+              <a:rPr lang="de-DE" sz="2400" dirty="0"/>
+              <a:t>orld-Artikel </a:t>
+            </a:r>
+            <a:r>
+              <a:rPr lang="de-DE" sz="2400" dirty="0">
+                <a:sym typeface="Wingdings" panose="05000000000000000000" pitchFamily="2" charset="2"/>
+              </a:rPr>
+              <a:t> konstant objektiv</a:t>
+            </a:r>
+          </a:p>
+          <a:p>
+            <a:r>
+              <a:rPr lang="de-DE" sz="2400" dirty="0"/>
+              <a:t>Politics-Artikel </a:t>
+            </a:r>
+            <a:r>
+              <a:rPr lang="de-DE" sz="2400" dirty="0">
+                <a:sym typeface="Wingdings" panose="05000000000000000000" pitchFamily="2" charset="2"/>
+              </a:rPr>
+              <a:t> zunehmend objektiv</a:t>
+            </a:r>
+          </a:p>
+          <a:p>
+            <a:endParaRPr lang="de-DE" sz="2400" dirty="0"/>
+          </a:p>
+        </p:txBody>
+      </p:sp>
+      <p:sp>
+        <p:nvSpPr>
+          <p:cNvPr id="23" name="TextBox 22">
+            <a:extLst>
+              <a:ext uri="{FF2B5EF4-FFF2-40B4-BE49-F238E27FC236}">
+                <a16:creationId xmlns:a16="http://schemas.microsoft.com/office/drawing/2014/main" id="{D02F9D32-C2BF-D794-CE18-FCF8D383031A}"/>
+              </a:ext>
+            </a:extLst>
+          </p:cNvPr>
+          <p:cNvSpPr txBox="1"/>
+          <p:nvPr/>
+        </p:nvSpPr>
+        <p:spPr>
+          <a:xfrm>
+            <a:off x="16439418" y="20454845"/>
+            <a:ext cx="4608700" cy="2677656"/>
+          </a:xfrm>
+          <a:prstGeom prst="rect">
+            <a:avLst/>
+          </a:prstGeom>
+          <a:noFill/>
+        </p:spPr>
+        <p:txBody>
+          <a:bodyPr wrap="square" rtlCol="0">
+            <a:spAutoFit/>
+          </a:bodyPr>
+          <a:lstStyle/>
+          <a:p>
+            <a:r>
+              <a:rPr lang="de-DE" sz="2400" b="1" dirty="0"/>
+              <a:t>🔢Artikelanzahl:</a:t>
+            </a:r>
+          </a:p>
+          <a:p>
+            <a:endParaRPr lang="de-DE" sz="2400" dirty="0"/>
+          </a:p>
+          <a:p>
+            <a:r>
+              <a:rPr lang="de-DE" sz="2400" dirty="0"/>
+              <a:t>Guardian-Artikelanzahl ist gesunken</a:t>
+            </a:r>
+          </a:p>
+          <a:p>
+            <a:r>
+              <a:rPr lang="de-DE" sz="2400" dirty="0"/>
+              <a:t>New-York-Times-Artikelanzahl der</a:t>
+            </a:r>
+          </a:p>
+          <a:p>
+            <a:r>
+              <a:rPr lang="de-DE" sz="2400" dirty="0"/>
+              <a:t>Rubrik Politics gestiegen</a:t>
+            </a:r>
+          </a:p>
+          <a:p>
+            <a:endParaRPr lang="de-DE" sz="2400" dirty="0"/>
+          </a:p>
+        </p:txBody>
+      </p:sp>
       <p:pic>
         <p:nvPicPr>
-          <p:cNvPr id="59" name="Grafik 17" descr="Subjektivität - NYT - All">
+          <p:cNvPr id="50" name="Grafik 23">
             <a:extLst>
               <a:ext uri="{FF2B5EF4-FFF2-40B4-BE49-F238E27FC236}">
-                <a16:creationId xmlns:a16="http://schemas.microsoft.com/office/drawing/2014/main" id="{24223019-F8CB-F9BA-26F9-4A1B1F87B71E}"/>
+                <a16:creationId xmlns:a16="http://schemas.microsoft.com/office/drawing/2014/main" id="{EDC46B7D-5237-34E1-60AA-EB1FF128AB51}"/>
               </a:ext>
             </a:extLst>
           </p:cNvPr>
@@ -6469,22 +6387,20 @@
           <p:nvPr/>
         </p:nvPicPr>
         <p:blipFill>
-          <a:blip r:embed="rId13">
+          <a:blip r:embed="rId11">
             <a:extLst>
               <a:ext uri="{28A0092B-C50C-407E-A947-70E740481C1C}">
                 <a14:useLocalDpi xmlns:a14="http://schemas.microsoft.com/office/drawing/2010/main" val="0"/>
               </a:ext>
             </a:extLst>
           </a:blip>
-          <a:srcRect/>
-          <a:stretch>
-            <a:fillRect/>
-          </a:stretch>
+          <a:srcRect l="5150" t="2584" r="2589" b="5158"/>
+          <a:stretch/>
         </p:blipFill>
         <p:spPr bwMode="auto">
           <a:xfrm>
-            <a:off x="9050050" y="23812922"/>
-            <a:ext cx="5117543" cy="3838157"/>
+            <a:off x="5549431" y="16579992"/>
+            <a:ext cx="4946591" cy="3712698"/>
           </a:xfrm>
           <a:prstGeom prst="rect">
             <a:avLst/>
@@ -6495,6 +6411,131 @@
           </a:ln>
         </p:spPr>
       </p:pic>
+      <p:pic>
+        <p:nvPicPr>
+          <p:cNvPr id="51" name="Grafik 23">
+            <a:extLst>
+              <a:ext uri="{FF2B5EF4-FFF2-40B4-BE49-F238E27FC236}">
+                <a16:creationId xmlns:a16="http://schemas.microsoft.com/office/drawing/2014/main" id="{91805B7E-E3D0-7D81-90D6-376AB34A5FC8}"/>
+              </a:ext>
+            </a:extLst>
+          </p:cNvPr>
+          <p:cNvPicPr>
+            <a:picLocks noChangeAspect="1"/>
+          </p:cNvPicPr>
+          <p:nvPr/>
+        </p:nvPicPr>
+        <p:blipFill>
+          <a:blip r:embed="rId11">
+            <a:extLst>
+              <a:ext uri="{28A0092B-C50C-407E-A947-70E740481C1C}">
+                <a14:useLocalDpi xmlns:a14="http://schemas.microsoft.com/office/drawing/2010/main" val="0"/>
+              </a:ext>
+            </a:extLst>
+          </a:blip>
+          <a:srcRect l="5150" t="2584" r="2589" b="5158"/>
+          <a:stretch/>
+        </p:blipFill>
+        <p:spPr bwMode="auto">
+          <a:xfrm>
+            <a:off x="10855521" y="16594285"/>
+            <a:ext cx="4946591" cy="3712698"/>
+          </a:xfrm>
+          <a:prstGeom prst="rect">
+            <a:avLst/>
+          </a:prstGeom>
+          <a:noFill/>
+          <a:ln>
+            <a:noFill/>
+          </a:ln>
+        </p:spPr>
+      </p:pic>
+      <p:pic>
+        <p:nvPicPr>
+          <p:cNvPr id="52" name="Grafik 23">
+            <a:extLst>
+              <a:ext uri="{FF2B5EF4-FFF2-40B4-BE49-F238E27FC236}">
+                <a16:creationId xmlns:a16="http://schemas.microsoft.com/office/drawing/2014/main" id="{8F95D5FE-7E8E-8A54-AED1-AC342D4BEEDB}"/>
+              </a:ext>
+            </a:extLst>
+          </p:cNvPr>
+          <p:cNvPicPr>
+            <a:picLocks noChangeAspect="1"/>
+          </p:cNvPicPr>
+          <p:nvPr/>
+        </p:nvPicPr>
+        <p:blipFill>
+          <a:blip r:embed="rId11">
+            <a:extLst>
+              <a:ext uri="{28A0092B-C50C-407E-A947-70E740481C1C}">
+                <a14:useLocalDpi xmlns:a14="http://schemas.microsoft.com/office/drawing/2010/main" val="0"/>
+              </a:ext>
+            </a:extLst>
+          </a:blip>
+          <a:srcRect l="5150" t="2584" r="2589" b="5158"/>
+          <a:stretch/>
+        </p:blipFill>
+        <p:spPr bwMode="auto">
+          <a:xfrm>
+            <a:off x="16275213" y="16608578"/>
+            <a:ext cx="4946591" cy="3712698"/>
+          </a:xfrm>
+          <a:prstGeom prst="rect">
+            <a:avLst/>
+          </a:prstGeom>
+          <a:noFill/>
+          <a:ln>
+            <a:noFill/>
+          </a:ln>
+        </p:spPr>
+      </p:pic>
+      <p:sp>
+        <p:nvSpPr>
+          <p:cNvPr id="57" name="TextBox 56">
+            <a:extLst>
+              <a:ext uri="{FF2B5EF4-FFF2-40B4-BE49-F238E27FC236}">
+                <a16:creationId xmlns:a16="http://schemas.microsoft.com/office/drawing/2014/main" id="{573BF7C2-9B81-A147-10DA-7F0093334800}"/>
+              </a:ext>
+            </a:extLst>
+          </p:cNvPr>
+          <p:cNvSpPr txBox="1"/>
+          <p:nvPr/>
+        </p:nvSpPr>
+        <p:spPr>
+          <a:xfrm>
+            <a:off x="5609239" y="20538698"/>
+            <a:ext cx="4548554" cy="2246769"/>
+          </a:xfrm>
+          <a:prstGeom prst="rect">
+            <a:avLst/>
+          </a:prstGeom>
+          <a:noFill/>
+        </p:spPr>
+        <p:txBody>
+          <a:bodyPr wrap="square" rtlCol="0">
+            <a:spAutoFit/>
+          </a:bodyPr>
+          <a:lstStyle/>
+          <a:p>
+            <a:r>
+              <a:rPr lang="en-GB" sz="2400" b="1" dirty="0"/>
+              <a:t>📊Polarisation:</a:t>
+            </a:r>
+          </a:p>
+          <a:p>
+            <a:endParaRPr lang="de-DE" sz="2400" b="1" dirty="0"/>
+          </a:p>
+          <a:p>
+            <a:r>
+              <a:rPr lang="de-DE" sz="2400" dirty="0"/>
+              <a:t>konstanter Durchschnittswert von 0,1 keine negative oder positive Tendenz erkennbar</a:t>
+            </a:r>
+          </a:p>
+          <a:p>
+            <a:endParaRPr lang="de-DE" sz="2000" dirty="0"/>
+          </a:p>
+        </p:txBody>
+      </p:sp>
     </p:spTree>
     <p:extLst>
       <p:ext uri="{BB962C8B-B14F-4D97-AF65-F5344CB8AC3E}">

--- a/Presentations/Deckblatt/Poster.pptx
+++ b/Presentations/Deckblatt/Poster.pptx
@@ -3439,7 +3439,7 @@
         </p:nvSpPr>
         <p:spPr>
           <a:xfrm>
-            <a:off x="0" y="5240342"/>
+            <a:off x="57122" y="5240342"/>
             <a:ext cx="21429235" cy="25034871"/>
           </a:xfrm>
           <a:prstGeom prst="rect">
@@ -3482,7 +3482,7 @@
           <a:lstStyle/>
           <a:p>
             <a:pPr algn="ctr"/>
-            <a:endParaRPr lang="de-DE" sz="1600" dirty="0">
+            <a:endParaRPr lang="de-DE" sz="1600" noProof="0" dirty="0">
               <a:latin typeface="Times New Roman" panose="02020603050405020304" pitchFamily="18" charset="0"/>
               <a:cs typeface="Times New Roman" panose="02020603050405020304" pitchFamily="18" charset="0"/>
             </a:endParaRPr>
@@ -3540,7 +3540,7 @@
           <a:p>
             <a:pPr algn="ctr"/>
             <a:r>
-              <a:rPr lang="de-DE" sz="3200" dirty="0">
+              <a:rPr lang="de-DE" sz="3200" noProof="0" dirty="0">
                 <a:latin typeface="Times New Roman" panose="02020603050405020304" pitchFamily="18" charset="0"/>
                 <a:cs typeface="Times New Roman" panose="02020603050405020304" pitchFamily="18" charset="0"/>
               </a:rPr>
@@ -3600,7 +3600,7 @@
           <a:p>
             <a:pPr algn="ctr"/>
             <a:r>
-              <a:rPr lang="de-DE" sz="3200" dirty="0">
+              <a:rPr lang="de-DE" sz="3200" noProof="0" dirty="0">
                 <a:latin typeface="Times New Roman" panose="02020603050405020304" pitchFamily="18" charset="0"/>
                 <a:cs typeface="Times New Roman" panose="02020603050405020304" pitchFamily="18" charset="0"/>
               </a:rPr>
@@ -3660,7 +3660,7 @@
           <a:p>
             <a:pPr algn="ctr"/>
             <a:r>
-              <a:rPr lang="de-DE" sz="3200" dirty="0">
+              <a:rPr lang="de-DE" sz="3200" noProof="0" dirty="0">
                 <a:latin typeface="Times New Roman" panose="02020603050405020304" pitchFamily="18" charset="0"/>
                 <a:cs typeface="Times New Roman" panose="02020603050405020304" pitchFamily="18" charset="0"/>
               </a:rPr>
@@ -3720,7 +3720,7 @@
           <a:p>
             <a:pPr algn="ctr"/>
             <a:r>
-              <a:rPr lang="de-DE" sz="3200" dirty="0">
+              <a:rPr lang="de-DE" sz="3200" noProof="0" dirty="0">
                 <a:latin typeface="Times New Roman" panose="02020603050405020304" pitchFamily="18" charset="0"/>
                 <a:cs typeface="Times New Roman" panose="02020603050405020304" pitchFamily="18" charset="0"/>
               </a:rPr>
@@ -3777,7 +3777,7 @@
           <a:lstStyle/>
           <a:p>
             <a:pPr algn="ctr"/>
-            <a:endParaRPr lang="de-DE" sz="3387" b="1" dirty="0">
+            <a:endParaRPr lang="de-DE" sz="3387" b="1" noProof="0" dirty="0">
               <a:solidFill>
                 <a:schemeClr val="bg1">
                   <a:lumMod val="50000"/>
@@ -3838,7 +3838,7 @@
           <a:lstStyle/>
           <a:p>
             <a:pPr algn="ctr"/>
-            <a:endParaRPr lang="de-DE" sz="1600">
+            <a:endParaRPr lang="de-DE" sz="1600" noProof="0" dirty="0">
               <a:latin typeface="Times New Roman" panose="02020603050405020304" pitchFamily="18" charset="0"/>
               <a:cs typeface="Times New Roman" panose="02020603050405020304" pitchFamily="18" charset="0"/>
             </a:endParaRPr>
@@ -3893,7 +3893,7 @@
           <a:lstStyle/>
           <a:p>
             <a:pPr algn="ctr"/>
-            <a:endParaRPr lang="de-DE" sz="1600">
+            <a:endParaRPr lang="de-DE" sz="1600" noProof="0" dirty="0">
               <a:latin typeface="Times New Roman" panose="02020603050405020304" pitchFamily="18" charset="0"/>
               <a:cs typeface="Times New Roman" panose="02020603050405020304" pitchFamily="18" charset="0"/>
             </a:endParaRPr>
@@ -3930,7 +3930,7 @@
           <a:p>
             <a:pPr algn="ctr"/>
             <a:r>
-              <a:rPr lang="de-DE" sz="8800" b="1" dirty="0">
+              <a:rPr lang="de-DE" sz="8800" b="1" noProof="0" dirty="0">
                 <a:solidFill>
                   <a:srgbClr val="A2232C"/>
                 </a:solidFill>
@@ -3973,7 +3973,7 @@
           <a:p>
             <a:pPr algn="ctr"/>
             <a:r>
-              <a:rPr lang="de-DE" sz="6000" b="1" dirty="0">
+              <a:rPr lang="de-DE" sz="6000" b="1" noProof="0" dirty="0">
                 <a:solidFill>
                   <a:schemeClr val="bg1">
                     <a:lumMod val="50000"/>
@@ -4037,7 +4037,7 @@
           <a:p>
             <a:pPr algn="ctr"/>
             <a:r>
-              <a:rPr lang="de-DE" sz="4657" b="1" dirty="0">
+              <a:rPr lang="de-DE" sz="4657" b="1" noProof="0" dirty="0">
                 <a:solidFill>
                   <a:schemeClr val="bg1">
                     <a:lumMod val="50000"/>
@@ -4047,33 +4047,7 @@
                 <a:ea typeface="Calibri" panose="020F0502020204030204" pitchFamily="34" charset="0"/>
                 <a:cs typeface="Times New Roman" panose="02020603050405020304" pitchFamily="18" charset="0"/>
               </a:rPr>
-              <a:t>Arbeitswelt – Melanie </a:t>
-            </a:r>
-            <a:r>
-              <a:rPr lang="de-DE" sz="4657" b="1" dirty="0" err="1">
-                <a:solidFill>
-                  <a:schemeClr val="bg1">
-                    <a:lumMod val="50000"/>
-                  </a:schemeClr>
-                </a:solidFill>
-                <a:latin typeface="Times New Roman" panose="02020603050405020304" pitchFamily="18" charset="0"/>
-                <a:ea typeface="Calibri" panose="020F0502020204030204" pitchFamily="34" charset="0"/>
-                <a:cs typeface="Times New Roman" panose="02020603050405020304" pitchFamily="18" charset="0"/>
-              </a:rPr>
-              <a:t>Mestl</a:t>
-            </a:r>
-            <a:r>
-              <a:rPr lang="de-DE" sz="4657" b="1" dirty="0">
-                <a:solidFill>
-                  <a:schemeClr val="bg1">
-                    <a:lumMod val="50000"/>
-                  </a:schemeClr>
-                </a:solidFill>
-                <a:latin typeface="Times New Roman" panose="02020603050405020304" pitchFamily="18" charset="0"/>
-                <a:ea typeface="Calibri" panose="020F0502020204030204" pitchFamily="34" charset="0"/>
-                <a:cs typeface="Times New Roman" panose="02020603050405020304" pitchFamily="18" charset="0"/>
-              </a:rPr>
-              <a:t> – Schuljahr 24/25</a:t>
+              <a:t>Arbeitswelt – Melanie Mestl – Schuljahr 24/25</a:t>
             </a:r>
           </a:p>
         </p:txBody>
@@ -4126,7 +4100,7 @@
           <a:lstStyle/>
           <a:p>
             <a:pPr algn="ctr"/>
-            <a:endParaRPr lang="de-DE" sz="1600">
+            <a:endParaRPr lang="de-DE" sz="1600" noProof="0" dirty="0">
               <a:latin typeface="Times New Roman" panose="02020603050405020304" pitchFamily="18" charset="0"/>
               <a:cs typeface="Times New Roman" panose="02020603050405020304" pitchFamily="18" charset="0"/>
             </a:endParaRPr>
@@ -4183,7 +4157,7 @@
           <a:lstStyle/>
           <a:p>
             <a:r>
-              <a:rPr lang="de-DE" sz="4400" b="1" dirty="0">
+              <a:rPr lang="de-DE" sz="4400" b="1" noProof="0" dirty="0">
                 <a:solidFill>
                   <a:schemeClr val="tx1"/>
                 </a:solidFill>
@@ -4197,10 +4171,10 @@
       </p:sp>
       <p:sp>
         <p:nvSpPr>
-          <p:cNvPr id="95" name="Rechteck 94">
+          <p:cNvPr id="143" name="Rechteck 142">
             <a:extLst>
               <a:ext uri="{FF2B5EF4-FFF2-40B4-BE49-F238E27FC236}">
-                <a16:creationId xmlns:a16="http://schemas.microsoft.com/office/drawing/2014/main" id="{54391BC1-8EB6-EE21-230A-1C5A4E0D0BF2}"/>
+                <a16:creationId xmlns:a16="http://schemas.microsoft.com/office/drawing/2014/main" id="{5A880DFE-0358-5AEE-2901-52F7DCFE246A}"/>
               </a:ext>
             </a:extLst>
           </p:cNvPr>
@@ -4211,14 +4185,14 @@
         </p:nvSpPr>
         <p:spPr>
           <a:xfrm>
-            <a:off x="7726040" y="27508200"/>
-            <a:ext cx="7160157" cy="933190"/>
+            <a:off x="220406" y="26153344"/>
+            <a:ext cx="7476942" cy="824313"/>
           </a:xfrm>
           <a:prstGeom prst="rect">
             <a:avLst/>
           </a:prstGeom>
           <a:solidFill>
-            <a:schemeClr val="bg1"/>
+            <a:srgbClr val="D7D7D7"/>
           </a:solidFill>
           <a:ln>
             <a:noFill/>
@@ -4244,20 +4218,25 @@
           <a:bodyPr rtlCol="0" anchor="ctr"/>
           <a:lstStyle/>
           <a:p>
-            <a:pPr algn="ctr"/>
-            <a:endParaRPr lang="de-DE" sz="440" dirty="0">
-              <a:latin typeface="Times New Roman" panose="02020603050405020304" pitchFamily="18" charset="0"/>
-              <a:cs typeface="Times New Roman" panose="02020603050405020304" pitchFamily="18" charset="0"/>
-            </a:endParaRPr>
-          </a:p>
-        </p:txBody>
-      </p:sp>
-      <p:sp>
-        <p:nvSpPr>
-          <p:cNvPr id="143" name="Rechteck 142">
+            <a:r>
+              <a:rPr lang="de-DE" sz="4000" b="1" noProof="0" dirty="0">
+                <a:solidFill>
+                  <a:schemeClr val="tx1"/>
+                </a:solidFill>
+                <a:latin typeface="Aptos" panose="020B0004020202020204" pitchFamily="34" charset="0"/>
+                <a:cs typeface="Times New Roman" panose="02020603050405020304" pitchFamily="18" charset="0"/>
+              </a:rPr>
+              <a:t>Literatur</a:t>
+            </a:r>
+          </a:p>
+        </p:txBody>
+      </p:sp>
+      <p:sp>
+        <p:nvSpPr>
+          <p:cNvPr id="9" name="Rechteck 8">
             <a:extLst>
               <a:ext uri="{FF2B5EF4-FFF2-40B4-BE49-F238E27FC236}">
-                <a16:creationId xmlns:a16="http://schemas.microsoft.com/office/drawing/2014/main" id="{5A880DFE-0358-5AEE-2901-52F7DCFE246A}"/>
+                <a16:creationId xmlns:a16="http://schemas.microsoft.com/office/drawing/2014/main" id="{C93FA780-9853-8DCC-8E85-D0027E4B2187}"/>
               </a:ext>
             </a:extLst>
           </p:cNvPr>
@@ -4268,14 +4247,14 @@
         </p:nvSpPr>
         <p:spPr>
           <a:xfrm>
-            <a:off x="220406" y="26153344"/>
-            <a:ext cx="7476942" cy="824313"/>
+            <a:off x="318463" y="10537591"/>
+            <a:ext cx="9261841" cy="4893717"/>
           </a:xfrm>
           <a:prstGeom prst="rect">
             <a:avLst/>
           </a:prstGeom>
           <a:solidFill>
-            <a:srgbClr val="D7D7D7"/>
+            <a:schemeClr val="bg1"/>
           </a:solidFill>
           <a:ln>
             <a:noFill/>
@@ -4301,25 +4280,20 @@
           <a:bodyPr rtlCol="0" anchor="ctr"/>
           <a:lstStyle/>
           <a:p>
-            <a:r>
-              <a:rPr lang="de-DE" sz="4000" b="1" dirty="0">
-                <a:solidFill>
-                  <a:schemeClr val="tx1"/>
-                </a:solidFill>
-                <a:latin typeface="Aptos" panose="020B0004020202020204" pitchFamily="34" charset="0"/>
-                <a:cs typeface="Times New Roman" panose="02020603050405020304" pitchFamily="18" charset="0"/>
-              </a:rPr>
-              <a:t>Literatur</a:t>
-            </a:r>
-          </a:p>
-        </p:txBody>
-      </p:sp>
-      <p:sp>
-        <p:nvSpPr>
-          <p:cNvPr id="9" name="Rechteck 8">
+            <a:pPr algn="ctr"/>
+            <a:endParaRPr lang="de-DE" sz="440" noProof="0" dirty="0">
+              <a:latin typeface="Times New Roman" panose="02020603050405020304" pitchFamily="18" charset="0"/>
+              <a:cs typeface="Times New Roman" panose="02020603050405020304" pitchFamily="18" charset="0"/>
+            </a:endParaRPr>
+          </a:p>
+        </p:txBody>
+      </p:sp>
+      <p:sp>
+        <p:nvSpPr>
+          <p:cNvPr id="68" name="Rechteck 67">
             <a:extLst>
               <a:ext uri="{FF2B5EF4-FFF2-40B4-BE49-F238E27FC236}">
-                <a16:creationId xmlns:a16="http://schemas.microsoft.com/office/drawing/2014/main" id="{C93FA780-9853-8DCC-8E85-D0027E4B2187}"/>
+                <a16:creationId xmlns:a16="http://schemas.microsoft.com/office/drawing/2014/main" id="{58D84797-E1AD-9F73-EAC0-168D7AB82188}"/>
               </a:ext>
             </a:extLst>
           </p:cNvPr>
@@ -4330,14 +4304,14 @@
         </p:nvSpPr>
         <p:spPr>
           <a:xfrm>
-            <a:off x="318463" y="10537591"/>
-            <a:ext cx="9261841" cy="4893717"/>
+            <a:off x="319143" y="10031181"/>
+            <a:ext cx="9261841" cy="817695"/>
           </a:xfrm>
           <a:prstGeom prst="rect">
             <a:avLst/>
           </a:prstGeom>
           <a:solidFill>
-            <a:schemeClr val="bg1"/>
+            <a:srgbClr val="D7D7D7"/>
           </a:solidFill>
           <a:ln>
             <a:noFill/>
@@ -4363,20 +4337,25 @@
           <a:bodyPr rtlCol="0" anchor="ctr"/>
           <a:lstStyle/>
           <a:p>
-            <a:pPr algn="ctr"/>
-            <a:endParaRPr lang="de-DE" sz="440" dirty="0">
-              <a:latin typeface="Times New Roman" panose="02020603050405020304" pitchFamily="18" charset="0"/>
-              <a:cs typeface="Times New Roman" panose="02020603050405020304" pitchFamily="18" charset="0"/>
-            </a:endParaRPr>
-          </a:p>
-        </p:txBody>
-      </p:sp>
-      <p:sp>
-        <p:nvSpPr>
-          <p:cNvPr id="68" name="Rechteck 67">
+            <a:r>
+              <a:rPr lang="de-DE" sz="4400" b="1" noProof="0" dirty="0">
+                <a:solidFill>
+                  <a:schemeClr val="tx1"/>
+                </a:solidFill>
+                <a:latin typeface="Aptos" panose="020B0004020202020204" pitchFamily="34" charset="0"/>
+                <a:cs typeface="Times New Roman" panose="02020603050405020304" pitchFamily="18" charset="0"/>
+              </a:rPr>
+              <a:t> Methodik 🛠️</a:t>
+            </a:r>
+          </a:p>
+        </p:txBody>
+      </p:sp>
+      <p:sp>
+        <p:nvSpPr>
+          <p:cNvPr id="1076" name="Rechteck 1075">
             <a:extLst>
               <a:ext uri="{FF2B5EF4-FFF2-40B4-BE49-F238E27FC236}">
-                <a16:creationId xmlns:a16="http://schemas.microsoft.com/office/drawing/2014/main" id="{58D84797-E1AD-9F73-EAC0-168D7AB82188}"/>
+                <a16:creationId xmlns:a16="http://schemas.microsoft.com/office/drawing/2014/main" id="{CF8B20A8-1B03-4A2D-653F-D6FAF6833FAE}"/>
               </a:ext>
             </a:extLst>
           </p:cNvPr>
@@ -4387,14 +4366,14 @@
         </p:nvSpPr>
         <p:spPr>
           <a:xfrm>
-            <a:off x="319143" y="10031181"/>
-            <a:ext cx="9261841" cy="817695"/>
+            <a:off x="319144" y="6303993"/>
+            <a:ext cx="9252933" cy="3388507"/>
           </a:xfrm>
           <a:prstGeom prst="rect">
             <a:avLst/>
           </a:prstGeom>
           <a:solidFill>
-            <a:srgbClr val="D7D7D7"/>
+            <a:schemeClr val="bg1"/>
           </a:solidFill>
           <a:ln>
             <a:noFill/>
@@ -4420,25 +4399,20 @@
           <a:bodyPr rtlCol="0" anchor="ctr"/>
           <a:lstStyle/>
           <a:p>
-            <a:r>
-              <a:rPr lang="de-DE" sz="4400" b="1" dirty="0">
-                <a:solidFill>
-                  <a:schemeClr val="tx1"/>
-                </a:solidFill>
-                <a:latin typeface="Aptos" panose="020B0004020202020204" pitchFamily="34" charset="0"/>
-                <a:cs typeface="Times New Roman" panose="02020603050405020304" pitchFamily="18" charset="0"/>
-              </a:rPr>
-              <a:t> Methodik 🛠️</a:t>
-            </a:r>
-          </a:p>
-        </p:txBody>
-      </p:sp>
-      <p:sp>
-        <p:nvSpPr>
-          <p:cNvPr id="1076" name="Rechteck 1075">
+            <a:pPr algn="ctr"/>
+            <a:endParaRPr lang="de-DE" sz="440" noProof="0" dirty="0">
+              <a:latin typeface="Times New Roman" panose="02020603050405020304" pitchFamily="18" charset="0"/>
+              <a:cs typeface="Times New Roman" panose="02020603050405020304" pitchFamily="18" charset="0"/>
+            </a:endParaRPr>
+          </a:p>
+        </p:txBody>
+      </p:sp>
+      <p:sp>
+        <p:nvSpPr>
+          <p:cNvPr id="1073" name="Rechteck 1072">
             <a:extLst>
               <a:ext uri="{FF2B5EF4-FFF2-40B4-BE49-F238E27FC236}">
-                <a16:creationId xmlns:a16="http://schemas.microsoft.com/office/drawing/2014/main" id="{CF8B20A8-1B03-4A2D-653F-D6FAF6833FAE}"/>
+                <a16:creationId xmlns:a16="http://schemas.microsoft.com/office/drawing/2014/main" id="{9F368E97-2D2E-5C65-3363-C994D847D0EF}"/>
               </a:ext>
             </a:extLst>
           </p:cNvPr>
@@ -4449,14 +4423,14 @@
         </p:nvSpPr>
         <p:spPr>
           <a:xfrm>
-            <a:off x="319144" y="6303993"/>
-            <a:ext cx="9252933" cy="3388507"/>
+            <a:off x="319145" y="5531561"/>
+            <a:ext cx="9261160" cy="786948"/>
           </a:xfrm>
           <a:prstGeom prst="rect">
             <a:avLst/>
           </a:prstGeom>
           <a:solidFill>
-            <a:schemeClr val="bg1"/>
+            <a:srgbClr val="D7D7D7"/>
           </a:solidFill>
           <a:ln>
             <a:noFill/>
@@ -4479,68 +4453,11 @@
           </a:fontRef>
         </p:style>
         <p:txBody>
-          <a:bodyPr rtlCol="0" anchor="ctr"/>
-          <a:lstStyle/>
-          <a:p>
-            <a:pPr algn="ctr"/>
-            <a:endParaRPr lang="de-DE" sz="440" dirty="0">
-              <a:latin typeface="Times New Roman" panose="02020603050405020304" pitchFamily="18" charset="0"/>
-              <a:cs typeface="Times New Roman" panose="02020603050405020304" pitchFamily="18" charset="0"/>
-            </a:endParaRPr>
-          </a:p>
-        </p:txBody>
-      </p:sp>
-      <p:sp>
-        <p:nvSpPr>
-          <p:cNvPr id="1073" name="Rechteck 1072">
-            <a:extLst>
-              <a:ext uri="{FF2B5EF4-FFF2-40B4-BE49-F238E27FC236}">
-                <a16:creationId xmlns:a16="http://schemas.microsoft.com/office/drawing/2014/main" id="{9F368E97-2D2E-5C65-3363-C994D847D0EF}"/>
-              </a:ext>
-            </a:extLst>
-          </p:cNvPr>
-          <p:cNvSpPr>
-            <a:spLocks/>
-          </p:cNvSpPr>
-          <p:nvPr/>
-        </p:nvSpPr>
-        <p:spPr>
-          <a:xfrm>
-            <a:off x="319145" y="5531561"/>
-            <a:ext cx="9261160" cy="786948"/>
-          </a:xfrm>
-          <a:prstGeom prst="rect">
-            <a:avLst/>
-          </a:prstGeom>
-          <a:solidFill>
-            <a:srgbClr val="D7D7D7"/>
-          </a:solidFill>
-          <a:ln>
-            <a:noFill/>
-          </a:ln>
-        </p:spPr>
-        <p:style>
-          <a:lnRef idx="2">
-            <a:schemeClr val="accent1">
-              <a:shade val="50000"/>
-            </a:schemeClr>
-          </a:lnRef>
-          <a:fillRef idx="1">
-            <a:schemeClr val="accent1"/>
-          </a:fillRef>
-          <a:effectRef idx="0">
-            <a:schemeClr val="accent1"/>
-          </a:effectRef>
-          <a:fontRef idx="minor">
-            <a:schemeClr val="lt1"/>
-          </a:fontRef>
-        </p:style>
-        <p:txBody>
           <a:bodyPr rtlCol="0" anchor="t"/>
           <a:lstStyle/>
           <a:p>
             <a:r>
-              <a:rPr lang="de-DE" sz="4400" b="1" dirty="0">
+              <a:rPr lang="de-DE" sz="4400" b="1" noProof="0" dirty="0">
                 <a:solidFill>
                   <a:schemeClr val="tx1"/>
                 </a:solidFill>
@@ -4549,13 +4466,13 @@
               </a:rPr>
               <a:t> Fragestellung❓</a:t>
             </a:r>
-            <a:endParaRPr lang="en-GB" sz="4400" dirty="0">
+            <a:endParaRPr lang="de-DE" sz="4400" noProof="0" dirty="0">
               <a:latin typeface="Aptos" panose="020B0004020202020204" pitchFamily="34" charset="0"/>
               <a:cs typeface="Times New Roman" panose="02020603050405020304" pitchFamily="18" charset="0"/>
             </a:endParaRPr>
           </a:p>
           <a:p>
-            <a:endParaRPr lang="de-DE" sz="4400" b="1" dirty="0">
+            <a:endParaRPr lang="de-DE" sz="4400" b="1" noProof="0" dirty="0">
               <a:solidFill>
                 <a:schemeClr val="tx1"/>
               </a:solidFill>
@@ -4677,7 +4594,7 @@
           <a:p>
             <a:pPr algn="ctr"/>
             <a:r>
-              <a:rPr lang="de-DE" sz="4000" b="1" dirty="0">
+              <a:rPr lang="de-DE" sz="4000" b="1" noProof="0" dirty="0">
                 <a:solidFill>
                   <a:srgbClr val="A2232C"/>
                 </a:solidFill>
@@ -4775,7 +4692,7 @@
           <a:lstStyle/>
           <a:p>
             <a:r>
-              <a:rPr lang="de-DE" sz="4400" b="1" dirty="0">
+              <a:rPr lang="de-DE" sz="4400" b="1" noProof="0" dirty="0">
                 <a:solidFill>
                   <a:schemeClr val="tx1"/>
                 </a:solidFill>
@@ -4785,7 +4702,7 @@
               <a:t> Ziel</a:t>
             </a:r>
             <a:r>
-              <a:rPr lang="en-GB" sz="4400" dirty="0">
+              <a:rPr lang="de-DE" sz="4400" noProof="0" dirty="0">
                 <a:latin typeface="Aptos" panose="020B0004020202020204" pitchFamily="34" charset="0"/>
                 <a:cs typeface="Times New Roman" panose="02020603050405020304" pitchFamily="18" charset="0"/>
               </a:rPr>
@@ -4793,7 +4710,7 @@
             </a:r>
           </a:p>
           <a:p>
-            <a:endParaRPr lang="de-DE" sz="4400" b="1" dirty="0">
+            <a:endParaRPr lang="de-DE" sz="4400" b="1" noProof="0" dirty="0">
               <a:solidFill>
                 <a:schemeClr val="tx1"/>
               </a:solidFill>
@@ -4820,7 +4737,7 @@
         <p:spPr>
           <a:xfrm>
             <a:off x="9891219" y="6268845"/>
-            <a:ext cx="11224555" cy="9084290"/>
+            <a:ext cx="11224555" cy="9182170"/>
           </a:xfrm>
           <a:prstGeom prst="rect">
             <a:avLst/>
@@ -4856,7 +4773,7 @@
               <a:buFont typeface="Arial" panose="020B0604020202020204" pitchFamily="34" charset="0"/>
               <a:buChar char="•"/>
             </a:pPr>
-            <a:endParaRPr lang="en-GB" sz="800" dirty="0">
+            <a:endParaRPr lang="de-DE" sz="800" noProof="0" dirty="0">
               <a:latin typeface="Times New Roman" panose="02020603050405020304" pitchFamily="18" charset="0"/>
               <a:cs typeface="Times New Roman" panose="02020603050405020304" pitchFamily="18" charset="0"/>
             </a:endParaRPr>
@@ -4892,7 +4809,7 @@
           <a:lstStyle/>
           <a:p>
             <a:r>
-              <a:rPr lang="de-DE" sz="3600" dirty="0">
+              <a:rPr lang="de-DE" sz="3600" noProof="0" dirty="0">
                 <a:latin typeface="Aptos" panose="020B0004020202020204" pitchFamily="34" charset="0"/>
                 <a:cs typeface="Times New Roman" panose="02020603050405020304" pitchFamily="18" charset="0"/>
               </a:rPr>
@@ -4901,7 +4818,7 @@
           </a:p>
           <a:p>
             <a:r>
-              <a:rPr lang="de-DE" sz="3600" dirty="0">
+              <a:rPr lang="de-DE" sz="3600" noProof="0" dirty="0">
                 <a:latin typeface="Aptos" panose="020B0004020202020204" pitchFamily="34" charset="0"/>
                 <a:cs typeface="Times New Roman" panose="02020603050405020304" pitchFamily="18" charset="0"/>
               </a:rPr>
@@ -4910,7 +4827,7 @@
           </a:p>
           <a:p>
             <a:r>
-              <a:rPr lang="de-DE" sz="3600" dirty="0">
+              <a:rPr lang="de-DE" sz="3600" noProof="0" dirty="0">
                 <a:latin typeface="Aptos" panose="020B0004020202020204" pitchFamily="34" charset="0"/>
                 <a:cs typeface="Times New Roman" panose="02020603050405020304" pitchFamily="18" charset="0"/>
               </a:rPr>
@@ -4948,35 +4865,35 @@
           <a:lstStyle/>
           <a:p>
             <a:r>
-              <a:rPr lang="en-GB" sz="3600" dirty="0">
+              <a:rPr lang="de-DE" sz="3600" noProof="0" dirty="0">
                 <a:latin typeface="Aptos" panose="020B0004020202020204" pitchFamily="34" charset="0"/>
                 <a:cs typeface="Times New Roman" panose="02020603050405020304" pitchFamily="18" charset="0"/>
               </a:rPr>
               <a:t>🔍 Analyse von „</a:t>
             </a:r>
             <a:r>
-              <a:rPr lang="en-GB" sz="3600" b="1" dirty="0">
+              <a:rPr lang="de-DE" sz="3600" b="1" noProof="0" dirty="0">
                 <a:latin typeface="Aptos" panose="020B0004020202020204" pitchFamily="34" charset="0"/>
                 <a:cs typeface="Times New Roman" panose="02020603050405020304" pitchFamily="18" charset="0"/>
               </a:rPr>
               <a:t>The New York Times</a:t>
             </a:r>
             <a:r>
-              <a:rPr lang="en-GB" sz="3600" dirty="0">
+              <a:rPr lang="de-DE" sz="3600" noProof="0" dirty="0">
                 <a:latin typeface="Aptos" panose="020B0004020202020204" pitchFamily="34" charset="0"/>
                 <a:cs typeface="Times New Roman" panose="02020603050405020304" pitchFamily="18" charset="0"/>
               </a:rPr>
               <a:t>” und „</a:t>
             </a:r>
             <a:r>
-              <a:rPr lang="en-GB" sz="3600" b="1" dirty="0">
+              <a:rPr lang="de-DE" sz="3600" b="1" noProof="0" dirty="0">
                 <a:latin typeface="Aptos" panose="020B0004020202020204" pitchFamily="34" charset="0"/>
                 <a:cs typeface="Times New Roman" panose="02020603050405020304" pitchFamily="18" charset="0"/>
               </a:rPr>
               <a:t>The Guardian</a:t>
             </a:r>
             <a:r>
-              <a:rPr lang="en-GB" sz="3600" dirty="0">
+              <a:rPr lang="de-DE" sz="3600" noProof="0" dirty="0">
                 <a:latin typeface="Aptos" panose="020B0004020202020204" pitchFamily="34" charset="0"/>
                 <a:cs typeface="Times New Roman" panose="02020603050405020304" pitchFamily="18" charset="0"/>
               </a:rPr>
@@ -4985,127 +4902,81 @@
           </a:p>
           <a:p>
             <a:r>
-              <a:rPr lang="en-GB" sz="3600" dirty="0">
+              <a:rPr lang="de-DE" sz="3600" noProof="0" dirty="0">
                 <a:latin typeface="Aptos" panose="020B0004020202020204" pitchFamily="34" charset="0"/>
                 <a:cs typeface="Times New Roman" panose="02020603050405020304" pitchFamily="18" charset="0"/>
               </a:rPr>
-              <a:t>📊 </a:t>
-            </a:r>
-            <a:r>
-              <a:rPr lang="en-GB" sz="3600" dirty="0" err="1">
-                <a:latin typeface="Aptos" panose="020B0004020202020204" pitchFamily="34" charset="0"/>
-                <a:cs typeface="Times New Roman" panose="02020603050405020304" pitchFamily="18" charset="0"/>
-              </a:rPr>
-              <a:t>Untersuchung</a:t>
-            </a:r>
-            <a:r>
-              <a:rPr lang="en-GB" sz="3600" dirty="0">
-                <a:latin typeface="Aptos" panose="020B0004020202020204" pitchFamily="34" charset="0"/>
-                <a:cs typeface="Times New Roman" panose="02020603050405020304" pitchFamily="18" charset="0"/>
-              </a:rPr>
-              <a:t> von </a:t>
-            </a:r>
-            <a:r>
-              <a:rPr lang="en-GB" sz="3600" b="1" dirty="0" err="1">
+              <a:t>📊 Untersuchung von </a:t>
+            </a:r>
+            <a:r>
+              <a:rPr lang="de-DE" sz="3600" b="1" noProof="0" dirty="0">
                 <a:latin typeface="Aptos" panose="020B0004020202020204" pitchFamily="34" charset="0"/>
                 <a:cs typeface="Times New Roman" panose="02020603050405020304" pitchFamily="18" charset="0"/>
               </a:rPr>
               <a:t>Objektivität</a:t>
             </a:r>
             <a:r>
-              <a:rPr lang="en-GB" sz="3600" dirty="0">
+              <a:rPr lang="de-DE" sz="3600" noProof="0" dirty="0">
                 <a:latin typeface="Aptos" panose="020B0004020202020204" pitchFamily="34" charset="0"/>
                 <a:cs typeface="Times New Roman" panose="02020603050405020304" pitchFamily="18" charset="0"/>
               </a:rPr>
               <a:t>, </a:t>
             </a:r>
             <a:r>
-              <a:rPr lang="en-GB" sz="3600" b="1" dirty="0" err="1">
+              <a:rPr lang="de-DE" sz="3600" b="1" noProof="0" dirty="0">
                 <a:latin typeface="Aptos" panose="020B0004020202020204" pitchFamily="34" charset="0"/>
                 <a:cs typeface="Times New Roman" panose="02020603050405020304" pitchFamily="18" charset="0"/>
               </a:rPr>
               <a:t>Polarisierung</a:t>
             </a:r>
             <a:r>
-              <a:rPr lang="en-GB" sz="3600" dirty="0">
+              <a:rPr lang="de-DE" sz="3600" noProof="0" dirty="0">
                 <a:latin typeface="Aptos" panose="020B0004020202020204" pitchFamily="34" charset="0"/>
                 <a:cs typeface="Times New Roman" panose="02020603050405020304" pitchFamily="18" charset="0"/>
               </a:rPr>
-              <a:t>, </a:t>
-            </a:r>
-            <a:r>
-              <a:rPr lang="en-GB" sz="3600" dirty="0" err="1">
-                <a:latin typeface="Aptos" panose="020B0004020202020204" pitchFamily="34" charset="0"/>
-                <a:cs typeface="Times New Roman" panose="02020603050405020304" pitchFamily="18" charset="0"/>
-              </a:rPr>
-              <a:t>Anzahl</a:t>
-            </a:r>
-            <a:r>
-              <a:rPr lang="en-GB" sz="3600" dirty="0">
-                <a:latin typeface="Aptos" panose="020B0004020202020204" pitchFamily="34" charset="0"/>
-                <a:cs typeface="Times New Roman" panose="02020603050405020304" pitchFamily="18" charset="0"/>
-              </a:rPr>
-              <a:t> und </a:t>
-            </a:r>
-            <a:r>
-              <a:rPr lang="en-GB" sz="3600" dirty="0" err="1">
-                <a:latin typeface="Aptos" panose="020B0004020202020204" pitchFamily="34" charset="0"/>
-                <a:cs typeface="Times New Roman" panose="02020603050405020304" pitchFamily="18" charset="0"/>
-              </a:rPr>
-              <a:t>Länge</a:t>
-            </a:r>
-            <a:r>
-              <a:rPr lang="en-GB" sz="3600" dirty="0">
-                <a:latin typeface="Aptos" panose="020B0004020202020204" pitchFamily="34" charset="0"/>
-                <a:cs typeface="Times New Roman" panose="02020603050405020304" pitchFamily="18" charset="0"/>
-              </a:rPr>
-              <a:t> der Artikel</a:t>
-            </a:r>
-          </a:p>
-          <a:p>
-            <a:r>
-              <a:rPr lang="de-DE" sz="3600" dirty="0">
+              <a:t>, Anzahl und Länge der Artikel</a:t>
+            </a:r>
+          </a:p>
+          <a:p>
+            <a:r>
+              <a:rPr lang="de-DE" sz="3600" noProof="0" dirty="0">
                 <a:latin typeface="Aptos" panose="020B0004020202020204" pitchFamily="34" charset="0"/>
                 <a:cs typeface="Times New Roman" panose="02020603050405020304" pitchFamily="18" charset="0"/>
               </a:rPr>
               <a:t>🔎Identifikation von </a:t>
             </a:r>
             <a:r>
-              <a:rPr lang="de-DE" sz="3600" b="1" dirty="0">
+              <a:rPr lang="de-DE" sz="3600" b="1" noProof="0" dirty="0">
                 <a:latin typeface="Aptos" panose="020B0004020202020204" pitchFamily="34" charset="0"/>
                 <a:cs typeface="Times New Roman" panose="02020603050405020304" pitchFamily="18" charset="0"/>
               </a:rPr>
               <a:t>langfristigen Trends</a:t>
             </a:r>
             <a:r>
-              <a:rPr lang="de-DE" sz="3600" dirty="0">
+              <a:rPr lang="de-DE" sz="3600" noProof="0" dirty="0">
                 <a:latin typeface="Aptos" panose="020B0004020202020204" pitchFamily="34" charset="0"/>
                 <a:cs typeface="Times New Roman" panose="02020603050405020304" pitchFamily="18" charset="0"/>
               </a:rPr>
               <a:t> im Journalismus</a:t>
             </a:r>
-            <a:endParaRPr lang="en-GB" sz="3600" dirty="0">
-              <a:latin typeface="Aptos" panose="020B0004020202020204" pitchFamily="34" charset="0"/>
-              <a:cs typeface="Times New Roman" panose="02020603050405020304" pitchFamily="18" charset="0"/>
-            </a:endParaRPr>
-          </a:p>
-          <a:p>
-            <a:r>
-              <a:rPr lang="de-DE" sz="3600" dirty="0">
+          </a:p>
+          <a:p>
+            <a:r>
+              <a:rPr lang="de-DE" sz="3600" noProof="0" dirty="0">
                 <a:latin typeface="Aptos" panose="020B0004020202020204" pitchFamily="34" charset="0"/>
                 <a:cs typeface="Times New Roman" panose="02020603050405020304" pitchFamily="18" charset="0"/>
               </a:rPr>
               <a:t>📢 </a:t>
             </a:r>
             <a:r>
-              <a:rPr lang="de-DE" sz="3600" b="1" dirty="0">
+              <a:rPr lang="de-DE" sz="3600" b="1" noProof="0" dirty="0">
                 <a:latin typeface="Aptos" panose="020B0004020202020204" pitchFamily="34" charset="0"/>
                 <a:cs typeface="Times New Roman" panose="02020603050405020304" pitchFamily="18" charset="0"/>
               </a:rPr>
               <a:t>Vergleich</a:t>
             </a:r>
             <a:r>
-              <a:rPr lang="de-DE" sz="3600" dirty="0">
+              <a:rPr lang="de-DE" sz="3600" noProof="0" dirty="0">
                 <a:latin typeface="Aptos" panose="020B0004020202020204" pitchFamily="34" charset="0"/>
                 <a:cs typeface="Times New Roman" panose="02020603050405020304" pitchFamily="18" charset="0"/>
               </a:rPr>
@@ -5143,55 +5014,34 @@
           <a:lstStyle/>
           <a:p>
             <a:r>
-              <a:rPr lang="en-GB" sz="3200" dirty="0">
+              <a:rPr lang="de-DE" sz="3200" noProof="0" dirty="0">
                 <a:latin typeface="Aptos" panose="020B0004020202020204" pitchFamily="34" charset="0"/>
                 <a:cs typeface="Times New Roman" panose="02020603050405020304" pitchFamily="18" charset="0"/>
               </a:rPr>
               <a:t>💻 </a:t>
             </a:r>
             <a:r>
-              <a:rPr lang="en-GB" sz="3200" b="1" dirty="0" err="1">
+              <a:rPr lang="de-DE" sz="3200" b="1" noProof="0" dirty="0">
                 <a:latin typeface="Aptos" panose="020B0004020202020204" pitchFamily="34" charset="0"/>
                 <a:cs typeface="Times New Roman" panose="02020603050405020304" pitchFamily="18" charset="0"/>
               </a:rPr>
-              <a:t>Datenbeschaffung</a:t>
-            </a:r>
-            <a:r>
-              <a:rPr lang="en-GB" sz="3200" b="1" dirty="0">
+              <a:t>Datenbeschaffung:</a:t>
+            </a:r>
+            <a:endParaRPr lang="de-DE" sz="3200" noProof="0" dirty="0">
+              <a:latin typeface="Aptos" panose="020B0004020202020204" pitchFamily="34" charset="0"/>
+              <a:cs typeface="Times New Roman" panose="02020603050405020304" pitchFamily="18" charset="0"/>
+            </a:endParaRPr>
+          </a:p>
+          <a:p>
+            <a:r>
+              <a:rPr lang="de-DE" sz="3200" noProof="0" dirty="0">
                 <a:latin typeface="Aptos" panose="020B0004020202020204" pitchFamily="34" charset="0"/>
                 <a:cs typeface="Times New Roman" panose="02020603050405020304" pitchFamily="18" charset="0"/>
               </a:rPr>
-              <a:t>:</a:t>
-            </a:r>
-            <a:endParaRPr lang="en-GB" sz="3200" dirty="0">
-              <a:latin typeface="Aptos" panose="020B0004020202020204" pitchFamily="34" charset="0"/>
-              <a:cs typeface="Times New Roman" panose="02020603050405020304" pitchFamily="18" charset="0"/>
-            </a:endParaRPr>
-          </a:p>
-          <a:p>
-            <a:r>
-              <a:rPr lang="en-GB" sz="3200" dirty="0">
-                <a:latin typeface="Aptos" panose="020B0004020202020204" pitchFamily="34" charset="0"/>
-                <a:cs typeface="Times New Roman" panose="02020603050405020304" pitchFamily="18" charset="0"/>
-              </a:rPr>
-              <a:t>	🌐 Web Scraping </a:t>
-            </a:r>
-            <a:r>
-              <a:rPr lang="en-GB" sz="3200" dirty="0" err="1">
-                <a:latin typeface="Aptos" panose="020B0004020202020204" pitchFamily="34" charset="0"/>
-                <a:cs typeface="Times New Roman" panose="02020603050405020304" pitchFamily="18" charset="0"/>
-              </a:rPr>
-              <a:t>mit</a:t>
-            </a:r>
-            <a:r>
-              <a:rPr lang="en-GB" sz="3200" dirty="0">
-                <a:latin typeface="Aptos" panose="020B0004020202020204" pitchFamily="34" charset="0"/>
-                <a:cs typeface="Times New Roman" panose="02020603050405020304" pitchFamily="18" charset="0"/>
-              </a:rPr>
-              <a:t> </a:t>
-            </a:r>
-            <a:r>
-              <a:rPr lang="en-GB" sz="3200" b="1" dirty="0">
+              <a:t>	🌐 Web Scraping mit </a:t>
+            </a:r>
+            <a:r>
+              <a:rPr lang="de-DE" sz="3200" b="1" noProof="0" dirty="0">
                 <a:latin typeface="Aptos" panose="020B0004020202020204" pitchFamily="34" charset="0"/>
                 <a:cs typeface="Times New Roman" panose="02020603050405020304" pitchFamily="18" charset="0"/>
               </a:rPr>
@@ -5200,247 +5050,110 @@
           </a:p>
           <a:p>
             <a:r>
-              <a:rPr lang="en-GB" sz="3200" b="1" dirty="0">
+              <a:rPr lang="de-DE" sz="3200" b="1" noProof="0" dirty="0">
                 <a:latin typeface="Aptos" panose="020B0004020202020204" pitchFamily="34" charset="0"/>
                 <a:cs typeface="Times New Roman" panose="02020603050405020304" pitchFamily="18" charset="0"/>
               </a:rPr>
-              <a:t>            </a:t>
-            </a:r>
-            <a:r>
-              <a:rPr lang="en-GB" sz="3200" b="1" dirty="0" err="1">
+              <a:t>            BeautifulSoup</a:t>
+            </a:r>
+            <a:endParaRPr lang="de-DE" sz="3200" noProof="0" dirty="0">
+              <a:latin typeface="Aptos" panose="020B0004020202020204" pitchFamily="34" charset="0"/>
+              <a:cs typeface="Times New Roman" panose="02020603050405020304" pitchFamily="18" charset="0"/>
+            </a:endParaRPr>
+          </a:p>
+          <a:p>
+            <a:r>
+              <a:rPr lang="de-DE" sz="3200" noProof="0" dirty="0">
                 <a:latin typeface="Aptos" panose="020B0004020202020204" pitchFamily="34" charset="0"/>
                 <a:cs typeface="Times New Roman" panose="02020603050405020304" pitchFamily="18" charset="0"/>
               </a:rPr>
-              <a:t>BeautifulSoup</a:t>
-            </a:r>
-            <a:endParaRPr lang="en-GB" sz="3200" dirty="0">
-              <a:latin typeface="Aptos" panose="020B0004020202020204" pitchFamily="34" charset="0"/>
-              <a:cs typeface="Times New Roman" panose="02020603050405020304" pitchFamily="18" charset="0"/>
-            </a:endParaRPr>
-          </a:p>
-          <a:p>
-            <a:r>
-              <a:rPr lang="en-GB" sz="3200" dirty="0">
-                <a:latin typeface="Aptos" panose="020B0004020202020204" pitchFamily="34" charset="0"/>
-                <a:cs typeface="Times New Roman" panose="02020603050405020304" pitchFamily="18" charset="0"/>
-              </a:rPr>
-              <a:t>	🔗 </a:t>
-            </a:r>
-            <a:r>
-              <a:rPr lang="en-GB" sz="3200" dirty="0" err="1">
-                <a:latin typeface="Aptos" panose="020B0004020202020204" pitchFamily="34" charset="0"/>
-                <a:cs typeface="Times New Roman" panose="02020603050405020304" pitchFamily="18" charset="0"/>
-              </a:rPr>
-              <a:t>Nutzung</a:t>
-            </a:r>
-            <a:r>
-              <a:rPr lang="en-GB" sz="3200" dirty="0">
-                <a:latin typeface="Aptos" panose="020B0004020202020204" pitchFamily="34" charset="0"/>
-                <a:cs typeface="Times New Roman" panose="02020603050405020304" pitchFamily="18" charset="0"/>
-              </a:rPr>
-              <a:t> der </a:t>
-            </a:r>
-            <a:r>
-              <a:rPr lang="en-GB" sz="3200" b="1" dirty="0">
+              <a:t>	🔗 Nutzung der </a:t>
+            </a:r>
+            <a:r>
+              <a:rPr lang="de-DE" sz="3200" b="1" noProof="0" dirty="0">
                 <a:latin typeface="Aptos" panose="020B0004020202020204" pitchFamily="34" charset="0"/>
                 <a:cs typeface="Times New Roman" panose="02020603050405020304" pitchFamily="18" charset="0"/>
               </a:rPr>
               <a:t>APIs</a:t>
             </a:r>
             <a:r>
-              <a:rPr lang="en-GB" sz="3200" dirty="0">
+              <a:rPr lang="de-DE" sz="3200" noProof="0" dirty="0">
                 <a:latin typeface="Aptos" panose="020B0004020202020204" pitchFamily="34" charset="0"/>
                 <a:cs typeface="Times New Roman" panose="02020603050405020304" pitchFamily="18" charset="0"/>
               </a:rPr>
-              <a:t> </a:t>
-            </a:r>
-            <a:r>
-              <a:rPr lang="en-GB" sz="3200" dirty="0" err="1">
-                <a:latin typeface="Aptos" panose="020B0004020202020204" pitchFamily="34" charset="0"/>
-                <a:cs typeface="Times New Roman" panose="02020603050405020304" pitchFamily="18" charset="0"/>
-              </a:rPr>
-              <a:t>beider</a:t>
-            </a:r>
-            <a:r>
-              <a:rPr lang="en-GB" sz="3200" dirty="0">
-                <a:latin typeface="Aptos" panose="020B0004020202020204" pitchFamily="34" charset="0"/>
-                <a:cs typeface="Times New Roman" panose="02020603050405020304" pitchFamily="18" charset="0"/>
-              </a:rPr>
-              <a:t> </a:t>
-            </a:r>
-            <a:r>
-              <a:rPr lang="en-GB" sz="3200" dirty="0" err="1">
-                <a:latin typeface="Aptos" panose="020B0004020202020204" pitchFamily="34" charset="0"/>
-                <a:cs typeface="Times New Roman" panose="02020603050405020304" pitchFamily="18" charset="0"/>
-              </a:rPr>
-              <a:t>Zeitungen</a:t>
-            </a:r>
-            <a:endParaRPr lang="en-GB" sz="3200" dirty="0">
-              <a:latin typeface="Aptos" panose="020B0004020202020204" pitchFamily="34" charset="0"/>
-              <a:cs typeface="Times New Roman" panose="02020603050405020304" pitchFamily="18" charset="0"/>
-            </a:endParaRPr>
-          </a:p>
-          <a:p>
-            <a:r>
-              <a:rPr lang="en-GB" sz="3200" dirty="0">
+              <a:t> beider Zeitungen</a:t>
+            </a:r>
+          </a:p>
+          <a:p>
+            <a:r>
+              <a:rPr lang="de-DE" sz="3200" noProof="0" dirty="0">
                 <a:latin typeface="Aptos" panose="020B0004020202020204" pitchFamily="34" charset="0"/>
                 <a:cs typeface="Times New Roman" panose="02020603050405020304" pitchFamily="18" charset="0"/>
               </a:rPr>
               <a:t>📊 </a:t>
             </a:r>
             <a:r>
-              <a:rPr lang="en-GB" sz="3200" b="1" dirty="0">
+              <a:rPr lang="de-DE" sz="3200" b="1" noProof="0" dirty="0">
                 <a:latin typeface="Aptos" panose="020B0004020202020204" pitchFamily="34" charset="0"/>
                 <a:cs typeface="Times New Roman" panose="02020603050405020304" pitchFamily="18" charset="0"/>
               </a:rPr>
               <a:t>Analyse:</a:t>
             </a:r>
-            <a:endParaRPr lang="en-GB" sz="3200" dirty="0">
+            <a:endParaRPr lang="de-DE" sz="3200" noProof="0" dirty="0">
               <a:latin typeface="Aptos" panose="020B0004020202020204" pitchFamily="34" charset="0"/>
               <a:cs typeface="Times New Roman" panose="02020603050405020304" pitchFamily="18" charset="0"/>
             </a:endParaRPr>
           </a:p>
           <a:p>
             <a:r>
-              <a:rPr lang="en-GB" sz="3200" dirty="0">
+              <a:rPr lang="de-DE" sz="3200" noProof="0" dirty="0">
                 <a:latin typeface="Aptos" panose="020B0004020202020204" pitchFamily="34" charset="0"/>
                 <a:cs typeface="Times New Roman" panose="02020603050405020304" pitchFamily="18" charset="0"/>
               </a:rPr>
-              <a:t>	🤖 </a:t>
-            </a:r>
-            <a:r>
-              <a:rPr lang="en-GB" sz="3200" dirty="0" err="1">
-                <a:latin typeface="Aptos" panose="020B0004020202020204" pitchFamily="34" charset="0"/>
-                <a:cs typeface="Times New Roman" panose="02020603050405020304" pitchFamily="18" charset="0"/>
-              </a:rPr>
-              <a:t>Sentimentanalyse</a:t>
-            </a:r>
-            <a:r>
-              <a:rPr lang="en-GB" sz="3200" dirty="0">
-                <a:latin typeface="Aptos" panose="020B0004020202020204" pitchFamily="34" charset="0"/>
-                <a:cs typeface="Times New Roman" panose="02020603050405020304" pitchFamily="18" charset="0"/>
-              </a:rPr>
-              <a:t> </a:t>
-            </a:r>
-            <a:r>
-              <a:rPr lang="en-GB" sz="3200" dirty="0" err="1">
-                <a:latin typeface="Aptos" panose="020B0004020202020204" pitchFamily="34" charset="0"/>
-                <a:cs typeface="Times New Roman" panose="02020603050405020304" pitchFamily="18" charset="0"/>
-              </a:rPr>
-              <a:t>mit</a:t>
-            </a:r>
-            <a:r>
-              <a:rPr lang="en-GB" sz="3200" dirty="0">
-                <a:latin typeface="Aptos" panose="020B0004020202020204" pitchFamily="34" charset="0"/>
-                <a:cs typeface="Times New Roman" panose="02020603050405020304" pitchFamily="18" charset="0"/>
-              </a:rPr>
-              <a:t> </a:t>
-            </a:r>
-            <a:r>
-              <a:rPr lang="en-GB" sz="3200" b="1" dirty="0" err="1">
+              <a:t>	🤖 Sentimentanalyse mit </a:t>
+            </a:r>
+            <a:r>
+              <a:rPr lang="de-DE" sz="3200" b="1" noProof="0" dirty="0">
                 <a:latin typeface="Aptos" panose="020B0004020202020204" pitchFamily="34" charset="0"/>
                 <a:cs typeface="Times New Roman" panose="02020603050405020304" pitchFamily="18" charset="0"/>
               </a:rPr>
               <a:t>TextBlob</a:t>
             </a:r>
-            <a:endParaRPr lang="en-GB" sz="3200" dirty="0">
+            <a:endParaRPr lang="de-DE" sz="3200" noProof="0" dirty="0">
               <a:latin typeface="Aptos" panose="020B0004020202020204" pitchFamily="34" charset="0"/>
               <a:cs typeface="Times New Roman" panose="02020603050405020304" pitchFamily="18" charset="0"/>
             </a:endParaRPr>
           </a:p>
           <a:p>
             <a:r>
-              <a:rPr lang="en-GB" sz="3200" dirty="0">
+              <a:rPr lang="de-DE" sz="3200" noProof="0" dirty="0">
                 <a:latin typeface="Aptos" panose="020B0004020202020204" pitchFamily="34" charset="0"/>
                 <a:cs typeface="Times New Roman" panose="02020603050405020304" pitchFamily="18" charset="0"/>
               </a:rPr>
-              <a:t>	📉 </a:t>
-            </a:r>
-            <a:r>
-              <a:rPr lang="en-GB" sz="3200" dirty="0" err="1">
+              <a:t>	📉 Berechnung von </a:t>
+            </a:r>
+            <a:r>
+              <a:rPr lang="de-DE" sz="3200" b="1" noProof="0" dirty="0">
                 <a:latin typeface="Aptos" panose="020B0004020202020204" pitchFamily="34" charset="0"/>
                 <a:cs typeface="Times New Roman" panose="02020603050405020304" pitchFamily="18" charset="0"/>
               </a:rPr>
-              <a:t>Berechnung</a:t>
-            </a:r>
-            <a:r>
-              <a:rPr lang="en-GB" sz="3200" dirty="0">
+              <a:t>Subjektivität &amp; Polarisation</a:t>
+            </a:r>
+            <a:endParaRPr lang="de-DE" sz="3200" noProof="0" dirty="0">
+              <a:latin typeface="Aptos" panose="020B0004020202020204" pitchFamily="34" charset="0"/>
+              <a:cs typeface="Times New Roman" panose="02020603050405020304" pitchFamily="18" charset="0"/>
+            </a:endParaRPr>
+          </a:p>
+          <a:p>
+            <a:r>
+              <a:rPr lang="de-DE" sz="3200" noProof="0" dirty="0">
                 <a:latin typeface="Aptos" panose="020B0004020202020204" pitchFamily="34" charset="0"/>
                 <a:cs typeface="Times New Roman" panose="02020603050405020304" pitchFamily="18" charset="0"/>
               </a:rPr>
-              <a:t> von </a:t>
-            </a:r>
-            <a:r>
-              <a:rPr lang="en-GB" sz="3200" b="1" dirty="0" err="1">
-                <a:latin typeface="Aptos" panose="020B0004020202020204" pitchFamily="34" charset="0"/>
-                <a:cs typeface="Times New Roman" panose="02020603050405020304" pitchFamily="18" charset="0"/>
-              </a:rPr>
-              <a:t>Subjektivität</a:t>
-            </a:r>
-            <a:r>
-              <a:rPr lang="en-GB" sz="3200" b="1" dirty="0">
-                <a:latin typeface="Aptos" panose="020B0004020202020204" pitchFamily="34" charset="0"/>
-                <a:cs typeface="Times New Roman" panose="02020603050405020304" pitchFamily="18" charset="0"/>
-              </a:rPr>
-              <a:t> &amp; Polarisation</a:t>
-            </a:r>
-            <a:endParaRPr lang="en-GB" sz="3200" dirty="0">
-              <a:latin typeface="Aptos" panose="020B0004020202020204" pitchFamily="34" charset="0"/>
-              <a:cs typeface="Times New Roman" panose="02020603050405020304" pitchFamily="18" charset="0"/>
-            </a:endParaRPr>
-          </a:p>
-          <a:p>
-            <a:r>
-              <a:rPr lang="en-GB" sz="3200" dirty="0">
-                <a:latin typeface="Aptos" panose="020B0004020202020204" pitchFamily="34" charset="0"/>
-                <a:cs typeface="Times New Roman" panose="02020603050405020304" pitchFamily="18" charset="0"/>
-              </a:rPr>
-              <a:t>	💾</a:t>
-            </a:r>
-            <a:r>
-              <a:rPr lang="en-GB" sz="3200" dirty="0" err="1">
-                <a:latin typeface="Aptos" panose="020B0004020202020204" pitchFamily="34" charset="0"/>
-                <a:cs typeface="Times New Roman" panose="02020603050405020304" pitchFamily="18" charset="0"/>
-              </a:rPr>
-              <a:t>Speicherung</a:t>
-            </a:r>
-            <a:r>
-              <a:rPr lang="en-GB" sz="3200" dirty="0">
-                <a:latin typeface="Aptos" panose="020B0004020202020204" pitchFamily="34" charset="0"/>
-                <a:cs typeface="Times New Roman" panose="02020603050405020304" pitchFamily="18" charset="0"/>
-              </a:rPr>
-              <a:t> und </a:t>
-            </a:r>
-            <a:r>
-              <a:rPr lang="en-GB" sz="3200" dirty="0" err="1">
-                <a:latin typeface="Aptos" panose="020B0004020202020204" pitchFamily="34" charset="0"/>
-                <a:cs typeface="Times New Roman" panose="02020603050405020304" pitchFamily="18" charset="0"/>
-              </a:rPr>
-              <a:t>Visualisierung</a:t>
-            </a:r>
-            <a:r>
-              <a:rPr lang="en-GB" sz="3200" dirty="0">
-                <a:latin typeface="Aptos" panose="020B0004020202020204" pitchFamily="34" charset="0"/>
-                <a:cs typeface="Times New Roman" panose="02020603050405020304" pitchFamily="18" charset="0"/>
-              </a:rPr>
-              <a:t> </a:t>
-            </a:r>
-            <a:r>
-              <a:rPr lang="en-GB" sz="3200" dirty="0" err="1">
-                <a:latin typeface="Aptos" panose="020B0004020202020204" pitchFamily="34" charset="0"/>
-                <a:cs typeface="Times New Roman" panose="02020603050405020304" pitchFamily="18" charset="0"/>
-              </a:rPr>
-              <a:t>mit</a:t>
-            </a:r>
-            <a:r>
-              <a:rPr lang="en-GB" sz="3200" dirty="0">
-                <a:latin typeface="Aptos" panose="020B0004020202020204" pitchFamily="34" charset="0"/>
-                <a:cs typeface="Times New Roman" panose="02020603050405020304" pitchFamily="18" charset="0"/>
-              </a:rPr>
-              <a:t> </a:t>
-            </a:r>
-            <a:r>
-              <a:rPr lang="en-GB" sz="3200" b="1" dirty="0">
+              <a:t>	💾Speicherung und Visualisierung mit </a:t>
+            </a:r>
+            <a:r>
+              <a:rPr lang="de-DE" sz="3200" b="1" noProof="0" dirty="0">
                 <a:latin typeface="Aptos" panose="020B0004020202020204" pitchFamily="34" charset="0"/>
                 <a:cs typeface="Times New Roman" panose="02020603050405020304" pitchFamily="18" charset="0"/>
               </a:rPr>
@@ -5449,40 +5162,19 @@
           </a:p>
           <a:p>
             <a:r>
-              <a:rPr lang="en-GB" sz="3200" b="1" dirty="0">
+              <a:rPr lang="de-DE" sz="3200" b="1" noProof="0" dirty="0">
                 <a:latin typeface="Aptos" panose="020B0004020202020204" pitchFamily="34" charset="0"/>
                 <a:cs typeface="Times New Roman" panose="02020603050405020304" pitchFamily="18" charset="0"/>
               </a:rPr>
-              <a:t>          </a:t>
-            </a:r>
-            <a:r>
-              <a:rPr lang="en-GB" sz="3200" b="1" dirty="0" err="1">
-                <a:latin typeface="Aptos" panose="020B0004020202020204" pitchFamily="34" charset="0"/>
-                <a:cs typeface="Times New Roman" panose="02020603050405020304" pitchFamily="18" charset="0"/>
-              </a:rPr>
-              <a:t>Plotly</a:t>
-            </a:r>
-            <a:r>
-              <a:rPr lang="en-GB" sz="3200" b="1" dirty="0">
-                <a:latin typeface="Aptos" panose="020B0004020202020204" pitchFamily="34" charset="0"/>
-                <a:cs typeface="Times New Roman" panose="02020603050405020304" pitchFamily="18" charset="0"/>
-              </a:rPr>
-              <a:t>, </a:t>
-            </a:r>
-            <a:r>
-              <a:rPr lang="en-GB" sz="3200" b="1" dirty="0" err="1">
-                <a:latin typeface="Aptos" panose="020B0004020202020204" pitchFamily="34" charset="0"/>
-                <a:cs typeface="Times New Roman" panose="02020603050405020304" pitchFamily="18" charset="0"/>
-              </a:rPr>
-              <a:t>Streamlit</a:t>
-            </a:r>
-            <a:endParaRPr lang="en-GB" sz="3200" dirty="0">
+              <a:t>          Plotly, Streamlit</a:t>
+            </a:r>
+            <a:endParaRPr lang="de-DE" sz="3200" noProof="0" dirty="0">
               <a:latin typeface="Aptos" panose="020B0004020202020204" pitchFamily="34" charset="0"/>
               <a:cs typeface="Times New Roman" panose="02020603050405020304" pitchFamily="18" charset="0"/>
             </a:endParaRPr>
           </a:p>
           <a:p>
-            <a:endParaRPr lang="de-DE" sz="3200" dirty="0">
+            <a:endParaRPr lang="de-DE" sz="3200" noProof="0" dirty="0">
               <a:latin typeface="Aptos" panose="020B0004020202020204" pitchFamily="34" charset="0"/>
               <a:cs typeface="Times New Roman" panose="02020603050405020304" pitchFamily="18" charset="0"/>
             </a:endParaRPr>
@@ -5503,7 +5195,7 @@
         </p:nvSpPr>
         <p:spPr>
           <a:xfrm>
-            <a:off x="9572077" y="27843841"/>
+            <a:off x="8949817" y="27681514"/>
             <a:ext cx="9491036" cy="400110"/>
           </a:xfrm>
           <a:prstGeom prst="rect">
@@ -5518,72 +5210,12 @@
           <a:lstStyle/>
           <a:p>
             <a:r>
-              <a:rPr lang="de-DE" sz="2000" dirty="0">
+              <a:rPr lang="de-DE" sz="2000" noProof="0" dirty="0">
                 <a:latin typeface="Aptos" panose="020B0004020202020204" pitchFamily="34" charset="0"/>
                 <a:cs typeface="Times New Roman" panose="02020603050405020304" pitchFamily="18" charset="0"/>
               </a:rPr>
               <a:t>Direkte Zitate</a:t>
             </a:r>
-          </a:p>
-        </p:txBody>
-      </p:sp>
-      <p:sp>
-        <p:nvSpPr>
-          <p:cNvPr id="14" name="Rechteck 13">
-            <a:extLst>
-              <a:ext uri="{FF2B5EF4-FFF2-40B4-BE49-F238E27FC236}">
-                <a16:creationId xmlns:a16="http://schemas.microsoft.com/office/drawing/2014/main" id="{D64860A1-9E2D-6404-42BD-FE5A43EE5081}"/>
-              </a:ext>
-            </a:extLst>
-          </p:cNvPr>
-          <p:cNvSpPr>
-            <a:spLocks/>
-          </p:cNvSpPr>
-          <p:nvPr/>
-        </p:nvSpPr>
-        <p:spPr>
-          <a:xfrm>
-            <a:off x="8022726" y="26620545"/>
-            <a:ext cx="7160157" cy="743840"/>
-          </a:xfrm>
-          <a:prstGeom prst="rect">
-            <a:avLst/>
-          </a:prstGeom>
-          <a:solidFill>
-            <a:srgbClr val="D7D7D7"/>
-          </a:solidFill>
-          <a:ln>
-            <a:noFill/>
-          </a:ln>
-        </p:spPr>
-        <p:style>
-          <a:lnRef idx="2">
-            <a:schemeClr val="accent1">
-              <a:shade val="50000"/>
-            </a:schemeClr>
-          </a:lnRef>
-          <a:fillRef idx="1">
-            <a:schemeClr val="accent1"/>
-          </a:fillRef>
-          <a:effectRef idx="0">
-            <a:schemeClr val="accent1"/>
-          </a:effectRef>
-          <a:fontRef idx="minor">
-            <a:schemeClr val="lt1"/>
-          </a:fontRef>
-        </p:style>
-        <p:txBody>
-          <a:bodyPr rtlCol="0" anchor="ctr"/>
-          <a:lstStyle/>
-          <a:p>
-            <a:pPr algn="ctr"/>
-            <a:endParaRPr lang="de-DE" sz="4000" b="1" dirty="0">
-              <a:solidFill>
-                <a:schemeClr val="tx1"/>
-              </a:solidFill>
-              <a:latin typeface="Times New Roman" panose="02020603050405020304" pitchFamily="18" charset="0"/>
-              <a:cs typeface="Times New Roman" panose="02020603050405020304" pitchFamily="18" charset="0"/>
-            </a:endParaRPr>
           </a:p>
         </p:txBody>
       </p:sp>
@@ -5751,8 +5383,8 @@
         </p:nvSpPr>
         <p:spPr>
           <a:xfrm>
-            <a:off x="220406" y="26977657"/>
-            <a:ext cx="7467885" cy="1911962"/>
+            <a:off x="287181" y="26933068"/>
+            <a:ext cx="20824676" cy="1911962"/>
           </a:xfrm>
           <a:prstGeom prst="rect">
             <a:avLst/>
@@ -5785,10 +5417,13 @@
           <a:lstStyle/>
           <a:p>
             <a:pPr algn="ctr"/>
-            <a:endParaRPr lang="de-DE" sz="440" dirty="0">
-              <a:latin typeface="Times New Roman" panose="02020603050405020304" pitchFamily="18" charset="0"/>
-              <a:cs typeface="Times New Roman" panose="02020603050405020304" pitchFamily="18" charset="0"/>
-            </a:endParaRPr>
+            <a:r>
+              <a:rPr lang="de-DE" sz="440" noProof="0" dirty="0">
+                <a:latin typeface="Times New Roman" panose="02020603050405020304" pitchFamily="18" charset="0"/>
+                <a:cs typeface="Times New Roman" panose="02020603050405020304" pitchFamily="18" charset="0"/>
+              </a:rPr>
+              <a:t> </a:t>
+            </a:r>
           </a:p>
         </p:txBody>
       </p:sp>
@@ -5806,7 +5441,7 @@
         </p:nvSpPr>
         <p:spPr>
           <a:xfrm>
-            <a:off x="458618" y="27072712"/>
+            <a:off x="2155285" y="26813595"/>
             <a:ext cx="7229673" cy="707886"/>
           </a:xfrm>
           <a:prstGeom prst="rect">
@@ -5822,7 +5457,7 @@
           <a:p>
             <a:pPr algn="just"/>
             <a:r>
-              <a:rPr lang="de-DE" sz="2000" dirty="0">
+              <a:rPr lang="de-DE" sz="2000" noProof="0" dirty="0">
                 <a:latin typeface="Aptos" panose="020B0004020202020204" pitchFamily="34" charset="0"/>
                 <a:cs typeface="Times New Roman" panose="02020603050405020304" pitchFamily="18" charset="0"/>
               </a:rPr>
@@ -5831,7 +5466,7 @@
           </a:p>
           <a:p>
             <a:pPr algn="just"/>
-            <a:endParaRPr lang="de-DE" sz="2000" dirty="0">
+            <a:endParaRPr lang="de-DE" sz="2000" noProof="0" dirty="0">
               <a:latin typeface="Aptos" panose="020B0004020202020204" pitchFamily="34" charset="0"/>
               <a:cs typeface="Times New Roman" panose="02020603050405020304" pitchFamily="18" charset="0"/>
             </a:endParaRPr>
@@ -5895,7 +5530,7 @@
         </p:nvGrpSpPr>
         <p:grpSpPr>
           <a:xfrm>
-            <a:off x="23094441" y="20278397"/>
+            <a:off x="22250380" y="18984065"/>
             <a:ext cx="6361983" cy="7396521"/>
             <a:chOff x="14134485" y="20753556"/>
             <a:chExt cx="6361983" cy="7396521"/>
@@ -5951,28 +5586,28 @@
             <a:lstStyle/>
             <a:p>
               <a:pPr algn="ctr"/>
-              <a:endParaRPr lang="de-DE" sz="440" dirty="0">
+              <a:endParaRPr lang="de-DE" sz="440" noProof="0" dirty="0">
                 <a:latin typeface="Times New Roman" panose="02020603050405020304" pitchFamily="18" charset="0"/>
                 <a:cs typeface="Times New Roman" panose="02020603050405020304" pitchFamily="18" charset="0"/>
               </a:endParaRPr>
             </a:p>
             <a:p>
               <a:pPr algn="ctr"/>
-              <a:endParaRPr lang="de-DE" sz="440" dirty="0">
+              <a:endParaRPr lang="de-DE" sz="440" noProof="0" dirty="0">
                 <a:latin typeface="Times New Roman" panose="02020603050405020304" pitchFamily="18" charset="0"/>
                 <a:cs typeface="Times New Roman" panose="02020603050405020304" pitchFamily="18" charset="0"/>
               </a:endParaRPr>
             </a:p>
             <a:p>
               <a:pPr algn="ctr"/>
-              <a:endParaRPr lang="de-DE" sz="440" dirty="0">
+              <a:endParaRPr lang="de-DE" sz="440" noProof="0" dirty="0">
                 <a:latin typeface="Times New Roman" panose="02020603050405020304" pitchFamily="18" charset="0"/>
                 <a:cs typeface="Times New Roman" panose="02020603050405020304" pitchFamily="18" charset="0"/>
               </a:endParaRPr>
             </a:p>
             <a:p>
               <a:pPr algn="ctr"/>
-              <a:endParaRPr lang="de-DE" sz="440" dirty="0">
+              <a:endParaRPr lang="de-DE" sz="440" noProof="0" dirty="0">
                 <a:latin typeface="Times New Roman" panose="02020603050405020304" pitchFamily="18" charset="0"/>
                 <a:cs typeface="Times New Roman" panose="02020603050405020304" pitchFamily="18" charset="0"/>
               </a:endParaRPr>
@@ -6029,7 +5664,7 @@
             <a:lstStyle/>
             <a:p>
               <a:r>
-                <a:rPr lang="de-DE" sz="4400" b="1" dirty="0">
+                <a:rPr lang="de-DE" sz="4400" b="1" noProof="0" dirty="0">
                   <a:solidFill>
                     <a:schemeClr val="tx1"/>
                   </a:solidFill>
@@ -6070,7 +5705,7 @@
             <a:lstStyle/>
             <a:p>
               <a:r>
-                <a:rPr lang="de-DE" sz="2800" dirty="0">
+                <a:rPr lang="de-DE" sz="2800" noProof="0" dirty="0">
                   <a:latin typeface="Aptos" panose="020B0004020202020204" pitchFamily="34" charset="0"/>
                   <a:cs typeface="Times New Roman" panose="02020603050405020304" pitchFamily="18" charset="0"/>
                 </a:rPr>
@@ -6078,14 +5713,14 @@
               </a:r>
             </a:p>
             <a:p>
-              <a:endParaRPr lang="de-DE" sz="2800" dirty="0">
+              <a:endParaRPr lang="de-DE" sz="2800" noProof="0" dirty="0">
                 <a:latin typeface="Aptos" panose="020B0004020202020204" pitchFamily="34" charset="0"/>
                 <a:cs typeface="Times New Roman" panose="02020603050405020304" pitchFamily="18" charset="0"/>
               </a:endParaRPr>
             </a:p>
             <a:p>
               <a:r>
-                <a:rPr lang="de-DE" sz="2800" dirty="0">
+                <a:rPr lang="de-DE" sz="2800" noProof="0" dirty="0">
                   <a:latin typeface="Aptos" panose="020B0004020202020204" pitchFamily="34" charset="0"/>
                   <a:cs typeface="Times New Roman" panose="02020603050405020304" pitchFamily="18" charset="0"/>
                 </a:rPr>
@@ -6093,14 +5728,14 @@
               </a:r>
             </a:p>
             <a:p>
-              <a:endParaRPr lang="de-DE" sz="2800" dirty="0">
+              <a:endParaRPr lang="de-DE" sz="2800" noProof="0" dirty="0">
                 <a:latin typeface="Aptos" panose="020B0004020202020204" pitchFamily="34" charset="0"/>
                 <a:cs typeface="Times New Roman" panose="02020603050405020304" pitchFamily="18" charset="0"/>
               </a:endParaRPr>
             </a:p>
             <a:p>
               <a:r>
-                <a:rPr lang="de-DE" sz="2800" dirty="0">
+                <a:rPr lang="de-DE" sz="2800" noProof="0" dirty="0">
                   <a:latin typeface="Aptos" panose="020B0004020202020204" pitchFamily="34" charset="0"/>
                   <a:cs typeface="Times New Roman" panose="02020603050405020304" pitchFamily="18" charset="0"/>
                 </a:rPr>
@@ -6108,14 +5743,14 @@
               </a:r>
             </a:p>
             <a:p>
-              <a:endParaRPr lang="de-DE" sz="2800" dirty="0">
+              <a:endParaRPr lang="de-DE" sz="2800" noProof="0" dirty="0">
                 <a:latin typeface="Aptos" panose="020B0004020202020204" pitchFamily="34" charset="0"/>
                 <a:cs typeface="Times New Roman" panose="02020603050405020304" pitchFamily="18" charset="0"/>
               </a:endParaRPr>
             </a:p>
             <a:p>
               <a:r>
-                <a:rPr lang="de-DE" sz="2800" dirty="0">
+                <a:rPr lang="de-DE" sz="2800" noProof="0" dirty="0">
                   <a:latin typeface="Aptos" panose="020B0004020202020204" pitchFamily="34" charset="0"/>
                   <a:cs typeface="Times New Roman" panose="02020603050405020304" pitchFamily="18" charset="0"/>
                 </a:rPr>
@@ -6139,8 +5774,8 @@
         </p:nvSpPr>
         <p:spPr>
           <a:xfrm>
-            <a:off x="10930798" y="20448135"/>
-            <a:ext cx="5150473" cy="2677656"/>
+            <a:off x="10944609" y="20947035"/>
+            <a:ext cx="5150473" cy="1938992"/>
           </a:xfrm>
           <a:prstGeom prst="rect">
             <a:avLst/>
@@ -6154,34 +5789,28 @@
           <a:lstStyle/>
           <a:p>
             <a:r>
-              <a:rPr lang="de-DE" sz="2400" b="1" dirty="0"/>
+              <a:rPr lang="de-DE" sz="2400" b="1" noProof="0" dirty="0"/>
               <a:t>📉 Artikellänge:</a:t>
             </a:r>
           </a:p>
           <a:p>
-            <a:endParaRPr lang="de-DE" sz="2400" b="1" dirty="0"/>
-          </a:p>
-          <a:p>
-            <a:r>
-              <a:rPr lang="de-DE" sz="2400" dirty="0"/>
+            <a:r>
+              <a:rPr lang="de-DE" sz="2400" noProof="0" dirty="0"/>
               <a:t>Guardian ca. 800 Wörter pro Artikel</a:t>
             </a:r>
           </a:p>
           <a:p>
             <a:r>
-              <a:rPr lang="de-DE" sz="2400" dirty="0"/>
+              <a:rPr lang="de-DE" sz="2400" noProof="0" dirty="0"/>
               <a:t>New York Times ca. 1100 Wörter pro Artikel</a:t>
             </a:r>
             <a:br>
-              <a:rPr lang="de-DE" sz="2400" dirty="0"/>
+              <a:rPr lang="de-DE" sz="2400" noProof="0" dirty="0"/>
             </a:br>
             <a:r>
-              <a:rPr lang="de-DE" sz="2400" dirty="0"/>
+              <a:rPr lang="de-DE" sz="2400" noProof="0" dirty="0"/>
               <a:t>keine signifikanten Veränderungen</a:t>
             </a:r>
-          </a:p>
-          <a:p>
-            <a:endParaRPr lang="de-DE" sz="2400" dirty="0"/>
           </a:p>
         </p:txBody>
       </p:sp>
@@ -6207,7 +5836,7 @@
               </a:ext>
             </a:extLst>
           </a:blip>
-          <a:srcRect l="5150" t="2584" r="2589" b="5158"/>
+          <a:srcRect/>
           <a:stretch/>
         </p:blipFill>
         <p:spPr bwMode="auto">
@@ -6238,8 +5867,8 @@
         </p:nvSpPr>
         <p:spPr>
           <a:xfrm>
-            <a:off x="161821" y="20087204"/>
-            <a:ext cx="4946591" cy="2677656"/>
+            <a:off x="161821" y="20935006"/>
+            <a:ext cx="4946591" cy="1569660"/>
           </a:xfrm>
           <a:prstGeom prst="rect">
             <a:avLst/>
@@ -6252,45 +5881,39 @@
           </a:bodyPr>
           <a:lstStyle/>
           <a:p>
-            <a:endParaRPr lang="de-DE" sz="2400" dirty="0"/>
-          </a:p>
-          <a:p>
-            <a:r>
-              <a:rPr lang="de-DE" sz="2400" b="1" dirty="0"/>
+            <a:r>
+              <a:rPr lang="de-DE" sz="2400" b="1" noProof="0" dirty="0"/>
               <a:t>⚖️ Subjektivität:</a:t>
             </a:r>
           </a:p>
           <a:p>
-            <a:endParaRPr lang="de-DE" sz="2400" dirty="0"/>
-          </a:p>
-          <a:p>
-            <a:r>
-              <a:rPr lang="de-DE" sz="2400" dirty="0"/>
+            <a:r>
+              <a:rPr lang="de-DE" sz="2400" noProof="0" dirty="0"/>
               <a:t>Opinion-Artikel </a:t>
             </a:r>
             <a:r>
-              <a:rPr lang="de-DE" sz="2400" dirty="0">
+              <a:rPr lang="de-DE" sz="2400" noProof="0" dirty="0">
                 <a:sym typeface="Wingdings" panose="05000000000000000000" pitchFamily="2" charset="2"/>
               </a:rPr>
               <a:t> subjektiv</a:t>
             </a:r>
             <a:br>
-              <a:rPr lang="de-DE" sz="2400" dirty="0">
+              <a:rPr lang="de-DE" sz="2400" noProof="0" dirty="0">
                 <a:sym typeface="Wingdings" panose="05000000000000000000" pitchFamily="2" charset="2"/>
               </a:rPr>
             </a:br>
             <a:r>
-              <a:rPr lang="de-DE" sz="2400" dirty="0">
+              <a:rPr lang="de-DE" sz="2400" noProof="0" dirty="0">
                 <a:sym typeface="Wingdings" panose="05000000000000000000" pitchFamily="2" charset="2"/>
               </a:rPr>
               <a:t>W</a:t>
             </a:r>
             <a:r>
-              <a:rPr lang="de-DE" sz="2400" dirty="0"/>
+              <a:rPr lang="de-DE" sz="2400" noProof="0" dirty="0"/>
               <a:t>orld-Artikel </a:t>
             </a:r>
             <a:r>
-              <a:rPr lang="de-DE" sz="2400" dirty="0">
+              <a:rPr lang="de-DE" sz="2400" noProof="0" dirty="0">
                 <a:sym typeface="Wingdings" panose="05000000000000000000" pitchFamily="2" charset="2"/>
               </a:rPr>
               <a:t> konstant objektiv</a:t>
@@ -6298,18 +5921,15 @@
           </a:p>
           <a:p>
             <a:r>
-              <a:rPr lang="de-DE" sz="2400" dirty="0"/>
+              <a:rPr lang="de-DE" sz="2400" noProof="0" dirty="0"/>
               <a:t>Politics-Artikel </a:t>
             </a:r>
             <a:r>
-              <a:rPr lang="de-DE" sz="2400" dirty="0">
+              <a:rPr lang="de-DE" sz="2400" noProof="0" dirty="0">
                 <a:sym typeface="Wingdings" panose="05000000000000000000" pitchFamily="2" charset="2"/>
               </a:rPr>
               <a:t> zunehmend objektiv</a:t>
             </a:r>
-          </a:p>
-          <a:p>
-            <a:endParaRPr lang="de-DE" sz="2400" dirty="0"/>
           </a:p>
         </p:txBody>
       </p:sp>
@@ -6327,13 +5947,15 @@
         </p:nvSpPr>
         <p:spPr>
           <a:xfrm>
-            <a:off x="16439418" y="20454845"/>
-            <a:ext cx="4608700" cy="2677656"/>
+            <a:off x="16436382" y="20943427"/>
+            <a:ext cx="4608700" cy="1938992"/>
           </a:xfrm>
           <a:prstGeom prst="rect">
             <a:avLst/>
           </a:prstGeom>
-          <a:noFill/>
+          <a:solidFill>
+            <a:schemeClr val="bg1"/>
+          </a:solidFill>
         </p:spPr>
         <p:txBody>
           <a:bodyPr wrap="square" rtlCol="0">
@@ -6342,33 +5964,28 @@
           <a:lstStyle/>
           <a:p>
             <a:r>
-              <a:rPr lang="de-DE" sz="2400" b="1" dirty="0"/>
+              <a:rPr lang="de-DE" sz="2400" b="1" noProof="0" dirty="0"/>
               <a:t>🔢Artikelanzahl:</a:t>
             </a:r>
-          </a:p>
-          <a:p>
-            <a:endParaRPr lang="de-DE" sz="2400" dirty="0"/>
-          </a:p>
-          <a:p>
-            <a:r>
-              <a:rPr lang="de-DE" sz="2400" dirty="0"/>
-              <a:t>Guardian-Artikelanzahl ist gesunken</a:t>
-            </a:r>
-          </a:p>
-          <a:p>
-            <a:r>
-              <a:rPr lang="de-DE" sz="2400" dirty="0"/>
+            <a:endParaRPr lang="de-DE" sz="2400" noProof="0" dirty="0"/>
+          </a:p>
+          <a:p>
+            <a:r>
+              <a:rPr lang="de-DE" sz="2400" noProof="0" dirty="0"/>
+              <a:t>Guardian-Artikelanzahl in „Opinion“ ist gesunken</a:t>
+            </a:r>
+          </a:p>
+          <a:p>
+            <a:r>
+              <a:rPr lang="de-DE" sz="2400" noProof="0" dirty="0"/>
               <a:t>New-York-Times-Artikelanzahl der</a:t>
             </a:r>
           </a:p>
           <a:p>
             <a:r>
-              <a:rPr lang="de-DE" sz="2400" dirty="0"/>
+              <a:rPr lang="de-DE" sz="2400" noProof="0" dirty="0"/>
               <a:t>Rubrik Politics gestiegen</a:t>
             </a:r>
-          </a:p>
-          <a:p>
-            <a:endParaRPr lang="de-DE" sz="2400" dirty="0"/>
           </a:p>
         </p:txBody>
       </p:sp>
@@ -6387,14 +6004,14 @@
           <p:nvPr/>
         </p:nvPicPr>
         <p:blipFill>
-          <a:blip r:embed="rId11">
+          <a:blip r:embed="rId12">
             <a:extLst>
               <a:ext uri="{28A0092B-C50C-407E-A947-70E740481C1C}">
                 <a14:useLocalDpi xmlns:a14="http://schemas.microsoft.com/office/drawing/2010/main" val="0"/>
               </a:ext>
             </a:extLst>
           </a:blip>
-          <a:srcRect l="5150" t="2584" r="2589" b="5158"/>
+          <a:srcRect/>
           <a:stretch/>
         </p:blipFill>
         <p:spPr bwMode="auto">
@@ -6426,14 +6043,14 @@
           <p:nvPr/>
         </p:nvPicPr>
         <p:blipFill>
-          <a:blip r:embed="rId11">
+          <a:blip r:embed="rId13">
             <a:extLst>
               <a:ext uri="{28A0092B-C50C-407E-A947-70E740481C1C}">
                 <a14:useLocalDpi xmlns:a14="http://schemas.microsoft.com/office/drawing/2010/main" val="0"/>
               </a:ext>
             </a:extLst>
           </a:blip>
-          <a:srcRect l="5150" t="2584" r="2589" b="5158"/>
+          <a:srcRect t="104" b="104"/>
           <a:stretch/>
         </p:blipFill>
         <p:spPr bwMode="auto">
@@ -6465,14 +6082,14 @@
           <p:nvPr/>
         </p:nvPicPr>
         <p:blipFill>
-          <a:blip r:embed="rId11">
+          <a:blip r:embed="rId14">
             <a:extLst>
               <a:ext uri="{28A0092B-C50C-407E-A947-70E740481C1C}">
                 <a14:useLocalDpi xmlns:a14="http://schemas.microsoft.com/office/drawing/2010/main" val="0"/>
               </a:ext>
             </a:extLst>
           </a:blip>
-          <a:srcRect l="5150" t="2584" r="2589" b="5158"/>
+          <a:srcRect/>
           <a:stretch/>
         </p:blipFill>
         <p:spPr bwMode="auto">
@@ -6503,8 +6120,8 @@
         </p:nvSpPr>
         <p:spPr>
           <a:xfrm>
-            <a:off x="5609239" y="20538698"/>
-            <a:ext cx="4548554" cy="2246769"/>
+            <a:off x="5609239" y="20947035"/>
+            <a:ext cx="4548554" cy="1938992"/>
           </a:xfrm>
           <a:prstGeom prst="rect">
             <a:avLst/>
@@ -6518,24 +6135,608 @@
           <a:lstStyle/>
           <a:p>
             <a:r>
-              <a:rPr lang="en-GB" sz="2400" b="1" dirty="0"/>
+              <a:rPr lang="de-DE" sz="2400" b="1" noProof="0" dirty="0"/>
               <a:t>📊Polarisation:</a:t>
             </a:r>
           </a:p>
           <a:p>
-            <a:endParaRPr lang="de-DE" sz="2400" b="1" dirty="0"/>
-          </a:p>
-          <a:p>
+            <a:pPr marL="342900" indent="-342900">
+              <a:buFontTx/>
+              <a:buChar char="-"/>
+            </a:pPr>
+            <a:r>
+              <a:rPr lang="de-DE" sz="2400" noProof="0" dirty="0"/>
+              <a:t>konstanter Durchschnittswert (0,1)</a:t>
+            </a:r>
+          </a:p>
+          <a:p>
+            <a:pPr marL="342900" indent="-342900">
+              <a:buFontTx/>
+              <a:buChar char="-"/>
+            </a:pPr>
+            <a:r>
+              <a:rPr lang="de-DE" sz="2400" noProof="0" dirty="0"/>
+              <a:t>keine negative oder positive Tendenz</a:t>
+            </a:r>
+          </a:p>
+        </p:txBody>
+      </p:sp>
+      <p:pic>
+        <p:nvPicPr>
+          <p:cNvPr id="1026" name="Picture 2" descr="5.000+ kostenlose Pfeil und Richtung-Bilder - Pixabay">
+            <a:extLst>
+              <a:ext uri="{FF2B5EF4-FFF2-40B4-BE49-F238E27FC236}">
+                <a16:creationId xmlns:a16="http://schemas.microsoft.com/office/drawing/2014/main" id="{B42A6092-01F2-AFF6-A1DB-0767608A3563}"/>
+              </a:ext>
+            </a:extLst>
+          </p:cNvPr>
+          <p:cNvPicPr>
+            <a:picLocks noChangeAspect="1" noChangeArrowheads="1"/>
+          </p:cNvPicPr>
+          <p:nvPr/>
+        </p:nvPicPr>
+        <p:blipFill>
+          <a:blip r:embed="rId15" cstate="print">
+            <a:extLst>
+              <a:ext uri="{28A0092B-C50C-407E-A947-70E740481C1C}">
+                <a14:useLocalDpi xmlns:a14="http://schemas.microsoft.com/office/drawing/2010/main" val="0"/>
+              </a:ext>
+            </a:extLst>
+          </a:blip>
+          <a:srcRect/>
+          <a:stretch>
+            <a:fillRect/>
+          </a:stretch>
+        </p:blipFill>
+        <p:spPr bwMode="auto">
+          <a:xfrm>
+            <a:off x="2155285" y="22771079"/>
+            <a:ext cx="568434" cy="699288"/>
+          </a:xfrm>
+          <a:prstGeom prst="rect">
+            <a:avLst/>
+          </a:prstGeom>
+          <a:noFill/>
+          <a:extLst>
+            <a:ext uri="{909E8E84-426E-40DD-AFC4-6F175D3DCCD1}">
+              <a14:hiddenFill xmlns:a14="http://schemas.microsoft.com/office/drawing/2010/main">
+                <a:solidFill>
+                  <a:srgbClr val="FFFFFF"/>
+                </a:solidFill>
+              </a14:hiddenFill>
+            </a:ext>
+          </a:extLst>
+        </p:spPr>
+      </p:pic>
+      <p:sp>
+        <p:nvSpPr>
+          <p:cNvPr id="58" name="TextBox 57">
+            <a:extLst>
+              <a:ext uri="{FF2B5EF4-FFF2-40B4-BE49-F238E27FC236}">
+                <a16:creationId xmlns:a16="http://schemas.microsoft.com/office/drawing/2014/main" id="{13CE5BFC-5761-4F06-AE99-9711461B33DD}"/>
+              </a:ext>
+            </a:extLst>
+          </p:cNvPr>
+          <p:cNvSpPr txBox="1"/>
+          <p:nvPr/>
+        </p:nvSpPr>
+        <p:spPr>
+          <a:xfrm>
+            <a:off x="11003887" y="23737577"/>
+            <a:ext cx="4666447" cy="1538883"/>
+          </a:xfrm>
+          <a:prstGeom prst="rect">
+            <a:avLst/>
+          </a:prstGeom>
+          <a:noFill/>
+        </p:spPr>
+        <p:txBody>
+          <a:bodyPr wrap="square" rtlCol="0">
+            <a:spAutoFit/>
+          </a:bodyPr>
+          <a:lstStyle/>
+          <a:p>
+            <a:r>
+              <a:rPr lang="de-DE" sz="2300" dirty="0">
+                <a:latin typeface="Aptos" panose="020B0004020202020204" pitchFamily="34" charset="0"/>
+                <a:cs typeface="Times New Roman" panose="02020603050405020304" pitchFamily="18" charset="0"/>
+              </a:rPr>
+              <a:t>Kein </a:t>
+            </a:r>
+            <a:r>
+              <a:rPr lang="de-DE" sz="2300" noProof="0" dirty="0">
+                <a:latin typeface="Aptos" panose="020B0004020202020204" pitchFamily="34" charset="0"/>
+                <a:cs typeface="Times New Roman" panose="02020603050405020304" pitchFamily="18" charset="0"/>
+              </a:rPr>
+              <a:t>Trend zu kürzeren Texten erkennbar („</a:t>
+            </a:r>
             <a:r>
               <a:rPr lang="de-DE" sz="2400" dirty="0"/>
-              <a:t>konstanter Durchschnittswert von 0,1 keine negative oder positive Tendenz erkennbar</a:t>
-            </a:r>
-          </a:p>
-          <a:p>
-            <a:endParaRPr lang="de-DE" sz="2000" dirty="0"/>
-          </a:p>
-        </p:txBody>
-      </p:sp>
+              <a:t>Short-Form-Content“, Soziale Medien</a:t>
+            </a:r>
+            <a:r>
+              <a:rPr lang="de-DE" sz="2300" noProof="0" dirty="0">
+                <a:latin typeface="Aptos" panose="020B0004020202020204" pitchFamily="34" charset="0"/>
+                <a:cs typeface="Times New Roman" panose="02020603050405020304" pitchFamily="18" charset="0"/>
+              </a:rPr>
+              <a:t>)</a:t>
+            </a:r>
+          </a:p>
+          <a:p>
+            <a:endParaRPr lang="de-DE" sz="2300" dirty="0"/>
+          </a:p>
+        </p:txBody>
+      </p:sp>
+      <p:sp>
+        <p:nvSpPr>
+          <p:cNvPr id="59" name="TextBox 58">
+            <a:extLst>
+              <a:ext uri="{FF2B5EF4-FFF2-40B4-BE49-F238E27FC236}">
+                <a16:creationId xmlns:a16="http://schemas.microsoft.com/office/drawing/2014/main" id="{BA2703F4-CC8A-8C19-E2BE-DA26DB0A76F7}"/>
+              </a:ext>
+            </a:extLst>
+          </p:cNvPr>
+          <p:cNvSpPr txBox="1"/>
+          <p:nvPr/>
+        </p:nvSpPr>
+        <p:spPr>
+          <a:xfrm>
+            <a:off x="254388" y="23437636"/>
+            <a:ext cx="5348720" cy="1200329"/>
+          </a:xfrm>
+          <a:prstGeom prst="rect">
+            <a:avLst/>
+          </a:prstGeom>
+          <a:noFill/>
+        </p:spPr>
+        <p:txBody>
+          <a:bodyPr wrap="square" rtlCol="0">
+            <a:spAutoFit/>
+          </a:bodyPr>
+          <a:lstStyle/>
+          <a:p>
+            <a:pPr marL="342900" indent="-342900">
+              <a:buFontTx/>
+              <a:buChar char="-"/>
+            </a:pPr>
+            <a:r>
+              <a:rPr lang="de-DE" sz="2400" dirty="0"/>
+              <a:t>Opinion-Artikel erwartungsgemäß hohe Subjektivität</a:t>
+            </a:r>
+          </a:p>
+          <a:p>
+            <a:pPr marL="342900" indent="-342900">
+              <a:buFontTx/>
+              <a:buChar char="-"/>
+            </a:pPr>
+            <a:r>
+              <a:rPr lang="de-DE" sz="2400" dirty="0"/>
+              <a:t>World-Artikel eher Objektiv</a:t>
+            </a:r>
+          </a:p>
+        </p:txBody>
+      </p:sp>
+      <p:sp>
+        <p:nvSpPr>
+          <p:cNvPr id="60" name="TextBox 59">
+            <a:extLst>
+              <a:ext uri="{FF2B5EF4-FFF2-40B4-BE49-F238E27FC236}">
+                <a16:creationId xmlns:a16="http://schemas.microsoft.com/office/drawing/2014/main" id="{C64B362D-BA87-C632-E961-3C043566CE63}"/>
+              </a:ext>
+            </a:extLst>
+          </p:cNvPr>
+          <p:cNvSpPr txBox="1"/>
+          <p:nvPr/>
+        </p:nvSpPr>
+        <p:spPr>
+          <a:xfrm>
+            <a:off x="16439418" y="23781029"/>
+            <a:ext cx="4608700" cy="1154162"/>
+          </a:xfrm>
+          <a:prstGeom prst="rect">
+            <a:avLst/>
+          </a:prstGeom>
+          <a:noFill/>
+        </p:spPr>
+        <p:txBody>
+          <a:bodyPr wrap="square" rtlCol="0">
+            <a:spAutoFit/>
+          </a:bodyPr>
+          <a:lstStyle/>
+          <a:p>
+            <a:r>
+              <a:rPr lang="de-DE" sz="2300" noProof="0" dirty="0">
+                <a:solidFill>
+                  <a:srgbClr val="FF0000"/>
+                </a:solidFill>
+                <a:latin typeface="Aptos" panose="020B0004020202020204" pitchFamily="34" charset="0"/>
+                <a:cs typeface="Times New Roman" panose="02020603050405020304" pitchFamily="18" charset="0"/>
+              </a:rPr>
+              <a:t>Mögliche Gründe: geänderte redaktionelle Schwerpunkte oder eine veränderte Nachrichtenlage.</a:t>
+            </a:r>
+          </a:p>
+        </p:txBody>
+      </p:sp>
+      <p:sp>
+        <p:nvSpPr>
+          <p:cNvPr id="61" name="TextBox 60">
+            <a:extLst>
+              <a:ext uri="{FF2B5EF4-FFF2-40B4-BE49-F238E27FC236}">
+                <a16:creationId xmlns:a16="http://schemas.microsoft.com/office/drawing/2014/main" id="{EB0DBFDB-6782-2DB6-B112-2720DEDC4AC1}"/>
+              </a:ext>
+            </a:extLst>
+          </p:cNvPr>
+          <p:cNvSpPr txBox="1"/>
+          <p:nvPr/>
+        </p:nvSpPr>
+        <p:spPr>
+          <a:xfrm>
+            <a:off x="5684982" y="23530219"/>
+            <a:ext cx="4780058" cy="1862048"/>
+          </a:xfrm>
+          <a:prstGeom prst="rect">
+            <a:avLst/>
+          </a:prstGeom>
+          <a:noFill/>
+        </p:spPr>
+        <p:txBody>
+          <a:bodyPr wrap="square" rtlCol="0">
+            <a:spAutoFit/>
+          </a:bodyPr>
+          <a:lstStyle/>
+          <a:p>
+            <a:pPr marL="285750" indent="-285750">
+              <a:buFontTx/>
+              <a:buChar char="-"/>
+            </a:pPr>
+            <a:r>
+              <a:rPr lang="de-DE" sz="2300" dirty="0"/>
+              <a:t>Sehr ähnliche Entwicklung beider Zeitungen</a:t>
+            </a:r>
+          </a:p>
+          <a:p>
+            <a:pPr marL="285750" indent="-285750">
+              <a:buFontTx/>
+              <a:buChar char="-"/>
+            </a:pPr>
+            <a:r>
+              <a:rPr lang="de-DE" sz="2300" dirty="0">
+                <a:sym typeface="Wingdings" panose="05000000000000000000" pitchFamily="2" charset="2"/>
+              </a:rPr>
+              <a:t> </a:t>
+            </a:r>
+            <a:r>
+              <a:rPr lang="de-DE" sz="2300" dirty="0"/>
+              <a:t>Vergleichbare standards</a:t>
+            </a:r>
+          </a:p>
+          <a:p>
+            <a:pPr marL="285750" indent="-285750">
+              <a:buFontTx/>
+              <a:buChar char="-"/>
+            </a:pPr>
+            <a:r>
+              <a:rPr lang="de-DE" sz="2300" dirty="0"/>
+              <a:t>Etablierte Medien nutzen </a:t>
+            </a:r>
+            <a:r>
+              <a:rPr lang="de-DE" sz="2300" dirty="0">
+                <a:solidFill>
+                  <a:srgbClr val="FF0000"/>
+                </a:solidFill>
+              </a:rPr>
+              <a:t>Normalisierte </a:t>
+            </a:r>
+            <a:r>
+              <a:rPr lang="de-DE" sz="2300" dirty="0"/>
+              <a:t>Sprache</a:t>
+            </a:r>
+          </a:p>
+        </p:txBody>
+      </p:sp>
+      <p:sp>
+        <p:nvSpPr>
+          <p:cNvPr id="62" name="TextBox 61">
+            <a:extLst>
+              <a:ext uri="{FF2B5EF4-FFF2-40B4-BE49-F238E27FC236}">
+                <a16:creationId xmlns:a16="http://schemas.microsoft.com/office/drawing/2014/main" id="{49803314-A7A2-51D5-1E0F-EC81FD587D41}"/>
+              </a:ext>
+            </a:extLst>
+          </p:cNvPr>
+          <p:cNvSpPr txBox="1"/>
+          <p:nvPr/>
+        </p:nvSpPr>
+        <p:spPr>
+          <a:xfrm>
+            <a:off x="16323240" y="20207898"/>
+            <a:ext cx="4933931" cy="353943"/>
+          </a:xfrm>
+          <a:prstGeom prst="rect">
+            <a:avLst/>
+          </a:prstGeom>
+          <a:noFill/>
+        </p:spPr>
+        <p:txBody>
+          <a:bodyPr wrap="square" rtlCol="0">
+            <a:spAutoFit/>
+          </a:bodyPr>
+          <a:lstStyle/>
+          <a:p>
+            <a:r>
+              <a:rPr lang="de-DE" sz="1700" b="1" dirty="0"/>
+              <a:t>Artikelanzahl</a:t>
+            </a:r>
+            <a:r>
+              <a:rPr lang="de-DE" sz="1700" dirty="0"/>
+              <a:t> der Rubrik Opinion von „The Guardian“</a:t>
+            </a:r>
+          </a:p>
+        </p:txBody>
+      </p:sp>
+      <p:sp>
+        <p:nvSpPr>
+          <p:cNvPr id="63" name="TextBox 62">
+            <a:extLst>
+              <a:ext uri="{FF2B5EF4-FFF2-40B4-BE49-F238E27FC236}">
+                <a16:creationId xmlns:a16="http://schemas.microsoft.com/office/drawing/2014/main" id="{87558C28-63DD-FF80-8F3A-1076F39AE631}"/>
+              </a:ext>
+            </a:extLst>
+          </p:cNvPr>
+          <p:cNvSpPr txBox="1"/>
+          <p:nvPr/>
+        </p:nvSpPr>
+        <p:spPr>
+          <a:xfrm>
+            <a:off x="273139" y="20196480"/>
+            <a:ext cx="4933931" cy="615553"/>
+          </a:xfrm>
+          <a:prstGeom prst="rect">
+            <a:avLst/>
+          </a:prstGeom>
+          <a:noFill/>
+        </p:spPr>
+        <p:txBody>
+          <a:bodyPr wrap="square" rtlCol="0">
+            <a:spAutoFit/>
+          </a:bodyPr>
+          <a:lstStyle/>
+          <a:p>
+            <a:r>
+              <a:rPr lang="de-DE" sz="1700" b="1" dirty="0"/>
+              <a:t>Subjektivität</a:t>
+            </a:r>
+            <a:r>
+              <a:rPr lang="de-DE" sz="1700" dirty="0"/>
+              <a:t> von „The Guardian“ ähnlich „The New York Times“</a:t>
+            </a:r>
+          </a:p>
+        </p:txBody>
+      </p:sp>
+      <p:sp>
+        <p:nvSpPr>
+          <p:cNvPr id="64" name="TextBox 63">
+            <a:extLst>
+              <a:ext uri="{FF2B5EF4-FFF2-40B4-BE49-F238E27FC236}">
+                <a16:creationId xmlns:a16="http://schemas.microsoft.com/office/drawing/2014/main" id="{17545517-E3E3-ECBE-AC9D-B9A6B7AF5499}"/>
+              </a:ext>
+            </a:extLst>
+          </p:cNvPr>
+          <p:cNvSpPr txBox="1"/>
+          <p:nvPr/>
+        </p:nvSpPr>
+        <p:spPr>
+          <a:xfrm>
+            <a:off x="5654001" y="20141336"/>
+            <a:ext cx="4933931" cy="615553"/>
+          </a:xfrm>
+          <a:prstGeom prst="rect">
+            <a:avLst/>
+          </a:prstGeom>
+          <a:noFill/>
+        </p:spPr>
+        <p:txBody>
+          <a:bodyPr wrap="square" rtlCol="0">
+            <a:spAutoFit/>
+          </a:bodyPr>
+          <a:lstStyle/>
+          <a:p>
+            <a:r>
+              <a:rPr lang="de-DE" sz="1700" b="1" dirty="0"/>
+              <a:t>Polarisation</a:t>
+            </a:r>
+            <a:r>
+              <a:rPr lang="de-DE" sz="1700" dirty="0"/>
+              <a:t> von „The Guardian“ sehr ähnlich der </a:t>
+            </a:r>
+          </a:p>
+          <a:p>
+            <a:r>
+              <a:rPr lang="de-DE" sz="1700" dirty="0"/>
+              <a:t>„New York Times“</a:t>
+            </a:r>
+          </a:p>
+        </p:txBody>
+      </p:sp>
+      <p:sp>
+        <p:nvSpPr>
+          <p:cNvPr id="65" name="TextBox 64">
+            <a:extLst>
+              <a:ext uri="{FF2B5EF4-FFF2-40B4-BE49-F238E27FC236}">
+                <a16:creationId xmlns:a16="http://schemas.microsoft.com/office/drawing/2014/main" id="{014C66EC-2520-D771-A188-0E840F529826}"/>
+              </a:ext>
+            </a:extLst>
+          </p:cNvPr>
+          <p:cNvSpPr txBox="1"/>
+          <p:nvPr/>
+        </p:nvSpPr>
+        <p:spPr>
+          <a:xfrm>
+            <a:off x="11030675" y="20185782"/>
+            <a:ext cx="4933931" cy="615553"/>
+          </a:xfrm>
+          <a:prstGeom prst="rect">
+            <a:avLst/>
+          </a:prstGeom>
+          <a:noFill/>
+        </p:spPr>
+        <p:txBody>
+          <a:bodyPr wrap="square" rtlCol="0">
+            <a:spAutoFit/>
+          </a:bodyPr>
+          <a:lstStyle/>
+          <a:p>
+            <a:r>
+              <a:rPr lang="de-DE" sz="1700" b="1" dirty="0"/>
+              <a:t>Wörteranzahl</a:t>
+            </a:r>
+            <a:r>
+              <a:rPr lang="de-DE" sz="1700" dirty="0"/>
+              <a:t> der Zeitung „The Guardian“, alle Rubriken vereint</a:t>
+            </a:r>
+          </a:p>
+        </p:txBody>
+      </p:sp>
+      <p:pic>
+        <p:nvPicPr>
+          <p:cNvPr id="66" name="Picture 2" descr="5.000+ kostenlose Pfeil und Richtung-Bilder - Pixabay">
+            <a:extLst>
+              <a:ext uri="{FF2B5EF4-FFF2-40B4-BE49-F238E27FC236}">
+                <a16:creationId xmlns:a16="http://schemas.microsoft.com/office/drawing/2014/main" id="{46570FBD-2EC2-ABC1-472D-E8FB0496C66F}"/>
+              </a:ext>
+            </a:extLst>
+          </p:cNvPr>
+          <p:cNvPicPr>
+            <a:picLocks noChangeAspect="1" noChangeArrowheads="1"/>
+          </p:cNvPicPr>
+          <p:nvPr/>
+        </p:nvPicPr>
+        <p:blipFill>
+          <a:blip r:embed="rId15" cstate="print">
+            <a:extLst>
+              <a:ext uri="{28A0092B-C50C-407E-A947-70E740481C1C}">
+                <a14:useLocalDpi xmlns:a14="http://schemas.microsoft.com/office/drawing/2010/main" val="0"/>
+              </a:ext>
+            </a:extLst>
+          </a:blip>
+          <a:srcRect/>
+          <a:stretch>
+            <a:fillRect/>
+          </a:stretch>
+        </p:blipFill>
+        <p:spPr bwMode="auto">
+          <a:xfrm>
+            <a:off x="7580017" y="22735876"/>
+            <a:ext cx="568434" cy="699288"/>
+          </a:xfrm>
+          <a:prstGeom prst="rect">
+            <a:avLst/>
+          </a:prstGeom>
+          <a:noFill/>
+          <a:extLst>
+            <a:ext uri="{909E8E84-426E-40DD-AFC4-6F175D3DCCD1}">
+              <a14:hiddenFill xmlns:a14="http://schemas.microsoft.com/office/drawing/2010/main">
+                <a:solidFill>
+                  <a:srgbClr val="FFFFFF"/>
+                </a:solidFill>
+              </a14:hiddenFill>
+            </a:ext>
+          </a:extLst>
+        </p:spPr>
+      </p:pic>
+      <p:pic>
+        <p:nvPicPr>
+          <p:cNvPr id="67" name="Picture 2" descr="5.000+ kostenlose Pfeil und Richtung-Bilder - Pixabay">
+            <a:extLst>
+              <a:ext uri="{FF2B5EF4-FFF2-40B4-BE49-F238E27FC236}">
+                <a16:creationId xmlns:a16="http://schemas.microsoft.com/office/drawing/2014/main" id="{F9F85AEA-47EA-BFEC-82E6-681B3F784D4E}"/>
+              </a:ext>
+            </a:extLst>
+          </p:cNvPr>
+          <p:cNvPicPr>
+            <a:picLocks noChangeAspect="1" noChangeArrowheads="1"/>
+          </p:cNvPicPr>
+          <p:nvPr/>
+        </p:nvPicPr>
+        <p:blipFill>
+          <a:blip r:embed="rId15" cstate="print">
+            <a:extLst>
+              <a:ext uri="{28A0092B-C50C-407E-A947-70E740481C1C}">
+                <a14:useLocalDpi xmlns:a14="http://schemas.microsoft.com/office/drawing/2010/main" val="0"/>
+              </a:ext>
+            </a:extLst>
+          </a:blip>
+          <a:srcRect/>
+          <a:stretch>
+            <a:fillRect/>
+          </a:stretch>
+        </p:blipFill>
+        <p:spPr bwMode="auto">
+          <a:xfrm>
+            <a:off x="12951411" y="22944876"/>
+            <a:ext cx="568434" cy="699288"/>
+          </a:xfrm>
+          <a:prstGeom prst="rect">
+            <a:avLst/>
+          </a:prstGeom>
+          <a:noFill/>
+          <a:extLst>
+            <a:ext uri="{909E8E84-426E-40DD-AFC4-6F175D3DCCD1}">
+              <a14:hiddenFill xmlns:a14="http://schemas.microsoft.com/office/drawing/2010/main">
+                <a:solidFill>
+                  <a:srgbClr val="FFFFFF"/>
+                </a:solidFill>
+              </a14:hiddenFill>
+            </a:ext>
+          </a:extLst>
+        </p:spPr>
+      </p:pic>
+      <p:pic>
+        <p:nvPicPr>
+          <p:cNvPr id="69" name="Picture 2" descr="5.000+ kostenlose Pfeil und Richtung-Bilder - Pixabay">
+            <a:extLst>
+              <a:ext uri="{FF2B5EF4-FFF2-40B4-BE49-F238E27FC236}">
+                <a16:creationId xmlns:a16="http://schemas.microsoft.com/office/drawing/2014/main" id="{6524755C-5BA0-7BF8-A33D-3EEC7BD0D5F9}"/>
+              </a:ext>
+            </a:extLst>
+          </p:cNvPr>
+          <p:cNvPicPr>
+            <a:picLocks noChangeAspect="1" noChangeArrowheads="1"/>
+          </p:cNvPicPr>
+          <p:nvPr/>
+        </p:nvPicPr>
+        <p:blipFill>
+          <a:blip r:embed="rId15" cstate="print">
+            <a:extLst>
+              <a:ext uri="{28A0092B-C50C-407E-A947-70E740481C1C}">
+                <a14:useLocalDpi xmlns:a14="http://schemas.microsoft.com/office/drawing/2010/main" val="0"/>
+              </a:ext>
+            </a:extLst>
+          </a:blip>
+          <a:srcRect/>
+          <a:stretch>
+            <a:fillRect/>
+          </a:stretch>
+        </p:blipFill>
+        <p:spPr bwMode="auto">
+          <a:xfrm>
+            <a:off x="18097532" y="22969250"/>
+            <a:ext cx="568434" cy="699288"/>
+          </a:xfrm>
+          <a:prstGeom prst="rect">
+            <a:avLst/>
+          </a:prstGeom>
+          <a:noFill/>
+          <a:extLst>
+            <a:ext uri="{909E8E84-426E-40DD-AFC4-6F175D3DCCD1}">
+              <a14:hiddenFill xmlns:a14="http://schemas.microsoft.com/office/drawing/2010/main">
+                <a:solidFill>
+                  <a:srgbClr val="FFFFFF"/>
+                </a:solidFill>
+              </a14:hiddenFill>
+            </a:ext>
+          </a:extLst>
+        </p:spPr>
+      </p:pic>
     </p:spTree>
     <p:extLst>
       <p:ext uri="{BB962C8B-B14F-4D97-AF65-F5344CB8AC3E}">

--- a/Presentations/Deckblatt/Poster.pptx
+++ b/Presentations/Deckblatt/Poster.pptx
@@ -214,7 +214,7 @@
           <a:p>
             <a:fld id="{F5F779A3-EDDA-431B-AF07-CD568712874D}" type="datetimeFigureOut">
               <a:rPr lang="de-DE" smtClean="0"/>
-              <a:t>13.02.2025</a:t>
+              <a:t>14.02.2025</a:t>
             </a:fld>
             <a:endParaRPr lang="de-DE"/>
           </a:p>
@@ -697,7 +697,7 @@
           <a:p>
             <a:fld id="{DCC59FF0-020B-4F2F-9C83-EF26E34AF9B2}" type="datetimeFigureOut">
               <a:rPr lang="de-DE" smtClean="0"/>
-              <a:t>13.02.2025</a:t>
+              <a:t>14.02.2025</a:t>
             </a:fld>
             <a:endParaRPr lang="de-DE"/>
           </a:p>
@@ -867,7 +867,7 @@
           <a:p>
             <a:fld id="{DCC59FF0-020B-4F2F-9C83-EF26E34AF9B2}" type="datetimeFigureOut">
               <a:rPr lang="de-DE" smtClean="0"/>
-              <a:t>13.02.2025</a:t>
+              <a:t>14.02.2025</a:t>
             </a:fld>
             <a:endParaRPr lang="de-DE"/>
           </a:p>
@@ -1047,7 +1047,7 @@
           <a:p>
             <a:fld id="{DCC59FF0-020B-4F2F-9C83-EF26E34AF9B2}" type="datetimeFigureOut">
               <a:rPr lang="de-DE" smtClean="0"/>
-              <a:t>13.02.2025</a:t>
+              <a:t>14.02.2025</a:t>
             </a:fld>
             <a:endParaRPr lang="de-DE"/>
           </a:p>
@@ -1217,7 +1217,7 @@
           <a:p>
             <a:fld id="{DCC59FF0-020B-4F2F-9C83-EF26E34AF9B2}" type="datetimeFigureOut">
               <a:rPr lang="de-DE" smtClean="0"/>
-              <a:t>13.02.2025</a:t>
+              <a:t>14.02.2025</a:t>
             </a:fld>
             <a:endParaRPr lang="de-DE"/>
           </a:p>
@@ -1461,7 +1461,7 @@
           <a:p>
             <a:fld id="{DCC59FF0-020B-4F2F-9C83-EF26E34AF9B2}" type="datetimeFigureOut">
               <a:rPr lang="de-DE" smtClean="0"/>
-              <a:t>13.02.2025</a:t>
+              <a:t>14.02.2025</a:t>
             </a:fld>
             <a:endParaRPr lang="de-DE"/>
           </a:p>
@@ -1693,7 +1693,7 @@
           <a:p>
             <a:fld id="{DCC59FF0-020B-4F2F-9C83-EF26E34AF9B2}" type="datetimeFigureOut">
               <a:rPr lang="de-DE" smtClean="0"/>
-              <a:t>13.02.2025</a:t>
+              <a:t>14.02.2025</a:t>
             </a:fld>
             <a:endParaRPr lang="de-DE"/>
           </a:p>
@@ -2060,7 +2060,7 @@
           <a:p>
             <a:fld id="{DCC59FF0-020B-4F2F-9C83-EF26E34AF9B2}" type="datetimeFigureOut">
               <a:rPr lang="de-DE" smtClean="0"/>
-              <a:t>13.02.2025</a:t>
+              <a:t>14.02.2025</a:t>
             </a:fld>
             <a:endParaRPr lang="de-DE"/>
           </a:p>
@@ -2178,7 +2178,7 @@
           <a:p>
             <a:fld id="{DCC59FF0-020B-4F2F-9C83-EF26E34AF9B2}" type="datetimeFigureOut">
               <a:rPr lang="de-DE" smtClean="0"/>
-              <a:t>13.02.2025</a:t>
+              <a:t>14.02.2025</a:t>
             </a:fld>
             <a:endParaRPr lang="de-DE"/>
           </a:p>
@@ -2273,7 +2273,7 @@
           <a:p>
             <a:fld id="{DCC59FF0-020B-4F2F-9C83-EF26E34AF9B2}" type="datetimeFigureOut">
               <a:rPr lang="de-DE" smtClean="0"/>
-              <a:t>13.02.2025</a:t>
+              <a:t>14.02.2025</a:t>
             </a:fld>
             <a:endParaRPr lang="de-DE"/>
           </a:p>
@@ -2550,7 +2550,7 @@
           <a:p>
             <a:fld id="{DCC59FF0-020B-4F2F-9C83-EF26E34AF9B2}" type="datetimeFigureOut">
               <a:rPr lang="de-DE" smtClean="0"/>
-              <a:t>13.02.2025</a:t>
+              <a:t>14.02.2025</a:t>
             </a:fld>
             <a:endParaRPr lang="de-DE"/>
           </a:p>
@@ -2807,7 +2807,7 @@
           <a:p>
             <a:fld id="{DCC59FF0-020B-4F2F-9C83-EF26E34AF9B2}" type="datetimeFigureOut">
               <a:rPr lang="de-DE" smtClean="0"/>
-              <a:t>13.02.2025</a:t>
+              <a:t>14.02.2025</a:t>
             </a:fld>
             <a:endParaRPr lang="de-DE"/>
           </a:p>
@@ -3020,7 +3020,7 @@
           <a:p>
             <a:fld id="{DCC59FF0-020B-4F2F-9C83-EF26E34AF9B2}" type="datetimeFigureOut">
               <a:rPr lang="de-DE" smtClean="0"/>
-              <a:t>13.02.2025</a:t>
+              <a:t>14.02.2025</a:t>
             </a:fld>
             <a:endParaRPr lang="de-DE"/>
           </a:p>
@@ -3439,8 +3439,8 @@
         </p:nvSpPr>
         <p:spPr>
           <a:xfrm>
-            <a:off x="57122" y="5240342"/>
-            <a:ext cx="21429235" cy="25034871"/>
+            <a:off x="-14860" y="5442005"/>
+            <a:ext cx="21398486" cy="24833208"/>
           </a:xfrm>
           <a:prstGeom prst="rect">
             <a:avLst/>
@@ -3743,8 +3743,8 @@
         </p:nvSpPr>
         <p:spPr>
           <a:xfrm>
-            <a:off x="57125" y="49369"/>
-            <a:ext cx="21360598" cy="2375803"/>
+            <a:off x="-14861" y="1"/>
+            <a:ext cx="21432584" cy="2425172"/>
           </a:xfrm>
           <a:prstGeom prst="rect">
             <a:avLst/>
@@ -3804,8 +3804,8 @@
         </p:nvSpPr>
         <p:spPr>
           <a:xfrm>
-            <a:off x="57125" y="1735927"/>
-            <a:ext cx="21360598" cy="3367912"/>
+            <a:off x="-14860" y="1899588"/>
+            <a:ext cx="21432580" cy="3542417"/>
           </a:xfrm>
           <a:prstGeom prst="rect">
             <a:avLst/>
@@ -3859,8 +3859,8 @@
         </p:nvSpPr>
         <p:spPr>
           <a:xfrm>
-            <a:off x="57124" y="1721844"/>
-            <a:ext cx="21360600" cy="266288"/>
+            <a:off x="-14863" y="1721844"/>
+            <a:ext cx="21432587" cy="346170"/>
           </a:xfrm>
           <a:prstGeom prst="rect">
             <a:avLst/>
@@ -3914,8 +3914,8 @@
         </p:nvSpPr>
         <p:spPr>
           <a:xfrm>
-            <a:off x="19219" y="2013175"/>
-            <a:ext cx="21360601" cy="1446550"/>
+            <a:off x="1102175" y="2013175"/>
+            <a:ext cx="14296174" cy="1446550"/>
           </a:xfrm>
           <a:prstGeom prst="rect">
             <a:avLst/>
@@ -3957,8 +3957,8 @@
         </p:nvSpPr>
         <p:spPr>
           <a:xfrm>
-            <a:off x="631166" y="4229132"/>
-            <a:ext cx="20136708" cy="1015663"/>
+            <a:off x="1102175" y="4229132"/>
+            <a:ext cx="13477050" cy="1015663"/>
           </a:xfrm>
           <a:prstGeom prst="rect">
             <a:avLst/>
@@ -4002,8 +4002,8 @@
         </p:nvSpPr>
         <p:spPr>
           <a:xfrm>
-            <a:off x="-14862" y="29380671"/>
-            <a:ext cx="21656020" cy="894542"/>
+            <a:off x="-14861" y="29380671"/>
+            <a:ext cx="21573201" cy="894542"/>
           </a:xfrm>
           <a:prstGeom prst="rect">
             <a:avLst/>
@@ -4164,7 +4164,7 @@
                 <a:latin typeface="Aptos" panose="020B0004020202020204" pitchFamily="34" charset="0"/>
                 <a:cs typeface="Times New Roman" panose="02020603050405020304" pitchFamily="18" charset="0"/>
               </a:rPr>
-              <a:t> Ergebnisse 🏆</a:t>
+              <a:t> Ergebnisse 🏆 (ausgewählte Beispiele)</a:t>
             </a:r>
           </a:p>
         </p:txBody>
@@ -4185,8 +4185,8 @@
         </p:nvSpPr>
         <p:spPr>
           <a:xfrm>
-            <a:off x="220406" y="26153344"/>
-            <a:ext cx="7476942" cy="824313"/>
+            <a:off x="220405" y="26035593"/>
+            <a:ext cx="21032227" cy="632254"/>
           </a:xfrm>
           <a:prstGeom prst="rect">
             <a:avLst/>
@@ -4578,8 +4578,8 @@
         </p:nvSpPr>
         <p:spPr>
           <a:xfrm>
-            <a:off x="38170" y="3478814"/>
-            <a:ext cx="21360601" cy="707886"/>
+            <a:off x="1102175" y="3478814"/>
+            <a:ext cx="14296174" cy="707886"/>
           </a:xfrm>
           <a:prstGeom prst="rect">
             <a:avLst/>
@@ -4736,8 +4736,8 @@
         </p:nvSpPr>
         <p:spPr>
           <a:xfrm>
-            <a:off x="9891219" y="6268845"/>
-            <a:ext cx="11224555" cy="9182170"/>
+            <a:off x="9891219" y="6268844"/>
+            <a:ext cx="11224555" cy="9197063"/>
           </a:xfrm>
           <a:prstGeom prst="rect">
             <a:avLst/>
@@ -4851,7 +4851,7 @@
         <p:spPr>
           <a:xfrm>
             <a:off x="9983546" y="6439282"/>
-            <a:ext cx="11092857" cy="4524315"/>
+            <a:ext cx="11092857" cy="8402300"/>
           </a:xfrm>
           <a:prstGeom prst="rect">
             <a:avLst/>
@@ -4897,7 +4897,80 @@
                 <a:latin typeface="Aptos" panose="020B0004020202020204" pitchFamily="34" charset="0"/>
                 <a:cs typeface="Times New Roman" panose="02020603050405020304" pitchFamily="18" charset="0"/>
               </a:rPr>
-              <a:t>“ von 2010 – 2011 und 2020 - 2021</a:t>
+              <a:t>“</a:t>
+            </a:r>
+          </a:p>
+          <a:p>
+            <a:r>
+              <a:rPr lang="de-DE" sz="3600" noProof="0" dirty="0">
+                <a:latin typeface="Aptos" panose="020B0004020202020204" pitchFamily="34" charset="0"/>
+                <a:cs typeface="Times New Roman" panose="02020603050405020304" pitchFamily="18" charset="0"/>
+              </a:rPr>
+              <a:t>📢 </a:t>
+            </a:r>
+            <a:r>
+              <a:rPr lang="de-DE" sz="3600" b="1" noProof="0" dirty="0">
+                <a:latin typeface="Aptos" panose="020B0004020202020204" pitchFamily="34" charset="0"/>
+                <a:cs typeface="Times New Roman" panose="02020603050405020304" pitchFamily="18" charset="0"/>
+              </a:rPr>
+              <a:t>Vergleich</a:t>
+            </a:r>
+            <a:r>
+              <a:rPr lang="de-DE" sz="3600" noProof="0" dirty="0">
+                <a:latin typeface="Aptos" panose="020B0004020202020204" pitchFamily="34" charset="0"/>
+                <a:cs typeface="Times New Roman" panose="02020603050405020304" pitchFamily="18" charset="0"/>
+              </a:rPr>
+              <a:t> zwischen einer amerikanischen und einer britischen Zeitung</a:t>
+            </a:r>
+          </a:p>
+          <a:p>
+            <a:r>
+              <a:rPr lang="de-DE" sz="3600" dirty="0">
+                <a:latin typeface="Aptos" panose="020B0004020202020204" pitchFamily="34" charset="0"/>
+                <a:cs typeface="Times New Roman" panose="02020603050405020304" pitchFamily="18" charset="0"/>
+              </a:rPr>
+              <a:t>📅Langzeitdatenanalyse </a:t>
+            </a:r>
+            <a:r>
+              <a:rPr lang="de-DE" sz="3600" noProof="0" dirty="0">
+                <a:latin typeface="Aptos" panose="020B0004020202020204" pitchFamily="34" charset="0"/>
+                <a:cs typeface="Times New Roman" panose="02020603050405020304" pitchFamily="18" charset="0"/>
+              </a:rPr>
+              <a:t>von 2010 – 2011 und 2020 – 2021 (interpoliert) </a:t>
+            </a:r>
+            <a:r>
+              <a:rPr lang="de-DE" sz="3600" dirty="0">
+                <a:latin typeface="Aptos" panose="020B0004020202020204" pitchFamily="34" charset="0"/>
+                <a:cs typeface="Times New Roman" panose="02020603050405020304" pitchFamily="18" charset="0"/>
+              </a:rPr>
+              <a:t>(120.000 Artikel)</a:t>
+            </a:r>
+            <a:endParaRPr lang="de-DE" sz="3600" noProof="0" dirty="0">
+              <a:latin typeface="Aptos" panose="020B0004020202020204" pitchFamily="34" charset="0"/>
+              <a:cs typeface="Times New Roman" panose="02020603050405020304" pitchFamily="18" charset="0"/>
+            </a:endParaRPr>
+          </a:p>
+          <a:p>
+            <a:r>
+              <a:rPr lang="de-DE" sz="3600" noProof="0" dirty="0">
+                <a:latin typeface="Aptos" panose="020B0004020202020204" pitchFamily="34" charset="0"/>
+                <a:cs typeface="Times New Roman" panose="02020603050405020304" pitchFamily="18" charset="0"/>
+              </a:rPr>
+              <a:t>🔎Identifikation von </a:t>
+            </a:r>
+            <a:r>
+              <a:rPr lang="de-DE" sz="3600" b="1" noProof="0" dirty="0">
+                <a:latin typeface="Aptos" panose="020B0004020202020204" pitchFamily="34" charset="0"/>
+                <a:cs typeface="Times New Roman" panose="02020603050405020304" pitchFamily="18" charset="0"/>
+              </a:rPr>
+              <a:t>langfristigen Trends</a:t>
+            </a:r>
+            <a:r>
+              <a:rPr lang="de-DE" sz="3600" noProof="0" dirty="0">
+                <a:latin typeface="Aptos" panose="020B0004020202020204" pitchFamily="34" charset="0"/>
+                <a:cs typeface="Times New Roman" panose="02020603050405020304" pitchFamily="18" charset="0"/>
+              </a:rPr>
+              <a:t> im Journalismus</a:t>
             </a:r>
           </a:p>
           <a:p>
@@ -4913,7 +4986,7 @@
                 <a:latin typeface="Aptos" panose="020B0004020202020204" pitchFamily="34" charset="0"/>
                 <a:cs typeface="Times New Roman" panose="02020603050405020304" pitchFamily="18" charset="0"/>
               </a:rPr>
-              <a:t>Objektivität</a:t>
+              <a:t>Subjektivität</a:t>
             </a:r>
             <a:r>
               <a:rPr lang="de-DE" sz="3600" noProof="0" dirty="0">
@@ -4939,48 +5012,68 @@
           </a:p>
           <a:p>
             <a:r>
+              <a:rPr lang="de-DE" sz="3600" dirty="0">
+                <a:latin typeface="Aptos" panose="020B0004020202020204" pitchFamily="34" charset="0"/>
+                <a:cs typeface="Times New Roman" panose="02020603050405020304" pitchFamily="18" charset="0"/>
+              </a:rPr>
+              <a:t>💻 Entwicklung einer </a:t>
+            </a:r>
+            <a:r>
+              <a:rPr lang="de-DE" sz="3600" b="1" dirty="0">
+                <a:latin typeface="Aptos" panose="020B0004020202020204" pitchFamily="34" charset="0"/>
+                <a:cs typeface="Times New Roman" panose="02020603050405020304" pitchFamily="18" charset="0"/>
+              </a:rPr>
+              <a:t>interaktiven</a:t>
+            </a:r>
+          </a:p>
+          <a:p>
+            <a:r>
+              <a:rPr lang="de-DE" sz="3600" dirty="0">
+                <a:latin typeface="Aptos" panose="020B0004020202020204" pitchFamily="34" charset="0"/>
+                <a:cs typeface="Times New Roman" panose="02020603050405020304" pitchFamily="18" charset="0"/>
+              </a:rPr>
+              <a:t> </a:t>
+            </a:r>
+            <a:r>
+              <a:rPr lang="de-DE" sz="3600" b="1" dirty="0">
+                <a:latin typeface="Aptos" panose="020B0004020202020204" pitchFamily="34" charset="0"/>
+                <a:cs typeface="Times New Roman" panose="02020603050405020304" pitchFamily="18" charset="0"/>
+              </a:rPr>
+              <a:t>Webseite </a:t>
+            </a:r>
+            <a:r>
+              <a:rPr lang="de-DE" sz="3600" dirty="0">
+                <a:latin typeface="Aptos" panose="020B0004020202020204" pitchFamily="34" charset="0"/>
+                <a:cs typeface="Times New Roman" panose="02020603050405020304" pitchFamily="18" charset="0"/>
+              </a:rPr>
+              <a:t>zur konkreten </a:t>
+            </a:r>
+          </a:p>
+          <a:p>
+            <a:r>
+              <a:rPr lang="de-DE" sz="3600" dirty="0">
+                <a:latin typeface="Aptos" panose="020B0004020202020204" pitchFamily="34" charset="0"/>
+                <a:cs typeface="Times New Roman" panose="02020603050405020304" pitchFamily="18" charset="0"/>
+              </a:rPr>
+              <a:t>Trendanalyse von Zeitungen</a:t>
+            </a:r>
+          </a:p>
+          <a:p>
+            <a:r>
               <a:rPr lang="de-DE" sz="3600" noProof="0" dirty="0">
                 <a:latin typeface="Aptos" panose="020B0004020202020204" pitchFamily="34" charset="0"/>
                 <a:cs typeface="Times New Roman" panose="02020603050405020304" pitchFamily="18" charset="0"/>
               </a:rPr>
-              <a:t>🔎Identifikation von </a:t>
-            </a:r>
-            <a:r>
-              <a:rPr lang="de-DE" sz="3600" b="1" noProof="0" dirty="0">
-                <a:latin typeface="Aptos" panose="020B0004020202020204" pitchFamily="34" charset="0"/>
-                <a:cs typeface="Times New Roman" panose="02020603050405020304" pitchFamily="18" charset="0"/>
-              </a:rPr>
-              <a:t>langfristigen Trends</a:t>
-            </a:r>
+              <a:t>(filtern nach Jahren, Rubriken,</a:t>
+            </a:r>
+          </a:p>
+          <a:p>
             <a:r>
               <a:rPr lang="de-DE" sz="3600" noProof="0" dirty="0">
                 <a:latin typeface="Aptos" panose="020B0004020202020204" pitchFamily="34" charset="0"/>
                 <a:cs typeface="Times New Roman" panose="02020603050405020304" pitchFamily="18" charset="0"/>
               </a:rPr>
-              <a:t> im Journalismus</a:t>
-            </a:r>
-          </a:p>
-          <a:p>
-            <a:r>
-              <a:rPr lang="de-DE" sz="3600" noProof="0" dirty="0">
-                <a:latin typeface="Aptos" panose="020B0004020202020204" pitchFamily="34" charset="0"/>
-                <a:cs typeface="Times New Roman" panose="02020603050405020304" pitchFamily="18" charset="0"/>
-              </a:rPr>
-              <a:t>📢 </a:t>
-            </a:r>
-            <a:r>
-              <a:rPr lang="de-DE" sz="3600" b="1" noProof="0" dirty="0">
-                <a:latin typeface="Aptos" panose="020B0004020202020204" pitchFamily="34" charset="0"/>
-                <a:cs typeface="Times New Roman" panose="02020603050405020304" pitchFamily="18" charset="0"/>
-              </a:rPr>
-              <a:t>Vergleich</a:t>
-            </a:r>
-            <a:r>
-              <a:rPr lang="de-DE" sz="3600" noProof="0" dirty="0">
-                <a:latin typeface="Aptos" panose="020B0004020202020204" pitchFamily="34" charset="0"/>
-                <a:cs typeface="Times New Roman" panose="02020603050405020304" pitchFamily="18" charset="0"/>
-              </a:rPr>
-              <a:t> zwischen einer amerikanischen und einer britischen Zeitung</a:t>
+              <a:t>Zeitungen📜)</a:t>
             </a:r>
           </a:p>
         </p:txBody>
@@ -5181,192 +5274,175 @@
           </a:p>
         </p:txBody>
       </p:sp>
-      <p:sp>
-        <p:nvSpPr>
-          <p:cNvPr id="11" name="Textfeld 10">
+      <p:grpSp>
+        <p:nvGrpSpPr>
+          <p:cNvPr id="17" name="Group 16">
             <a:extLst>
               <a:ext uri="{FF2B5EF4-FFF2-40B4-BE49-F238E27FC236}">
-                <a16:creationId xmlns:a16="http://schemas.microsoft.com/office/drawing/2014/main" id="{2D72864D-895D-3BB4-CCE5-7C56F93D2D41}"/>
+                <a16:creationId xmlns:a16="http://schemas.microsoft.com/office/drawing/2014/main" id="{B21C74DB-ADD6-0E0A-EC12-6A6C94F162A8}"/>
               </a:ext>
             </a:extLst>
           </p:cNvPr>
-          <p:cNvSpPr txBox="1"/>
+          <p:cNvGrpSpPr/>
           <p:nvPr/>
-        </p:nvSpPr>
-        <p:spPr>
-          <a:xfrm>
-            <a:off x="8949817" y="27681514"/>
-            <a:ext cx="9491036" cy="400110"/>
-          </a:xfrm>
-          <a:prstGeom prst="rect">
-            <a:avLst/>
-          </a:prstGeom>
-          <a:noFill/>
-        </p:spPr>
-        <p:txBody>
-          <a:bodyPr wrap="square" rtlCol="0">
-            <a:spAutoFit/>
-          </a:bodyPr>
-          <a:lstStyle/>
-          <a:p>
-            <a:r>
-              <a:rPr lang="de-DE" sz="2000" noProof="0" dirty="0">
-                <a:latin typeface="Aptos" panose="020B0004020202020204" pitchFamily="34" charset="0"/>
-                <a:cs typeface="Times New Roman" panose="02020603050405020304" pitchFamily="18" charset="0"/>
-              </a:rPr>
-              <a:t>Direkte Zitate</a:t>
-            </a:r>
-          </a:p>
-        </p:txBody>
-      </p:sp>
-      <p:pic>
-        <p:nvPicPr>
-          <p:cNvPr id="29" name="Picture 28">
-            <a:extLst>
-              <a:ext uri="{FF2B5EF4-FFF2-40B4-BE49-F238E27FC236}">
-                <a16:creationId xmlns:a16="http://schemas.microsoft.com/office/drawing/2014/main" id="{0DC952ED-F9B5-3131-9049-192ACA68F0CD}"/>
-              </a:ext>
-            </a:extLst>
-          </p:cNvPr>
-          <p:cNvPicPr>
-            <a:picLocks noChangeAspect="1"/>
-          </p:cNvPicPr>
-          <p:nvPr/>
-        </p:nvPicPr>
-        <p:blipFill>
-          <a:blip r:embed="rId6"/>
-          <a:stretch>
-            <a:fillRect/>
-          </a:stretch>
-        </p:blipFill>
-        <p:spPr>
-          <a:xfrm>
-            <a:off x="10922703" y="11178314"/>
-            <a:ext cx="2124027" cy="2738746"/>
-          </a:xfrm>
-          <a:prstGeom prst="rect">
-            <a:avLst/>
-          </a:prstGeom>
-        </p:spPr>
-      </p:pic>
-      <p:pic>
-        <p:nvPicPr>
-          <p:cNvPr id="32" name="Picture 31">
-            <a:extLst>
-              <a:ext uri="{FF2B5EF4-FFF2-40B4-BE49-F238E27FC236}">
-                <a16:creationId xmlns:a16="http://schemas.microsoft.com/office/drawing/2014/main" id="{F38D7A60-C5C2-ADF0-9478-8AEBF5787597}"/>
-              </a:ext>
-            </a:extLst>
-          </p:cNvPr>
-          <p:cNvPicPr>
-            <a:picLocks noChangeAspect="1"/>
-          </p:cNvPicPr>
-          <p:nvPr/>
-        </p:nvPicPr>
-        <p:blipFill>
-          <a:blip r:embed="rId7"/>
-          <a:stretch>
-            <a:fillRect/>
-          </a:stretch>
-        </p:blipFill>
-        <p:spPr>
-          <a:xfrm>
-            <a:off x="12130822" y="10945675"/>
-            <a:ext cx="5569726" cy="3117339"/>
-          </a:xfrm>
-          <a:prstGeom prst="rect">
-            <a:avLst/>
-          </a:prstGeom>
-        </p:spPr>
-      </p:pic>
-      <p:pic>
-        <p:nvPicPr>
-          <p:cNvPr id="36" name="Picture 35">
-            <a:extLst>
-              <a:ext uri="{FF2B5EF4-FFF2-40B4-BE49-F238E27FC236}">
-                <a16:creationId xmlns:a16="http://schemas.microsoft.com/office/drawing/2014/main" id="{E32111B5-9EA9-AA6B-11C0-A3C14198C24C}"/>
-              </a:ext>
-            </a:extLst>
-          </p:cNvPr>
-          <p:cNvPicPr>
-            <a:picLocks noChangeAspect="1"/>
-          </p:cNvPicPr>
-          <p:nvPr/>
-        </p:nvPicPr>
-        <p:blipFill>
-          <a:blip r:embed="rId8"/>
-          <a:stretch>
-            <a:fillRect/>
-          </a:stretch>
-        </p:blipFill>
-        <p:spPr>
-          <a:xfrm>
-            <a:off x="16646217" y="11045680"/>
-            <a:ext cx="2913785" cy="2913785"/>
-          </a:xfrm>
-          <a:prstGeom prst="rect">
-            <a:avLst/>
-          </a:prstGeom>
-        </p:spPr>
-      </p:pic>
-      <p:pic>
-        <p:nvPicPr>
-          <p:cNvPr id="40" name="Picture 39">
-            <a:extLst>
-              <a:ext uri="{FF2B5EF4-FFF2-40B4-BE49-F238E27FC236}">
-                <a16:creationId xmlns:a16="http://schemas.microsoft.com/office/drawing/2014/main" id="{C4641425-5500-1B16-C63E-C99A0B47222E}"/>
-              </a:ext>
-            </a:extLst>
-          </p:cNvPr>
-          <p:cNvPicPr>
-            <a:picLocks noChangeAspect="1"/>
-          </p:cNvPicPr>
-          <p:nvPr/>
-        </p:nvPicPr>
-        <p:blipFill>
-          <a:blip r:embed="rId9"/>
-          <a:srcRect t="36271" b="36271"/>
-          <a:stretch/>
-        </p:blipFill>
-        <p:spPr>
-          <a:xfrm>
-            <a:off x="15706961" y="13911024"/>
-            <a:ext cx="5369442" cy="1475984"/>
-          </a:xfrm>
-          <a:prstGeom prst="rect">
-            <a:avLst/>
-          </a:prstGeom>
-        </p:spPr>
-      </p:pic>
-      <p:pic>
-        <p:nvPicPr>
-          <p:cNvPr id="41" name="Picture 40">
-            <a:extLst>
-              <a:ext uri="{FF2B5EF4-FFF2-40B4-BE49-F238E27FC236}">
-                <a16:creationId xmlns:a16="http://schemas.microsoft.com/office/drawing/2014/main" id="{2635A352-E364-D02C-407A-9611C4E7A432}"/>
-              </a:ext>
-            </a:extLst>
-          </p:cNvPr>
-          <p:cNvPicPr>
-            <a:picLocks noChangeAspect="1"/>
-          </p:cNvPicPr>
-          <p:nvPr/>
-        </p:nvPicPr>
-        <p:blipFill>
-          <a:blip r:embed="rId10"/>
-          <a:srcRect l="18701" t="30507" b="35807"/>
-          <a:stretch/>
-        </p:blipFill>
-        <p:spPr>
-          <a:xfrm>
-            <a:off x="10171330" y="14082011"/>
-            <a:ext cx="5545966" cy="1291683"/>
-          </a:xfrm>
-          <a:prstGeom prst="rect">
-            <a:avLst/>
-          </a:prstGeom>
-        </p:spPr>
-      </p:pic>
+        </p:nvGrpSpPr>
+        <p:grpSpPr>
+          <a:xfrm>
+            <a:off x="14719841" y="2329753"/>
+            <a:ext cx="6151910" cy="2505502"/>
+            <a:chOff x="10171330" y="10945675"/>
+            <a:chExt cx="10905073" cy="4441333"/>
+          </a:xfrm>
+        </p:grpSpPr>
+        <p:pic>
+          <p:nvPicPr>
+            <p:cNvPr id="29" name="Picture 28">
+              <a:extLst>
+                <a:ext uri="{FF2B5EF4-FFF2-40B4-BE49-F238E27FC236}">
+                  <a16:creationId xmlns:a16="http://schemas.microsoft.com/office/drawing/2014/main" id="{0DC952ED-F9B5-3131-9049-192ACA68F0CD}"/>
+                </a:ext>
+              </a:extLst>
+            </p:cNvPr>
+            <p:cNvPicPr>
+              <a:picLocks noChangeAspect="1"/>
+            </p:cNvPicPr>
+            <p:nvPr/>
+          </p:nvPicPr>
+          <p:blipFill>
+            <a:blip r:embed="rId6"/>
+            <a:stretch>
+              <a:fillRect/>
+            </a:stretch>
+          </p:blipFill>
+          <p:spPr>
+            <a:xfrm>
+              <a:off x="10922703" y="11178314"/>
+              <a:ext cx="2124027" cy="2738746"/>
+            </a:xfrm>
+            <a:prstGeom prst="rect">
+              <a:avLst/>
+            </a:prstGeom>
+          </p:spPr>
+        </p:pic>
+        <p:pic>
+          <p:nvPicPr>
+            <p:cNvPr id="32" name="Picture 31">
+              <a:extLst>
+                <a:ext uri="{FF2B5EF4-FFF2-40B4-BE49-F238E27FC236}">
+                  <a16:creationId xmlns:a16="http://schemas.microsoft.com/office/drawing/2014/main" id="{F38D7A60-C5C2-ADF0-9478-8AEBF5787597}"/>
+                </a:ext>
+              </a:extLst>
+            </p:cNvPr>
+            <p:cNvPicPr>
+              <a:picLocks noChangeAspect="1"/>
+            </p:cNvPicPr>
+            <p:nvPr/>
+          </p:nvPicPr>
+          <p:blipFill>
+            <a:blip r:embed="rId7"/>
+            <a:stretch>
+              <a:fillRect/>
+            </a:stretch>
+          </p:blipFill>
+          <p:spPr>
+            <a:xfrm>
+              <a:off x="12130822" y="10945675"/>
+              <a:ext cx="5569726" cy="3117339"/>
+            </a:xfrm>
+            <a:prstGeom prst="rect">
+              <a:avLst/>
+            </a:prstGeom>
+          </p:spPr>
+        </p:pic>
+        <p:pic>
+          <p:nvPicPr>
+            <p:cNvPr id="36" name="Picture 35">
+              <a:extLst>
+                <a:ext uri="{FF2B5EF4-FFF2-40B4-BE49-F238E27FC236}">
+                  <a16:creationId xmlns:a16="http://schemas.microsoft.com/office/drawing/2014/main" id="{E32111B5-9EA9-AA6B-11C0-A3C14198C24C}"/>
+                </a:ext>
+              </a:extLst>
+            </p:cNvPr>
+            <p:cNvPicPr>
+              <a:picLocks noChangeAspect="1"/>
+            </p:cNvPicPr>
+            <p:nvPr/>
+          </p:nvPicPr>
+          <p:blipFill>
+            <a:blip r:embed="rId8"/>
+            <a:stretch>
+              <a:fillRect/>
+            </a:stretch>
+          </p:blipFill>
+          <p:spPr>
+            <a:xfrm>
+              <a:off x="16646217" y="11045680"/>
+              <a:ext cx="2913785" cy="2913785"/>
+            </a:xfrm>
+            <a:prstGeom prst="rect">
+              <a:avLst/>
+            </a:prstGeom>
+          </p:spPr>
+        </p:pic>
+        <p:pic>
+          <p:nvPicPr>
+            <p:cNvPr id="40" name="Picture 39">
+              <a:extLst>
+                <a:ext uri="{FF2B5EF4-FFF2-40B4-BE49-F238E27FC236}">
+                  <a16:creationId xmlns:a16="http://schemas.microsoft.com/office/drawing/2014/main" id="{C4641425-5500-1B16-C63E-C99A0B47222E}"/>
+                </a:ext>
+              </a:extLst>
+            </p:cNvPr>
+            <p:cNvPicPr>
+              <a:picLocks noChangeAspect="1"/>
+            </p:cNvPicPr>
+            <p:nvPr/>
+          </p:nvPicPr>
+          <p:blipFill>
+            <a:blip r:embed="rId9"/>
+            <a:srcRect t="36271" b="36271"/>
+            <a:stretch/>
+          </p:blipFill>
+          <p:spPr>
+            <a:xfrm>
+              <a:off x="15706961" y="13911024"/>
+              <a:ext cx="5369442" cy="1475984"/>
+            </a:xfrm>
+            <a:prstGeom prst="rect">
+              <a:avLst/>
+            </a:prstGeom>
+          </p:spPr>
+        </p:pic>
+        <p:pic>
+          <p:nvPicPr>
+            <p:cNvPr id="41" name="Picture 40">
+              <a:extLst>
+                <a:ext uri="{FF2B5EF4-FFF2-40B4-BE49-F238E27FC236}">
+                  <a16:creationId xmlns:a16="http://schemas.microsoft.com/office/drawing/2014/main" id="{2635A352-E364-D02C-407A-9611C4E7A432}"/>
+                </a:ext>
+              </a:extLst>
+            </p:cNvPr>
+            <p:cNvPicPr>
+              <a:picLocks noChangeAspect="1"/>
+            </p:cNvPicPr>
+            <p:nvPr/>
+          </p:nvPicPr>
+          <p:blipFill>
+            <a:blip r:embed="rId10"/>
+            <a:srcRect l="18701" t="30507" b="35807"/>
+            <a:stretch/>
+          </p:blipFill>
+          <p:spPr>
+            <a:xfrm>
+              <a:off x="10171330" y="14082011"/>
+              <a:ext cx="5545966" cy="1291683"/>
+            </a:xfrm>
+            <a:prstGeom prst="rect">
+              <a:avLst/>
+            </a:prstGeom>
+          </p:spPr>
+        </p:pic>
+      </p:grpSp>
       <p:sp>
         <p:nvSpPr>
           <p:cNvPr id="24" name="Rechteck 94">
@@ -5383,8 +5459,8 @@
         </p:nvSpPr>
         <p:spPr>
           <a:xfrm>
-            <a:off x="287181" y="26933068"/>
-            <a:ext cx="20824676" cy="1911962"/>
+            <a:off x="220406" y="26654351"/>
+            <a:ext cx="21032226" cy="2547148"/>
           </a:xfrm>
           <a:prstGeom prst="rect">
             <a:avLst/>
@@ -5427,95 +5503,6 @@
           </a:p>
         </p:txBody>
       </p:sp>
-      <p:sp>
-        <p:nvSpPr>
-          <p:cNvPr id="72" name="Textfeld 71">
-            <a:extLst>
-              <a:ext uri="{FF2B5EF4-FFF2-40B4-BE49-F238E27FC236}">
-                <a16:creationId xmlns:a16="http://schemas.microsoft.com/office/drawing/2014/main" id="{ED756739-7DBC-1FA6-C41A-668C96E238F1}"/>
-              </a:ext>
-            </a:extLst>
-          </p:cNvPr>
-          <p:cNvSpPr txBox="1"/>
-          <p:nvPr/>
-        </p:nvSpPr>
-        <p:spPr>
-          <a:xfrm>
-            <a:off x="2155285" y="26813595"/>
-            <a:ext cx="7229673" cy="707886"/>
-          </a:xfrm>
-          <a:prstGeom prst="rect">
-            <a:avLst/>
-          </a:prstGeom>
-          <a:noFill/>
-        </p:spPr>
-        <p:txBody>
-          <a:bodyPr wrap="square" rtlCol="0">
-            <a:spAutoFit/>
-          </a:bodyPr>
-          <a:lstStyle/>
-          <a:p>
-            <a:pPr algn="just"/>
-            <a:r>
-              <a:rPr lang="de-DE" sz="2000" noProof="0" dirty="0">
-                <a:latin typeface="Aptos" panose="020B0004020202020204" pitchFamily="34" charset="0"/>
-                <a:cs typeface="Times New Roman" panose="02020603050405020304" pitchFamily="18" charset="0"/>
-              </a:rPr>
-              <a:t>Text</a:t>
-            </a:r>
-          </a:p>
-          <a:p>
-            <a:pPr algn="just"/>
-            <a:endParaRPr lang="de-DE" sz="2000" noProof="0" dirty="0">
-              <a:latin typeface="Aptos" panose="020B0004020202020204" pitchFamily="34" charset="0"/>
-              <a:cs typeface="Times New Roman" panose="02020603050405020304" pitchFamily="18" charset="0"/>
-            </a:endParaRPr>
-          </a:p>
-        </p:txBody>
-      </p:sp>
-      <p:cxnSp>
-        <p:nvCxnSpPr>
-          <p:cNvPr id="6" name="Gerader Verbinder 5">
-            <a:extLst>
-              <a:ext uri="{FF2B5EF4-FFF2-40B4-BE49-F238E27FC236}">
-                <a16:creationId xmlns:a16="http://schemas.microsoft.com/office/drawing/2014/main" id="{61896088-AA9F-5439-87ED-E690F0A16B22}"/>
-              </a:ext>
-            </a:extLst>
-          </p:cNvPr>
-          <p:cNvCxnSpPr>
-            <a:cxnSpLocks/>
-          </p:cNvCxnSpPr>
-          <p:nvPr/>
-        </p:nvCxnSpPr>
-        <p:spPr>
-          <a:xfrm flipV="1">
-            <a:off x="3656815" y="26153344"/>
-            <a:ext cx="58222" cy="2736275"/>
-          </a:xfrm>
-          <a:prstGeom prst="line">
-            <a:avLst/>
-          </a:prstGeom>
-          <a:ln w="57150">
-            <a:solidFill>
-              <a:srgbClr val="ECA6AB"/>
-            </a:solidFill>
-          </a:ln>
-        </p:spPr>
-        <p:style>
-          <a:lnRef idx="1">
-            <a:schemeClr val="accent1"/>
-          </a:lnRef>
-          <a:fillRef idx="0">
-            <a:schemeClr val="accent1"/>
-          </a:fillRef>
-          <a:effectRef idx="0">
-            <a:schemeClr val="accent1"/>
-          </a:effectRef>
-          <a:fontRef idx="minor">
-            <a:schemeClr val="tx1"/>
-          </a:fontRef>
-        </p:style>
-      </p:cxnSp>
       <p:grpSp>
         <p:nvGrpSpPr>
           <p:cNvPr id="25" name="Group 24">
@@ -5530,7 +5517,7 @@
         </p:nvGrpSpPr>
         <p:grpSpPr>
           <a:xfrm>
-            <a:off x="22250380" y="18984065"/>
+            <a:off x="22770312" y="17431303"/>
             <a:ext cx="6361983" cy="7396521"/>
             <a:chOff x="14134485" y="20753556"/>
             <a:chExt cx="6361983" cy="7396521"/>
@@ -5774,7 +5761,7 @@
         </p:nvSpPr>
         <p:spPr>
           <a:xfrm>
-            <a:off x="10944609" y="20947035"/>
+            <a:off x="10944609" y="21009523"/>
             <a:ext cx="5150473" cy="1938992"/>
           </a:xfrm>
           <a:prstGeom prst="rect">
@@ -6281,8 +6268,8 @@
         </p:nvSpPr>
         <p:spPr>
           <a:xfrm>
-            <a:off x="254388" y="23437636"/>
-            <a:ext cx="5348720" cy="1200329"/>
+            <a:off x="318438" y="23513109"/>
+            <a:ext cx="4818103" cy="1938992"/>
           </a:xfrm>
           <a:prstGeom prst="rect">
             <a:avLst/>
@@ -6312,6 +6299,16 @@
             <a:r>
               <a:rPr lang="de-DE" sz="2400" dirty="0"/>
               <a:t>World-Artikel eher Objektiv</a:t>
+            </a:r>
+          </a:p>
+          <a:p>
+            <a:pPr marL="342900" indent="-342900">
+              <a:buFontTx/>
+              <a:buChar char="-"/>
+            </a:pPr>
+            <a:r>
+              <a:rPr lang="de-DE" sz="2400" dirty="0"/>
+              <a:t>Sehr ähnlicher Verlauf bei „The New York Times“</a:t>
             </a:r>
           </a:p>
         </p:txBody>
@@ -6448,8 +6445,8 @@
         </p:nvSpPr>
         <p:spPr>
           <a:xfrm>
-            <a:off x="16323240" y="20207898"/>
-            <a:ext cx="4933931" cy="353943"/>
+            <a:off x="16323240" y="20253512"/>
+            <a:ext cx="4933931" cy="584775"/>
           </a:xfrm>
           <a:prstGeom prst="rect">
             <a:avLst/>
@@ -6463,12 +6460,16 @@
           <a:lstStyle/>
           <a:p>
             <a:r>
-              <a:rPr lang="de-DE" sz="1700" b="1" dirty="0"/>
+              <a:rPr lang="de-DE" sz="1600" dirty="0"/>
+              <a:t>Abbildung 4: </a:t>
+            </a:r>
+            <a:r>
+              <a:rPr lang="de-DE" sz="1600" b="1" dirty="0"/>
               <a:t>Artikelanzahl</a:t>
             </a:r>
             <a:r>
-              <a:rPr lang="de-DE" sz="1700" dirty="0"/>
-              <a:t> der Rubrik Opinion von „The Guardian“</a:t>
+              <a:rPr lang="de-DE" sz="1600" dirty="0"/>
+              <a:t> der Rubrik „Opinion“ von „The Guardian“</a:t>
             </a:r>
           </a:p>
         </p:txBody>
@@ -6487,8 +6488,8 @@
         </p:nvSpPr>
         <p:spPr>
           <a:xfrm>
-            <a:off x="273139" y="20196480"/>
-            <a:ext cx="4933931" cy="615553"/>
+            <a:off x="195241" y="20108945"/>
+            <a:ext cx="4933931" cy="338554"/>
           </a:xfrm>
           <a:prstGeom prst="rect">
             <a:avLst/>
@@ -6502,12 +6503,16 @@
           <a:lstStyle/>
           <a:p>
             <a:r>
-              <a:rPr lang="de-DE" sz="1700" b="1" dirty="0"/>
+              <a:rPr lang="de-DE" sz="1600" dirty="0"/>
+              <a:t>Abbildung 1: </a:t>
+            </a:r>
+            <a:r>
+              <a:rPr lang="de-DE" sz="1600" b="1" dirty="0"/>
               <a:t>Subjektivität</a:t>
             </a:r>
             <a:r>
-              <a:rPr lang="de-DE" sz="1700" dirty="0"/>
-              <a:t> von „The Guardian“ ähnlich „The New York Times“</a:t>
+              <a:rPr lang="de-DE" sz="1600" dirty="0"/>
+              <a:t> von „The Guardian“ </a:t>
             </a:r>
           </a:p>
         </p:txBody>
@@ -6526,8 +6531,8 @@
         </p:nvSpPr>
         <p:spPr>
           <a:xfrm>
-            <a:off x="5654001" y="20141336"/>
-            <a:ext cx="4933931" cy="615553"/>
+            <a:off x="5678189" y="20129869"/>
+            <a:ext cx="4933931" cy="338554"/>
           </a:xfrm>
           <a:prstGeom prst="rect">
             <a:avLst/>
@@ -6541,18 +6546,16 @@
           <a:lstStyle/>
           <a:p>
             <a:r>
-              <a:rPr lang="de-DE" sz="1700" b="1" dirty="0"/>
+              <a:rPr lang="de-DE" sz="1600" dirty="0"/>
+              <a:t>Abbildung 2: </a:t>
+            </a:r>
+            <a:r>
+              <a:rPr lang="de-DE" sz="1600" b="1" dirty="0"/>
               <a:t>Polarisation</a:t>
             </a:r>
             <a:r>
-              <a:rPr lang="de-DE" sz="1700" dirty="0"/>
-              <a:t> von „The Guardian“ sehr ähnlich der </a:t>
-            </a:r>
-          </a:p>
-          <a:p>
-            <a:r>
-              <a:rPr lang="de-DE" sz="1700" dirty="0"/>
-              <a:t>„New York Times“</a:t>
+              <a:rPr lang="de-DE" sz="1600" dirty="0"/>
+              <a:t> von „The New York Times“ </a:t>
             </a:r>
           </a:p>
         </p:txBody>
@@ -6572,7 +6575,7 @@
         <p:spPr>
           <a:xfrm>
             <a:off x="11030675" y="20185782"/>
-            <a:ext cx="4933931" cy="615553"/>
+            <a:ext cx="4933931" cy="584775"/>
           </a:xfrm>
           <a:prstGeom prst="rect">
             <a:avLst/>
@@ -6586,11 +6589,15 @@
           <a:lstStyle/>
           <a:p>
             <a:r>
-              <a:rPr lang="de-DE" sz="1700" b="1" dirty="0"/>
+              <a:rPr lang="de-DE" sz="1600" dirty="0"/>
+              <a:t>Abbildung 3: </a:t>
+            </a:r>
+            <a:r>
+              <a:rPr lang="de-DE" sz="1600" b="1" dirty="0"/>
               <a:t>Wörteranzahl</a:t>
             </a:r>
             <a:r>
-              <a:rPr lang="de-DE" sz="1700" dirty="0"/>
+              <a:rPr lang="de-DE" sz="1600" dirty="0"/>
               <a:t> der Zeitung „The Guardian“, alle Rubriken vereint</a:t>
             </a:r>
           </a:p>
@@ -6672,7 +6679,7 @@
         </p:blipFill>
         <p:spPr bwMode="auto">
           <a:xfrm>
-            <a:off x="12951411" y="22944876"/>
+            <a:off x="12951411" y="23053908"/>
             <a:ext cx="568434" cy="699288"/>
           </a:xfrm>
           <a:prstGeom prst="rect">
@@ -6720,6 +6727,89 @@
         <p:spPr bwMode="auto">
           <a:xfrm>
             <a:off x="18097532" y="22969250"/>
+            <a:ext cx="568434" cy="699288"/>
+          </a:xfrm>
+          <a:prstGeom prst="rect">
+            <a:avLst/>
+          </a:prstGeom>
+          <a:noFill/>
+          <a:extLst>
+            <a:ext uri="{909E8E84-426E-40DD-AFC4-6F175D3DCCD1}">
+              <a14:hiddenFill xmlns:a14="http://schemas.microsoft.com/office/drawing/2010/main">
+                <a:solidFill>
+                  <a:srgbClr val="FFFFFF"/>
+                </a:solidFill>
+              </a14:hiddenFill>
+            </a:ext>
+          </a:extLst>
+        </p:spPr>
+      </p:pic>
+      <p:pic>
+        <p:nvPicPr>
+          <p:cNvPr id="4" name="Picture 3">
+            <a:extLst>
+              <a:ext uri="{FF2B5EF4-FFF2-40B4-BE49-F238E27FC236}">
+                <a16:creationId xmlns:a16="http://schemas.microsoft.com/office/drawing/2014/main" id="{AFCBE44B-4650-0E63-E329-4ACCC0AC23F5}"/>
+              </a:ext>
+            </a:extLst>
+          </p:cNvPr>
+          <p:cNvPicPr>
+            <a:picLocks noChangeAspect="1"/>
+          </p:cNvPicPr>
+          <p:nvPr/>
+        </p:nvPicPr>
+        <p:blipFill>
+          <a:blip r:embed="rId16">
+            <a:extLst>
+              <a:ext uri="{28A0092B-C50C-407E-A947-70E740481C1C}">
+                <a14:useLocalDpi xmlns:a14="http://schemas.microsoft.com/office/drawing/2010/main" val="0"/>
+              </a:ext>
+            </a:extLst>
+          </a:blip>
+          <a:stretch>
+            <a:fillRect/>
+          </a:stretch>
+        </p:blipFill>
+        <p:spPr>
+          <a:xfrm>
+            <a:off x="17068800" y="11428534"/>
+            <a:ext cx="4024650" cy="4024650"/>
+          </a:xfrm>
+          <a:prstGeom prst="rect">
+            <a:avLst/>
+          </a:prstGeom>
+        </p:spPr>
+      </p:pic>
+      <p:pic>
+        <p:nvPicPr>
+          <p:cNvPr id="18" name="Picture 2" descr="5.000+ kostenlose Pfeil und Richtung-Bilder - Pixabay">
+            <a:extLst>
+              <a:ext uri="{FF2B5EF4-FFF2-40B4-BE49-F238E27FC236}">
+                <a16:creationId xmlns:a16="http://schemas.microsoft.com/office/drawing/2014/main" id="{ED71E55A-5746-7580-6EA2-AE340732C584}"/>
+              </a:ext>
+            </a:extLst>
+          </p:cNvPr>
+          <p:cNvPicPr>
+            <a:picLocks noChangeAspect="1" noChangeArrowheads="1"/>
+          </p:cNvPicPr>
+          <p:nvPr/>
+        </p:nvPicPr>
+        <p:blipFill>
+          <a:blip r:embed="rId15" cstate="print">
+            <a:extLst>
+              <a:ext uri="{28A0092B-C50C-407E-A947-70E740481C1C}">
+                <a14:useLocalDpi xmlns:a14="http://schemas.microsoft.com/office/drawing/2010/main" val="0"/>
+              </a:ext>
+            </a:extLst>
+          </a:blip>
+          <a:srcRect/>
+          <a:stretch>
+            <a:fillRect/>
+          </a:stretch>
+        </p:blipFill>
+        <p:spPr bwMode="auto">
+          <a:xfrm rot="16200000">
+            <a:off x="16214947" y="12659780"/>
             <a:ext cx="568434" cy="699288"/>
           </a:xfrm>
           <a:prstGeom prst="rect">

--- a/Presentations/Deckblatt/Poster.pptx
+++ b/Presentations/Deckblatt/Poster.pptx
@@ -214,7 +214,7 @@
           <a:p>
             <a:fld id="{F5F779A3-EDDA-431B-AF07-CD568712874D}" type="datetimeFigureOut">
               <a:rPr lang="de-DE" smtClean="0"/>
-              <a:t>14.02.2025</a:t>
+              <a:t>16.02.2025</a:t>
             </a:fld>
             <a:endParaRPr lang="de-DE"/>
           </a:p>
@@ -697,7 +697,7 @@
           <a:p>
             <a:fld id="{DCC59FF0-020B-4F2F-9C83-EF26E34AF9B2}" type="datetimeFigureOut">
               <a:rPr lang="de-DE" smtClean="0"/>
-              <a:t>14.02.2025</a:t>
+              <a:t>16.02.2025</a:t>
             </a:fld>
             <a:endParaRPr lang="de-DE"/>
           </a:p>
@@ -867,7 +867,7 @@
           <a:p>
             <a:fld id="{DCC59FF0-020B-4F2F-9C83-EF26E34AF9B2}" type="datetimeFigureOut">
               <a:rPr lang="de-DE" smtClean="0"/>
-              <a:t>14.02.2025</a:t>
+              <a:t>16.02.2025</a:t>
             </a:fld>
             <a:endParaRPr lang="de-DE"/>
           </a:p>
@@ -1047,7 +1047,7 @@
           <a:p>
             <a:fld id="{DCC59FF0-020B-4F2F-9C83-EF26E34AF9B2}" type="datetimeFigureOut">
               <a:rPr lang="de-DE" smtClean="0"/>
-              <a:t>14.02.2025</a:t>
+              <a:t>16.02.2025</a:t>
             </a:fld>
             <a:endParaRPr lang="de-DE"/>
           </a:p>
@@ -1217,7 +1217,7 @@
           <a:p>
             <a:fld id="{DCC59FF0-020B-4F2F-9C83-EF26E34AF9B2}" type="datetimeFigureOut">
               <a:rPr lang="de-DE" smtClean="0"/>
-              <a:t>14.02.2025</a:t>
+              <a:t>16.02.2025</a:t>
             </a:fld>
             <a:endParaRPr lang="de-DE"/>
           </a:p>
@@ -1461,7 +1461,7 @@
           <a:p>
             <a:fld id="{DCC59FF0-020B-4F2F-9C83-EF26E34AF9B2}" type="datetimeFigureOut">
               <a:rPr lang="de-DE" smtClean="0"/>
-              <a:t>14.02.2025</a:t>
+              <a:t>16.02.2025</a:t>
             </a:fld>
             <a:endParaRPr lang="de-DE"/>
           </a:p>
@@ -1693,7 +1693,7 @@
           <a:p>
             <a:fld id="{DCC59FF0-020B-4F2F-9C83-EF26E34AF9B2}" type="datetimeFigureOut">
               <a:rPr lang="de-DE" smtClean="0"/>
-              <a:t>14.02.2025</a:t>
+              <a:t>16.02.2025</a:t>
             </a:fld>
             <a:endParaRPr lang="de-DE"/>
           </a:p>
@@ -2060,7 +2060,7 @@
           <a:p>
             <a:fld id="{DCC59FF0-020B-4F2F-9C83-EF26E34AF9B2}" type="datetimeFigureOut">
               <a:rPr lang="de-DE" smtClean="0"/>
-              <a:t>14.02.2025</a:t>
+              <a:t>16.02.2025</a:t>
             </a:fld>
             <a:endParaRPr lang="de-DE"/>
           </a:p>
@@ -2178,7 +2178,7 @@
           <a:p>
             <a:fld id="{DCC59FF0-020B-4F2F-9C83-EF26E34AF9B2}" type="datetimeFigureOut">
               <a:rPr lang="de-DE" smtClean="0"/>
-              <a:t>14.02.2025</a:t>
+              <a:t>16.02.2025</a:t>
             </a:fld>
             <a:endParaRPr lang="de-DE"/>
           </a:p>
@@ -2273,7 +2273,7 @@
           <a:p>
             <a:fld id="{DCC59FF0-020B-4F2F-9C83-EF26E34AF9B2}" type="datetimeFigureOut">
               <a:rPr lang="de-DE" smtClean="0"/>
-              <a:t>14.02.2025</a:t>
+              <a:t>16.02.2025</a:t>
             </a:fld>
             <a:endParaRPr lang="de-DE"/>
           </a:p>
@@ -2550,7 +2550,7 @@
           <a:p>
             <a:fld id="{DCC59FF0-020B-4F2F-9C83-EF26E34AF9B2}" type="datetimeFigureOut">
               <a:rPr lang="de-DE" smtClean="0"/>
-              <a:t>14.02.2025</a:t>
+              <a:t>16.02.2025</a:t>
             </a:fld>
             <a:endParaRPr lang="de-DE"/>
           </a:p>
@@ -2807,7 +2807,7 @@
           <a:p>
             <a:fld id="{DCC59FF0-020B-4F2F-9C83-EF26E34AF9B2}" type="datetimeFigureOut">
               <a:rPr lang="de-DE" smtClean="0"/>
-              <a:t>14.02.2025</a:t>
+              <a:t>16.02.2025</a:t>
             </a:fld>
             <a:endParaRPr lang="de-DE"/>
           </a:p>
@@ -3020,7 +3020,7 @@
           <a:p>
             <a:fld id="{DCC59FF0-020B-4F2F-9C83-EF26E34AF9B2}" type="datetimeFigureOut">
               <a:rPr lang="de-DE" smtClean="0"/>
-              <a:t>14.02.2025</a:t>
+              <a:t>16.02.2025</a:t>
             </a:fld>
             <a:endParaRPr lang="de-DE"/>
           </a:p>
@@ -3439,8 +3439,8 @@
         </p:nvSpPr>
         <p:spPr>
           <a:xfrm>
-            <a:off x="-14860" y="5442005"/>
-            <a:ext cx="21398486" cy="24833208"/>
+            <a:off x="-14860" y="5244796"/>
+            <a:ext cx="21398486" cy="25030418"/>
           </a:xfrm>
           <a:prstGeom prst="rect">
             <a:avLst/>
@@ -3491,246 +3491,6 @@
       </p:sp>
       <p:sp>
         <p:nvSpPr>
-          <p:cNvPr id="35" name="Rechteck 1">
-            <a:extLst>
-              <a:ext uri="{FF2B5EF4-FFF2-40B4-BE49-F238E27FC236}">
-                <a16:creationId xmlns:a16="http://schemas.microsoft.com/office/drawing/2014/main" id="{D2678536-C2CE-CCFA-B314-5E149381F2B3}"/>
-              </a:ext>
-            </a:extLst>
-          </p:cNvPr>
-          <p:cNvSpPr>
-            <a:spLocks/>
-          </p:cNvSpPr>
-          <p:nvPr/>
-        </p:nvSpPr>
-        <p:spPr>
-          <a:xfrm>
-            <a:off x="186541" y="16576127"/>
-            <a:ext cx="4950000" cy="9106874"/>
-          </a:xfrm>
-          <a:prstGeom prst="rect">
-            <a:avLst/>
-          </a:prstGeom>
-          <a:solidFill>
-            <a:schemeClr val="bg1"/>
-          </a:solidFill>
-          <a:ln>
-            <a:noFill/>
-          </a:ln>
-        </p:spPr>
-        <p:style>
-          <a:lnRef idx="2">
-            <a:schemeClr val="accent1">
-              <a:shade val="50000"/>
-            </a:schemeClr>
-          </a:lnRef>
-          <a:fillRef idx="1">
-            <a:schemeClr val="accent1"/>
-          </a:fillRef>
-          <a:effectRef idx="0">
-            <a:schemeClr val="accent1"/>
-          </a:effectRef>
-          <a:fontRef idx="minor">
-            <a:schemeClr val="lt1"/>
-          </a:fontRef>
-        </p:style>
-        <p:txBody>
-          <a:bodyPr rtlCol="0" anchor="ctr"/>
-          <a:lstStyle/>
-          <a:p>
-            <a:pPr algn="ctr"/>
-            <a:r>
-              <a:rPr lang="de-DE" sz="3200" noProof="0" dirty="0">
-                <a:latin typeface="Times New Roman" panose="02020603050405020304" pitchFamily="18" charset="0"/>
-                <a:cs typeface="Times New Roman" panose="02020603050405020304" pitchFamily="18" charset="0"/>
-              </a:rPr>
-              <a:t>&lt;&lt;&lt;&lt;&lt;&lt;&lt;</a:t>
-            </a:r>
-          </a:p>
-        </p:txBody>
-      </p:sp>
-      <p:sp>
-        <p:nvSpPr>
-          <p:cNvPr id="47" name="Rechteck 1">
-            <a:extLst>
-              <a:ext uri="{FF2B5EF4-FFF2-40B4-BE49-F238E27FC236}">
-                <a16:creationId xmlns:a16="http://schemas.microsoft.com/office/drawing/2014/main" id="{27F7F46E-F8F3-8697-C2BA-3290F10CB7C5}"/>
-              </a:ext>
-            </a:extLst>
-          </p:cNvPr>
-          <p:cNvSpPr>
-            <a:spLocks/>
-          </p:cNvSpPr>
-          <p:nvPr/>
-        </p:nvSpPr>
-        <p:spPr>
-          <a:xfrm>
-            <a:off x="5547727" y="16576127"/>
-            <a:ext cx="4950000" cy="9108000"/>
-          </a:xfrm>
-          <a:prstGeom prst="rect">
-            <a:avLst/>
-          </a:prstGeom>
-          <a:solidFill>
-            <a:schemeClr val="bg1"/>
-          </a:solidFill>
-          <a:ln>
-            <a:noFill/>
-          </a:ln>
-        </p:spPr>
-        <p:style>
-          <a:lnRef idx="2">
-            <a:schemeClr val="accent1">
-              <a:shade val="50000"/>
-            </a:schemeClr>
-          </a:lnRef>
-          <a:fillRef idx="1">
-            <a:schemeClr val="accent1"/>
-          </a:fillRef>
-          <a:effectRef idx="0">
-            <a:schemeClr val="accent1"/>
-          </a:effectRef>
-          <a:fontRef idx="minor">
-            <a:schemeClr val="lt1"/>
-          </a:fontRef>
-        </p:style>
-        <p:txBody>
-          <a:bodyPr rtlCol="0" anchor="ctr"/>
-          <a:lstStyle/>
-          <a:p>
-            <a:pPr algn="ctr"/>
-            <a:r>
-              <a:rPr lang="de-DE" sz="3200" noProof="0" dirty="0">
-                <a:latin typeface="Times New Roman" panose="02020603050405020304" pitchFamily="18" charset="0"/>
-                <a:cs typeface="Times New Roman" panose="02020603050405020304" pitchFamily="18" charset="0"/>
-              </a:rPr>
-              <a:t>&lt;&lt;&lt;&lt;&lt;&lt;&lt;</a:t>
-            </a:r>
-          </a:p>
-        </p:txBody>
-      </p:sp>
-      <p:sp>
-        <p:nvSpPr>
-          <p:cNvPr id="48" name="Rechteck 1">
-            <a:extLst>
-              <a:ext uri="{FF2B5EF4-FFF2-40B4-BE49-F238E27FC236}">
-                <a16:creationId xmlns:a16="http://schemas.microsoft.com/office/drawing/2014/main" id="{1783D117-E1F1-868A-08CF-B7833151A180}"/>
-              </a:ext>
-            </a:extLst>
-          </p:cNvPr>
-          <p:cNvSpPr>
-            <a:spLocks/>
-          </p:cNvSpPr>
-          <p:nvPr/>
-        </p:nvSpPr>
-        <p:spPr>
-          <a:xfrm>
-            <a:off x="10847051" y="16551404"/>
-            <a:ext cx="4950000" cy="9108000"/>
-          </a:xfrm>
-          <a:prstGeom prst="rect">
-            <a:avLst/>
-          </a:prstGeom>
-          <a:solidFill>
-            <a:schemeClr val="bg1"/>
-          </a:solidFill>
-          <a:ln>
-            <a:noFill/>
-          </a:ln>
-        </p:spPr>
-        <p:style>
-          <a:lnRef idx="2">
-            <a:schemeClr val="accent1">
-              <a:shade val="50000"/>
-            </a:schemeClr>
-          </a:lnRef>
-          <a:fillRef idx="1">
-            <a:schemeClr val="accent1"/>
-          </a:fillRef>
-          <a:effectRef idx="0">
-            <a:schemeClr val="accent1"/>
-          </a:effectRef>
-          <a:fontRef idx="minor">
-            <a:schemeClr val="lt1"/>
-          </a:fontRef>
-        </p:style>
-        <p:txBody>
-          <a:bodyPr rtlCol="0" anchor="ctr"/>
-          <a:lstStyle/>
-          <a:p>
-            <a:pPr algn="ctr"/>
-            <a:r>
-              <a:rPr lang="de-DE" sz="3200" noProof="0" dirty="0">
-                <a:latin typeface="Times New Roman" panose="02020603050405020304" pitchFamily="18" charset="0"/>
-                <a:cs typeface="Times New Roman" panose="02020603050405020304" pitchFamily="18" charset="0"/>
-              </a:rPr>
-              <a:t>&lt;&lt;&lt;&lt;&lt;&lt;&lt;</a:t>
-            </a:r>
-          </a:p>
-        </p:txBody>
-      </p:sp>
-      <p:sp>
-        <p:nvSpPr>
-          <p:cNvPr id="49" name="Rechteck 1">
-            <a:extLst>
-              <a:ext uri="{FF2B5EF4-FFF2-40B4-BE49-F238E27FC236}">
-                <a16:creationId xmlns:a16="http://schemas.microsoft.com/office/drawing/2014/main" id="{51A12177-0FCD-A117-5694-B07CB067B5B8}"/>
-              </a:ext>
-            </a:extLst>
-          </p:cNvPr>
-          <p:cNvSpPr>
-            <a:spLocks/>
-          </p:cNvSpPr>
-          <p:nvPr/>
-        </p:nvSpPr>
-        <p:spPr>
-          <a:xfrm>
-            <a:off x="16268768" y="16576127"/>
-            <a:ext cx="4950000" cy="9108000"/>
-          </a:xfrm>
-          <a:prstGeom prst="rect">
-            <a:avLst/>
-          </a:prstGeom>
-          <a:solidFill>
-            <a:schemeClr val="bg1"/>
-          </a:solidFill>
-          <a:ln>
-            <a:noFill/>
-          </a:ln>
-        </p:spPr>
-        <p:style>
-          <a:lnRef idx="2">
-            <a:schemeClr val="accent1">
-              <a:shade val="50000"/>
-            </a:schemeClr>
-          </a:lnRef>
-          <a:fillRef idx="1">
-            <a:schemeClr val="accent1"/>
-          </a:fillRef>
-          <a:effectRef idx="0">
-            <a:schemeClr val="accent1"/>
-          </a:effectRef>
-          <a:fontRef idx="minor">
-            <a:schemeClr val="lt1"/>
-          </a:fontRef>
-        </p:style>
-        <p:txBody>
-          <a:bodyPr rtlCol="0" anchor="ctr"/>
-          <a:lstStyle/>
-          <a:p>
-            <a:pPr algn="ctr"/>
-            <a:r>
-              <a:rPr lang="de-DE" sz="3200" noProof="0" dirty="0">
-                <a:latin typeface="Times New Roman" panose="02020603050405020304" pitchFamily="18" charset="0"/>
-                <a:cs typeface="Times New Roman" panose="02020603050405020304" pitchFamily="18" charset="0"/>
-              </a:rPr>
-              <a:t>&lt;&lt;&lt;&lt;&lt;&lt;&lt;</a:t>
-            </a:r>
-          </a:p>
-        </p:txBody>
-      </p:sp>
-      <p:sp>
-        <p:nvSpPr>
           <p:cNvPr id="106" name="Rechteck 105">
             <a:extLst>
               <a:ext uri="{FF2B5EF4-FFF2-40B4-BE49-F238E27FC236}">
@@ -3804,8 +3564,8 @@
         </p:nvSpPr>
         <p:spPr>
           <a:xfrm>
-            <a:off x="-14860" y="1899588"/>
-            <a:ext cx="21432580" cy="3542417"/>
+            <a:off x="-14860" y="1899589"/>
+            <a:ext cx="21432580" cy="3403138"/>
           </a:xfrm>
           <a:prstGeom prst="rect">
             <a:avLst/>
@@ -4165,68 +3925,6 @@
                 <a:cs typeface="Times New Roman" panose="02020603050405020304" pitchFamily="18" charset="0"/>
               </a:rPr>
               <a:t> Ergebnisse 🏆 (ausgewählte Beispiele)</a:t>
-            </a:r>
-          </a:p>
-        </p:txBody>
-      </p:sp>
-      <p:sp>
-        <p:nvSpPr>
-          <p:cNvPr id="143" name="Rechteck 142">
-            <a:extLst>
-              <a:ext uri="{FF2B5EF4-FFF2-40B4-BE49-F238E27FC236}">
-                <a16:creationId xmlns:a16="http://schemas.microsoft.com/office/drawing/2014/main" id="{5A880DFE-0358-5AEE-2901-52F7DCFE246A}"/>
-              </a:ext>
-            </a:extLst>
-          </p:cNvPr>
-          <p:cNvSpPr>
-            <a:spLocks/>
-          </p:cNvSpPr>
-          <p:nvPr/>
-        </p:nvSpPr>
-        <p:spPr>
-          <a:xfrm>
-            <a:off x="220405" y="26035593"/>
-            <a:ext cx="21032227" cy="632254"/>
-          </a:xfrm>
-          <a:prstGeom prst="rect">
-            <a:avLst/>
-          </a:prstGeom>
-          <a:solidFill>
-            <a:srgbClr val="D7D7D7"/>
-          </a:solidFill>
-          <a:ln>
-            <a:noFill/>
-          </a:ln>
-        </p:spPr>
-        <p:style>
-          <a:lnRef idx="2">
-            <a:schemeClr val="accent1">
-              <a:shade val="50000"/>
-            </a:schemeClr>
-          </a:lnRef>
-          <a:fillRef idx="1">
-            <a:schemeClr val="accent1"/>
-          </a:fillRef>
-          <a:effectRef idx="0">
-            <a:schemeClr val="accent1"/>
-          </a:effectRef>
-          <a:fontRef idx="minor">
-            <a:schemeClr val="lt1"/>
-          </a:fontRef>
-        </p:style>
-        <p:txBody>
-          <a:bodyPr rtlCol="0" anchor="ctr"/>
-          <a:lstStyle/>
-          <a:p>
-            <a:r>
-              <a:rPr lang="de-DE" sz="4000" b="1" noProof="0" dirty="0">
-                <a:solidFill>
-                  <a:schemeClr val="tx1"/>
-                </a:solidFill>
-                <a:latin typeface="Aptos" panose="020B0004020202020204" pitchFamily="34" charset="0"/>
-                <a:cs typeface="Times New Roman" panose="02020603050405020304" pitchFamily="18" charset="0"/>
-              </a:rPr>
-              <a:t>Literatur</a:t>
             </a:r>
           </a:p>
         </p:txBody>
@@ -5459,8 +5157,8 @@
         </p:nvSpPr>
         <p:spPr>
           <a:xfrm>
-            <a:off x="220406" y="26654351"/>
-            <a:ext cx="21032226" cy="2547148"/>
+            <a:off x="220406" y="26558014"/>
+            <a:ext cx="21032226" cy="2643485"/>
           </a:xfrm>
           <a:prstGeom prst="rect">
             <a:avLst/>
@@ -5494,12 +5192,16 @@
           <a:p>
             <a:pPr algn="ctr"/>
             <a:r>
-              <a:rPr lang="de-DE" sz="440" noProof="0" dirty="0">
+              <a:rPr lang="de-DE" sz="440" noProof="0">
                 <a:latin typeface="Times New Roman" panose="02020603050405020304" pitchFamily="18" charset="0"/>
                 <a:cs typeface="Times New Roman" panose="02020603050405020304" pitchFamily="18" charset="0"/>
               </a:rPr>
-              <a:t> </a:t>
-            </a:r>
+              <a:t>https://github.com/AdminL3/Jugend-Forscht/</a:t>
+            </a:r>
+            <a:endParaRPr lang="de-DE" sz="440" noProof="0" dirty="0">
+              <a:latin typeface="Times New Roman" panose="02020603050405020304" pitchFamily="18" charset="0"/>
+              <a:cs typeface="Times New Roman" panose="02020603050405020304" pitchFamily="18" charset="0"/>
+            </a:endParaRPr>
           </a:p>
         </p:txBody>
       </p:sp>
@@ -5747,733 +5449,312 @@
           </p:txBody>
         </p:sp>
       </p:grpSp>
-      <p:sp>
-        <p:nvSpPr>
-          <p:cNvPr id="16" name="Textfeld 15">
+      <p:grpSp>
+        <p:nvGrpSpPr>
+          <p:cNvPr id="2" name="Group 1">
             <a:extLst>
               <a:ext uri="{FF2B5EF4-FFF2-40B4-BE49-F238E27FC236}">
-                <a16:creationId xmlns:a16="http://schemas.microsoft.com/office/drawing/2014/main" id="{A5DB40BD-AE90-49CC-B684-A08B086E4906}"/>
+                <a16:creationId xmlns:a16="http://schemas.microsoft.com/office/drawing/2014/main" id="{B7EA653B-D8C2-C35D-351F-E6C0001F2A6C}"/>
               </a:ext>
             </a:extLst>
           </p:cNvPr>
-          <p:cNvSpPr txBox="1"/>
+          <p:cNvGrpSpPr/>
           <p:nvPr/>
-        </p:nvSpPr>
-        <p:spPr>
+        </p:nvGrpSpPr>
+        <p:grpSpPr>
           <a:xfrm>
-            <a:off x="10944609" y="21009523"/>
-            <a:ext cx="5150473" cy="1938992"/>
+            <a:off x="161821" y="16565699"/>
+            <a:ext cx="4974720" cy="9117302"/>
+            <a:chOff x="161821" y="16565699"/>
+            <a:chExt cx="4974720" cy="9117302"/>
           </a:xfrm>
-          <a:prstGeom prst="rect">
-            <a:avLst/>
-          </a:prstGeom>
-          <a:noFill/>
-        </p:spPr>
-        <p:txBody>
-          <a:bodyPr wrap="square" rtlCol="0">
-            <a:spAutoFit/>
-          </a:bodyPr>
-          <a:lstStyle/>
-          <a:p>
-            <a:r>
-              <a:rPr lang="de-DE" sz="2400" b="1" noProof="0" dirty="0"/>
-              <a:t>📉 Artikellänge:</a:t>
-            </a:r>
-          </a:p>
-          <a:p>
-            <a:r>
-              <a:rPr lang="de-DE" sz="2400" noProof="0" dirty="0"/>
-              <a:t>Guardian ca. 800 Wörter pro Artikel</a:t>
-            </a:r>
-          </a:p>
-          <a:p>
-            <a:r>
-              <a:rPr lang="de-DE" sz="2400" noProof="0" dirty="0"/>
-              <a:t>New York Times ca. 1100 Wörter pro Artikel</a:t>
-            </a:r>
-            <a:br>
-              <a:rPr lang="de-DE" sz="2400" noProof="0" dirty="0"/>
-            </a:br>
-            <a:r>
-              <a:rPr lang="de-DE" sz="2400" noProof="0" dirty="0"/>
-              <a:t>keine signifikanten Veränderungen</a:t>
-            </a:r>
-          </a:p>
-        </p:txBody>
-      </p:sp>
-      <p:pic>
-        <p:nvPicPr>
-          <p:cNvPr id="19" name="Grafik 23">
+        </p:grpSpPr>
+        <p:sp>
+          <p:nvSpPr>
+            <p:cNvPr id="35" name="Rechteck 1">
+              <a:extLst>
+                <a:ext uri="{FF2B5EF4-FFF2-40B4-BE49-F238E27FC236}">
+                  <a16:creationId xmlns:a16="http://schemas.microsoft.com/office/drawing/2014/main" id="{D2678536-C2CE-CCFA-B314-5E149381F2B3}"/>
+                </a:ext>
+              </a:extLst>
+            </p:cNvPr>
+            <p:cNvSpPr>
+              <a:spLocks/>
+            </p:cNvSpPr>
+            <p:nvPr/>
+          </p:nvSpPr>
+          <p:spPr>
+            <a:xfrm>
+              <a:off x="186541" y="16576127"/>
+              <a:ext cx="4950000" cy="9106874"/>
+            </a:xfrm>
+            <a:prstGeom prst="rect">
+              <a:avLst/>
+            </a:prstGeom>
+            <a:solidFill>
+              <a:schemeClr val="bg1"/>
+            </a:solidFill>
+            <a:ln>
+              <a:noFill/>
+            </a:ln>
+          </p:spPr>
+          <p:style>
+            <a:lnRef idx="2">
+              <a:schemeClr val="accent1">
+                <a:shade val="50000"/>
+              </a:schemeClr>
+            </a:lnRef>
+            <a:fillRef idx="1">
+              <a:schemeClr val="accent1"/>
+            </a:fillRef>
+            <a:effectRef idx="0">
+              <a:schemeClr val="accent1"/>
+            </a:effectRef>
+            <a:fontRef idx="minor">
+              <a:schemeClr val="lt1"/>
+            </a:fontRef>
+          </p:style>
+          <p:txBody>
+            <a:bodyPr rtlCol="0" anchor="ctr"/>
+            <a:lstStyle/>
+            <a:p>
+              <a:pPr algn="ctr"/>
+              <a:r>
+                <a:rPr lang="de-DE" sz="3200" noProof="0" dirty="0">
+                  <a:latin typeface="Times New Roman" panose="02020603050405020304" pitchFamily="18" charset="0"/>
+                  <a:cs typeface="Times New Roman" panose="02020603050405020304" pitchFamily="18" charset="0"/>
+                </a:rPr>
+                <a:t>&lt;&lt;&lt;&lt;&lt;&lt;&lt;</a:t>
+              </a:r>
+            </a:p>
+          </p:txBody>
+        </p:sp>
+        <p:pic>
+          <p:nvPicPr>
+            <p:cNvPr id="19" name="Grafik 23">
+              <a:extLst>
+                <a:ext uri="{FF2B5EF4-FFF2-40B4-BE49-F238E27FC236}">
+                  <a16:creationId xmlns:a16="http://schemas.microsoft.com/office/drawing/2014/main" id="{7E3565B8-9C95-8554-A2D4-9678AF1C1ABB}"/>
+                </a:ext>
+              </a:extLst>
+            </p:cNvPr>
+            <p:cNvPicPr>
+              <a:picLocks noChangeAspect="1"/>
+            </p:cNvPicPr>
+            <p:nvPr/>
+          </p:nvPicPr>
+          <p:blipFill>
+            <a:blip r:embed="rId11">
+              <a:extLst>
+                <a:ext uri="{28A0092B-C50C-407E-A947-70E740481C1C}">
+                  <a14:useLocalDpi xmlns:a14="http://schemas.microsoft.com/office/drawing/2010/main" val="0"/>
+                </a:ext>
+              </a:extLst>
+            </a:blip>
+            <a:srcRect/>
+            <a:stretch/>
+          </p:blipFill>
+          <p:spPr bwMode="auto">
+            <a:xfrm>
+              <a:off x="186540" y="16565699"/>
+              <a:ext cx="4946591" cy="3712698"/>
+            </a:xfrm>
+            <a:prstGeom prst="rect">
+              <a:avLst/>
+            </a:prstGeom>
+            <a:noFill/>
+            <a:ln>
+              <a:noFill/>
+            </a:ln>
+          </p:spPr>
+        </p:pic>
+        <p:sp>
+          <p:nvSpPr>
+            <p:cNvPr id="22" name="TextBox 21">
+              <a:extLst>
+                <a:ext uri="{FF2B5EF4-FFF2-40B4-BE49-F238E27FC236}">
+                  <a16:creationId xmlns:a16="http://schemas.microsoft.com/office/drawing/2014/main" id="{CED6CCD7-D8A9-7A17-BE6D-CE140A303851}"/>
+                </a:ext>
+              </a:extLst>
+            </p:cNvPr>
+            <p:cNvSpPr txBox="1"/>
+            <p:nvPr/>
+          </p:nvSpPr>
+          <p:spPr>
+            <a:xfrm>
+              <a:off x="161821" y="20935006"/>
+              <a:ext cx="4946591" cy="1569660"/>
+            </a:xfrm>
+            <a:prstGeom prst="rect">
+              <a:avLst/>
+            </a:prstGeom>
+            <a:noFill/>
+          </p:spPr>
+          <p:txBody>
+            <a:bodyPr wrap="square" rtlCol="0">
+              <a:spAutoFit/>
+            </a:bodyPr>
+            <a:lstStyle/>
+            <a:p>
+              <a:r>
+                <a:rPr lang="de-DE" sz="2400" b="1" noProof="0" dirty="0"/>
+                <a:t>⚖️ Subjektivität:</a:t>
+              </a:r>
+            </a:p>
+            <a:p>
+              <a:r>
+                <a:rPr lang="de-DE" sz="2400" noProof="0" dirty="0"/>
+                <a:t>Opinion-Artikel </a:t>
+              </a:r>
+              <a:r>
+                <a:rPr lang="de-DE" sz="2400" noProof="0" dirty="0">
+                  <a:sym typeface="Wingdings" panose="05000000000000000000" pitchFamily="2" charset="2"/>
+                </a:rPr>
+                <a:t> subjektiv</a:t>
+              </a:r>
+              <a:br>
+                <a:rPr lang="de-DE" sz="2400" noProof="0" dirty="0">
+                  <a:sym typeface="Wingdings" panose="05000000000000000000" pitchFamily="2" charset="2"/>
+                </a:rPr>
+              </a:br>
+              <a:r>
+                <a:rPr lang="de-DE" sz="2400" noProof="0" dirty="0">
+                  <a:sym typeface="Wingdings" panose="05000000000000000000" pitchFamily="2" charset="2"/>
+                </a:rPr>
+                <a:t>W</a:t>
+              </a:r>
+              <a:r>
+                <a:rPr lang="de-DE" sz="2400" noProof="0" dirty="0"/>
+                <a:t>orld-Artikel </a:t>
+              </a:r>
+              <a:r>
+                <a:rPr lang="de-DE" sz="2400" noProof="0" dirty="0">
+                  <a:sym typeface="Wingdings" panose="05000000000000000000" pitchFamily="2" charset="2"/>
+                </a:rPr>
+                <a:t> konstant objektiv</a:t>
+              </a:r>
+            </a:p>
+            <a:p>
+              <a:r>
+                <a:rPr lang="de-DE" sz="2400" noProof="0" dirty="0"/>
+                <a:t>Politics-Artikel </a:t>
+              </a:r>
+              <a:r>
+                <a:rPr lang="de-DE" sz="2400" noProof="0" dirty="0">
+                  <a:sym typeface="Wingdings" panose="05000000000000000000" pitchFamily="2" charset="2"/>
+                </a:rPr>
+                <a:t> zunehmend objektiv</a:t>
+              </a:r>
+            </a:p>
+          </p:txBody>
+        </p:sp>
+        <p:pic>
+          <p:nvPicPr>
+            <p:cNvPr id="1026" name="Picture 2" descr="5.000+ kostenlose Pfeil und Richtung-Bilder - Pixabay">
+              <a:extLst>
+                <a:ext uri="{FF2B5EF4-FFF2-40B4-BE49-F238E27FC236}">
+                  <a16:creationId xmlns:a16="http://schemas.microsoft.com/office/drawing/2014/main" id="{B42A6092-01F2-AFF6-A1DB-0767608A3563}"/>
+                </a:ext>
+              </a:extLst>
+            </p:cNvPr>
+            <p:cNvPicPr>
+              <a:picLocks noChangeAspect="1" noChangeArrowheads="1"/>
+            </p:cNvPicPr>
+            <p:nvPr/>
+          </p:nvPicPr>
+          <p:blipFill>
+            <a:blip r:embed="rId12" cstate="print">
+              <a:extLst>
+                <a:ext uri="{28A0092B-C50C-407E-A947-70E740481C1C}">
+                  <a14:useLocalDpi xmlns:a14="http://schemas.microsoft.com/office/drawing/2010/main" val="0"/>
+                </a:ext>
+              </a:extLst>
+            </a:blip>
+            <a:srcRect/>
+            <a:stretch>
+              <a:fillRect/>
+            </a:stretch>
+          </p:blipFill>
+          <p:spPr bwMode="auto">
+            <a:xfrm>
+              <a:off x="2155285" y="22771079"/>
+              <a:ext cx="568434" cy="699288"/>
+            </a:xfrm>
+            <a:prstGeom prst="rect">
+              <a:avLst/>
+            </a:prstGeom>
+            <a:noFill/>
             <a:extLst>
-              <a:ext uri="{FF2B5EF4-FFF2-40B4-BE49-F238E27FC236}">
-                <a16:creationId xmlns:a16="http://schemas.microsoft.com/office/drawing/2014/main" id="{7E3565B8-9C95-8554-A2D4-9678AF1C1ABB}"/>
+              <a:ext uri="{909E8E84-426E-40DD-AFC4-6F175D3DCCD1}">
+                <a14:hiddenFill xmlns:a14="http://schemas.microsoft.com/office/drawing/2010/main">
+                  <a:solidFill>
+                    <a:srgbClr val="FFFFFF"/>
+                  </a:solidFill>
+                </a14:hiddenFill>
               </a:ext>
             </a:extLst>
-          </p:cNvPr>
-          <p:cNvPicPr>
-            <a:picLocks noChangeAspect="1"/>
-          </p:cNvPicPr>
-          <p:nvPr/>
-        </p:nvPicPr>
-        <p:blipFill>
-          <a:blip r:embed="rId11">
-            <a:extLst>
-              <a:ext uri="{28A0092B-C50C-407E-A947-70E740481C1C}">
-                <a14:useLocalDpi xmlns:a14="http://schemas.microsoft.com/office/drawing/2010/main" val="0"/>
-              </a:ext>
-            </a:extLst>
-          </a:blip>
-          <a:srcRect/>
-          <a:stretch/>
-        </p:blipFill>
-        <p:spPr bwMode="auto">
-          <a:xfrm>
-            <a:off x="186540" y="16565699"/>
-            <a:ext cx="4946591" cy="3712698"/>
-          </a:xfrm>
-          <a:prstGeom prst="rect">
-            <a:avLst/>
-          </a:prstGeom>
-          <a:noFill/>
-          <a:ln>
+          </p:spPr>
+        </p:pic>
+        <p:sp>
+          <p:nvSpPr>
+            <p:cNvPr id="59" name="TextBox 58">
+              <a:extLst>
+                <a:ext uri="{FF2B5EF4-FFF2-40B4-BE49-F238E27FC236}">
+                  <a16:creationId xmlns:a16="http://schemas.microsoft.com/office/drawing/2014/main" id="{BA2703F4-CC8A-8C19-E2BE-DA26DB0A76F7}"/>
+                </a:ext>
+              </a:extLst>
+            </p:cNvPr>
+            <p:cNvSpPr txBox="1"/>
+            <p:nvPr/>
+          </p:nvSpPr>
+          <p:spPr>
+            <a:xfrm>
+              <a:off x="318438" y="23513109"/>
+              <a:ext cx="4818103" cy="1938992"/>
+            </a:xfrm>
+            <a:prstGeom prst="rect">
+              <a:avLst/>
+            </a:prstGeom>
             <a:noFill/>
-          </a:ln>
-        </p:spPr>
-      </p:pic>
-      <p:sp>
-        <p:nvSpPr>
-          <p:cNvPr id="22" name="TextBox 21">
-            <a:extLst>
-              <a:ext uri="{FF2B5EF4-FFF2-40B4-BE49-F238E27FC236}">
-                <a16:creationId xmlns:a16="http://schemas.microsoft.com/office/drawing/2014/main" id="{CED6CCD7-D8A9-7A17-BE6D-CE140A303851}"/>
-              </a:ext>
-            </a:extLst>
-          </p:cNvPr>
-          <p:cNvSpPr txBox="1"/>
-          <p:nvPr/>
-        </p:nvSpPr>
-        <p:spPr>
-          <a:xfrm>
-            <a:off x="161821" y="20935006"/>
-            <a:ext cx="4946591" cy="1569660"/>
-          </a:xfrm>
-          <a:prstGeom prst="rect">
-            <a:avLst/>
-          </a:prstGeom>
-          <a:noFill/>
-        </p:spPr>
-        <p:txBody>
-          <a:bodyPr wrap="square" rtlCol="0">
-            <a:spAutoFit/>
-          </a:bodyPr>
-          <a:lstStyle/>
-          <a:p>
-            <a:r>
-              <a:rPr lang="de-DE" sz="2400" b="1" noProof="0" dirty="0"/>
-              <a:t>⚖️ Subjektivität:</a:t>
-            </a:r>
-          </a:p>
-          <a:p>
-            <a:r>
-              <a:rPr lang="de-DE" sz="2400" noProof="0" dirty="0"/>
-              <a:t>Opinion-Artikel </a:t>
-            </a:r>
-            <a:r>
-              <a:rPr lang="de-DE" sz="2400" noProof="0" dirty="0">
-                <a:sym typeface="Wingdings" panose="05000000000000000000" pitchFamily="2" charset="2"/>
-              </a:rPr>
-              <a:t> subjektiv</a:t>
-            </a:r>
-            <a:br>
-              <a:rPr lang="de-DE" sz="2400" noProof="0" dirty="0">
-                <a:sym typeface="Wingdings" panose="05000000000000000000" pitchFamily="2" charset="2"/>
-              </a:rPr>
-            </a:br>
-            <a:r>
-              <a:rPr lang="de-DE" sz="2400" noProof="0" dirty="0">
-                <a:sym typeface="Wingdings" panose="05000000000000000000" pitchFamily="2" charset="2"/>
-              </a:rPr>
-              <a:t>W</a:t>
-            </a:r>
-            <a:r>
-              <a:rPr lang="de-DE" sz="2400" noProof="0" dirty="0"/>
-              <a:t>orld-Artikel </a:t>
-            </a:r>
-            <a:r>
-              <a:rPr lang="de-DE" sz="2400" noProof="0" dirty="0">
-                <a:sym typeface="Wingdings" panose="05000000000000000000" pitchFamily="2" charset="2"/>
-              </a:rPr>
-              <a:t> konstant objektiv</a:t>
-            </a:r>
-          </a:p>
-          <a:p>
-            <a:r>
-              <a:rPr lang="de-DE" sz="2400" noProof="0" dirty="0"/>
-              <a:t>Politics-Artikel </a:t>
-            </a:r>
-            <a:r>
-              <a:rPr lang="de-DE" sz="2400" noProof="0" dirty="0">
-                <a:sym typeface="Wingdings" panose="05000000000000000000" pitchFamily="2" charset="2"/>
-              </a:rPr>
-              <a:t> zunehmend objektiv</a:t>
-            </a:r>
-          </a:p>
-        </p:txBody>
-      </p:sp>
-      <p:sp>
-        <p:nvSpPr>
-          <p:cNvPr id="23" name="TextBox 22">
-            <a:extLst>
-              <a:ext uri="{FF2B5EF4-FFF2-40B4-BE49-F238E27FC236}">
-                <a16:creationId xmlns:a16="http://schemas.microsoft.com/office/drawing/2014/main" id="{D02F9D32-C2BF-D794-CE18-FCF8D383031A}"/>
-              </a:ext>
-            </a:extLst>
-          </p:cNvPr>
-          <p:cNvSpPr txBox="1"/>
-          <p:nvPr/>
-        </p:nvSpPr>
-        <p:spPr>
-          <a:xfrm>
-            <a:off x="16436382" y="20943427"/>
-            <a:ext cx="4608700" cy="1938992"/>
-          </a:xfrm>
-          <a:prstGeom prst="rect">
-            <a:avLst/>
-          </a:prstGeom>
-          <a:solidFill>
-            <a:schemeClr val="bg1"/>
-          </a:solidFill>
-        </p:spPr>
-        <p:txBody>
-          <a:bodyPr wrap="square" rtlCol="0">
-            <a:spAutoFit/>
-          </a:bodyPr>
-          <a:lstStyle/>
-          <a:p>
-            <a:r>
-              <a:rPr lang="de-DE" sz="2400" b="1" noProof="0" dirty="0"/>
-              <a:t>🔢Artikelanzahl:</a:t>
-            </a:r>
-            <a:endParaRPr lang="de-DE" sz="2400" noProof="0" dirty="0"/>
-          </a:p>
-          <a:p>
-            <a:r>
-              <a:rPr lang="de-DE" sz="2400" noProof="0" dirty="0"/>
-              <a:t>Guardian-Artikelanzahl in „Opinion“ ist gesunken</a:t>
-            </a:r>
-          </a:p>
-          <a:p>
-            <a:r>
-              <a:rPr lang="de-DE" sz="2400" noProof="0" dirty="0"/>
-              <a:t>New-York-Times-Artikelanzahl der</a:t>
-            </a:r>
-          </a:p>
-          <a:p>
-            <a:r>
-              <a:rPr lang="de-DE" sz="2400" noProof="0" dirty="0"/>
-              <a:t>Rubrik Politics gestiegen</a:t>
-            </a:r>
-          </a:p>
-        </p:txBody>
-      </p:sp>
-      <p:pic>
-        <p:nvPicPr>
-          <p:cNvPr id="50" name="Grafik 23">
-            <a:extLst>
-              <a:ext uri="{FF2B5EF4-FFF2-40B4-BE49-F238E27FC236}">
-                <a16:creationId xmlns:a16="http://schemas.microsoft.com/office/drawing/2014/main" id="{EDC46B7D-5237-34E1-60AA-EB1FF128AB51}"/>
-              </a:ext>
-            </a:extLst>
-          </p:cNvPr>
-          <p:cNvPicPr>
-            <a:picLocks noChangeAspect="1"/>
-          </p:cNvPicPr>
-          <p:nvPr/>
-        </p:nvPicPr>
-        <p:blipFill>
-          <a:blip r:embed="rId12">
-            <a:extLst>
-              <a:ext uri="{28A0092B-C50C-407E-A947-70E740481C1C}">
-                <a14:useLocalDpi xmlns:a14="http://schemas.microsoft.com/office/drawing/2010/main" val="0"/>
-              </a:ext>
-            </a:extLst>
-          </a:blip>
-          <a:srcRect/>
-          <a:stretch/>
-        </p:blipFill>
-        <p:spPr bwMode="auto">
-          <a:xfrm>
-            <a:off x="5549431" y="16579992"/>
-            <a:ext cx="4946591" cy="3712698"/>
-          </a:xfrm>
-          <a:prstGeom prst="rect">
-            <a:avLst/>
-          </a:prstGeom>
-          <a:noFill/>
-          <a:ln>
-            <a:noFill/>
-          </a:ln>
-        </p:spPr>
-      </p:pic>
-      <p:pic>
-        <p:nvPicPr>
-          <p:cNvPr id="51" name="Grafik 23">
-            <a:extLst>
-              <a:ext uri="{FF2B5EF4-FFF2-40B4-BE49-F238E27FC236}">
-                <a16:creationId xmlns:a16="http://schemas.microsoft.com/office/drawing/2014/main" id="{91805B7E-E3D0-7D81-90D6-376AB34A5FC8}"/>
-              </a:ext>
-            </a:extLst>
-          </p:cNvPr>
-          <p:cNvPicPr>
-            <a:picLocks noChangeAspect="1"/>
-          </p:cNvPicPr>
-          <p:nvPr/>
-        </p:nvPicPr>
-        <p:blipFill>
-          <a:blip r:embed="rId13">
-            <a:extLst>
-              <a:ext uri="{28A0092B-C50C-407E-A947-70E740481C1C}">
-                <a14:useLocalDpi xmlns:a14="http://schemas.microsoft.com/office/drawing/2010/main" val="0"/>
-              </a:ext>
-            </a:extLst>
-          </a:blip>
-          <a:srcRect t="104" b="104"/>
-          <a:stretch/>
-        </p:blipFill>
-        <p:spPr bwMode="auto">
-          <a:xfrm>
-            <a:off x="10855521" y="16594285"/>
-            <a:ext cx="4946591" cy="3712698"/>
-          </a:xfrm>
-          <a:prstGeom prst="rect">
-            <a:avLst/>
-          </a:prstGeom>
-          <a:noFill/>
-          <a:ln>
-            <a:noFill/>
-          </a:ln>
-        </p:spPr>
-      </p:pic>
-      <p:pic>
-        <p:nvPicPr>
-          <p:cNvPr id="52" name="Grafik 23">
-            <a:extLst>
-              <a:ext uri="{FF2B5EF4-FFF2-40B4-BE49-F238E27FC236}">
-                <a16:creationId xmlns:a16="http://schemas.microsoft.com/office/drawing/2014/main" id="{8F95D5FE-7E8E-8A54-AED1-AC342D4BEEDB}"/>
-              </a:ext>
-            </a:extLst>
-          </p:cNvPr>
-          <p:cNvPicPr>
-            <a:picLocks noChangeAspect="1"/>
-          </p:cNvPicPr>
-          <p:nvPr/>
-        </p:nvPicPr>
-        <p:blipFill>
-          <a:blip r:embed="rId14">
-            <a:extLst>
-              <a:ext uri="{28A0092B-C50C-407E-A947-70E740481C1C}">
-                <a14:useLocalDpi xmlns:a14="http://schemas.microsoft.com/office/drawing/2010/main" val="0"/>
-              </a:ext>
-            </a:extLst>
-          </a:blip>
-          <a:srcRect/>
-          <a:stretch/>
-        </p:blipFill>
-        <p:spPr bwMode="auto">
-          <a:xfrm>
-            <a:off x="16275213" y="16608578"/>
-            <a:ext cx="4946591" cy="3712698"/>
-          </a:xfrm>
-          <a:prstGeom prst="rect">
-            <a:avLst/>
-          </a:prstGeom>
-          <a:noFill/>
-          <a:ln>
-            <a:noFill/>
-          </a:ln>
-        </p:spPr>
-      </p:pic>
-      <p:sp>
-        <p:nvSpPr>
-          <p:cNvPr id="57" name="TextBox 56">
-            <a:extLst>
-              <a:ext uri="{FF2B5EF4-FFF2-40B4-BE49-F238E27FC236}">
-                <a16:creationId xmlns:a16="http://schemas.microsoft.com/office/drawing/2014/main" id="{573BF7C2-9B81-A147-10DA-7F0093334800}"/>
-              </a:ext>
-            </a:extLst>
-          </p:cNvPr>
-          <p:cNvSpPr txBox="1"/>
-          <p:nvPr/>
-        </p:nvSpPr>
-        <p:spPr>
-          <a:xfrm>
-            <a:off x="5609239" y="20947035"/>
-            <a:ext cx="4548554" cy="1938992"/>
-          </a:xfrm>
-          <a:prstGeom prst="rect">
-            <a:avLst/>
-          </a:prstGeom>
-          <a:noFill/>
-        </p:spPr>
-        <p:txBody>
-          <a:bodyPr wrap="square" rtlCol="0">
-            <a:spAutoFit/>
-          </a:bodyPr>
-          <a:lstStyle/>
-          <a:p>
-            <a:r>
-              <a:rPr lang="de-DE" sz="2400" b="1" noProof="0" dirty="0"/>
-              <a:t>📊Polarisation:</a:t>
-            </a:r>
-          </a:p>
-          <a:p>
-            <a:pPr marL="342900" indent="-342900">
-              <a:buFontTx/>
-              <a:buChar char="-"/>
-            </a:pPr>
-            <a:r>
-              <a:rPr lang="de-DE" sz="2400" noProof="0" dirty="0"/>
-              <a:t>konstanter Durchschnittswert (0,1)</a:t>
-            </a:r>
-          </a:p>
-          <a:p>
-            <a:pPr marL="342900" indent="-342900">
-              <a:buFontTx/>
-              <a:buChar char="-"/>
-            </a:pPr>
-            <a:r>
-              <a:rPr lang="de-DE" sz="2400" noProof="0" dirty="0"/>
-              <a:t>keine negative oder positive Tendenz</a:t>
-            </a:r>
-          </a:p>
-        </p:txBody>
-      </p:sp>
-      <p:pic>
-        <p:nvPicPr>
-          <p:cNvPr id="1026" name="Picture 2" descr="5.000+ kostenlose Pfeil und Richtung-Bilder - Pixabay">
-            <a:extLst>
-              <a:ext uri="{FF2B5EF4-FFF2-40B4-BE49-F238E27FC236}">
-                <a16:creationId xmlns:a16="http://schemas.microsoft.com/office/drawing/2014/main" id="{B42A6092-01F2-AFF6-A1DB-0767608A3563}"/>
-              </a:ext>
-            </a:extLst>
-          </p:cNvPr>
-          <p:cNvPicPr>
-            <a:picLocks noChangeAspect="1" noChangeArrowheads="1"/>
-          </p:cNvPicPr>
-          <p:nvPr/>
-        </p:nvPicPr>
-        <p:blipFill>
-          <a:blip r:embed="rId15" cstate="print">
-            <a:extLst>
-              <a:ext uri="{28A0092B-C50C-407E-A947-70E740481C1C}">
-                <a14:useLocalDpi xmlns:a14="http://schemas.microsoft.com/office/drawing/2010/main" val="0"/>
-              </a:ext>
-            </a:extLst>
-          </a:blip>
-          <a:srcRect/>
-          <a:stretch>
-            <a:fillRect/>
-          </a:stretch>
-        </p:blipFill>
-        <p:spPr bwMode="auto">
-          <a:xfrm>
-            <a:off x="2155285" y="22771079"/>
-            <a:ext cx="568434" cy="699288"/>
-          </a:xfrm>
-          <a:prstGeom prst="rect">
-            <a:avLst/>
-          </a:prstGeom>
-          <a:noFill/>
-          <a:extLst>
-            <a:ext uri="{909E8E84-426E-40DD-AFC4-6F175D3DCCD1}">
-              <a14:hiddenFill xmlns:a14="http://schemas.microsoft.com/office/drawing/2010/main">
-                <a:solidFill>
-                  <a:srgbClr val="FFFFFF"/>
-                </a:solidFill>
-              </a14:hiddenFill>
-            </a:ext>
-          </a:extLst>
-        </p:spPr>
-      </p:pic>
-      <p:sp>
-        <p:nvSpPr>
-          <p:cNvPr id="58" name="TextBox 57">
-            <a:extLst>
-              <a:ext uri="{FF2B5EF4-FFF2-40B4-BE49-F238E27FC236}">
-                <a16:creationId xmlns:a16="http://schemas.microsoft.com/office/drawing/2014/main" id="{13CE5BFC-5761-4F06-AE99-9711461B33DD}"/>
-              </a:ext>
-            </a:extLst>
-          </p:cNvPr>
-          <p:cNvSpPr txBox="1"/>
-          <p:nvPr/>
-        </p:nvSpPr>
-        <p:spPr>
-          <a:xfrm>
-            <a:off x="11003887" y="23737577"/>
-            <a:ext cx="4666447" cy="1538883"/>
-          </a:xfrm>
-          <a:prstGeom prst="rect">
-            <a:avLst/>
-          </a:prstGeom>
-          <a:noFill/>
-        </p:spPr>
-        <p:txBody>
-          <a:bodyPr wrap="square" rtlCol="0">
-            <a:spAutoFit/>
-          </a:bodyPr>
-          <a:lstStyle/>
-          <a:p>
-            <a:r>
-              <a:rPr lang="de-DE" sz="2300" dirty="0">
-                <a:latin typeface="Aptos" panose="020B0004020202020204" pitchFamily="34" charset="0"/>
-                <a:cs typeface="Times New Roman" panose="02020603050405020304" pitchFamily="18" charset="0"/>
-              </a:rPr>
-              <a:t>Kein </a:t>
-            </a:r>
-            <a:r>
-              <a:rPr lang="de-DE" sz="2300" noProof="0" dirty="0">
-                <a:latin typeface="Aptos" panose="020B0004020202020204" pitchFamily="34" charset="0"/>
-                <a:cs typeface="Times New Roman" panose="02020603050405020304" pitchFamily="18" charset="0"/>
-              </a:rPr>
-              <a:t>Trend zu kürzeren Texten erkennbar („</a:t>
-            </a:r>
-            <a:r>
-              <a:rPr lang="de-DE" sz="2400" dirty="0"/>
-              <a:t>Short-Form-Content“, Soziale Medien</a:t>
-            </a:r>
-            <a:r>
-              <a:rPr lang="de-DE" sz="2300" noProof="0" dirty="0">
-                <a:latin typeface="Aptos" panose="020B0004020202020204" pitchFamily="34" charset="0"/>
-                <a:cs typeface="Times New Roman" panose="02020603050405020304" pitchFamily="18" charset="0"/>
-              </a:rPr>
-              <a:t>)</a:t>
-            </a:r>
-          </a:p>
-          <a:p>
-            <a:endParaRPr lang="de-DE" sz="2300" dirty="0"/>
-          </a:p>
-        </p:txBody>
-      </p:sp>
-      <p:sp>
-        <p:nvSpPr>
-          <p:cNvPr id="59" name="TextBox 58">
-            <a:extLst>
-              <a:ext uri="{FF2B5EF4-FFF2-40B4-BE49-F238E27FC236}">
-                <a16:creationId xmlns:a16="http://schemas.microsoft.com/office/drawing/2014/main" id="{BA2703F4-CC8A-8C19-E2BE-DA26DB0A76F7}"/>
-              </a:ext>
-            </a:extLst>
-          </p:cNvPr>
-          <p:cNvSpPr txBox="1"/>
-          <p:nvPr/>
-        </p:nvSpPr>
-        <p:spPr>
-          <a:xfrm>
-            <a:off x="318438" y="23513109"/>
-            <a:ext cx="4818103" cy="1938992"/>
-          </a:xfrm>
-          <a:prstGeom prst="rect">
-            <a:avLst/>
-          </a:prstGeom>
-          <a:noFill/>
-        </p:spPr>
-        <p:txBody>
-          <a:bodyPr wrap="square" rtlCol="0">
-            <a:spAutoFit/>
-          </a:bodyPr>
-          <a:lstStyle/>
-          <a:p>
-            <a:pPr marL="342900" indent="-342900">
-              <a:buFontTx/>
-              <a:buChar char="-"/>
-            </a:pPr>
-            <a:r>
-              <a:rPr lang="de-DE" sz="2400" dirty="0"/>
-              <a:t>Opinion-Artikel erwartungsgemäß hohe Subjektivität</a:t>
-            </a:r>
-          </a:p>
-          <a:p>
-            <a:pPr marL="342900" indent="-342900">
-              <a:buFontTx/>
-              <a:buChar char="-"/>
-            </a:pPr>
-            <a:r>
-              <a:rPr lang="de-DE" sz="2400" dirty="0"/>
-              <a:t>World-Artikel eher Objektiv</a:t>
-            </a:r>
-          </a:p>
-          <a:p>
-            <a:pPr marL="342900" indent="-342900">
-              <a:buFontTx/>
-              <a:buChar char="-"/>
-            </a:pPr>
-            <a:r>
-              <a:rPr lang="de-DE" sz="2400" dirty="0"/>
-              <a:t>Sehr ähnlicher Verlauf bei „The New York Times“</a:t>
-            </a:r>
-          </a:p>
-        </p:txBody>
-      </p:sp>
-      <p:sp>
-        <p:nvSpPr>
-          <p:cNvPr id="60" name="TextBox 59">
-            <a:extLst>
-              <a:ext uri="{FF2B5EF4-FFF2-40B4-BE49-F238E27FC236}">
-                <a16:creationId xmlns:a16="http://schemas.microsoft.com/office/drawing/2014/main" id="{C64B362D-BA87-C632-E961-3C043566CE63}"/>
-              </a:ext>
-            </a:extLst>
-          </p:cNvPr>
-          <p:cNvSpPr txBox="1"/>
-          <p:nvPr/>
-        </p:nvSpPr>
-        <p:spPr>
-          <a:xfrm>
-            <a:off x="16439418" y="23781029"/>
-            <a:ext cx="4608700" cy="1154162"/>
-          </a:xfrm>
-          <a:prstGeom prst="rect">
-            <a:avLst/>
-          </a:prstGeom>
-          <a:noFill/>
-        </p:spPr>
-        <p:txBody>
-          <a:bodyPr wrap="square" rtlCol="0">
-            <a:spAutoFit/>
-          </a:bodyPr>
-          <a:lstStyle/>
-          <a:p>
-            <a:r>
-              <a:rPr lang="de-DE" sz="2300" noProof="0" dirty="0">
-                <a:solidFill>
-                  <a:srgbClr val="FF0000"/>
-                </a:solidFill>
-                <a:latin typeface="Aptos" panose="020B0004020202020204" pitchFamily="34" charset="0"/>
-                <a:cs typeface="Times New Roman" panose="02020603050405020304" pitchFamily="18" charset="0"/>
-              </a:rPr>
-              <a:t>Mögliche Gründe: geänderte redaktionelle Schwerpunkte oder eine veränderte Nachrichtenlage.</a:t>
-            </a:r>
-          </a:p>
-        </p:txBody>
-      </p:sp>
-      <p:sp>
-        <p:nvSpPr>
-          <p:cNvPr id="61" name="TextBox 60">
-            <a:extLst>
-              <a:ext uri="{FF2B5EF4-FFF2-40B4-BE49-F238E27FC236}">
-                <a16:creationId xmlns:a16="http://schemas.microsoft.com/office/drawing/2014/main" id="{EB0DBFDB-6782-2DB6-B112-2720DEDC4AC1}"/>
-              </a:ext>
-            </a:extLst>
-          </p:cNvPr>
-          <p:cNvSpPr txBox="1"/>
-          <p:nvPr/>
-        </p:nvSpPr>
-        <p:spPr>
-          <a:xfrm>
-            <a:off x="5684982" y="23530219"/>
-            <a:ext cx="4780058" cy="1862048"/>
-          </a:xfrm>
-          <a:prstGeom prst="rect">
-            <a:avLst/>
-          </a:prstGeom>
-          <a:noFill/>
-        </p:spPr>
-        <p:txBody>
-          <a:bodyPr wrap="square" rtlCol="0">
-            <a:spAutoFit/>
-          </a:bodyPr>
-          <a:lstStyle/>
-          <a:p>
-            <a:pPr marL="285750" indent="-285750">
-              <a:buFontTx/>
-              <a:buChar char="-"/>
-            </a:pPr>
-            <a:r>
-              <a:rPr lang="de-DE" sz="2300" dirty="0"/>
-              <a:t>Sehr ähnliche Entwicklung beider Zeitungen</a:t>
-            </a:r>
-          </a:p>
-          <a:p>
-            <a:pPr marL="285750" indent="-285750">
-              <a:buFontTx/>
-              <a:buChar char="-"/>
-            </a:pPr>
-            <a:r>
-              <a:rPr lang="de-DE" sz="2300" dirty="0">
-                <a:sym typeface="Wingdings" panose="05000000000000000000" pitchFamily="2" charset="2"/>
-              </a:rPr>
-              <a:t> </a:t>
-            </a:r>
-            <a:r>
-              <a:rPr lang="de-DE" sz="2300" dirty="0"/>
-              <a:t>Vergleichbare standards</a:t>
-            </a:r>
-          </a:p>
-          <a:p>
-            <a:pPr marL="285750" indent="-285750">
-              <a:buFontTx/>
-              <a:buChar char="-"/>
-            </a:pPr>
-            <a:r>
-              <a:rPr lang="de-DE" sz="2300" dirty="0"/>
-              <a:t>Etablierte Medien nutzen </a:t>
-            </a:r>
-            <a:r>
-              <a:rPr lang="de-DE" sz="2300" dirty="0">
-                <a:solidFill>
-                  <a:srgbClr val="FF0000"/>
-                </a:solidFill>
-              </a:rPr>
-              <a:t>Normalisierte </a:t>
-            </a:r>
-            <a:r>
-              <a:rPr lang="de-DE" sz="2300" dirty="0"/>
-              <a:t>Sprache</a:t>
-            </a:r>
-          </a:p>
-        </p:txBody>
-      </p:sp>
-      <p:sp>
-        <p:nvSpPr>
-          <p:cNvPr id="62" name="TextBox 61">
-            <a:extLst>
-              <a:ext uri="{FF2B5EF4-FFF2-40B4-BE49-F238E27FC236}">
-                <a16:creationId xmlns:a16="http://schemas.microsoft.com/office/drawing/2014/main" id="{49803314-A7A2-51D5-1E0F-EC81FD587D41}"/>
-              </a:ext>
-            </a:extLst>
-          </p:cNvPr>
-          <p:cNvSpPr txBox="1"/>
-          <p:nvPr/>
-        </p:nvSpPr>
-        <p:spPr>
-          <a:xfrm>
-            <a:off x="16323240" y="20253512"/>
-            <a:ext cx="4933931" cy="584775"/>
-          </a:xfrm>
-          <a:prstGeom prst="rect">
-            <a:avLst/>
-          </a:prstGeom>
-          <a:noFill/>
-        </p:spPr>
-        <p:txBody>
-          <a:bodyPr wrap="square" rtlCol="0">
-            <a:spAutoFit/>
-          </a:bodyPr>
-          <a:lstStyle/>
-          <a:p>
-            <a:r>
-              <a:rPr lang="de-DE" sz="1600" dirty="0"/>
-              <a:t>Abbildung 4: </a:t>
-            </a:r>
-            <a:r>
-              <a:rPr lang="de-DE" sz="1600" b="1" dirty="0"/>
-              <a:t>Artikelanzahl</a:t>
-            </a:r>
-            <a:r>
-              <a:rPr lang="de-DE" sz="1600" dirty="0"/>
-              <a:t> der Rubrik „Opinion“ von „The Guardian“</a:t>
-            </a:r>
-          </a:p>
-        </p:txBody>
-      </p:sp>
+          </p:spPr>
+          <p:txBody>
+            <a:bodyPr wrap="square" rtlCol="0">
+              <a:spAutoFit/>
+            </a:bodyPr>
+            <a:lstStyle/>
+            <a:p>
+              <a:pPr marL="342900" indent="-342900">
+                <a:buFontTx/>
+                <a:buChar char="-"/>
+              </a:pPr>
+              <a:r>
+                <a:rPr lang="de-DE" sz="2400" dirty="0"/>
+                <a:t>Opinion-Artikel erwartungsgemäß hohe Subjektivität</a:t>
+              </a:r>
+            </a:p>
+            <a:p>
+              <a:pPr marL="342900" indent="-342900">
+                <a:buFontTx/>
+                <a:buChar char="-"/>
+              </a:pPr>
+              <a:r>
+                <a:rPr lang="de-DE" sz="2400" dirty="0"/>
+                <a:t>World-Artikel eher Objektiv</a:t>
+              </a:r>
+            </a:p>
+            <a:p>
+              <a:pPr marL="342900" indent="-342900">
+                <a:buFontTx/>
+                <a:buChar char="-"/>
+              </a:pPr>
+              <a:r>
+                <a:rPr lang="de-DE" sz="2400" dirty="0"/>
+                <a:t>Sehr ähnlicher Verlauf bei „The New York Times“</a:t>
+              </a:r>
+            </a:p>
+          </p:txBody>
+        </p:sp>
+      </p:grpSp>
       <p:sp>
         <p:nvSpPr>
           <p:cNvPr id="63" name="TextBox 62">
@@ -6517,92 +5798,322 @@
           </a:p>
         </p:txBody>
       </p:sp>
-      <p:sp>
-        <p:nvSpPr>
-          <p:cNvPr id="64" name="TextBox 63">
+      <p:grpSp>
+        <p:nvGrpSpPr>
+          <p:cNvPr id="14" name="Group 13">
             <a:extLst>
               <a:ext uri="{FF2B5EF4-FFF2-40B4-BE49-F238E27FC236}">
-                <a16:creationId xmlns:a16="http://schemas.microsoft.com/office/drawing/2014/main" id="{17545517-E3E3-ECBE-AC9D-B9A6B7AF5499}"/>
+                <a16:creationId xmlns:a16="http://schemas.microsoft.com/office/drawing/2014/main" id="{E531C39D-6154-25C7-3E92-789F307C62DC}"/>
               </a:ext>
             </a:extLst>
           </p:cNvPr>
-          <p:cNvSpPr txBox="1"/>
+          <p:cNvGrpSpPr/>
           <p:nvPr/>
-        </p:nvSpPr>
-        <p:spPr>
+        </p:nvGrpSpPr>
+        <p:grpSpPr>
           <a:xfrm>
-            <a:off x="5678189" y="20129869"/>
-            <a:ext cx="4933931" cy="338554"/>
+            <a:off x="5547727" y="16576127"/>
+            <a:ext cx="5064393" cy="9108000"/>
+            <a:chOff x="5547727" y="16576127"/>
+            <a:chExt cx="5064393" cy="9108000"/>
           </a:xfrm>
-          <a:prstGeom prst="rect">
-            <a:avLst/>
-          </a:prstGeom>
-          <a:noFill/>
-        </p:spPr>
-        <p:txBody>
-          <a:bodyPr wrap="square" rtlCol="0">
-            <a:spAutoFit/>
-          </a:bodyPr>
-          <a:lstStyle/>
-          <a:p>
-            <a:r>
-              <a:rPr lang="de-DE" sz="1600" dirty="0"/>
-              <a:t>Abbildung 2: </a:t>
-            </a:r>
-            <a:r>
-              <a:rPr lang="de-DE" sz="1600" b="1" dirty="0"/>
-              <a:t>Polarisation</a:t>
-            </a:r>
-            <a:r>
-              <a:rPr lang="de-DE" sz="1600" dirty="0"/>
-              <a:t> von „The New York Times“ </a:t>
-            </a:r>
-          </a:p>
-        </p:txBody>
-      </p:sp>
-      <p:sp>
-        <p:nvSpPr>
-          <p:cNvPr id="65" name="TextBox 64">
-            <a:extLst>
-              <a:ext uri="{FF2B5EF4-FFF2-40B4-BE49-F238E27FC236}">
-                <a16:creationId xmlns:a16="http://schemas.microsoft.com/office/drawing/2014/main" id="{014C66EC-2520-D771-A188-0E840F529826}"/>
-              </a:ext>
-            </a:extLst>
-          </p:cNvPr>
-          <p:cNvSpPr txBox="1"/>
-          <p:nvPr/>
-        </p:nvSpPr>
-        <p:spPr>
-          <a:xfrm>
-            <a:off x="11030675" y="20185782"/>
-            <a:ext cx="4933931" cy="584775"/>
-          </a:xfrm>
-          <a:prstGeom prst="rect">
-            <a:avLst/>
-          </a:prstGeom>
-          <a:noFill/>
-        </p:spPr>
-        <p:txBody>
-          <a:bodyPr wrap="square" rtlCol="0">
-            <a:spAutoFit/>
-          </a:bodyPr>
-          <a:lstStyle/>
-          <a:p>
-            <a:r>
-              <a:rPr lang="de-DE" sz="1600" dirty="0"/>
-              <a:t>Abbildung 3: </a:t>
-            </a:r>
-            <a:r>
-              <a:rPr lang="de-DE" sz="1600" b="1" dirty="0"/>
-              <a:t>Wörteranzahl</a:t>
-            </a:r>
-            <a:r>
-              <a:rPr lang="de-DE" sz="1600" dirty="0"/>
-              <a:t> der Zeitung „The Guardian“, alle Rubriken vereint</a:t>
-            </a:r>
-          </a:p>
-        </p:txBody>
-      </p:sp>
+        </p:grpSpPr>
+        <p:grpSp>
+          <p:nvGrpSpPr>
+            <p:cNvPr id="6" name="Group 5">
+              <a:extLst>
+                <a:ext uri="{FF2B5EF4-FFF2-40B4-BE49-F238E27FC236}">
+                  <a16:creationId xmlns:a16="http://schemas.microsoft.com/office/drawing/2014/main" id="{31FEFF96-DBCE-7385-8365-01898B0C30D0}"/>
+                </a:ext>
+              </a:extLst>
+            </p:cNvPr>
+            <p:cNvGrpSpPr/>
+            <p:nvPr/>
+          </p:nvGrpSpPr>
+          <p:grpSpPr>
+            <a:xfrm>
+              <a:off x="5547727" y="16576127"/>
+              <a:ext cx="4950000" cy="9108000"/>
+              <a:chOff x="5547727" y="16576127"/>
+              <a:chExt cx="4950000" cy="9108000"/>
+            </a:xfrm>
+          </p:grpSpPr>
+          <p:sp>
+            <p:nvSpPr>
+              <p:cNvPr id="47" name="Rechteck 1">
+                <a:extLst>
+                  <a:ext uri="{FF2B5EF4-FFF2-40B4-BE49-F238E27FC236}">
+                    <a16:creationId xmlns:a16="http://schemas.microsoft.com/office/drawing/2014/main" id="{27F7F46E-F8F3-8697-C2BA-3290F10CB7C5}"/>
+                  </a:ext>
+                </a:extLst>
+              </p:cNvPr>
+              <p:cNvSpPr>
+                <a:spLocks/>
+              </p:cNvSpPr>
+              <p:nvPr/>
+            </p:nvSpPr>
+            <p:spPr>
+              <a:xfrm>
+                <a:off x="5547727" y="16576127"/>
+                <a:ext cx="4950000" cy="9108000"/>
+              </a:xfrm>
+              <a:prstGeom prst="rect">
+                <a:avLst/>
+              </a:prstGeom>
+              <a:solidFill>
+                <a:schemeClr val="bg1"/>
+              </a:solidFill>
+              <a:ln>
+                <a:noFill/>
+              </a:ln>
+            </p:spPr>
+            <p:style>
+              <a:lnRef idx="2">
+                <a:schemeClr val="accent1">
+                  <a:shade val="50000"/>
+                </a:schemeClr>
+              </a:lnRef>
+              <a:fillRef idx="1">
+                <a:schemeClr val="accent1"/>
+              </a:fillRef>
+              <a:effectRef idx="0">
+                <a:schemeClr val="accent1"/>
+              </a:effectRef>
+              <a:fontRef idx="minor">
+                <a:schemeClr val="lt1"/>
+              </a:fontRef>
+            </p:style>
+            <p:txBody>
+              <a:bodyPr rtlCol="0" anchor="ctr"/>
+              <a:lstStyle/>
+              <a:p>
+                <a:pPr algn="ctr"/>
+                <a:r>
+                  <a:rPr lang="de-DE" sz="3200" noProof="0" dirty="0">
+                    <a:latin typeface="Times New Roman" panose="02020603050405020304" pitchFamily="18" charset="0"/>
+                    <a:cs typeface="Times New Roman" panose="02020603050405020304" pitchFamily="18" charset="0"/>
+                  </a:rPr>
+                  <a:t>&lt;&lt;&lt;&lt;&lt;&lt;&lt;</a:t>
+                </a:r>
+              </a:p>
+            </p:txBody>
+          </p:sp>
+          <p:pic>
+            <p:nvPicPr>
+              <p:cNvPr id="50" name="Grafik 23">
+                <a:extLst>
+                  <a:ext uri="{FF2B5EF4-FFF2-40B4-BE49-F238E27FC236}">
+                    <a16:creationId xmlns:a16="http://schemas.microsoft.com/office/drawing/2014/main" id="{EDC46B7D-5237-34E1-60AA-EB1FF128AB51}"/>
+                  </a:ext>
+                </a:extLst>
+              </p:cNvPr>
+              <p:cNvPicPr>
+                <a:picLocks noChangeAspect="1"/>
+              </p:cNvPicPr>
+              <p:nvPr/>
+            </p:nvPicPr>
+            <p:blipFill>
+              <a:blip r:embed="rId13">
+                <a:extLst>
+                  <a:ext uri="{28A0092B-C50C-407E-A947-70E740481C1C}">
+                    <a14:useLocalDpi xmlns:a14="http://schemas.microsoft.com/office/drawing/2010/main" val="0"/>
+                  </a:ext>
+                </a:extLst>
+              </a:blip>
+              <a:srcRect/>
+              <a:stretch/>
+            </p:blipFill>
+            <p:spPr bwMode="auto">
+              <a:xfrm>
+                <a:off x="5549431" y="16579992"/>
+                <a:ext cx="4946591" cy="3712698"/>
+              </a:xfrm>
+              <a:prstGeom prst="rect">
+                <a:avLst/>
+              </a:prstGeom>
+              <a:noFill/>
+              <a:ln>
+                <a:noFill/>
+              </a:ln>
+            </p:spPr>
+          </p:pic>
+          <p:sp>
+            <p:nvSpPr>
+              <p:cNvPr id="57" name="TextBox 56">
+                <a:extLst>
+                  <a:ext uri="{FF2B5EF4-FFF2-40B4-BE49-F238E27FC236}">
+                    <a16:creationId xmlns:a16="http://schemas.microsoft.com/office/drawing/2014/main" id="{573BF7C2-9B81-A147-10DA-7F0093334800}"/>
+                  </a:ext>
+                </a:extLst>
+              </p:cNvPr>
+              <p:cNvSpPr txBox="1"/>
+              <p:nvPr/>
+            </p:nvSpPr>
+            <p:spPr>
+              <a:xfrm>
+                <a:off x="5609239" y="20947035"/>
+                <a:ext cx="4548554" cy="1938992"/>
+              </a:xfrm>
+              <a:prstGeom prst="rect">
+                <a:avLst/>
+              </a:prstGeom>
+              <a:noFill/>
+            </p:spPr>
+            <p:txBody>
+              <a:bodyPr wrap="square" rtlCol="0">
+                <a:spAutoFit/>
+              </a:bodyPr>
+              <a:lstStyle/>
+              <a:p>
+                <a:r>
+                  <a:rPr lang="de-DE" sz="2400" b="1" noProof="0" dirty="0"/>
+                  <a:t>📊Polarisation:</a:t>
+                </a:r>
+              </a:p>
+              <a:p>
+                <a:pPr marL="342900" indent="-342900">
+                  <a:buFontTx/>
+                  <a:buChar char="-"/>
+                </a:pPr>
+                <a:r>
+                  <a:rPr lang="de-DE" sz="2400" noProof="0" dirty="0"/>
+                  <a:t>konstanter Durchschnittswert (0,1)</a:t>
+                </a:r>
+              </a:p>
+              <a:p>
+                <a:pPr marL="342900" indent="-342900">
+                  <a:buFontTx/>
+                  <a:buChar char="-"/>
+                </a:pPr>
+                <a:r>
+                  <a:rPr lang="de-DE" sz="2400" noProof="0" dirty="0"/>
+                  <a:t>keine negative oder positive Tendenz</a:t>
+                </a:r>
+              </a:p>
+            </p:txBody>
+          </p:sp>
+          <p:sp>
+            <p:nvSpPr>
+              <p:cNvPr id="61" name="TextBox 60">
+                <a:extLst>
+                  <a:ext uri="{FF2B5EF4-FFF2-40B4-BE49-F238E27FC236}">
+                    <a16:creationId xmlns:a16="http://schemas.microsoft.com/office/drawing/2014/main" id="{EB0DBFDB-6782-2DB6-B112-2720DEDC4AC1}"/>
+                  </a:ext>
+                </a:extLst>
+              </p:cNvPr>
+              <p:cNvSpPr txBox="1"/>
+              <p:nvPr/>
+            </p:nvSpPr>
+            <p:spPr>
+              <a:xfrm>
+                <a:off x="5684982" y="23530219"/>
+                <a:ext cx="4780058" cy="1862048"/>
+              </a:xfrm>
+              <a:prstGeom prst="rect">
+                <a:avLst/>
+              </a:prstGeom>
+              <a:noFill/>
+            </p:spPr>
+            <p:txBody>
+              <a:bodyPr wrap="square" rtlCol="0">
+                <a:spAutoFit/>
+              </a:bodyPr>
+              <a:lstStyle/>
+              <a:p>
+                <a:pPr marL="285750" indent="-285750">
+                  <a:buFontTx/>
+                  <a:buChar char="-"/>
+                </a:pPr>
+                <a:r>
+                  <a:rPr lang="de-DE" sz="2300" dirty="0"/>
+                  <a:t>Sehr ähnliche Entwicklung beider Zeitungen</a:t>
+                </a:r>
+              </a:p>
+              <a:p>
+                <a:pPr marL="285750" indent="-285750">
+                  <a:buFontTx/>
+                  <a:buChar char="-"/>
+                </a:pPr>
+                <a:r>
+                  <a:rPr lang="de-DE" sz="2300" dirty="0">
+                    <a:sym typeface="Wingdings" panose="05000000000000000000" pitchFamily="2" charset="2"/>
+                  </a:rPr>
+                  <a:t> </a:t>
+                </a:r>
+                <a:r>
+                  <a:rPr lang="de-DE" sz="2300" dirty="0"/>
+                  <a:t>Vergleichbare standards</a:t>
+                </a:r>
+              </a:p>
+              <a:p>
+                <a:pPr marL="285750" indent="-285750">
+                  <a:buFontTx/>
+                  <a:buChar char="-"/>
+                </a:pPr>
+                <a:r>
+                  <a:rPr lang="de-DE" sz="2300" dirty="0"/>
+                  <a:t>Etablierte Medien nutzen </a:t>
+                </a:r>
+                <a:r>
+                  <a:rPr lang="de-DE" sz="2300" dirty="0">
+                    <a:solidFill>
+                      <a:srgbClr val="FF0000"/>
+                    </a:solidFill>
+                  </a:rPr>
+                  <a:t>Normalisierte </a:t>
+                </a:r>
+                <a:r>
+                  <a:rPr lang="de-DE" sz="2300" dirty="0"/>
+                  <a:t>Sprache</a:t>
+                </a:r>
+              </a:p>
+            </p:txBody>
+          </p:sp>
+        </p:grpSp>
+        <p:sp>
+          <p:nvSpPr>
+            <p:cNvPr id="64" name="TextBox 63">
+              <a:extLst>
+                <a:ext uri="{FF2B5EF4-FFF2-40B4-BE49-F238E27FC236}">
+                  <a16:creationId xmlns:a16="http://schemas.microsoft.com/office/drawing/2014/main" id="{17545517-E3E3-ECBE-AC9D-B9A6B7AF5499}"/>
+                </a:ext>
+              </a:extLst>
+            </p:cNvPr>
+            <p:cNvSpPr txBox="1"/>
+            <p:nvPr/>
+          </p:nvSpPr>
+          <p:spPr>
+            <a:xfrm>
+              <a:off x="5678189" y="20129869"/>
+              <a:ext cx="4933931" cy="338554"/>
+            </a:xfrm>
+            <a:prstGeom prst="rect">
+              <a:avLst/>
+            </a:prstGeom>
+            <a:noFill/>
+          </p:spPr>
+          <p:txBody>
+            <a:bodyPr wrap="square" rtlCol="0">
+              <a:spAutoFit/>
+            </a:bodyPr>
+            <a:lstStyle/>
+            <a:p>
+              <a:r>
+                <a:rPr lang="de-DE" sz="1600" dirty="0"/>
+                <a:t>Abbildung 2: </a:t>
+              </a:r>
+              <a:r>
+                <a:rPr lang="de-DE" sz="1600" b="1" dirty="0"/>
+                <a:t>Polarisation</a:t>
+              </a:r>
+              <a:r>
+                <a:rPr lang="de-DE" sz="1600" dirty="0"/>
+                <a:t> von „The New York Times“ </a:t>
+              </a:r>
+            </a:p>
+          </p:txBody>
+        </p:sp>
+      </p:grpSp>
       <p:pic>
         <p:nvPicPr>
           <p:cNvPr id="66" name="Picture 2" descr="5.000+ kostenlose Pfeil und Richtung-Bilder - Pixabay">
@@ -6618,7 +6129,7 @@
           <p:nvPr/>
         </p:nvPicPr>
         <p:blipFill>
-          <a:blip r:embed="rId15" cstate="print">
+          <a:blip r:embed="rId12" cstate="print">
             <a:extLst>
               <a:ext uri="{28A0092B-C50C-407E-A947-70E740481C1C}">
                 <a14:useLocalDpi xmlns:a14="http://schemas.microsoft.com/office/drawing/2010/main" val="0"/>
@@ -6650,100 +6161,636 @@
           </a:extLst>
         </p:spPr>
       </p:pic>
-      <p:pic>
-        <p:nvPicPr>
-          <p:cNvPr id="67" name="Picture 2" descr="5.000+ kostenlose Pfeil und Richtung-Bilder - Pixabay">
+      <p:grpSp>
+        <p:nvGrpSpPr>
+          <p:cNvPr id="11" name="Group 10">
             <a:extLst>
               <a:ext uri="{FF2B5EF4-FFF2-40B4-BE49-F238E27FC236}">
-                <a16:creationId xmlns:a16="http://schemas.microsoft.com/office/drawing/2014/main" id="{F9F85AEA-47EA-BFEC-82E6-681B3F784D4E}"/>
+                <a16:creationId xmlns:a16="http://schemas.microsoft.com/office/drawing/2014/main" id="{AC1F14D0-45FB-32F7-C496-3C1E238E79FB}"/>
               </a:ext>
             </a:extLst>
           </p:cNvPr>
-          <p:cNvPicPr>
-            <a:picLocks noChangeAspect="1" noChangeArrowheads="1"/>
-          </p:cNvPicPr>
+          <p:cNvGrpSpPr/>
           <p:nvPr/>
-        </p:nvPicPr>
-        <p:blipFill>
-          <a:blip r:embed="rId15" cstate="print">
+        </p:nvGrpSpPr>
+        <p:grpSpPr>
+          <a:xfrm>
+            <a:off x="10847051" y="16551404"/>
+            <a:ext cx="5248031" cy="9108000"/>
+            <a:chOff x="10847051" y="16551404"/>
+            <a:chExt cx="5248031" cy="9108000"/>
+          </a:xfrm>
+        </p:grpSpPr>
+        <p:sp>
+          <p:nvSpPr>
+            <p:cNvPr id="48" name="Rechteck 1">
+              <a:extLst>
+                <a:ext uri="{FF2B5EF4-FFF2-40B4-BE49-F238E27FC236}">
+                  <a16:creationId xmlns:a16="http://schemas.microsoft.com/office/drawing/2014/main" id="{1783D117-E1F1-868A-08CF-B7833151A180}"/>
+                </a:ext>
+              </a:extLst>
+            </p:cNvPr>
+            <p:cNvSpPr>
+              <a:spLocks/>
+            </p:cNvSpPr>
+            <p:nvPr/>
+          </p:nvSpPr>
+          <p:spPr>
+            <a:xfrm>
+              <a:off x="10847051" y="16551404"/>
+              <a:ext cx="4950000" cy="9108000"/>
+            </a:xfrm>
+            <a:prstGeom prst="rect">
+              <a:avLst/>
+            </a:prstGeom>
+            <a:solidFill>
+              <a:schemeClr val="bg1"/>
+            </a:solidFill>
+            <a:ln>
+              <a:noFill/>
+            </a:ln>
+          </p:spPr>
+          <p:style>
+            <a:lnRef idx="2">
+              <a:schemeClr val="accent1">
+                <a:shade val="50000"/>
+              </a:schemeClr>
+            </a:lnRef>
+            <a:fillRef idx="1">
+              <a:schemeClr val="accent1"/>
+            </a:fillRef>
+            <a:effectRef idx="0">
+              <a:schemeClr val="accent1"/>
+            </a:effectRef>
+            <a:fontRef idx="minor">
+              <a:schemeClr val="lt1"/>
+            </a:fontRef>
+          </p:style>
+          <p:txBody>
+            <a:bodyPr rtlCol="0" anchor="ctr"/>
+            <a:lstStyle/>
+            <a:p>
+              <a:pPr algn="ctr"/>
+              <a:r>
+                <a:rPr lang="de-DE" sz="3200" noProof="0" dirty="0">
+                  <a:latin typeface="Times New Roman" panose="02020603050405020304" pitchFamily="18" charset="0"/>
+                  <a:cs typeface="Times New Roman" panose="02020603050405020304" pitchFamily="18" charset="0"/>
+                </a:rPr>
+                <a:t>&lt;&lt;&lt;&lt;&lt;&lt;&lt;</a:t>
+              </a:r>
+            </a:p>
+          </p:txBody>
+        </p:sp>
+        <p:sp>
+          <p:nvSpPr>
+            <p:cNvPr id="16" name="Textfeld 15">
+              <a:extLst>
+                <a:ext uri="{FF2B5EF4-FFF2-40B4-BE49-F238E27FC236}">
+                  <a16:creationId xmlns:a16="http://schemas.microsoft.com/office/drawing/2014/main" id="{A5DB40BD-AE90-49CC-B684-A08B086E4906}"/>
+                </a:ext>
+              </a:extLst>
+            </p:cNvPr>
+            <p:cNvSpPr txBox="1"/>
+            <p:nvPr/>
+          </p:nvSpPr>
+          <p:spPr>
+            <a:xfrm>
+              <a:off x="10944609" y="21009523"/>
+              <a:ext cx="5150473" cy="1938992"/>
+            </a:xfrm>
+            <a:prstGeom prst="rect">
+              <a:avLst/>
+            </a:prstGeom>
+            <a:noFill/>
+          </p:spPr>
+          <p:txBody>
+            <a:bodyPr wrap="square" rtlCol="0">
+              <a:spAutoFit/>
+            </a:bodyPr>
+            <a:lstStyle/>
+            <a:p>
+              <a:r>
+                <a:rPr lang="de-DE" sz="2400" b="1" noProof="0" dirty="0"/>
+                <a:t>📉 Artikellänge:</a:t>
+              </a:r>
+            </a:p>
+            <a:p>
+              <a:r>
+                <a:rPr lang="de-DE" sz="2400" noProof="0" dirty="0"/>
+                <a:t>Guardian ca. 800 Wörter pro Artikel</a:t>
+              </a:r>
+            </a:p>
+            <a:p>
+              <a:r>
+                <a:rPr lang="de-DE" sz="2400" noProof="0" dirty="0"/>
+                <a:t>New York Times ca. 1100 Wörter pro Artikel</a:t>
+              </a:r>
+              <a:br>
+                <a:rPr lang="de-DE" sz="2400" noProof="0" dirty="0"/>
+              </a:br>
+              <a:r>
+                <a:rPr lang="de-DE" sz="2400" noProof="0" dirty="0"/>
+                <a:t>keine signifikanten Veränderungen</a:t>
+              </a:r>
+            </a:p>
+          </p:txBody>
+        </p:sp>
+        <p:pic>
+          <p:nvPicPr>
+            <p:cNvPr id="51" name="Grafik 23">
+              <a:extLst>
+                <a:ext uri="{FF2B5EF4-FFF2-40B4-BE49-F238E27FC236}">
+                  <a16:creationId xmlns:a16="http://schemas.microsoft.com/office/drawing/2014/main" id="{91805B7E-E3D0-7D81-90D6-376AB34A5FC8}"/>
+                </a:ext>
+              </a:extLst>
+            </p:cNvPr>
+            <p:cNvPicPr>
+              <a:picLocks noChangeAspect="1"/>
+            </p:cNvPicPr>
+            <p:nvPr/>
+          </p:nvPicPr>
+          <p:blipFill>
+            <a:blip r:embed="rId14">
+              <a:extLst>
+                <a:ext uri="{28A0092B-C50C-407E-A947-70E740481C1C}">
+                  <a14:useLocalDpi xmlns:a14="http://schemas.microsoft.com/office/drawing/2010/main" val="0"/>
+                </a:ext>
+              </a:extLst>
+            </a:blip>
+            <a:srcRect t="104" b="104"/>
+            <a:stretch/>
+          </p:blipFill>
+          <p:spPr bwMode="auto">
+            <a:xfrm>
+              <a:off x="10855521" y="16594285"/>
+              <a:ext cx="4946591" cy="3712698"/>
+            </a:xfrm>
+            <a:prstGeom prst="rect">
+              <a:avLst/>
+            </a:prstGeom>
+            <a:noFill/>
+            <a:ln>
+              <a:noFill/>
+            </a:ln>
+          </p:spPr>
+        </p:pic>
+        <p:sp>
+          <p:nvSpPr>
+            <p:cNvPr id="58" name="TextBox 57">
+              <a:extLst>
+                <a:ext uri="{FF2B5EF4-FFF2-40B4-BE49-F238E27FC236}">
+                  <a16:creationId xmlns:a16="http://schemas.microsoft.com/office/drawing/2014/main" id="{13CE5BFC-5761-4F06-AE99-9711461B33DD}"/>
+                </a:ext>
+              </a:extLst>
+            </p:cNvPr>
+            <p:cNvSpPr txBox="1"/>
+            <p:nvPr/>
+          </p:nvSpPr>
+          <p:spPr>
+            <a:xfrm>
+              <a:off x="11003887" y="23737577"/>
+              <a:ext cx="4666447" cy="1538883"/>
+            </a:xfrm>
+            <a:prstGeom prst="rect">
+              <a:avLst/>
+            </a:prstGeom>
+            <a:noFill/>
+          </p:spPr>
+          <p:txBody>
+            <a:bodyPr wrap="square" rtlCol="0">
+              <a:spAutoFit/>
+            </a:bodyPr>
+            <a:lstStyle/>
+            <a:p>
+              <a:r>
+                <a:rPr lang="de-DE" sz="2300" dirty="0">
+                  <a:latin typeface="Aptos" panose="020B0004020202020204" pitchFamily="34" charset="0"/>
+                  <a:cs typeface="Times New Roman" panose="02020603050405020304" pitchFamily="18" charset="0"/>
+                </a:rPr>
+                <a:t>Kein </a:t>
+              </a:r>
+              <a:r>
+                <a:rPr lang="de-DE" sz="2300" noProof="0" dirty="0">
+                  <a:latin typeface="Aptos" panose="020B0004020202020204" pitchFamily="34" charset="0"/>
+                  <a:cs typeface="Times New Roman" panose="02020603050405020304" pitchFamily="18" charset="0"/>
+                </a:rPr>
+                <a:t>Trend zu kürzeren Texten erkennbar („</a:t>
+              </a:r>
+              <a:r>
+                <a:rPr lang="de-DE" sz="2400" dirty="0"/>
+                <a:t>Short-Form-Content“, Soziale Medien</a:t>
+              </a:r>
+              <a:r>
+                <a:rPr lang="de-DE" sz="2300" noProof="0" dirty="0">
+                  <a:latin typeface="Aptos" panose="020B0004020202020204" pitchFamily="34" charset="0"/>
+                  <a:cs typeface="Times New Roman" panose="02020603050405020304" pitchFamily="18" charset="0"/>
+                </a:rPr>
+                <a:t>)</a:t>
+              </a:r>
+            </a:p>
+            <a:p>
+              <a:endParaRPr lang="de-DE" sz="2300" dirty="0"/>
+            </a:p>
+          </p:txBody>
+        </p:sp>
+        <p:sp>
+          <p:nvSpPr>
+            <p:cNvPr id="65" name="TextBox 64">
+              <a:extLst>
+                <a:ext uri="{FF2B5EF4-FFF2-40B4-BE49-F238E27FC236}">
+                  <a16:creationId xmlns:a16="http://schemas.microsoft.com/office/drawing/2014/main" id="{014C66EC-2520-D771-A188-0E840F529826}"/>
+                </a:ext>
+              </a:extLst>
+            </p:cNvPr>
+            <p:cNvSpPr txBox="1"/>
+            <p:nvPr/>
+          </p:nvSpPr>
+          <p:spPr>
+            <a:xfrm>
+              <a:off x="11030675" y="20185782"/>
+              <a:ext cx="4933931" cy="584775"/>
+            </a:xfrm>
+            <a:prstGeom prst="rect">
+              <a:avLst/>
+            </a:prstGeom>
+            <a:noFill/>
+          </p:spPr>
+          <p:txBody>
+            <a:bodyPr wrap="square" rtlCol="0">
+              <a:spAutoFit/>
+            </a:bodyPr>
+            <a:lstStyle/>
+            <a:p>
+              <a:r>
+                <a:rPr lang="de-DE" sz="1600" dirty="0"/>
+                <a:t>Abbildung 3: </a:t>
+              </a:r>
+              <a:r>
+                <a:rPr lang="de-DE" sz="1600" b="1" dirty="0"/>
+                <a:t>Wörteranzahl</a:t>
+              </a:r>
+              <a:r>
+                <a:rPr lang="de-DE" sz="1600" dirty="0"/>
+                <a:t> der Zeitung „The Guardian“, alle Rubriken vereint</a:t>
+              </a:r>
+            </a:p>
+          </p:txBody>
+        </p:sp>
+        <p:pic>
+          <p:nvPicPr>
+            <p:cNvPr id="67" name="Picture 2" descr="5.000+ kostenlose Pfeil und Richtung-Bilder - Pixabay">
+              <a:extLst>
+                <a:ext uri="{FF2B5EF4-FFF2-40B4-BE49-F238E27FC236}">
+                  <a16:creationId xmlns:a16="http://schemas.microsoft.com/office/drawing/2014/main" id="{F9F85AEA-47EA-BFEC-82E6-681B3F784D4E}"/>
+                </a:ext>
+              </a:extLst>
+            </p:cNvPr>
+            <p:cNvPicPr>
+              <a:picLocks noChangeAspect="1" noChangeArrowheads="1"/>
+            </p:cNvPicPr>
+            <p:nvPr/>
+          </p:nvPicPr>
+          <p:blipFill>
+            <a:blip r:embed="rId12" cstate="print">
+              <a:extLst>
+                <a:ext uri="{28A0092B-C50C-407E-A947-70E740481C1C}">
+                  <a14:useLocalDpi xmlns:a14="http://schemas.microsoft.com/office/drawing/2010/main" val="0"/>
+                </a:ext>
+              </a:extLst>
+            </a:blip>
+            <a:srcRect/>
+            <a:stretch>
+              <a:fillRect/>
+            </a:stretch>
+          </p:blipFill>
+          <p:spPr bwMode="auto">
+            <a:xfrm>
+              <a:off x="12951411" y="23053908"/>
+              <a:ext cx="568434" cy="699288"/>
+            </a:xfrm>
+            <a:prstGeom prst="rect">
+              <a:avLst/>
+            </a:prstGeom>
+            <a:noFill/>
             <a:extLst>
-              <a:ext uri="{28A0092B-C50C-407E-A947-70E740481C1C}">
-                <a14:useLocalDpi xmlns:a14="http://schemas.microsoft.com/office/drawing/2010/main" val="0"/>
+              <a:ext uri="{909E8E84-426E-40DD-AFC4-6F175D3DCCD1}">
+                <a14:hiddenFill xmlns:a14="http://schemas.microsoft.com/office/drawing/2010/main">
+                  <a:solidFill>
+                    <a:srgbClr val="FFFFFF"/>
+                  </a:solidFill>
+                </a14:hiddenFill>
               </a:ext>
             </a:extLst>
-          </a:blip>
-          <a:srcRect/>
-          <a:stretch>
-            <a:fillRect/>
-          </a:stretch>
-        </p:blipFill>
-        <p:spPr bwMode="auto">
-          <a:xfrm>
-            <a:off x="12951411" y="23053908"/>
-            <a:ext cx="568434" cy="699288"/>
-          </a:xfrm>
-          <a:prstGeom prst="rect">
-            <a:avLst/>
-          </a:prstGeom>
-          <a:noFill/>
-          <a:extLst>
-            <a:ext uri="{909E8E84-426E-40DD-AFC4-6F175D3DCCD1}">
-              <a14:hiddenFill xmlns:a14="http://schemas.microsoft.com/office/drawing/2010/main">
-                <a:solidFill>
-                  <a:srgbClr val="FFFFFF"/>
-                </a:solidFill>
-              </a14:hiddenFill>
-            </a:ext>
-          </a:extLst>
-        </p:spPr>
-      </p:pic>
-      <p:pic>
-        <p:nvPicPr>
-          <p:cNvPr id="69" name="Picture 2" descr="5.000+ kostenlose Pfeil und Richtung-Bilder - Pixabay">
+          </p:spPr>
+        </p:pic>
+      </p:grpSp>
+      <p:grpSp>
+        <p:nvGrpSpPr>
+          <p:cNvPr id="21" name="Group 20">
             <a:extLst>
               <a:ext uri="{FF2B5EF4-FFF2-40B4-BE49-F238E27FC236}">
-                <a16:creationId xmlns:a16="http://schemas.microsoft.com/office/drawing/2014/main" id="{6524755C-5BA0-7BF8-A33D-3EEC7BD0D5F9}"/>
+                <a16:creationId xmlns:a16="http://schemas.microsoft.com/office/drawing/2014/main" id="{34F22DBE-7B0D-EE5E-45DC-1531FDE742A6}"/>
               </a:ext>
             </a:extLst>
           </p:cNvPr>
-          <p:cNvPicPr>
-            <a:picLocks noChangeAspect="1" noChangeArrowheads="1"/>
-          </p:cNvPicPr>
+          <p:cNvGrpSpPr/>
           <p:nvPr/>
-        </p:nvPicPr>
-        <p:blipFill>
-          <a:blip r:embed="rId15" cstate="print">
+        </p:nvGrpSpPr>
+        <p:grpSpPr>
+          <a:xfrm>
+            <a:off x="16268768" y="16576127"/>
+            <a:ext cx="4988403" cy="9108000"/>
+            <a:chOff x="16268768" y="16576127"/>
+            <a:chExt cx="4988403" cy="9108000"/>
+          </a:xfrm>
+        </p:grpSpPr>
+        <p:sp>
+          <p:nvSpPr>
+            <p:cNvPr id="49" name="Rechteck 1">
+              <a:extLst>
+                <a:ext uri="{FF2B5EF4-FFF2-40B4-BE49-F238E27FC236}">
+                  <a16:creationId xmlns:a16="http://schemas.microsoft.com/office/drawing/2014/main" id="{51A12177-0FCD-A117-5694-B07CB067B5B8}"/>
+                </a:ext>
+              </a:extLst>
+            </p:cNvPr>
+            <p:cNvSpPr>
+              <a:spLocks/>
+            </p:cNvSpPr>
+            <p:nvPr/>
+          </p:nvSpPr>
+          <p:spPr>
+            <a:xfrm>
+              <a:off x="16268768" y="16576127"/>
+              <a:ext cx="4950000" cy="9108000"/>
+            </a:xfrm>
+            <a:prstGeom prst="rect">
+              <a:avLst/>
+            </a:prstGeom>
+            <a:solidFill>
+              <a:schemeClr val="bg1"/>
+            </a:solidFill>
+            <a:ln>
+              <a:noFill/>
+            </a:ln>
+          </p:spPr>
+          <p:style>
+            <a:lnRef idx="2">
+              <a:schemeClr val="accent1">
+                <a:shade val="50000"/>
+              </a:schemeClr>
+            </a:lnRef>
+            <a:fillRef idx="1">
+              <a:schemeClr val="accent1"/>
+            </a:fillRef>
+            <a:effectRef idx="0">
+              <a:schemeClr val="accent1"/>
+            </a:effectRef>
+            <a:fontRef idx="minor">
+              <a:schemeClr val="lt1"/>
+            </a:fontRef>
+          </p:style>
+          <p:txBody>
+            <a:bodyPr rtlCol="0" anchor="ctr"/>
+            <a:lstStyle/>
+            <a:p>
+              <a:pPr algn="ctr"/>
+              <a:r>
+                <a:rPr lang="de-DE" sz="3200" noProof="0" dirty="0">
+                  <a:latin typeface="Times New Roman" panose="02020603050405020304" pitchFamily="18" charset="0"/>
+                  <a:cs typeface="Times New Roman" panose="02020603050405020304" pitchFamily="18" charset="0"/>
+                </a:rPr>
+                <a:t>&lt;&lt;&lt;&lt;&lt;&lt;&lt;</a:t>
+              </a:r>
+            </a:p>
+          </p:txBody>
+        </p:sp>
+        <p:sp>
+          <p:nvSpPr>
+            <p:cNvPr id="23" name="TextBox 22">
+              <a:extLst>
+                <a:ext uri="{FF2B5EF4-FFF2-40B4-BE49-F238E27FC236}">
+                  <a16:creationId xmlns:a16="http://schemas.microsoft.com/office/drawing/2014/main" id="{D02F9D32-C2BF-D794-CE18-FCF8D383031A}"/>
+                </a:ext>
+              </a:extLst>
+            </p:cNvPr>
+            <p:cNvSpPr txBox="1"/>
+            <p:nvPr/>
+          </p:nvSpPr>
+          <p:spPr>
+            <a:xfrm>
+              <a:off x="16436382" y="20943427"/>
+              <a:ext cx="4608700" cy="1938992"/>
+            </a:xfrm>
+            <a:prstGeom prst="rect">
+              <a:avLst/>
+            </a:prstGeom>
+            <a:solidFill>
+              <a:schemeClr val="bg1"/>
+            </a:solidFill>
+          </p:spPr>
+          <p:txBody>
+            <a:bodyPr wrap="square" rtlCol="0">
+              <a:spAutoFit/>
+            </a:bodyPr>
+            <a:lstStyle/>
+            <a:p>
+              <a:r>
+                <a:rPr lang="de-DE" sz="2400" b="1" noProof="0" dirty="0"/>
+                <a:t>🔢Artikelanzahl:</a:t>
+              </a:r>
+              <a:endParaRPr lang="de-DE" sz="2400" noProof="0" dirty="0"/>
+            </a:p>
+            <a:p>
+              <a:r>
+                <a:rPr lang="de-DE" sz="2400" noProof="0" dirty="0"/>
+                <a:t>Guardian-Artikelanzahl in „Opinion“ ist gesunken</a:t>
+              </a:r>
+            </a:p>
+            <a:p>
+              <a:r>
+                <a:rPr lang="de-DE" sz="2400" noProof="0" dirty="0"/>
+                <a:t>New-York-Times-Artikelanzahl der</a:t>
+              </a:r>
+            </a:p>
+            <a:p>
+              <a:r>
+                <a:rPr lang="de-DE" sz="2400" noProof="0" dirty="0"/>
+                <a:t>Rubrik Politics gestiegen</a:t>
+              </a:r>
+            </a:p>
+          </p:txBody>
+        </p:sp>
+        <p:pic>
+          <p:nvPicPr>
+            <p:cNvPr id="52" name="Grafik 23">
+              <a:extLst>
+                <a:ext uri="{FF2B5EF4-FFF2-40B4-BE49-F238E27FC236}">
+                  <a16:creationId xmlns:a16="http://schemas.microsoft.com/office/drawing/2014/main" id="{8F95D5FE-7E8E-8A54-AED1-AC342D4BEEDB}"/>
+                </a:ext>
+              </a:extLst>
+            </p:cNvPr>
+            <p:cNvPicPr>
+              <a:picLocks noChangeAspect="1"/>
+            </p:cNvPicPr>
+            <p:nvPr/>
+          </p:nvPicPr>
+          <p:blipFill>
+            <a:blip r:embed="rId15">
+              <a:extLst>
+                <a:ext uri="{28A0092B-C50C-407E-A947-70E740481C1C}">
+                  <a14:useLocalDpi xmlns:a14="http://schemas.microsoft.com/office/drawing/2010/main" val="0"/>
+                </a:ext>
+              </a:extLst>
+            </a:blip>
+            <a:srcRect/>
+            <a:stretch/>
+          </p:blipFill>
+          <p:spPr bwMode="auto">
+            <a:xfrm>
+              <a:off x="16275213" y="16608578"/>
+              <a:ext cx="4946591" cy="3712698"/>
+            </a:xfrm>
+            <a:prstGeom prst="rect">
+              <a:avLst/>
+            </a:prstGeom>
+            <a:noFill/>
+            <a:ln>
+              <a:noFill/>
+            </a:ln>
+          </p:spPr>
+        </p:pic>
+        <p:sp>
+          <p:nvSpPr>
+            <p:cNvPr id="60" name="TextBox 59">
+              <a:extLst>
+                <a:ext uri="{FF2B5EF4-FFF2-40B4-BE49-F238E27FC236}">
+                  <a16:creationId xmlns:a16="http://schemas.microsoft.com/office/drawing/2014/main" id="{C64B362D-BA87-C632-E961-3C043566CE63}"/>
+                </a:ext>
+              </a:extLst>
+            </p:cNvPr>
+            <p:cNvSpPr txBox="1"/>
+            <p:nvPr/>
+          </p:nvSpPr>
+          <p:spPr>
+            <a:xfrm>
+              <a:off x="16439418" y="23781029"/>
+              <a:ext cx="4608700" cy="1154162"/>
+            </a:xfrm>
+            <a:prstGeom prst="rect">
+              <a:avLst/>
+            </a:prstGeom>
+            <a:noFill/>
+          </p:spPr>
+          <p:txBody>
+            <a:bodyPr wrap="square" rtlCol="0">
+              <a:spAutoFit/>
+            </a:bodyPr>
+            <a:lstStyle/>
+            <a:p>
+              <a:r>
+                <a:rPr lang="de-DE" sz="2300" noProof="0" dirty="0">
+                  <a:solidFill>
+                    <a:srgbClr val="FF0000"/>
+                  </a:solidFill>
+                  <a:latin typeface="Aptos" panose="020B0004020202020204" pitchFamily="34" charset="0"/>
+                  <a:cs typeface="Times New Roman" panose="02020603050405020304" pitchFamily="18" charset="0"/>
+                </a:rPr>
+                <a:t>Mögliche Gründe: geänderte redaktionelle Schwerpunkte oder eine veränderte Nachrichtenlage.</a:t>
+              </a:r>
+            </a:p>
+          </p:txBody>
+        </p:sp>
+        <p:sp>
+          <p:nvSpPr>
+            <p:cNvPr id="62" name="TextBox 61">
+              <a:extLst>
+                <a:ext uri="{FF2B5EF4-FFF2-40B4-BE49-F238E27FC236}">
+                  <a16:creationId xmlns:a16="http://schemas.microsoft.com/office/drawing/2014/main" id="{49803314-A7A2-51D5-1E0F-EC81FD587D41}"/>
+                </a:ext>
+              </a:extLst>
+            </p:cNvPr>
+            <p:cNvSpPr txBox="1"/>
+            <p:nvPr/>
+          </p:nvSpPr>
+          <p:spPr>
+            <a:xfrm>
+              <a:off x="16323240" y="20253512"/>
+              <a:ext cx="4933931" cy="584775"/>
+            </a:xfrm>
+            <a:prstGeom prst="rect">
+              <a:avLst/>
+            </a:prstGeom>
+            <a:noFill/>
+          </p:spPr>
+          <p:txBody>
+            <a:bodyPr wrap="square" rtlCol="0">
+              <a:spAutoFit/>
+            </a:bodyPr>
+            <a:lstStyle/>
+            <a:p>
+              <a:r>
+                <a:rPr lang="de-DE" sz="1600" dirty="0"/>
+                <a:t>Abbildung 4: </a:t>
+              </a:r>
+              <a:r>
+                <a:rPr lang="de-DE" sz="1600" b="1" dirty="0"/>
+                <a:t>Artikelanzahl</a:t>
+              </a:r>
+              <a:r>
+                <a:rPr lang="de-DE" sz="1600" dirty="0"/>
+                <a:t> der Rubrik „Opinion“ von „The Guardian“</a:t>
+              </a:r>
+            </a:p>
+          </p:txBody>
+        </p:sp>
+        <p:pic>
+          <p:nvPicPr>
+            <p:cNvPr id="69" name="Picture 2" descr="5.000+ kostenlose Pfeil und Richtung-Bilder - Pixabay">
+              <a:extLst>
+                <a:ext uri="{FF2B5EF4-FFF2-40B4-BE49-F238E27FC236}">
+                  <a16:creationId xmlns:a16="http://schemas.microsoft.com/office/drawing/2014/main" id="{6524755C-5BA0-7BF8-A33D-3EEC7BD0D5F9}"/>
+                </a:ext>
+              </a:extLst>
+            </p:cNvPr>
+            <p:cNvPicPr>
+              <a:picLocks noChangeAspect="1" noChangeArrowheads="1"/>
+            </p:cNvPicPr>
+            <p:nvPr/>
+          </p:nvPicPr>
+          <p:blipFill>
+            <a:blip r:embed="rId12" cstate="print">
+              <a:extLst>
+                <a:ext uri="{28A0092B-C50C-407E-A947-70E740481C1C}">
+                  <a14:useLocalDpi xmlns:a14="http://schemas.microsoft.com/office/drawing/2010/main" val="0"/>
+                </a:ext>
+              </a:extLst>
+            </a:blip>
+            <a:srcRect/>
+            <a:stretch>
+              <a:fillRect/>
+            </a:stretch>
+          </p:blipFill>
+          <p:spPr bwMode="auto">
+            <a:xfrm>
+              <a:off x="18097532" y="22969250"/>
+              <a:ext cx="568434" cy="699288"/>
+            </a:xfrm>
+            <a:prstGeom prst="rect">
+              <a:avLst/>
+            </a:prstGeom>
+            <a:noFill/>
             <a:extLst>
-              <a:ext uri="{28A0092B-C50C-407E-A947-70E740481C1C}">
-                <a14:useLocalDpi xmlns:a14="http://schemas.microsoft.com/office/drawing/2010/main" val="0"/>
+              <a:ext uri="{909E8E84-426E-40DD-AFC4-6F175D3DCCD1}">
+                <a14:hiddenFill xmlns:a14="http://schemas.microsoft.com/office/drawing/2010/main">
+                  <a:solidFill>
+                    <a:srgbClr val="FFFFFF"/>
+                  </a:solidFill>
+                </a14:hiddenFill>
               </a:ext>
             </a:extLst>
-          </a:blip>
-          <a:srcRect/>
-          <a:stretch>
-            <a:fillRect/>
-          </a:stretch>
-        </p:blipFill>
-        <p:spPr bwMode="auto">
-          <a:xfrm>
-            <a:off x="18097532" y="22969250"/>
-            <a:ext cx="568434" cy="699288"/>
-          </a:xfrm>
-          <a:prstGeom prst="rect">
-            <a:avLst/>
-          </a:prstGeom>
-          <a:noFill/>
-          <a:extLst>
-            <a:ext uri="{909E8E84-426E-40DD-AFC4-6F175D3DCCD1}">
-              <a14:hiddenFill xmlns:a14="http://schemas.microsoft.com/office/drawing/2010/main">
-                <a:solidFill>
-                  <a:srgbClr val="FFFFFF"/>
-                </a:solidFill>
-              </a14:hiddenFill>
-            </a:ext>
-          </a:extLst>
-        </p:spPr>
-      </p:pic>
+          </p:spPr>
+        </p:pic>
+      </p:grpSp>
       <p:pic>
         <p:nvPicPr>
           <p:cNvPr id="4" name="Picture 3">
@@ -6795,7 +6842,7 @@
           <p:nvPr/>
         </p:nvPicPr>
         <p:blipFill>
-          <a:blip r:embed="rId15" cstate="print">
+          <a:blip r:embed="rId12" cstate="print">
             <a:extLst>
               <a:ext uri="{28A0092B-C50C-407E-A947-70E740481C1C}">
                 <a14:useLocalDpi xmlns:a14="http://schemas.microsoft.com/office/drawing/2010/main" val="0"/>
@@ -6827,6 +6874,455 @@
           </a:extLst>
         </p:spPr>
       </p:pic>
+      <p:pic>
+        <p:nvPicPr>
+          <p:cNvPr id="27" name="Picture 26">
+            <a:extLst>
+              <a:ext uri="{FF2B5EF4-FFF2-40B4-BE49-F238E27FC236}">
+                <a16:creationId xmlns:a16="http://schemas.microsoft.com/office/drawing/2014/main" id="{95272099-A0AF-BD68-9A25-D3DEE45F94D9}"/>
+              </a:ext>
+            </a:extLst>
+          </p:cNvPr>
+          <p:cNvPicPr>
+            <a:picLocks noChangeAspect="1"/>
+          </p:cNvPicPr>
+          <p:nvPr/>
+        </p:nvPicPr>
+        <p:blipFill>
+          <a:blip r:embed="rId17">
+            <a:extLst>
+              <a:ext uri="{28A0092B-C50C-407E-A947-70E740481C1C}">
+                <a14:useLocalDpi xmlns:a14="http://schemas.microsoft.com/office/drawing/2010/main" val="0"/>
+              </a:ext>
+            </a:extLst>
+          </a:blip>
+          <a:stretch>
+            <a:fillRect/>
+          </a:stretch>
+        </p:blipFill>
+        <p:spPr>
+          <a:xfrm>
+            <a:off x="237158" y="26562724"/>
+            <a:ext cx="2628000" cy="2628000"/>
+          </a:xfrm>
+          <a:prstGeom prst="rect">
+            <a:avLst/>
+          </a:prstGeom>
+        </p:spPr>
+      </p:pic>
+      <p:sp>
+        <p:nvSpPr>
+          <p:cNvPr id="143" name="Rechteck 142">
+            <a:extLst>
+              <a:ext uri="{FF2B5EF4-FFF2-40B4-BE49-F238E27FC236}">
+                <a16:creationId xmlns:a16="http://schemas.microsoft.com/office/drawing/2014/main" id="{5A880DFE-0358-5AEE-2901-52F7DCFE246A}"/>
+              </a:ext>
+            </a:extLst>
+          </p:cNvPr>
+          <p:cNvSpPr>
+            <a:spLocks/>
+          </p:cNvSpPr>
+          <p:nvPr/>
+        </p:nvSpPr>
+        <p:spPr>
+          <a:xfrm>
+            <a:off x="220405" y="25910537"/>
+            <a:ext cx="4916136" cy="650511"/>
+          </a:xfrm>
+          <a:prstGeom prst="rect">
+            <a:avLst/>
+          </a:prstGeom>
+          <a:solidFill>
+            <a:srgbClr val="D7D7D7"/>
+          </a:solidFill>
+          <a:ln>
+            <a:noFill/>
+          </a:ln>
+        </p:spPr>
+        <p:style>
+          <a:lnRef idx="2">
+            <a:schemeClr val="accent1">
+              <a:shade val="50000"/>
+            </a:schemeClr>
+          </a:lnRef>
+          <a:fillRef idx="1">
+            <a:schemeClr val="accent1"/>
+          </a:fillRef>
+          <a:effectRef idx="0">
+            <a:schemeClr val="accent1"/>
+          </a:effectRef>
+          <a:fontRef idx="minor">
+            <a:schemeClr val="lt1"/>
+          </a:fontRef>
+        </p:style>
+        <p:txBody>
+          <a:bodyPr rtlCol="0" anchor="ctr"/>
+          <a:lstStyle/>
+          <a:p>
+            <a:r>
+              <a:rPr lang="de-DE" sz="3600" b="1" noProof="0" dirty="0">
+                <a:solidFill>
+                  <a:schemeClr val="tx1"/>
+                </a:solidFill>
+                <a:latin typeface="Aptos" panose="020B0004020202020204" pitchFamily="34" charset="0"/>
+                <a:cs typeface="Times New Roman" panose="02020603050405020304" pitchFamily="18" charset="0"/>
+              </a:rPr>
+              <a:t>Die Forschungsarbeit:</a:t>
+            </a:r>
+          </a:p>
+        </p:txBody>
+      </p:sp>
+      <p:sp>
+        <p:nvSpPr>
+          <p:cNvPr id="28" name="Rechteck 142">
+            <a:extLst>
+              <a:ext uri="{FF2B5EF4-FFF2-40B4-BE49-F238E27FC236}">
+                <a16:creationId xmlns:a16="http://schemas.microsoft.com/office/drawing/2014/main" id="{172CACB0-C089-3868-DB33-8118FE1F5339}"/>
+              </a:ext>
+            </a:extLst>
+          </p:cNvPr>
+          <p:cNvSpPr>
+            <a:spLocks/>
+          </p:cNvSpPr>
+          <p:nvPr/>
+        </p:nvSpPr>
+        <p:spPr>
+          <a:xfrm>
+            <a:off x="5530298" y="25910536"/>
+            <a:ext cx="4965724" cy="650511"/>
+          </a:xfrm>
+          <a:prstGeom prst="rect">
+            <a:avLst/>
+          </a:prstGeom>
+          <a:solidFill>
+            <a:srgbClr val="D7D7D7"/>
+          </a:solidFill>
+          <a:ln>
+            <a:noFill/>
+          </a:ln>
+        </p:spPr>
+        <p:style>
+          <a:lnRef idx="2">
+            <a:schemeClr val="accent1">
+              <a:shade val="50000"/>
+            </a:schemeClr>
+          </a:lnRef>
+          <a:fillRef idx="1">
+            <a:schemeClr val="accent1"/>
+          </a:fillRef>
+          <a:effectRef idx="0">
+            <a:schemeClr val="accent1"/>
+          </a:effectRef>
+          <a:fontRef idx="minor">
+            <a:schemeClr val="lt1"/>
+          </a:fontRef>
+        </p:style>
+        <p:txBody>
+          <a:bodyPr rtlCol="0" anchor="ctr"/>
+          <a:lstStyle/>
+          <a:p>
+            <a:r>
+              <a:rPr lang="de-DE" sz="3200" b="1" noProof="0" dirty="0">
+                <a:solidFill>
+                  <a:schemeClr val="tx1"/>
+                </a:solidFill>
+                <a:latin typeface="Aptos" panose="020B0004020202020204" pitchFamily="34" charset="0"/>
+                <a:cs typeface="Times New Roman" panose="02020603050405020304" pitchFamily="18" charset="0"/>
+              </a:rPr>
+              <a:t>Mehr über mein Projekt:</a:t>
+            </a:r>
+            <a:endParaRPr lang="de-DE" sz="4000" b="1" noProof="0" dirty="0">
+              <a:solidFill>
+                <a:schemeClr val="tx1"/>
+              </a:solidFill>
+              <a:latin typeface="Aptos" panose="020B0004020202020204" pitchFamily="34" charset="0"/>
+              <a:cs typeface="Times New Roman" panose="02020603050405020304" pitchFamily="18" charset="0"/>
+            </a:endParaRPr>
+          </a:p>
+        </p:txBody>
+      </p:sp>
+      <p:sp>
+        <p:nvSpPr>
+          <p:cNvPr id="31" name="Rechteck 142">
+            <a:extLst>
+              <a:ext uri="{FF2B5EF4-FFF2-40B4-BE49-F238E27FC236}">
+                <a16:creationId xmlns:a16="http://schemas.microsoft.com/office/drawing/2014/main" id="{D939A951-CFE2-CA1A-575D-4C780DA8E690}"/>
+              </a:ext>
+            </a:extLst>
+          </p:cNvPr>
+          <p:cNvSpPr>
+            <a:spLocks/>
+          </p:cNvSpPr>
+          <p:nvPr/>
+        </p:nvSpPr>
+        <p:spPr>
+          <a:xfrm>
+            <a:off x="10847051" y="25907502"/>
+            <a:ext cx="10397112" cy="650511"/>
+          </a:xfrm>
+          <a:prstGeom prst="rect">
+            <a:avLst/>
+          </a:prstGeom>
+          <a:solidFill>
+            <a:srgbClr val="D7D7D7"/>
+          </a:solidFill>
+          <a:ln>
+            <a:noFill/>
+          </a:ln>
+        </p:spPr>
+        <p:style>
+          <a:lnRef idx="2">
+            <a:schemeClr val="accent1">
+              <a:shade val="50000"/>
+            </a:schemeClr>
+          </a:lnRef>
+          <a:fillRef idx="1">
+            <a:schemeClr val="accent1"/>
+          </a:fillRef>
+          <a:effectRef idx="0">
+            <a:schemeClr val="accent1"/>
+          </a:effectRef>
+          <a:fontRef idx="minor">
+            <a:schemeClr val="lt1"/>
+          </a:fontRef>
+        </p:style>
+        <p:txBody>
+          <a:bodyPr rtlCol="0" anchor="ctr"/>
+          <a:lstStyle/>
+          <a:p>
+            <a:r>
+              <a:rPr lang="de-DE" sz="3200" b="1" noProof="0" dirty="0">
+                <a:solidFill>
+                  <a:schemeClr val="tx1"/>
+                </a:solidFill>
+                <a:latin typeface="Aptos" panose="020B0004020202020204" pitchFamily="34" charset="0"/>
+                <a:cs typeface="Times New Roman" panose="02020603050405020304" pitchFamily="18" charset="0"/>
+              </a:rPr>
+              <a:t>Interaktive Webseiten:</a:t>
+            </a:r>
+            <a:endParaRPr lang="de-DE" sz="4000" b="1" noProof="0" dirty="0">
+              <a:solidFill>
+                <a:schemeClr val="tx1"/>
+              </a:solidFill>
+              <a:latin typeface="Aptos" panose="020B0004020202020204" pitchFamily="34" charset="0"/>
+              <a:cs typeface="Times New Roman" panose="02020603050405020304" pitchFamily="18" charset="0"/>
+            </a:endParaRPr>
+          </a:p>
+        </p:txBody>
+      </p:sp>
+      <p:pic>
+        <p:nvPicPr>
+          <p:cNvPr id="38" name="Picture 37">
+            <a:extLst>
+              <a:ext uri="{FF2B5EF4-FFF2-40B4-BE49-F238E27FC236}">
+                <a16:creationId xmlns:a16="http://schemas.microsoft.com/office/drawing/2014/main" id="{E0ECCFBA-FCAC-0603-DE8F-FF13AD3E984F}"/>
+              </a:ext>
+            </a:extLst>
+          </p:cNvPr>
+          <p:cNvPicPr>
+            <a:picLocks noChangeAspect="1"/>
+          </p:cNvPicPr>
+          <p:nvPr/>
+        </p:nvPicPr>
+        <p:blipFill>
+          <a:blip r:embed="rId18">
+            <a:extLst>
+              <a:ext uri="{28A0092B-C50C-407E-A947-70E740481C1C}">
+                <a14:useLocalDpi xmlns:a14="http://schemas.microsoft.com/office/drawing/2010/main" val="0"/>
+              </a:ext>
+            </a:extLst>
+          </a:blip>
+          <a:stretch>
+            <a:fillRect/>
+          </a:stretch>
+        </p:blipFill>
+        <p:spPr>
+          <a:xfrm>
+            <a:off x="5447011" y="26796398"/>
+            <a:ext cx="2393199" cy="2393199"/>
+          </a:xfrm>
+          <a:prstGeom prst="rect">
+            <a:avLst/>
+          </a:prstGeom>
+        </p:spPr>
+      </p:pic>
+      <p:sp>
+        <p:nvSpPr>
+          <p:cNvPr id="42" name="TextBox 41">
+            <a:extLst>
+              <a:ext uri="{FF2B5EF4-FFF2-40B4-BE49-F238E27FC236}">
+                <a16:creationId xmlns:a16="http://schemas.microsoft.com/office/drawing/2014/main" id="{8CB328D5-959D-3A6C-1B5A-6A42A0257017}"/>
+              </a:ext>
+            </a:extLst>
+          </p:cNvPr>
+          <p:cNvSpPr txBox="1"/>
+          <p:nvPr/>
+        </p:nvSpPr>
+        <p:spPr>
+          <a:xfrm>
+            <a:off x="10847051" y="26599866"/>
+            <a:ext cx="2556433" cy="461665"/>
+          </a:xfrm>
+          <a:prstGeom prst="rect">
+            <a:avLst/>
+          </a:prstGeom>
+          <a:noFill/>
+        </p:spPr>
+        <p:txBody>
+          <a:bodyPr wrap="square" rtlCol="0">
+            <a:spAutoFit/>
+          </a:bodyPr>
+          <a:lstStyle/>
+          <a:p>
+            <a:r>
+              <a:rPr lang="de-DE" sz="2400" b="1" dirty="0"/>
+              <a:t>Sentimentanalyse:</a:t>
+            </a:r>
+          </a:p>
+        </p:txBody>
+      </p:sp>
+      <p:pic>
+        <p:nvPicPr>
+          <p:cNvPr id="44" name="Picture 43">
+            <a:extLst>
+              <a:ext uri="{FF2B5EF4-FFF2-40B4-BE49-F238E27FC236}">
+                <a16:creationId xmlns:a16="http://schemas.microsoft.com/office/drawing/2014/main" id="{67654794-973A-DC98-2F55-4BC9DBF5C47F}"/>
+              </a:ext>
+            </a:extLst>
+          </p:cNvPr>
+          <p:cNvPicPr>
+            <a:picLocks noChangeAspect="1"/>
+          </p:cNvPicPr>
+          <p:nvPr/>
+        </p:nvPicPr>
+        <p:blipFill>
+          <a:blip r:embed="rId19">
+            <a:extLst>
+              <a:ext uri="{28A0092B-C50C-407E-A947-70E740481C1C}">
+                <a14:useLocalDpi xmlns:a14="http://schemas.microsoft.com/office/drawing/2010/main" val="0"/>
+              </a:ext>
+            </a:extLst>
+          </a:blip>
+          <a:stretch>
+            <a:fillRect/>
+          </a:stretch>
+        </p:blipFill>
+        <p:spPr>
+          <a:xfrm>
+            <a:off x="13455181" y="26581300"/>
+            <a:ext cx="2598758" cy="2598758"/>
+          </a:xfrm>
+          <a:prstGeom prst="rect">
+            <a:avLst/>
+          </a:prstGeom>
+        </p:spPr>
+      </p:pic>
+      <p:sp>
+        <p:nvSpPr>
+          <p:cNvPr id="45" name="TextBox 44">
+            <a:extLst>
+              <a:ext uri="{FF2B5EF4-FFF2-40B4-BE49-F238E27FC236}">
+                <a16:creationId xmlns:a16="http://schemas.microsoft.com/office/drawing/2014/main" id="{30B1F206-B470-7C28-2740-A511F301FF91}"/>
+              </a:ext>
+            </a:extLst>
+          </p:cNvPr>
+          <p:cNvSpPr txBox="1"/>
+          <p:nvPr/>
+        </p:nvSpPr>
+        <p:spPr>
+          <a:xfrm>
+            <a:off x="16275213" y="26612339"/>
+            <a:ext cx="2556433" cy="461665"/>
+          </a:xfrm>
+          <a:prstGeom prst="rect">
+            <a:avLst/>
+          </a:prstGeom>
+          <a:noFill/>
+        </p:spPr>
+        <p:txBody>
+          <a:bodyPr wrap="square" rtlCol="0">
+            <a:spAutoFit/>
+          </a:bodyPr>
+          <a:lstStyle/>
+          <a:p>
+            <a:r>
+              <a:rPr lang="de-DE" sz="2400" b="1" dirty="0"/>
+              <a:t>Wörteranzahl:</a:t>
+            </a:r>
+          </a:p>
+        </p:txBody>
+      </p:sp>
+      <p:pic>
+        <p:nvPicPr>
+          <p:cNvPr id="53" name="Picture 52">
+            <a:extLst>
+              <a:ext uri="{FF2B5EF4-FFF2-40B4-BE49-F238E27FC236}">
+                <a16:creationId xmlns:a16="http://schemas.microsoft.com/office/drawing/2014/main" id="{0A8E61D0-1874-CC86-6681-E9054A3863E5}"/>
+              </a:ext>
+            </a:extLst>
+          </p:cNvPr>
+          <p:cNvPicPr>
+            <a:picLocks noChangeAspect="1"/>
+          </p:cNvPicPr>
+          <p:nvPr/>
+        </p:nvPicPr>
+        <p:blipFill>
+          <a:blip r:embed="rId20">
+            <a:extLst>
+              <a:ext uri="{28A0092B-C50C-407E-A947-70E740481C1C}">
+                <a14:useLocalDpi xmlns:a14="http://schemas.microsoft.com/office/drawing/2010/main" val="0"/>
+              </a:ext>
+            </a:extLst>
+          </a:blip>
+          <a:stretch>
+            <a:fillRect/>
+          </a:stretch>
+        </p:blipFill>
+        <p:spPr>
+          <a:xfrm>
+            <a:off x="18446324" y="26566426"/>
+            <a:ext cx="2598758" cy="2598758"/>
+          </a:xfrm>
+          <a:prstGeom prst="rect">
+            <a:avLst/>
+          </a:prstGeom>
+        </p:spPr>
+      </p:pic>
+      <p:sp>
+        <p:nvSpPr>
+          <p:cNvPr id="54" name="TextBox 53">
+            <a:extLst>
+              <a:ext uri="{FF2B5EF4-FFF2-40B4-BE49-F238E27FC236}">
+                <a16:creationId xmlns:a16="http://schemas.microsoft.com/office/drawing/2014/main" id="{8DBEC2C3-A801-F20A-E46F-FD24DCE1BCB1}"/>
+              </a:ext>
+            </a:extLst>
+          </p:cNvPr>
+          <p:cNvSpPr txBox="1"/>
+          <p:nvPr/>
+        </p:nvSpPr>
+        <p:spPr>
+          <a:xfrm>
+            <a:off x="5605346" y="26608754"/>
+            <a:ext cx="5110711" cy="369332"/>
+          </a:xfrm>
+          <a:prstGeom prst="rect">
+            <a:avLst/>
+          </a:prstGeom>
+          <a:noFill/>
+        </p:spPr>
+        <p:txBody>
+          <a:bodyPr wrap="square" rtlCol="0">
+            <a:spAutoFit/>
+          </a:bodyPr>
+          <a:lstStyle/>
+          <a:p>
+            <a:r>
+              <a:rPr lang="de-DE" dirty="0"/>
+              <a:t>github.com/AdminL3/Jugend-Forscht</a:t>
+            </a:r>
+          </a:p>
+        </p:txBody>
+      </p:sp>
     </p:spTree>
     <p:extLst>
       <p:ext uri="{BB962C8B-B14F-4D97-AF65-F5344CB8AC3E}">

--- a/Presentations/Deckblatt/Poster.pptx
+++ b/Presentations/Deckblatt/Poster.pptx
@@ -5,12 +5,13 @@
     <p:sldMasterId id="2147483696" r:id="rId1"/>
   </p:sldMasterIdLst>
   <p:notesMasterIdLst>
-    <p:notesMasterId r:id="rId5"/>
+    <p:notesMasterId r:id="rId6"/>
   </p:notesMasterIdLst>
   <p:sldIdLst>
-    <p:sldId id="276" r:id="rId2"/>
-    <p:sldId id="277" r:id="rId3"/>
-    <p:sldId id="278" r:id="rId4"/>
+    <p:sldId id="278" r:id="rId2"/>
+    <p:sldId id="279" r:id="rId3"/>
+    <p:sldId id="276" r:id="rId4"/>
+    <p:sldId id="277" r:id="rId5"/>
   </p:sldIdLst>
   <p:sldSz cx="21383625" cy="30275213"/>
   <p:notesSz cx="7099300" cy="10234613"/>
@@ -489,234 +490,6 @@
   <p:cSld>
     <p:spTree>
       <p:nvGrpSpPr>
-        <p:cNvPr id="1" name=""/>
-        <p:cNvGrpSpPr/>
-        <p:nvPr/>
-      </p:nvGrpSpPr>
-      <p:grpSpPr>
-        <a:xfrm>
-          <a:off x="0" y="0"/>
-          <a:ext cx="0" cy="0"/>
-          <a:chOff x="0" y="0"/>
-          <a:chExt cx="0" cy="0"/>
-        </a:xfrm>
-      </p:grpSpPr>
-      <p:sp>
-        <p:nvSpPr>
-          <p:cNvPr id="2" name="Slide Image Placeholder 1"/>
-          <p:cNvSpPr>
-            <a:spLocks noGrp="1" noRot="1" noChangeAspect="1"/>
-          </p:cNvSpPr>
-          <p:nvPr>
-            <p:ph type="sldImg"/>
-          </p:nvPr>
-        </p:nvSpPr>
-        <p:spPr/>
-      </p:sp>
-      <p:sp>
-        <p:nvSpPr>
-          <p:cNvPr id="3" name="Notes Placeholder 2"/>
-          <p:cNvSpPr>
-            <a:spLocks noGrp="1"/>
-          </p:cNvSpPr>
-          <p:nvPr>
-            <p:ph type="body" idx="1"/>
-          </p:nvPr>
-        </p:nvSpPr>
-        <p:spPr/>
-        <p:txBody>
-          <a:bodyPr/>
-          <a:lstStyle/>
-          <a:p>
-            <a:endParaRPr lang="de-DE" dirty="0"/>
-          </a:p>
-        </p:txBody>
-      </p:sp>
-      <p:sp>
-        <p:nvSpPr>
-          <p:cNvPr id="4" name="Slide Number Placeholder 3"/>
-          <p:cNvSpPr>
-            <a:spLocks noGrp="1"/>
-          </p:cNvSpPr>
-          <p:nvPr>
-            <p:ph type="sldNum" sz="quarter" idx="5"/>
-          </p:nvPr>
-        </p:nvSpPr>
-        <p:spPr/>
-        <p:txBody>
-          <a:bodyPr/>
-          <a:lstStyle/>
-          <a:p>
-            <a:fld id="{663BC1B8-8CF5-4A2F-AE81-3AA42D60F461}" type="slidenum">
-              <a:rPr lang="de-DE" smtClean="0"/>
-              <a:t>1</a:t>
-            </a:fld>
-            <a:endParaRPr lang="de-DE"/>
-          </a:p>
-        </p:txBody>
-      </p:sp>
-    </p:spTree>
-    <p:extLst>
-      <p:ext uri="{BB962C8B-B14F-4D97-AF65-F5344CB8AC3E}">
-        <p14:creationId xmlns:p14="http://schemas.microsoft.com/office/powerpoint/2010/main" val="1208252752"/>
-      </p:ext>
-    </p:extLst>
-  </p:cSld>
-  <p:clrMapOvr>
-    <a:masterClrMapping/>
-  </p:clrMapOvr>
-</p:notes>
-</file>
-
-<file path=ppt/notesSlides/notesSlide2.xml><?xml version="1.0" encoding="utf-8"?>
-<p:notes xmlns:a="http://schemas.openxmlformats.org/drawingml/2006/main" xmlns:r="http://schemas.openxmlformats.org/officeDocument/2006/relationships" xmlns:p="http://schemas.openxmlformats.org/presentationml/2006/main">
-  <p:cSld>
-    <p:spTree>
-      <p:nvGrpSpPr>
-        <p:cNvPr id="1" name=""/>
-        <p:cNvGrpSpPr/>
-        <p:nvPr/>
-      </p:nvGrpSpPr>
-      <p:grpSpPr>
-        <a:xfrm>
-          <a:off x="0" y="0"/>
-          <a:ext cx="0" cy="0"/>
-          <a:chOff x="0" y="0"/>
-          <a:chExt cx="0" cy="0"/>
-        </a:xfrm>
-      </p:grpSpPr>
-      <p:sp>
-        <p:nvSpPr>
-          <p:cNvPr id="2" name="Slide Image Placeholder 1"/>
-          <p:cNvSpPr>
-            <a:spLocks noGrp="1" noRot="1" noChangeAspect="1"/>
-          </p:cNvSpPr>
-          <p:nvPr>
-            <p:ph type="sldImg"/>
-          </p:nvPr>
-        </p:nvSpPr>
-        <p:spPr/>
-      </p:sp>
-      <p:sp>
-        <p:nvSpPr>
-          <p:cNvPr id="3" name="Notes Placeholder 2"/>
-          <p:cNvSpPr>
-            <a:spLocks noGrp="1"/>
-          </p:cNvSpPr>
-          <p:nvPr>
-            <p:ph type="body" idx="1"/>
-          </p:nvPr>
-        </p:nvSpPr>
-        <p:spPr/>
-        <p:txBody>
-          <a:bodyPr/>
-          <a:lstStyle/>
-          <a:p>
-            <a:endParaRPr lang="de-DE" dirty="0"/>
-          </a:p>
-        </p:txBody>
-      </p:sp>
-      <p:sp>
-        <p:nvSpPr>
-          <p:cNvPr id="4" name="Slide Number Placeholder 3"/>
-          <p:cNvSpPr>
-            <a:spLocks noGrp="1"/>
-          </p:cNvSpPr>
-          <p:nvPr>
-            <p:ph type="sldNum" sz="quarter" idx="5"/>
-          </p:nvPr>
-        </p:nvSpPr>
-        <p:spPr/>
-        <p:txBody>
-          <a:bodyPr/>
-          <a:lstStyle/>
-          <a:p>
-            <a:pPr marL="0" marR="0" lvl="0" indent="0" algn="r" defTabSz="457200" rtl="0" eaLnBrk="1" fontAlgn="auto" latinLnBrk="0" hangingPunct="1">
-              <a:lnSpc>
-                <a:spcPct val="100000"/>
-              </a:lnSpc>
-              <a:spcBef>
-                <a:spcPts val="0"/>
-              </a:spcBef>
-              <a:spcAft>
-                <a:spcPts val="0"/>
-              </a:spcAft>
-              <a:buClrTx/>
-              <a:buSzTx/>
-              <a:buFontTx/>
-              <a:buNone/>
-              <a:tabLst/>
-              <a:defRPr/>
-            </a:pPr>
-            <a:fld id="{663BC1B8-8CF5-4A2F-AE81-3AA42D60F461}" type="slidenum">
-              <a:rPr kumimoji="0" lang="de-DE" sz="300" b="0" i="0" u="none" strike="noStrike" kern="1200" cap="none" spc="0" normalizeH="0" baseline="0" noProof="0" smtClean="0">
-                <a:ln>
-                  <a:noFill/>
-                </a:ln>
-                <a:solidFill>
-                  <a:prstClr val="black"/>
-                </a:solidFill>
-                <a:effectLst/>
-                <a:uLnTx/>
-                <a:uFillTx/>
-                <a:latin typeface="Calibri" panose="020F0502020204030204"/>
-                <a:ea typeface="+mn-ea"/>
-                <a:cs typeface="+mn-cs"/>
-              </a:rPr>
-              <a:pPr marL="0" marR="0" lvl="0" indent="0" algn="r" defTabSz="457200" rtl="0" eaLnBrk="1" fontAlgn="auto" latinLnBrk="0" hangingPunct="1">
-                <a:lnSpc>
-                  <a:spcPct val="100000"/>
-                </a:lnSpc>
-                <a:spcBef>
-                  <a:spcPts val="0"/>
-                </a:spcBef>
-                <a:spcAft>
-                  <a:spcPts val="0"/>
-                </a:spcAft>
-                <a:buClrTx/>
-                <a:buSzTx/>
-                <a:buFontTx/>
-                <a:buNone/>
-                <a:tabLst/>
-                <a:defRPr/>
-              </a:pPr>
-              <a:t>2</a:t>
-            </a:fld>
-            <a:endParaRPr kumimoji="0" lang="de-DE" sz="300" b="0" i="0" u="none" strike="noStrike" kern="1200" cap="none" spc="0" normalizeH="0" baseline="0" noProof="0">
-              <a:ln>
-                <a:noFill/>
-              </a:ln>
-              <a:solidFill>
-                <a:prstClr val="black"/>
-              </a:solidFill>
-              <a:effectLst/>
-              <a:uLnTx/>
-              <a:uFillTx/>
-              <a:latin typeface="Calibri" panose="020F0502020204030204"/>
-              <a:ea typeface="+mn-ea"/>
-              <a:cs typeface="+mn-cs"/>
-            </a:endParaRPr>
-          </a:p>
-        </p:txBody>
-      </p:sp>
-    </p:spTree>
-    <p:extLst>
-      <p:ext uri="{BB962C8B-B14F-4D97-AF65-F5344CB8AC3E}">
-        <p14:creationId xmlns:p14="http://schemas.microsoft.com/office/powerpoint/2010/main" val="1208252752"/>
-      </p:ext>
-    </p:extLst>
-  </p:cSld>
-  <p:clrMapOvr>
-    <a:masterClrMapping/>
-  </p:clrMapOvr>
-</p:notes>
-</file>
-
-<file path=ppt/notesSlides/notesSlide3.xml><?xml version="1.0" encoding="utf-8"?>
-<p:notes xmlns:a="http://schemas.openxmlformats.org/drawingml/2006/main" xmlns:r="http://schemas.openxmlformats.org/officeDocument/2006/relationships" xmlns:p="http://schemas.openxmlformats.org/presentationml/2006/main">
-  <p:cSld>
-    <p:spTree>
-      <p:nvGrpSpPr>
         <p:cNvPr id="1" name="">
           <a:extLst>
             <a:ext uri="{FF2B5EF4-FFF2-40B4-BE49-F238E27FC236}">
@@ -801,7 +574,7 @@
           <a:p>
             <a:fld id="{663BC1B8-8CF5-4A2F-AE81-3AA42D60F461}" type="slidenum">
               <a:rPr lang="de-DE" smtClean="0"/>
-              <a:t>3</a:t>
+              <a:t>1</a:t>
             </a:fld>
             <a:endParaRPr lang="de-DE"/>
           </a:p>
@@ -811,6 +584,234 @@
     <p:extLst>
       <p:ext uri="{BB962C8B-B14F-4D97-AF65-F5344CB8AC3E}">
         <p14:creationId xmlns:p14="http://schemas.microsoft.com/office/powerpoint/2010/main" val="665072167"/>
+      </p:ext>
+    </p:extLst>
+  </p:cSld>
+  <p:clrMapOvr>
+    <a:masterClrMapping/>
+  </p:clrMapOvr>
+</p:notes>
+</file>
+
+<file path=ppt/notesSlides/notesSlide2.xml><?xml version="1.0" encoding="utf-8"?>
+<p:notes xmlns:a="http://schemas.openxmlformats.org/drawingml/2006/main" xmlns:r="http://schemas.openxmlformats.org/officeDocument/2006/relationships" xmlns:p="http://schemas.openxmlformats.org/presentationml/2006/main">
+  <p:cSld>
+    <p:spTree>
+      <p:nvGrpSpPr>
+        <p:cNvPr id="1" name=""/>
+        <p:cNvGrpSpPr/>
+        <p:nvPr/>
+      </p:nvGrpSpPr>
+      <p:grpSpPr>
+        <a:xfrm>
+          <a:off x="0" y="0"/>
+          <a:ext cx="0" cy="0"/>
+          <a:chOff x="0" y="0"/>
+          <a:chExt cx="0" cy="0"/>
+        </a:xfrm>
+      </p:grpSpPr>
+      <p:sp>
+        <p:nvSpPr>
+          <p:cNvPr id="2" name="Slide Image Placeholder 1"/>
+          <p:cNvSpPr>
+            <a:spLocks noGrp="1" noRot="1" noChangeAspect="1"/>
+          </p:cNvSpPr>
+          <p:nvPr>
+            <p:ph type="sldImg"/>
+          </p:nvPr>
+        </p:nvSpPr>
+        <p:spPr/>
+      </p:sp>
+      <p:sp>
+        <p:nvSpPr>
+          <p:cNvPr id="3" name="Notes Placeholder 2"/>
+          <p:cNvSpPr>
+            <a:spLocks noGrp="1"/>
+          </p:cNvSpPr>
+          <p:nvPr>
+            <p:ph type="body" idx="1"/>
+          </p:nvPr>
+        </p:nvSpPr>
+        <p:spPr/>
+        <p:txBody>
+          <a:bodyPr/>
+          <a:lstStyle/>
+          <a:p>
+            <a:endParaRPr lang="de-DE" dirty="0"/>
+          </a:p>
+        </p:txBody>
+      </p:sp>
+      <p:sp>
+        <p:nvSpPr>
+          <p:cNvPr id="4" name="Slide Number Placeholder 3"/>
+          <p:cNvSpPr>
+            <a:spLocks noGrp="1"/>
+          </p:cNvSpPr>
+          <p:nvPr>
+            <p:ph type="sldNum" sz="quarter" idx="5"/>
+          </p:nvPr>
+        </p:nvSpPr>
+        <p:spPr/>
+        <p:txBody>
+          <a:bodyPr/>
+          <a:lstStyle/>
+          <a:p>
+            <a:fld id="{663BC1B8-8CF5-4A2F-AE81-3AA42D60F461}" type="slidenum">
+              <a:rPr lang="de-DE" smtClean="0"/>
+              <a:t>3</a:t>
+            </a:fld>
+            <a:endParaRPr lang="de-DE"/>
+          </a:p>
+        </p:txBody>
+      </p:sp>
+    </p:spTree>
+    <p:extLst>
+      <p:ext uri="{BB962C8B-B14F-4D97-AF65-F5344CB8AC3E}">
+        <p14:creationId xmlns:p14="http://schemas.microsoft.com/office/powerpoint/2010/main" val="1208252752"/>
+      </p:ext>
+    </p:extLst>
+  </p:cSld>
+  <p:clrMapOvr>
+    <a:masterClrMapping/>
+  </p:clrMapOvr>
+</p:notes>
+</file>
+
+<file path=ppt/notesSlides/notesSlide3.xml><?xml version="1.0" encoding="utf-8"?>
+<p:notes xmlns:a="http://schemas.openxmlformats.org/drawingml/2006/main" xmlns:r="http://schemas.openxmlformats.org/officeDocument/2006/relationships" xmlns:p="http://schemas.openxmlformats.org/presentationml/2006/main">
+  <p:cSld>
+    <p:spTree>
+      <p:nvGrpSpPr>
+        <p:cNvPr id="1" name=""/>
+        <p:cNvGrpSpPr/>
+        <p:nvPr/>
+      </p:nvGrpSpPr>
+      <p:grpSpPr>
+        <a:xfrm>
+          <a:off x="0" y="0"/>
+          <a:ext cx="0" cy="0"/>
+          <a:chOff x="0" y="0"/>
+          <a:chExt cx="0" cy="0"/>
+        </a:xfrm>
+      </p:grpSpPr>
+      <p:sp>
+        <p:nvSpPr>
+          <p:cNvPr id="2" name="Slide Image Placeholder 1"/>
+          <p:cNvSpPr>
+            <a:spLocks noGrp="1" noRot="1" noChangeAspect="1"/>
+          </p:cNvSpPr>
+          <p:nvPr>
+            <p:ph type="sldImg"/>
+          </p:nvPr>
+        </p:nvSpPr>
+        <p:spPr/>
+      </p:sp>
+      <p:sp>
+        <p:nvSpPr>
+          <p:cNvPr id="3" name="Notes Placeholder 2"/>
+          <p:cNvSpPr>
+            <a:spLocks noGrp="1"/>
+          </p:cNvSpPr>
+          <p:nvPr>
+            <p:ph type="body" idx="1"/>
+          </p:nvPr>
+        </p:nvSpPr>
+        <p:spPr/>
+        <p:txBody>
+          <a:bodyPr/>
+          <a:lstStyle/>
+          <a:p>
+            <a:endParaRPr lang="de-DE" dirty="0"/>
+          </a:p>
+        </p:txBody>
+      </p:sp>
+      <p:sp>
+        <p:nvSpPr>
+          <p:cNvPr id="4" name="Slide Number Placeholder 3"/>
+          <p:cNvSpPr>
+            <a:spLocks noGrp="1"/>
+          </p:cNvSpPr>
+          <p:nvPr>
+            <p:ph type="sldNum" sz="quarter" idx="5"/>
+          </p:nvPr>
+        </p:nvSpPr>
+        <p:spPr/>
+        <p:txBody>
+          <a:bodyPr/>
+          <a:lstStyle/>
+          <a:p>
+            <a:pPr marL="0" marR="0" lvl="0" indent="0" algn="r" defTabSz="457200" rtl="0" eaLnBrk="1" fontAlgn="auto" latinLnBrk="0" hangingPunct="1">
+              <a:lnSpc>
+                <a:spcPct val="100000"/>
+              </a:lnSpc>
+              <a:spcBef>
+                <a:spcPts val="0"/>
+              </a:spcBef>
+              <a:spcAft>
+                <a:spcPts val="0"/>
+              </a:spcAft>
+              <a:buClrTx/>
+              <a:buSzTx/>
+              <a:buFontTx/>
+              <a:buNone/>
+              <a:tabLst/>
+              <a:defRPr/>
+            </a:pPr>
+            <a:fld id="{663BC1B8-8CF5-4A2F-AE81-3AA42D60F461}" type="slidenum">
+              <a:rPr kumimoji="0" lang="de-DE" sz="300" b="0" i="0" u="none" strike="noStrike" kern="1200" cap="none" spc="0" normalizeH="0" baseline="0" noProof="0" smtClean="0">
+                <a:ln>
+                  <a:noFill/>
+                </a:ln>
+                <a:solidFill>
+                  <a:prstClr val="black"/>
+                </a:solidFill>
+                <a:effectLst/>
+                <a:uLnTx/>
+                <a:uFillTx/>
+                <a:latin typeface="Calibri" panose="020F0502020204030204"/>
+                <a:ea typeface="+mn-ea"/>
+                <a:cs typeface="+mn-cs"/>
+              </a:rPr>
+              <a:pPr marL="0" marR="0" lvl="0" indent="0" algn="r" defTabSz="457200" rtl="0" eaLnBrk="1" fontAlgn="auto" latinLnBrk="0" hangingPunct="1">
+                <a:lnSpc>
+                  <a:spcPct val="100000"/>
+                </a:lnSpc>
+                <a:spcBef>
+                  <a:spcPts val="0"/>
+                </a:spcBef>
+                <a:spcAft>
+                  <a:spcPts val="0"/>
+                </a:spcAft>
+                <a:buClrTx/>
+                <a:buSzTx/>
+                <a:buFontTx/>
+                <a:buNone/>
+                <a:tabLst/>
+                <a:defRPr/>
+              </a:pPr>
+              <a:t>4</a:t>
+            </a:fld>
+            <a:endParaRPr kumimoji="0" lang="de-DE" sz="300" b="0" i="0" u="none" strike="noStrike" kern="1200" cap="none" spc="0" normalizeH="0" baseline="0" noProof="0">
+              <a:ln>
+                <a:noFill/>
+              </a:ln>
+              <a:solidFill>
+                <a:prstClr val="black"/>
+              </a:solidFill>
+              <a:effectLst/>
+              <a:uLnTx/>
+              <a:uFillTx/>
+              <a:latin typeface="Calibri" panose="020F0502020204030204"/>
+              <a:ea typeface="+mn-ea"/>
+              <a:cs typeface="+mn-cs"/>
+            </a:endParaRPr>
+          </a:p>
+        </p:txBody>
+      </p:sp>
+    </p:spTree>
+    <p:extLst>
+      <p:ext uri="{BB962C8B-B14F-4D97-AF65-F5344CB8AC3E}">
+        <p14:creationId xmlns:p14="http://schemas.microsoft.com/office/powerpoint/2010/main" val="1208252752"/>
       </p:ext>
     </p:extLst>
   </p:cSld>
@@ -3663,6 +3664,3502 @@
 </file>
 
 <file path=ppt/slides/slide1.xml><?xml version="1.0" encoding="utf-8"?>
+<p:sld xmlns:a="http://schemas.openxmlformats.org/drawingml/2006/main" xmlns:r="http://schemas.openxmlformats.org/officeDocument/2006/relationships" xmlns:p="http://schemas.openxmlformats.org/presentationml/2006/main">
+  <p:cSld>
+    <p:spTree>
+      <p:nvGrpSpPr>
+        <p:cNvPr id="1" name="">
+          <a:extLst>
+            <a:ext uri="{FF2B5EF4-FFF2-40B4-BE49-F238E27FC236}">
+              <a16:creationId xmlns:a16="http://schemas.microsoft.com/office/drawing/2014/main" id="{7F4DD2C0-406E-A3CF-01B1-B0B2D963A4B1}"/>
+            </a:ext>
+          </a:extLst>
+        </p:cNvPr>
+        <p:cNvGrpSpPr/>
+        <p:nvPr/>
+      </p:nvGrpSpPr>
+      <p:grpSpPr>
+        <a:xfrm>
+          <a:off x="0" y="0"/>
+          <a:ext cx="0" cy="0"/>
+          <a:chOff x="0" y="0"/>
+          <a:chExt cx="0" cy="0"/>
+        </a:xfrm>
+      </p:grpSpPr>
+      <p:sp>
+        <p:nvSpPr>
+          <p:cNvPr id="5" name="Rechteck 4">
+            <a:extLst>
+              <a:ext uri="{FF2B5EF4-FFF2-40B4-BE49-F238E27FC236}">
+                <a16:creationId xmlns:a16="http://schemas.microsoft.com/office/drawing/2014/main" id="{489AA451-805F-E2A2-79AD-056A7A2DD513}"/>
+              </a:ext>
+            </a:extLst>
+          </p:cNvPr>
+          <p:cNvSpPr/>
+          <p:nvPr/>
+        </p:nvSpPr>
+        <p:spPr>
+          <a:xfrm>
+            <a:off x="-14862" y="5228035"/>
+            <a:ext cx="21432580" cy="25030418"/>
+          </a:xfrm>
+          <a:prstGeom prst="rect">
+            <a:avLst/>
+          </a:prstGeom>
+          <a:gradFill flip="none" rotWithShape="1">
+            <a:gsLst>
+              <a:gs pos="85000">
+                <a:srgbClr val="A2232C"/>
+              </a:gs>
+              <a:gs pos="0">
+                <a:srgbClr val="ECA6AB"/>
+              </a:gs>
+            </a:gsLst>
+            <a:lin ang="5400000" scaled="1"/>
+            <a:tileRect/>
+          </a:gradFill>
+          <a:ln>
+            <a:noFill/>
+          </a:ln>
+        </p:spPr>
+        <p:style>
+          <a:lnRef idx="2">
+            <a:schemeClr val="accent1">
+              <a:shade val="50000"/>
+            </a:schemeClr>
+          </a:lnRef>
+          <a:fillRef idx="1">
+            <a:schemeClr val="accent1"/>
+          </a:fillRef>
+          <a:effectRef idx="0">
+            <a:schemeClr val="accent1"/>
+          </a:effectRef>
+          <a:fontRef idx="minor">
+            <a:schemeClr val="lt1"/>
+          </a:fontRef>
+        </p:style>
+        <p:txBody>
+          <a:bodyPr rtlCol="0" anchor="ctr"/>
+          <a:lstStyle/>
+          <a:p>
+            <a:pPr algn="ctr"/>
+            <a:endParaRPr lang="de-DE" sz="1600" noProof="0" dirty="0">
+              <a:latin typeface="Times New Roman" panose="02020603050405020304" pitchFamily="18" charset="0"/>
+              <a:cs typeface="Times New Roman" panose="02020603050405020304" pitchFamily="18" charset="0"/>
+            </a:endParaRPr>
+          </a:p>
+        </p:txBody>
+      </p:sp>
+      <p:sp>
+        <p:nvSpPr>
+          <p:cNvPr id="106" name="Rechteck 105">
+            <a:extLst>
+              <a:ext uri="{FF2B5EF4-FFF2-40B4-BE49-F238E27FC236}">
+                <a16:creationId xmlns:a16="http://schemas.microsoft.com/office/drawing/2014/main" id="{372F7B96-0E9C-6F77-F857-A7F5B34272B5}"/>
+              </a:ext>
+            </a:extLst>
+          </p:cNvPr>
+          <p:cNvSpPr/>
+          <p:nvPr/>
+        </p:nvSpPr>
+        <p:spPr>
+          <a:xfrm>
+            <a:off x="-14861" y="1"/>
+            <a:ext cx="21432584" cy="2425172"/>
+          </a:xfrm>
+          <a:prstGeom prst="rect">
+            <a:avLst/>
+          </a:prstGeom>
+          <a:solidFill>
+            <a:srgbClr val="D7D7D7"/>
+          </a:solidFill>
+          <a:ln>
+            <a:noFill/>
+          </a:ln>
+        </p:spPr>
+        <p:style>
+          <a:lnRef idx="2">
+            <a:schemeClr val="accent1">
+              <a:shade val="50000"/>
+            </a:schemeClr>
+          </a:lnRef>
+          <a:fillRef idx="1">
+            <a:schemeClr val="accent1"/>
+          </a:fillRef>
+          <a:effectRef idx="0">
+            <a:schemeClr val="accent1"/>
+          </a:effectRef>
+          <a:fontRef idx="minor">
+            <a:schemeClr val="lt1"/>
+          </a:fontRef>
+        </p:style>
+        <p:txBody>
+          <a:bodyPr rtlCol="0" anchor="ctr"/>
+          <a:lstStyle/>
+          <a:p>
+            <a:pPr algn="ctr"/>
+            <a:endParaRPr lang="de-DE" sz="3387" b="1" noProof="0" dirty="0">
+              <a:solidFill>
+                <a:schemeClr val="bg1">
+                  <a:lumMod val="50000"/>
+                </a:schemeClr>
+              </a:solidFill>
+              <a:latin typeface="Times New Roman" panose="02020603050405020304" pitchFamily="18" charset="0"/>
+              <a:ea typeface="Calibri" panose="020F0502020204030204" pitchFamily="34" charset="0"/>
+              <a:cs typeface="Times New Roman" panose="02020603050405020304" pitchFamily="18" charset="0"/>
+            </a:endParaRPr>
+          </a:p>
+        </p:txBody>
+      </p:sp>
+      <p:sp>
+        <p:nvSpPr>
+          <p:cNvPr id="107" name="Rechteck 106">
+            <a:extLst>
+              <a:ext uri="{FF2B5EF4-FFF2-40B4-BE49-F238E27FC236}">
+                <a16:creationId xmlns:a16="http://schemas.microsoft.com/office/drawing/2014/main" id="{8DF1CF56-0CA3-D226-149A-8FF07E45C7F5}"/>
+              </a:ext>
+            </a:extLst>
+          </p:cNvPr>
+          <p:cNvSpPr/>
+          <p:nvPr/>
+        </p:nvSpPr>
+        <p:spPr>
+          <a:xfrm>
+            <a:off x="-14860" y="1899589"/>
+            <a:ext cx="21432580" cy="3403138"/>
+          </a:xfrm>
+          <a:prstGeom prst="rect">
+            <a:avLst/>
+          </a:prstGeom>
+          <a:solidFill>
+            <a:schemeClr val="bg1"/>
+          </a:solidFill>
+          <a:ln>
+            <a:noFill/>
+          </a:ln>
+        </p:spPr>
+        <p:style>
+          <a:lnRef idx="2">
+            <a:schemeClr val="accent1">
+              <a:shade val="50000"/>
+            </a:schemeClr>
+          </a:lnRef>
+          <a:fillRef idx="1">
+            <a:schemeClr val="accent1"/>
+          </a:fillRef>
+          <a:effectRef idx="0">
+            <a:schemeClr val="accent1"/>
+          </a:effectRef>
+          <a:fontRef idx="minor">
+            <a:schemeClr val="lt1"/>
+          </a:fontRef>
+        </p:style>
+        <p:txBody>
+          <a:bodyPr rtlCol="0" anchor="ctr"/>
+          <a:lstStyle/>
+          <a:p>
+            <a:pPr algn="ctr"/>
+            <a:endParaRPr lang="de-DE" sz="1600" noProof="0" dirty="0">
+              <a:latin typeface="Times New Roman" panose="02020603050405020304" pitchFamily="18" charset="0"/>
+              <a:cs typeface="Times New Roman" panose="02020603050405020304" pitchFamily="18" charset="0"/>
+            </a:endParaRPr>
+          </a:p>
+        </p:txBody>
+      </p:sp>
+      <p:sp>
+        <p:nvSpPr>
+          <p:cNvPr id="112" name="Rechteck 111">
+            <a:extLst>
+              <a:ext uri="{FF2B5EF4-FFF2-40B4-BE49-F238E27FC236}">
+                <a16:creationId xmlns:a16="http://schemas.microsoft.com/office/drawing/2014/main" id="{874B2A07-0DF8-7627-6976-68ED1B58B6A9}"/>
+              </a:ext>
+            </a:extLst>
+          </p:cNvPr>
+          <p:cNvSpPr/>
+          <p:nvPr/>
+        </p:nvSpPr>
+        <p:spPr>
+          <a:xfrm>
+            <a:off x="-14863" y="1721844"/>
+            <a:ext cx="21432587" cy="346170"/>
+          </a:xfrm>
+          <a:prstGeom prst="rect">
+            <a:avLst/>
+          </a:prstGeom>
+          <a:solidFill>
+            <a:srgbClr val="A2222B"/>
+          </a:solidFill>
+          <a:ln>
+            <a:noFill/>
+          </a:ln>
+        </p:spPr>
+        <p:style>
+          <a:lnRef idx="2">
+            <a:schemeClr val="accent1">
+              <a:shade val="50000"/>
+            </a:schemeClr>
+          </a:lnRef>
+          <a:fillRef idx="1">
+            <a:schemeClr val="accent1"/>
+          </a:fillRef>
+          <a:effectRef idx="0">
+            <a:schemeClr val="accent1"/>
+          </a:effectRef>
+          <a:fontRef idx="minor">
+            <a:schemeClr val="lt1"/>
+          </a:fontRef>
+        </p:style>
+        <p:txBody>
+          <a:bodyPr rtlCol="0" anchor="ctr"/>
+          <a:lstStyle/>
+          <a:p>
+            <a:pPr algn="ctr"/>
+            <a:endParaRPr lang="de-DE" sz="1600" noProof="0" dirty="0">
+              <a:latin typeface="Times New Roman" panose="02020603050405020304" pitchFamily="18" charset="0"/>
+              <a:cs typeface="Times New Roman" panose="02020603050405020304" pitchFamily="18" charset="0"/>
+            </a:endParaRPr>
+          </a:p>
+        </p:txBody>
+      </p:sp>
+      <p:sp>
+        <p:nvSpPr>
+          <p:cNvPr id="113" name="Textfeld 112">
+            <a:extLst>
+              <a:ext uri="{FF2B5EF4-FFF2-40B4-BE49-F238E27FC236}">
+                <a16:creationId xmlns:a16="http://schemas.microsoft.com/office/drawing/2014/main" id="{1FDBC863-3C50-4EA5-B2EB-DA91F9185574}"/>
+              </a:ext>
+            </a:extLst>
+          </p:cNvPr>
+          <p:cNvSpPr txBox="1"/>
+          <p:nvPr/>
+        </p:nvSpPr>
+        <p:spPr>
+          <a:xfrm>
+            <a:off x="1102175" y="2013175"/>
+            <a:ext cx="14296174" cy="1446550"/>
+          </a:xfrm>
+          <a:prstGeom prst="rect">
+            <a:avLst/>
+          </a:prstGeom>
+          <a:noFill/>
+        </p:spPr>
+        <p:txBody>
+          <a:bodyPr wrap="square">
+            <a:spAutoFit/>
+          </a:bodyPr>
+          <a:lstStyle/>
+          <a:p>
+            <a:pPr algn="ctr"/>
+            <a:r>
+              <a:rPr lang="de-DE" sz="8800" b="1" noProof="0" dirty="0">
+                <a:solidFill>
+                  <a:srgbClr val="A2232C"/>
+                </a:solidFill>
+                <a:latin typeface="Aptos" panose="020B0004020202020204" pitchFamily="34" charset="0"/>
+                <a:ea typeface="Calibri" panose="020F0502020204030204" pitchFamily="34" charset="0"/>
+                <a:cs typeface="Times New Roman" panose="02020603050405020304" pitchFamily="18" charset="0"/>
+              </a:rPr>
+              <a:t>Wandel der Worte</a:t>
+            </a:r>
+          </a:p>
+        </p:txBody>
+      </p:sp>
+      <p:sp>
+        <p:nvSpPr>
+          <p:cNvPr id="114" name="Textfeld 113">
+            <a:extLst>
+              <a:ext uri="{FF2B5EF4-FFF2-40B4-BE49-F238E27FC236}">
+                <a16:creationId xmlns:a16="http://schemas.microsoft.com/office/drawing/2014/main" id="{B256FA40-B074-F25E-DD0F-419DB6703BAD}"/>
+              </a:ext>
+            </a:extLst>
+          </p:cNvPr>
+          <p:cNvSpPr txBox="1"/>
+          <p:nvPr/>
+        </p:nvSpPr>
+        <p:spPr>
+          <a:xfrm>
+            <a:off x="1102175" y="4229132"/>
+            <a:ext cx="13477050" cy="1015663"/>
+          </a:xfrm>
+          <a:prstGeom prst="rect">
+            <a:avLst/>
+          </a:prstGeom>
+          <a:noFill/>
+        </p:spPr>
+        <p:txBody>
+          <a:bodyPr wrap="square">
+            <a:spAutoFit/>
+          </a:bodyPr>
+          <a:lstStyle/>
+          <a:p>
+            <a:pPr algn="ctr"/>
+            <a:r>
+              <a:rPr lang="de-DE" sz="6000" b="1" noProof="0" dirty="0">
+                <a:solidFill>
+                  <a:schemeClr val="bg1">
+                    <a:lumMod val="50000"/>
+                  </a:schemeClr>
+                </a:solidFill>
+                <a:latin typeface="Aptos" panose="020B0004020202020204" pitchFamily="34" charset="0"/>
+                <a:ea typeface="Calibri" panose="020F0502020204030204" pitchFamily="34" charset="0"/>
+                <a:cs typeface="Times New Roman" panose="02020603050405020304" pitchFamily="18" charset="0"/>
+              </a:rPr>
+              <a:t>Levi Blumenwitz</a:t>
+            </a:r>
+          </a:p>
+        </p:txBody>
+      </p:sp>
+      <p:sp>
+        <p:nvSpPr>
+          <p:cNvPr id="115" name="Rechteck 114">
+            <a:extLst>
+              <a:ext uri="{FF2B5EF4-FFF2-40B4-BE49-F238E27FC236}">
+                <a16:creationId xmlns:a16="http://schemas.microsoft.com/office/drawing/2014/main" id="{FAF51D58-586A-56DA-05B1-9F786FA3B248}"/>
+              </a:ext>
+            </a:extLst>
+          </p:cNvPr>
+          <p:cNvSpPr/>
+          <p:nvPr/>
+        </p:nvSpPr>
+        <p:spPr>
+          <a:xfrm>
+            <a:off x="-14861" y="29380671"/>
+            <a:ext cx="21432579" cy="894542"/>
+          </a:xfrm>
+          <a:prstGeom prst="rect">
+            <a:avLst/>
+          </a:prstGeom>
+          <a:solidFill>
+            <a:srgbClr val="D7D7D7"/>
+          </a:solidFill>
+          <a:ln>
+            <a:noFill/>
+          </a:ln>
+        </p:spPr>
+        <p:style>
+          <a:lnRef idx="2">
+            <a:schemeClr val="accent1">
+              <a:shade val="50000"/>
+            </a:schemeClr>
+          </a:lnRef>
+          <a:fillRef idx="1">
+            <a:schemeClr val="accent1"/>
+          </a:fillRef>
+          <a:effectRef idx="0">
+            <a:schemeClr val="accent1"/>
+          </a:effectRef>
+          <a:fontRef idx="minor">
+            <a:schemeClr val="lt1"/>
+          </a:fontRef>
+        </p:style>
+        <p:txBody>
+          <a:bodyPr rtlCol="0" anchor="ctr"/>
+          <a:lstStyle/>
+          <a:p>
+            <a:pPr algn="ctr"/>
+            <a:r>
+              <a:rPr lang="de-DE" sz="4657" b="1" noProof="0" dirty="0">
+                <a:solidFill>
+                  <a:schemeClr val="bg1">
+                    <a:lumMod val="50000"/>
+                  </a:schemeClr>
+                </a:solidFill>
+                <a:latin typeface="Times New Roman" panose="02020603050405020304" pitchFamily="18" charset="0"/>
+                <a:ea typeface="Calibri" panose="020F0502020204030204" pitchFamily="34" charset="0"/>
+                <a:cs typeface="Times New Roman" panose="02020603050405020304" pitchFamily="18" charset="0"/>
+              </a:rPr>
+              <a:t>Arbeitswelt – Melanie Mestl – Schuljahr 24/25</a:t>
+            </a:r>
+          </a:p>
+        </p:txBody>
+      </p:sp>
+      <p:sp>
+        <p:nvSpPr>
+          <p:cNvPr id="116" name="Rechteck 115">
+            <a:extLst>
+              <a:ext uri="{FF2B5EF4-FFF2-40B4-BE49-F238E27FC236}">
+                <a16:creationId xmlns:a16="http://schemas.microsoft.com/office/drawing/2014/main" id="{1F3CD7FC-E9DE-42A3-93F8-2EB78DC88A56}"/>
+              </a:ext>
+            </a:extLst>
+          </p:cNvPr>
+          <p:cNvSpPr/>
+          <p:nvPr/>
+        </p:nvSpPr>
+        <p:spPr>
+          <a:xfrm>
+            <a:off x="57122" y="28935211"/>
+            <a:ext cx="21360597" cy="266288"/>
+          </a:xfrm>
+          <a:prstGeom prst="rect">
+            <a:avLst/>
+          </a:prstGeom>
+          <a:solidFill>
+            <a:srgbClr val="A2232C"/>
+          </a:solidFill>
+          <a:ln>
+            <a:noFill/>
+          </a:ln>
+        </p:spPr>
+        <p:style>
+          <a:lnRef idx="2">
+            <a:schemeClr val="accent1">
+              <a:shade val="50000"/>
+            </a:schemeClr>
+          </a:lnRef>
+          <a:fillRef idx="1">
+            <a:schemeClr val="accent1"/>
+          </a:fillRef>
+          <a:effectRef idx="0">
+            <a:schemeClr val="accent1"/>
+          </a:effectRef>
+          <a:fontRef idx="minor">
+            <a:schemeClr val="lt1"/>
+          </a:fontRef>
+        </p:style>
+        <p:txBody>
+          <a:bodyPr rtlCol="0" anchor="ctr"/>
+          <a:lstStyle/>
+          <a:p>
+            <a:pPr algn="ctr"/>
+            <a:endParaRPr lang="de-DE" sz="1600" noProof="0" dirty="0">
+              <a:latin typeface="Times New Roman" panose="02020603050405020304" pitchFamily="18" charset="0"/>
+              <a:cs typeface="Times New Roman" panose="02020603050405020304" pitchFamily="18" charset="0"/>
+            </a:endParaRPr>
+          </a:p>
+        </p:txBody>
+      </p:sp>
+      <p:sp>
+        <p:nvSpPr>
+          <p:cNvPr id="9" name="Rechteck 8">
+            <a:extLst>
+              <a:ext uri="{FF2B5EF4-FFF2-40B4-BE49-F238E27FC236}">
+                <a16:creationId xmlns:a16="http://schemas.microsoft.com/office/drawing/2014/main" id="{383F441A-CB98-E88A-1875-409841E3E7CF}"/>
+              </a:ext>
+            </a:extLst>
+          </p:cNvPr>
+          <p:cNvSpPr>
+            <a:spLocks/>
+          </p:cNvSpPr>
+          <p:nvPr/>
+        </p:nvSpPr>
+        <p:spPr>
+          <a:xfrm>
+            <a:off x="318463" y="9279390"/>
+            <a:ext cx="9261841" cy="5047065"/>
+          </a:xfrm>
+          <a:prstGeom prst="rect">
+            <a:avLst/>
+          </a:prstGeom>
+          <a:solidFill>
+            <a:schemeClr val="bg1"/>
+          </a:solidFill>
+          <a:ln>
+            <a:noFill/>
+          </a:ln>
+        </p:spPr>
+        <p:style>
+          <a:lnRef idx="2">
+            <a:schemeClr val="accent1">
+              <a:shade val="50000"/>
+            </a:schemeClr>
+          </a:lnRef>
+          <a:fillRef idx="1">
+            <a:schemeClr val="accent1"/>
+          </a:fillRef>
+          <a:effectRef idx="0">
+            <a:schemeClr val="accent1"/>
+          </a:effectRef>
+          <a:fontRef idx="minor">
+            <a:schemeClr val="lt1"/>
+          </a:fontRef>
+        </p:style>
+        <p:txBody>
+          <a:bodyPr rtlCol="0" anchor="ctr"/>
+          <a:lstStyle/>
+          <a:p>
+            <a:pPr algn="ctr"/>
+            <a:endParaRPr lang="de-DE" sz="440" noProof="0" dirty="0">
+              <a:latin typeface="Times New Roman" panose="02020603050405020304" pitchFamily="18" charset="0"/>
+              <a:cs typeface="Times New Roman" panose="02020603050405020304" pitchFamily="18" charset="0"/>
+            </a:endParaRPr>
+          </a:p>
+        </p:txBody>
+      </p:sp>
+      <p:sp>
+        <p:nvSpPr>
+          <p:cNvPr id="68" name="Rechteck 67">
+            <a:extLst>
+              <a:ext uri="{FF2B5EF4-FFF2-40B4-BE49-F238E27FC236}">
+                <a16:creationId xmlns:a16="http://schemas.microsoft.com/office/drawing/2014/main" id="{4E9DBE8E-DCDF-C68F-8812-175AE2201F4D}"/>
+              </a:ext>
+            </a:extLst>
+          </p:cNvPr>
+          <p:cNvSpPr>
+            <a:spLocks/>
+          </p:cNvSpPr>
+          <p:nvPr/>
+        </p:nvSpPr>
+        <p:spPr>
+          <a:xfrm>
+            <a:off x="319143" y="8791315"/>
+            <a:ext cx="9261841" cy="817695"/>
+          </a:xfrm>
+          <a:prstGeom prst="rect">
+            <a:avLst/>
+          </a:prstGeom>
+          <a:solidFill>
+            <a:srgbClr val="D7D7D7"/>
+          </a:solidFill>
+          <a:ln>
+            <a:noFill/>
+          </a:ln>
+        </p:spPr>
+        <p:style>
+          <a:lnRef idx="2">
+            <a:schemeClr val="accent1">
+              <a:shade val="50000"/>
+            </a:schemeClr>
+          </a:lnRef>
+          <a:fillRef idx="1">
+            <a:schemeClr val="accent1"/>
+          </a:fillRef>
+          <a:effectRef idx="0">
+            <a:schemeClr val="accent1"/>
+          </a:effectRef>
+          <a:fontRef idx="minor">
+            <a:schemeClr val="lt1"/>
+          </a:fontRef>
+        </p:style>
+        <p:txBody>
+          <a:bodyPr rtlCol="0" anchor="ctr"/>
+          <a:lstStyle/>
+          <a:p>
+            <a:r>
+              <a:rPr lang="de-DE" sz="4400" b="1" noProof="0" dirty="0">
+                <a:solidFill>
+                  <a:schemeClr val="tx1"/>
+                </a:solidFill>
+                <a:latin typeface="Aptos" panose="020B0004020202020204" pitchFamily="34" charset="0"/>
+                <a:cs typeface="Times New Roman" panose="02020603050405020304" pitchFamily="18" charset="0"/>
+              </a:rPr>
+              <a:t> Methodik 🛠️</a:t>
+            </a:r>
+          </a:p>
+        </p:txBody>
+      </p:sp>
+      <p:sp>
+        <p:nvSpPr>
+          <p:cNvPr id="1076" name="Rechteck 1075">
+            <a:extLst>
+              <a:ext uri="{FF2B5EF4-FFF2-40B4-BE49-F238E27FC236}">
+                <a16:creationId xmlns:a16="http://schemas.microsoft.com/office/drawing/2014/main" id="{02C9EF85-B5B8-7D2F-D14F-5A662D282B80}"/>
+              </a:ext>
+            </a:extLst>
+          </p:cNvPr>
+          <p:cNvSpPr>
+            <a:spLocks/>
+          </p:cNvSpPr>
+          <p:nvPr/>
+        </p:nvSpPr>
+        <p:spPr>
+          <a:xfrm>
+            <a:off x="319144" y="6303994"/>
+            <a:ext cx="9252933" cy="2250944"/>
+          </a:xfrm>
+          <a:prstGeom prst="rect">
+            <a:avLst/>
+          </a:prstGeom>
+          <a:solidFill>
+            <a:schemeClr val="bg1"/>
+          </a:solidFill>
+          <a:ln>
+            <a:noFill/>
+          </a:ln>
+        </p:spPr>
+        <p:style>
+          <a:lnRef idx="2">
+            <a:schemeClr val="accent1">
+              <a:shade val="50000"/>
+            </a:schemeClr>
+          </a:lnRef>
+          <a:fillRef idx="1">
+            <a:schemeClr val="accent1"/>
+          </a:fillRef>
+          <a:effectRef idx="0">
+            <a:schemeClr val="accent1"/>
+          </a:effectRef>
+          <a:fontRef idx="minor">
+            <a:schemeClr val="lt1"/>
+          </a:fontRef>
+        </p:style>
+        <p:txBody>
+          <a:bodyPr rtlCol="0" anchor="ctr"/>
+          <a:lstStyle/>
+          <a:p>
+            <a:pPr algn="ctr"/>
+            <a:endParaRPr lang="de-DE" sz="440" noProof="0" dirty="0">
+              <a:latin typeface="Times New Roman" panose="02020603050405020304" pitchFamily="18" charset="0"/>
+              <a:cs typeface="Times New Roman" panose="02020603050405020304" pitchFamily="18" charset="0"/>
+            </a:endParaRPr>
+          </a:p>
+        </p:txBody>
+      </p:sp>
+      <p:sp>
+        <p:nvSpPr>
+          <p:cNvPr id="1073" name="Rechteck 1072">
+            <a:extLst>
+              <a:ext uri="{FF2B5EF4-FFF2-40B4-BE49-F238E27FC236}">
+                <a16:creationId xmlns:a16="http://schemas.microsoft.com/office/drawing/2014/main" id="{149D3BFB-5F7D-6D3E-9526-19034D7AD8F4}"/>
+              </a:ext>
+            </a:extLst>
+          </p:cNvPr>
+          <p:cNvSpPr>
+            <a:spLocks/>
+          </p:cNvSpPr>
+          <p:nvPr/>
+        </p:nvSpPr>
+        <p:spPr>
+          <a:xfrm>
+            <a:off x="319145" y="5531561"/>
+            <a:ext cx="9261160" cy="786948"/>
+          </a:xfrm>
+          <a:prstGeom prst="rect">
+            <a:avLst/>
+          </a:prstGeom>
+          <a:solidFill>
+            <a:srgbClr val="D7D7D7"/>
+          </a:solidFill>
+          <a:ln>
+            <a:noFill/>
+          </a:ln>
+        </p:spPr>
+        <p:style>
+          <a:lnRef idx="2">
+            <a:schemeClr val="accent1">
+              <a:shade val="50000"/>
+            </a:schemeClr>
+          </a:lnRef>
+          <a:fillRef idx="1">
+            <a:schemeClr val="accent1"/>
+          </a:fillRef>
+          <a:effectRef idx="0">
+            <a:schemeClr val="accent1"/>
+          </a:effectRef>
+          <a:fontRef idx="minor">
+            <a:schemeClr val="lt1"/>
+          </a:fontRef>
+        </p:style>
+        <p:txBody>
+          <a:bodyPr rtlCol="0" anchor="t"/>
+          <a:lstStyle/>
+          <a:p>
+            <a:r>
+              <a:rPr lang="de-DE" sz="4400" b="1" noProof="0" dirty="0">
+                <a:solidFill>
+                  <a:schemeClr val="tx1"/>
+                </a:solidFill>
+                <a:latin typeface="Aptos" panose="020B0004020202020204" pitchFamily="34" charset="0"/>
+                <a:cs typeface="Times New Roman" panose="02020603050405020304" pitchFamily="18" charset="0"/>
+              </a:rPr>
+              <a:t> Fragestellung❓</a:t>
+            </a:r>
+            <a:endParaRPr lang="de-DE" sz="4400" noProof="0" dirty="0">
+              <a:latin typeface="Aptos" panose="020B0004020202020204" pitchFamily="34" charset="0"/>
+              <a:cs typeface="Times New Roman" panose="02020603050405020304" pitchFamily="18" charset="0"/>
+            </a:endParaRPr>
+          </a:p>
+          <a:p>
+            <a:endParaRPr lang="de-DE" sz="4400" b="1" noProof="0" dirty="0">
+              <a:solidFill>
+                <a:schemeClr val="tx1"/>
+              </a:solidFill>
+              <a:latin typeface="Aptos" panose="020B0004020202020204" pitchFamily="34" charset="0"/>
+              <a:cs typeface="Times New Roman" panose="02020603050405020304" pitchFamily="18" charset="0"/>
+            </a:endParaRPr>
+          </a:p>
+        </p:txBody>
+      </p:sp>
+      <p:pic>
+        <p:nvPicPr>
+          <p:cNvPr id="1032" name="Grafik 1031" descr="Ein Bild, das Kunst enthält.&#10;&#10;Automatisch generierte Beschreibung mit geringer Zuverlässigkeit">
+            <a:extLst>
+              <a:ext uri="{FF2B5EF4-FFF2-40B4-BE49-F238E27FC236}">
+                <a16:creationId xmlns:a16="http://schemas.microsoft.com/office/drawing/2014/main" id="{60C4F77C-1319-EA6F-3C00-6C1B5608811F}"/>
+              </a:ext>
+            </a:extLst>
+          </p:cNvPr>
+          <p:cNvPicPr>
+            <a:picLocks noChangeAspect="1"/>
+          </p:cNvPicPr>
+          <p:nvPr/>
+        </p:nvPicPr>
+        <p:blipFill>
+          <a:blip r:embed="rId3" cstate="print">
+            <a:extLst>
+              <a:ext uri="{28A0092B-C50C-407E-A947-70E740481C1C}">
+                <a14:useLocalDpi xmlns:a14="http://schemas.microsoft.com/office/drawing/2010/main" val="0"/>
+              </a:ext>
+            </a:extLst>
+          </a:blip>
+          <a:stretch>
+            <a:fillRect/>
+          </a:stretch>
+        </p:blipFill>
+        <p:spPr>
+          <a:xfrm>
+            <a:off x="318463" y="187480"/>
+            <a:ext cx="1440000" cy="1440000"/>
+          </a:xfrm>
+          <a:prstGeom prst="rect">
+            <a:avLst/>
+          </a:prstGeom>
+        </p:spPr>
+      </p:pic>
+      <p:pic>
+        <p:nvPicPr>
+          <p:cNvPr id="1036" name="Grafik 1035" descr="Ein Bild, das Text, Schrift, Grafiken, Grafikdesign enthält.&#10;&#10;Automatisch generierte Beschreibung">
+            <a:extLst>
+              <a:ext uri="{FF2B5EF4-FFF2-40B4-BE49-F238E27FC236}">
+                <a16:creationId xmlns:a16="http://schemas.microsoft.com/office/drawing/2014/main" id="{1523185B-4D98-CC35-54B2-9663FA36C5A4}"/>
+              </a:ext>
+            </a:extLst>
+          </p:cNvPr>
+          <p:cNvPicPr>
+            <a:picLocks noChangeAspect="1"/>
+          </p:cNvPicPr>
+          <p:nvPr/>
+        </p:nvPicPr>
+        <p:blipFill>
+          <a:blip r:embed="rId4">
+            <a:clrChange>
+              <a:clrFrom>
+                <a:srgbClr val="EFEFEF"/>
+              </a:clrFrom>
+              <a:clrTo>
+                <a:srgbClr val="EFEFEF">
+                  <a:alpha val="0"/>
+                </a:srgbClr>
+              </a:clrTo>
+            </a:clrChange>
+            <a:extLst>
+              <a:ext uri="{28A0092B-C50C-407E-A947-70E740481C1C}">
+                <a14:useLocalDpi xmlns:a14="http://schemas.microsoft.com/office/drawing/2010/main" val="0"/>
+              </a:ext>
+            </a:extLst>
+          </a:blip>
+          <a:stretch>
+            <a:fillRect/>
+          </a:stretch>
+        </p:blipFill>
+        <p:spPr>
+          <a:xfrm>
+            <a:off x="1743578" y="238429"/>
+            <a:ext cx="3205044" cy="1327242"/>
+          </a:xfrm>
+          <a:prstGeom prst="rect">
+            <a:avLst/>
+          </a:prstGeom>
+        </p:spPr>
+      </p:pic>
+      <p:sp>
+        <p:nvSpPr>
+          <p:cNvPr id="30" name="Textfeld 29">
+            <a:extLst>
+              <a:ext uri="{FF2B5EF4-FFF2-40B4-BE49-F238E27FC236}">
+                <a16:creationId xmlns:a16="http://schemas.microsoft.com/office/drawing/2014/main" id="{6261F97A-E750-D427-2B13-CD1ECA5B941F}"/>
+              </a:ext>
+            </a:extLst>
+          </p:cNvPr>
+          <p:cNvSpPr txBox="1"/>
+          <p:nvPr/>
+        </p:nvSpPr>
+        <p:spPr>
+          <a:xfrm>
+            <a:off x="1102175" y="3478814"/>
+            <a:ext cx="14296174" cy="707886"/>
+          </a:xfrm>
+          <a:prstGeom prst="rect">
+            <a:avLst/>
+          </a:prstGeom>
+          <a:noFill/>
+        </p:spPr>
+        <p:txBody>
+          <a:bodyPr wrap="square">
+            <a:spAutoFit/>
+          </a:bodyPr>
+          <a:lstStyle/>
+          <a:p>
+            <a:pPr algn="ctr"/>
+            <a:r>
+              <a:rPr lang="de-DE" sz="4000" b="1" noProof="0" dirty="0">
+                <a:solidFill>
+                  <a:srgbClr val="A2232C"/>
+                </a:solidFill>
+                <a:latin typeface="Aptos" panose="020B0004020202020204" pitchFamily="34" charset="0"/>
+                <a:ea typeface="Calibri" panose="020F0502020204030204" pitchFamily="34" charset="0"/>
+                <a:cs typeface="Times New Roman" panose="02020603050405020304" pitchFamily="18" charset="0"/>
+              </a:rPr>
+              <a:t>Langzeitdatenanalyse journalistischer Perspektiven</a:t>
+            </a:r>
+          </a:p>
+        </p:txBody>
+      </p:sp>
+      <p:pic>
+        <p:nvPicPr>
+          <p:cNvPr id="10" name="Grafik 9">
+            <a:extLst>
+              <a:ext uri="{FF2B5EF4-FFF2-40B4-BE49-F238E27FC236}">
+                <a16:creationId xmlns:a16="http://schemas.microsoft.com/office/drawing/2014/main" id="{1BD9AA54-AFB0-09C2-853A-42B0B1D13FE1}"/>
+              </a:ext>
+            </a:extLst>
+          </p:cNvPr>
+          <p:cNvPicPr>
+            <a:picLocks noChangeAspect="1"/>
+          </p:cNvPicPr>
+          <p:nvPr/>
+        </p:nvPicPr>
+        <p:blipFill rotWithShape="1">
+          <a:blip r:embed="rId5" cstate="print">
+            <a:extLst>
+              <a:ext uri="{28A0092B-C50C-407E-A947-70E740481C1C}">
+                <a14:useLocalDpi xmlns:a14="http://schemas.microsoft.com/office/drawing/2010/main" val="0"/>
+              </a:ext>
+            </a:extLst>
+          </a:blip>
+          <a:srcRect b="48254"/>
+          <a:stretch/>
+        </p:blipFill>
+        <p:spPr>
+          <a:xfrm>
+            <a:off x="13506035" y="-119571"/>
+            <a:ext cx="8135123" cy="1666962"/>
+          </a:xfrm>
+          <a:prstGeom prst="rect">
+            <a:avLst/>
+          </a:prstGeom>
+        </p:spPr>
+      </p:pic>
+      <p:sp>
+        <p:nvSpPr>
+          <p:cNvPr id="33" name="Rechteck 32">
+            <a:extLst>
+              <a:ext uri="{FF2B5EF4-FFF2-40B4-BE49-F238E27FC236}">
+                <a16:creationId xmlns:a16="http://schemas.microsoft.com/office/drawing/2014/main" id="{B3763A70-942A-CD5A-82C7-C9294D8F6F3A}"/>
+              </a:ext>
+            </a:extLst>
+          </p:cNvPr>
+          <p:cNvSpPr>
+            <a:spLocks/>
+          </p:cNvSpPr>
+          <p:nvPr/>
+        </p:nvSpPr>
+        <p:spPr>
+          <a:xfrm>
+            <a:off x="9891220" y="5519326"/>
+            <a:ext cx="11224555" cy="786948"/>
+          </a:xfrm>
+          <a:prstGeom prst="rect">
+            <a:avLst/>
+          </a:prstGeom>
+          <a:solidFill>
+            <a:srgbClr val="D7D7D7"/>
+          </a:solidFill>
+          <a:ln>
+            <a:noFill/>
+          </a:ln>
+        </p:spPr>
+        <p:style>
+          <a:lnRef idx="2">
+            <a:schemeClr val="accent1">
+              <a:shade val="50000"/>
+            </a:schemeClr>
+          </a:lnRef>
+          <a:fillRef idx="1">
+            <a:schemeClr val="accent1"/>
+          </a:fillRef>
+          <a:effectRef idx="0">
+            <a:schemeClr val="accent1"/>
+          </a:effectRef>
+          <a:fontRef idx="minor">
+            <a:schemeClr val="lt1"/>
+          </a:fontRef>
+        </p:style>
+        <p:txBody>
+          <a:bodyPr rtlCol="0" anchor="t"/>
+          <a:lstStyle/>
+          <a:p>
+            <a:r>
+              <a:rPr lang="de-DE" sz="4400" b="1" noProof="0" dirty="0">
+                <a:solidFill>
+                  <a:schemeClr val="tx1"/>
+                </a:solidFill>
+                <a:latin typeface="Aptos" panose="020B0004020202020204" pitchFamily="34" charset="0"/>
+                <a:cs typeface="Times New Roman" panose="02020603050405020304" pitchFamily="18" charset="0"/>
+              </a:rPr>
+              <a:t> Ziel</a:t>
+            </a:r>
+            <a:r>
+              <a:rPr lang="de-DE" sz="4400" noProof="0" dirty="0">
+                <a:latin typeface="Aptos" panose="020B0004020202020204" pitchFamily="34" charset="0"/>
+                <a:cs typeface="Times New Roman" panose="02020603050405020304" pitchFamily="18" charset="0"/>
+              </a:rPr>
+              <a:t>🎯 </a:t>
+            </a:r>
+          </a:p>
+          <a:p>
+            <a:endParaRPr lang="de-DE" sz="4400" b="1" noProof="0" dirty="0">
+              <a:solidFill>
+                <a:schemeClr val="tx1"/>
+              </a:solidFill>
+              <a:latin typeface="Aptos" panose="020B0004020202020204" pitchFamily="34" charset="0"/>
+              <a:cs typeface="Times New Roman" panose="02020603050405020304" pitchFamily="18" charset="0"/>
+            </a:endParaRPr>
+          </a:p>
+        </p:txBody>
+      </p:sp>
+      <p:sp>
+        <p:nvSpPr>
+          <p:cNvPr id="34" name="Rechteck 33">
+            <a:extLst>
+              <a:ext uri="{FF2B5EF4-FFF2-40B4-BE49-F238E27FC236}">
+                <a16:creationId xmlns:a16="http://schemas.microsoft.com/office/drawing/2014/main" id="{B8D8598F-80F2-7D1F-387F-564585A69895}"/>
+              </a:ext>
+            </a:extLst>
+          </p:cNvPr>
+          <p:cNvSpPr>
+            <a:spLocks/>
+          </p:cNvSpPr>
+          <p:nvPr/>
+        </p:nvSpPr>
+        <p:spPr>
+          <a:xfrm>
+            <a:off x="9891219" y="6268844"/>
+            <a:ext cx="11224555" cy="8039972"/>
+          </a:xfrm>
+          <a:prstGeom prst="rect">
+            <a:avLst/>
+          </a:prstGeom>
+          <a:solidFill>
+            <a:schemeClr val="bg1"/>
+          </a:solidFill>
+          <a:ln>
+            <a:noFill/>
+          </a:ln>
+        </p:spPr>
+        <p:style>
+          <a:lnRef idx="2">
+            <a:schemeClr val="accent1">
+              <a:shade val="50000"/>
+            </a:schemeClr>
+          </a:lnRef>
+          <a:fillRef idx="1">
+            <a:schemeClr val="accent1"/>
+          </a:fillRef>
+          <a:effectRef idx="0">
+            <a:schemeClr val="accent1"/>
+          </a:effectRef>
+          <a:fontRef idx="minor">
+            <a:schemeClr val="lt1"/>
+          </a:fontRef>
+        </p:style>
+        <p:txBody>
+          <a:bodyPr rtlCol="0" anchor="ctr"/>
+          <a:lstStyle/>
+          <a:p>
+            <a:pPr>
+              <a:buFont typeface="Arial" panose="020B0604020202020204" pitchFamily="34" charset="0"/>
+              <a:buChar char="•"/>
+            </a:pPr>
+            <a:endParaRPr lang="de-DE" sz="800" noProof="0" dirty="0">
+              <a:latin typeface="Times New Roman" panose="02020603050405020304" pitchFamily="18" charset="0"/>
+              <a:cs typeface="Times New Roman" panose="02020603050405020304" pitchFamily="18" charset="0"/>
+            </a:endParaRPr>
+          </a:p>
+        </p:txBody>
+      </p:sp>
+      <p:sp>
+        <p:nvSpPr>
+          <p:cNvPr id="12" name="Textfeld 11">
+            <a:extLst>
+              <a:ext uri="{FF2B5EF4-FFF2-40B4-BE49-F238E27FC236}">
+                <a16:creationId xmlns:a16="http://schemas.microsoft.com/office/drawing/2014/main" id="{7E2BEB96-9906-FB21-83D5-7DCD0101AAFE}"/>
+              </a:ext>
+            </a:extLst>
+          </p:cNvPr>
+          <p:cNvSpPr txBox="1"/>
+          <p:nvPr/>
+        </p:nvSpPr>
+        <p:spPr>
+          <a:xfrm>
+            <a:off x="419187" y="6482422"/>
+            <a:ext cx="9227209" cy="1754326"/>
+          </a:xfrm>
+          <a:prstGeom prst="rect">
+            <a:avLst/>
+          </a:prstGeom>
+          <a:noFill/>
+        </p:spPr>
+        <p:txBody>
+          <a:bodyPr wrap="square" rtlCol="0">
+            <a:spAutoFit/>
+          </a:bodyPr>
+          <a:lstStyle/>
+          <a:p>
+            <a:r>
+              <a:rPr lang="de-DE" sz="3600" noProof="0" dirty="0">
+                <a:latin typeface="Aptos" panose="020B0004020202020204" pitchFamily="34" charset="0"/>
+                <a:cs typeface="Times New Roman" panose="02020603050405020304" pitchFamily="18" charset="0"/>
+              </a:rPr>
+              <a:t>📰 Veränderung der Medien über die Zeit ?</a:t>
+            </a:r>
+          </a:p>
+          <a:p>
+            <a:r>
+              <a:rPr lang="de-DE" sz="3600" noProof="0" dirty="0">
+                <a:latin typeface="Aptos" panose="020B0004020202020204" pitchFamily="34" charset="0"/>
+                <a:cs typeface="Times New Roman" panose="02020603050405020304" pitchFamily="18" charset="0"/>
+              </a:rPr>
+              <a:t>⚖️ </a:t>
+            </a:r>
+            <a:r>
+              <a:rPr lang="de-DE" sz="3600" dirty="0">
+                <a:latin typeface="Aptos" panose="020B0004020202020204" pitchFamily="34" charset="0"/>
+                <a:cs typeface="Times New Roman" panose="02020603050405020304" pitchFamily="18" charset="0"/>
+              </a:rPr>
+              <a:t>Verstärkte</a:t>
+            </a:r>
+            <a:r>
+              <a:rPr lang="de-DE" sz="3600" noProof="0" dirty="0">
+                <a:latin typeface="Aptos" panose="020B0004020202020204" pitchFamily="34" charset="0"/>
+                <a:cs typeface="Times New Roman" panose="02020603050405020304" pitchFamily="18" charset="0"/>
+              </a:rPr>
+              <a:t> Subjektivität im Journalismus ?</a:t>
+            </a:r>
+          </a:p>
+          <a:p>
+            <a:r>
+              <a:rPr lang="de-DE" sz="3600" noProof="0" dirty="0">
+                <a:latin typeface="Aptos" panose="020B0004020202020204" pitchFamily="34" charset="0"/>
+                <a:cs typeface="Times New Roman" panose="02020603050405020304" pitchFamily="18" charset="0"/>
+              </a:rPr>
+              <a:t>📈 Trends in der Artikelanzahl/-länge ?</a:t>
+            </a:r>
+          </a:p>
+        </p:txBody>
+      </p:sp>
+      <p:sp>
+        <p:nvSpPr>
+          <p:cNvPr id="13" name="Textfeld 12">
+            <a:extLst>
+              <a:ext uri="{FF2B5EF4-FFF2-40B4-BE49-F238E27FC236}">
+                <a16:creationId xmlns:a16="http://schemas.microsoft.com/office/drawing/2014/main" id="{4707A25A-D391-E3B6-383D-09F0EC21E924}"/>
+              </a:ext>
+            </a:extLst>
+          </p:cNvPr>
+          <p:cNvSpPr txBox="1"/>
+          <p:nvPr/>
+        </p:nvSpPr>
+        <p:spPr>
+          <a:xfrm>
+            <a:off x="9983546" y="6439282"/>
+            <a:ext cx="11092857" cy="7848302"/>
+          </a:xfrm>
+          <a:prstGeom prst="rect">
+            <a:avLst/>
+          </a:prstGeom>
+          <a:noFill/>
+        </p:spPr>
+        <p:txBody>
+          <a:bodyPr wrap="square" rtlCol="0">
+            <a:spAutoFit/>
+          </a:bodyPr>
+          <a:lstStyle/>
+          <a:p>
+            <a:r>
+              <a:rPr lang="de-DE" sz="3600" noProof="0" dirty="0">
+                <a:latin typeface="Aptos" panose="020B0004020202020204" pitchFamily="34" charset="0"/>
+                <a:cs typeface="Times New Roman" panose="02020603050405020304" pitchFamily="18" charset="0"/>
+              </a:rPr>
+              <a:t>🔍 Analyse von „</a:t>
+            </a:r>
+            <a:r>
+              <a:rPr lang="de-DE" sz="3600" b="1" noProof="0" dirty="0">
+                <a:latin typeface="Aptos" panose="020B0004020202020204" pitchFamily="34" charset="0"/>
+                <a:cs typeface="Times New Roman" panose="02020603050405020304" pitchFamily="18" charset="0"/>
+              </a:rPr>
+              <a:t>The New York Times</a:t>
+            </a:r>
+            <a:r>
+              <a:rPr lang="de-DE" sz="3600" noProof="0" dirty="0">
+                <a:latin typeface="Aptos" panose="020B0004020202020204" pitchFamily="34" charset="0"/>
+                <a:cs typeface="Times New Roman" panose="02020603050405020304" pitchFamily="18" charset="0"/>
+              </a:rPr>
+              <a:t>” und</a:t>
+            </a:r>
+          </a:p>
+          <a:p>
+            <a:r>
+              <a:rPr lang="de-DE" sz="3600" dirty="0">
+                <a:latin typeface="Aptos" panose="020B0004020202020204" pitchFamily="34" charset="0"/>
+                <a:cs typeface="Times New Roman" panose="02020603050405020304" pitchFamily="18" charset="0"/>
+              </a:rPr>
+              <a:t>      </a:t>
+            </a:r>
+            <a:r>
+              <a:rPr lang="de-DE" sz="3600" noProof="0" dirty="0">
+                <a:latin typeface="Aptos" panose="020B0004020202020204" pitchFamily="34" charset="0"/>
+                <a:cs typeface="Times New Roman" panose="02020603050405020304" pitchFamily="18" charset="0"/>
+              </a:rPr>
+              <a:t> „</a:t>
+            </a:r>
+            <a:r>
+              <a:rPr lang="de-DE" sz="3600" b="1" noProof="0" dirty="0">
+                <a:latin typeface="Aptos" panose="020B0004020202020204" pitchFamily="34" charset="0"/>
+                <a:cs typeface="Times New Roman" panose="02020603050405020304" pitchFamily="18" charset="0"/>
+              </a:rPr>
+              <a:t>The Guardian</a:t>
+            </a:r>
+            <a:r>
+              <a:rPr lang="de-DE" sz="3600" noProof="0" dirty="0">
+                <a:latin typeface="Aptos" panose="020B0004020202020204" pitchFamily="34" charset="0"/>
+                <a:cs typeface="Times New Roman" panose="02020603050405020304" pitchFamily="18" charset="0"/>
+              </a:rPr>
+              <a:t>“</a:t>
+            </a:r>
+          </a:p>
+          <a:p>
+            <a:r>
+              <a:rPr lang="de-DE" sz="3600" noProof="0" dirty="0">
+                <a:latin typeface="Aptos" panose="020B0004020202020204" pitchFamily="34" charset="0"/>
+                <a:cs typeface="Times New Roman" panose="02020603050405020304" pitchFamily="18" charset="0"/>
+              </a:rPr>
+              <a:t>📢 </a:t>
+            </a:r>
+            <a:r>
+              <a:rPr lang="de-DE" sz="3600" b="1" noProof="0" dirty="0">
+                <a:latin typeface="Aptos" panose="020B0004020202020204" pitchFamily="34" charset="0"/>
+                <a:cs typeface="Times New Roman" panose="02020603050405020304" pitchFamily="18" charset="0"/>
+              </a:rPr>
+              <a:t>Vergleich</a:t>
+            </a:r>
+            <a:r>
+              <a:rPr lang="de-DE" sz="3600" noProof="0" dirty="0">
+                <a:latin typeface="Aptos" panose="020B0004020202020204" pitchFamily="34" charset="0"/>
+                <a:cs typeface="Times New Roman" panose="02020603050405020304" pitchFamily="18" charset="0"/>
+              </a:rPr>
+              <a:t> einer amerikanischen und einer</a:t>
+            </a:r>
+          </a:p>
+          <a:p>
+            <a:r>
+              <a:rPr lang="de-DE" sz="3600" dirty="0">
+                <a:latin typeface="Aptos" panose="020B0004020202020204" pitchFamily="34" charset="0"/>
+                <a:cs typeface="Times New Roman" panose="02020603050405020304" pitchFamily="18" charset="0"/>
+              </a:rPr>
+              <a:t>       </a:t>
+            </a:r>
+            <a:r>
+              <a:rPr lang="de-DE" sz="3600" noProof="0" dirty="0">
+                <a:latin typeface="Aptos" panose="020B0004020202020204" pitchFamily="34" charset="0"/>
+                <a:cs typeface="Times New Roman" panose="02020603050405020304" pitchFamily="18" charset="0"/>
+              </a:rPr>
+              <a:t> britischen Zeitung  in den Rubriken „World“, </a:t>
+            </a:r>
+          </a:p>
+          <a:p>
+            <a:r>
+              <a:rPr lang="de-DE" sz="3600" dirty="0">
+                <a:latin typeface="Aptos" panose="020B0004020202020204" pitchFamily="34" charset="0"/>
+                <a:cs typeface="Times New Roman" panose="02020603050405020304" pitchFamily="18" charset="0"/>
+              </a:rPr>
+              <a:t> </a:t>
+            </a:r>
+            <a:r>
+              <a:rPr lang="de-DE" sz="3600" noProof="0" dirty="0">
+                <a:latin typeface="Aptos" panose="020B0004020202020204" pitchFamily="34" charset="0"/>
+                <a:cs typeface="Times New Roman" panose="02020603050405020304" pitchFamily="18" charset="0"/>
+              </a:rPr>
+              <a:t>      „Opinion“ und „Politics“</a:t>
+            </a:r>
+          </a:p>
+          <a:p>
+            <a:r>
+              <a:rPr lang="de-DE" sz="3600" dirty="0">
+                <a:latin typeface="Aptos" panose="020B0004020202020204" pitchFamily="34" charset="0"/>
+                <a:cs typeface="Times New Roman" panose="02020603050405020304" pitchFamily="18" charset="0"/>
+              </a:rPr>
+              <a:t>📅 Langzeitdatenanalyse </a:t>
+            </a:r>
+            <a:r>
+              <a:rPr lang="de-DE" sz="3600" noProof="0" dirty="0">
+                <a:latin typeface="Aptos" panose="020B0004020202020204" pitchFamily="34" charset="0"/>
+                <a:cs typeface="Times New Roman" panose="02020603050405020304" pitchFamily="18" charset="0"/>
+              </a:rPr>
+              <a:t>von 120.000 Artikeln</a:t>
+            </a:r>
+          </a:p>
+          <a:p>
+            <a:r>
+              <a:rPr lang="de-DE" sz="3600" dirty="0">
+                <a:latin typeface="Aptos" panose="020B0004020202020204" pitchFamily="34" charset="0"/>
+                <a:cs typeface="Times New Roman" panose="02020603050405020304" pitchFamily="18" charset="0"/>
+              </a:rPr>
+              <a:t>      </a:t>
+            </a:r>
+            <a:r>
+              <a:rPr lang="de-DE" sz="3600" noProof="0" dirty="0">
+                <a:latin typeface="Aptos" panose="020B0004020202020204" pitchFamily="34" charset="0"/>
+                <a:cs typeface="Times New Roman" panose="02020603050405020304" pitchFamily="18" charset="0"/>
+              </a:rPr>
+              <a:t>  zwischen 2010 – 2011 und 2020 – 2021</a:t>
+            </a:r>
+          </a:p>
+          <a:p>
+            <a:r>
+              <a:rPr lang="de-DE" sz="3600" noProof="0" dirty="0">
+                <a:latin typeface="Aptos" panose="020B0004020202020204" pitchFamily="34" charset="0"/>
+                <a:cs typeface="Times New Roman" panose="02020603050405020304" pitchFamily="18" charset="0"/>
+              </a:rPr>
+              <a:t>🔎 Identifikation von </a:t>
+            </a:r>
+            <a:r>
+              <a:rPr lang="de-DE" sz="3600" b="1" noProof="0" dirty="0">
+                <a:latin typeface="Aptos" panose="020B0004020202020204" pitchFamily="34" charset="0"/>
+                <a:cs typeface="Times New Roman" panose="02020603050405020304" pitchFamily="18" charset="0"/>
+              </a:rPr>
+              <a:t>langfristigen Trends</a:t>
+            </a:r>
+            <a:r>
+              <a:rPr lang="de-DE" sz="3600" noProof="0" dirty="0">
+                <a:latin typeface="Aptos" panose="020B0004020202020204" pitchFamily="34" charset="0"/>
+                <a:cs typeface="Times New Roman" panose="02020603050405020304" pitchFamily="18" charset="0"/>
+              </a:rPr>
+              <a:t> im</a:t>
+            </a:r>
+          </a:p>
+          <a:p>
+            <a:r>
+              <a:rPr lang="de-DE" sz="3600" dirty="0">
+                <a:latin typeface="Aptos" panose="020B0004020202020204" pitchFamily="34" charset="0"/>
+                <a:cs typeface="Times New Roman" panose="02020603050405020304" pitchFamily="18" charset="0"/>
+              </a:rPr>
+              <a:t>      </a:t>
+            </a:r>
+            <a:r>
+              <a:rPr lang="de-DE" sz="3600" noProof="0" dirty="0">
+                <a:latin typeface="Aptos" panose="020B0004020202020204" pitchFamily="34" charset="0"/>
+                <a:cs typeface="Times New Roman" panose="02020603050405020304" pitchFamily="18" charset="0"/>
+              </a:rPr>
+              <a:t> Journalismus</a:t>
+            </a:r>
+          </a:p>
+          <a:p>
+            <a:r>
+              <a:rPr lang="de-DE" sz="3600" noProof="0" dirty="0">
+                <a:latin typeface="Aptos" panose="020B0004020202020204" pitchFamily="34" charset="0"/>
+                <a:cs typeface="Times New Roman" panose="02020603050405020304" pitchFamily="18" charset="0"/>
+              </a:rPr>
+              <a:t>📊 Untersuchung von </a:t>
+            </a:r>
+            <a:r>
+              <a:rPr lang="de-DE" sz="3600" b="1" noProof="0" dirty="0">
+                <a:latin typeface="Aptos" panose="020B0004020202020204" pitchFamily="34" charset="0"/>
+                <a:cs typeface="Times New Roman" panose="02020603050405020304" pitchFamily="18" charset="0"/>
+              </a:rPr>
+              <a:t>Subjektivität</a:t>
+            </a:r>
+            <a:r>
+              <a:rPr lang="de-DE" sz="3600" noProof="0" dirty="0">
+                <a:latin typeface="Aptos" panose="020B0004020202020204" pitchFamily="34" charset="0"/>
+                <a:cs typeface="Times New Roman" panose="02020603050405020304" pitchFamily="18" charset="0"/>
+              </a:rPr>
+              <a:t>, </a:t>
+            </a:r>
+            <a:r>
+              <a:rPr lang="de-DE" sz="3600" b="1" noProof="0" dirty="0">
+                <a:latin typeface="Aptos" panose="020B0004020202020204" pitchFamily="34" charset="0"/>
+                <a:cs typeface="Times New Roman" panose="02020603050405020304" pitchFamily="18" charset="0"/>
+              </a:rPr>
+              <a:t>Polarisierung</a:t>
+            </a:r>
+            <a:r>
+              <a:rPr lang="de-DE" sz="3600" noProof="0" dirty="0">
+                <a:latin typeface="Aptos" panose="020B0004020202020204" pitchFamily="34" charset="0"/>
+                <a:cs typeface="Times New Roman" panose="02020603050405020304" pitchFamily="18" charset="0"/>
+              </a:rPr>
+              <a:t>,</a:t>
+            </a:r>
+          </a:p>
+          <a:p>
+            <a:r>
+              <a:rPr lang="de-DE" sz="3600" dirty="0">
+                <a:latin typeface="Aptos" panose="020B0004020202020204" pitchFamily="34" charset="0"/>
+                <a:cs typeface="Times New Roman" panose="02020603050405020304" pitchFamily="18" charset="0"/>
+              </a:rPr>
+              <a:t>      </a:t>
+            </a:r>
+            <a:r>
+              <a:rPr lang="de-DE" sz="3600" noProof="0" dirty="0">
+                <a:latin typeface="Aptos" panose="020B0004020202020204" pitchFamily="34" charset="0"/>
+                <a:cs typeface="Times New Roman" panose="02020603050405020304" pitchFamily="18" charset="0"/>
+              </a:rPr>
+              <a:t> Anzahl und Länge der Artikel</a:t>
+            </a:r>
+          </a:p>
+          <a:p>
+            <a:r>
+              <a:rPr lang="de-DE" sz="3600" dirty="0">
+                <a:latin typeface="Aptos" panose="020B0004020202020204" pitchFamily="34" charset="0"/>
+                <a:cs typeface="Times New Roman" panose="02020603050405020304" pitchFamily="18" charset="0"/>
+              </a:rPr>
+              <a:t>💻 Entwicklung einer </a:t>
+            </a:r>
+            <a:r>
+              <a:rPr lang="de-DE" sz="3600" b="1" dirty="0">
+                <a:latin typeface="Aptos" panose="020B0004020202020204" pitchFamily="34" charset="0"/>
+                <a:cs typeface="Times New Roman" panose="02020603050405020304" pitchFamily="18" charset="0"/>
+              </a:rPr>
+              <a:t>interaktiven Webseite </a:t>
+            </a:r>
+            <a:r>
+              <a:rPr lang="de-DE" sz="3600" dirty="0">
+                <a:latin typeface="Aptos" panose="020B0004020202020204" pitchFamily="34" charset="0"/>
+                <a:cs typeface="Times New Roman" panose="02020603050405020304" pitchFamily="18" charset="0"/>
+              </a:rPr>
+              <a:t>zur</a:t>
+            </a:r>
+          </a:p>
+          <a:p>
+            <a:r>
+              <a:rPr lang="de-DE" sz="3600" dirty="0">
+                <a:latin typeface="Aptos" panose="020B0004020202020204" pitchFamily="34" charset="0"/>
+                <a:cs typeface="Times New Roman" panose="02020603050405020304" pitchFamily="18" charset="0"/>
+              </a:rPr>
+              <a:t>        konkreten Trendanalyse von Zeitungen</a:t>
+            </a:r>
+          </a:p>
+          <a:p>
+            <a:r>
+              <a:rPr lang="de-DE" sz="3600" noProof="0" dirty="0">
+                <a:latin typeface="Aptos" panose="020B0004020202020204" pitchFamily="34" charset="0"/>
+                <a:cs typeface="Times New Roman" panose="02020603050405020304" pitchFamily="18" charset="0"/>
+              </a:rPr>
+              <a:t>        (Filter für Jahre, Rubriken, Zeitungen)</a:t>
+            </a:r>
+          </a:p>
+        </p:txBody>
+      </p:sp>
+      <p:sp>
+        <p:nvSpPr>
+          <p:cNvPr id="15" name="Textfeld 14">
+            <a:extLst>
+              <a:ext uri="{FF2B5EF4-FFF2-40B4-BE49-F238E27FC236}">
+                <a16:creationId xmlns:a16="http://schemas.microsoft.com/office/drawing/2014/main" id="{BB58D0CC-F515-6F22-D6A1-1B1F3368C635}"/>
+              </a:ext>
+            </a:extLst>
+          </p:cNvPr>
+          <p:cNvSpPr txBox="1"/>
+          <p:nvPr/>
+        </p:nvSpPr>
+        <p:spPr>
+          <a:xfrm>
+            <a:off x="384554" y="9731739"/>
+            <a:ext cx="9261842" cy="4524315"/>
+          </a:xfrm>
+          <a:prstGeom prst="rect">
+            <a:avLst/>
+          </a:prstGeom>
+          <a:noFill/>
+        </p:spPr>
+        <p:txBody>
+          <a:bodyPr wrap="square" rtlCol="0">
+            <a:spAutoFit/>
+          </a:bodyPr>
+          <a:lstStyle/>
+          <a:p>
+            <a:r>
+              <a:rPr lang="de-DE" sz="3200" noProof="0" dirty="0">
+                <a:latin typeface="Aptos" panose="020B0004020202020204" pitchFamily="34" charset="0"/>
+                <a:cs typeface="Times New Roman" panose="02020603050405020304" pitchFamily="18" charset="0"/>
+              </a:rPr>
+              <a:t>💻 </a:t>
+            </a:r>
+            <a:r>
+              <a:rPr lang="de-DE" sz="3200" b="1" noProof="0" dirty="0">
+                <a:latin typeface="Aptos" panose="020B0004020202020204" pitchFamily="34" charset="0"/>
+                <a:cs typeface="Times New Roman" panose="02020603050405020304" pitchFamily="18" charset="0"/>
+              </a:rPr>
+              <a:t>Datenbeschaffung:</a:t>
+            </a:r>
+            <a:endParaRPr lang="de-DE" sz="3200" noProof="0" dirty="0">
+              <a:latin typeface="Aptos" panose="020B0004020202020204" pitchFamily="34" charset="0"/>
+              <a:cs typeface="Times New Roman" panose="02020603050405020304" pitchFamily="18" charset="0"/>
+            </a:endParaRPr>
+          </a:p>
+          <a:p>
+            <a:r>
+              <a:rPr lang="de-DE" sz="3200" noProof="0" dirty="0">
+                <a:latin typeface="Aptos" panose="020B0004020202020204" pitchFamily="34" charset="0"/>
+                <a:cs typeface="Times New Roman" panose="02020603050405020304" pitchFamily="18" charset="0"/>
+              </a:rPr>
+              <a:t>	🌐 Web Scraping mit </a:t>
+            </a:r>
+            <a:r>
+              <a:rPr lang="de-DE" sz="3200" b="1" noProof="0" dirty="0">
+                <a:latin typeface="Aptos" panose="020B0004020202020204" pitchFamily="34" charset="0"/>
+                <a:cs typeface="Times New Roman" panose="02020603050405020304" pitchFamily="18" charset="0"/>
+              </a:rPr>
+              <a:t>Python, Selenium,</a:t>
+            </a:r>
+          </a:p>
+          <a:p>
+            <a:r>
+              <a:rPr lang="de-DE" sz="3200" b="1" noProof="0" dirty="0">
+                <a:latin typeface="Aptos" panose="020B0004020202020204" pitchFamily="34" charset="0"/>
+                <a:cs typeface="Times New Roman" panose="02020603050405020304" pitchFamily="18" charset="0"/>
+              </a:rPr>
+              <a:t>            BeautifulSoup</a:t>
+            </a:r>
+            <a:endParaRPr lang="de-DE" sz="3200" noProof="0" dirty="0">
+              <a:latin typeface="Aptos" panose="020B0004020202020204" pitchFamily="34" charset="0"/>
+              <a:cs typeface="Times New Roman" panose="02020603050405020304" pitchFamily="18" charset="0"/>
+            </a:endParaRPr>
+          </a:p>
+          <a:p>
+            <a:r>
+              <a:rPr lang="de-DE" sz="3200" noProof="0" dirty="0">
+                <a:latin typeface="Aptos" panose="020B0004020202020204" pitchFamily="34" charset="0"/>
+                <a:cs typeface="Times New Roman" panose="02020603050405020304" pitchFamily="18" charset="0"/>
+              </a:rPr>
+              <a:t>	🔗 Nutzung der </a:t>
+            </a:r>
+            <a:r>
+              <a:rPr lang="de-DE" sz="3200" b="1" noProof="0" dirty="0">
+                <a:latin typeface="Aptos" panose="020B0004020202020204" pitchFamily="34" charset="0"/>
+                <a:cs typeface="Times New Roman" panose="02020603050405020304" pitchFamily="18" charset="0"/>
+              </a:rPr>
+              <a:t>APIs</a:t>
+            </a:r>
+            <a:r>
+              <a:rPr lang="de-DE" sz="3200" noProof="0" dirty="0">
+                <a:latin typeface="Aptos" panose="020B0004020202020204" pitchFamily="34" charset="0"/>
+                <a:cs typeface="Times New Roman" panose="02020603050405020304" pitchFamily="18" charset="0"/>
+              </a:rPr>
+              <a:t> beider Zeitungen</a:t>
+            </a:r>
+          </a:p>
+          <a:p>
+            <a:r>
+              <a:rPr lang="de-DE" sz="3200" noProof="0" dirty="0">
+                <a:latin typeface="Aptos" panose="020B0004020202020204" pitchFamily="34" charset="0"/>
+                <a:cs typeface="Times New Roman" panose="02020603050405020304" pitchFamily="18" charset="0"/>
+              </a:rPr>
+              <a:t>📊 </a:t>
+            </a:r>
+            <a:r>
+              <a:rPr lang="de-DE" sz="3200" b="1" noProof="0" dirty="0">
+                <a:latin typeface="Aptos" panose="020B0004020202020204" pitchFamily="34" charset="0"/>
+                <a:cs typeface="Times New Roman" panose="02020603050405020304" pitchFamily="18" charset="0"/>
+              </a:rPr>
+              <a:t>Analyse:</a:t>
+            </a:r>
+            <a:endParaRPr lang="de-DE" sz="3200" noProof="0" dirty="0">
+              <a:latin typeface="Aptos" panose="020B0004020202020204" pitchFamily="34" charset="0"/>
+              <a:cs typeface="Times New Roman" panose="02020603050405020304" pitchFamily="18" charset="0"/>
+            </a:endParaRPr>
+          </a:p>
+          <a:p>
+            <a:r>
+              <a:rPr lang="de-DE" sz="3200" noProof="0" dirty="0">
+                <a:latin typeface="Aptos" panose="020B0004020202020204" pitchFamily="34" charset="0"/>
+                <a:cs typeface="Times New Roman" panose="02020603050405020304" pitchFamily="18" charset="0"/>
+              </a:rPr>
+              <a:t>	🤖 Sentimentanalyse mit </a:t>
+            </a:r>
+            <a:r>
+              <a:rPr lang="de-DE" sz="3200" b="1" noProof="0" dirty="0">
+                <a:latin typeface="Aptos" panose="020B0004020202020204" pitchFamily="34" charset="0"/>
+                <a:cs typeface="Times New Roman" panose="02020603050405020304" pitchFamily="18" charset="0"/>
+              </a:rPr>
+              <a:t>TextBlob</a:t>
+            </a:r>
+            <a:endParaRPr lang="de-DE" sz="3200" noProof="0" dirty="0">
+              <a:latin typeface="Aptos" panose="020B0004020202020204" pitchFamily="34" charset="0"/>
+              <a:cs typeface="Times New Roman" panose="02020603050405020304" pitchFamily="18" charset="0"/>
+            </a:endParaRPr>
+          </a:p>
+          <a:p>
+            <a:r>
+              <a:rPr lang="de-DE" sz="3200" noProof="0" dirty="0">
+                <a:latin typeface="Aptos" panose="020B0004020202020204" pitchFamily="34" charset="0"/>
+                <a:cs typeface="Times New Roman" panose="02020603050405020304" pitchFamily="18" charset="0"/>
+              </a:rPr>
+              <a:t>	📉 Berechnung von </a:t>
+            </a:r>
+            <a:r>
+              <a:rPr lang="de-DE" sz="3200" b="1" noProof="0" dirty="0">
+                <a:latin typeface="Aptos" panose="020B0004020202020204" pitchFamily="34" charset="0"/>
+                <a:cs typeface="Times New Roman" panose="02020603050405020304" pitchFamily="18" charset="0"/>
+              </a:rPr>
+              <a:t>Subjektivität &amp; Polarisation</a:t>
+            </a:r>
+            <a:endParaRPr lang="de-DE" sz="3200" noProof="0" dirty="0">
+              <a:latin typeface="Aptos" panose="020B0004020202020204" pitchFamily="34" charset="0"/>
+              <a:cs typeface="Times New Roman" panose="02020603050405020304" pitchFamily="18" charset="0"/>
+            </a:endParaRPr>
+          </a:p>
+          <a:p>
+            <a:r>
+              <a:rPr lang="de-DE" sz="3200" noProof="0" dirty="0">
+                <a:latin typeface="Aptos" panose="020B0004020202020204" pitchFamily="34" charset="0"/>
+                <a:cs typeface="Times New Roman" panose="02020603050405020304" pitchFamily="18" charset="0"/>
+              </a:rPr>
+              <a:t>	💾Speicherung und Visualisierung mit </a:t>
+            </a:r>
+            <a:r>
+              <a:rPr lang="de-DE" sz="3200" b="1" noProof="0" dirty="0">
+                <a:latin typeface="Aptos" panose="020B0004020202020204" pitchFamily="34" charset="0"/>
+                <a:cs typeface="Times New Roman" panose="02020603050405020304" pitchFamily="18" charset="0"/>
+              </a:rPr>
+              <a:t>SQLite,</a:t>
+            </a:r>
+          </a:p>
+          <a:p>
+            <a:r>
+              <a:rPr lang="de-DE" sz="3200" b="1" noProof="0" dirty="0">
+                <a:latin typeface="Aptos" panose="020B0004020202020204" pitchFamily="34" charset="0"/>
+                <a:cs typeface="Times New Roman" panose="02020603050405020304" pitchFamily="18" charset="0"/>
+              </a:rPr>
+              <a:t>          Plotly, </a:t>
+            </a:r>
+            <a:r>
+              <a:rPr lang="de-DE" sz="3200" b="1" noProof="0" dirty="0" err="1">
+                <a:latin typeface="Aptos" panose="020B0004020202020204" pitchFamily="34" charset="0"/>
+                <a:cs typeface="Times New Roman" panose="02020603050405020304" pitchFamily="18" charset="0"/>
+              </a:rPr>
+              <a:t>Streamlit</a:t>
+            </a:r>
+            <a:endParaRPr lang="de-DE" sz="3200" noProof="0" dirty="0">
+              <a:latin typeface="Aptos" panose="020B0004020202020204" pitchFamily="34" charset="0"/>
+              <a:cs typeface="Times New Roman" panose="02020603050405020304" pitchFamily="18" charset="0"/>
+            </a:endParaRPr>
+          </a:p>
+        </p:txBody>
+      </p:sp>
+      <p:grpSp>
+        <p:nvGrpSpPr>
+          <p:cNvPr id="17" name="Group 16">
+            <a:extLst>
+              <a:ext uri="{FF2B5EF4-FFF2-40B4-BE49-F238E27FC236}">
+                <a16:creationId xmlns:a16="http://schemas.microsoft.com/office/drawing/2014/main" id="{2C8AD831-C456-B589-60D8-EF81205B6F22}"/>
+              </a:ext>
+            </a:extLst>
+          </p:cNvPr>
+          <p:cNvGrpSpPr/>
+          <p:nvPr/>
+        </p:nvGrpSpPr>
+        <p:grpSpPr>
+          <a:xfrm>
+            <a:off x="14719841" y="2329753"/>
+            <a:ext cx="6151910" cy="2505502"/>
+            <a:chOff x="10171330" y="10945675"/>
+            <a:chExt cx="10905073" cy="4441333"/>
+          </a:xfrm>
+        </p:grpSpPr>
+        <p:pic>
+          <p:nvPicPr>
+            <p:cNvPr id="29" name="Picture 28">
+              <a:extLst>
+                <a:ext uri="{FF2B5EF4-FFF2-40B4-BE49-F238E27FC236}">
+                  <a16:creationId xmlns:a16="http://schemas.microsoft.com/office/drawing/2014/main" id="{F024CAAD-CFD5-21C1-48D7-E25AB43F9445}"/>
+                </a:ext>
+              </a:extLst>
+            </p:cNvPr>
+            <p:cNvPicPr>
+              <a:picLocks noChangeAspect="1"/>
+            </p:cNvPicPr>
+            <p:nvPr/>
+          </p:nvPicPr>
+          <p:blipFill>
+            <a:blip r:embed="rId6"/>
+            <a:stretch>
+              <a:fillRect/>
+            </a:stretch>
+          </p:blipFill>
+          <p:spPr>
+            <a:xfrm>
+              <a:off x="10922703" y="11178314"/>
+              <a:ext cx="2124027" cy="2738746"/>
+            </a:xfrm>
+            <a:prstGeom prst="rect">
+              <a:avLst/>
+            </a:prstGeom>
+          </p:spPr>
+        </p:pic>
+        <p:pic>
+          <p:nvPicPr>
+            <p:cNvPr id="32" name="Picture 31">
+              <a:extLst>
+                <a:ext uri="{FF2B5EF4-FFF2-40B4-BE49-F238E27FC236}">
+                  <a16:creationId xmlns:a16="http://schemas.microsoft.com/office/drawing/2014/main" id="{02E6ACA6-BA8C-B38A-68EC-E9EA33DE5CF5}"/>
+                </a:ext>
+              </a:extLst>
+            </p:cNvPr>
+            <p:cNvPicPr>
+              <a:picLocks noChangeAspect="1"/>
+            </p:cNvPicPr>
+            <p:nvPr/>
+          </p:nvPicPr>
+          <p:blipFill>
+            <a:blip r:embed="rId7"/>
+            <a:stretch>
+              <a:fillRect/>
+            </a:stretch>
+          </p:blipFill>
+          <p:spPr>
+            <a:xfrm>
+              <a:off x="12130822" y="10945675"/>
+              <a:ext cx="5569726" cy="3117339"/>
+            </a:xfrm>
+            <a:prstGeom prst="rect">
+              <a:avLst/>
+            </a:prstGeom>
+          </p:spPr>
+        </p:pic>
+        <p:pic>
+          <p:nvPicPr>
+            <p:cNvPr id="36" name="Picture 35">
+              <a:extLst>
+                <a:ext uri="{FF2B5EF4-FFF2-40B4-BE49-F238E27FC236}">
+                  <a16:creationId xmlns:a16="http://schemas.microsoft.com/office/drawing/2014/main" id="{C88D92F4-5269-6478-4831-9DC91CE68E0D}"/>
+                </a:ext>
+              </a:extLst>
+            </p:cNvPr>
+            <p:cNvPicPr>
+              <a:picLocks noChangeAspect="1"/>
+            </p:cNvPicPr>
+            <p:nvPr/>
+          </p:nvPicPr>
+          <p:blipFill>
+            <a:blip r:embed="rId8"/>
+            <a:stretch>
+              <a:fillRect/>
+            </a:stretch>
+          </p:blipFill>
+          <p:spPr>
+            <a:xfrm>
+              <a:off x="16646217" y="11045680"/>
+              <a:ext cx="2913785" cy="2913785"/>
+            </a:xfrm>
+            <a:prstGeom prst="rect">
+              <a:avLst/>
+            </a:prstGeom>
+          </p:spPr>
+        </p:pic>
+        <p:pic>
+          <p:nvPicPr>
+            <p:cNvPr id="40" name="Picture 39">
+              <a:extLst>
+                <a:ext uri="{FF2B5EF4-FFF2-40B4-BE49-F238E27FC236}">
+                  <a16:creationId xmlns:a16="http://schemas.microsoft.com/office/drawing/2014/main" id="{3D4B8D72-145B-C02C-ECA3-4AF393DBACE6}"/>
+                </a:ext>
+              </a:extLst>
+            </p:cNvPr>
+            <p:cNvPicPr>
+              <a:picLocks noChangeAspect="1"/>
+            </p:cNvPicPr>
+            <p:nvPr/>
+          </p:nvPicPr>
+          <p:blipFill>
+            <a:blip r:embed="rId9"/>
+            <a:srcRect t="36271" b="36271"/>
+            <a:stretch/>
+          </p:blipFill>
+          <p:spPr>
+            <a:xfrm>
+              <a:off x="15706961" y="13911024"/>
+              <a:ext cx="5369442" cy="1475984"/>
+            </a:xfrm>
+            <a:prstGeom prst="rect">
+              <a:avLst/>
+            </a:prstGeom>
+          </p:spPr>
+        </p:pic>
+        <p:pic>
+          <p:nvPicPr>
+            <p:cNvPr id="41" name="Picture 40">
+              <a:extLst>
+                <a:ext uri="{FF2B5EF4-FFF2-40B4-BE49-F238E27FC236}">
+                  <a16:creationId xmlns:a16="http://schemas.microsoft.com/office/drawing/2014/main" id="{B826F31B-366F-AB0C-4954-26C2A86F9ACA}"/>
+                </a:ext>
+              </a:extLst>
+            </p:cNvPr>
+            <p:cNvPicPr>
+              <a:picLocks noChangeAspect="1"/>
+            </p:cNvPicPr>
+            <p:nvPr/>
+          </p:nvPicPr>
+          <p:blipFill>
+            <a:blip r:embed="rId10"/>
+            <a:srcRect l="18701" t="30507" b="35807"/>
+            <a:stretch/>
+          </p:blipFill>
+          <p:spPr>
+            <a:xfrm>
+              <a:off x="10171330" y="14082011"/>
+              <a:ext cx="5545966" cy="1291683"/>
+            </a:xfrm>
+            <a:prstGeom prst="rect">
+              <a:avLst/>
+            </a:prstGeom>
+          </p:spPr>
+        </p:pic>
+      </p:grpSp>
+      <p:sp>
+        <p:nvSpPr>
+          <p:cNvPr id="24" name="Rechteck 94">
+            <a:extLst>
+              <a:ext uri="{FF2B5EF4-FFF2-40B4-BE49-F238E27FC236}">
+                <a16:creationId xmlns:a16="http://schemas.microsoft.com/office/drawing/2014/main" id="{5963F808-2FD6-CE5B-2630-163FF0CB0E70}"/>
+              </a:ext>
+            </a:extLst>
+          </p:cNvPr>
+          <p:cNvSpPr>
+            <a:spLocks/>
+          </p:cNvSpPr>
+          <p:nvPr/>
+        </p:nvSpPr>
+        <p:spPr>
+          <a:xfrm>
+            <a:off x="220406" y="26740219"/>
+            <a:ext cx="21032226" cy="2640452"/>
+          </a:xfrm>
+          <a:prstGeom prst="rect">
+            <a:avLst/>
+          </a:prstGeom>
+          <a:solidFill>
+            <a:schemeClr val="bg1"/>
+          </a:solidFill>
+          <a:ln>
+            <a:noFill/>
+          </a:ln>
+        </p:spPr>
+        <p:style>
+          <a:lnRef idx="2">
+            <a:schemeClr val="accent1">
+              <a:shade val="50000"/>
+            </a:schemeClr>
+          </a:lnRef>
+          <a:fillRef idx="1">
+            <a:schemeClr val="accent1"/>
+          </a:fillRef>
+          <a:effectRef idx="0">
+            <a:schemeClr val="accent1"/>
+          </a:effectRef>
+          <a:fontRef idx="minor">
+            <a:schemeClr val="lt1"/>
+          </a:fontRef>
+        </p:style>
+        <p:txBody>
+          <a:bodyPr rtlCol="0" anchor="ctr"/>
+          <a:lstStyle/>
+          <a:p>
+            <a:pPr algn="ctr"/>
+            <a:r>
+              <a:rPr lang="de-DE" sz="440" noProof="0" dirty="0">
+                <a:latin typeface="Times New Roman" panose="02020603050405020304" pitchFamily="18" charset="0"/>
+                <a:cs typeface="Times New Roman" panose="02020603050405020304" pitchFamily="18" charset="0"/>
+              </a:rPr>
+              <a:t>https://github.com/AdminL3/Jugend-Forscht/</a:t>
+            </a:r>
+          </a:p>
+        </p:txBody>
+      </p:sp>
+      <p:grpSp>
+        <p:nvGrpSpPr>
+          <p:cNvPr id="2" name="Group 1">
+            <a:extLst>
+              <a:ext uri="{FF2B5EF4-FFF2-40B4-BE49-F238E27FC236}">
+                <a16:creationId xmlns:a16="http://schemas.microsoft.com/office/drawing/2014/main" id="{BA44C1CC-75D3-B2CA-8B0C-FEDB12C3B81E}"/>
+              </a:ext>
+            </a:extLst>
+          </p:cNvPr>
+          <p:cNvGrpSpPr/>
+          <p:nvPr/>
+        </p:nvGrpSpPr>
+        <p:grpSpPr>
+          <a:xfrm>
+            <a:off x="188844" y="14489853"/>
+            <a:ext cx="21095350" cy="7063275"/>
+            <a:chOff x="161821" y="14366748"/>
+            <a:chExt cx="21095350" cy="7063275"/>
+          </a:xfrm>
+        </p:grpSpPr>
+        <p:sp>
+          <p:nvSpPr>
+            <p:cNvPr id="47" name="Rechteck 1">
+              <a:extLst>
+                <a:ext uri="{FF2B5EF4-FFF2-40B4-BE49-F238E27FC236}">
+                  <a16:creationId xmlns:a16="http://schemas.microsoft.com/office/drawing/2014/main" id="{7C116876-BE0D-15F2-6229-583C8732E904}"/>
+                </a:ext>
+              </a:extLst>
+            </p:cNvPr>
+            <p:cNvSpPr>
+              <a:spLocks/>
+            </p:cNvSpPr>
+            <p:nvPr/>
+          </p:nvSpPr>
+          <p:spPr>
+            <a:xfrm>
+              <a:off x="5547727" y="15094021"/>
+              <a:ext cx="4950000" cy="6336000"/>
+            </a:xfrm>
+            <a:prstGeom prst="rect">
+              <a:avLst/>
+            </a:prstGeom>
+            <a:solidFill>
+              <a:schemeClr val="bg1"/>
+            </a:solidFill>
+            <a:ln>
+              <a:noFill/>
+            </a:ln>
+          </p:spPr>
+          <p:style>
+            <a:lnRef idx="2">
+              <a:schemeClr val="accent1">
+                <a:shade val="50000"/>
+              </a:schemeClr>
+            </a:lnRef>
+            <a:fillRef idx="1">
+              <a:schemeClr val="accent1"/>
+            </a:fillRef>
+            <a:effectRef idx="0">
+              <a:schemeClr val="accent1"/>
+            </a:effectRef>
+            <a:fontRef idx="minor">
+              <a:schemeClr val="lt1"/>
+            </a:fontRef>
+          </p:style>
+          <p:txBody>
+            <a:bodyPr rtlCol="0" anchor="ctr"/>
+            <a:lstStyle/>
+            <a:p>
+              <a:pPr algn="ctr"/>
+              <a:r>
+                <a:rPr lang="de-DE" sz="3200" noProof="0" dirty="0">
+                  <a:latin typeface="Times New Roman" panose="02020603050405020304" pitchFamily="18" charset="0"/>
+                  <a:cs typeface="Times New Roman" panose="02020603050405020304" pitchFamily="18" charset="0"/>
+                </a:rPr>
+                <a:t>&lt;&lt;&lt;&lt;&lt;&lt;&lt;</a:t>
+              </a:r>
+            </a:p>
+          </p:txBody>
+        </p:sp>
+        <p:pic>
+          <p:nvPicPr>
+            <p:cNvPr id="50" name="Grafik 23">
+              <a:extLst>
+                <a:ext uri="{FF2B5EF4-FFF2-40B4-BE49-F238E27FC236}">
+                  <a16:creationId xmlns:a16="http://schemas.microsoft.com/office/drawing/2014/main" id="{E2DD2FC2-BDE2-E20F-C71C-AAD9D5788ACA}"/>
+                </a:ext>
+              </a:extLst>
+            </p:cNvPr>
+            <p:cNvPicPr>
+              <a:picLocks noChangeAspect="1"/>
+            </p:cNvPicPr>
+            <p:nvPr/>
+          </p:nvPicPr>
+          <p:blipFill>
+            <a:blip r:embed="rId11">
+              <a:extLst>
+                <a:ext uri="{28A0092B-C50C-407E-A947-70E740481C1C}">
+                  <a14:useLocalDpi xmlns:a14="http://schemas.microsoft.com/office/drawing/2010/main" val="0"/>
+                </a:ext>
+              </a:extLst>
+            </a:blip>
+            <a:srcRect/>
+            <a:stretch/>
+          </p:blipFill>
+          <p:spPr bwMode="auto">
+            <a:xfrm>
+              <a:off x="5549431" y="15097888"/>
+              <a:ext cx="4946591" cy="3712698"/>
+            </a:xfrm>
+            <a:prstGeom prst="rect">
+              <a:avLst/>
+            </a:prstGeom>
+            <a:noFill/>
+            <a:ln>
+              <a:noFill/>
+            </a:ln>
+          </p:spPr>
+        </p:pic>
+        <p:sp>
+          <p:nvSpPr>
+            <p:cNvPr id="57" name="TextBox 56">
+              <a:extLst>
+                <a:ext uri="{FF2B5EF4-FFF2-40B4-BE49-F238E27FC236}">
+                  <a16:creationId xmlns:a16="http://schemas.microsoft.com/office/drawing/2014/main" id="{4357FC8B-13A2-68BE-0213-37FE97071635}"/>
+                </a:ext>
+              </a:extLst>
+            </p:cNvPr>
+            <p:cNvSpPr txBox="1"/>
+            <p:nvPr/>
+          </p:nvSpPr>
+          <p:spPr>
+            <a:xfrm>
+              <a:off x="5609238" y="19464931"/>
+              <a:ext cx="4886783" cy="1200329"/>
+            </a:xfrm>
+            <a:prstGeom prst="rect">
+              <a:avLst/>
+            </a:prstGeom>
+            <a:noFill/>
+          </p:spPr>
+          <p:txBody>
+            <a:bodyPr wrap="square" rtlCol="0">
+              <a:spAutoFit/>
+            </a:bodyPr>
+            <a:lstStyle/>
+            <a:p>
+              <a:r>
+                <a:rPr lang="de-DE" sz="2400" b="1" noProof="0" dirty="0"/>
+                <a:t>📊Polarisation:</a:t>
+              </a:r>
+            </a:p>
+            <a:p>
+              <a:pPr marL="342900" indent="-342900">
+                <a:buFontTx/>
+                <a:buChar char="-"/>
+              </a:pPr>
+              <a:r>
+                <a:rPr lang="de-DE" sz="2400" noProof="0" dirty="0"/>
+                <a:t>konstanter Durchschnittswert (0,1)</a:t>
+              </a:r>
+            </a:p>
+            <a:p>
+              <a:pPr marL="342900" indent="-342900">
+                <a:buFontTx/>
+                <a:buChar char="-"/>
+              </a:pPr>
+              <a:r>
+                <a:rPr lang="de-DE" sz="2400" noProof="0" dirty="0"/>
+                <a:t>keine klare Tendenz</a:t>
+              </a:r>
+            </a:p>
+          </p:txBody>
+        </p:sp>
+        <p:sp>
+          <p:nvSpPr>
+            <p:cNvPr id="35" name="Rechteck 1">
+              <a:extLst>
+                <a:ext uri="{FF2B5EF4-FFF2-40B4-BE49-F238E27FC236}">
+                  <a16:creationId xmlns:a16="http://schemas.microsoft.com/office/drawing/2014/main" id="{28A17146-F9D7-7849-7064-D3B1BC620C0F}"/>
+                </a:ext>
+              </a:extLst>
+            </p:cNvPr>
+            <p:cNvSpPr>
+              <a:spLocks/>
+            </p:cNvSpPr>
+            <p:nvPr/>
+          </p:nvSpPr>
+          <p:spPr>
+            <a:xfrm>
+              <a:off x="186541" y="15094023"/>
+              <a:ext cx="4950000" cy="6336000"/>
+            </a:xfrm>
+            <a:prstGeom prst="rect">
+              <a:avLst/>
+            </a:prstGeom>
+            <a:solidFill>
+              <a:schemeClr val="bg1"/>
+            </a:solidFill>
+            <a:ln>
+              <a:noFill/>
+            </a:ln>
+          </p:spPr>
+          <p:style>
+            <a:lnRef idx="2">
+              <a:schemeClr val="accent1">
+                <a:shade val="50000"/>
+              </a:schemeClr>
+            </a:lnRef>
+            <a:fillRef idx="1">
+              <a:schemeClr val="accent1"/>
+            </a:fillRef>
+            <a:effectRef idx="0">
+              <a:schemeClr val="accent1"/>
+            </a:effectRef>
+            <a:fontRef idx="minor">
+              <a:schemeClr val="lt1"/>
+            </a:fontRef>
+          </p:style>
+          <p:txBody>
+            <a:bodyPr rtlCol="0" anchor="ctr"/>
+            <a:lstStyle/>
+            <a:p>
+              <a:pPr algn="ctr"/>
+              <a:r>
+                <a:rPr lang="de-DE" sz="3200" noProof="0" dirty="0">
+                  <a:latin typeface="Times New Roman" panose="02020603050405020304" pitchFamily="18" charset="0"/>
+                  <a:cs typeface="Times New Roman" panose="02020603050405020304" pitchFamily="18" charset="0"/>
+                </a:rPr>
+                <a:t>&lt;&lt;&lt;&lt;&lt;&lt;&lt;</a:t>
+              </a:r>
+            </a:p>
+          </p:txBody>
+        </p:sp>
+        <p:pic>
+          <p:nvPicPr>
+            <p:cNvPr id="19" name="Grafik 23">
+              <a:extLst>
+                <a:ext uri="{FF2B5EF4-FFF2-40B4-BE49-F238E27FC236}">
+                  <a16:creationId xmlns:a16="http://schemas.microsoft.com/office/drawing/2014/main" id="{38315BA0-5502-C860-73D9-C048A707F593}"/>
+                </a:ext>
+              </a:extLst>
+            </p:cNvPr>
+            <p:cNvPicPr>
+              <a:picLocks noChangeAspect="1"/>
+            </p:cNvPicPr>
+            <p:nvPr/>
+          </p:nvPicPr>
+          <p:blipFill>
+            <a:blip r:embed="rId12">
+              <a:extLst>
+                <a:ext uri="{28A0092B-C50C-407E-A947-70E740481C1C}">
+                  <a14:useLocalDpi xmlns:a14="http://schemas.microsoft.com/office/drawing/2010/main" val="0"/>
+                </a:ext>
+              </a:extLst>
+            </a:blip>
+            <a:srcRect/>
+            <a:stretch/>
+          </p:blipFill>
+          <p:spPr bwMode="auto">
+            <a:xfrm>
+              <a:off x="186540" y="15083595"/>
+              <a:ext cx="4946591" cy="3712698"/>
+            </a:xfrm>
+            <a:prstGeom prst="rect">
+              <a:avLst/>
+            </a:prstGeom>
+            <a:noFill/>
+            <a:ln>
+              <a:noFill/>
+            </a:ln>
+          </p:spPr>
+        </p:pic>
+        <p:sp>
+          <p:nvSpPr>
+            <p:cNvPr id="22" name="TextBox 21">
+              <a:extLst>
+                <a:ext uri="{FF2B5EF4-FFF2-40B4-BE49-F238E27FC236}">
+                  <a16:creationId xmlns:a16="http://schemas.microsoft.com/office/drawing/2014/main" id="{1C64A330-5CAC-1A85-2B58-5A59BAD42E0D}"/>
+                </a:ext>
+              </a:extLst>
+            </p:cNvPr>
+            <p:cNvSpPr txBox="1"/>
+            <p:nvPr/>
+          </p:nvSpPr>
+          <p:spPr>
+            <a:xfrm>
+              <a:off x="161821" y="19452902"/>
+              <a:ext cx="4946591" cy="1938992"/>
+            </a:xfrm>
+            <a:prstGeom prst="rect">
+              <a:avLst/>
+            </a:prstGeom>
+            <a:noFill/>
+          </p:spPr>
+          <p:txBody>
+            <a:bodyPr wrap="square" rtlCol="0">
+              <a:spAutoFit/>
+            </a:bodyPr>
+            <a:lstStyle/>
+            <a:p>
+              <a:r>
+                <a:rPr lang="de-DE" sz="2400" b="1" noProof="0" dirty="0"/>
+                <a:t>⚖️ Subjektivität:</a:t>
+              </a:r>
+            </a:p>
+            <a:p>
+              <a:r>
+                <a:rPr lang="de-DE" sz="2400" noProof="0" dirty="0"/>
+                <a:t>„Politics“ 	</a:t>
+              </a:r>
+              <a:r>
+                <a:rPr lang="de-DE" sz="2400" noProof="0" dirty="0">
+                  <a:sym typeface="Wingdings" panose="05000000000000000000" pitchFamily="2" charset="2"/>
+                </a:rPr>
+                <a:t> zunehmend objektiv </a:t>
+              </a:r>
+              <a:br>
+                <a:rPr lang="de-DE" sz="2400" noProof="0" dirty="0">
+                  <a:sym typeface="Wingdings" panose="05000000000000000000" pitchFamily="2" charset="2"/>
+                </a:rPr>
+              </a:br>
+              <a:r>
+                <a:rPr lang="de-DE" sz="2400" noProof="0" dirty="0">
+                  <a:sym typeface="Wingdings" panose="05000000000000000000" pitchFamily="2" charset="2"/>
+                </a:rPr>
+                <a:t>„W</a:t>
+              </a:r>
+              <a:r>
+                <a:rPr lang="de-DE" sz="2400" noProof="0" dirty="0"/>
+                <a:t>orld“ 	</a:t>
+              </a:r>
+              <a:r>
+                <a:rPr lang="de-DE" sz="2400" noProof="0" dirty="0">
+                  <a:sym typeface="Wingdings" panose="05000000000000000000" pitchFamily="2" charset="2"/>
+                </a:rPr>
+                <a:t> konstant objektiv</a:t>
+              </a:r>
+            </a:p>
+            <a:p>
+              <a:r>
+                <a:rPr lang="de-DE" sz="2400" noProof="0" dirty="0"/>
+                <a:t>„Opinion“ 	</a:t>
+              </a:r>
+              <a:r>
+                <a:rPr lang="de-DE" sz="2400" noProof="0" dirty="0">
+                  <a:sym typeface="Wingdings" panose="05000000000000000000" pitchFamily="2" charset="2"/>
+                </a:rPr>
+                <a:t> konstant subjektiv</a:t>
+              </a:r>
+            </a:p>
+            <a:p>
+              <a:endParaRPr lang="de-DE" sz="2400" noProof="0" dirty="0">
+                <a:sym typeface="Wingdings" panose="05000000000000000000" pitchFamily="2" charset="2"/>
+              </a:endParaRPr>
+            </a:p>
+          </p:txBody>
+        </p:sp>
+        <p:sp>
+          <p:nvSpPr>
+            <p:cNvPr id="63" name="TextBox 62">
+              <a:extLst>
+                <a:ext uri="{FF2B5EF4-FFF2-40B4-BE49-F238E27FC236}">
+                  <a16:creationId xmlns:a16="http://schemas.microsoft.com/office/drawing/2014/main" id="{3723A8DC-9F23-3FAA-14D2-A7EA6A2D4C6A}"/>
+                </a:ext>
+              </a:extLst>
+            </p:cNvPr>
+            <p:cNvSpPr txBox="1"/>
+            <p:nvPr/>
+          </p:nvSpPr>
+          <p:spPr>
+            <a:xfrm>
+              <a:off x="195241" y="18626841"/>
+              <a:ext cx="4933931" cy="338554"/>
+            </a:xfrm>
+            <a:prstGeom prst="rect">
+              <a:avLst/>
+            </a:prstGeom>
+            <a:noFill/>
+          </p:spPr>
+          <p:txBody>
+            <a:bodyPr wrap="square" rtlCol="0">
+              <a:spAutoFit/>
+            </a:bodyPr>
+            <a:lstStyle/>
+            <a:p>
+              <a:r>
+                <a:rPr lang="de-DE" sz="1600" dirty="0"/>
+                <a:t>Abbildung 1: </a:t>
+              </a:r>
+              <a:r>
+                <a:rPr lang="de-DE" sz="1600" b="1" dirty="0"/>
+                <a:t>Subjektivität</a:t>
+              </a:r>
+              <a:r>
+                <a:rPr lang="de-DE" sz="1600" dirty="0"/>
+                <a:t> von „The Guardian“ </a:t>
+              </a:r>
+            </a:p>
+          </p:txBody>
+        </p:sp>
+        <p:sp>
+          <p:nvSpPr>
+            <p:cNvPr id="64" name="TextBox 63">
+              <a:extLst>
+                <a:ext uri="{FF2B5EF4-FFF2-40B4-BE49-F238E27FC236}">
+                  <a16:creationId xmlns:a16="http://schemas.microsoft.com/office/drawing/2014/main" id="{72226574-95F0-BE9F-7E67-1D0F004B88BC}"/>
+                </a:ext>
+              </a:extLst>
+            </p:cNvPr>
+            <p:cNvSpPr txBox="1"/>
+            <p:nvPr/>
+          </p:nvSpPr>
+          <p:spPr>
+            <a:xfrm>
+              <a:off x="5678189" y="18647765"/>
+              <a:ext cx="4933931" cy="338554"/>
+            </a:xfrm>
+            <a:prstGeom prst="rect">
+              <a:avLst/>
+            </a:prstGeom>
+            <a:noFill/>
+          </p:spPr>
+          <p:txBody>
+            <a:bodyPr wrap="square" rtlCol="0">
+              <a:spAutoFit/>
+            </a:bodyPr>
+            <a:lstStyle/>
+            <a:p>
+              <a:r>
+                <a:rPr lang="de-DE" sz="1600" dirty="0"/>
+                <a:t>Abbildung 2: </a:t>
+              </a:r>
+              <a:r>
+                <a:rPr lang="de-DE" sz="1600" b="1" dirty="0"/>
+                <a:t>Polarisation</a:t>
+              </a:r>
+              <a:r>
+                <a:rPr lang="de-DE" sz="1600" dirty="0"/>
+                <a:t> von „The New York Times“ </a:t>
+              </a:r>
+            </a:p>
+          </p:txBody>
+        </p:sp>
+        <p:sp>
+          <p:nvSpPr>
+            <p:cNvPr id="48" name="Rechteck 1">
+              <a:extLst>
+                <a:ext uri="{FF2B5EF4-FFF2-40B4-BE49-F238E27FC236}">
+                  <a16:creationId xmlns:a16="http://schemas.microsoft.com/office/drawing/2014/main" id="{73D3A477-61EC-1998-C041-56AA41A2B0C4}"/>
+                </a:ext>
+              </a:extLst>
+            </p:cNvPr>
+            <p:cNvSpPr>
+              <a:spLocks/>
+            </p:cNvSpPr>
+            <p:nvPr/>
+          </p:nvSpPr>
+          <p:spPr>
+            <a:xfrm>
+              <a:off x="10847051" y="15069298"/>
+              <a:ext cx="4950000" cy="6336000"/>
+            </a:xfrm>
+            <a:prstGeom prst="rect">
+              <a:avLst/>
+            </a:prstGeom>
+            <a:solidFill>
+              <a:schemeClr val="bg1"/>
+            </a:solidFill>
+            <a:ln>
+              <a:noFill/>
+            </a:ln>
+          </p:spPr>
+          <p:style>
+            <a:lnRef idx="2">
+              <a:schemeClr val="accent1">
+                <a:shade val="50000"/>
+              </a:schemeClr>
+            </a:lnRef>
+            <a:fillRef idx="1">
+              <a:schemeClr val="accent1"/>
+            </a:fillRef>
+            <a:effectRef idx="0">
+              <a:schemeClr val="accent1"/>
+            </a:effectRef>
+            <a:fontRef idx="minor">
+              <a:schemeClr val="lt1"/>
+            </a:fontRef>
+          </p:style>
+          <p:txBody>
+            <a:bodyPr rtlCol="0" anchor="ctr"/>
+            <a:lstStyle/>
+            <a:p>
+              <a:pPr algn="ctr"/>
+              <a:r>
+                <a:rPr lang="de-DE" sz="3200" noProof="0" dirty="0">
+                  <a:latin typeface="Times New Roman" panose="02020603050405020304" pitchFamily="18" charset="0"/>
+                  <a:cs typeface="Times New Roman" panose="02020603050405020304" pitchFamily="18" charset="0"/>
+                </a:rPr>
+                <a:t>&lt;&lt;&lt;&lt;&lt;&lt;&lt;</a:t>
+              </a:r>
+            </a:p>
+          </p:txBody>
+        </p:sp>
+        <p:sp>
+          <p:nvSpPr>
+            <p:cNvPr id="16" name="Textfeld 15">
+              <a:extLst>
+                <a:ext uri="{FF2B5EF4-FFF2-40B4-BE49-F238E27FC236}">
+                  <a16:creationId xmlns:a16="http://schemas.microsoft.com/office/drawing/2014/main" id="{EA39495E-9539-B618-D917-880BB952715F}"/>
+                </a:ext>
+              </a:extLst>
+            </p:cNvPr>
+            <p:cNvSpPr txBox="1"/>
+            <p:nvPr/>
+          </p:nvSpPr>
+          <p:spPr>
+            <a:xfrm>
+              <a:off x="10944609" y="19527419"/>
+              <a:ext cx="5150473" cy="1569660"/>
+            </a:xfrm>
+            <a:prstGeom prst="rect">
+              <a:avLst/>
+            </a:prstGeom>
+            <a:noFill/>
+          </p:spPr>
+          <p:txBody>
+            <a:bodyPr wrap="square" rtlCol="0">
+              <a:spAutoFit/>
+            </a:bodyPr>
+            <a:lstStyle/>
+            <a:p>
+              <a:r>
+                <a:rPr lang="de-DE" sz="2400" b="1" noProof="0" dirty="0"/>
+                <a:t>📉 Artikellänge </a:t>
+              </a:r>
+              <a:r>
+                <a:rPr lang="de-DE" sz="2400" noProof="0" dirty="0"/>
+                <a:t>(Wörter </a:t>
+              </a:r>
+              <a:r>
+                <a:rPr lang="de-DE" sz="2400" dirty="0"/>
+                <a:t>pro</a:t>
+              </a:r>
+              <a:r>
+                <a:rPr lang="de-DE" sz="2400" noProof="0" dirty="0"/>
+                <a:t> Artikel):</a:t>
+              </a:r>
+            </a:p>
+            <a:p>
+              <a:r>
+                <a:rPr lang="de-DE" sz="2400" noProof="0" dirty="0"/>
+                <a:t>- Guardian ca. 800 Wörter</a:t>
+              </a:r>
+            </a:p>
+            <a:p>
+              <a:r>
+                <a:rPr lang="de-DE" sz="2400" noProof="0" dirty="0"/>
+                <a:t>- New York Times ca. 1100 Wörter</a:t>
+              </a:r>
+              <a:br>
+                <a:rPr lang="de-DE" sz="2400" noProof="0" dirty="0"/>
+              </a:br>
+              <a:r>
+                <a:rPr lang="de-DE" sz="2400" noProof="0" dirty="0"/>
+                <a:t>- keine signifikanten Veränderungen</a:t>
+              </a:r>
+            </a:p>
+          </p:txBody>
+        </p:sp>
+        <p:pic>
+          <p:nvPicPr>
+            <p:cNvPr id="51" name="Grafik 23">
+              <a:extLst>
+                <a:ext uri="{FF2B5EF4-FFF2-40B4-BE49-F238E27FC236}">
+                  <a16:creationId xmlns:a16="http://schemas.microsoft.com/office/drawing/2014/main" id="{FF8A3B76-2E25-B858-96F1-4C6D7B5ADB64}"/>
+                </a:ext>
+              </a:extLst>
+            </p:cNvPr>
+            <p:cNvPicPr>
+              <a:picLocks noChangeAspect="1"/>
+            </p:cNvPicPr>
+            <p:nvPr/>
+          </p:nvPicPr>
+          <p:blipFill>
+            <a:blip r:embed="rId13">
+              <a:extLst>
+                <a:ext uri="{28A0092B-C50C-407E-A947-70E740481C1C}">
+                  <a14:useLocalDpi xmlns:a14="http://schemas.microsoft.com/office/drawing/2010/main" val="0"/>
+                </a:ext>
+              </a:extLst>
+            </a:blip>
+            <a:srcRect t="104" b="104"/>
+            <a:stretch/>
+          </p:blipFill>
+          <p:spPr bwMode="auto">
+            <a:xfrm>
+              <a:off x="10855521" y="15112181"/>
+              <a:ext cx="4946591" cy="3712698"/>
+            </a:xfrm>
+            <a:prstGeom prst="rect">
+              <a:avLst/>
+            </a:prstGeom>
+            <a:noFill/>
+            <a:ln>
+              <a:noFill/>
+            </a:ln>
+          </p:spPr>
+        </p:pic>
+        <p:sp>
+          <p:nvSpPr>
+            <p:cNvPr id="65" name="TextBox 64">
+              <a:extLst>
+                <a:ext uri="{FF2B5EF4-FFF2-40B4-BE49-F238E27FC236}">
+                  <a16:creationId xmlns:a16="http://schemas.microsoft.com/office/drawing/2014/main" id="{B4EFB785-01E6-6944-9A90-1B8B8806A545}"/>
+                </a:ext>
+              </a:extLst>
+            </p:cNvPr>
+            <p:cNvSpPr txBox="1"/>
+            <p:nvPr/>
+          </p:nvSpPr>
+          <p:spPr>
+            <a:xfrm>
+              <a:off x="10847051" y="18733323"/>
+              <a:ext cx="4933931" cy="338554"/>
+            </a:xfrm>
+            <a:prstGeom prst="rect">
+              <a:avLst/>
+            </a:prstGeom>
+            <a:noFill/>
+          </p:spPr>
+          <p:txBody>
+            <a:bodyPr wrap="square" rtlCol="0">
+              <a:spAutoFit/>
+            </a:bodyPr>
+            <a:lstStyle/>
+            <a:p>
+              <a:r>
+                <a:rPr lang="de-DE" sz="1600" dirty="0"/>
+                <a:t>Abbildung 3: </a:t>
+              </a:r>
+              <a:r>
+                <a:rPr lang="de-DE" sz="1600" b="1" dirty="0"/>
+                <a:t>Wörteranzahl</a:t>
+              </a:r>
+              <a:r>
+                <a:rPr lang="de-DE" sz="1600" dirty="0"/>
+                <a:t> „The Guardian“, alle Rubriken</a:t>
+              </a:r>
+            </a:p>
+          </p:txBody>
+        </p:sp>
+        <p:sp>
+          <p:nvSpPr>
+            <p:cNvPr id="49" name="Rechteck 1">
+              <a:extLst>
+                <a:ext uri="{FF2B5EF4-FFF2-40B4-BE49-F238E27FC236}">
+                  <a16:creationId xmlns:a16="http://schemas.microsoft.com/office/drawing/2014/main" id="{0D7C2815-D093-B90F-CD65-1015F9797375}"/>
+                </a:ext>
+              </a:extLst>
+            </p:cNvPr>
+            <p:cNvSpPr>
+              <a:spLocks/>
+            </p:cNvSpPr>
+            <p:nvPr/>
+          </p:nvSpPr>
+          <p:spPr>
+            <a:xfrm>
+              <a:off x="16268768" y="15094023"/>
+              <a:ext cx="4950000" cy="6336000"/>
+            </a:xfrm>
+            <a:prstGeom prst="rect">
+              <a:avLst/>
+            </a:prstGeom>
+            <a:solidFill>
+              <a:schemeClr val="bg1"/>
+            </a:solidFill>
+            <a:ln>
+              <a:noFill/>
+            </a:ln>
+          </p:spPr>
+          <p:style>
+            <a:lnRef idx="2">
+              <a:schemeClr val="accent1">
+                <a:shade val="50000"/>
+              </a:schemeClr>
+            </a:lnRef>
+            <a:fillRef idx="1">
+              <a:schemeClr val="accent1"/>
+            </a:fillRef>
+            <a:effectRef idx="0">
+              <a:schemeClr val="accent1"/>
+            </a:effectRef>
+            <a:fontRef idx="minor">
+              <a:schemeClr val="lt1"/>
+            </a:fontRef>
+          </p:style>
+          <p:txBody>
+            <a:bodyPr rtlCol="0" anchor="ctr"/>
+            <a:lstStyle/>
+            <a:p>
+              <a:pPr algn="ctr"/>
+              <a:r>
+                <a:rPr lang="de-DE" sz="3200" noProof="0" dirty="0">
+                  <a:latin typeface="Times New Roman" panose="02020603050405020304" pitchFamily="18" charset="0"/>
+                  <a:cs typeface="Times New Roman" panose="02020603050405020304" pitchFamily="18" charset="0"/>
+                </a:rPr>
+                <a:t>&lt;&lt;&lt;&lt;&lt;&lt;&lt;</a:t>
+              </a:r>
+            </a:p>
+          </p:txBody>
+        </p:sp>
+        <p:sp>
+          <p:nvSpPr>
+            <p:cNvPr id="23" name="TextBox 22">
+              <a:extLst>
+                <a:ext uri="{FF2B5EF4-FFF2-40B4-BE49-F238E27FC236}">
+                  <a16:creationId xmlns:a16="http://schemas.microsoft.com/office/drawing/2014/main" id="{B346D309-B465-ED21-510E-9F707320FDDD}"/>
+                </a:ext>
+              </a:extLst>
+            </p:cNvPr>
+            <p:cNvSpPr txBox="1"/>
+            <p:nvPr/>
+          </p:nvSpPr>
+          <p:spPr>
+            <a:xfrm>
+              <a:off x="16263708" y="19461323"/>
+              <a:ext cx="4892824" cy="1938992"/>
+            </a:xfrm>
+            <a:prstGeom prst="rect">
+              <a:avLst/>
+            </a:prstGeom>
+            <a:solidFill>
+              <a:schemeClr val="bg1"/>
+            </a:solidFill>
+          </p:spPr>
+          <p:txBody>
+            <a:bodyPr wrap="square" rtlCol="0">
+              <a:spAutoFit/>
+            </a:bodyPr>
+            <a:lstStyle/>
+            <a:p>
+              <a:r>
+                <a:rPr lang="de-DE" sz="2400" b="1" noProof="0" dirty="0"/>
+                <a:t>🔢 Artikelanzahl:</a:t>
+              </a:r>
+              <a:endParaRPr lang="de-DE" sz="2400" noProof="0" dirty="0"/>
+            </a:p>
+            <a:p>
+              <a:r>
+                <a:rPr lang="de-DE" sz="2400" noProof="0" dirty="0"/>
+                <a:t>- Guardian</a:t>
+              </a:r>
+              <a:r>
+                <a:rPr lang="de-DE" sz="2400" dirty="0"/>
+                <a:t>: Anzahl</a:t>
+              </a:r>
+              <a:r>
+                <a:rPr lang="de-DE" sz="2400" noProof="0" dirty="0"/>
+                <a:t> in „Opinion“ ist </a:t>
+              </a:r>
+            </a:p>
+            <a:p>
+              <a:r>
+                <a:rPr lang="de-DE" sz="2400" dirty="0"/>
+                <a:t>   </a:t>
+              </a:r>
+              <a:r>
+                <a:rPr lang="de-DE" sz="2400" noProof="0" dirty="0"/>
+                <a:t>gesunken</a:t>
+              </a:r>
+            </a:p>
+            <a:p>
+              <a:r>
+                <a:rPr lang="de-DE" sz="2400" noProof="0" dirty="0"/>
+                <a:t>- New-York-Times: Anzahl in</a:t>
+              </a:r>
+            </a:p>
+            <a:p>
+              <a:r>
+                <a:rPr lang="de-DE" sz="2400" dirty="0"/>
+                <a:t>  </a:t>
+              </a:r>
+              <a:r>
+                <a:rPr lang="de-DE" sz="2400" noProof="0" dirty="0"/>
+                <a:t> „Politics“ gestiegen</a:t>
+              </a:r>
+            </a:p>
+          </p:txBody>
+        </p:sp>
+        <p:pic>
+          <p:nvPicPr>
+            <p:cNvPr id="52" name="Grafik 23">
+              <a:extLst>
+                <a:ext uri="{FF2B5EF4-FFF2-40B4-BE49-F238E27FC236}">
+                  <a16:creationId xmlns:a16="http://schemas.microsoft.com/office/drawing/2014/main" id="{4856CAFF-EF57-9A7A-7505-0DB7B068EEC0}"/>
+                </a:ext>
+              </a:extLst>
+            </p:cNvPr>
+            <p:cNvPicPr>
+              <a:picLocks noChangeAspect="1"/>
+            </p:cNvPicPr>
+            <p:nvPr/>
+          </p:nvPicPr>
+          <p:blipFill>
+            <a:blip r:embed="rId14">
+              <a:extLst>
+                <a:ext uri="{28A0092B-C50C-407E-A947-70E740481C1C}">
+                  <a14:useLocalDpi xmlns:a14="http://schemas.microsoft.com/office/drawing/2010/main" val="0"/>
+                </a:ext>
+              </a:extLst>
+            </a:blip>
+            <a:srcRect/>
+            <a:stretch/>
+          </p:blipFill>
+          <p:spPr bwMode="auto">
+            <a:xfrm>
+              <a:off x="16273829" y="15104043"/>
+              <a:ext cx="4946591" cy="3712698"/>
+            </a:xfrm>
+            <a:prstGeom prst="rect">
+              <a:avLst/>
+            </a:prstGeom>
+            <a:noFill/>
+            <a:ln>
+              <a:noFill/>
+            </a:ln>
+          </p:spPr>
+        </p:pic>
+        <p:sp>
+          <p:nvSpPr>
+            <p:cNvPr id="62" name="TextBox 61">
+              <a:extLst>
+                <a:ext uri="{FF2B5EF4-FFF2-40B4-BE49-F238E27FC236}">
+                  <a16:creationId xmlns:a16="http://schemas.microsoft.com/office/drawing/2014/main" id="{CBB960E2-F1FD-DF73-88BF-7CB565993763}"/>
+                </a:ext>
+              </a:extLst>
+            </p:cNvPr>
+            <p:cNvSpPr txBox="1"/>
+            <p:nvPr/>
+          </p:nvSpPr>
+          <p:spPr>
+            <a:xfrm>
+              <a:off x="16323240" y="18771408"/>
+              <a:ext cx="4933931" cy="584775"/>
+            </a:xfrm>
+            <a:prstGeom prst="rect">
+              <a:avLst/>
+            </a:prstGeom>
+            <a:noFill/>
+          </p:spPr>
+          <p:txBody>
+            <a:bodyPr wrap="square" rtlCol="0">
+              <a:spAutoFit/>
+            </a:bodyPr>
+            <a:lstStyle/>
+            <a:p>
+              <a:r>
+                <a:rPr lang="de-DE" sz="1600" dirty="0"/>
+                <a:t>Abbildung 4: </a:t>
+              </a:r>
+              <a:r>
+                <a:rPr lang="de-DE" sz="1600" b="1" dirty="0"/>
+                <a:t>Artikelanzahl</a:t>
+              </a:r>
+              <a:r>
+                <a:rPr lang="de-DE" sz="1600" dirty="0"/>
+                <a:t> der Rubrik „Opinion“ von „The Guardian“</a:t>
+              </a:r>
+            </a:p>
+          </p:txBody>
+        </p:sp>
+        <p:sp>
+          <p:nvSpPr>
+            <p:cNvPr id="3" name="Rechteck 2">
+              <a:extLst>
+                <a:ext uri="{FF2B5EF4-FFF2-40B4-BE49-F238E27FC236}">
+                  <a16:creationId xmlns:a16="http://schemas.microsoft.com/office/drawing/2014/main" id="{6B783ABD-D41A-F6F6-0DB2-8F20ED8734D8}"/>
+                </a:ext>
+              </a:extLst>
+            </p:cNvPr>
+            <p:cNvSpPr>
+              <a:spLocks/>
+            </p:cNvSpPr>
+            <p:nvPr/>
+          </p:nvSpPr>
+          <p:spPr>
+            <a:xfrm>
+              <a:off x="186541" y="14366748"/>
+              <a:ext cx="21032227" cy="727579"/>
+            </a:xfrm>
+            <a:prstGeom prst="rect">
+              <a:avLst/>
+            </a:prstGeom>
+            <a:solidFill>
+              <a:srgbClr val="D7D7D7"/>
+            </a:solidFill>
+            <a:ln>
+              <a:noFill/>
+            </a:ln>
+          </p:spPr>
+          <p:style>
+            <a:lnRef idx="2">
+              <a:schemeClr val="accent1">
+                <a:shade val="50000"/>
+              </a:schemeClr>
+            </a:lnRef>
+            <a:fillRef idx="1">
+              <a:schemeClr val="accent1"/>
+            </a:fillRef>
+            <a:effectRef idx="0">
+              <a:schemeClr val="accent1"/>
+            </a:effectRef>
+            <a:fontRef idx="minor">
+              <a:schemeClr val="lt1"/>
+            </a:fontRef>
+          </p:style>
+          <p:txBody>
+            <a:bodyPr rtlCol="0" anchor="ctr"/>
+            <a:lstStyle/>
+            <a:p>
+              <a:r>
+                <a:rPr lang="de-DE" sz="4400" b="1" noProof="0" dirty="0">
+                  <a:solidFill>
+                    <a:schemeClr val="tx1"/>
+                  </a:solidFill>
+                  <a:latin typeface="Aptos" panose="020B0004020202020204" pitchFamily="34" charset="0"/>
+                  <a:cs typeface="Times New Roman" panose="02020603050405020304" pitchFamily="18" charset="0"/>
+                </a:rPr>
+                <a:t> Ergebnisse 🏆 (ausgewählte Beispiele)</a:t>
+              </a:r>
+            </a:p>
+          </p:txBody>
+        </p:sp>
+      </p:grpSp>
+      <p:pic>
+        <p:nvPicPr>
+          <p:cNvPr id="27" name="Picture 26">
+            <a:extLst>
+              <a:ext uri="{FF2B5EF4-FFF2-40B4-BE49-F238E27FC236}">
+                <a16:creationId xmlns:a16="http://schemas.microsoft.com/office/drawing/2014/main" id="{DE82BE61-A4B7-F8C1-7B3F-CC3A28094D9D}"/>
+              </a:ext>
+            </a:extLst>
+          </p:cNvPr>
+          <p:cNvPicPr>
+            <a:picLocks noChangeAspect="1"/>
+          </p:cNvPicPr>
+          <p:nvPr/>
+        </p:nvPicPr>
+        <p:blipFill>
+          <a:blip r:embed="rId15">
+            <a:extLst>
+              <a:ext uri="{28A0092B-C50C-407E-A947-70E740481C1C}">
+                <a14:useLocalDpi xmlns:a14="http://schemas.microsoft.com/office/drawing/2010/main" val="0"/>
+              </a:ext>
+            </a:extLst>
+          </a:blip>
+          <a:stretch>
+            <a:fillRect/>
+          </a:stretch>
+        </p:blipFill>
+        <p:spPr>
+          <a:xfrm>
+            <a:off x="220404" y="26728818"/>
+            <a:ext cx="2651998" cy="2651998"/>
+          </a:xfrm>
+          <a:prstGeom prst="rect">
+            <a:avLst/>
+          </a:prstGeom>
+        </p:spPr>
+      </p:pic>
+      <p:sp>
+        <p:nvSpPr>
+          <p:cNvPr id="143" name="Rechteck 142">
+            <a:extLst>
+              <a:ext uri="{FF2B5EF4-FFF2-40B4-BE49-F238E27FC236}">
+                <a16:creationId xmlns:a16="http://schemas.microsoft.com/office/drawing/2014/main" id="{719C0BF8-C371-1C61-AFA1-F30F595B0655}"/>
+              </a:ext>
+            </a:extLst>
+          </p:cNvPr>
+          <p:cNvSpPr>
+            <a:spLocks/>
+          </p:cNvSpPr>
+          <p:nvPr/>
+        </p:nvSpPr>
+        <p:spPr>
+          <a:xfrm>
+            <a:off x="220405" y="26087961"/>
+            <a:ext cx="4916136" cy="653174"/>
+          </a:xfrm>
+          <a:prstGeom prst="rect">
+            <a:avLst/>
+          </a:prstGeom>
+          <a:solidFill>
+            <a:srgbClr val="D7D7D7"/>
+          </a:solidFill>
+          <a:ln>
+            <a:noFill/>
+          </a:ln>
+        </p:spPr>
+        <p:style>
+          <a:lnRef idx="2">
+            <a:schemeClr val="accent1">
+              <a:shade val="50000"/>
+            </a:schemeClr>
+          </a:lnRef>
+          <a:fillRef idx="1">
+            <a:schemeClr val="accent1"/>
+          </a:fillRef>
+          <a:effectRef idx="0">
+            <a:schemeClr val="accent1"/>
+          </a:effectRef>
+          <a:fontRef idx="minor">
+            <a:schemeClr val="lt1"/>
+          </a:fontRef>
+        </p:style>
+        <p:txBody>
+          <a:bodyPr rtlCol="0" anchor="ctr"/>
+          <a:lstStyle/>
+          <a:p>
+            <a:r>
+              <a:rPr lang="de-DE" sz="3600" b="1" noProof="0" dirty="0">
+                <a:solidFill>
+                  <a:schemeClr val="tx1"/>
+                </a:solidFill>
+                <a:latin typeface="Aptos" panose="020B0004020202020204" pitchFamily="34" charset="0"/>
+                <a:cs typeface="Times New Roman" panose="02020603050405020304" pitchFamily="18" charset="0"/>
+              </a:rPr>
+              <a:t>Die Forschungsarbeit:</a:t>
+            </a:r>
+          </a:p>
+        </p:txBody>
+      </p:sp>
+      <p:sp>
+        <p:nvSpPr>
+          <p:cNvPr id="28" name="Rechteck 142">
+            <a:extLst>
+              <a:ext uri="{FF2B5EF4-FFF2-40B4-BE49-F238E27FC236}">
+                <a16:creationId xmlns:a16="http://schemas.microsoft.com/office/drawing/2014/main" id="{ADBB29DA-E556-AE5C-35FC-41E626EBE4E6}"/>
+              </a:ext>
+            </a:extLst>
+          </p:cNvPr>
+          <p:cNvSpPr>
+            <a:spLocks/>
+          </p:cNvSpPr>
+          <p:nvPr/>
+        </p:nvSpPr>
+        <p:spPr>
+          <a:xfrm>
+            <a:off x="5530298" y="26087960"/>
+            <a:ext cx="4965724" cy="650511"/>
+          </a:xfrm>
+          <a:prstGeom prst="rect">
+            <a:avLst/>
+          </a:prstGeom>
+          <a:solidFill>
+            <a:srgbClr val="D7D7D7"/>
+          </a:solidFill>
+          <a:ln>
+            <a:noFill/>
+          </a:ln>
+        </p:spPr>
+        <p:style>
+          <a:lnRef idx="2">
+            <a:schemeClr val="accent1">
+              <a:shade val="50000"/>
+            </a:schemeClr>
+          </a:lnRef>
+          <a:fillRef idx="1">
+            <a:schemeClr val="accent1"/>
+          </a:fillRef>
+          <a:effectRef idx="0">
+            <a:schemeClr val="accent1"/>
+          </a:effectRef>
+          <a:fontRef idx="minor">
+            <a:schemeClr val="lt1"/>
+          </a:fontRef>
+        </p:style>
+        <p:txBody>
+          <a:bodyPr rtlCol="0" anchor="ctr"/>
+          <a:lstStyle/>
+          <a:p>
+            <a:r>
+              <a:rPr lang="de-DE" sz="3200" b="1" noProof="0" dirty="0">
+                <a:solidFill>
+                  <a:schemeClr val="tx1"/>
+                </a:solidFill>
+                <a:latin typeface="Aptos" panose="020B0004020202020204" pitchFamily="34" charset="0"/>
+                <a:cs typeface="Times New Roman" panose="02020603050405020304" pitchFamily="18" charset="0"/>
+              </a:rPr>
+              <a:t>Mehr über mein Projekt:</a:t>
+            </a:r>
+            <a:endParaRPr lang="de-DE" sz="4000" b="1" noProof="0" dirty="0">
+              <a:solidFill>
+                <a:schemeClr val="tx1"/>
+              </a:solidFill>
+              <a:latin typeface="Aptos" panose="020B0004020202020204" pitchFamily="34" charset="0"/>
+              <a:cs typeface="Times New Roman" panose="02020603050405020304" pitchFamily="18" charset="0"/>
+            </a:endParaRPr>
+          </a:p>
+        </p:txBody>
+      </p:sp>
+      <p:sp>
+        <p:nvSpPr>
+          <p:cNvPr id="31" name="Rechteck 142">
+            <a:extLst>
+              <a:ext uri="{FF2B5EF4-FFF2-40B4-BE49-F238E27FC236}">
+                <a16:creationId xmlns:a16="http://schemas.microsoft.com/office/drawing/2014/main" id="{F35C1075-9A08-F10D-AC31-1DC01393AD20}"/>
+              </a:ext>
+            </a:extLst>
+          </p:cNvPr>
+          <p:cNvSpPr>
+            <a:spLocks/>
+          </p:cNvSpPr>
+          <p:nvPr/>
+        </p:nvSpPr>
+        <p:spPr>
+          <a:xfrm>
+            <a:off x="10847051" y="26083833"/>
+            <a:ext cx="10397112" cy="650511"/>
+          </a:xfrm>
+          <a:prstGeom prst="rect">
+            <a:avLst/>
+          </a:prstGeom>
+          <a:solidFill>
+            <a:srgbClr val="D7D7D7"/>
+          </a:solidFill>
+          <a:ln>
+            <a:noFill/>
+          </a:ln>
+        </p:spPr>
+        <p:style>
+          <a:lnRef idx="2">
+            <a:schemeClr val="accent1">
+              <a:shade val="50000"/>
+            </a:schemeClr>
+          </a:lnRef>
+          <a:fillRef idx="1">
+            <a:schemeClr val="accent1"/>
+          </a:fillRef>
+          <a:effectRef idx="0">
+            <a:schemeClr val="accent1"/>
+          </a:effectRef>
+          <a:fontRef idx="minor">
+            <a:schemeClr val="lt1"/>
+          </a:fontRef>
+        </p:style>
+        <p:txBody>
+          <a:bodyPr rtlCol="0" anchor="ctr"/>
+          <a:lstStyle/>
+          <a:p>
+            <a:r>
+              <a:rPr lang="de-DE" sz="3200" b="1" noProof="0" dirty="0">
+                <a:solidFill>
+                  <a:schemeClr val="tx1"/>
+                </a:solidFill>
+                <a:latin typeface="Aptos" panose="020B0004020202020204" pitchFamily="34" charset="0"/>
+                <a:cs typeface="Times New Roman" panose="02020603050405020304" pitchFamily="18" charset="0"/>
+              </a:rPr>
+              <a:t>Interaktive Webseiten:</a:t>
+            </a:r>
+            <a:endParaRPr lang="de-DE" sz="4000" b="1" noProof="0" dirty="0">
+              <a:solidFill>
+                <a:schemeClr val="tx1"/>
+              </a:solidFill>
+              <a:latin typeface="Aptos" panose="020B0004020202020204" pitchFamily="34" charset="0"/>
+              <a:cs typeface="Times New Roman" panose="02020603050405020304" pitchFamily="18" charset="0"/>
+            </a:endParaRPr>
+          </a:p>
+        </p:txBody>
+      </p:sp>
+      <p:pic>
+        <p:nvPicPr>
+          <p:cNvPr id="38" name="Picture 37">
+            <a:extLst>
+              <a:ext uri="{FF2B5EF4-FFF2-40B4-BE49-F238E27FC236}">
+                <a16:creationId xmlns:a16="http://schemas.microsoft.com/office/drawing/2014/main" id="{3EB8BAB1-C355-A3FE-877F-71D787FE645A}"/>
+              </a:ext>
+            </a:extLst>
+          </p:cNvPr>
+          <p:cNvPicPr>
+            <a:picLocks noChangeAspect="1"/>
+          </p:cNvPicPr>
+          <p:nvPr/>
+        </p:nvPicPr>
+        <p:blipFill>
+          <a:blip r:embed="rId16">
+            <a:extLst>
+              <a:ext uri="{28A0092B-C50C-407E-A947-70E740481C1C}">
+                <a14:useLocalDpi xmlns:a14="http://schemas.microsoft.com/office/drawing/2010/main" val="0"/>
+              </a:ext>
+            </a:extLst>
+          </a:blip>
+          <a:srcRect b="10527"/>
+          <a:stretch/>
+        </p:blipFill>
+        <p:spPr>
+          <a:xfrm>
+            <a:off x="5447011" y="26993162"/>
+            <a:ext cx="2556432" cy="2287305"/>
+          </a:xfrm>
+          <a:prstGeom prst="rect">
+            <a:avLst/>
+          </a:prstGeom>
+        </p:spPr>
+      </p:pic>
+      <p:sp>
+        <p:nvSpPr>
+          <p:cNvPr id="42" name="TextBox 41">
+            <a:extLst>
+              <a:ext uri="{FF2B5EF4-FFF2-40B4-BE49-F238E27FC236}">
+                <a16:creationId xmlns:a16="http://schemas.microsoft.com/office/drawing/2014/main" id="{4282ACBC-CBDB-046F-38F0-898C1254D2AE}"/>
+              </a:ext>
+            </a:extLst>
+          </p:cNvPr>
+          <p:cNvSpPr txBox="1"/>
+          <p:nvPr/>
+        </p:nvSpPr>
+        <p:spPr>
+          <a:xfrm>
+            <a:off x="10847051" y="26864057"/>
+            <a:ext cx="2556433" cy="461665"/>
+          </a:xfrm>
+          <a:prstGeom prst="rect">
+            <a:avLst/>
+          </a:prstGeom>
+          <a:noFill/>
+        </p:spPr>
+        <p:txBody>
+          <a:bodyPr wrap="square" rtlCol="0">
+            <a:spAutoFit/>
+          </a:bodyPr>
+          <a:lstStyle/>
+          <a:p>
+            <a:r>
+              <a:rPr lang="de-DE" sz="2400" b="1" dirty="0"/>
+              <a:t>Sentimentanalyse:</a:t>
+            </a:r>
+          </a:p>
+        </p:txBody>
+      </p:sp>
+      <p:sp>
+        <p:nvSpPr>
+          <p:cNvPr id="45" name="TextBox 44">
+            <a:extLst>
+              <a:ext uri="{FF2B5EF4-FFF2-40B4-BE49-F238E27FC236}">
+                <a16:creationId xmlns:a16="http://schemas.microsoft.com/office/drawing/2014/main" id="{B9C7A981-AD7D-FF9A-7DE4-AAA5DB0EAE5E}"/>
+              </a:ext>
+            </a:extLst>
+          </p:cNvPr>
+          <p:cNvSpPr txBox="1"/>
+          <p:nvPr/>
+        </p:nvSpPr>
+        <p:spPr>
+          <a:xfrm>
+            <a:off x="16275213" y="26885296"/>
+            <a:ext cx="2556433" cy="461665"/>
+          </a:xfrm>
+          <a:prstGeom prst="rect">
+            <a:avLst/>
+          </a:prstGeom>
+          <a:noFill/>
+        </p:spPr>
+        <p:txBody>
+          <a:bodyPr wrap="square" rtlCol="0">
+            <a:spAutoFit/>
+          </a:bodyPr>
+          <a:lstStyle/>
+          <a:p>
+            <a:r>
+              <a:rPr lang="de-DE" sz="2400" b="1" dirty="0"/>
+              <a:t>Wörteranzahl:</a:t>
+            </a:r>
+          </a:p>
+        </p:txBody>
+      </p:sp>
+      <p:pic>
+        <p:nvPicPr>
+          <p:cNvPr id="53" name="Picture 52">
+            <a:extLst>
+              <a:ext uri="{FF2B5EF4-FFF2-40B4-BE49-F238E27FC236}">
+                <a16:creationId xmlns:a16="http://schemas.microsoft.com/office/drawing/2014/main" id="{D21D5E26-16BE-CD6F-812D-E4608BCCF85E}"/>
+              </a:ext>
+            </a:extLst>
+          </p:cNvPr>
+          <p:cNvPicPr>
+            <a:picLocks noChangeAspect="1"/>
+          </p:cNvPicPr>
+          <p:nvPr/>
+        </p:nvPicPr>
+        <p:blipFill>
+          <a:blip r:embed="rId17">
+            <a:extLst>
+              <a:ext uri="{28A0092B-C50C-407E-A947-70E740481C1C}">
+                <a14:useLocalDpi xmlns:a14="http://schemas.microsoft.com/office/drawing/2010/main" val="0"/>
+              </a:ext>
+            </a:extLst>
+          </a:blip>
+          <a:srcRect b="4057"/>
+          <a:stretch/>
+        </p:blipFill>
+        <p:spPr>
+          <a:xfrm>
+            <a:off x="18485770" y="26741135"/>
+            <a:ext cx="2646719" cy="2539331"/>
+          </a:xfrm>
+          <a:prstGeom prst="rect">
+            <a:avLst/>
+          </a:prstGeom>
+        </p:spPr>
+      </p:pic>
+      <p:sp>
+        <p:nvSpPr>
+          <p:cNvPr id="54" name="TextBox 53">
+            <a:extLst>
+              <a:ext uri="{FF2B5EF4-FFF2-40B4-BE49-F238E27FC236}">
+                <a16:creationId xmlns:a16="http://schemas.microsoft.com/office/drawing/2014/main" id="{1FB73F04-6D83-B048-4263-654CE31A2CC2}"/>
+              </a:ext>
+            </a:extLst>
+          </p:cNvPr>
+          <p:cNvSpPr txBox="1"/>
+          <p:nvPr/>
+        </p:nvSpPr>
+        <p:spPr>
+          <a:xfrm>
+            <a:off x="5608569" y="26813117"/>
+            <a:ext cx="5110711" cy="369332"/>
+          </a:xfrm>
+          <a:prstGeom prst="rect">
+            <a:avLst/>
+          </a:prstGeom>
+          <a:noFill/>
+        </p:spPr>
+        <p:txBody>
+          <a:bodyPr wrap="square" rtlCol="0">
+            <a:spAutoFit/>
+          </a:bodyPr>
+          <a:lstStyle/>
+          <a:p>
+            <a:r>
+              <a:rPr lang="de-DE" dirty="0"/>
+              <a:t>github.com/AdminL3/Jugend-Forscht</a:t>
+            </a:r>
+          </a:p>
+        </p:txBody>
+      </p:sp>
+      <p:grpSp>
+        <p:nvGrpSpPr>
+          <p:cNvPr id="4" name="Group 3">
+            <a:extLst>
+              <a:ext uri="{FF2B5EF4-FFF2-40B4-BE49-F238E27FC236}">
+                <a16:creationId xmlns:a16="http://schemas.microsoft.com/office/drawing/2014/main" id="{1E3E60CD-D87D-DB5D-6FE7-7BD06D599A40}"/>
+              </a:ext>
+            </a:extLst>
+          </p:cNvPr>
+          <p:cNvGrpSpPr/>
+          <p:nvPr/>
+        </p:nvGrpSpPr>
+        <p:grpSpPr>
+          <a:xfrm>
+            <a:off x="199223" y="21703249"/>
+            <a:ext cx="21095684" cy="4330573"/>
+            <a:chOff x="156948" y="21549471"/>
+            <a:chExt cx="21095684" cy="4330573"/>
+          </a:xfrm>
+        </p:grpSpPr>
+        <p:sp>
+          <p:nvSpPr>
+            <p:cNvPr id="26" name="Rechteck 25">
+              <a:extLst>
+                <a:ext uri="{FF2B5EF4-FFF2-40B4-BE49-F238E27FC236}">
+                  <a16:creationId xmlns:a16="http://schemas.microsoft.com/office/drawing/2014/main" id="{2B363CA6-038B-A880-9302-F6511960824F}"/>
+                </a:ext>
+              </a:extLst>
+            </p:cNvPr>
+            <p:cNvSpPr/>
+            <p:nvPr/>
+          </p:nvSpPr>
+          <p:spPr>
+            <a:xfrm>
+              <a:off x="156948" y="21549471"/>
+              <a:ext cx="21095684" cy="4330573"/>
+            </a:xfrm>
+            <a:prstGeom prst="rect">
+              <a:avLst/>
+            </a:prstGeom>
+            <a:solidFill>
+              <a:schemeClr val="bg1"/>
+            </a:solidFill>
+            <a:ln>
+              <a:noFill/>
+            </a:ln>
+          </p:spPr>
+          <p:style>
+            <a:lnRef idx="2">
+              <a:schemeClr val="accent1">
+                <a:shade val="15000"/>
+              </a:schemeClr>
+            </a:lnRef>
+            <a:fillRef idx="1">
+              <a:schemeClr val="accent1"/>
+            </a:fillRef>
+            <a:effectRef idx="0">
+              <a:schemeClr val="accent1"/>
+            </a:effectRef>
+            <a:fontRef idx="minor">
+              <a:schemeClr val="lt1"/>
+            </a:fontRef>
+          </p:style>
+          <p:txBody>
+            <a:bodyPr rtlCol="0" anchor="ctr"/>
+            <a:lstStyle/>
+            <a:p>
+              <a:pPr algn="ctr"/>
+              <a:endParaRPr lang="de-DE"/>
+            </a:p>
+          </p:txBody>
+        </p:sp>
+        <p:sp>
+          <p:nvSpPr>
+            <p:cNvPr id="8" name="Rechteck 7">
+              <a:extLst>
+                <a:ext uri="{FF2B5EF4-FFF2-40B4-BE49-F238E27FC236}">
+                  <a16:creationId xmlns:a16="http://schemas.microsoft.com/office/drawing/2014/main" id="{7B8B4C04-C5D5-7C17-0612-393403C49707}"/>
+                </a:ext>
+              </a:extLst>
+            </p:cNvPr>
+            <p:cNvSpPr>
+              <a:spLocks/>
+            </p:cNvSpPr>
+            <p:nvPr/>
+          </p:nvSpPr>
+          <p:spPr>
+            <a:xfrm>
+              <a:off x="164857" y="21556483"/>
+              <a:ext cx="21087775" cy="759692"/>
+            </a:xfrm>
+            <a:prstGeom prst="rect">
+              <a:avLst/>
+            </a:prstGeom>
+            <a:solidFill>
+              <a:srgbClr val="D7D7D7"/>
+            </a:solidFill>
+            <a:ln>
+              <a:noFill/>
+            </a:ln>
+          </p:spPr>
+          <p:style>
+            <a:lnRef idx="2">
+              <a:schemeClr val="accent1">
+                <a:shade val="50000"/>
+              </a:schemeClr>
+            </a:lnRef>
+            <a:fillRef idx="1">
+              <a:schemeClr val="accent1"/>
+            </a:fillRef>
+            <a:effectRef idx="0">
+              <a:schemeClr val="accent1"/>
+            </a:effectRef>
+            <a:fontRef idx="minor">
+              <a:schemeClr val="lt1"/>
+            </a:fontRef>
+          </p:style>
+          <p:txBody>
+            <a:bodyPr rtlCol="0" anchor="ctr"/>
+            <a:lstStyle/>
+            <a:p>
+              <a:r>
+                <a:rPr lang="de-DE" sz="4400" b="1" noProof="0" dirty="0">
+                  <a:solidFill>
+                    <a:schemeClr val="tx1"/>
+                  </a:solidFill>
+                  <a:latin typeface="Aptos" panose="020B0004020202020204" pitchFamily="34" charset="0"/>
+                  <a:cs typeface="Times New Roman" panose="02020603050405020304" pitchFamily="18" charset="0"/>
+                </a:rPr>
+                <a:t>Interpretation🤔</a:t>
+              </a:r>
+            </a:p>
+          </p:txBody>
+        </p:sp>
+        <p:sp>
+          <p:nvSpPr>
+            <p:cNvPr id="20" name="Textfeld 19">
+              <a:extLst>
+                <a:ext uri="{FF2B5EF4-FFF2-40B4-BE49-F238E27FC236}">
+                  <a16:creationId xmlns:a16="http://schemas.microsoft.com/office/drawing/2014/main" id="{C15A0C3E-5E35-4C1F-8405-3D3A326E3B67}"/>
+                </a:ext>
+              </a:extLst>
+            </p:cNvPr>
+            <p:cNvSpPr txBox="1"/>
+            <p:nvPr/>
+          </p:nvSpPr>
+          <p:spPr>
+            <a:xfrm>
+              <a:off x="263423" y="22480539"/>
+              <a:ext cx="20781659" cy="3108543"/>
+            </a:xfrm>
+            <a:prstGeom prst="rect">
+              <a:avLst/>
+            </a:prstGeom>
+            <a:noFill/>
+          </p:spPr>
+          <p:txBody>
+            <a:bodyPr wrap="square" rtlCol="0">
+              <a:spAutoFit/>
+            </a:bodyPr>
+            <a:lstStyle/>
+            <a:p>
+              <a:r>
+                <a:rPr lang="de-DE" sz="2800" noProof="0" dirty="0">
+                  <a:latin typeface="Aptos" panose="020B0004020202020204" pitchFamily="34" charset="0"/>
+                  <a:cs typeface="Times New Roman" panose="02020603050405020304" pitchFamily="18" charset="0"/>
+                </a:rPr>
+                <a:t>- World –Artikel grundsätzlich eher objektiv im </a:t>
+              </a:r>
+              <a:r>
+                <a:rPr lang="de-DE" sz="2800" dirty="0">
+                  <a:latin typeface="Aptos" panose="020B0004020202020204" pitchFamily="34" charset="0"/>
+                  <a:cs typeface="Times New Roman" panose="02020603050405020304" pitchFamily="18" charset="0"/>
+                </a:rPr>
+                <a:t>Vergleich zu Opinion  -&gt; stärkere Meinungsbildung in der Rubrik „Opinion“, keine </a:t>
+              </a:r>
+            </a:p>
+            <a:p>
+              <a:r>
+                <a:rPr lang="de-DE" sz="2800" dirty="0">
+                  <a:latin typeface="Aptos" panose="020B0004020202020204" pitchFamily="34" charset="0"/>
+                  <a:cs typeface="Times New Roman" panose="02020603050405020304" pitchFamily="18" charset="0"/>
+                </a:rPr>
+                <a:t>   Veränderung über die Zeit</a:t>
+              </a:r>
+            </a:p>
+            <a:p>
+              <a:r>
+                <a:rPr lang="de-DE" sz="2800" dirty="0">
+                  <a:latin typeface="Aptos" panose="020B0004020202020204" pitchFamily="34" charset="0"/>
+                  <a:cs typeface="Times New Roman" panose="02020603050405020304" pitchFamily="18" charset="0"/>
+                </a:rPr>
+                <a:t>- Grundsätzlich geringe Polarisation, keine Tendenzen erkennbar -&gt; unverändert vergleichbare, neutrale Berichterstattung</a:t>
+              </a:r>
+            </a:p>
+            <a:p>
+              <a:r>
+                <a:rPr lang="de-DE" sz="2800" dirty="0">
+                  <a:latin typeface="Aptos" panose="020B0004020202020204" pitchFamily="34" charset="0"/>
+                  <a:cs typeface="Times New Roman" panose="02020603050405020304" pitchFamily="18" charset="0"/>
+                </a:rPr>
+                <a:t>- Keine signifikante Änderung in der Artikellänge -&gt; </a:t>
+              </a:r>
+              <a:r>
+                <a:rPr lang="de-DE" sz="2800" noProof="0" dirty="0">
+                  <a:latin typeface="Aptos" panose="020B0004020202020204" pitchFamily="34" charset="0"/>
+                  <a:cs typeface="Times New Roman" panose="02020603050405020304" pitchFamily="18" charset="0"/>
+                </a:rPr>
+                <a:t>Kein Einfluss von sozialen Medien oder dem Trend zu kürzeren Texten erkennbar</a:t>
+              </a:r>
+              <a:endParaRPr lang="de-DE" sz="2800" dirty="0">
+                <a:latin typeface="Aptos" panose="020B0004020202020204" pitchFamily="34" charset="0"/>
+                <a:cs typeface="Times New Roman" panose="02020603050405020304" pitchFamily="18" charset="0"/>
+              </a:endParaRPr>
+            </a:p>
+            <a:p>
+              <a:r>
+                <a:rPr lang="de-DE" sz="2800" dirty="0">
+                  <a:latin typeface="Aptos" panose="020B0004020202020204" pitchFamily="34" charset="0"/>
+                  <a:cs typeface="Times New Roman" panose="02020603050405020304" pitchFamily="18" charset="0"/>
+                </a:rPr>
+                <a:t>- Deutliche Veränderungen in der Artikelanzahl -&gt; </a:t>
+              </a:r>
+              <a:r>
+                <a:rPr lang="de-DE" sz="2800" noProof="0" dirty="0">
+                  <a:latin typeface="Aptos" panose="020B0004020202020204" pitchFamily="34" charset="0"/>
+                  <a:cs typeface="Times New Roman" panose="02020603050405020304" pitchFamily="18" charset="0"/>
+                </a:rPr>
+                <a:t>Mögliche Gründe: geänderte redaktionelle Schwerpunkte oder eine veränderte </a:t>
+              </a:r>
+            </a:p>
+            <a:p>
+              <a:r>
+                <a:rPr lang="de-DE" sz="2800" dirty="0">
+                  <a:latin typeface="Aptos" panose="020B0004020202020204" pitchFamily="34" charset="0"/>
+                  <a:cs typeface="Times New Roman" panose="02020603050405020304" pitchFamily="18" charset="0"/>
+                </a:rPr>
+                <a:t>   </a:t>
+              </a:r>
+              <a:r>
+                <a:rPr lang="de-DE" sz="2800" noProof="0" dirty="0">
+                  <a:latin typeface="Aptos" panose="020B0004020202020204" pitchFamily="34" charset="0"/>
+                  <a:cs typeface="Times New Roman" panose="02020603050405020304" pitchFamily="18" charset="0"/>
+                </a:rPr>
+                <a:t>Nachrichtenlage</a:t>
+              </a:r>
+            </a:p>
+            <a:p>
+              <a:r>
+                <a:rPr lang="de-DE" sz="2800" noProof="0" dirty="0">
+                  <a:latin typeface="Aptos" panose="020B0004020202020204" pitchFamily="34" charset="0"/>
+                  <a:cs typeface="Times New Roman" panose="02020603050405020304" pitchFamily="18" charset="0"/>
+                </a:rPr>
+                <a:t>- Beide Zeitungen zeigen eine ähnliche Entwicklung, was auf vergleichbare journalistische Standards hindeutet</a:t>
+              </a:r>
+            </a:p>
+          </p:txBody>
+        </p:sp>
+      </p:grpSp>
+      <p:pic>
+        <p:nvPicPr>
+          <p:cNvPr id="6" name="Picture 5">
+            <a:extLst>
+              <a:ext uri="{FF2B5EF4-FFF2-40B4-BE49-F238E27FC236}">
+                <a16:creationId xmlns:a16="http://schemas.microsoft.com/office/drawing/2014/main" id="{4BC04DD0-7DAD-6BAC-0AAD-2420378F7A76}"/>
+              </a:ext>
+            </a:extLst>
+          </p:cNvPr>
+          <p:cNvPicPr>
+            <a:picLocks noChangeAspect="1"/>
+          </p:cNvPicPr>
+          <p:nvPr/>
+        </p:nvPicPr>
+        <p:blipFill>
+          <a:blip r:embed="rId18">
+            <a:extLst>
+              <a:ext uri="{28A0092B-C50C-407E-A947-70E740481C1C}">
+                <a14:useLocalDpi xmlns:a14="http://schemas.microsoft.com/office/drawing/2010/main" val="0"/>
+              </a:ext>
+            </a:extLst>
+          </a:blip>
+          <a:stretch>
+            <a:fillRect/>
+          </a:stretch>
+        </p:blipFill>
+        <p:spPr>
+          <a:xfrm>
+            <a:off x="13486485" y="26750691"/>
+            <a:ext cx="2635620" cy="2635620"/>
+          </a:xfrm>
+          <a:prstGeom prst="rect">
+            <a:avLst/>
+          </a:prstGeom>
+        </p:spPr>
+      </p:pic>
+    </p:spTree>
+    <p:extLst>
+      <p:ext uri="{BB962C8B-B14F-4D97-AF65-F5344CB8AC3E}">
+        <p14:creationId xmlns:p14="http://schemas.microsoft.com/office/powerpoint/2010/main" val="3870641808"/>
+      </p:ext>
+    </p:extLst>
+  </p:cSld>
+  <p:clrMapOvr>
+    <a:masterClrMapping/>
+  </p:clrMapOvr>
+</p:sld>
+</file>
+
+<file path=ppt/slides/slide2.xml><?xml version="1.0" encoding="utf-8"?>
+<p:sld xmlns:a="http://schemas.openxmlformats.org/drawingml/2006/main" xmlns:r="http://schemas.openxmlformats.org/officeDocument/2006/relationships" xmlns:p="http://schemas.openxmlformats.org/presentationml/2006/main">
+  <p:cSld>
+    <p:spTree>
+      <p:nvGrpSpPr>
+        <p:cNvPr id="1" name=""/>
+        <p:cNvGrpSpPr/>
+        <p:nvPr/>
+      </p:nvGrpSpPr>
+      <p:grpSpPr>
+        <a:xfrm>
+          <a:off x="0" y="0"/>
+          <a:ext cx="0" cy="0"/>
+          <a:chOff x="0" y="0"/>
+          <a:chExt cx="0" cy="0"/>
+        </a:xfrm>
+      </p:grpSpPr>
+    </p:spTree>
+    <p:extLst>
+      <p:ext uri="{BB962C8B-B14F-4D97-AF65-F5344CB8AC3E}">
+        <p14:creationId xmlns:p14="http://schemas.microsoft.com/office/powerpoint/2010/main" val="2113521982"/>
+      </p:ext>
+    </p:extLst>
+  </p:cSld>
+  <p:clrMapOvr>
+    <a:masterClrMapping/>
+  </p:clrMapOvr>
+</p:sld>
+</file>
+
+<file path=ppt/slides/slide3.xml><?xml version="1.0" encoding="utf-8"?>
 <p:sld xmlns:a="http://schemas.openxmlformats.org/drawingml/2006/main" xmlns:r="http://schemas.openxmlformats.org/officeDocument/2006/relationships" xmlns:p="http://schemas.openxmlformats.org/presentationml/2006/main">
   <p:cSld>
     <p:spTree>
@@ -7597,7 +11094,7 @@
 </p:sld>
 </file>
 
-<file path=ppt/slides/slide2.xml><?xml version="1.0" encoding="utf-8"?>
+<file path=ppt/slides/slide4.xml><?xml version="1.0" encoding="utf-8"?>
 <p:sld xmlns:a="http://schemas.openxmlformats.org/drawingml/2006/main" xmlns:r="http://schemas.openxmlformats.org/officeDocument/2006/relationships" xmlns:p="http://schemas.openxmlformats.org/presentationml/2006/main">
   <p:cSld>
     <p:spTree>
@@ -14509,3447 +18006,6 @@
 </p:sld>
 </file>
 
-<file path=ppt/slides/slide3.xml><?xml version="1.0" encoding="utf-8"?>
-<p:sld xmlns:a="http://schemas.openxmlformats.org/drawingml/2006/main" xmlns:r="http://schemas.openxmlformats.org/officeDocument/2006/relationships" xmlns:p="http://schemas.openxmlformats.org/presentationml/2006/main">
-  <p:cSld>
-    <p:spTree>
-      <p:nvGrpSpPr>
-        <p:cNvPr id="1" name="">
-          <a:extLst>
-            <a:ext uri="{FF2B5EF4-FFF2-40B4-BE49-F238E27FC236}">
-              <a16:creationId xmlns:a16="http://schemas.microsoft.com/office/drawing/2014/main" id="{7F4DD2C0-406E-A3CF-01B1-B0B2D963A4B1}"/>
-            </a:ext>
-          </a:extLst>
-        </p:cNvPr>
-        <p:cNvGrpSpPr/>
-        <p:nvPr/>
-      </p:nvGrpSpPr>
-      <p:grpSpPr>
-        <a:xfrm>
-          <a:off x="0" y="0"/>
-          <a:ext cx="0" cy="0"/>
-          <a:chOff x="0" y="0"/>
-          <a:chExt cx="0" cy="0"/>
-        </a:xfrm>
-      </p:grpSpPr>
-      <p:sp>
-        <p:nvSpPr>
-          <p:cNvPr id="5" name="Rechteck 4">
-            <a:extLst>
-              <a:ext uri="{FF2B5EF4-FFF2-40B4-BE49-F238E27FC236}">
-                <a16:creationId xmlns:a16="http://schemas.microsoft.com/office/drawing/2014/main" id="{489AA451-805F-E2A2-79AD-056A7A2DD513}"/>
-              </a:ext>
-            </a:extLst>
-          </p:cNvPr>
-          <p:cNvSpPr/>
-          <p:nvPr/>
-        </p:nvSpPr>
-        <p:spPr>
-          <a:xfrm>
-            <a:off x="-14862" y="5228035"/>
-            <a:ext cx="21432580" cy="25030418"/>
-          </a:xfrm>
-          <a:prstGeom prst="rect">
-            <a:avLst/>
-          </a:prstGeom>
-          <a:gradFill flip="none" rotWithShape="1">
-            <a:gsLst>
-              <a:gs pos="85000">
-                <a:srgbClr val="A2232C"/>
-              </a:gs>
-              <a:gs pos="0">
-                <a:srgbClr val="ECA6AB"/>
-              </a:gs>
-            </a:gsLst>
-            <a:lin ang="5400000" scaled="1"/>
-            <a:tileRect/>
-          </a:gradFill>
-          <a:ln>
-            <a:noFill/>
-          </a:ln>
-        </p:spPr>
-        <p:style>
-          <a:lnRef idx="2">
-            <a:schemeClr val="accent1">
-              <a:shade val="50000"/>
-            </a:schemeClr>
-          </a:lnRef>
-          <a:fillRef idx="1">
-            <a:schemeClr val="accent1"/>
-          </a:fillRef>
-          <a:effectRef idx="0">
-            <a:schemeClr val="accent1"/>
-          </a:effectRef>
-          <a:fontRef idx="minor">
-            <a:schemeClr val="lt1"/>
-          </a:fontRef>
-        </p:style>
-        <p:txBody>
-          <a:bodyPr rtlCol="0" anchor="ctr"/>
-          <a:lstStyle/>
-          <a:p>
-            <a:pPr algn="ctr"/>
-            <a:endParaRPr lang="de-DE" sz="1600" noProof="0" dirty="0">
-              <a:latin typeface="Times New Roman" panose="02020603050405020304" pitchFamily="18" charset="0"/>
-              <a:cs typeface="Times New Roman" panose="02020603050405020304" pitchFamily="18" charset="0"/>
-            </a:endParaRPr>
-          </a:p>
-        </p:txBody>
-      </p:sp>
-      <p:sp>
-        <p:nvSpPr>
-          <p:cNvPr id="106" name="Rechteck 105">
-            <a:extLst>
-              <a:ext uri="{FF2B5EF4-FFF2-40B4-BE49-F238E27FC236}">
-                <a16:creationId xmlns:a16="http://schemas.microsoft.com/office/drawing/2014/main" id="{372F7B96-0E9C-6F77-F857-A7F5B34272B5}"/>
-              </a:ext>
-            </a:extLst>
-          </p:cNvPr>
-          <p:cNvSpPr/>
-          <p:nvPr/>
-        </p:nvSpPr>
-        <p:spPr>
-          <a:xfrm>
-            <a:off x="-14861" y="1"/>
-            <a:ext cx="21432584" cy="2425172"/>
-          </a:xfrm>
-          <a:prstGeom prst="rect">
-            <a:avLst/>
-          </a:prstGeom>
-          <a:solidFill>
-            <a:srgbClr val="D7D7D7"/>
-          </a:solidFill>
-          <a:ln>
-            <a:noFill/>
-          </a:ln>
-        </p:spPr>
-        <p:style>
-          <a:lnRef idx="2">
-            <a:schemeClr val="accent1">
-              <a:shade val="50000"/>
-            </a:schemeClr>
-          </a:lnRef>
-          <a:fillRef idx="1">
-            <a:schemeClr val="accent1"/>
-          </a:fillRef>
-          <a:effectRef idx="0">
-            <a:schemeClr val="accent1"/>
-          </a:effectRef>
-          <a:fontRef idx="minor">
-            <a:schemeClr val="lt1"/>
-          </a:fontRef>
-        </p:style>
-        <p:txBody>
-          <a:bodyPr rtlCol="0" anchor="ctr"/>
-          <a:lstStyle/>
-          <a:p>
-            <a:pPr algn="ctr"/>
-            <a:endParaRPr lang="de-DE" sz="3387" b="1" noProof="0" dirty="0">
-              <a:solidFill>
-                <a:schemeClr val="bg1">
-                  <a:lumMod val="50000"/>
-                </a:schemeClr>
-              </a:solidFill>
-              <a:latin typeface="Times New Roman" panose="02020603050405020304" pitchFamily="18" charset="0"/>
-              <a:ea typeface="Calibri" panose="020F0502020204030204" pitchFamily="34" charset="0"/>
-              <a:cs typeface="Times New Roman" panose="02020603050405020304" pitchFamily="18" charset="0"/>
-            </a:endParaRPr>
-          </a:p>
-        </p:txBody>
-      </p:sp>
-      <p:sp>
-        <p:nvSpPr>
-          <p:cNvPr id="107" name="Rechteck 106">
-            <a:extLst>
-              <a:ext uri="{FF2B5EF4-FFF2-40B4-BE49-F238E27FC236}">
-                <a16:creationId xmlns:a16="http://schemas.microsoft.com/office/drawing/2014/main" id="{8DF1CF56-0CA3-D226-149A-8FF07E45C7F5}"/>
-              </a:ext>
-            </a:extLst>
-          </p:cNvPr>
-          <p:cNvSpPr/>
-          <p:nvPr/>
-        </p:nvSpPr>
-        <p:spPr>
-          <a:xfrm>
-            <a:off x="-14860" y="1899589"/>
-            <a:ext cx="21432580" cy="3403138"/>
-          </a:xfrm>
-          <a:prstGeom prst="rect">
-            <a:avLst/>
-          </a:prstGeom>
-          <a:solidFill>
-            <a:schemeClr val="bg1"/>
-          </a:solidFill>
-          <a:ln>
-            <a:noFill/>
-          </a:ln>
-        </p:spPr>
-        <p:style>
-          <a:lnRef idx="2">
-            <a:schemeClr val="accent1">
-              <a:shade val="50000"/>
-            </a:schemeClr>
-          </a:lnRef>
-          <a:fillRef idx="1">
-            <a:schemeClr val="accent1"/>
-          </a:fillRef>
-          <a:effectRef idx="0">
-            <a:schemeClr val="accent1"/>
-          </a:effectRef>
-          <a:fontRef idx="minor">
-            <a:schemeClr val="lt1"/>
-          </a:fontRef>
-        </p:style>
-        <p:txBody>
-          <a:bodyPr rtlCol="0" anchor="ctr"/>
-          <a:lstStyle/>
-          <a:p>
-            <a:pPr algn="ctr"/>
-            <a:endParaRPr lang="de-DE" sz="1600" noProof="0" dirty="0">
-              <a:latin typeface="Times New Roman" panose="02020603050405020304" pitchFamily="18" charset="0"/>
-              <a:cs typeface="Times New Roman" panose="02020603050405020304" pitchFamily="18" charset="0"/>
-            </a:endParaRPr>
-          </a:p>
-        </p:txBody>
-      </p:sp>
-      <p:sp>
-        <p:nvSpPr>
-          <p:cNvPr id="112" name="Rechteck 111">
-            <a:extLst>
-              <a:ext uri="{FF2B5EF4-FFF2-40B4-BE49-F238E27FC236}">
-                <a16:creationId xmlns:a16="http://schemas.microsoft.com/office/drawing/2014/main" id="{874B2A07-0DF8-7627-6976-68ED1B58B6A9}"/>
-              </a:ext>
-            </a:extLst>
-          </p:cNvPr>
-          <p:cNvSpPr/>
-          <p:nvPr/>
-        </p:nvSpPr>
-        <p:spPr>
-          <a:xfrm>
-            <a:off x="-14863" y="1721844"/>
-            <a:ext cx="21432587" cy="346170"/>
-          </a:xfrm>
-          <a:prstGeom prst="rect">
-            <a:avLst/>
-          </a:prstGeom>
-          <a:solidFill>
-            <a:srgbClr val="A2222B"/>
-          </a:solidFill>
-          <a:ln>
-            <a:noFill/>
-          </a:ln>
-        </p:spPr>
-        <p:style>
-          <a:lnRef idx="2">
-            <a:schemeClr val="accent1">
-              <a:shade val="50000"/>
-            </a:schemeClr>
-          </a:lnRef>
-          <a:fillRef idx="1">
-            <a:schemeClr val="accent1"/>
-          </a:fillRef>
-          <a:effectRef idx="0">
-            <a:schemeClr val="accent1"/>
-          </a:effectRef>
-          <a:fontRef idx="minor">
-            <a:schemeClr val="lt1"/>
-          </a:fontRef>
-        </p:style>
-        <p:txBody>
-          <a:bodyPr rtlCol="0" anchor="ctr"/>
-          <a:lstStyle/>
-          <a:p>
-            <a:pPr algn="ctr"/>
-            <a:endParaRPr lang="de-DE" sz="1600" noProof="0" dirty="0">
-              <a:latin typeface="Times New Roman" panose="02020603050405020304" pitchFamily="18" charset="0"/>
-              <a:cs typeface="Times New Roman" panose="02020603050405020304" pitchFamily="18" charset="0"/>
-            </a:endParaRPr>
-          </a:p>
-        </p:txBody>
-      </p:sp>
-      <p:sp>
-        <p:nvSpPr>
-          <p:cNvPr id="113" name="Textfeld 112">
-            <a:extLst>
-              <a:ext uri="{FF2B5EF4-FFF2-40B4-BE49-F238E27FC236}">
-                <a16:creationId xmlns:a16="http://schemas.microsoft.com/office/drawing/2014/main" id="{1FDBC863-3C50-4EA5-B2EB-DA91F9185574}"/>
-              </a:ext>
-            </a:extLst>
-          </p:cNvPr>
-          <p:cNvSpPr txBox="1"/>
-          <p:nvPr/>
-        </p:nvSpPr>
-        <p:spPr>
-          <a:xfrm>
-            <a:off x="1102175" y="2013175"/>
-            <a:ext cx="14296174" cy="1446550"/>
-          </a:xfrm>
-          <a:prstGeom prst="rect">
-            <a:avLst/>
-          </a:prstGeom>
-          <a:noFill/>
-        </p:spPr>
-        <p:txBody>
-          <a:bodyPr wrap="square">
-            <a:spAutoFit/>
-          </a:bodyPr>
-          <a:lstStyle/>
-          <a:p>
-            <a:pPr algn="ctr"/>
-            <a:r>
-              <a:rPr lang="de-DE" sz="8800" b="1" noProof="0" dirty="0">
-                <a:solidFill>
-                  <a:srgbClr val="A2232C"/>
-                </a:solidFill>
-                <a:latin typeface="Aptos" panose="020B0004020202020204" pitchFamily="34" charset="0"/>
-                <a:ea typeface="Calibri" panose="020F0502020204030204" pitchFamily="34" charset="0"/>
-                <a:cs typeface="Times New Roman" panose="02020603050405020304" pitchFamily="18" charset="0"/>
-              </a:rPr>
-              <a:t>Wandel der Worte</a:t>
-            </a:r>
-          </a:p>
-        </p:txBody>
-      </p:sp>
-      <p:sp>
-        <p:nvSpPr>
-          <p:cNvPr id="114" name="Textfeld 113">
-            <a:extLst>
-              <a:ext uri="{FF2B5EF4-FFF2-40B4-BE49-F238E27FC236}">
-                <a16:creationId xmlns:a16="http://schemas.microsoft.com/office/drawing/2014/main" id="{B256FA40-B074-F25E-DD0F-419DB6703BAD}"/>
-              </a:ext>
-            </a:extLst>
-          </p:cNvPr>
-          <p:cNvSpPr txBox="1"/>
-          <p:nvPr/>
-        </p:nvSpPr>
-        <p:spPr>
-          <a:xfrm>
-            <a:off x="1102175" y="4229132"/>
-            <a:ext cx="13477050" cy="1015663"/>
-          </a:xfrm>
-          <a:prstGeom prst="rect">
-            <a:avLst/>
-          </a:prstGeom>
-          <a:noFill/>
-        </p:spPr>
-        <p:txBody>
-          <a:bodyPr wrap="square">
-            <a:spAutoFit/>
-          </a:bodyPr>
-          <a:lstStyle/>
-          <a:p>
-            <a:pPr algn="ctr"/>
-            <a:r>
-              <a:rPr lang="de-DE" sz="6000" b="1" noProof="0" dirty="0">
-                <a:solidFill>
-                  <a:schemeClr val="bg1">
-                    <a:lumMod val="50000"/>
-                  </a:schemeClr>
-                </a:solidFill>
-                <a:latin typeface="Aptos" panose="020B0004020202020204" pitchFamily="34" charset="0"/>
-                <a:ea typeface="Calibri" panose="020F0502020204030204" pitchFamily="34" charset="0"/>
-                <a:cs typeface="Times New Roman" panose="02020603050405020304" pitchFamily="18" charset="0"/>
-              </a:rPr>
-              <a:t>Levi Blumenwitz</a:t>
-            </a:r>
-          </a:p>
-        </p:txBody>
-      </p:sp>
-      <p:sp>
-        <p:nvSpPr>
-          <p:cNvPr id="115" name="Rechteck 114">
-            <a:extLst>
-              <a:ext uri="{FF2B5EF4-FFF2-40B4-BE49-F238E27FC236}">
-                <a16:creationId xmlns:a16="http://schemas.microsoft.com/office/drawing/2014/main" id="{FAF51D58-586A-56DA-05B1-9F786FA3B248}"/>
-              </a:ext>
-            </a:extLst>
-          </p:cNvPr>
-          <p:cNvSpPr/>
-          <p:nvPr/>
-        </p:nvSpPr>
-        <p:spPr>
-          <a:xfrm>
-            <a:off x="-14861" y="29380671"/>
-            <a:ext cx="21432579" cy="894542"/>
-          </a:xfrm>
-          <a:prstGeom prst="rect">
-            <a:avLst/>
-          </a:prstGeom>
-          <a:solidFill>
-            <a:srgbClr val="D7D7D7"/>
-          </a:solidFill>
-          <a:ln>
-            <a:noFill/>
-          </a:ln>
-        </p:spPr>
-        <p:style>
-          <a:lnRef idx="2">
-            <a:schemeClr val="accent1">
-              <a:shade val="50000"/>
-            </a:schemeClr>
-          </a:lnRef>
-          <a:fillRef idx="1">
-            <a:schemeClr val="accent1"/>
-          </a:fillRef>
-          <a:effectRef idx="0">
-            <a:schemeClr val="accent1"/>
-          </a:effectRef>
-          <a:fontRef idx="minor">
-            <a:schemeClr val="lt1"/>
-          </a:fontRef>
-        </p:style>
-        <p:txBody>
-          <a:bodyPr rtlCol="0" anchor="ctr"/>
-          <a:lstStyle/>
-          <a:p>
-            <a:pPr algn="ctr"/>
-            <a:r>
-              <a:rPr lang="de-DE" sz="4657" b="1" noProof="0" dirty="0">
-                <a:solidFill>
-                  <a:schemeClr val="bg1">
-                    <a:lumMod val="50000"/>
-                  </a:schemeClr>
-                </a:solidFill>
-                <a:latin typeface="Times New Roman" panose="02020603050405020304" pitchFamily="18" charset="0"/>
-                <a:ea typeface="Calibri" panose="020F0502020204030204" pitchFamily="34" charset="0"/>
-                <a:cs typeface="Times New Roman" panose="02020603050405020304" pitchFamily="18" charset="0"/>
-              </a:rPr>
-              <a:t>Arbeitswelt – Melanie Mestl – Schuljahr 24/25</a:t>
-            </a:r>
-          </a:p>
-        </p:txBody>
-      </p:sp>
-      <p:sp>
-        <p:nvSpPr>
-          <p:cNvPr id="116" name="Rechteck 115">
-            <a:extLst>
-              <a:ext uri="{FF2B5EF4-FFF2-40B4-BE49-F238E27FC236}">
-                <a16:creationId xmlns:a16="http://schemas.microsoft.com/office/drawing/2014/main" id="{1F3CD7FC-E9DE-42A3-93F8-2EB78DC88A56}"/>
-              </a:ext>
-            </a:extLst>
-          </p:cNvPr>
-          <p:cNvSpPr/>
-          <p:nvPr/>
-        </p:nvSpPr>
-        <p:spPr>
-          <a:xfrm>
-            <a:off x="57122" y="28935211"/>
-            <a:ext cx="21360597" cy="266288"/>
-          </a:xfrm>
-          <a:prstGeom prst="rect">
-            <a:avLst/>
-          </a:prstGeom>
-          <a:solidFill>
-            <a:srgbClr val="A2232C"/>
-          </a:solidFill>
-          <a:ln>
-            <a:noFill/>
-          </a:ln>
-        </p:spPr>
-        <p:style>
-          <a:lnRef idx="2">
-            <a:schemeClr val="accent1">
-              <a:shade val="50000"/>
-            </a:schemeClr>
-          </a:lnRef>
-          <a:fillRef idx="1">
-            <a:schemeClr val="accent1"/>
-          </a:fillRef>
-          <a:effectRef idx="0">
-            <a:schemeClr val="accent1"/>
-          </a:effectRef>
-          <a:fontRef idx="minor">
-            <a:schemeClr val="lt1"/>
-          </a:fontRef>
-        </p:style>
-        <p:txBody>
-          <a:bodyPr rtlCol="0" anchor="ctr"/>
-          <a:lstStyle/>
-          <a:p>
-            <a:pPr algn="ctr"/>
-            <a:endParaRPr lang="de-DE" sz="1600" noProof="0" dirty="0">
-              <a:latin typeface="Times New Roman" panose="02020603050405020304" pitchFamily="18" charset="0"/>
-              <a:cs typeface="Times New Roman" panose="02020603050405020304" pitchFamily="18" charset="0"/>
-            </a:endParaRPr>
-          </a:p>
-        </p:txBody>
-      </p:sp>
-      <p:sp>
-        <p:nvSpPr>
-          <p:cNvPr id="9" name="Rechteck 8">
-            <a:extLst>
-              <a:ext uri="{FF2B5EF4-FFF2-40B4-BE49-F238E27FC236}">
-                <a16:creationId xmlns:a16="http://schemas.microsoft.com/office/drawing/2014/main" id="{383F441A-CB98-E88A-1875-409841E3E7CF}"/>
-              </a:ext>
-            </a:extLst>
-          </p:cNvPr>
-          <p:cNvSpPr>
-            <a:spLocks/>
-          </p:cNvSpPr>
-          <p:nvPr/>
-        </p:nvSpPr>
-        <p:spPr>
-          <a:xfrm>
-            <a:off x="318463" y="9279390"/>
-            <a:ext cx="9261841" cy="5047065"/>
-          </a:xfrm>
-          <a:prstGeom prst="rect">
-            <a:avLst/>
-          </a:prstGeom>
-          <a:solidFill>
-            <a:schemeClr val="bg1"/>
-          </a:solidFill>
-          <a:ln>
-            <a:noFill/>
-          </a:ln>
-        </p:spPr>
-        <p:style>
-          <a:lnRef idx="2">
-            <a:schemeClr val="accent1">
-              <a:shade val="50000"/>
-            </a:schemeClr>
-          </a:lnRef>
-          <a:fillRef idx="1">
-            <a:schemeClr val="accent1"/>
-          </a:fillRef>
-          <a:effectRef idx="0">
-            <a:schemeClr val="accent1"/>
-          </a:effectRef>
-          <a:fontRef idx="minor">
-            <a:schemeClr val="lt1"/>
-          </a:fontRef>
-        </p:style>
-        <p:txBody>
-          <a:bodyPr rtlCol="0" anchor="ctr"/>
-          <a:lstStyle/>
-          <a:p>
-            <a:pPr algn="ctr"/>
-            <a:endParaRPr lang="de-DE" sz="440" noProof="0" dirty="0">
-              <a:latin typeface="Times New Roman" panose="02020603050405020304" pitchFamily="18" charset="0"/>
-              <a:cs typeface="Times New Roman" panose="02020603050405020304" pitchFamily="18" charset="0"/>
-            </a:endParaRPr>
-          </a:p>
-        </p:txBody>
-      </p:sp>
-      <p:sp>
-        <p:nvSpPr>
-          <p:cNvPr id="68" name="Rechteck 67">
-            <a:extLst>
-              <a:ext uri="{FF2B5EF4-FFF2-40B4-BE49-F238E27FC236}">
-                <a16:creationId xmlns:a16="http://schemas.microsoft.com/office/drawing/2014/main" id="{4E9DBE8E-DCDF-C68F-8812-175AE2201F4D}"/>
-              </a:ext>
-            </a:extLst>
-          </p:cNvPr>
-          <p:cNvSpPr>
-            <a:spLocks/>
-          </p:cNvSpPr>
-          <p:nvPr/>
-        </p:nvSpPr>
-        <p:spPr>
-          <a:xfrm>
-            <a:off x="319143" y="8791315"/>
-            <a:ext cx="9261841" cy="817695"/>
-          </a:xfrm>
-          <a:prstGeom prst="rect">
-            <a:avLst/>
-          </a:prstGeom>
-          <a:solidFill>
-            <a:srgbClr val="D7D7D7"/>
-          </a:solidFill>
-          <a:ln>
-            <a:noFill/>
-          </a:ln>
-        </p:spPr>
-        <p:style>
-          <a:lnRef idx="2">
-            <a:schemeClr val="accent1">
-              <a:shade val="50000"/>
-            </a:schemeClr>
-          </a:lnRef>
-          <a:fillRef idx="1">
-            <a:schemeClr val="accent1"/>
-          </a:fillRef>
-          <a:effectRef idx="0">
-            <a:schemeClr val="accent1"/>
-          </a:effectRef>
-          <a:fontRef idx="minor">
-            <a:schemeClr val="lt1"/>
-          </a:fontRef>
-        </p:style>
-        <p:txBody>
-          <a:bodyPr rtlCol="0" anchor="ctr"/>
-          <a:lstStyle/>
-          <a:p>
-            <a:r>
-              <a:rPr lang="de-DE" sz="4400" b="1" noProof="0" dirty="0">
-                <a:solidFill>
-                  <a:schemeClr val="tx1"/>
-                </a:solidFill>
-                <a:latin typeface="Aptos" panose="020B0004020202020204" pitchFamily="34" charset="0"/>
-                <a:cs typeface="Times New Roman" panose="02020603050405020304" pitchFamily="18" charset="0"/>
-              </a:rPr>
-              <a:t> Methodik 🛠️</a:t>
-            </a:r>
-          </a:p>
-        </p:txBody>
-      </p:sp>
-      <p:sp>
-        <p:nvSpPr>
-          <p:cNvPr id="1076" name="Rechteck 1075">
-            <a:extLst>
-              <a:ext uri="{FF2B5EF4-FFF2-40B4-BE49-F238E27FC236}">
-                <a16:creationId xmlns:a16="http://schemas.microsoft.com/office/drawing/2014/main" id="{02C9EF85-B5B8-7D2F-D14F-5A662D282B80}"/>
-              </a:ext>
-            </a:extLst>
-          </p:cNvPr>
-          <p:cNvSpPr>
-            <a:spLocks/>
-          </p:cNvSpPr>
-          <p:nvPr/>
-        </p:nvSpPr>
-        <p:spPr>
-          <a:xfrm>
-            <a:off x="319144" y="6303994"/>
-            <a:ext cx="9252933" cy="2250944"/>
-          </a:xfrm>
-          <a:prstGeom prst="rect">
-            <a:avLst/>
-          </a:prstGeom>
-          <a:solidFill>
-            <a:schemeClr val="bg1"/>
-          </a:solidFill>
-          <a:ln>
-            <a:noFill/>
-          </a:ln>
-        </p:spPr>
-        <p:style>
-          <a:lnRef idx="2">
-            <a:schemeClr val="accent1">
-              <a:shade val="50000"/>
-            </a:schemeClr>
-          </a:lnRef>
-          <a:fillRef idx="1">
-            <a:schemeClr val="accent1"/>
-          </a:fillRef>
-          <a:effectRef idx="0">
-            <a:schemeClr val="accent1"/>
-          </a:effectRef>
-          <a:fontRef idx="minor">
-            <a:schemeClr val="lt1"/>
-          </a:fontRef>
-        </p:style>
-        <p:txBody>
-          <a:bodyPr rtlCol="0" anchor="ctr"/>
-          <a:lstStyle/>
-          <a:p>
-            <a:pPr algn="ctr"/>
-            <a:endParaRPr lang="de-DE" sz="440" noProof="0" dirty="0">
-              <a:latin typeface="Times New Roman" panose="02020603050405020304" pitchFamily="18" charset="0"/>
-              <a:cs typeface="Times New Roman" panose="02020603050405020304" pitchFamily="18" charset="0"/>
-            </a:endParaRPr>
-          </a:p>
-        </p:txBody>
-      </p:sp>
-      <p:sp>
-        <p:nvSpPr>
-          <p:cNvPr id="1073" name="Rechteck 1072">
-            <a:extLst>
-              <a:ext uri="{FF2B5EF4-FFF2-40B4-BE49-F238E27FC236}">
-                <a16:creationId xmlns:a16="http://schemas.microsoft.com/office/drawing/2014/main" id="{149D3BFB-5F7D-6D3E-9526-19034D7AD8F4}"/>
-              </a:ext>
-            </a:extLst>
-          </p:cNvPr>
-          <p:cNvSpPr>
-            <a:spLocks/>
-          </p:cNvSpPr>
-          <p:nvPr/>
-        </p:nvSpPr>
-        <p:spPr>
-          <a:xfrm>
-            <a:off x="319145" y="5531561"/>
-            <a:ext cx="9261160" cy="786948"/>
-          </a:xfrm>
-          <a:prstGeom prst="rect">
-            <a:avLst/>
-          </a:prstGeom>
-          <a:solidFill>
-            <a:srgbClr val="D7D7D7"/>
-          </a:solidFill>
-          <a:ln>
-            <a:noFill/>
-          </a:ln>
-        </p:spPr>
-        <p:style>
-          <a:lnRef idx="2">
-            <a:schemeClr val="accent1">
-              <a:shade val="50000"/>
-            </a:schemeClr>
-          </a:lnRef>
-          <a:fillRef idx="1">
-            <a:schemeClr val="accent1"/>
-          </a:fillRef>
-          <a:effectRef idx="0">
-            <a:schemeClr val="accent1"/>
-          </a:effectRef>
-          <a:fontRef idx="minor">
-            <a:schemeClr val="lt1"/>
-          </a:fontRef>
-        </p:style>
-        <p:txBody>
-          <a:bodyPr rtlCol="0" anchor="t"/>
-          <a:lstStyle/>
-          <a:p>
-            <a:r>
-              <a:rPr lang="de-DE" sz="4400" b="1" noProof="0" dirty="0">
-                <a:solidFill>
-                  <a:schemeClr val="tx1"/>
-                </a:solidFill>
-                <a:latin typeface="Aptos" panose="020B0004020202020204" pitchFamily="34" charset="0"/>
-                <a:cs typeface="Times New Roman" panose="02020603050405020304" pitchFamily="18" charset="0"/>
-              </a:rPr>
-              <a:t> Fragestellung❓</a:t>
-            </a:r>
-            <a:endParaRPr lang="de-DE" sz="4400" noProof="0" dirty="0">
-              <a:latin typeface="Aptos" panose="020B0004020202020204" pitchFamily="34" charset="0"/>
-              <a:cs typeface="Times New Roman" panose="02020603050405020304" pitchFamily="18" charset="0"/>
-            </a:endParaRPr>
-          </a:p>
-          <a:p>
-            <a:endParaRPr lang="de-DE" sz="4400" b="1" noProof="0" dirty="0">
-              <a:solidFill>
-                <a:schemeClr val="tx1"/>
-              </a:solidFill>
-              <a:latin typeface="Aptos" panose="020B0004020202020204" pitchFamily="34" charset="0"/>
-              <a:cs typeface="Times New Roman" panose="02020603050405020304" pitchFamily="18" charset="0"/>
-            </a:endParaRPr>
-          </a:p>
-        </p:txBody>
-      </p:sp>
-      <p:pic>
-        <p:nvPicPr>
-          <p:cNvPr id="1032" name="Grafik 1031" descr="Ein Bild, das Kunst enthält.&#10;&#10;Automatisch generierte Beschreibung mit geringer Zuverlässigkeit">
-            <a:extLst>
-              <a:ext uri="{FF2B5EF4-FFF2-40B4-BE49-F238E27FC236}">
-                <a16:creationId xmlns:a16="http://schemas.microsoft.com/office/drawing/2014/main" id="{60C4F77C-1319-EA6F-3C00-6C1B5608811F}"/>
-              </a:ext>
-            </a:extLst>
-          </p:cNvPr>
-          <p:cNvPicPr>
-            <a:picLocks noChangeAspect="1"/>
-          </p:cNvPicPr>
-          <p:nvPr/>
-        </p:nvPicPr>
-        <p:blipFill>
-          <a:blip r:embed="rId3" cstate="print">
-            <a:extLst>
-              <a:ext uri="{28A0092B-C50C-407E-A947-70E740481C1C}">
-                <a14:useLocalDpi xmlns:a14="http://schemas.microsoft.com/office/drawing/2010/main" val="0"/>
-              </a:ext>
-            </a:extLst>
-          </a:blip>
-          <a:stretch>
-            <a:fillRect/>
-          </a:stretch>
-        </p:blipFill>
-        <p:spPr>
-          <a:xfrm>
-            <a:off x="318463" y="187480"/>
-            <a:ext cx="1440000" cy="1440000"/>
-          </a:xfrm>
-          <a:prstGeom prst="rect">
-            <a:avLst/>
-          </a:prstGeom>
-        </p:spPr>
-      </p:pic>
-      <p:pic>
-        <p:nvPicPr>
-          <p:cNvPr id="1036" name="Grafik 1035" descr="Ein Bild, das Text, Schrift, Grafiken, Grafikdesign enthält.&#10;&#10;Automatisch generierte Beschreibung">
-            <a:extLst>
-              <a:ext uri="{FF2B5EF4-FFF2-40B4-BE49-F238E27FC236}">
-                <a16:creationId xmlns:a16="http://schemas.microsoft.com/office/drawing/2014/main" id="{1523185B-4D98-CC35-54B2-9663FA36C5A4}"/>
-              </a:ext>
-            </a:extLst>
-          </p:cNvPr>
-          <p:cNvPicPr>
-            <a:picLocks noChangeAspect="1"/>
-          </p:cNvPicPr>
-          <p:nvPr/>
-        </p:nvPicPr>
-        <p:blipFill>
-          <a:blip r:embed="rId4">
-            <a:clrChange>
-              <a:clrFrom>
-                <a:srgbClr val="EFEFEF"/>
-              </a:clrFrom>
-              <a:clrTo>
-                <a:srgbClr val="EFEFEF">
-                  <a:alpha val="0"/>
-                </a:srgbClr>
-              </a:clrTo>
-            </a:clrChange>
-            <a:extLst>
-              <a:ext uri="{28A0092B-C50C-407E-A947-70E740481C1C}">
-                <a14:useLocalDpi xmlns:a14="http://schemas.microsoft.com/office/drawing/2010/main" val="0"/>
-              </a:ext>
-            </a:extLst>
-          </a:blip>
-          <a:stretch>
-            <a:fillRect/>
-          </a:stretch>
-        </p:blipFill>
-        <p:spPr>
-          <a:xfrm>
-            <a:off x="1743578" y="238429"/>
-            <a:ext cx="3205044" cy="1327242"/>
-          </a:xfrm>
-          <a:prstGeom prst="rect">
-            <a:avLst/>
-          </a:prstGeom>
-        </p:spPr>
-      </p:pic>
-      <p:sp>
-        <p:nvSpPr>
-          <p:cNvPr id="30" name="Textfeld 29">
-            <a:extLst>
-              <a:ext uri="{FF2B5EF4-FFF2-40B4-BE49-F238E27FC236}">
-                <a16:creationId xmlns:a16="http://schemas.microsoft.com/office/drawing/2014/main" id="{6261F97A-E750-D427-2B13-CD1ECA5B941F}"/>
-              </a:ext>
-            </a:extLst>
-          </p:cNvPr>
-          <p:cNvSpPr txBox="1"/>
-          <p:nvPr/>
-        </p:nvSpPr>
-        <p:spPr>
-          <a:xfrm>
-            <a:off x="1102175" y="3478814"/>
-            <a:ext cx="14296174" cy="707886"/>
-          </a:xfrm>
-          <a:prstGeom prst="rect">
-            <a:avLst/>
-          </a:prstGeom>
-          <a:noFill/>
-        </p:spPr>
-        <p:txBody>
-          <a:bodyPr wrap="square">
-            <a:spAutoFit/>
-          </a:bodyPr>
-          <a:lstStyle/>
-          <a:p>
-            <a:pPr algn="ctr"/>
-            <a:r>
-              <a:rPr lang="de-DE" sz="4000" b="1" noProof="0" dirty="0">
-                <a:solidFill>
-                  <a:srgbClr val="A2232C"/>
-                </a:solidFill>
-                <a:latin typeface="Aptos" panose="020B0004020202020204" pitchFamily="34" charset="0"/>
-                <a:ea typeface="Calibri" panose="020F0502020204030204" pitchFamily="34" charset="0"/>
-                <a:cs typeface="Times New Roman" panose="02020603050405020304" pitchFamily="18" charset="0"/>
-              </a:rPr>
-              <a:t>Langzeitdatenanalyse journalistischer Perspektiven</a:t>
-            </a:r>
-          </a:p>
-        </p:txBody>
-      </p:sp>
-      <p:pic>
-        <p:nvPicPr>
-          <p:cNvPr id="10" name="Grafik 9">
-            <a:extLst>
-              <a:ext uri="{FF2B5EF4-FFF2-40B4-BE49-F238E27FC236}">
-                <a16:creationId xmlns:a16="http://schemas.microsoft.com/office/drawing/2014/main" id="{1BD9AA54-AFB0-09C2-853A-42B0B1D13FE1}"/>
-              </a:ext>
-            </a:extLst>
-          </p:cNvPr>
-          <p:cNvPicPr>
-            <a:picLocks noChangeAspect="1"/>
-          </p:cNvPicPr>
-          <p:nvPr/>
-        </p:nvPicPr>
-        <p:blipFill rotWithShape="1">
-          <a:blip r:embed="rId5" cstate="print">
-            <a:extLst>
-              <a:ext uri="{28A0092B-C50C-407E-A947-70E740481C1C}">
-                <a14:useLocalDpi xmlns:a14="http://schemas.microsoft.com/office/drawing/2010/main" val="0"/>
-              </a:ext>
-            </a:extLst>
-          </a:blip>
-          <a:srcRect b="48254"/>
-          <a:stretch/>
-        </p:blipFill>
-        <p:spPr>
-          <a:xfrm>
-            <a:off x="13506035" y="-119571"/>
-            <a:ext cx="8135123" cy="1666962"/>
-          </a:xfrm>
-          <a:prstGeom prst="rect">
-            <a:avLst/>
-          </a:prstGeom>
-        </p:spPr>
-      </p:pic>
-      <p:sp>
-        <p:nvSpPr>
-          <p:cNvPr id="33" name="Rechteck 32">
-            <a:extLst>
-              <a:ext uri="{FF2B5EF4-FFF2-40B4-BE49-F238E27FC236}">
-                <a16:creationId xmlns:a16="http://schemas.microsoft.com/office/drawing/2014/main" id="{B3763A70-942A-CD5A-82C7-C9294D8F6F3A}"/>
-              </a:ext>
-            </a:extLst>
-          </p:cNvPr>
-          <p:cNvSpPr>
-            <a:spLocks/>
-          </p:cNvSpPr>
-          <p:nvPr/>
-        </p:nvSpPr>
-        <p:spPr>
-          <a:xfrm>
-            <a:off x="9891220" y="5519326"/>
-            <a:ext cx="11224555" cy="786948"/>
-          </a:xfrm>
-          <a:prstGeom prst="rect">
-            <a:avLst/>
-          </a:prstGeom>
-          <a:solidFill>
-            <a:srgbClr val="D7D7D7"/>
-          </a:solidFill>
-          <a:ln>
-            <a:noFill/>
-          </a:ln>
-        </p:spPr>
-        <p:style>
-          <a:lnRef idx="2">
-            <a:schemeClr val="accent1">
-              <a:shade val="50000"/>
-            </a:schemeClr>
-          </a:lnRef>
-          <a:fillRef idx="1">
-            <a:schemeClr val="accent1"/>
-          </a:fillRef>
-          <a:effectRef idx="0">
-            <a:schemeClr val="accent1"/>
-          </a:effectRef>
-          <a:fontRef idx="minor">
-            <a:schemeClr val="lt1"/>
-          </a:fontRef>
-        </p:style>
-        <p:txBody>
-          <a:bodyPr rtlCol="0" anchor="t"/>
-          <a:lstStyle/>
-          <a:p>
-            <a:r>
-              <a:rPr lang="de-DE" sz="4400" b="1" noProof="0" dirty="0">
-                <a:solidFill>
-                  <a:schemeClr val="tx1"/>
-                </a:solidFill>
-                <a:latin typeface="Aptos" panose="020B0004020202020204" pitchFamily="34" charset="0"/>
-                <a:cs typeface="Times New Roman" panose="02020603050405020304" pitchFamily="18" charset="0"/>
-              </a:rPr>
-              <a:t> Ziel</a:t>
-            </a:r>
-            <a:r>
-              <a:rPr lang="de-DE" sz="4400" noProof="0" dirty="0">
-                <a:latin typeface="Aptos" panose="020B0004020202020204" pitchFamily="34" charset="0"/>
-                <a:cs typeface="Times New Roman" panose="02020603050405020304" pitchFamily="18" charset="0"/>
-              </a:rPr>
-              <a:t>🎯 </a:t>
-            </a:r>
-          </a:p>
-          <a:p>
-            <a:endParaRPr lang="de-DE" sz="4400" b="1" noProof="0" dirty="0">
-              <a:solidFill>
-                <a:schemeClr val="tx1"/>
-              </a:solidFill>
-              <a:latin typeface="Aptos" panose="020B0004020202020204" pitchFamily="34" charset="0"/>
-              <a:cs typeface="Times New Roman" panose="02020603050405020304" pitchFamily="18" charset="0"/>
-            </a:endParaRPr>
-          </a:p>
-        </p:txBody>
-      </p:sp>
-      <p:sp>
-        <p:nvSpPr>
-          <p:cNvPr id="34" name="Rechteck 33">
-            <a:extLst>
-              <a:ext uri="{FF2B5EF4-FFF2-40B4-BE49-F238E27FC236}">
-                <a16:creationId xmlns:a16="http://schemas.microsoft.com/office/drawing/2014/main" id="{B8D8598F-80F2-7D1F-387F-564585A69895}"/>
-              </a:ext>
-            </a:extLst>
-          </p:cNvPr>
-          <p:cNvSpPr>
-            <a:spLocks/>
-          </p:cNvSpPr>
-          <p:nvPr/>
-        </p:nvSpPr>
-        <p:spPr>
-          <a:xfrm>
-            <a:off x="9891219" y="6268844"/>
-            <a:ext cx="11224555" cy="8039972"/>
-          </a:xfrm>
-          <a:prstGeom prst="rect">
-            <a:avLst/>
-          </a:prstGeom>
-          <a:solidFill>
-            <a:schemeClr val="bg1"/>
-          </a:solidFill>
-          <a:ln>
-            <a:noFill/>
-          </a:ln>
-        </p:spPr>
-        <p:style>
-          <a:lnRef idx="2">
-            <a:schemeClr val="accent1">
-              <a:shade val="50000"/>
-            </a:schemeClr>
-          </a:lnRef>
-          <a:fillRef idx="1">
-            <a:schemeClr val="accent1"/>
-          </a:fillRef>
-          <a:effectRef idx="0">
-            <a:schemeClr val="accent1"/>
-          </a:effectRef>
-          <a:fontRef idx="minor">
-            <a:schemeClr val="lt1"/>
-          </a:fontRef>
-        </p:style>
-        <p:txBody>
-          <a:bodyPr rtlCol="0" anchor="ctr"/>
-          <a:lstStyle/>
-          <a:p>
-            <a:pPr>
-              <a:buFont typeface="Arial" panose="020B0604020202020204" pitchFamily="34" charset="0"/>
-              <a:buChar char="•"/>
-            </a:pPr>
-            <a:endParaRPr lang="de-DE" sz="800" noProof="0" dirty="0">
-              <a:latin typeface="Times New Roman" panose="02020603050405020304" pitchFamily="18" charset="0"/>
-              <a:cs typeface="Times New Roman" panose="02020603050405020304" pitchFamily="18" charset="0"/>
-            </a:endParaRPr>
-          </a:p>
-        </p:txBody>
-      </p:sp>
-      <p:sp>
-        <p:nvSpPr>
-          <p:cNvPr id="12" name="Textfeld 11">
-            <a:extLst>
-              <a:ext uri="{FF2B5EF4-FFF2-40B4-BE49-F238E27FC236}">
-                <a16:creationId xmlns:a16="http://schemas.microsoft.com/office/drawing/2014/main" id="{7E2BEB96-9906-FB21-83D5-7DCD0101AAFE}"/>
-              </a:ext>
-            </a:extLst>
-          </p:cNvPr>
-          <p:cNvSpPr txBox="1"/>
-          <p:nvPr/>
-        </p:nvSpPr>
-        <p:spPr>
-          <a:xfrm>
-            <a:off x="419187" y="6482422"/>
-            <a:ext cx="9227209" cy="1754326"/>
-          </a:xfrm>
-          <a:prstGeom prst="rect">
-            <a:avLst/>
-          </a:prstGeom>
-          <a:noFill/>
-        </p:spPr>
-        <p:txBody>
-          <a:bodyPr wrap="square" rtlCol="0">
-            <a:spAutoFit/>
-          </a:bodyPr>
-          <a:lstStyle/>
-          <a:p>
-            <a:r>
-              <a:rPr lang="de-DE" sz="3600" noProof="0" dirty="0">
-                <a:latin typeface="Aptos" panose="020B0004020202020204" pitchFamily="34" charset="0"/>
-                <a:cs typeface="Times New Roman" panose="02020603050405020304" pitchFamily="18" charset="0"/>
-              </a:rPr>
-              <a:t>📰 Veränderung der Medien über die Zeit ?</a:t>
-            </a:r>
-          </a:p>
-          <a:p>
-            <a:r>
-              <a:rPr lang="de-DE" sz="3600" noProof="0" dirty="0">
-                <a:latin typeface="Aptos" panose="020B0004020202020204" pitchFamily="34" charset="0"/>
-                <a:cs typeface="Times New Roman" panose="02020603050405020304" pitchFamily="18" charset="0"/>
-              </a:rPr>
-              <a:t>⚖️ </a:t>
-            </a:r>
-            <a:r>
-              <a:rPr lang="de-DE" sz="3600" dirty="0">
-                <a:latin typeface="Aptos" panose="020B0004020202020204" pitchFamily="34" charset="0"/>
-                <a:cs typeface="Times New Roman" panose="02020603050405020304" pitchFamily="18" charset="0"/>
-              </a:rPr>
-              <a:t>Verstärkte</a:t>
-            </a:r>
-            <a:r>
-              <a:rPr lang="de-DE" sz="3600" noProof="0" dirty="0">
-                <a:latin typeface="Aptos" panose="020B0004020202020204" pitchFamily="34" charset="0"/>
-                <a:cs typeface="Times New Roman" panose="02020603050405020304" pitchFamily="18" charset="0"/>
-              </a:rPr>
-              <a:t> Subjektivität im Journalismus ?</a:t>
-            </a:r>
-          </a:p>
-          <a:p>
-            <a:r>
-              <a:rPr lang="de-DE" sz="3600" noProof="0" dirty="0">
-                <a:latin typeface="Aptos" panose="020B0004020202020204" pitchFamily="34" charset="0"/>
-                <a:cs typeface="Times New Roman" panose="02020603050405020304" pitchFamily="18" charset="0"/>
-              </a:rPr>
-              <a:t>📈 Trends in der Artikelanzahl/-länge ?</a:t>
-            </a:r>
-          </a:p>
-        </p:txBody>
-      </p:sp>
-      <p:sp>
-        <p:nvSpPr>
-          <p:cNvPr id="13" name="Textfeld 12">
-            <a:extLst>
-              <a:ext uri="{FF2B5EF4-FFF2-40B4-BE49-F238E27FC236}">
-                <a16:creationId xmlns:a16="http://schemas.microsoft.com/office/drawing/2014/main" id="{4707A25A-D391-E3B6-383D-09F0EC21E924}"/>
-              </a:ext>
-            </a:extLst>
-          </p:cNvPr>
-          <p:cNvSpPr txBox="1"/>
-          <p:nvPr/>
-        </p:nvSpPr>
-        <p:spPr>
-          <a:xfrm>
-            <a:off x="9983546" y="6439282"/>
-            <a:ext cx="11092857" cy="7848302"/>
-          </a:xfrm>
-          <a:prstGeom prst="rect">
-            <a:avLst/>
-          </a:prstGeom>
-          <a:noFill/>
-        </p:spPr>
-        <p:txBody>
-          <a:bodyPr wrap="square" rtlCol="0">
-            <a:spAutoFit/>
-          </a:bodyPr>
-          <a:lstStyle/>
-          <a:p>
-            <a:r>
-              <a:rPr lang="de-DE" sz="3600" noProof="0" dirty="0">
-                <a:latin typeface="Aptos" panose="020B0004020202020204" pitchFamily="34" charset="0"/>
-                <a:cs typeface="Times New Roman" panose="02020603050405020304" pitchFamily="18" charset="0"/>
-              </a:rPr>
-              <a:t>🔍 Analyse von „</a:t>
-            </a:r>
-            <a:r>
-              <a:rPr lang="de-DE" sz="3600" b="1" noProof="0" dirty="0">
-                <a:latin typeface="Aptos" panose="020B0004020202020204" pitchFamily="34" charset="0"/>
-                <a:cs typeface="Times New Roman" panose="02020603050405020304" pitchFamily="18" charset="0"/>
-              </a:rPr>
-              <a:t>The New York Times</a:t>
-            </a:r>
-            <a:r>
-              <a:rPr lang="de-DE" sz="3600" noProof="0" dirty="0">
-                <a:latin typeface="Aptos" panose="020B0004020202020204" pitchFamily="34" charset="0"/>
-                <a:cs typeface="Times New Roman" panose="02020603050405020304" pitchFamily="18" charset="0"/>
-              </a:rPr>
-              <a:t>” und</a:t>
-            </a:r>
-          </a:p>
-          <a:p>
-            <a:r>
-              <a:rPr lang="de-DE" sz="3600" dirty="0">
-                <a:latin typeface="Aptos" panose="020B0004020202020204" pitchFamily="34" charset="0"/>
-                <a:cs typeface="Times New Roman" panose="02020603050405020304" pitchFamily="18" charset="0"/>
-              </a:rPr>
-              <a:t>      </a:t>
-            </a:r>
-            <a:r>
-              <a:rPr lang="de-DE" sz="3600" noProof="0" dirty="0">
-                <a:latin typeface="Aptos" panose="020B0004020202020204" pitchFamily="34" charset="0"/>
-                <a:cs typeface="Times New Roman" panose="02020603050405020304" pitchFamily="18" charset="0"/>
-              </a:rPr>
-              <a:t> „</a:t>
-            </a:r>
-            <a:r>
-              <a:rPr lang="de-DE" sz="3600" b="1" noProof="0" dirty="0">
-                <a:latin typeface="Aptos" panose="020B0004020202020204" pitchFamily="34" charset="0"/>
-                <a:cs typeface="Times New Roman" panose="02020603050405020304" pitchFamily="18" charset="0"/>
-              </a:rPr>
-              <a:t>The Guardian</a:t>
-            </a:r>
-            <a:r>
-              <a:rPr lang="de-DE" sz="3600" noProof="0" dirty="0">
-                <a:latin typeface="Aptos" panose="020B0004020202020204" pitchFamily="34" charset="0"/>
-                <a:cs typeface="Times New Roman" panose="02020603050405020304" pitchFamily="18" charset="0"/>
-              </a:rPr>
-              <a:t>“</a:t>
-            </a:r>
-          </a:p>
-          <a:p>
-            <a:r>
-              <a:rPr lang="de-DE" sz="3600" noProof="0" dirty="0">
-                <a:latin typeface="Aptos" panose="020B0004020202020204" pitchFamily="34" charset="0"/>
-                <a:cs typeface="Times New Roman" panose="02020603050405020304" pitchFamily="18" charset="0"/>
-              </a:rPr>
-              <a:t>📢 </a:t>
-            </a:r>
-            <a:r>
-              <a:rPr lang="de-DE" sz="3600" b="1" noProof="0" dirty="0">
-                <a:latin typeface="Aptos" panose="020B0004020202020204" pitchFamily="34" charset="0"/>
-                <a:cs typeface="Times New Roman" panose="02020603050405020304" pitchFamily="18" charset="0"/>
-              </a:rPr>
-              <a:t>Vergleich</a:t>
-            </a:r>
-            <a:r>
-              <a:rPr lang="de-DE" sz="3600" noProof="0" dirty="0">
-                <a:latin typeface="Aptos" panose="020B0004020202020204" pitchFamily="34" charset="0"/>
-                <a:cs typeface="Times New Roman" panose="02020603050405020304" pitchFamily="18" charset="0"/>
-              </a:rPr>
-              <a:t> einer amerikanischen und einer</a:t>
-            </a:r>
-          </a:p>
-          <a:p>
-            <a:r>
-              <a:rPr lang="de-DE" sz="3600" dirty="0">
-                <a:latin typeface="Aptos" panose="020B0004020202020204" pitchFamily="34" charset="0"/>
-                <a:cs typeface="Times New Roman" panose="02020603050405020304" pitchFamily="18" charset="0"/>
-              </a:rPr>
-              <a:t>       </a:t>
-            </a:r>
-            <a:r>
-              <a:rPr lang="de-DE" sz="3600" noProof="0" dirty="0">
-                <a:latin typeface="Aptos" panose="020B0004020202020204" pitchFamily="34" charset="0"/>
-                <a:cs typeface="Times New Roman" panose="02020603050405020304" pitchFamily="18" charset="0"/>
-              </a:rPr>
-              <a:t> britischen Zeitung  in den Rubriken „World“, </a:t>
-            </a:r>
-          </a:p>
-          <a:p>
-            <a:r>
-              <a:rPr lang="de-DE" sz="3600" dirty="0">
-                <a:latin typeface="Aptos" panose="020B0004020202020204" pitchFamily="34" charset="0"/>
-                <a:cs typeface="Times New Roman" panose="02020603050405020304" pitchFamily="18" charset="0"/>
-              </a:rPr>
-              <a:t> </a:t>
-            </a:r>
-            <a:r>
-              <a:rPr lang="de-DE" sz="3600" noProof="0" dirty="0">
-                <a:latin typeface="Aptos" panose="020B0004020202020204" pitchFamily="34" charset="0"/>
-                <a:cs typeface="Times New Roman" panose="02020603050405020304" pitchFamily="18" charset="0"/>
-              </a:rPr>
-              <a:t>      „Opinion“ und „Politics“</a:t>
-            </a:r>
-          </a:p>
-          <a:p>
-            <a:r>
-              <a:rPr lang="de-DE" sz="3600" dirty="0">
-                <a:latin typeface="Aptos" panose="020B0004020202020204" pitchFamily="34" charset="0"/>
-                <a:cs typeface="Times New Roman" panose="02020603050405020304" pitchFamily="18" charset="0"/>
-              </a:rPr>
-              <a:t>📅 Langzeitdatenanalyse </a:t>
-            </a:r>
-            <a:r>
-              <a:rPr lang="de-DE" sz="3600" noProof="0" dirty="0">
-                <a:latin typeface="Aptos" panose="020B0004020202020204" pitchFamily="34" charset="0"/>
-                <a:cs typeface="Times New Roman" panose="02020603050405020304" pitchFamily="18" charset="0"/>
-              </a:rPr>
-              <a:t>von 120.000 Artikeln</a:t>
-            </a:r>
-          </a:p>
-          <a:p>
-            <a:r>
-              <a:rPr lang="de-DE" sz="3600" dirty="0">
-                <a:latin typeface="Aptos" panose="020B0004020202020204" pitchFamily="34" charset="0"/>
-                <a:cs typeface="Times New Roman" panose="02020603050405020304" pitchFamily="18" charset="0"/>
-              </a:rPr>
-              <a:t>      </a:t>
-            </a:r>
-            <a:r>
-              <a:rPr lang="de-DE" sz="3600" noProof="0" dirty="0">
-                <a:latin typeface="Aptos" panose="020B0004020202020204" pitchFamily="34" charset="0"/>
-                <a:cs typeface="Times New Roman" panose="02020603050405020304" pitchFamily="18" charset="0"/>
-              </a:rPr>
-              <a:t>  zwischen 2010 – 2011 und 2020 – 2021</a:t>
-            </a:r>
-          </a:p>
-          <a:p>
-            <a:r>
-              <a:rPr lang="de-DE" sz="3600" noProof="0" dirty="0">
-                <a:latin typeface="Aptos" panose="020B0004020202020204" pitchFamily="34" charset="0"/>
-                <a:cs typeface="Times New Roman" panose="02020603050405020304" pitchFamily="18" charset="0"/>
-              </a:rPr>
-              <a:t>🔎 Identifikation von </a:t>
-            </a:r>
-            <a:r>
-              <a:rPr lang="de-DE" sz="3600" b="1" noProof="0" dirty="0">
-                <a:latin typeface="Aptos" panose="020B0004020202020204" pitchFamily="34" charset="0"/>
-                <a:cs typeface="Times New Roman" panose="02020603050405020304" pitchFamily="18" charset="0"/>
-              </a:rPr>
-              <a:t>langfristigen Trends</a:t>
-            </a:r>
-            <a:r>
-              <a:rPr lang="de-DE" sz="3600" noProof="0" dirty="0">
-                <a:latin typeface="Aptos" panose="020B0004020202020204" pitchFamily="34" charset="0"/>
-                <a:cs typeface="Times New Roman" panose="02020603050405020304" pitchFamily="18" charset="0"/>
-              </a:rPr>
-              <a:t> im</a:t>
-            </a:r>
-          </a:p>
-          <a:p>
-            <a:r>
-              <a:rPr lang="de-DE" sz="3600" dirty="0">
-                <a:latin typeface="Aptos" panose="020B0004020202020204" pitchFamily="34" charset="0"/>
-                <a:cs typeface="Times New Roman" panose="02020603050405020304" pitchFamily="18" charset="0"/>
-              </a:rPr>
-              <a:t>      </a:t>
-            </a:r>
-            <a:r>
-              <a:rPr lang="de-DE" sz="3600" noProof="0" dirty="0">
-                <a:latin typeface="Aptos" panose="020B0004020202020204" pitchFamily="34" charset="0"/>
-                <a:cs typeface="Times New Roman" panose="02020603050405020304" pitchFamily="18" charset="0"/>
-              </a:rPr>
-              <a:t> Journalismus</a:t>
-            </a:r>
-          </a:p>
-          <a:p>
-            <a:r>
-              <a:rPr lang="de-DE" sz="3600" noProof="0" dirty="0">
-                <a:latin typeface="Aptos" panose="020B0004020202020204" pitchFamily="34" charset="0"/>
-                <a:cs typeface="Times New Roman" panose="02020603050405020304" pitchFamily="18" charset="0"/>
-              </a:rPr>
-              <a:t>📊 Untersuchung von </a:t>
-            </a:r>
-            <a:r>
-              <a:rPr lang="de-DE" sz="3600" b="1" noProof="0" dirty="0">
-                <a:latin typeface="Aptos" panose="020B0004020202020204" pitchFamily="34" charset="0"/>
-                <a:cs typeface="Times New Roman" panose="02020603050405020304" pitchFamily="18" charset="0"/>
-              </a:rPr>
-              <a:t>Subjektivität</a:t>
-            </a:r>
-            <a:r>
-              <a:rPr lang="de-DE" sz="3600" noProof="0" dirty="0">
-                <a:latin typeface="Aptos" panose="020B0004020202020204" pitchFamily="34" charset="0"/>
-                <a:cs typeface="Times New Roman" panose="02020603050405020304" pitchFamily="18" charset="0"/>
-              </a:rPr>
-              <a:t>, </a:t>
-            </a:r>
-            <a:r>
-              <a:rPr lang="de-DE" sz="3600" b="1" noProof="0" dirty="0">
-                <a:latin typeface="Aptos" panose="020B0004020202020204" pitchFamily="34" charset="0"/>
-                <a:cs typeface="Times New Roman" panose="02020603050405020304" pitchFamily="18" charset="0"/>
-              </a:rPr>
-              <a:t>Polarisierung</a:t>
-            </a:r>
-            <a:r>
-              <a:rPr lang="de-DE" sz="3600" noProof="0" dirty="0">
-                <a:latin typeface="Aptos" panose="020B0004020202020204" pitchFamily="34" charset="0"/>
-                <a:cs typeface="Times New Roman" panose="02020603050405020304" pitchFamily="18" charset="0"/>
-              </a:rPr>
-              <a:t>,</a:t>
-            </a:r>
-          </a:p>
-          <a:p>
-            <a:r>
-              <a:rPr lang="de-DE" sz="3600" dirty="0">
-                <a:latin typeface="Aptos" panose="020B0004020202020204" pitchFamily="34" charset="0"/>
-                <a:cs typeface="Times New Roman" panose="02020603050405020304" pitchFamily="18" charset="0"/>
-              </a:rPr>
-              <a:t>      </a:t>
-            </a:r>
-            <a:r>
-              <a:rPr lang="de-DE" sz="3600" noProof="0" dirty="0">
-                <a:latin typeface="Aptos" panose="020B0004020202020204" pitchFamily="34" charset="0"/>
-                <a:cs typeface="Times New Roman" panose="02020603050405020304" pitchFamily="18" charset="0"/>
-              </a:rPr>
-              <a:t> Anzahl und Länge der Artikel</a:t>
-            </a:r>
-          </a:p>
-          <a:p>
-            <a:r>
-              <a:rPr lang="de-DE" sz="3600" dirty="0">
-                <a:latin typeface="Aptos" panose="020B0004020202020204" pitchFamily="34" charset="0"/>
-                <a:cs typeface="Times New Roman" panose="02020603050405020304" pitchFamily="18" charset="0"/>
-              </a:rPr>
-              <a:t>💻 Entwicklung einer </a:t>
-            </a:r>
-            <a:r>
-              <a:rPr lang="de-DE" sz="3600" b="1" dirty="0">
-                <a:latin typeface="Aptos" panose="020B0004020202020204" pitchFamily="34" charset="0"/>
-                <a:cs typeface="Times New Roman" panose="02020603050405020304" pitchFamily="18" charset="0"/>
-              </a:rPr>
-              <a:t>interaktiven Webseite </a:t>
-            </a:r>
-            <a:r>
-              <a:rPr lang="de-DE" sz="3600" dirty="0">
-                <a:latin typeface="Aptos" panose="020B0004020202020204" pitchFamily="34" charset="0"/>
-                <a:cs typeface="Times New Roman" panose="02020603050405020304" pitchFamily="18" charset="0"/>
-              </a:rPr>
-              <a:t>zur</a:t>
-            </a:r>
-          </a:p>
-          <a:p>
-            <a:r>
-              <a:rPr lang="de-DE" sz="3600" dirty="0">
-                <a:latin typeface="Aptos" panose="020B0004020202020204" pitchFamily="34" charset="0"/>
-                <a:cs typeface="Times New Roman" panose="02020603050405020304" pitchFamily="18" charset="0"/>
-              </a:rPr>
-              <a:t>        konkreten Trendanalyse von Zeitungen</a:t>
-            </a:r>
-          </a:p>
-          <a:p>
-            <a:r>
-              <a:rPr lang="de-DE" sz="3600" noProof="0" dirty="0">
-                <a:latin typeface="Aptos" panose="020B0004020202020204" pitchFamily="34" charset="0"/>
-                <a:cs typeface="Times New Roman" panose="02020603050405020304" pitchFamily="18" charset="0"/>
-              </a:rPr>
-              <a:t>        (Filter für Jahre, Rubriken, Zeitungen)</a:t>
-            </a:r>
-          </a:p>
-        </p:txBody>
-      </p:sp>
-      <p:sp>
-        <p:nvSpPr>
-          <p:cNvPr id="15" name="Textfeld 14">
-            <a:extLst>
-              <a:ext uri="{FF2B5EF4-FFF2-40B4-BE49-F238E27FC236}">
-                <a16:creationId xmlns:a16="http://schemas.microsoft.com/office/drawing/2014/main" id="{BB58D0CC-F515-6F22-D6A1-1B1F3368C635}"/>
-              </a:ext>
-            </a:extLst>
-          </p:cNvPr>
-          <p:cNvSpPr txBox="1"/>
-          <p:nvPr/>
-        </p:nvSpPr>
-        <p:spPr>
-          <a:xfrm>
-            <a:off x="384554" y="9731739"/>
-            <a:ext cx="9261842" cy="4524315"/>
-          </a:xfrm>
-          <a:prstGeom prst="rect">
-            <a:avLst/>
-          </a:prstGeom>
-          <a:noFill/>
-        </p:spPr>
-        <p:txBody>
-          <a:bodyPr wrap="square" rtlCol="0">
-            <a:spAutoFit/>
-          </a:bodyPr>
-          <a:lstStyle/>
-          <a:p>
-            <a:r>
-              <a:rPr lang="de-DE" sz="3200" noProof="0" dirty="0">
-                <a:latin typeface="Aptos" panose="020B0004020202020204" pitchFamily="34" charset="0"/>
-                <a:cs typeface="Times New Roman" panose="02020603050405020304" pitchFamily="18" charset="0"/>
-              </a:rPr>
-              <a:t>💻 </a:t>
-            </a:r>
-            <a:r>
-              <a:rPr lang="de-DE" sz="3200" b="1" noProof="0" dirty="0">
-                <a:latin typeface="Aptos" panose="020B0004020202020204" pitchFamily="34" charset="0"/>
-                <a:cs typeface="Times New Roman" panose="02020603050405020304" pitchFamily="18" charset="0"/>
-              </a:rPr>
-              <a:t>Datenbeschaffung:</a:t>
-            </a:r>
-            <a:endParaRPr lang="de-DE" sz="3200" noProof="0" dirty="0">
-              <a:latin typeface="Aptos" panose="020B0004020202020204" pitchFamily="34" charset="0"/>
-              <a:cs typeface="Times New Roman" panose="02020603050405020304" pitchFamily="18" charset="0"/>
-            </a:endParaRPr>
-          </a:p>
-          <a:p>
-            <a:r>
-              <a:rPr lang="de-DE" sz="3200" noProof="0" dirty="0">
-                <a:latin typeface="Aptos" panose="020B0004020202020204" pitchFamily="34" charset="0"/>
-                <a:cs typeface="Times New Roman" panose="02020603050405020304" pitchFamily="18" charset="0"/>
-              </a:rPr>
-              <a:t>	🌐 Web Scraping mit </a:t>
-            </a:r>
-            <a:r>
-              <a:rPr lang="de-DE" sz="3200" b="1" noProof="0" dirty="0">
-                <a:latin typeface="Aptos" panose="020B0004020202020204" pitchFamily="34" charset="0"/>
-                <a:cs typeface="Times New Roman" panose="02020603050405020304" pitchFamily="18" charset="0"/>
-              </a:rPr>
-              <a:t>Python, Selenium,</a:t>
-            </a:r>
-          </a:p>
-          <a:p>
-            <a:r>
-              <a:rPr lang="de-DE" sz="3200" b="1" noProof="0" dirty="0">
-                <a:latin typeface="Aptos" panose="020B0004020202020204" pitchFamily="34" charset="0"/>
-                <a:cs typeface="Times New Roman" panose="02020603050405020304" pitchFamily="18" charset="0"/>
-              </a:rPr>
-              <a:t>            BeautifulSoup</a:t>
-            </a:r>
-            <a:endParaRPr lang="de-DE" sz="3200" noProof="0" dirty="0">
-              <a:latin typeface="Aptos" panose="020B0004020202020204" pitchFamily="34" charset="0"/>
-              <a:cs typeface="Times New Roman" panose="02020603050405020304" pitchFamily="18" charset="0"/>
-            </a:endParaRPr>
-          </a:p>
-          <a:p>
-            <a:r>
-              <a:rPr lang="de-DE" sz="3200" noProof="0" dirty="0">
-                <a:latin typeface="Aptos" panose="020B0004020202020204" pitchFamily="34" charset="0"/>
-                <a:cs typeface="Times New Roman" panose="02020603050405020304" pitchFamily="18" charset="0"/>
-              </a:rPr>
-              <a:t>	🔗 Nutzung der </a:t>
-            </a:r>
-            <a:r>
-              <a:rPr lang="de-DE" sz="3200" b="1" noProof="0" dirty="0">
-                <a:latin typeface="Aptos" panose="020B0004020202020204" pitchFamily="34" charset="0"/>
-                <a:cs typeface="Times New Roman" panose="02020603050405020304" pitchFamily="18" charset="0"/>
-              </a:rPr>
-              <a:t>APIs</a:t>
-            </a:r>
-            <a:r>
-              <a:rPr lang="de-DE" sz="3200" noProof="0" dirty="0">
-                <a:latin typeface="Aptos" panose="020B0004020202020204" pitchFamily="34" charset="0"/>
-                <a:cs typeface="Times New Roman" panose="02020603050405020304" pitchFamily="18" charset="0"/>
-              </a:rPr>
-              <a:t> beider Zeitungen</a:t>
-            </a:r>
-          </a:p>
-          <a:p>
-            <a:r>
-              <a:rPr lang="de-DE" sz="3200" noProof="0" dirty="0">
-                <a:latin typeface="Aptos" panose="020B0004020202020204" pitchFamily="34" charset="0"/>
-                <a:cs typeface="Times New Roman" panose="02020603050405020304" pitchFamily="18" charset="0"/>
-              </a:rPr>
-              <a:t>📊 </a:t>
-            </a:r>
-            <a:r>
-              <a:rPr lang="de-DE" sz="3200" b="1" noProof="0" dirty="0">
-                <a:latin typeface="Aptos" panose="020B0004020202020204" pitchFamily="34" charset="0"/>
-                <a:cs typeface="Times New Roman" panose="02020603050405020304" pitchFamily="18" charset="0"/>
-              </a:rPr>
-              <a:t>Analyse:</a:t>
-            </a:r>
-            <a:endParaRPr lang="de-DE" sz="3200" noProof="0" dirty="0">
-              <a:latin typeface="Aptos" panose="020B0004020202020204" pitchFamily="34" charset="0"/>
-              <a:cs typeface="Times New Roman" panose="02020603050405020304" pitchFamily="18" charset="0"/>
-            </a:endParaRPr>
-          </a:p>
-          <a:p>
-            <a:r>
-              <a:rPr lang="de-DE" sz="3200" noProof="0" dirty="0">
-                <a:latin typeface="Aptos" panose="020B0004020202020204" pitchFamily="34" charset="0"/>
-                <a:cs typeface="Times New Roman" panose="02020603050405020304" pitchFamily="18" charset="0"/>
-              </a:rPr>
-              <a:t>	🤖 Sentimentanalyse mit </a:t>
-            </a:r>
-            <a:r>
-              <a:rPr lang="de-DE" sz="3200" b="1" noProof="0" dirty="0">
-                <a:latin typeface="Aptos" panose="020B0004020202020204" pitchFamily="34" charset="0"/>
-                <a:cs typeface="Times New Roman" panose="02020603050405020304" pitchFamily="18" charset="0"/>
-              </a:rPr>
-              <a:t>TextBlob</a:t>
-            </a:r>
-            <a:endParaRPr lang="de-DE" sz="3200" noProof="0" dirty="0">
-              <a:latin typeface="Aptos" panose="020B0004020202020204" pitchFamily="34" charset="0"/>
-              <a:cs typeface="Times New Roman" panose="02020603050405020304" pitchFamily="18" charset="0"/>
-            </a:endParaRPr>
-          </a:p>
-          <a:p>
-            <a:r>
-              <a:rPr lang="de-DE" sz="3200" noProof="0" dirty="0">
-                <a:latin typeface="Aptos" panose="020B0004020202020204" pitchFamily="34" charset="0"/>
-                <a:cs typeface="Times New Roman" panose="02020603050405020304" pitchFamily="18" charset="0"/>
-              </a:rPr>
-              <a:t>	📉 Berechnung von </a:t>
-            </a:r>
-            <a:r>
-              <a:rPr lang="de-DE" sz="3200" b="1" noProof="0" dirty="0">
-                <a:latin typeface="Aptos" panose="020B0004020202020204" pitchFamily="34" charset="0"/>
-                <a:cs typeface="Times New Roman" panose="02020603050405020304" pitchFamily="18" charset="0"/>
-              </a:rPr>
-              <a:t>Subjektivität &amp; Polarisation</a:t>
-            </a:r>
-            <a:endParaRPr lang="de-DE" sz="3200" noProof="0" dirty="0">
-              <a:latin typeface="Aptos" panose="020B0004020202020204" pitchFamily="34" charset="0"/>
-              <a:cs typeface="Times New Roman" panose="02020603050405020304" pitchFamily="18" charset="0"/>
-            </a:endParaRPr>
-          </a:p>
-          <a:p>
-            <a:r>
-              <a:rPr lang="de-DE" sz="3200" noProof="0" dirty="0">
-                <a:latin typeface="Aptos" panose="020B0004020202020204" pitchFamily="34" charset="0"/>
-                <a:cs typeface="Times New Roman" panose="02020603050405020304" pitchFamily="18" charset="0"/>
-              </a:rPr>
-              <a:t>	💾Speicherung und Visualisierung mit </a:t>
-            </a:r>
-            <a:r>
-              <a:rPr lang="de-DE" sz="3200" b="1" noProof="0" dirty="0">
-                <a:latin typeface="Aptos" panose="020B0004020202020204" pitchFamily="34" charset="0"/>
-                <a:cs typeface="Times New Roman" panose="02020603050405020304" pitchFamily="18" charset="0"/>
-              </a:rPr>
-              <a:t>SQLite,</a:t>
-            </a:r>
-          </a:p>
-          <a:p>
-            <a:r>
-              <a:rPr lang="de-DE" sz="3200" b="1" noProof="0" dirty="0">
-                <a:latin typeface="Aptos" panose="020B0004020202020204" pitchFamily="34" charset="0"/>
-                <a:cs typeface="Times New Roman" panose="02020603050405020304" pitchFamily="18" charset="0"/>
-              </a:rPr>
-              <a:t>          Plotly, </a:t>
-            </a:r>
-            <a:r>
-              <a:rPr lang="de-DE" sz="3200" b="1" noProof="0" dirty="0" err="1">
-                <a:latin typeface="Aptos" panose="020B0004020202020204" pitchFamily="34" charset="0"/>
-                <a:cs typeface="Times New Roman" panose="02020603050405020304" pitchFamily="18" charset="0"/>
-              </a:rPr>
-              <a:t>Streamlit</a:t>
-            </a:r>
-            <a:endParaRPr lang="de-DE" sz="3200" noProof="0" dirty="0">
-              <a:latin typeface="Aptos" panose="020B0004020202020204" pitchFamily="34" charset="0"/>
-              <a:cs typeface="Times New Roman" panose="02020603050405020304" pitchFamily="18" charset="0"/>
-            </a:endParaRPr>
-          </a:p>
-        </p:txBody>
-      </p:sp>
-      <p:grpSp>
-        <p:nvGrpSpPr>
-          <p:cNvPr id="17" name="Group 16">
-            <a:extLst>
-              <a:ext uri="{FF2B5EF4-FFF2-40B4-BE49-F238E27FC236}">
-                <a16:creationId xmlns:a16="http://schemas.microsoft.com/office/drawing/2014/main" id="{2C8AD831-C456-B589-60D8-EF81205B6F22}"/>
-              </a:ext>
-            </a:extLst>
-          </p:cNvPr>
-          <p:cNvGrpSpPr/>
-          <p:nvPr/>
-        </p:nvGrpSpPr>
-        <p:grpSpPr>
-          <a:xfrm>
-            <a:off x="14719841" y="2329753"/>
-            <a:ext cx="6151910" cy="2505502"/>
-            <a:chOff x="10171330" y="10945675"/>
-            <a:chExt cx="10905073" cy="4441333"/>
-          </a:xfrm>
-        </p:grpSpPr>
-        <p:pic>
-          <p:nvPicPr>
-            <p:cNvPr id="29" name="Picture 28">
-              <a:extLst>
-                <a:ext uri="{FF2B5EF4-FFF2-40B4-BE49-F238E27FC236}">
-                  <a16:creationId xmlns:a16="http://schemas.microsoft.com/office/drawing/2014/main" id="{F024CAAD-CFD5-21C1-48D7-E25AB43F9445}"/>
-                </a:ext>
-              </a:extLst>
-            </p:cNvPr>
-            <p:cNvPicPr>
-              <a:picLocks noChangeAspect="1"/>
-            </p:cNvPicPr>
-            <p:nvPr/>
-          </p:nvPicPr>
-          <p:blipFill>
-            <a:blip r:embed="rId6"/>
-            <a:stretch>
-              <a:fillRect/>
-            </a:stretch>
-          </p:blipFill>
-          <p:spPr>
-            <a:xfrm>
-              <a:off x="10922703" y="11178314"/>
-              <a:ext cx="2124027" cy="2738746"/>
-            </a:xfrm>
-            <a:prstGeom prst="rect">
-              <a:avLst/>
-            </a:prstGeom>
-          </p:spPr>
-        </p:pic>
-        <p:pic>
-          <p:nvPicPr>
-            <p:cNvPr id="32" name="Picture 31">
-              <a:extLst>
-                <a:ext uri="{FF2B5EF4-FFF2-40B4-BE49-F238E27FC236}">
-                  <a16:creationId xmlns:a16="http://schemas.microsoft.com/office/drawing/2014/main" id="{02E6ACA6-BA8C-B38A-68EC-E9EA33DE5CF5}"/>
-                </a:ext>
-              </a:extLst>
-            </p:cNvPr>
-            <p:cNvPicPr>
-              <a:picLocks noChangeAspect="1"/>
-            </p:cNvPicPr>
-            <p:nvPr/>
-          </p:nvPicPr>
-          <p:blipFill>
-            <a:blip r:embed="rId7"/>
-            <a:stretch>
-              <a:fillRect/>
-            </a:stretch>
-          </p:blipFill>
-          <p:spPr>
-            <a:xfrm>
-              <a:off x="12130822" y="10945675"/>
-              <a:ext cx="5569726" cy="3117339"/>
-            </a:xfrm>
-            <a:prstGeom prst="rect">
-              <a:avLst/>
-            </a:prstGeom>
-          </p:spPr>
-        </p:pic>
-        <p:pic>
-          <p:nvPicPr>
-            <p:cNvPr id="36" name="Picture 35">
-              <a:extLst>
-                <a:ext uri="{FF2B5EF4-FFF2-40B4-BE49-F238E27FC236}">
-                  <a16:creationId xmlns:a16="http://schemas.microsoft.com/office/drawing/2014/main" id="{C88D92F4-5269-6478-4831-9DC91CE68E0D}"/>
-                </a:ext>
-              </a:extLst>
-            </p:cNvPr>
-            <p:cNvPicPr>
-              <a:picLocks noChangeAspect="1"/>
-            </p:cNvPicPr>
-            <p:nvPr/>
-          </p:nvPicPr>
-          <p:blipFill>
-            <a:blip r:embed="rId8"/>
-            <a:stretch>
-              <a:fillRect/>
-            </a:stretch>
-          </p:blipFill>
-          <p:spPr>
-            <a:xfrm>
-              <a:off x="16646217" y="11045680"/>
-              <a:ext cx="2913785" cy="2913785"/>
-            </a:xfrm>
-            <a:prstGeom prst="rect">
-              <a:avLst/>
-            </a:prstGeom>
-          </p:spPr>
-        </p:pic>
-        <p:pic>
-          <p:nvPicPr>
-            <p:cNvPr id="40" name="Picture 39">
-              <a:extLst>
-                <a:ext uri="{FF2B5EF4-FFF2-40B4-BE49-F238E27FC236}">
-                  <a16:creationId xmlns:a16="http://schemas.microsoft.com/office/drawing/2014/main" id="{3D4B8D72-145B-C02C-ECA3-4AF393DBACE6}"/>
-                </a:ext>
-              </a:extLst>
-            </p:cNvPr>
-            <p:cNvPicPr>
-              <a:picLocks noChangeAspect="1"/>
-            </p:cNvPicPr>
-            <p:nvPr/>
-          </p:nvPicPr>
-          <p:blipFill>
-            <a:blip r:embed="rId9"/>
-            <a:srcRect t="36271" b="36271"/>
-            <a:stretch/>
-          </p:blipFill>
-          <p:spPr>
-            <a:xfrm>
-              <a:off x="15706961" y="13911024"/>
-              <a:ext cx="5369442" cy="1475984"/>
-            </a:xfrm>
-            <a:prstGeom prst="rect">
-              <a:avLst/>
-            </a:prstGeom>
-          </p:spPr>
-        </p:pic>
-        <p:pic>
-          <p:nvPicPr>
-            <p:cNvPr id="41" name="Picture 40">
-              <a:extLst>
-                <a:ext uri="{FF2B5EF4-FFF2-40B4-BE49-F238E27FC236}">
-                  <a16:creationId xmlns:a16="http://schemas.microsoft.com/office/drawing/2014/main" id="{B826F31B-366F-AB0C-4954-26C2A86F9ACA}"/>
-                </a:ext>
-              </a:extLst>
-            </p:cNvPr>
-            <p:cNvPicPr>
-              <a:picLocks noChangeAspect="1"/>
-            </p:cNvPicPr>
-            <p:nvPr/>
-          </p:nvPicPr>
-          <p:blipFill>
-            <a:blip r:embed="rId10"/>
-            <a:srcRect l="18701" t="30507" b="35807"/>
-            <a:stretch/>
-          </p:blipFill>
-          <p:spPr>
-            <a:xfrm>
-              <a:off x="10171330" y="14082011"/>
-              <a:ext cx="5545966" cy="1291683"/>
-            </a:xfrm>
-            <a:prstGeom prst="rect">
-              <a:avLst/>
-            </a:prstGeom>
-          </p:spPr>
-        </p:pic>
-      </p:grpSp>
-      <p:sp>
-        <p:nvSpPr>
-          <p:cNvPr id="24" name="Rechteck 94">
-            <a:extLst>
-              <a:ext uri="{FF2B5EF4-FFF2-40B4-BE49-F238E27FC236}">
-                <a16:creationId xmlns:a16="http://schemas.microsoft.com/office/drawing/2014/main" id="{5963F808-2FD6-CE5B-2630-163FF0CB0E70}"/>
-              </a:ext>
-            </a:extLst>
-          </p:cNvPr>
-          <p:cNvSpPr>
-            <a:spLocks/>
-          </p:cNvSpPr>
-          <p:nvPr/>
-        </p:nvSpPr>
-        <p:spPr>
-          <a:xfrm>
-            <a:off x="220406" y="26740219"/>
-            <a:ext cx="21032226" cy="2640452"/>
-          </a:xfrm>
-          <a:prstGeom prst="rect">
-            <a:avLst/>
-          </a:prstGeom>
-          <a:solidFill>
-            <a:schemeClr val="bg1"/>
-          </a:solidFill>
-          <a:ln>
-            <a:noFill/>
-          </a:ln>
-        </p:spPr>
-        <p:style>
-          <a:lnRef idx="2">
-            <a:schemeClr val="accent1">
-              <a:shade val="50000"/>
-            </a:schemeClr>
-          </a:lnRef>
-          <a:fillRef idx="1">
-            <a:schemeClr val="accent1"/>
-          </a:fillRef>
-          <a:effectRef idx="0">
-            <a:schemeClr val="accent1"/>
-          </a:effectRef>
-          <a:fontRef idx="minor">
-            <a:schemeClr val="lt1"/>
-          </a:fontRef>
-        </p:style>
-        <p:txBody>
-          <a:bodyPr rtlCol="0" anchor="ctr"/>
-          <a:lstStyle/>
-          <a:p>
-            <a:pPr algn="ctr"/>
-            <a:r>
-              <a:rPr lang="de-DE" sz="440" noProof="0" dirty="0">
-                <a:latin typeface="Times New Roman" panose="02020603050405020304" pitchFamily="18" charset="0"/>
-                <a:cs typeface="Times New Roman" panose="02020603050405020304" pitchFamily="18" charset="0"/>
-              </a:rPr>
-              <a:t>https://github.com/AdminL3/Jugend-Forscht/</a:t>
-            </a:r>
-          </a:p>
-        </p:txBody>
-      </p:sp>
-      <p:grpSp>
-        <p:nvGrpSpPr>
-          <p:cNvPr id="2" name="Group 1">
-            <a:extLst>
-              <a:ext uri="{FF2B5EF4-FFF2-40B4-BE49-F238E27FC236}">
-                <a16:creationId xmlns:a16="http://schemas.microsoft.com/office/drawing/2014/main" id="{BA44C1CC-75D3-B2CA-8B0C-FEDB12C3B81E}"/>
-              </a:ext>
-            </a:extLst>
-          </p:cNvPr>
-          <p:cNvGrpSpPr/>
-          <p:nvPr/>
-        </p:nvGrpSpPr>
-        <p:grpSpPr>
-          <a:xfrm>
-            <a:off x="188844" y="14489853"/>
-            <a:ext cx="21095350" cy="7063275"/>
-            <a:chOff x="161821" y="14366748"/>
-            <a:chExt cx="21095350" cy="7063275"/>
-          </a:xfrm>
-        </p:grpSpPr>
-        <p:sp>
-          <p:nvSpPr>
-            <p:cNvPr id="47" name="Rechteck 1">
-              <a:extLst>
-                <a:ext uri="{FF2B5EF4-FFF2-40B4-BE49-F238E27FC236}">
-                  <a16:creationId xmlns:a16="http://schemas.microsoft.com/office/drawing/2014/main" id="{7C116876-BE0D-15F2-6229-583C8732E904}"/>
-                </a:ext>
-              </a:extLst>
-            </p:cNvPr>
-            <p:cNvSpPr>
-              <a:spLocks/>
-            </p:cNvSpPr>
-            <p:nvPr/>
-          </p:nvSpPr>
-          <p:spPr>
-            <a:xfrm>
-              <a:off x="5547727" y="15094021"/>
-              <a:ext cx="4950000" cy="6336000"/>
-            </a:xfrm>
-            <a:prstGeom prst="rect">
-              <a:avLst/>
-            </a:prstGeom>
-            <a:solidFill>
-              <a:schemeClr val="bg1"/>
-            </a:solidFill>
-            <a:ln>
-              <a:noFill/>
-            </a:ln>
-          </p:spPr>
-          <p:style>
-            <a:lnRef idx="2">
-              <a:schemeClr val="accent1">
-                <a:shade val="50000"/>
-              </a:schemeClr>
-            </a:lnRef>
-            <a:fillRef idx="1">
-              <a:schemeClr val="accent1"/>
-            </a:fillRef>
-            <a:effectRef idx="0">
-              <a:schemeClr val="accent1"/>
-            </a:effectRef>
-            <a:fontRef idx="minor">
-              <a:schemeClr val="lt1"/>
-            </a:fontRef>
-          </p:style>
-          <p:txBody>
-            <a:bodyPr rtlCol="0" anchor="ctr"/>
-            <a:lstStyle/>
-            <a:p>
-              <a:pPr algn="ctr"/>
-              <a:r>
-                <a:rPr lang="de-DE" sz="3200" noProof="0" dirty="0">
-                  <a:latin typeface="Times New Roman" panose="02020603050405020304" pitchFamily="18" charset="0"/>
-                  <a:cs typeface="Times New Roman" panose="02020603050405020304" pitchFamily="18" charset="0"/>
-                </a:rPr>
-                <a:t>&lt;&lt;&lt;&lt;&lt;&lt;&lt;</a:t>
-              </a:r>
-            </a:p>
-          </p:txBody>
-        </p:sp>
-        <p:pic>
-          <p:nvPicPr>
-            <p:cNvPr id="50" name="Grafik 23">
-              <a:extLst>
-                <a:ext uri="{FF2B5EF4-FFF2-40B4-BE49-F238E27FC236}">
-                  <a16:creationId xmlns:a16="http://schemas.microsoft.com/office/drawing/2014/main" id="{E2DD2FC2-BDE2-E20F-C71C-AAD9D5788ACA}"/>
-                </a:ext>
-              </a:extLst>
-            </p:cNvPr>
-            <p:cNvPicPr>
-              <a:picLocks noChangeAspect="1"/>
-            </p:cNvPicPr>
-            <p:nvPr/>
-          </p:nvPicPr>
-          <p:blipFill>
-            <a:blip r:embed="rId11">
-              <a:extLst>
-                <a:ext uri="{28A0092B-C50C-407E-A947-70E740481C1C}">
-                  <a14:useLocalDpi xmlns:a14="http://schemas.microsoft.com/office/drawing/2010/main" val="0"/>
-                </a:ext>
-              </a:extLst>
-            </a:blip>
-            <a:srcRect/>
-            <a:stretch/>
-          </p:blipFill>
-          <p:spPr bwMode="auto">
-            <a:xfrm>
-              <a:off x="5549431" y="15097888"/>
-              <a:ext cx="4946591" cy="3712698"/>
-            </a:xfrm>
-            <a:prstGeom prst="rect">
-              <a:avLst/>
-            </a:prstGeom>
-            <a:noFill/>
-            <a:ln>
-              <a:noFill/>
-            </a:ln>
-          </p:spPr>
-        </p:pic>
-        <p:sp>
-          <p:nvSpPr>
-            <p:cNvPr id="57" name="TextBox 56">
-              <a:extLst>
-                <a:ext uri="{FF2B5EF4-FFF2-40B4-BE49-F238E27FC236}">
-                  <a16:creationId xmlns:a16="http://schemas.microsoft.com/office/drawing/2014/main" id="{4357FC8B-13A2-68BE-0213-37FE97071635}"/>
-                </a:ext>
-              </a:extLst>
-            </p:cNvPr>
-            <p:cNvSpPr txBox="1"/>
-            <p:nvPr/>
-          </p:nvSpPr>
-          <p:spPr>
-            <a:xfrm>
-              <a:off x="5609238" y="19464931"/>
-              <a:ext cx="4886783" cy="1200329"/>
-            </a:xfrm>
-            <a:prstGeom prst="rect">
-              <a:avLst/>
-            </a:prstGeom>
-            <a:noFill/>
-          </p:spPr>
-          <p:txBody>
-            <a:bodyPr wrap="square" rtlCol="0">
-              <a:spAutoFit/>
-            </a:bodyPr>
-            <a:lstStyle/>
-            <a:p>
-              <a:r>
-                <a:rPr lang="de-DE" sz="2400" b="1" noProof="0" dirty="0"/>
-                <a:t>📊Polarisation:</a:t>
-              </a:r>
-            </a:p>
-            <a:p>
-              <a:pPr marL="342900" indent="-342900">
-                <a:buFontTx/>
-                <a:buChar char="-"/>
-              </a:pPr>
-              <a:r>
-                <a:rPr lang="de-DE" sz="2400" noProof="0" dirty="0"/>
-                <a:t>konstanter Durchschnittswert (0,1)</a:t>
-              </a:r>
-            </a:p>
-            <a:p>
-              <a:pPr marL="342900" indent="-342900">
-                <a:buFontTx/>
-                <a:buChar char="-"/>
-              </a:pPr>
-              <a:r>
-                <a:rPr lang="de-DE" sz="2400" noProof="0" dirty="0"/>
-                <a:t>keine klare Tendenz</a:t>
-              </a:r>
-            </a:p>
-          </p:txBody>
-        </p:sp>
-        <p:sp>
-          <p:nvSpPr>
-            <p:cNvPr id="35" name="Rechteck 1">
-              <a:extLst>
-                <a:ext uri="{FF2B5EF4-FFF2-40B4-BE49-F238E27FC236}">
-                  <a16:creationId xmlns:a16="http://schemas.microsoft.com/office/drawing/2014/main" id="{28A17146-F9D7-7849-7064-D3B1BC620C0F}"/>
-                </a:ext>
-              </a:extLst>
-            </p:cNvPr>
-            <p:cNvSpPr>
-              <a:spLocks/>
-            </p:cNvSpPr>
-            <p:nvPr/>
-          </p:nvSpPr>
-          <p:spPr>
-            <a:xfrm>
-              <a:off x="186541" y="15094023"/>
-              <a:ext cx="4950000" cy="6336000"/>
-            </a:xfrm>
-            <a:prstGeom prst="rect">
-              <a:avLst/>
-            </a:prstGeom>
-            <a:solidFill>
-              <a:schemeClr val="bg1"/>
-            </a:solidFill>
-            <a:ln>
-              <a:noFill/>
-            </a:ln>
-          </p:spPr>
-          <p:style>
-            <a:lnRef idx="2">
-              <a:schemeClr val="accent1">
-                <a:shade val="50000"/>
-              </a:schemeClr>
-            </a:lnRef>
-            <a:fillRef idx="1">
-              <a:schemeClr val="accent1"/>
-            </a:fillRef>
-            <a:effectRef idx="0">
-              <a:schemeClr val="accent1"/>
-            </a:effectRef>
-            <a:fontRef idx="minor">
-              <a:schemeClr val="lt1"/>
-            </a:fontRef>
-          </p:style>
-          <p:txBody>
-            <a:bodyPr rtlCol="0" anchor="ctr"/>
-            <a:lstStyle/>
-            <a:p>
-              <a:pPr algn="ctr"/>
-              <a:r>
-                <a:rPr lang="de-DE" sz="3200" noProof="0" dirty="0">
-                  <a:latin typeface="Times New Roman" panose="02020603050405020304" pitchFamily="18" charset="0"/>
-                  <a:cs typeface="Times New Roman" panose="02020603050405020304" pitchFamily="18" charset="0"/>
-                </a:rPr>
-                <a:t>&lt;&lt;&lt;&lt;&lt;&lt;&lt;</a:t>
-              </a:r>
-            </a:p>
-          </p:txBody>
-        </p:sp>
-        <p:pic>
-          <p:nvPicPr>
-            <p:cNvPr id="19" name="Grafik 23">
-              <a:extLst>
-                <a:ext uri="{FF2B5EF4-FFF2-40B4-BE49-F238E27FC236}">
-                  <a16:creationId xmlns:a16="http://schemas.microsoft.com/office/drawing/2014/main" id="{38315BA0-5502-C860-73D9-C048A707F593}"/>
-                </a:ext>
-              </a:extLst>
-            </p:cNvPr>
-            <p:cNvPicPr>
-              <a:picLocks noChangeAspect="1"/>
-            </p:cNvPicPr>
-            <p:nvPr/>
-          </p:nvPicPr>
-          <p:blipFill>
-            <a:blip r:embed="rId12">
-              <a:extLst>
-                <a:ext uri="{28A0092B-C50C-407E-A947-70E740481C1C}">
-                  <a14:useLocalDpi xmlns:a14="http://schemas.microsoft.com/office/drawing/2010/main" val="0"/>
-                </a:ext>
-              </a:extLst>
-            </a:blip>
-            <a:srcRect/>
-            <a:stretch/>
-          </p:blipFill>
-          <p:spPr bwMode="auto">
-            <a:xfrm>
-              <a:off x="186540" y="15083595"/>
-              <a:ext cx="4946591" cy="3712698"/>
-            </a:xfrm>
-            <a:prstGeom prst="rect">
-              <a:avLst/>
-            </a:prstGeom>
-            <a:noFill/>
-            <a:ln>
-              <a:noFill/>
-            </a:ln>
-          </p:spPr>
-        </p:pic>
-        <p:sp>
-          <p:nvSpPr>
-            <p:cNvPr id="22" name="TextBox 21">
-              <a:extLst>
-                <a:ext uri="{FF2B5EF4-FFF2-40B4-BE49-F238E27FC236}">
-                  <a16:creationId xmlns:a16="http://schemas.microsoft.com/office/drawing/2014/main" id="{1C64A330-5CAC-1A85-2B58-5A59BAD42E0D}"/>
-                </a:ext>
-              </a:extLst>
-            </p:cNvPr>
-            <p:cNvSpPr txBox="1"/>
-            <p:nvPr/>
-          </p:nvSpPr>
-          <p:spPr>
-            <a:xfrm>
-              <a:off x="161821" y="19452902"/>
-              <a:ext cx="4946591" cy="1938992"/>
-            </a:xfrm>
-            <a:prstGeom prst="rect">
-              <a:avLst/>
-            </a:prstGeom>
-            <a:noFill/>
-          </p:spPr>
-          <p:txBody>
-            <a:bodyPr wrap="square" rtlCol="0">
-              <a:spAutoFit/>
-            </a:bodyPr>
-            <a:lstStyle/>
-            <a:p>
-              <a:r>
-                <a:rPr lang="de-DE" sz="2400" b="1" noProof="0" dirty="0"/>
-                <a:t>⚖️ Subjektivität:</a:t>
-              </a:r>
-            </a:p>
-            <a:p>
-              <a:r>
-                <a:rPr lang="de-DE" sz="2400" noProof="0" dirty="0"/>
-                <a:t>„Politics“ 	</a:t>
-              </a:r>
-              <a:r>
-                <a:rPr lang="de-DE" sz="2400" noProof="0" dirty="0">
-                  <a:sym typeface="Wingdings" panose="05000000000000000000" pitchFamily="2" charset="2"/>
-                </a:rPr>
-                <a:t> zunehmend objektiv </a:t>
-              </a:r>
-              <a:br>
-                <a:rPr lang="de-DE" sz="2400" noProof="0" dirty="0">
-                  <a:sym typeface="Wingdings" panose="05000000000000000000" pitchFamily="2" charset="2"/>
-                </a:rPr>
-              </a:br>
-              <a:r>
-                <a:rPr lang="de-DE" sz="2400" noProof="0" dirty="0">
-                  <a:sym typeface="Wingdings" panose="05000000000000000000" pitchFamily="2" charset="2"/>
-                </a:rPr>
-                <a:t>„W</a:t>
-              </a:r>
-              <a:r>
-                <a:rPr lang="de-DE" sz="2400" noProof="0" dirty="0"/>
-                <a:t>orld“ 	</a:t>
-              </a:r>
-              <a:r>
-                <a:rPr lang="de-DE" sz="2400" noProof="0" dirty="0">
-                  <a:sym typeface="Wingdings" panose="05000000000000000000" pitchFamily="2" charset="2"/>
-                </a:rPr>
-                <a:t> konstant objektiv</a:t>
-              </a:r>
-            </a:p>
-            <a:p>
-              <a:r>
-                <a:rPr lang="de-DE" sz="2400" noProof="0" dirty="0"/>
-                <a:t>„Opinion“ 	</a:t>
-              </a:r>
-              <a:r>
-                <a:rPr lang="de-DE" sz="2400" noProof="0" dirty="0">
-                  <a:sym typeface="Wingdings" panose="05000000000000000000" pitchFamily="2" charset="2"/>
-                </a:rPr>
-                <a:t> konstant subjektiv</a:t>
-              </a:r>
-            </a:p>
-            <a:p>
-              <a:endParaRPr lang="de-DE" sz="2400" noProof="0" dirty="0">
-                <a:sym typeface="Wingdings" panose="05000000000000000000" pitchFamily="2" charset="2"/>
-              </a:endParaRPr>
-            </a:p>
-          </p:txBody>
-        </p:sp>
-        <p:sp>
-          <p:nvSpPr>
-            <p:cNvPr id="63" name="TextBox 62">
-              <a:extLst>
-                <a:ext uri="{FF2B5EF4-FFF2-40B4-BE49-F238E27FC236}">
-                  <a16:creationId xmlns:a16="http://schemas.microsoft.com/office/drawing/2014/main" id="{3723A8DC-9F23-3FAA-14D2-A7EA6A2D4C6A}"/>
-                </a:ext>
-              </a:extLst>
-            </p:cNvPr>
-            <p:cNvSpPr txBox="1"/>
-            <p:nvPr/>
-          </p:nvSpPr>
-          <p:spPr>
-            <a:xfrm>
-              <a:off x="195241" y="18626841"/>
-              <a:ext cx="4933931" cy="338554"/>
-            </a:xfrm>
-            <a:prstGeom prst="rect">
-              <a:avLst/>
-            </a:prstGeom>
-            <a:noFill/>
-          </p:spPr>
-          <p:txBody>
-            <a:bodyPr wrap="square" rtlCol="0">
-              <a:spAutoFit/>
-            </a:bodyPr>
-            <a:lstStyle/>
-            <a:p>
-              <a:r>
-                <a:rPr lang="de-DE" sz="1600" dirty="0"/>
-                <a:t>Abbildung 1: </a:t>
-              </a:r>
-              <a:r>
-                <a:rPr lang="de-DE" sz="1600" b="1" dirty="0"/>
-                <a:t>Subjektivität</a:t>
-              </a:r>
-              <a:r>
-                <a:rPr lang="de-DE" sz="1600" dirty="0"/>
-                <a:t> von „The Guardian“ </a:t>
-              </a:r>
-            </a:p>
-          </p:txBody>
-        </p:sp>
-        <p:sp>
-          <p:nvSpPr>
-            <p:cNvPr id="64" name="TextBox 63">
-              <a:extLst>
-                <a:ext uri="{FF2B5EF4-FFF2-40B4-BE49-F238E27FC236}">
-                  <a16:creationId xmlns:a16="http://schemas.microsoft.com/office/drawing/2014/main" id="{72226574-95F0-BE9F-7E67-1D0F004B88BC}"/>
-                </a:ext>
-              </a:extLst>
-            </p:cNvPr>
-            <p:cNvSpPr txBox="1"/>
-            <p:nvPr/>
-          </p:nvSpPr>
-          <p:spPr>
-            <a:xfrm>
-              <a:off x="5678189" y="18647765"/>
-              <a:ext cx="4933931" cy="338554"/>
-            </a:xfrm>
-            <a:prstGeom prst="rect">
-              <a:avLst/>
-            </a:prstGeom>
-            <a:noFill/>
-          </p:spPr>
-          <p:txBody>
-            <a:bodyPr wrap="square" rtlCol="0">
-              <a:spAutoFit/>
-            </a:bodyPr>
-            <a:lstStyle/>
-            <a:p>
-              <a:r>
-                <a:rPr lang="de-DE" sz="1600" dirty="0"/>
-                <a:t>Abbildung 2: </a:t>
-              </a:r>
-              <a:r>
-                <a:rPr lang="de-DE" sz="1600" b="1" dirty="0"/>
-                <a:t>Polarisation</a:t>
-              </a:r>
-              <a:r>
-                <a:rPr lang="de-DE" sz="1600" dirty="0"/>
-                <a:t> von „The New York Times“ </a:t>
-              </a:r>
-            </a:p>
-          </p:txBody>
-        </p:sp>
-        <p:sp>
-          <p:nvSpPr>
-            <p:cNvPr id="48" name="Rechteck 1">
-              <a:extLst>
-                <a:ext uri="{FF2B5EF4-FFF2-40B4-BE49-F238E27FC236}">
-                  <a16:creationId xmlns:a16="http://schemas.microsoft.com/office/drawing/2014/main" id="{73D3A477-61EC-1998-C041-56AA41A2B0C4}"/>
-                </a:ext>
-              </a:extLst>
-            </p:cNvPr>
-            <p:cNvSpPr>
-              <a:spLocks/>
-            </p:cNvSpPr>
-            <p:nvPr/>
-          </p:nvSpPr>
-          <p:spPr>
-            <a:xfrm>
-              <a:off x="10847051" y="15069298"/>
-              <a:ext cx="4950000" cy="6336000"/>
-            </a:xfrm>
-            <a:prstGeom prst="rect">
-              <a:avLst/>
-            </a:prstGeom>
-            <a:solidFill>
-              <a:schemeClr val="bg1"/>
-            </a:solidFill>
-            <a:ln>
-              <a:noFill/>
-            </a:ln>
-          </p:spPr>
-          <p:style>
-            <a:lnRef idx="2">
-              <a:schemeClr val="accent1">
-                <a:shade val="50000"/>
-              </a:schemeClr>
-            </a:lnRef>
-            <a:fillRef idx="1">
-              <a:schemeClr val="accent1"/>
-            </a:fillRef>
-            <a:effectRef idx="0">
-              <a:schemeClr val="accent1"/>
-            </a:effectRef>
-            <a:fontRef idx="minor">
-              <a:schemeClr val="lt1"/>
-            </a:fontRef>
-          </p:style>
-          <p:txBody>
-            <a:bodyPr rtlCol="0" anchor="ctr"/>
-            <a:lstStyle/>
-            <a:p>
-              <a:pPr algn="ctr"/>
-              <a:r>
-                <a:rPr lang="de-DE" sz="3200" noProof="0" dirty="0">
-                  <a:latin typeface="Times New Roman" panose="02020603050405020304" pitchFamily="18" charset="0"/>
-                  <a:cs typeface="Times New Roman" panose="02020603050405020304" pitchFamily="18" charset="0"/>
-                </a:rPr>
-                <a:t>&lt;&lt;&lt;&lt;&lt;&lt;&lt;</a:t>
-              </a:r>
-            </a:p>
-          </p:txBody>
-        </p:sp>
-        <p:sp>
-          <p:nvSpPr>
-            <p:cNvPr id="16" name="Textfeld 15">
-              <a:extLst>
-                <a:ext uri="{FF2B5EF4-FFF2-40B4-BE49-F238E27FC236}">
-                  <a16:creationId xmlns:a16="http://schemas.microsoft.com/office/drawing/2014/main" id="{EA39495E-9539-B618-D917-880BB952715F}"/>
-                </a:ext>
-              </a:extLst>
-            </p:cNvPr>
-            <p:cNvSpPr txBox="1"/>
-            <p:nvPr/>
-          </p:nvSpPr>
-          <p:spPr>
-            <a:xfrm>
-              <a:off x="10944609" y="19527419"/>
-              <a:ext cx="5150473" cy="1569660"/>
-            </a:xfrm>
-            <a:prstGeom prst="rect">
-              <a:avLst/>
-            </a:prstGeom>
-            <a:noFill/>
-          </p:spPr>
-          <p:txBody>
-            <a:bodyPr wrap="square" rtlCol="0">
-              <a:spAutoFit/>
-            </a:bodyPr>
-            <a:lstStyle/>
-            <a:p>
-              <a:r>
-                <a:rPr lang="de-DE" sz="2400" b="1" noProof="0" dirty="0"/>
-                <a:t>📉 Artikellänge </a:t>
-              </a:r>
-              <a:r>
-                <a:rPr lang="de-DE" sz="2400" noProof="0" dirty="0"/>
-                <a:t>(Wörter </a:t>
-              </a:r>
-              <a:r>
-                <a:rPr lang="de-DE" sz="2400" dirty="0"/>
-                <a:t>pro</a:t>
-              </a:r>
-              <a:r>
-                <a:rPr lang="de-DE" sz="2400" noProof="0" dirty="0"/>
-                <a:t> Artikel):</a:t>
-              </a:r>
-            </a:p>
-            <a:p>
-              <a:r>
-                <a:rPr lang="de-DE" sz="2400" noProof="0" dirty="0"/>
-                <a:t>- Guardian ca. 800 Wörter</a:t>
-              </a:r>
-            </a:p>
-            <a:p>
-              <a:r>
-                <a:rPr lang="de-DE" sz="2400" noProof="0" dirty="0"/>
-                <a:t>- New York Times ca. 1100 Wörter</a:t>
-              </a:r>
-              <a:br>
-                <a:rPr lang="de-DE" sz="2400" noProof="0" dirty="0"/>
-              </a:br>
-              <a:r>
-                <a:rPr lang="de-DE" sz="2400" noProof="0" dirty="0"/>
-                <a:t>- keine signifikanten Veränderungen</a:t>
-              </a:r>
-            </a:p>
-          </p:txBody>
-        </p:sp>
-        <p:pic>
-          <p:nvPicPr>
-            <p:cNvPr id="51" name="Grafik 23">
-              <a:extLst>
-                <a:ext uri="{FF2B5EF4-FFF2-40B4-BE49-F238E27FC236}">
-                  <a16:creationId xmlns:a16="http://schemas.microsoft.com/office/drawing/2014/main" id="{FF8A3B76-2E25-B858-96F1-4C6D7B5ADB64}"/>
-                </a:ext>
-              </a:extLst>
-            </p:cNvPr>
-            <p:cNvPicPr>
-              <a:picLocks noChangeAspect="1"/>
-            </p:cNvPicPr>
-            <p:nvPr/>
-          </p:nvPicPr>
-          <p:blipFill>
-            <a:blip r:embed="rId13">
-              <a:extLst>
-                <a:ext uri="{28A0092B-C50C-407E-A947-70E740481C1C}">
-                  <a14:useLocalDpi xmlns:a14="http://schemas.microsoft.com/office/drawing/2010/main" val="0"/>
-                </a:ext>
-              </a:extLst>
-            </a:blip>
-            <a:srcRect t="104" b="104"/>
-            <a:stretch/>
-          </p:blipFill>
-          <p:spPr bwMode="auto">
-            <a:xfrm>
-              <a:off x="10855521" y="15112181"/>
-              <a:ext cx="4946591" cy="3712698"/>
-            </a:xfrm>
-            <a:prstGeom prst="rect">
-              <a:avLst/>
-            </a:prstGeom>
-            <a:noFill/>
-            <a:ln>
-              <a:noFill/>
-            </a:ln>
-          </p:spPr>
-        </p:pic>
-        <p:sp>
-          <p:nvSpPr>
-            <p:cNvPr id="65" name="TextBox 64">
-              <a:extLst>
-                <a:ext uri="{FF2B5EF4-FFF2-40B4-BE49-F238E27FC236}">
-                  <a16:creationId xmlns:a16="http://schemas.microsoft.com/office/drawing/2014/main" id="{B4EFB785-01E6-6944-9A90-1B8B8806A545}"/>
-                </a:ext>
-              </a:extLst>
-            </p:cNvPr>
-            <p:cNvSpPr txBox="1"/>
-            <p:nvPr/>
-          </p:nvSpPr>
-          <p:spPr>
-            <a:xfrm>
-              <a:off x="10847051" y="18733323"/>
-              <a:ext cx="4933931" cy="338554"/>
-            </a:xfrm>
-            <a:prstGeom prst="rect">
-              <a:avLst/>
-            </a:prstGeom>
-            <a:noFill/>
-          </p:spPr>
-          <p:txBody>
-            <a:bodyPr wrap="square" rtlCol="0">
-              <a:spAutoFit/>
-            </a:bodyPr>
-            <a:lstStyle/>
-            <a:p>
-              <a:r>
-                <a:rPr lang="de-DE" sz="1600" dirty="0"/>
-                <a:t>Abbildung 3: </a:t>
-              </a:r>
-              <a:r>
-                <a:rPr lang="de-DE" sz="1600" b="1" dirty="0"/>
-                <a:t>Wörteranzahl</a:t>
-              </a:r>
-              <a:r>
-                <a:rPr lang="de-DE" sz="1600" dirty="0"/>
-                <a:t> „The Guardian“, alle Rubriken</a:t>
-              </a:r>
-            </a:p>
-          </p:txBody>
-        </p:sp>
-        <p:sp>
-          <p:nvSpPr>
-            <p:cNvPr id="49" name="Rechteck 1">
-              <a:extLst>
-                <a:ext uri="{FF2B5EF4-FFF2-40B4-BE49-F238E27FC236}">
-                  <a16:creationId xmlns:a16="http://schemas.microsoft.com/office/drawing/2014/main" id="{0D7C2815-D093-B90F-CD65-1015F9797375}"/>
-                </a:ext>
-              </a:extLst>
-            </p:cNvPr>
-            <p:cNvSpPr>
-              <a:spLocks/>
-            </p:cNvSpPr>
-            <p:nvPr/>
-          </p:nvSpPr>
-          <p:spPr>
-            <a:xfrm>
-              <a:off x="16268768" y="15094023"/>
-              <a:ext cx="4950000" cy="6336000"/>
-            </a:xfrm>
-            <a:prstGeom prst="rect">
-              <a:avLst/>
-            </a:prstGeom>
-            <a:solidFill>
-              <a:schemeClr val="bg1"/>
-            </a:solidFill>
-            <a:ln>
-              <a:noFill/>
-            </a:ln>
-          </p:spPr>
-          <p:style>
-            <a:lnRef idx="2">
-              <a:schemeClr val="accent1">
-                <a:shade val="50000"/>
-              </a:schemeClr>
-            </a:lnRef>
-            <a:fillRef idx="1">
-              <a:schemeClr val="accent1"/>
-            </a:fillRef>
-            <a:effectRef idx="0">
-              <a:schemeClr val="accent1"/>
-            </a:effectRef>
-            <a:fontRef idx="minor">
-              <a:schemeClr val="lt1"/>
-            </a:fontRef>
-          </p:style>
-          <p:txBody>
-            <a:bodyPr rtlCol="0" anchor="ctr"/>
-            <a:lstStyle/>
-            <a:p>
-              <a:pPr algn="ctr"/>
-              <a:r>
-                <a:rPr lang="de-DE" sz="3200" noProof="0" dirty="0">
-                  <a:latin typeface="Times New Roman" panose="02020603050405020304" pitchFamily="18" charset="0"/>
-                  <a:cs typeface="Times New Roman" panose="02020603050405020304" pitchFamily="18" charset="0"/>
-                </a:rPr>
-                <a:t>&lt;&lt;&lt;&lt;&lt;&lt;&lt;</a:t>
-              </a:r>
-            </a:p>
-          </p:txBody>
-        </p:sp>
-        <p:sp>
-          <p:nvSpPr>
-            <p:cNvPr id="23" name="TextBox 22">
-              <a:extLst>
-                <a:ext uri="{FF2B5EF4-FFF2-40B4-BE49-F238E27FC236}">
-                  <a16:creationId xmlns:a16="http://schemas.microsoft.com/office/drawing/2014/main" id="{B346D309-B465-ED21-510E-9F707320FDDD}"/>
-                </a:ext>
-              </a:extLst>
-            </p:cNvPr>
-            <p:cNvSpPr txBox="1"/>
-            <p:nvPr/>
-          </p:nvSpPr>
-          <p:spPr>
-            <a:xfrm>
-              <a:off x="16263708" y="19461323"/>
-              <a:ext cx="4892824" cy="1938992"/>
-            </a:xfrm>
-            <a:prstGeom prst="rect">
-              <a:avLst/>
-            </a:prstGeom>
-            <a:solidFill>
-              <a:schemeClr val="bg1"/>
-            </a:solidFill>
-          </p:spPr>
-          <p:txBody>
-            <a:bodyPr wrap="square" rtlCol="0">
-              <a:spAutoFit/>
-            </a:bodyPr>
-            <a:lstStyle/>
-            <a:p>
-              <a:r>
-                <a:rPr lang="de-DE" sz="2400" b="1" noProof="0" dirty="0"/>
-                <a:t>🔢 Artikelanzahl:</a:t>
-              </a:r>
-              <a:endParaRPr lang="de-DE" sz="2400" noProof="0" dirty="0"/>
-            </a:p>
-            <a:p>
-              <a:r>
-                <a:rPr lang="de-DE" sz="2400" noProof="0" dirty="0"/>
-                <a:t>- Guardian</a:t>
-              </a:r>
-              <a:r>
-                <a:rPr lang="de-DE" sz="2400" dirty="0"/>
-                <a:t>: Anzahl</a:t>
-              </a:r>
-              <a:r>
-                <a:rPr lang="de-DE" sz="2400" noProof="0" dirty="0"/>
-                <a:t> in „Opinion“ ist </a:t>
-              </a:r>
-            </a:p>
-            <a:p>
-              <a:r>
-                <a:rPr lang="de-DE" sz="2400" dirty="0"/>
-                <a:t>   </a:t>
-              </a:r>
-              <a:r>
-                <a:rPr lang="de-DE" sz="2400" noProof="0" dirty="0"/>
-                <a:t>gesunken</a:t>
-              </a:r>
-            </a:p>
-            <a:p>
-              <a:r>
-                <a:rPr lang="de-DE" sz="2400" noProof="0" dirty="0"/>
-                <a:t>- New-York-Times: Anzahl in</a:t>
-              </a:r>
-            </a:p>
-            <a:p>
-              <a:r>
-                <a:rPr lang="de-DE" sz="2400" dirty="0"/>
-                <a:t>  </a:t>
-              </a:r>
-              <a:r>
-                <a:rPr lang="de-DE" sz="2400" noProof="0" dirty="0"/>
-                <a:t> „Politics“ gestiegen</a:t>
-              </a:r>
-            </a:p>
-          </p:txBody>
-        </p:sp>
-        <p:pic>
-          <p:nvPicPr>
-            <p:cNvPr id="52" name="Grafik 23">
-              <a:extLst>
-                <a:ext uri="{FF2B5EF4-FFF2-40B4-BE49-F238E27FC236}">
-                  <a16:creationId xmlns:a16="http://schemas.microsoft.com/office/drawing/2014/main" id="{4856CAFF-EF57-9A7A-7505-0DB7B068EEC0}"/>
-                </a:ext>
-              </a:extLst>
-            </p:cNvPr>
-            <p:cNvPicPr>
-              <a:picLocks noChangeAspect="1"/>
-            </p:cNvPicPr>
-            <p:nvPr/>
-          </p:nvPicPr>
-          <p:blipFill>
-            <a:blip r:embed="rId14">
-              <a:extLst>
-                <a:ext uri="{28A0092B-C50C-407E-A947-70E740481C1C}">
-                  <a14:useLocalDpi xmlns:a14="http://schemas.microsoft.com/office/drawing/2010/main" val="0"/>
-                </a:ext>
-              </a:extLst>
-            </a:blip>
-            <a:srcRect/>
-            <a:stretch/>
-          </p:blipFill>
-          <p:spPr bwMode="auto">
-            <a:xfrm>
-              <a:off x="16273829" y="15104043"/>
-              <a:ext cx="4946591" cy="3712698"/>
-            </a:xfrm>
-            <a:prstGeom prst="rect">
-              <a:avLst/>
-            </a:prstGeom>
-            <a:noFill/>
-            <a:ln>
-              <a:noFill/>
-            </a:ln>
-          </p:spPr>
-        </p:pic>
-        <p:sp>
-          <p:nvSpPr>
-            <p:cNvPr id="62" name="TextBox 61">
-              <a:extLst>
-                <a:ext uri="{FF2B5EF4-FFF2-40B4-BE49-F238E27FC236}">
-                  <a16:creationId xmlns:a16="http://schemas.microsoft.com/office/drawing/2014/main" id="{CBB960E2-F1FD-DF73-88BF-7CB565993763}"/>
-                </a:ext>
-              </a:extLst>
-            </p:cNvPr>
-            <p:cNvSpPr txBox="1"/>
-            <p:nvPr/>
-          </p:nvSpPr>
-          <p:spPr>
-            <a:xfrm>
-              <a:off x="16323240" y="18771408"/>
-              <a:ext cx="4933931" cy="584775"/>
-            </a:xfrm>
-            <a:prstGeom prst="rect">
-              <a:avLst/>
-            </a:prstGeom>
-            <a:noFill/>
-          </p:spPr>
-          <p:txBody>
-            <a:bodyPr wrap="square" rtlCol="0">
-              <a:spAutoFit/>
-            </a:bodyPr>
-            <a:lstStyle/>
-            <a:p>
-              <a:r>
-                <a:rPr lang="de-DE" sz="1600" dirty="0"/>
-                <a:t>Abbildung 4: </a:t>
-              </a:r>
-              <a:r>
-                <a:rPr lang="de-DE" sz="1600" b="1" dirty="0"/>
-                <a:t>Artikelanzahl</a:t>
-              </a:r>
-              <a:r>
-                <a:rPr lang="de-DE" sz="1600" dirty="0"/>
-                <a:t> der Rubrik „Opinion“ von „The Guardian“</a:t>
-              </a:r>
-            </a:p>
-          </p:txBody>
-        </p:sp>
-        <p:sp>
-          <p:nvSpPr>
-            <p:cNvPr id="3" name="Rechteck 2">
-              <a:extLst>
-                <a:ext uri="{FF2B5EF4-FFF2-40B4-BE49-F238E27FC236}">
-                  <a16:creationId xmlns:a16="http://schemas.microsoft.com/office/drawing/2014/main" id="{6B783ABD-D41A-F6F6-0DB2-8F20ED8734D8}"/>
-                </a:ext>
-              </a:extLst>
-            </p:cNvPr>
-            <p:cNvSpPr>
-              <a:spLocks/>
-            </p:cNvSpPr>
-            <p:nvPr/>
-          </p:nvSpPr>
-          <p:spPr>
-            <a:xfrm>
-              <a:off x="186541" y="14366748"/>
-              <a:ext cx="21032227" cy="727579"/>
-            </a:xfrm>
-            <a:prstGeom prst="rect">
-              <a:avLst/>
-            </a:prstGeom>
-            <a:solidFill>
-              <a:srgbClr val="D7D7D7"/>
-            </a:solidFill>
-            <a:ln>
-              <a:noFill/>
-            </a:ln>
-          </p:spPr>
-          <p:style>
-            <a:lnRef idx="2">
-              <a:schemeClr val="accent1">
-                <a:shade val="50000"/>
-              </a:schemeClr>
-            </a:lnRef>
-            <a:fillRef idx="1">
-              <a:schemeClr val="accent1"/>
-            </a:fillRef>
-            <a:effectRef idx="0">
-              <a:schemeClr val="accent1"/>
-            </a:effectRef>
-            <a:fontRef idx="minor">
-              <a:schemeClr val="lt1"/>
-            </a:fontRef>
-          </p:style>
-          <p:txBody>
-            <a:bodyPr rtlCol="0" anchor="ctr"/>
-            <a:lstStyle/>
-            <a:p>
-              <a:r>
-                <a:rPr lang="de-DE" sz="4400" b="1" noProof="0" dirty="0">
-                  <a:solidFill>
-                    <a:schemeClr val="tx1"/>
-                  </a:solidFill>
-                  <a:latin typeface="Aptos" panose="020B0004020202020204" pitchFamily="34" charset="0"/>
-                  <a:cs typeface="Times New Roman" panose="02020603050405020304" pitchFamily="18" charset="0"/>
-                </a:rPr>
-                <a:t> Ergebnisse 🏆 (ausgewählte Beispiele)</a:t>
-              </a:r>
-            </a:p>
-          </p:txBody>
-        </p:sp>
-      </p:grpSp>
-      <p:pic>
-        <p:nvPicPr>
-          <p:cNvPr id="27" name="Picture 26">
-            <a:extLst>
-              <a:ext uri="{FF2B5EF4-FFF2-40B4-BE49-F238E27FC236}">
-                <a16:creationId xmlns:a16="http://schemas.microsoft.com/office/drawing/2014/main" id="{DE82BE61-A4B7-F8C1-7B3F-CC3A28094D9D}"/>
-              </a:ext>
-            </a:extLst>
-          </p:cNvPr>
-          <p:cNvPicPr>
-            <a:picLocks noChangeAspect="1"/>
-          </p:cNvPicPr>
-          <p:nvPr/>
-        </p:nvPicPr>
-        <p:blipFill>
-          <a:blip r:embed="rId15">
-            <a:extLst>
-              <a:ext uri="{28A0092B-C50C-407E-A947-70E740481C1C}">
-                <a14:useLocalDpi xmlns:a14="http://schemas.microsoft.com/office/drawing/2010/main" val="0"/>
-              </a:ext>
-            </a:extLst>
-          </a:blip>
-          <a:stretch>
-            <a:fillRect/>
-          </a:stretch>
-        </p:blipFill>
-        <p:spPr>
-          <a:xfrm>
-            <a:off x="220404" y="26728818"/>
-            <a:ext cx="2651998" cy="2651998"/>
-          </a:xfrm>
-          <a:prstGeom prst="rect">
-            <a:avLst/>
-          </a:prstGeom>
-        </p:spPr>
-      </p:pic>
-      <p:sp>
-        <p:nvSpPr>
-          <p:cNvPr id="143" name="Rechteck 142">
-            <a:extLst>
-              <a:ext uri="{FF2B5EF4-FFF2-40B4-BE49-F238E27FC236}">
-                <a16:creationId xmlns:a16="http://schemas.microsoft.com/office/drawing/2014/main" id="{719C0BF8-C371-1C61-AFA1-F30F595B0655}"/>
-              </a:ext>
-            </a:extLst>
-          </p:cNvPr>
-          <p:cNvSpPr>
-            <a:spLocks/>
-          </p:cNvSpPr>
-          <p:nvPr/>
-        </p:nvSpPr>
-        <p:spPr>
-          <a:xfrm>
-            <a:off x="220405" y="26087961"/>
-            <a:ext cx="4916136" cy="653174"/>
-          </a:xfrm>
-          <a:prstGeom prst="rect">
-            <a:avLst/>
-          </a:prstGeom>
-          <a:solidFill>
-            <a:srgbClr val="D7D7D7"/>
-          </a:solidFill>
-          <a:ln>
-            <a:noFill/>
-          </a:ln>
-        </p:spPr>
-        <p:style>
-          <a:lnRef idx="2">
-            <a:schemeClr val="accent1">
-              <a:shade val="50000"/>
-            </a:schemeClr>
-          </a:lnRef>
-          <a:fillRef idx="1">
-            <a:schemeClr val="accent1"/>
-          </a:fillRef>
-          <a:effectRef idx="0">
-            <a:schemeClr val="accent1"/>
-          </a:effectRef>
-          <a:fontRef idx="minor">
-            <a:schemeClr val="lt1"/>
-          </a:fontRef>
-        </p:style>
-        <p:txBody>
-          <a:bodyPr rtlCol="0" anchor="ctr"/>
-          <a:lstStyle/>
-          <a:p>
-            <a:r>
-              <a:rPr lang="de-DE" sz="3600" b="1" noProof="0" dirty="0">
-                <a:solidFill>
-                  <a:schemeClr val="tx1"/>
-                </a:solidFill>
-                <a:latin typeface="Aptos" panose="020B0004020202020204" pitchFamily="34" charset="0"/>
-                <a:cs typeface="Times New Roman" panose="02020603050405020304" pitchFamily="18" charset="0"/>
-              </a:rPr>
-              <a:t>Die Forschungsarbeit:</a:t>
-            </a:r>
-          </a:p>
-        </p:txBody>
-      </p:sp>
-      <p:sp>
-        <p:nvSpPr>
-          <p:cNvPr id="28" name="Rechteck 142">
-            <a:extLst>
-              <a:ext uri="{FF2B5EF4-FFF2-40B4-BE49-F238E27FC236}">
-                <a16:creationId xmlns:a16="http://schemas.microsoft.com/office/drawing/2014/main" id="{ADBB29DA-E556-AE5C-35FC-41E626EBE4E6}"/>
-              </a:ext>
-            </a:extLst>
-          </p:cNvPr>
-          <p:cNvSpPr>
-            <a:spLocks/>
-          </p:cNvSpPr>
-          <p:nvPr/>
-        </p:nvSpPr>
-        <p:spPr>
-          <a:xfrm>
-            <a:off x="5530298" y="26087960"/>
-            <a:ext cx="4965724" cy="650511"/>
-          </a:xfrm>
-          <a:prstGeom prst="rect">
-            <a:avLst/>
-          </a:prstGeom>
-          <a:solidFill>
-            <a:srgbClr val="D7D7D7"/>
-          </a:solidFill>
-          <a:ln>
-            <a:noFill/>
-          </a:ln>
-        </p:spPr>
-        <p:style>
-          <a:lnRef idx="2">
-            <a:schemeClr val="accent1">
-              <a:shade val="50000"/>
-            </a:schemeClr>
-          </a:lnRef>
-          <a:fillRef idx="1">
-            <a:schemeClr val="accent1"/>
-          </a:fillRef>
-          <a:effectRef idx="0">
-            <a:schemeClr val="accent1"/>
-          </a:effectRef>
-          <a:fontRef idx="minor">
-            <a:schemeClr val="lt1"/>
-          </a:fontRef>
-        </p:style>
-        <p:txBody>
-          <a:bodyPr rtlCol="0" anchor="ctr"/>
-          <a:lstStyle/>
-          <a:p>
-            <a:r>
-              <a:rPr lang="de-DE" sz="3200" b="1" noProof="0" dirty="0">
-                <a:solidFill>
-                  <a:schemeClr val="tx1"/>
-                </a:solidFill>
-                <a:latin typeface="Aptos" panose="020B0004020202020204" pitchFamily="34" charset="0"/>
-                <a:cs typeface="Times New Roman" panose="02020603050405020304" pitchFamily="18" charset="0"/>
-              </a:rPr>
-              <a:t>Mehr über mein Projekt:</a:t>
-            </a:r>
-            <a:endParaRPr lang="de-DE" sz="4000" b="1" noProof="0" dirty="0">
-              <a:solidFill>
-                <a:schemeClr val="tx1"/>
-              </a:solidFill>
-              <a:latin typeface="Aptos" panose="020B0004020202020204" pitchFamily="34" charset="0"/>
-              <a:cs typeface="Times New Roman" panose="02020603050405020304" pitchFamily="18" charset="0"/>
-            </a:endParaRPr>
-          </a:p>
-        </p:txBody>
-      </p:sp>
-      <p:sp>
-        <p:nvSpPr>
-          <p:cNvPr id="31" name="Rechteck 142">
-            <a:extLst>
-              <a:ext uri="{FF2B5EF4-FFF2-40B4-BE49-F238E27FC236}">
-                <a16:creationId xmlns:a16="http://schemas.microsoft.com/office/drawing/2014/main" id="{F35C1075-9A08-F10D-AC31-1DC01393AD20}"/>
-              </a:ext>
-            </a:extLst>
-          </p:cNvPr>
-          <p:cNvSpPr>
-            <a:spLocks/>
-          </p:cNvSpPr>
-          <p:nvPr/>
-        </p:nvSpPr>
-        <p:spPr>
-          <a:xfrm>
-            <a:off x="10847051" y="26083833"/>
-            <a:ext cx="10397112" cy="650511"/>
-          </a:xfrm>
-          <a:prstGeom prst="rect">
-            <a:avLst/>
-          </a:prstGeom>
-          <a:solidFill>
-            <a:srgbClr val="D7D7D7"/>
-          </a:solidFill>
-          <a:ln>
-            <a:noFill/>
-          </a:ln>
-        </p:spPr>
-        <p:style>
-          <a:lnRef idx="2">
-            <a:schemeClr val="accent1">
-              <a:shade val="50000"/>
-            </a:schemeClr>
-          </a:lnRef>
-          <a:fillRef idx="1">
-            <a:schemeClr val="accent1"/>
-          </a:fillRef>
-          <a:effectRef idx="0">
-            <a:schemeClr val="accent1"/>
-          </a:effectRef>
-          <a:fontRef idx="minor">
-            <a:schemeClr val="lt1"/>
-          </a:fontRef>
-        </p:style>
-        <p:txBody>
-          <a:bodyPr rtlCol="0" anchor="ctr"/>
-          <a:lstStyle/>
-          <a:p>
-            <a:r>
-              <a:rPr lang="de-DE" sz="3200" b="1" noProof="0" dirty="0">
-                <a:solidFill>
-                  <a:schemeClr val="tx1"/>
-                </a:solidFill>
-                <a:latin typeface="Aptos" panose="020B0004020202020204" pitchFamily="34" charset="0"/>
-                <a:cs typeface="Times New Roman" panose="02020603050405020304" pitchFamily="18" charset="0"/>
-              </a:rPr>
-              <a:t>Interaktive Webseiten:</a:t>
-            </a:r>
-            <a:endParaRPr lang="de-DE" sz="4000" b="1" noProof="0" dirty="0">
-              <a:solidFill>
-                <a:schemeClr val="tx1"/>
-              </a:solidFill>
-              <a:latin typeface="Aptos" panose="020B0004020202020204" pitchFamily="34" charset="0"/>
-              <a:cs typeface="Times New Roman" panose="02020603050405020304" pitchFamily="18" charset="0"/>
-            </a:endParaRPr>
-          </a:p>
-        </p:txBody>
-      </p:sp>
-      <p:pic>
-        <p:nvPicPr>
-          <p:cNvPr id="38" name="Picture 37">
-            <a:extLst>
-              <a:ext uri="{FF2B5EF4-FFF2-40B4-BE49-F238E27FC236}">
-                <a16:creationId xmlns:a16="http://schemas.microsoft.com/office/drawing/2014/main" id="{3EB8BAB1-C355-A3FE-877F-71D787FE645A}"/>
-              </a:ext>
-            </a:extLst>
-          </p:cNvPr>
-          <p:cNvPicPr>
-            <a:picLocks noChangeAspect="1"/>
-          </p:cNvPicPr>
-          <p:nvPr/>
-        </p:nvPicPr>
-        <p:blipFill>
-          <a:blip r:embed="rId16">
-            <a:extLst>
-              <a:ext uri="{28A0092B-C50C-407E-A947-70E740481C1C}">
-                <a14:useLocalDpi xmlns:a14="http://schemas.microsoft.com/office/drawing/2010/main" val="0"/>
-              </a:ext>
-            </a:extLst>
-          </a:blip>
-          <a:srcRect b="10527"/>
-          <a:stretch/>
-        </p:blipFill>
-        <p:spPr>
-          <a:xfrm>
-            <a:off x="5447011" y="26993162"/>
-            <a:ext cx="2556432" cy="2287305"/>
-          </a:xfrm>
-          <a:prstGeom prst="rect">
-            <a:avLst/>
-          </a:prstGeom>
-        </p:spPr>
-      </p:pic>
-      <p:sp>
-        <p:nvSpPr>
-          <p:cNvPr id="42" name="TextBox 41">
-            <a:extLst>
-              <a:ext uri="{FF2B5EF4-FFF2-40B4-BE49-F238E27FC236}">
-                <a16:creationId xmlns:a16="http://schemas.microsoft.com/office/drawing/2014/main" id="{4282ACBC-CBDB-046F-38F0-898C1254D2AE}"/>
-              </a:ext>
-            </a:extLst>
-          </p:cNvPr>
-          <p:cNvSpPr txBox="1"/>
-          <p:nvPr/>
-        </p:nvSpPr>
-        <p:spPr>
-          <a:xfrm>
-            <a:off x="10847051" y="26864057"/>
-            <a:ext cx="2556433" cy="461665"/>
-          </a:xfrm>
-          <a:prstGeom prst="rect">
-            <a:avLst/>
-          </a:prstGeom>
-          <a:noFill/>
-        </p:spPr>
-        <p:txBody>
-          <a:bodyPr wrap="square" rtlCol="0">
-            <a:spAutoFit/>
-          </a:bodyPr>
-          <a:lstStyle/>
-          <a:p>
-            <a:r>
-              <a:rPr lang="de-DE" sz="2400" b="1" dirty="0"/>
-              <a:t>Sentimentanalyse:</a:t>
-            </a:r>
-          </a:p>
-        </p:txBody>
-      </p:sp>
-      <p:sp>
-        <p:nvSpPr>
-          <p:cNvPr id="45" name="TextBox 44">
-            <a:extLst>
-              <a:ext uri="{FF2B5EF4-FFF2-40B4-BE49-F238E27FC236}">
-                <a16:creationId xmlns:a16="http://schemas.microsoft.com/office/drawing/2014/main" id="{B9C7A981-AD7D-FF9A-7DE4-AAA5DB0EAE5E}"/>
-              </a:ext>
-            </a:extLst>
-          </p:cNvPr>
-          <p:cNvSpPr txBox="1"/>
-          <p:nvPr/>
-        </p:nvSpPr>
-        <p:spPr>
-          <a:xfrm>
-            <a:off x="16275213" y="26885296"/>
-            <a:ext cx="2556433" cy="461665"/>
-          </a:xfrm>
-          <a:prstGeom prst="rect">
-            <a:avLst/>
-          </a:prstGeom>
-          <a:noFill/>
-        </p:spPr>
-        <p:txBody>
-          <a:bodyPr wrap="square" rtlCol="0">
-            <a:spAutoFit/>
-          </a:bodyPr>
-          <a:lstStyle/>
-          <a:p>
-            <a:r>
-              <a:rPr lang="de-DE" sz="2400" b="1" dirty="0"/>
-              <a:t>Wörteranzahl:</a:t>
-            </a:r>
-          </a:p>
-        </p:txBody>
-      </p:sp>
-      <p:pic>
-        <p:nvPicPr>
-          <p:cNvPr id="53" name="Picture 52">
-            <a:extLst>
-              <a:ext uri="{FF2B5EF4-FFF2-40B4-BE49-F238E27FC236}">
-                <a16:creationId xmlns:a16="http://schemas.microsoft.com/office/drawing/2014/main" id="{D21D5E26-16BE-CD6F-812D-E4608BCCF85E}"/>
-              </a:ext>
-            </a:extLst>
-          </p:cNvPr>
-          <p:cNvPicPr>
-            <a:picLocks noChangeAspect="1"/>
-          </p:cNvPicPr>
-          <p:nvPr/>
-        </p:nvPicPr>
-        <p:blipFill>
-          <a:blip r:embed="rId17">
-            <a:extLst>
-              <a:ext uri="{28A0092B-C50C-407E-A947-70E740481C1C}">
-                <a14:useLocalDpi xmlns:a14="http://schemas.microsoft.com/office/drawing/2010/main" val="0"/>
-              </a:ext>
-            </a:extLst>
-          </a:blip>
-          <a:srcRect b="4057"/>
-          <a:stretch/>
-        </p:blipFill>
-        <p:spPr>
-          <a:xfrm>
-            <a:off x="18485770" y="26741135"/>
-            <a:ext cx="2646719" cy="2539331"/>
-          </a:xfrm>
-          <a:prstGeom prst="rect">
-            <a:avLst/>
-          </a:prstGeom>
-        </p:spPr>
-      </p:pic>
-      <p:sp>
-        <p:nvSpPr>
-          <p:cNvPr id="54" name="TextBox 53">
-            <a:extLst>
-              <a:ext uri="{FF2B5EF4-FFF2-40B4-BE49-F238E27FC236}">
-                <a16:creationId xmlns:a16="http://schemas.microsoft.com/office/drawing/2014/main" id="{1FB73F04-6D83-B048-4263-654CE31A2CC2}"/>
-              </a:ext>
-            </a:extLst>
-          </p:cNvPr>
-          <p:cNvSpPr txBox="1"/>
-          <p:nvPr/>
-        </p:nvSpPr>
-        <p:spPr>
-          <a:xfrm>
-            <a:off x="5608569" y="26813117"/>
-            <a:ext cx="5110711" cy="369332"/>
-          </a:xfrm>
-          <a:prstGeom prst="rect">
-            <a:avLst/>
-          </a:prstGeom>
-          <a:noFill/>
-        </p:spPr>
-        <p:txBody>
-          <a:bodyPr wrap="square" rtlCol="0">
-            <a:spAutoFit/>
-          </a:bodyPr>
-          <a:lstStyle/>
-          <a:p>
-            <a:r>
-              <a:rPr lang="de-DE" dirty="0"/>
-              <a:t>github.com/AdminL3/Jugend-Forscht</a:t>
-            </a:r>
-          </a:p>
-        </p:txBody>
-      </p:sp>
-      <p:grpSp>
-        <p:nvGrpSpPr>
-          <p:cNvPr id="4" name="Group 3">
-            <a:extLst>
-              <a:ext uri="{FF2B5EF4-FFF2-40B4-BE49-F238E27FC236}">
-                <a16:creationId xmlns:a16="http://schemas.microsoft.com/office/drawing/2014/main" id="{1E3E60CD-D87D-DB5D-6FE7-7BD06D599A40}"/>
-              </a:ext>
-            </a:extLst>
-          </p:cNvPr>
-          <p:cNvGrpSpPr/>
-          <p:nvPr/>
-        </p:nvGrpSpPr>
-        <p:grpSpPr>
-          <a:xfrm>
-            <a:off x="199223" y="21703249"/>
-            <a:ext cx="21095684" cy="4330573"/>
-            <a:chOff x="156948" y="21549471"/>
-            <a:chExt cx="21095684" cy="4330573"/>
-          </a:xfrm>
-        </p:grpSpPr>
-        <p:sp>
-          <p:nvSpPr>
-            <p:cNvPr id="26" name="Rechteck 25">
-              <a:extLst>
-                <a:ext uri="{FF2B5EF4-FFF2-40B4-BE49-F238E27FC236}">
-                  <a16:creationId xmlns:a16="http://schemas.microsoft.com/office/drawing/2014/main" id="{2B363CA6-038B-A880-9302-F6511960824F}"/>
-                </a:ext>
-              </a:extLst>
-            </p:cNvPr>
-            <p:cNvSpPr/>
-            <p:nvPr/>
-          </p:nvSpPr>
-          <p:spPr>
-            <a:xfrm>
-              <a:off x="156948" y="21549471"/>
-              <a:ext cx="21095684" cy="4330573"/>
-            </a:xfrm>
-            <a:prstGeom prst="rect">
-              <a:avLst/>
-            </a:prstGeom>
-            <a:solidFill>
-              <a:schemeClr val="bg1"/>
-            </a:solidFill>
-            <a:ln>
-              <a:noFill/>
-            </a:ln>
-          </p:spPr>
-          <p:style>
-            <a:lnRef idx="2">
-              <a:schemeClr val="accent1">
-                <a:shade val="15000"/>
-              </a:schemeClr>
-            </a:lnRef>
-            <a:fillRef idx="1">
-              <a:schemeClr val="accent1"/>
-            </a:fillRef>
-            <a:effectRef idx="0">
-              <a:schemeClr val="accent1"/>
-            </a:effectRef>
-            <a:fontRef idx="minor">
-              <a:schemeClr val="lt1"/>
-            </a:fontRef>
-          </p:style>
-          <p:txBody>
-            <a:bodyPr rtlCol="0" anchor="ctr"/>
-            <a:lstStyle/>
-            <a:p>
-              <a:pPr algn="ctr"/>
-              <a:endParaRPr lang="de-DE"/>
-            </a:p>
-          </p:txBody>
-        </p:sp>
-        <p:sp>
-          <p:nvSpPr>
-            <p:cNvPr id="8" name="Rechteck 7">
-              <a:extLst>
-                <a:ext uri="{FF2B5EF4-FFF2-40B4-BE49-F238E27FC236}">
-                  <a16:creationId xmlns:a16="http://schemas.microsoft.com/office/drawing/2014/main" id="{7B8B4C04-C5D5-7C17-0612-393403C49707}"/>
-                </a:ext>
-              </a:extLst>
-            </p:cNvPr>
-            <p:cNvSpPr>
-              <a:spLocks/>
-            </p:cNvSpPr>
-            <p:nvPr/>
-          </p:nvSpPr>
-          <p:spPr>
-            <a:xfrm>
-              <a:off x="164857" y="21556483"/>
-              <a:ext cx="21087775" cy="759692"/>
-            </a:xfrm>
-            <a:prstGeom prst="rect">
-              <a:avLst/>
-            </a:prstGeom>
-            <a:solidFill>
-              <a:srgbClr val="D7D7D7"/>
-            </a:solidFill>
-            <a:ln>
-              <a:noFill/>
-            </a:ln>
-          </p:spPr>
-          <p:style>
-            <a:lnRef idx="2">
-              <a:schemeClr val="accent1">
-                <a:shade val="50000"/>
-              </a:schemeClr>
-            </a:lnRef>
-            <a:fillRef idx="1">
-              <a:schemeClr val="accent1"/>
-            </a:fillRef>
-            <a:effectRef idx="0">
-              <a:schemeClr val="accent1"/>
-            </a:effectRef>
-            <a:fontRef idx="minor">
-              <a:schemeClr val="lt1"/>
-            </a:fontRef>
-          </p:style>
-          <p:txBody>
-            <a:bodyPr rtlCol="0" anchor="ctr"/>
-            <a:lstStyle/>
-            <a:p>
-              <a:r>
-                <a:rPr lang="de-DE" sz="4400" b="1" noProof="0" dirty="0">
-                  <a:solidFill>
-                    <a:schemeClr val="tx1"/>
-                  </a:solidFill>
-                  <a:latin typeface="Aptos" panose="020B0004020202020204" pitchFamily="34" charset="0"/>
-                  <a:cs typeface="Times New Roman" panose="02020603050405020304" pitchFamily="18" charset="0"/>
-                </a:rPr>
-                <a:t>Interpretation🤔</a:t>
-              </a:r>
-            </a:p>
-          </p:txBody>
-        </p:sp>
-        <p:sp>
-          <p:nvSpPr>
-            <p:cNvPr id="20" name="Textfeld 19">
-              <a:extLst>
-                <a:ext uri="{FF2B5EF4-FFF2-40B4-BE49-F238E27FC236}">
-                  <a16:creationId xmlns:a16="http://schemas.microsoft.com/office/drawing/2014/main" id="{C15A0C3E-5E35-4C1F-8405-3D3A326E3B67}"/>
-                </a:ext>
-              </a:extLst>
-            </p:cNvPr>
-            <p:cNvSpPr txBox="1"/>
-            <p:nvPr/>
-          </p:nvSpPr>
-          <p:spPr>
-            <a:xfrm>
-              <a:off x="263423" y="22480539"/>
-              <a:ext cx="20781659" cy="3108543"/>
-            </a:xfrm>
-            <a:prstGeom prst="rect">
-              <a:avLst/>
-            </a:prstGeom>
-            <a:noFill/>
-          </p:spPr>
-          <p:txBody>
-            <a:bodyPr wrap="square" rtlCol="0">
-              <a:spAutoFit/>
-            </a:bodyPr>
-            <a:lstStyle/>
-            <a:p>
-              <a:r>
-                <a:rPr lang="de-DE" sz="2800" noProof="0" dirty="0">
-                  <a:latin typeface="Aptos" panose="020B0004020202020204" pitchFamily="34" charset="0"/>
-                  <a:cs typeface="Times New Roman" panose="02020603050405020304" pitchFamily="18" charset="0"/>
-                </a:rPr>
-                <a:t>World –Artikel grundsätzlich eher objektiv im </a:t>
-              </a:r>
-              <a:r>
-                <a:rPr lang="de-DE" sz="2800" dirty="0">
-                  <a:latin typeface="Aptos" panose="020B0004020202020204" pitchFamily="34" charset="0"/>
-                  <a:cs typeface="Times New Roman" panose="02020603050405020304" pitchFamily="18" charset="0"/>
-                </a:rPr>
-                <a:t>Vergleich zu Opinion  -&gt; stärkere Meinungsbildung in der Rubrik „Opinion“, keine Veränderung über die Zeit</a:t>
-              </a:r>
-            </a:p>
-            <a:p>
-              <a:r>
-                <a:rPr lang="de-DE" sz="2800" dirty="0">
-                  <a:latin typeface="Aptos" panose="020B0004020202020204" pitchFamily="34" charset="0"/>
-                  <a:cs typeface="Times New Roman" panose="02020603050405020304" pitchFamily="18" charset="0"/>
-                </a:rPr>
-                <a:t>Grundsätzlich geringe Polarisation, keine Tendenzen erkennbar -&gt; unverändert vergleichbare, neutrale Berichterstattung</a:t>
-              </a:r>
-            </a:p>
-            <a:p>
-              <a:r>
-                <a:rPr lang="de-DE" sz="2800" dirty="0">
-                  <a:latin typeface="Aptos" panose="020B0004020202020204" pitchFamily="34" charset="0"/>
-                  <a:cs typeface="Times New Roman" panose="02020603050405020304" pitchFamily="18" charset="0"/>
-                </a:rPr>
-                <a:t>Keine signifikante Änderung in der Artikellänge -&gt; </a:t>
-              </a:r>
-              <a:r>
-                <a:rPr lang="de-DE" sz="2800" noProof="0" dirty="0">
-                  <a:latin typeface="Aptos" panose="020B0004020202020204" pitchFamily="34" charset="0"/>
-                  <a:cs typeface="Times New Roman" panose="02020603050405020304" pitchFamily="18" charset="0"/>
-                </a:rPr>
-                <a:t>Kein Einfluss von sozialen Medien oder dem Trend zu kürzeren Texten erkennbar</a:t>
-              </a:r>
-              <a:endParaRPr lang="de-DE" sz="2800" dirty="0">
-                <a:latin typeface="Aptos" panose="020B0004020202020204" pitchFamily="34" charset="0"/>
-                <a:cs typeface="Times New Roman" panose="02020603050405020304" pitchFamily="18" charset="0"/>
-              </a:endParaRPr>
-            </a:p>
-            <a:p>
-              <a:r>
-                <a:rPr lang="de-DE" sz="2800" dirty="0">
-                  <a:latin typeface="Aptos" panose="020B0004020202020204" pitchFamily="34" charset="0"/>
-                  <a:cs typeface="Times New Roman" panose="02020603050405020304" pitchFamily="18" charset="0"/>
-                </a:rPr>
-                <a:t>Deutliche Veränderungen in der Artikelanzahl -&gt; </a:t>
-              </a:r>
-              <a:r>
-                <a:rPr lang="de-DE" sz="2800" noProof="0" dirty="0">
-                  <a:latin typeface="Aptos" panose="020B0004020202020204" pitchFamily="34" charset="0"/>
-                  <a:cs typeface="Times New Roman" panose="02020603050405020304" pitchFamily="18" charset="0"/>
-                </a:rPr>
-                <a:t>Mögliche Gründe: geänderte redaktionelle Schwerpunkte oder eine veränderte Nachrichtenlage.</a:t>
-              </a:r>
-            </a:p>
-            <a:p>
-              <a:r>
-                <a:rPr lang="de-DE" sz="2800" noProof="0" dirty="0">
-                  <a:latin typeface="Aptos" panose="020B0004020202020204" pitchFamily="34" charset="0"/>
-                  <a:cs typeface="Times New Roman" panose="02020603050405020304" pitchFamily="18" charset="0"/>
-                </a:rPr>
-                <a:t>Beide Zeitungen zeigen eine ähnliche Entwicklung, was auf vergleichbare journalistische Standards hindeutet.</a:t>
-              </a:r>
-            </a:p>
-          </p:txBody>
-        </p:sp>
-      </p:grpSp>
-      <p:pic>
-        <p:nvPicPr>
-          <p:cNvPr id="6" name="Picture 5">
-            <a:extLst>
-              <a:ext uri="{FF2B5EF4-FFF2-40B4-BE49-F238E27FC236}">
-                <a16:creationId xmlns:a16="http://schemas.microsoft.com/office/drawing/2014/main" id="{4BC04DD0-7DAD-6BAC-0AAD-2420378F7A76}"/>
-              </a:ext>
-            </a:extLst>
-          </p:cNvPr>
-          <p:cNvPicPr>
-            <a:picLocks noChangeAspect="1"/>
-          </p:cNvPicPr>
-          <p:nvPr/>
-        </p:nvPicPr>
-        <p:blipFill>
-          <a:blip r:embed="rId18">
-            <a:extLst>
-              <a:ext uri="{28A0092B-C50C-407E-A947-70E740481C1C}">
-                <a14:useLocalDpi xmlns:a14="http://schemas.microsoft.com/office/drawing/2010/main" val="0"/>
-              </a:ext>
-            </a:extLst>
-          </a:blip>
-          <a:stretch>
-            <a:fillRect/>
-          </a:stretch>
-        </p:blipFill>
-        <p:spPr>
-          <a:xfrm>
-            <a:off x="13486485" y="26750691"/>
-            <a:ext cx="2635620" cy="2635620"/>
-          </a:xfrm>
-          <a:prstGeom prst="rect">
-            <a:avLst/>
-          </a:prstGeom>
-        </p:spPr>
-      </p:pic>
-    </p:spTree>
-    <p:extLst>
-      <p:ext uri="{BB962C8B-B14F-4D97-AF65-F5344CB8AC3E}">
-        <p14:creationId xmlns:p14="http://schemas.microsoft.com/office/powerpoint/2010/main" val="3870641808"/>
-      </p:ext>
-    </p:extLst>
-  </p:cSld>
-  <p:clrMapOvr>
-    <a:masterClrMapping/>
-  </p:clrMapOvr>
-</p:sld>
-</file>
-
 <file path=ppt/theme/theme1.xml><?xml version="1.0" encoding="utf-8"?>
 <a:theme xmlns:a="http://schemas.openxmlformats.org/drawingml/2006/main" name="Office 2013 – 2022-Design">
   <a:themeElements>

--- a/Presentations/Deckblatt/Poster.pptx
+++ b/Presentations/Deckblatt/Poster.pptx
@@ -2,7 +2,7 @@
 <file path=ppt/presentation.xml><?xml version="1.0" encoding="utf-8"?>
 <p:presentation xmlns:a="http://schemas.openxmlformats.org/drawingml/2006/main" xmlns:r="http://schemas.openxmlformats.org/officeDocument/2006/relationships" xmlns:p="http://schemas.openxmlformats.org/presentationml/2006/main" saveSubsetFonts="1" bookmarkIdSeed="3">
   <p:sldMasterIdLst>
-    <p:sldMasterId id="2147483696" r:id="rId1"/>
+    <p:sldMasterId id="2147483720" r:id="rId1"/>
   </p:sldMasterIdLst>
   <p:notesMasterIdLst>
     <p:notesMasterId r:id="rId3"/>
@@ -10,7 +10,7 @@
   <p:sldIdLst>
     <p:sldId id="278" r:id="rId2"/>
   </p:sldIdLst>
-  <p:sldSz cx="21383625" cy="30275213"/>
+  <p:sldSz cx="21636038" cy="30456188"/>
   <p:notesSz cx="7099300" cy="10234613"/>
   <p:defaultTextStyle>
     <a:defPPr>
@@ -110,12 +110,12 @@
   <p:extLst>
     <p:ext uri="{EFAFB233-063F-42B5-8137-9DF3F51BA10A}">
       <p15:sldGuideLst xmlns:p15="http://schemas.microsoft.com/office/powerpoint/2012/main">
-        <p15:guide id="1" orient="horz" pos="9536" userDrawn="1">
+        <p15:guide id="1" orient="horz" pos="9594" userDrawn="1">
           <p15:clr>
             <a:srgbClr val="A4A3A4"/>
           </p15:clr>
         </p15:guide>
-        <p15:guide id="2" pos="6735" userDrawn="1">
+        <p15:guide id="2" pos="6815" userDrawn="1">
           <p15:clr>
             <a:srgbClr val="A4A3A4"/>
           </p15:clr>
@@ -214,7 +214,7 @@
           <a:p>
             <a:fld id="{F5F779A3-EDDA-431B-AF07-CD568712874D}" type="datetimeFigureOut">
               <a:rPr lang="de-DE" smtClean="0"/>
-              <a:t>17.02.2025</a:t>
+              <a:t>22.02.2025</a:t>
             </a:fld>
             <a:endParaRPr lang="de-DE"/>
           </a:p>
@@ -232,8 +232,8 @@
         </p:nvSpPr>
         <p:spPr>
           <a:xfrm>
-            <a:off x="2330450" y="1279525"/>
-            <a:ext cx="2438400" cy="3454400"/>
+            <a:off x="2324100" y="1279525"/>
+            <a:ext cx="2451100" cy="3454400"/>
           </a:xfrm>
           <a:prstGeom prst="rect">
             <a:avLst/>
@@ -388,8 +388,8 @@
   </p:cSld>
   <p:clrMap bg1="lt1" tx1="dk1" bg2="lt2" tx2="dk2" accent1="accent1" accent2="accent2" accent3="accent3" accent4="accent4" accent5="accent5" accent6="accent6" hlink="hlink" folHlink="folHlink"/>
   <p:notesStyle>
-    <a:lvl1pPr marL="0" algn="l" defTabSz="914400" rtl="0" eaLnBrk="1" latinLnBrk="0" hangingPunct="1">
-      <a:defRPr sz="1200" kern="1200">
+    <a:lvl1pPr marL="0" algn="l" defTabSz="921998" rtl="0" eaLnBrk="1" latinLnBrk="0" hangingPunct="1">
+      <a:defRPr sz="1210" kern="1200">
         <a:solidFill>
           <a:schemeClr val="tx1"/>
         </a:solidFill>
@@ -398,8 +398,8 @@
         <a:cs typeface="+mn-cs"/>
       </a:defRPr>
     </a:lvl1pPr>
-    <a:lvl2pPr marL="457200" algn="l" defTabSz="914400" rtl="0" eaLnBrk="1" latinLnBrk="0" hangingPunct="1">
-      <a:defRPr sz="1200" kern="1200">
+    <a:lvl2pPr marL="460999" algn="l" defTabSz="921998" rtl="0" eaLnBrk="1" latinLnBrk="0" hangingPunct="1">
+      <a:defRPr sz="1210" kern="1200">
         <a:solidFill>
           <a:schemeClr val="tx1"/>
         </a:solidFill>
@@ -408,8 +408,8 @@
         <a:cs typeface="+mn-cs"/>
       </a:defRPr>
     </a:lvl2pPr>
-    <a:lvl3pPr marL="914400" algn="l" defTabSz="914400" rtl="0" eaLnBrk="1" latinLnBrk="0" hangingPunct="1">
-      <a:defRPr sz="1200" kern="1200">
+    <a:lvl3pPr marL="921998" algn="l" defTabSz="921998" rtl="0" eaLnBrk="1" latinLnBrk="0" hangingPunct="1">
+      <a:defRPr sz="1210" kern="1200">
         <a:solidFill>
           <a:schemeClr val="tx1"/>
         </a:solidFill>
@@ -418,8 +418,8 @@
         <a:cs typeface="+mn-cs"/>
       </a:defRPr>
     </a:lvl3pPr>
-    <a:lvl4pPr marL="1371600" algn="l" defTabSz="914400" rtl="0" eaLnBrk="1" latinLnBrk="0" hangingPunct="1">
-      <a:defRPr sz="1200" kern="1200">
+    <a:lvl4pPr marL="1382997" algn="l" defTabSz="921998" rtl="0" eaLnBrk="1" latinLnBrk="0" hangingPunct="1">
+      <a:defRPr sz="1210" kern="1200">
         <a:solidFill>
           <a:schemeClr val="tx1"/>
         </a:solidFill>
@@ -428,8 +428,8 @@
         <a:cs typeface="+mn-cs"/>
       </a:defRPr>
     </a:lvl4pPr>
-    <a:lvl5pPr marL="1828800" algn="l" defTabSz="914400" rtl="0" eaLnBrk="1" latinLnBrk="0" hangingPunct="1">
-      <a:defRPr sz="1200" kern="1200">
+    <a:lvl5pPr marL="1843997" algn="l" defTabSz="921998" rtl="0" eaLnBrk="1" latinLnBrk="0" hangingPunct="1">
+      <a:defRPr sz="1210" kern="1200">
         <a:solidFill>
           <a:schemeClr val="tx1"/>
         </a:solidFill>
@@ -438,8 +438,8 @@
         <a:cs typeface="+mn-cs"/>
       </a:defRPr>
     </a:lvl5pPr>
-    <a:lvl6pPr marL="2286000" algn="l" defTabSz="914400" rtl="0" eaLnBrk="1" latinLnBrk="0" hangingPunct="1">
-      <a:defRPr sz="1200" kern="1200">
+    <a:lvl6pPr marL="2304995" algn="l" defTabSz="921998" rtl="0" eaLnBrk="1" latinLnBrk="0" hangingPunct="1">
+      <a:defRPr sz="1210" kern="1200">
         <a:solidFill>
           <a:schemeClr val="tx1"/>
         </a:solidFill>
@@ -448,8 +448,8 @@
         <a:cs typeface="+mn-cs"/>
       </a:defRPr>
     </a:lvl6pPr>
-    <a:lvl7pPr marL="2743200" algn="l" defTabSz="914400" rtl="0" eaLnBrk="1" latinLnBrk="0" hangingPunct="1">
-      <a:defRPr sz="1200" kern="1200">
+    <a:lvl7pPr marL="2765995" algn="l" defTabSz="921998" rtl="0" eaLnBrk="1" latinLnBrk="0" hangingPunct="1">
+      <a:defRPr sz="1210" kern="1200">
         <a:solidFill>
           <a:schemeClr val="tx1"/>
         </a:solidFill>
@@ -458,8 +458,8 @@
         <a:cs typeface="+mn-cs"/>
       </a:defRPr>
     </a:lvl7pPr>
-    <a:lvl8pPr marL="3200400" algn="l" defTabSz="914400" rtl="0" eaLnBrk="1" latinLnBrk="0" hangingPunct="1">
-      <a:defRPr sz="1200" kern="1200">
+    <a:lvl8pPr marL="3226994" algn="l" defTabSz="921998" rtl="0" eaLnBrk="1" latinLnBrk="0" hangingPunct="1">
+      <a:defRPr sz="1210" kern="1200">
         <a:solidFill>
           <a:schemeClr val="tx1"/>
         </a:solidFill>
@@ -468,8 +468,8 @@
         <a:cs typeface="+mn-cs"/>
       </a:defRPr>
     </a:lvl8pPr>
-    <a:lvl9pPr marL="3657600" algn="l" defTabSz="914400" rtl="0" eaLnBrk="1" latinLnBrk="0" hangingPunct="1">
-      <a:defRPr sz="1200" kern="1200">
+    <a:lvl9pPr marL="3687993" algn="l" defTabSz="921998" rtl="0" eaLnBrk="1" latinLnBrk="0" hangingPunct="1">
+      <a:defRPr sz="1210" kern="1200">
         <a:solidFill>
           <a:schemeClr val="tx1"/>
         </a:solidFill>
@@ -521,7 +521,12 @@
             <p:ph type="sldImg"/>
           </p:nvPr>
         </p:nvSpPr>
-        <p:spPr/>
+        <p:spPr>
+          <a:xfrm>
+            <a:off x="2324100" y="1279525"/>
+            <a:ext cx="2451100" cy="3454400"/>
+          </a:xfrm>
+        </p:spPr>
       </p:sp>
       <p:sp>
         <p:nvSpPr>
@@ -592,7 +597,7 @@
 
 <file path=ppt/slideLayouts/slideLayout1.xml><?xml version="1.0" encoding="utf-8"?>
 <p:sldLayout xmlns:a="http://schemas.openxmlformats.org/drawingml/2006/main" xmlns:r="http://schemas.openxmlformats.org/officeDocument/2006/relationships" xmlns:p="http://schemas.openxmlformats.org/presentationml/2006/main" type="title" preserve="1">
-  <p:cSld name="Titelfolie">
+  <p:cSld name="Title Slide">
     <p:spTree>
       <p:nvGrpSpPr>
         <p:cNvPr id="1" name=""/>
@@ -619,21 +624,21 @@
         </p:nvSpPr>
         <p:spPr>
           <a:xfrm>
-            <a:off x="1603772" y="4954765"/>
-            <a:ext cx="18176081" cy="10540259"/>
+            <a:off x="1622703" y="4984383"/>
+            <a:ext cx="18390632" cy="10603265"/>
           </a:xfrm>
         </p:spPr>
         <p:txBody>
           <a:bodyPr anchor="b"/>
           <a:lstStyle>
             <a:lvl1pPr algn="ctr">
-              <a:defRPr sz="14031"/>
+              <a:defRPr sz="14197"/>
             </a:lvl1pPr>
           </a:lstStyle>
           <a:p>
             <a:r>
-              <a:rPr lang="de-DE"/>
-              <a:t>Mastertitelformat bearbeiten</a:t>
+              <a:rPr lang="en-US"/>
+              <a:t>Click to edit Master title style</a:t>
             </a:r>
             <a:endParaRPr lang="en-US" dirty="0"/>
           </a:p>
@@ -651,8 +656,8 @@
         </p:nvSpPr>
         <p:spPr>
           <a:xfrm>
-            <a:off x="2672953" y="15901497"/>
-            <a:ext cx="16037719" cy="7309499"/>
+            <a:off x="2704505" y="15996551"/>
+            <a:ext cx="16227029" cy="7353193"/>
           </a:xfrm>
         </p:spPr>
         <p:txBody>
@@ -660,45 +665,45 @@
           <a:lstStyle>
             <a:lvl1pPr marL="0" indent="0" algn="ctr">
               <a:buNone/>
-              <a:defRPr sz="5612"/>
+              <a:defRPr sz="5679"/>
             </a:lvl1pPr>
-            <a:lvl2pPr marL="1069162" indent="0" algn="ctr">
+            <a:lvl2pPr marL="1081781" indent="0" algn="ctr">
               <a:buNone/>
-              <a:defRPr sz="4677"/>
+              <a:defRPr sz="4732"/>
             </a:lvl2pPr>
-            <a:lvl3pPr marL="2138324" indent="0" algn="ctr">
+            <a:lvl3pPr marL="2163562" indent="0" algn="ctr">
               <a:buNone/>
-              <a:defRPr sz="4209"/>
+              <a:defRPr sz="4259"/>
             </a:lvl3pPr>
-            <a:lvl4pPr marL="3207487" indent="0" algn="ctr">
+            <a:lvl4pPr marL="3245343" indent="0" algn="ctr">
               <a:buNone/>
-              <a:defRPr sz="3742"/>
+              <a:defRPr sz="3786"/>
             </a:lvl4pPr>
-            <a:lvl5pPr marL="4276649" indent="0" algn="ctr">
+            <a:lvl5pPr marL="4327124" indent="0" algn="ctr">
               <a:buNone/>
-              <a:defRPr sz="3742"/>
+              <a:defRPr sz="3786"/>
             </a:lvl5pPr>
-            <a:lvl6pPr marL="5345811" indent="0" algn="ctr">
+            <a:lvl6pPr marL="5408905" indent="0" algn="ctr">
               <a:buNone/>
-              <a:defRPr sz="3742"/>
+              <a:defRPr sz="3786"/>
             </a:lvl6pPr>
-            <a:lvl7pPr marL="6414973" indent="0" algn="ctr">
+            <a:lvl7pPr marL="6490686" indent="0" algn="ctr">
               <a:buNone/>
-              <a:defRPr sz="3742"/>
+              <a:defRPr sz="3786"/>
             </a:lvl7pPr>
-            <a:lvl8pPr marL="7484135" indent="0" algn="ctr">
+            <a:lvl8pPr marL="7572466" indent="0" algn="ctr">
               <a:buNone/>
-              <a:defRPr sz="3742"/>
+              <a:defRPr sz="3786"/>
             </a:lvl8pPr>
-            <a:lvl9pPr marL="8553298" indent="0" algn="ctr">
+            <a:lvl9pPr marL="8654247" indent="0" algn="ctr">
               <a:buNone/>
-              <a:defRPr sz="3742"/>
+              <a:defRPr sz="3786"/>
             </a:lvl9pPr>
           </a:lstStyle>
           <a:p>
             <a:r>
-              <a:rPr lang="de-DE"/>
-              <a:t>Master-Untertitelformat bearbeiten</a:t>
+              <a:rPr lang="en-US"/>
+              <a:t>Click to edit Master subtitle style</a:t>
             </a:r>
             <a:endParaRPr lang="en-US" dirty="0"/>
           </a:p>
@@ -721,7 +726,7 @@
           <a:p>
             <a:fld id="{DCC59FF0-020B-4F2F-9C83-EF26E34AF9B2}" type="datetimeFigureOut">
               <a:rPr lang="de-DE" smtClean="0"/>
-              <a:t>17.02.2025</a:t>
+              <a:t>22.02.2025</a:t>
             </a:fld>
             <a:endParaRPr lang="de-DE"/>
           </a:p>
@@ -772,7 +777,7 @@
     </p:spTree>
     <p:extLst>
       <p:ext uri="{BB962C8B-B14F-4D97-AF65-F5344CB8AC3E}">
-        <p14:creationId xmlns:p14="http://schemas.microsoft.com/office/powerpoint/2010/main" val="2028500222"/>
+        <p14:creationId xmlns:p14="http://schemas.microsoft.com/office/powerpoint/2010/main" val="3907250079"/>
       </p:ext>
     </p:extLst>
   </p:cSld>
@@ -784,7 +789,7 @@
 
 <file path=ppt/slideLayouts/slideLayout10.xml><?xml version="1.0" encoding="utf-8"?>
 <p:sldLayout xmlns:a="http://schemas.openxmlformats.org/drawingml/2006/main" xmlns:r="http://schemas.openxmlformats.org/officeDocument/2006/relationships" xmlns:p="http://schemas.openxmlformats.org/presentationml/2006/main" type="vertTx" preserve="1">
-  <p:cSld name="Titel und vertikaler Text">
+  <p:cSld name="Title and Vertical Text">
     <p:spTree>
       <p:nvGrpSpPr>
         <p:cNvPr id="1" name=""/>
@@ -815,8 +820,8 @@
           <a:lstStyle/>
           <a:p>
             <a:r>
-              <a:rPr lang="de-DE"/>
-              <a:t>Mastertitelformat bearbeiten</a:t>
+              <a:rPr lang="en-US"/>
+              <a:t>Click to edit Master title style</a:t>
             </a:r>
             <a:endParaRPr lang="en-US" dirty="0"/>
           </a:p>
@@ -839,36 +844,36 @@
           <a:p>
             <a:pPr lvl="0"/>
             <a:r>
-              <a:rPr lang="de-DE"/>
-              <a:t>Mastertextformat bearbeiten</a:t>
+              <a:rPr lang="en-US"/>
+              <a:t>Click to edit Master text styles</a:t>
             </a:r>
           </a:p>
           <a:p>
             <a:pPr lvl="1"/>
             <a:r>
-              <a:rPr lang="de-DE"/>
-              <a:t>Zweite Ebene</a:t>
+              <a:rPr lang="en-US"/>
+              <a:t>Second level</a:t>
             </a:r>
           </a:p>
           <a:p>
             <a:pPr lvl="2"/>
             <a:r>
-              <a:rPr lang="de-DE"/>
-              <a:t>Dritte Ebene</a:t>
+              <a:rPr lang="en-US"/>
+              <a:t>Third level</a:t>
             </a:r>
           </a:p>
           <a:p>
             <a:pPr lvl="3"/>
             <a:r>
-              <a:rPr lang="de-DE"/>
-              <a:t>Vierte Ebene</a:t>
+              <a:rPr lang="en-US"/>
+              <a:t>Fourth level</a:t>
             </a:r>
           </a:p>
           <a:p>
             <a:pPr lvl="4"/>
             <a:r>
-              <a:rPr lang="de-DE"/>
-              <a:t>Fünfte Ebene</a:t>
+              <a:rPr lang="en-US"/>
+              <a:t>Fifth level</a:t>
             </a:r>
             <a:endParaRPr lang="en-US" dirty="0"/>
           </a:p>
@@ -891,7 +896,7 @@
           <a:p>
             <a:fld id="{DCC59FF0-020B-4F2F-9C83-EF26E34AF9B2}" type="datetimeFigureOut">
               <a:rPr lang="de-DE" smtClean="0"/>
-              <a:t>17.02.2025</a:t>
+              <a:t>22.02.2025</a:t>
             </a:fld>
             <a:endParaRPr lang="de-DE"/>
           </a:p>
@@ -942,7 +947,7 @@
     </p:spTree>
     <p:extLst>
       <p:ext uri="{BB962C8B-B14F-4D97-AF65-F5344CB8AC3E}">
-        <p14:creationId xmlns:p14="http://schemas.microsoft.com/office/powerpoint/2010/main" val="3356991866"/>
+        <p14:creationId xmlns:p14="http://schemas.microsoft.com/office/powerpoint/2010/main" val="1166927579"/>
       </p:ext>
     </p:extLst>
   </p:cSld>
@@ -954,7 +959,7 @@
 
 <file path=ppt/slideLayouts/slideLayout11.xml><?xml version="1.0" encoding="utf-8"?>
 <p:sldLayout xmlns:a="http://schemas.openxmlformats.org/drawingml/2006/main" xmlns:r="http://schemas.openxmlformats.org/officeDocument/2006/relationships" xmlns:p="http://schemas.openxmlformats.org/presentationml/2006/main" type="vertTitleAndTx" preserve="1">
-  <p:cSld name="Vertikaler Titel und Text">
+  <p:cSld name="Vertical Title and Text">
     <p:spTree>
       <p:nvGrpSpPr>
         <p:cNvPr id="1" name=""/>
@@ -981,8 +986,8 @@
         </p:nvSpPr>
         <p:spPr>
           <a:xfrm>
-            <a:off x="15302658" y="1611875"/>
-            <a:ext cx="4610844" cy="25656844"/>
+            <a:off x="15483291" y="1621510"/>
+            <a:ext cx="4665271" cy="25810212"/>
           </a:xfrm>
         </p:spPr>
         <p:txBody>
@@ -990,8 +995,8 @@
           <a:lstStyle/>
           <a:p>
             <a:r>
-              <a:rPr lang="de-DE"/>
-              <a:t>Mastertitelformat bearbeiten</a:t>
+              <a:rPr lang="en-US"/>
+              <a:t>Click to edit Master title style</a:t>
             </a:r>
             <a:endParaRPr lang="en-US" dirty="0"/>
           </a:p>
@@ -1009,8 +1014,8 @@
         </p:nvSpPr>
         <p:spPr>
           <a:xfrm>
-            <a:off x="1470125" y="1611875"/>
-            <a:ext cx="13565237" cy="25656844"/>
+            <a:off x="1487479" y="1621510"/>
+            <a:ext cx="13725362" cy="25810212"/>
           </a:xfrm>
         </p:spPr>
         <p:txBody>
@@ -1019,36 +1024,36 @@
           <a:p>
             <a:pPr lvl="0"/>
             <a:r>
-              <a:rPr lang="de-DE"/>
-              <a:t>Mastertextformat bearbeiten</a:t>
+              <a:rPr lang="en-US"/>
+              <a:t>Click to edit Master text styles</a:t>
             </a:r>
           </a:p>
           <a:p>
             <a:pPr lvl="1"/>
             <a:r>
-              <a:rPr lang="de-DE"/>
-              <a:t>Zweite Ebene</a:t>
+              <a:rPr lang="en-US"/>
+              <a:t>Second level</a:t>
             </a:r>
           </a:p>
           <a:p>
             <a:pPr lvl="2"/>
             <a:r>
-              <a:rPr lang="de-DE"/>
-              <a:t>Dritte Ebene</a:t>
+              <a:rPr lang="en-US"/>
+              <a:t>Third level</a:t>
             </a:r>
           </a:p>
           <a:p>
             <a:pPr lvl="3"/>
             <a:r>
-              <a:rPr lang="de-DE"/>
-              <a:t>Vierte Ebene</a:t>
+              <a:rPr lang="en-US"/>
+              <a:t>Fourth level</a:t>
             </a:r>
           </a:p>
           <a:p>
             <a:pPr lvl="4"/>
             <a:r>
-              <a:rPr lang="de-DE"/>
-              <a:t>Fünfte Ebene</a:t>
+              <a:rPr lang="en-US"/>
+              <a:t>Fifth level</a:t>
             </a:r>
             <a:endParaRPr lang="en-US" dirty="0"/>
           </a:p>
@@ -1071,7 +1076,7 @@
           <a:p>
             <a:fld id="{DCC59FF0-020B-4F2F-9C83-EF26E34AF9B2}" type="datetimeFigureOut">
               <a:rPr lang="de-DE" smtClean="0"/>
-              <a:t>17.02.2025</a:t>
+              <a:t>22.02.2025</a:t>
             </a:fld>
             <a:endParaRPr lang="de-DE"/>
           </a:p>
@@ -1122,7 +1127,7 @@
     </p:spTree>
     <p:extLst>
       <p:ext uri="{BB962C8B-B14F-4D97-AF65-F5344CB8AC3E}">
-        <p14:creationId xmlns:p14="http://schemas.microsoft.com/office/powerpoint/2010/main" val="3011091750"/>
+        <p14:creationId xmlns:p14="http://schemas.microsoft.com/office/powerpoint/2010/main" val="2303060080"/>
       </p:ext>
     </p:extLst>
   </p:cSld>
@@ -1134,7 +1139,7 @@
 
 <file path=ppt/slideLayouts/slideLayout2.xml><?xml version="1.0" encoding="utf-8"?>
 <p:sldLayout xmlns:a="http://schemas.openxmlformats.org/drawingml/2006/main" xmlns:r="http://schemas.openxmlformats.org/officeDocument/2006/relationships" xmlns:p="http://schemas.openxmlformats.org/presentationml/2006/main" type="obj" preserve="1">
-  <p:cSld name="Titel und Inhalt">
+  <p:cSld name="Title and Content">
     <p:spTree>
       <p:nvGrpSpPr>
         <p:cNvPr id="1" name=""/>
@@ -1165,8 +1170,8 @@
           <a:lstStyle/>
           <a:p>
             <a:r>
-              <a:rPr lang="de-DE"/>
-              <a:t>Mastertitelformat bearbeiten</a:t>
+              <a:rPr lang="en-US"/>
+              <a:t>Click to edit Master title style</a:t>
             </a:r>
             <a:endParaRPr lang="en-US" dirty="0"/>
           </a:p>
@@ -1189,36 +1194,36 @@
           <a:p>
             <a:pPr lvl="0"/>
             <a:r>
-              <a:rPr lang="de-DE"/>
-              <a:t>Mastertextformat bearbeiten</a:t>
+              <a:rPr lang="en-US"/>
+              <a:t>Click to edit Master text styles</a:t>
             </a:r>
           </a:p>
           <a:p>
             <a:pPr lvl="1"/>
             <a:r>
-              <a:rPr lang="de-DE"/>
-              <a:t>Zweite Ebene</a:t>
+              <a:rPr lang="en-US"/>
+              <a:t>Second level</a:t>
             </a:r>
           </a:p>
           <a:p>
             <a:pPr lvl="2"/>
             <a:r>
-              <a:rPr lang="de-DE"/>
-              <a:t>Dritte Ebene</a:t>
+              <a:rPr lang="en-US"/>
+              <a:t>Third level</a:t>
             </a:r>
           </a:p>
           <a:p>
             <a:pPr lvl="3"/>
             <a:r>
-              <a:rPr lang="de-DE"/>
-              <a:t>Vierte Ebene</a:t>
+              <a:rPr lang="en-US"/>
+              <a:t>Fourth level</a:t>
             </a:r>
           </a:p>
           <a:p>
             <a:pPr lvl="4"/>
             <a:r>
-              <a:rPr lang="de-DE"/>
-              <a:t>Fünfte Ebene</a:t>
+              <a:rPr lang="en-US"/>
+              <a:t>Fifth level</a:t>
             </a:r>
             <a:endParaRPr lang="en-US" dirty="0"/>
           </a:p>
@@ -1241,7 +1246,7 @@
           <a:p>
             <a:fld id="{DCC59FF0-020B-4F2F-9C83-EF26E34AF9B2}" type="datetimeFigureOut">
               <a:rPr lang="de-DE" smtClean="0"/>
-              <a:t>17.02.2025</a:t>
+              <a:t>22.02.2025</a:t>
             </a:fld>
             <a:endParaRPr lang="de-DE"/>
           </a:p>
@@ -1292,7 +1297,7 @@
     </p:spTree>
     <p:extLst>
       <p:ext uri="{BB962C8B-B14F-4D97-AF65-F5344CB8AC3E}">
-        <p14:creationId xmlns:p14="http://schemas.microsoft.com/office/powerpoint/2010/main" val="3127333430"/>
+        <p14:creationId xmlns:p14="http://schemas.microsoft.com/office/powerpoint/2010/main" val="3615947850"/>
       </p:ext>
     </p:extLst>
   </p:cSld>
@@ -1304,7 +1309,7 @@
 
 <file path=ppt/slideLayouts/slideLayout3.xml><?xml version="1.0" encoding="utf-8"?>
 <p:sldLayout xmlns:a="http://schemas.openxmlformats.org/drawingml/2006/main" xmlns:r="http://schemas.openxmlformats.org/officeDocument/2006/relationships" xmlns:p="http://schemas.openxmlformats.org/presentationml/2006/main" type="secHead" preserve="1">
-  <p:cSld name="Abschnitts-&#10;überschrift">
+  <p:cSld name="Section Header">
     <p:spTree>
       <p:nvGrpSpPr>
         <p:cNvPr id="1" name=""/>
@@ -1331,21 +1336,21 @@
         </p:nvSpPr>
         <p:spPr>
           <a:xfrm>
-            <a:off x="1458988" y="7547788"/>
-            <a:ext cx="18443377" cy="12593645"/>
+            <a:off x="1476210" y="7592906"/>
+            <a:ext cx="18661083" cy="12668926"/>
           </a:xfrm>
         </p:spPr>
         <p:txBody>
           <a:bodyPr anchor="b"/>
           <a:lstStyle>
             <a:lvl1pPr>
-              <a:defRPr sz="14031"/>
+              <a:defRPr sz="14197"/>
             </a:lvl1pPr>
           </a:lstStyle>
           <a:p>
             <a:r>
-              <a:rPr lang="de-DE"/>
-              <a:t>Mastertitelformat bearbeiten</a:t>
+              <a:rPr lang="en-US"/>
+              <a:t>Click to edit Master title style</a:t>
             </a:r>
             <a:endParaRPr lang="en-US" dirty="0"/>
           </a:p>
@@ -1363,8 +1368,8 @@
         </p:nvSpPr>
         <p:spPr>
           <a:xfrm>
-            <a:off x="1458988" y="20260574"/>
-            <a:ext cx="18443377" cy="6622701"/>
+            <a:off x="1476210" y="20381685"/>
+            <a:ext cx="18661083" cy="6662289"/>
           </a:xfrm>
         </p:spPr>
         <p:txBody>
@@ -1372,15 +1377,15 @@
           <a:lstStyle>
             <a:lvl1pPr marL="0" indent="0">
               <a:buNone/>
-              <a:defRPr sz="5612">
+              <a:defRPr sz="5679">
                 <a:solidFill>
                   <a:schemeClr val="tx1"/>
                 </a:solidFill>
               </a:defRPr>
             </a:lvl1pPr>
-            <a:lvl2pPr marL="1069162" indent="0">
+            <a:lvl2pPr marL="1081781" indent="0">
               <a:buNone/>
-              <a:defRPr sz="4677">
+              <a:defRPr sz="4732">
                 <a:solidFill>
                   <a:schemeClr val="tx1">
                     <a:tint val="75000"/>
@@ -1388,9 +1393,9 @@
                 </a:solidFill>
               </a:defRPr>
             </a:lvl2pPr>
-            <a:lvl3pPr marL="2138324" indent="0">
+            <a:lvl3pPr marL="2163562" indent="0">
               <a:buNone/>
-              <a:defRPr sz="4209">
+              <a:defRPr sz="4259">
                 <a:solidFill>
                   <a:schemeClr val="tx1">
                     <a:tint val="75000"/>
@@ -1398,9 +1403,9 @@
                 </a:solidFill>
               </a:defRPr>
             </a:lvl3pPr>
-            <a:lvl4pPr marL="3207487" indent="0">
+            <a:lvl4pPr marL="3245343" indent="0">
               <a:buNone/>
-              <a:defRPr sz="3742">
+              <a:defRPr sz="3786">
                 <a:solidFill>
                   <a:schemeClr val="tx1">
                     <a:tint val="75000"/>
@@ -1408,9 +1413,9 @@
                 </a:solidFill>
               </a:defRPr>
             </a:lvl4pPr>
-            <a:lvl5pPr marL="4276649" indent="0">
+            <a:lvl5pPr marL="4327124" indent="0">
               <a:buNone/>
-              <a:defRPr sz="3742">
+              <a:defRPr sz="3786">
                 <a:solidFill>
                   <a:schemeClr val="tx1">
                     <a:tint val="75000"/>
@@ -1418,9 +1423,9 @@
                 </a:solidFill>
               </a:defRPr>
             </a:lvl5pPr>
-            <a:lvl6pPr marL="5345811" indent="0">
+            <a:lvl6pPr marL="5408905" indent="0">
               <a:buNone/>
-              <a:defRPr sz="3742">
+              <a:defRPr sz="3786">
                 <a:solidFill>
                   <a:schemeClr val="tx1">
                     <a:tint val="75000"/>
@@ -1428,9 +1433,9 @@
                 </a:solidFill>
               </a:defRPr>
             </a:lvl6pPr>
-            <a:lvl7pPr marL="6414973" indent="0">
+            <a:lvl7pPr marL="6490686" indent="0">
               <a:buNone/>
-              <a:defRPr sz="3742">
+              <a:defRPr sz="3786">
                 <a:solidFill>
                   <a:schemeClr val="tx1">
                     <a:tint val="75000"/>
@@ -1438,9 +1443,9 @@
                 </a:solidFill>
               </a:defRPr>
             </a:lvl7pPr>
-            <a:lvl8pPr marL="7484135" indent="0">
+            <a:lvl8pPr marL="7572466" indent="0">
               <a:buNone/>
-              <a:defRPr sz="3742">
+              <a:defRPr sz="3786">
                 <a:solidFill>
                   <a:schemeClr val="tx1">
                     <a:tint val="75000"/>
@@ -1448,9 +1453,9 @@
                 </a:solidFill>
               </a:defRPr>
             </a:lvl8pPr>
-            <a:lvl9pPr marL="8553298" indent="0">
+            <a:lvl9pPr marL="8654247" indent="0">
               <a:buNone/>
-              <a:defRPr sz="3742">
+              <a:defRPr sz="3786">
                 <a:solidFill>
                   <a:schemeClr val="tx1">
                     <a:tint val="75000"/>
@@ -1462,8 +1467,8 @@
           <a:p>
             <a:pPr lvl="0"/>
             <a:r>
-              <a:rPr lang="de-DE"/>
-              <a:t>Mastertextformat bearbeiten</a:t>
+              <a:rPr lang="en-US"/>
+              <a:t>Click to edit Master text styles</a:t>
             </a:r>
           </a:p>
         </p:txBody>
@@ -1485,7 +1490,7 @@
           <a:p>
             <a:fld id="{DCC59FF0-020B-4F2F-9C83-EF26E34AF9B2}" type="datetimeFigureOut">
               <a:rPr lang="de-DE" smtClean="0"/>
-              <a:t>17.02.2025</a:t>
+              <a:t>22.02.2025</a:t>
             </a:fld>
             <a:endParaRPr lang="de-DE"/>
           </a:p>
@@ -1536,7 +1541,7 @@
     </p:spTree>
     <p:extLst>
       <p:ext uri="{BB962C8B-B14F-4D97-AF65-F5344CB8AC3E}">
-        <p14:creationId xmlns:p14="http://schemas.microsoft.com/office/powerpoint/2010/main" val="4093105772"/>
+        <p14:creationId xmlns:p14="http://schemas.microsoft.com/office/powerpoint/2010/main" val="2223201742"/>
       </p:ext>
     </p:extLst>
   </p:cSld>
@@ -1548,7 +1553,7 @@
 
 <file path=ppt/slideLayouts/slideLayout4.xml><?xml version="1.0" encoding="utf-8"?>
 <p:sldLayout xmlns:a="http://schemas.openxmlformats.org/drawingml/2006/main" xmlns:r="http://schemas.openxmlformats.org/officeDocument/2006/relationships" xmlns:p="http://schemas.openxmlformats.org/presentationml/2006/main" type="twoObj" preserve="1">
-  <p:cSld name="Zwei Inhalte">
+  <p:cSld name="Two Content">
     <p:spTree>
       <p:nvGrpSpPr>
         <p:cNvPr id="1" name=""/>
@@ -1579,8 +1584,8 @@
           <a:lstStyle/>
           <a:p>
             <a:r>
-              <a:rPr lang="de-DE"/>
-              <a:t>Mastertitelformat bearbeiten</a:t>
+              <a:rPr lang="en-US"/>
+              <a:t>Click to edit Master title style</a:t>
             </a:r>
             <a:endParaRPr lang="en-US" dirty="0"/>
           </a:p>
@@ -1598,8 +1603,8 @@
         </p:nvSpPr>
         <p:spPr>
           <a:xfrm>
-            <a:off x="1470124" y="8059374"/>
-            <a:ext cx="9088041" cy="19209345"/>
+            <a:off x="1487478" y="8107550"/>
+            <a:ext cx="9195316" cy="19324172"/>
           </a:xfrm>
         </p:spPr>
         <p:txBody>
@@ -1608,36 +1613,36 @@
           <a:p>
             <a:pPr lvl="0"/>
             <a:r>
-              <a:rPr lang="de-DE"/>
-              <a:t>Mastertextformat bearbeiten</a:t>
+              <a:rPr lang="en-US"/>
+              <a:t>Click to edit Master text styles</a:t>
             </a:r>
           </a:p>
           <a:p>
             <a:pPr lvl="1"/>
             <a:r>
-              <a:rPr lang="de-DE"/>
-              <a:t>Zweite Ebene</a:t>
+              <a:rPr lang="en-US"/>
+              <a:t>Second level</a:t>
             </a:r>
           </a:p>
           <a:p>
             <a:pPr lvl="2"/>
             <a:r>
-              <a:rPr lang="de-DE"/>
-              <a:t>Dritte Ebene</a:t>
+              <a:rPr lang="en-US"/>
+              <a:t>Third level</a:t>
             </a:r>
           </a:p>
           <a:p>
             <a:pPr lvl="3"/>
             <a:r>
-              <a:rPr lang="de-DE"/>
-              <a:t>Vierte Ebene</a:t>
+              <a:rPr lang="en-US"/>
+              <a:t>Fourth level</a:t>
             </a:r>
           </a:p>
           <a:p>
             <a:pPr lvl="4"/>
             <a:r>
-              <a:rPr lang="de-DE"/>
-              <a:t>Fünfte Ebene</a:t>
+              <a:rPr lang="en-US"/>
+              <a:t>Fifth level</a:t>
             </a:r>
             <a:endParaRPr lang="en-US" dirty="0"/>
           </a:p>
@@ -1655,8 +1660,8 @@
         </p:nvSpPr>
         <p:spPr>
           <a:xfrm>
-            <a:off x="10825460" y="8059374"/>
-            <a:ext cx="9088041" cy="19209345"/>
+            <a:off x="10953244" y="8107550"/>
+            <a:ext cx="9195316" cy="19324172"/>
           </a:xfrm>
         </p:spPr>
         <p:txBody>
@@ -1665,36 +1670,36 @@
           <a:p>
             <a:pPr lvl="0"/>
             <a:r>
-              <a:rPr lang="de-DE"/>
-              <a:t>Mastertextformat bearbeiten</a:t>
+              <a:rPr lang="en-US"/>
+              <a:t>Click to edit Master text styles</a:t>
             </a:r>
           </a:p>
           <a:p>
             <a:pPr lvl="1"/>
             <a:r>
-              <a:rPr lang="de-DE"/>
-              <a:t>Zweite Ebene</a:t>
+              <a:rPr lang="en-US"/>
+              <a:t>Second level</a:t>
             </a:r>
           </a:p>
           <a:p>
             <a:pPr lvl="2"/>
             <a:r>
-              <a:rPr lang="de-DE"/>
-              <a:t>Dritte Ebene</a:t>
+              <a:rPr lang="en-US"/>
+              <a:t>Third level</a:t>
             </a:r>
           </a:p>
           <a:p>
             <a:pPr lvl="3"/>
             <a:r>
-              <a:rPr lang="de-DE"/>
-              <a:t>Vierte Ebene</a:t>
+              <a:rPr lang="en-US"/>
+              <a:t>Fourth level</a:t>
             </a:r>
           </a:p>
           <a:p>
             <a:pPr lvl="4"/>
             <a:r>
-              <a:rPr lang="de-DE"/>
-              <a:t>Fünfte Ebene</a:t>
+              <a:rPr lang="en-US"/>
+              <a:t>Fifth level</a:t>
             </a:r>
             <a:endParaRPr lang="en-US" dirty="0"/>
           </a:p>
@@ -1717,7 +1722,7 @@
           <a:p>
             <a:fld id="{DCC59FF0-020B-4F2F-9C83-EF26E34AF9B2}" type="datetimeFigureOut">
               <a:rPr lang="de-DE" smtClean="0"/>
-              <a:t>17.02.2025</a:t>
+              <a:t>22.02.2025</a:t>
             </a:fld>
             <a:endParaRPr lang="de-DE"/>
           </a:p>
@@ -1768,7 +1773,7 @@
     </p:spTree>
     <p:extLst>
       <p:ext uri="{BB962C8B-B14F-4D97-AF65-F5344CB8AC3E}">
-        <p14:creationId xmlns:p14="http://schemas.microsoft.com/office/powerpoint/2010/main" val="2609765520"/>
+        <p14:creationId xmlns:p14="http://schemas.microsoft.com/office/powerpoint/2010/main" val="1200168195"/>
       </p:ext>
     </p:extLst>
   </p:cSld>
@@ -1780,7 +1785,7 @@
 
 <file path=ppt/slideLayouts/slideLayout5.xml><?xml version="1.0" encoding="utf-8"?>
 <p:sldLayout xmlns:a="http://schemas.openxmlformats.org/drawingml/2006/main" xmlns:r="http://schemas.openxmlformats.org/officeDocument/2006/relationships" xmlns:p="http://schemas.openxmlformats.org/presentationml/2006/main" type="twoTxTwoObj" preserve="1">
-  <p:cSld name="Vergleich">
+  <p:cSld name="Comparison">
     <p:spTree>
       <p:nvGrpSpPr>
         <p:cNvPr id="1" name=""/>
@@ -1807,8 +1812,8 @@
         </p:nvSpPr>
         <p:spPr>
           <a:xfrm>
-            <a:off x="1472909" y="1611882"/>
-            <a:ext cx="18443377" cy="5851808"/>
+            <a:off x="1490296" y="1621516"/>
+            <a:ext cx="18661083" cy="5886789"/>
           </a:xfrm>
         </p:spPr>
         <p:txBody>
@@ -1816,8 +1821,8 @@
           <a:lstStyle/>
           <a:p>
             <a:r>
-              <a:rPr lang="de-DE"/>
-              <a:t>Mastertitelformat bearbeiten</a:t>
+              <a:rPr lang="en-US"/>
+              <a:t>Click to edit Master title style</a:t>
             </a:r>
             <a:endParaRPr lang="en-US" dirty="0"/>
           </a:p>
@@ -1835,8 +1840,8 @@
         </p:nvSpPr>
         <p:spPr>
           <a:xfrm>
-            <a:off x="1472912" y="7421634"/>
-            <a:ext cx="9046274" cy="3637228"/>
+            <a:off x="1490298" y="7465998"/>
+            <a:ext cx="9153057" cy="3658970"/>
           </a:xfrm>
         </p:spPr>
         <p:txBody>
@@ -1844,46 +1849,46 @@
           <a:lstStyle>
             <a:lvl1pPr marL="0" indent="0">
               <a:buNone/>
-              <a:defRPr sz="5612" b="1"/>
+              <a:defRPr sz="5679" b="1"/>
             </a:lvl1pPr>
-            <a:lvl2pPr marL="1069162" indent="0">
+            <a:lvl2pPr marL="1081781" indent="0">
               <a:buNone/>
-              <a:defRPr sz="4677" b="1"/>
+              <a:defRPr sz="4732" b="1"/>
             </a:lvl2pPr>
-            <a:lvl3pPr marL="2138324" indent="0">
+            <a:lvl3pPr marL="2163562" indent="0">
               <a:buNone/>
-              <a:defRPr sz="4209" b="1"/>
+              <a:defRPr sz="4259" b="1"/>
             </a:lvl3pPr>
-            <a:lvl4pPr marL="3207487" indent="0">
+            <a:lvl4pPr marL="3245343" indent="0">
               <a:buNone/>
-              <a:defRPr sz="3742" b="1"/>
+              <a:defRPr sz="3786" b="1"/>
             </a:lvl4pPr>
-            <a:lvl5pPr marL="4276649" indent="0">
+            <a:lvl5pPr marL="4327124" indent="0">
               <a:buNone/>
-              <a:defRPr sz="3742" b="1"/>
+              <a:defRPr sz="3786" b="1"/>
             </a:lvl5pPr>
-            <a:lvl6pPr marL="5345811" indent="0">
+            <a:lvl6pPr marL="5408905" indent="0">
               <a:buNone/>
-              <a:defRPr sz="3742" b="1"/>
+              <a:defRPr sz="3786" b="1"/>
             </a:lvl6pPr>
-            <a:lvl7pPr marL="6414973" indent="0">
+            <a:lvl7pPr marL="6490686" indent="0">
               <a:buNone/>
-              <a:defRPr sz="3742" b="1"/>
+              <a:defRPr sz="3786" b="1"/>
             </a:lvl7pPr>
-            <a:lvl8pPr marL="7484135" indent="0">
+            <a:lvl8pPr marL="7572466" indent="0">
               <a:buNone/>
-              <a:defRPr sz="3742" b="1"/>
+              <a:defRPr sz="3786" b="1"/>
             </a:lvl8pPr>
-            <a:lvl9pPr marL="8553298" indent="0">
+            <a:lvl9pPr marL="8654247" indent="0">
               <a:buNone/>
-              <a:defRPr sz="3742" b="1"/>
+              <a:defRPr sz="3786" b="1"/>
             </a:lvl9pPr>
           </a:lstStyle>
           <a:p>
             <a:pPr lvl="0"/>
             <a:r>
-              <a:rPr lang="de-DE"/>
-              <a:t>Mastertextformat bearbeiten</a:t>
+              <a:rPr lang="en-US"/>
+              <a:t>Click to edit Master text styles</a:t>
             </a:r>
           </a:p>
         </p:txBody>
@@ -1900,8 +1905,8 @@
         </p:nvSpPr>
         <p:spPr>
           <a:xfrm>
-            <a:off x="1472912" y="11058863"/>
-            <a:ext cx="9046274" cy="16265921"/>
+            <a:off x="1490298" y="11124969"/>
+            <a:ext cx="9153057" cy="16363153"/>
           </a:xfrm>
         </p:spPr>
         <p:txBody>
@@ -1910,36 +1915,36 @@
           <a:p>
             <a:pPr lvl="0"/>
             <a:r>
-              <a:rPr lang="de-DE"/>
-              <a:t>Mastertextformat bearbeiten</a:t>
+              <a:rPr lang="en-US"/>
+              <a:t>Click to edit Master text styles</a:t>
             </a:r>
           </a:p>
           <a:p>
             <a:pPr lvl="1"/>
             <a:r>
-              <a:rPr lang="de-DE"/>
-              <a:t>Zweite Ebene</a:t>
+              <a:rPr lang="en-US"/>
+              <a:t>Second level</a:t>
             </a:r>
           </a:p>
           <a:p>
             <a:pPr lvl="2"/>
             <a:r>
-              <a:rPr lang="de-DE"/>
-              <a:t>Dritte Ebene</a:t>
+              <a:rPr lang="en-US"/>
+              <a:t>Third level</a:t>
             </a:r>
           </a:p>
           <a:p>
             <a:pPr lvl="3"/>
             <a:r>
-              <a:rPr lang="de-DE"/>
-              <a:t>Vierte Ebene</a:t>
+              <a:rPr lang="en-US"/>
+              <a:t>Fourth level</a:t>
             </a:r>
           </a:p>
           <a:p>
             <a:pPr lvl="4"/>
             <a:r>
-              <a:rPr lang="de-DE"/>
-              <a:t>Fünfte Ebene</a:t>
+              <a:rPr lang="en-US"/>
+              <a:t>Fifth level</a:t>
             </a:r>
             <a:endParaRPr lang="en-US" dirty="0"/>
           </a:p>
@@ -1957,8 +1962,8 @@
         </p:nvSpPr>
         <p:spPr>
           <a:xfrm>
-            <a:off x="10825461" y="7421634"/>
-            <a:ext cx="9090826" cy="3637228"/>
+            <a:off x="10953246" y="7465998"/>
+            <a:ext cx="9198134" cy="3658970"/>
           </a:xfrm>
         </p:spPr>
         <p:txBody>
@@ -1966,46 +1971,46 @@
           <a:lstStyle>
             <a:lvl1pPr marL="0" indent="0">
               <a:buNone/>
-              <a:defRPr sz="5612" b="1"/>
+              <a:defRPr sz="5679" b="1"/>
             </a:lvl1pPr>
-            <a:lvl2pPr marL="1069162" indent="0">
+            <a:lvl2pPr marL="1081781" indent="0">
               <a:buNone/>
-              <a:defRPr sz="4677" b="1"/>
+              <a:defRPr sz="4732" b="1"/>
             </a:lvl2pPr>
-            <a:lvl3pPr marL="2138324" indent="0">
+            <a:lvl3pPr marL="2163562" indent="0">
               <a:buNone/>
-              <a:defRPr sz="4209" b="1"/>
+              <a:defRPr sz="4259" b="1"/>
             </a:lvl3pPr>
-            <a:lvl4pPr marL="3207487" indent="0">
+            <a:lvl4pPr marL="3245343" indent="0">
               <a:buNone/>
-              <a:defRPr sz="3742" b="1"/>
+              <a:defRPr sz="3786" b="1"/>
             </a:lvl4pPr>
-            <a:lvl5pPr marL="4276649" indent="0">
+            <a:lvl5pPr marL="4327124" indent="0">
               <a:buNone/>
-              <a:defRPr sz="3742" b="1"/>
+              <a:defRPr sz="3786" b="1"/>
             </a:lvl5pPr>
-            <a:lvl6pPr marL="5345811" indent="0">
+            <a:lvl6pPr marL="5408905" indent="0">
               <a:buNone/>
-              <a:defRPr sz="3742" b="1"/>
+              <a:defRPr sz="3786" b="1"/>
             </a:lvl6pPr>
-            <a:lvl7pPr marL="6414973" indent="0">
+            <a:lvl7pPr marL="6490686" indent="0">
               <a:buNone/>
-              <a:defRPr sz="3742" b="1"/>
+              <a:defRPr sz="3786" b="1"/>
             </a:lvl7pPr>
-            <a:lvl8pPr marL="7484135" indent="0">
+            <a:lvl8pPr marL="7572466" indent="0">
               <a:buNone/>
-              <a:defRPr sz="3742" b="1"/>
+              <a:defRPr sz="3786" b="1"/>
             </a:lvl8pPr>
-            <a:lvl9pPr marL="8553298" indent="0">
+            <a:lvl9pPr marL="8654247" indent="0">
               <a:buNone/>
-              <a:defRPr sz="3742" b="1"/>
+              <a:defRPr sz="3786" b="1"/>
             </a:lvl9pPr>
           </a:lstStyle>
           <a:p>
             <a:pPr lvl="0"/>
             <a:r>
-              <a:rPr lang="de-DE"/>
-              <a:t>Mastertextformat bearbeiten</a:t>
+              <a:rPr lang="en-US"/>
+              <a:t>Click to edit Master text styles</a:t>
             </a:r>
           </a:p>
         </p:txBody>
@@ -2022,8 +2027,8 @@
         </p:nvSpPr>
         <p:spPr>
           <a:xfrm>
-            <a:off x="10825461" y="11058863"/>
-            <a:ext cx="9090826" cy="16265921"/>
+            <a:off x="10953246" y="11124969"/>
+            <a:ext cx="9198134" cy="16363153"/>
           </a:xfrm>
         </p:spPr>
         <p:txBody>
@@ -2032,36 +2037,36 @@
           <a:p>
             <a:pPr lvl="0"/>
             <a:r>
-              <a:rPr lang="de-DE"/>
-              <a:t>Mastertextformat bearbeiten</a:t>
+              <a:rPr lang="en-US"/>
+              <a:t>Click to edit Master text styles</a:t>
             </a:r>
           </a:p>
           <a:p>
             <a:pPr lvl="1"/>
             <a:r>
-              <a:rPr lang="de-DE"/>
-              <a:t>Zweite Ebene</a:t>
+              <a:rPr lang="en-US"/>
+              <a:t>Second level</a:t>
             </a:r>
           </a:p>
           <a:p>
             <a:pPr lvl="2"/>
             <a:r>
-              <a:rPr lang="de-DE"/>
-              <a:t>Dritte Ebene</a:t>
+              <a:rPr lang="en-US"/>
+              <a:t>Third level</a:t>
             </a:r>
           </a:p>
           <a:p>
             <a:pPr lvl="3"/>
             <a:r>
-              <a:rPr lang="de-DE"/>
-              <a:t>Vierte Ebene</a:t>
+              <a:rPr lang="en-US"/>
+              <a:t>Fourth level</a:t>
             </a:r>
           </a:p>
           <a:p>
             <a:pPr lvl="4"/>
             <a:r>
-              <a:rPr lang="de-DE"/>
-              <a:t>Fünfte Ebene</a:t>
+              <a:rPr lang="en-US"/>
+              <a:t>Fifth level</a:t>
             </a:r>
             <a:endParaRPr lang="en-US" dirty="0"/>
           </a:p>
@@ -2084,7 +2089,7 @@
           <a:p>
             <a:fld id="{DCC59FF0-020B-4F2F-9C83-EF26E34AF9B2}" type="datetimeFigureOut">
               <a:rPr lang="de-DE" smtClean="0"/>
-              <a:t>17.02.2025</a:t>
+              <a:t>22.02.2025</a:t>
             </a:fld>
             <a:endParaRPr lang="de-DE"/>
           </a:p>
@@ -2135,7 +2140,7 @@
     </p:spTree>
     <p:extLst>
       <p:ext uri="{BB962C8B-B14F-4D97-AF65-F5344CB8AC3E}">
-        <p14:creationId xmlns:p14="http://schemas.microsoft.com/office/powerpoint/2010/main" val="3377213935"/>
+        <p14:creationId xmlns:p14="http://schemas.microsoft.com/office/powerpoint/2010/main" val="2523480050"/>
       </p:ext>
     </p:extLst>
   </p:cSld>
@@ -2147,7 +2152,7 @@
 
 <file path=ppt/slideLayouts/slideLayout6.xml><?xml version="1.0" encoding="utf-8"?>
 <p:sldLayout xmlns:a="http://schemas.openxmlformats.org/drawingml/2006/main" xmlns:r="http://schemas.openxmlformats.org/officeDocument/2006/relationships" xmlns:p="http://schemas.openxmlformats.org/presentationml/2006/main" type="titleOnly" preserve="1">
-  <p:cSld name="Nur Titel">
+  <p:cSld name="Title Only">
     <p:spTree>
       <p:nvGrpSpPr>
         <p:cNvPr id="1" name=""/>
@@ -2178,8 +2183,8 @@
           <a:lstStyle/>
           <a:p>
             <a:r>
-              <a:rPr lang="de-DE"/>
-              <a:t>Mastertitelformat bearbeiten</a:t>
+              <a:rPr lang="en-US"/>
+              <a:t>Click to edit Master title style</a:t>
             </a:r>
             <a:endParaRPr lang="en-US" dirty="0"/>
           </a:p>
@@ -2202,7 +2207,7 @@
           <a:p>
             <a:fld id="{DCC59FF0-020B-4F2F-9C83-EF26E34AF9B2}" type="datetimeFigureOut">
               <a:rPr lang="de-DE" smtClean="0"/>
-              <a:t>17.02.2025</a:t>
+              <a:t>22.02.2025</a:t>
             </a:fld>
             <a:endParaRPr lang="de-DE"/>
           </a:p>
@@ -2253,7 +2258,7 @@
     </p:spTree>
     <p:extLst>
       <p:ext uri="{BB962C8B-B14F-4D97-AF65-F5344CB8AC3E}">
-        <p14:creationId xmlns:p14="http://schemas.microsoft.com/office/powerpoint/2010/main" val="1537280163"/>
+        <p14:creationId xmlns:p14="http://schemas.microsoft.com/office/powerpoint/2010/main" val="2524728428"/>
       </p:ext>
     </p:extLst>
   </p:cSld>
@@ -2265,7 +2270,7 @@
 
 <file path=ppt/slideLayouts/slideLayout7.xml><?xml version="1.0" encoding="utf-8"?>
 <p:sldLayout xmlns:a="http://schemas.openxmlformats.org/drawingml/2006/main" xmlns:r="http://schemas.openxmlformats.org/officeDocument/2006/relationships" xmlns:p="http://schemas.openxmlformats.org/presentationml/2006/main" type="blank" preserve="1">
-  <p:cSld name="Leer">
+  <p:cSld name="Blank">
     <p:spTree>
       <p:nvGrpSpPr>
         <p:cNvPr id="1" name=""/>
@@ -2297,7 +2302,7 @@
           <a:p>
             <a:fld id="{DCC59FF0-020B-4F2F-9C83-EF26E34AF9B2}" type="datetimeFigureOut">
               <a:rPr lang="de-DE" smtClean="0"/>
-              <a:t>17.02.2025</a:t>
+              <a:t>22.02.2025</a:t>
             </a:fld>
             <a:endParaRPr lang="de-DE"/>
           </a:p>
@@ -2348,7 +2353,7 @@
     </p:spTree>
     <p:extLst>
       <p:ext uri="{BB962C8B-B14F-4D97-AF65-F5344CB8AC3E}">
-        <p14:creationId xmlns:p14="http://schemas.microsoft.com/office/powerpoint/2010/main" val="2073863026"/>
+        <p14:creationId xmlns:p14="http://schemas.microsoft.com/office/powerpoint/2010/main" val="4060703696"/>
       </p:ext>
     </p:extLst>
   </p:cSld>
@@ -2360,7 +2365,7 @@
 
 <file path=ppt/slideLayouts/slideLayout8.xml><?xml version="1.0" encoding="utf-8"?>
 <p:sldLayout xmlns:a="http://schemas.openxmlformats.org/drawingml/2006/main" xmlns:r="http://schemas.openxmlformats.org/officeDocument/2006/relationships" xmlns:p="http://schemas.openxmlformats.org/presentationml/2006/main" type="objTx" preserve="1">
-  <p:cSld name="Inhalt mit Überschrift">
+  <p:cSld name="Content with Caption">
     <p:spTree>
       <p:nvGrpSpPr>
         <p:cNvPr id="1" name=""/>
@@ -2387,21 +2392,21 @@
         </p:nvSpPr>
         <p:spPr>
           <a:xfrm>
-            <a:off x="1472909" y="2018348"/>
-            <a:ext cx="6896776" cy="7064216"/>
+            <a:off x="1490296" y="2030412"/>
+            <a:ext cx="6978185" cy="7106444"/>
           </a:xfrm>
         </p:spPr>
         <p:txBody>
           <a:bodyPr anchor="b"/>
           <a:lstStyle>
             <a:lvl1pPr>
-              <a:defRPr sz="7483"/>
+              <a:defRPr sz="7572"/>
             </a:lvl1pPr>
           </a:lstStyle>
           <a:p>
             <a:r>
-              <a:rPr lang="de-DE"/>
-              <a:t>Mastertitelformat bearbeiten</a:t>
+              <a:rPr lang="en-US"/>
+              <a:t>Click to edit Master title style</a:t>
             </a:r>
             <a:endParaRPr lang="en-US" dirty="0"/>
           </a:p>
@@ -2419,74 +2424,74 @@
         </p:nvSpPr>
         <p:spPr>
           <a:xfrm>
-            <a:off x="9090826" y="4359077"/>
-            <a:ext cx="10825460" cy="21515024"/>
+            <a:off x="9198134" y="4385134"/>
+            <a:ext cx="10953244" cy="21643634"/>
           </a:xfrm>
         </p:spPr>
         <p:txBody>
           <a:bodyPr/>
           <a:lstStyle>
             <a:lvl1pPr>
-              <a:defRPr sz="7483"/>
+              <a:defRPr sz="7572"/>
             </a:lvl1pPr>
             <a:lvl2pPr>
-              <a:defRPr sz="6548"/>
+              <a:defRPr sz="6625"/>
             </a:lvl2pPr>
             <a:lvl3pPr>
-              <a:defRPr sz="5612"/>
+              <a:defRPr sz="5679"/>
             </a:lvl3pPr>
             <a:lvl4pPr>
-              <a:defRPr sz="4677"/>
+              <a:defRPr sz="4732"/>
             </a:lvl4pPr>
             <a:lvl5pPr>
-              <a:defRPr sz="4677"/>
+              <a:defRPr sz="4732"/>
             </a:lvl5pPr>
             <a:lvl6pPr>
-              <a:defRPr sz="4677"/>
+              <a:defRPr sz="4732"/>
             </a:lvl6pPr>
             <a:lvl7pPr>
-              <a:defRPr sz="4677"/>
+              <a:defRPr sz="4732"/>
             </a:lvl7pPr>
             <a:lvl8pPr>
-              <a:defRPr sz="4677"/>
+              <a:defRPr sz="4732"/>
             </a:lvl8pPr>
             <a:lvl9pPr>
-              <a:defRPr sz="4677"/>
+              <a:defRPr sz="4732"/>
             </a:lvl9pPr>
           </a:lstStyle>
           <a:p>
             <a:pPr lvl="0"/>
             <a:r>
-              <a:rPr lang="de-DE"/>
-              <a:t>Mastertextformat bearbeiten</a:t>
+              <a:rPr lang="en-US"/>
+              <a:t>Click to edit Master text styles</a:t>
             </a:r>
           </a:p>
           <a:p>
             <a:pPr lvl="1"/>
             <a:r>
-              <a:rPr lang="de-DE"/>
-              <a:t>Zweite Ebene</a:t>
+              <a:rPr lang="en-US"/>
+              <a:t>Second level</a:t>
             </a:r>
           </a:p>
           <a:p>
             <a:pPr lvl="2"/>
             <a:r>
-              <a:rPr lang="de-DE"/>
-              <a:t>Dritte Ebene</a:t>
+              <a:rPr lang="en-US"/>
+              <a:t>Third level</a:t>
             </a:r>
           </a:p>
           <a:p>
             <a:pPr lvl="3"/>
             <a:r>
-              <a:rPr lang="de-DE"/>
-              <a:t>Vierte Ebene</a:t>
+              <a:rPr lang="en-US"/>
+              <a:t>Fourth level</a:t>
             </a:r>
           </a:p>
           <a:p>
             <a:pPr lvl="4"/>
             <a:r>
-              <a:rPr lang="de-DE"/>
-              <a:t>Fünfte Ebene</a:t>
+              <a:rPr lang="en-US"/>
+              <a:t>Fifth level</a:t>
             </a:r>
             <a:endParaRPr lang="en-US" dirty="0"/>
           </a:p>
@@ -2504,8 +2509,8 @@
         </p:nvSpPr>
         <p:spPr>
           <a:xfrm>
-            <a:off x="1472909" y="9082564"/>
-            <a:ext cx="6896776" cy="16826573"/>
+            <a:off x="1490296" y="9136856"/>
+            <a:ext cx="6978185" cy="16927157"/>
           </a:xfrm>
         </p:spPr>
         <p:txBody>
@@ -2513,46 +2518,46 @@
           <a:lstStyle>
             <a:lvl1pPr marL="0" indent="0">
               <a:buNone/>
-              <a:defRPr sz="3742"/>
+              <a:defRPr sz="3786"/>
             </a:lvl1pPr>
-            <a:lvl2pPr marL="1069162" indent="0">
+            <a:lvl2pPr marL="1081781" indent="0">
               <a:buNone/>
-              <a:defRPr sz="3274"/>
+              <a:defRPr sz="3313"/>
             </a:lvl2pPr>
-            <a:lvl3pPr marL="2138324" indent="0">
+            <a:lvl3pPr marL="2163562" indent="0">
               <a:buNone/>
-              <a:defRPr sz="2806"/>
+              <a:defRPr sz="2839"/>
             </a:lvl3pPr>
-            <a:lvl4pPr marL="3207487" indent="0">
+            <a:lvl4pPr marL="3245343" indent="0">
               <a:buNone/>
-              <a:defRPr sz="2339"/>
+              <a:defRPr sz="2366"/>
             </a:lvl4pPr>
-            <a:lvl5pPr marL="4276649" indent="0">
+            <a:lvl5pPr marL="4327124" indent="0">
               <a:buNone/>
-              <a:defRPr sz="2339"/>
+              <a:defRPr sz="2366"/>
             </a:lvl5pPr>
-            <a:lvl6pPr marL="5345811" indent="0">
+            <a:lvl6pPr marL="5408905" indent="0">
               <a:buNone/>
-              <a:defRPr sz="2339"/>
+              <a:defRPr sz="2366"/>
             </a:lvl6pPr>
-            <a:lvl7pPr marL="6414973" indent="0">
+            <a:lvl7pPr marL="6490686" indent="0">
               <a:buNone/>
-              <a:defRPr sz="2339"/>
+              <a:defRPr sz="2366"/>
             </a:lvl7pPr>
-            <a:lvl8pPr marL="7484135" indent="0">
+            <a:lvl8pPr marL="7572466" indent="0">
               <a:buNone/>
-              <a:defRPr sz="2339"/>
+              <a:defRPr sz="2366"/>
             </a:lvl8pPr>
-            <a:lvl9pPr marL="8553298" indent="0">
+            <a:lvl9pPr marL="8654247" indent="0">
               <a:buNone/>
-              <a:defRPr sz="2339"/>
+              <a:defRPr sz="2366"/>
             </a:lvl9pPr>
           </a:lstStyle>
           <a:p>
             <a:pPr lvl="0"/>
             <a:r>
-              <a:rPr lang="de-DE"/>
-              <a:t>Mastertextformat bearbeiten</a:t>
+              <a:rPr lang="en-US"/>
+              <a:t>Click to edit Master text styles</a:t>
             </a:r>
           </a:p>
         </p:txBody>
@@ -2574,7 +2579,7 @@
           <a:p>
             <a:fld id="{DCC59FF0-020B-4F2F-9C83-EF26E34AF9B2}" type="datetimeFigureOut">
               <a:rPr lang="de-DE" smtClean="0"/>
-              <a:t>17.02.2025</a:t>
+              <a:t>22.02.2025</a:t>
             </a:fld>
             <a:endParaRPr lang="de-DE"/>
           </a:p>
@@ -2625,7 +2630,7 @@
     </p:spTree>
     <p:extLst>
       <p:ext uri="{BB962C8B-B14F-4D97-AF65-F5344CB8AC3E}">
-        <p14:creationId xmlns:p14="http://schemas.microsoft.com/office/powerpoint/2010/main" val="3332561468"/>
+        <p14:creationId xmlns:p14="http://schemas.microsoft.com/office/powerpoint/2010/main" val="622448731"/>
       </p:ext>
     </p:extLst>
   </p:cSld>
@@ -2637,7 +2642,7 @@
 
 <file path=ppt/slideLayouts/slideLayout9.xml><?xml version="1.0" encoding="utf-8"?>
 <p:sldLayout xmlns:a="http://schemas.openxmlformats.org/drawingml/2006/main" xmlns:r="http://schemas.openxmlformats.org/officeDocument/2006/relationships" xmlns:p="http://schemas.openxmlformats.org/presentationml/2006/main" type="picTx" preserve="1">
-  <p:cSld name="Bild mit Überschrift">
+  <p:cSld name="Picture with Caption">
     <p:spTree>
       <p:nvGrpSpPr>
         <p:cNvPr id="1" name=""/>
@@ -2664,21 +2669,21 @@
         </p:nvSpPr>
         <p:spPr>
           <a:xfrm>
-            <a:off x="1472909" y="2018348"/>
-            <a:ext cx="6896776" cy="7064216"/>
+            <a:off x="1490296" y="2030412"/>
+            <a:ext cx="6978185" cy="7106444"/>
           </a:xfrm>
         </p:spPr>
         <p:txBody>
           <a:bodyPr anchor="b"/>
           <a:lstStyle>
             <a:lvl1pPr>
-              <a:defRPr sz="7483"/>
+              <a:defRPr sz="7572"/>
             </a:lvl1pPr>
           </a:lstStyle>
           <a:p>
             <a:r>
-              <a:rPr lang="de-DE"/>
-              <a:t>Mastertitelformat bearbeiten</a:t>
+              <a:rPr lang="en-US"/>
+              <a:t>Click to edit Master title style</a:t>
             </a:r>
             <a:endParaRPr lang="en-US" dirty="0"/>
           </a:p>
@@ -2696,8 +2701,8 @@
         </p:nvSpPr>
         <p:spPr>
           <a:xfrm>
-            <a:off x="9090826" y="4359077"/>
-            <a:ext cx="10825460" cy="21515024"/>
+            <a:off x="9198134" y="4385134"/>
+            <a:ext cx="10953244" cy="21643634"/>
           </a:xfrm>
         </p:spPr>
         <p:txBody>
@@ -2705,45 +2710,45 @@
           <a:lstStyle>
             <a:lvl1pPr marL="0" indent="0">
               <a:buNone/>
-              <a:defRPr sz="7483"/>
+              <a:defRPr sz="7572"/>
             </a:lvl1pPr>
-            <a:lvl2pPr marL="1069162" indent="0">
+            <a:lvl2pPr marL="1081781" indent="0">
               <a:buNone/>
-              <a:defRPr sz="6548"/>
+              <a:defRPr sz="6625"/>
             </a:lvl2pPr>
-            <a:lvl3pPr marL="2138324" indent="0">
+            <a:lvl3pPr marL="2163562" indent="0">
               <a:buNone/>
-              <a:defRPr sz="5612"/>
+              <a:defRPr sz="5679"/>
             </a:lvl3pPr>
-            <a:lvl4pPr marL="3207487" indent="0">
+            <a:lvl4pPr marL="3245343" indent="0">
               <a:buNone/>
-              <a:defRPr sz="4677"/>
+              <a:defRPr sz="4732"/>
             </a:lvl4pPr>
-            <a:lvl5pPr marL="4276649" indent="0">
+            <a:lvl5pPr marL="4327124" indent="0">
               <a:buNone/>
-              <a:defRPr sz="4677"/>
+              <a:defRPr sz="4732"/>
             </a:lvl5pPr>
-            <a:lvl6pPr marL="5345811" indent="0">
+            <a:lvl6pPr marL="5408905" indent="0">
               <a:buNone/>
-              <a:defRPr sz="4677"/>
+              <a:defRPr sz="4732"/>
             </a:lvl6pPr>
-            <a:lvl7pPr marL="6414973" indent="0">
+            <a:lvl7pPr marL="6490686" indent="0">
               <a:buNone/>
-              <a:defRPr sz="4677"/>
+              <a:defRPr sz="4732"/>
             </a:lvl7pPr>
-            <a:lvl8pPr marL="7484135" indent="0">
+            <a:lvl8pPr marL="7572466" indent="0">
               <a:buNone/>
-              <a:defRPr sz="4677"/>
+              <a:defRPr sz="4732"/>
             </a:lvl8pPr>
-            <a:lvl9pPr marL="8553298" indent="0">
+            <a:lvl9pPr marL="8654247" indent="0">
               <a:buNone/>
-              <a:defRPr sz="4677"/>
+              <a:defRPr sz="4732"/>
             </a:lvl9pPr>
           </a:lstStyle>
           <a:p>
             <a:r>
-              <a:rPr lang="de-DE"/>
-              <a:t>Bild durch Klicken auf Symbol hinzufügen</a:t>
+              <a:rPr lang="en-US"/>
+              <a:t>Click icon to add picture</a:t>
             </a:r>
             <a:endParaRPr lang="en-US" dirty="0"/>
           </a:p>
@@ -2761,8 +2766,8 @@
         </p:nvSpPr>
         <p:spPr>
           <a:xfrm>
-            <a:off x="1472909" y="9082564"/>
-            <a:ext cx="6896776" cy="16826573"/>
+            <a:off x="1490296" y="9136856"/>
+            <a:ext cx="6978185" cy="16927157"/>
           </a:xfrm>
         </p:spPr>
         <p:txBody>
@@ -2770,46 +2775,46 @@
           <a:lstStyle>
             <a:lvl1pPr marL="0" indent="0">
               <a:buNone/>
-              <a:defRPr sz="3742"/>
+              <a:defRPr sz="3786"/>
             </a:lvl1pPr>
-            <a:lvl2pPr marL="1069162" indent="0">
+            <a:lvl2pPr marL="1081781" indent="0">
               <a:buNone/>
-              <a:defRPr sz="3274"/>
+              <a:defRPr sz="3313"/>
             </a:lvl2pPr>
-            <a:lvl3pPr marL="2138324" indent="0">
+            <a:lvl3pPr marL="2163562" indent="0">
               <a:buNone/>
-              <a:defRPr sz="2806"/>
+              <a:defRPr sz="2839"/>
             </a:lvl3pPr>
-            <a:lvl4pPr marL="3207487" indent="0">
+            <a:lvl4pPr marL="3245343" indent="0">
               <a:buNone/>
-              <a:defRPr sz="2339"/>
+              <a:defRPr sz="2366"/>
             </a:lvl4pPr>
-            <a:lvl5pPr marL="4276649" indent="0">
+            <a:lvl5pPr marL="4327124" indent="0">
               <a:buNone/>
-              <a:defRPr sz="2339"/>
+              <a:defRPr sz="2366"/>
             </a:lvl5pPr>
-            <a:lvl6pPr marL="5345811" indent="0">
+            <a:lvl6pPr marL="5408905" indent="0">
               <a:buNone/>
-              <a:defRPr sz="2339"/>
+              <a:defRPr sz="2366"/>
             </a:lvl6pPr>
-            <a:lvl7pPr marL="6414973" indent="0">
+            <a:lvl7pPr marL="6490686" indent="0">
               <a:buNone/>
-              <a:defRPr sz="2339"/>
+              <a:defRPr sz="2366"/>
             </a:lvl7pPr>
-            <a:lvl8pPr marL="7484135" indent="0">
+            <a:lvl8pPr marL="7572466" indent="0">
               <a:buNone/>
-              <a:defRPr sz="2339"/>
+              <a:defRPr sz="2366"/>
             </a:lvl8pPr>
-            <a:lvl9pPr marL="8553298" indent="0">
+            <a:lvl9pPr marL="8654247" indent="0">
               <a:buNone/>
-              <a:defRPr sz="2339"/>
+              <a:defRPr sz="2366"/>
             </a:lvl9pPr>
           </a:lstStyle>
           <a:p>
             <a:pPr lvl="0"/>
             <a:r>
-              <a:rPr lang="de-DE"/>
-              <a:t>Mastertextformat bearbeiten</a:t>
+              <a:rPr lang="en-US"/>
+              <a:t>Click to edit Master text styles</a:t>
             </a:r>
           </a:p>
         </p:txBody>
@@ -2831,7 +2836,7 @@
           <a:p>
             <a:fld id="{DCC59FF0-020B-4F2F-9C83-EF26E34AF9B2}" type="datetimeFigureOut">
               <a:rPr lang="de-DE" smtClean="0"/>
-              <a:t>17.02.2025</a:t>
+              <a:t>22.02.2025</a:t>
             </a:fld>
             <a:endParaRPr lang="de-DE"/>
           </a:p>
@@ -2882,7 +2887,7 @@
     </p:spTree>
     <p:extLst>
       <p:ext uri="{BB962C8B-B14F-4D97-AF65-F5344CB8AC3E}">
-        <p14:creationId xmlns:p14="http://schemas.microsoft.com/office/powerpoint/2010/main" val="4132139936"/>
+        <p14:creationId xmlns:p14="http://schemas.microsoft.com/office/powerpoint/2010/main" val="1544267153"/>
       </p:ext>
     </p:extLst>
   </p:cSld>
@@ -2926,8 +2931,8 @@
         </p:nvSpPr>
         <p:spPr>
           <a:xfrm>
-            <a:off x="1470124" y="1611882"/>
-            <a:ext cx="18443377" cy="5851808"/>
+            <a:off x="1487478" y="1621516"/>
+            <a:ext cx="18661083" cy="5886789"/>
           </a:xfrm>
           <a:prstGeom prst="rect">
             <a:avLst/>
@@ -2940,8 +2945,8 @@
           <a:lstStyle/>
           <a:p>
             <a:r>
-              <a:rPr lang="de-DE"/>
-              <a:t>Mastertitelformat bearbeiten</a:t>
+              <a:rPr lang="en-US"/>
+              <a:t>Click to edit Master title style</a:t>
             </a:r>
             <a:endParaRPr lang="en-US" dirty="0"/>
           </a:p>
@@ -2959,8 +2964,8 @@
         </p:nvSpPr>
         <p:spPr>
           <a:xfrm>
-            <a:off x="1470124" y="8059374"/>
-            <a:ext cx="18443377" cy="19209345"/>
+            <a:off x="1487478" y="8107550"/>
+            <a:ext cx="18661083" cy="19324172"/>
           </a:xfrm>
           <a:prstGeom prst="rect">
             <a:avLst/>
@@ -2974,36 +2979,36 @@
           <a:p>
             <a:pPr lvl="0"/>
             <a:r>
-              <a:rPr lang="de-DE"/>
-              <a:t>Mastertextformat bearbeiten</a:t>
+              <a:rPr lang="en-US"/>
+              <a:t>Click to edit Master text styles</a:t>
             </a:r>
           </a:p>
           <a:p>
             <a:pPr lvl="1"/>
             <a:r>
-              <a:rPr lang="de-DE"/>
-              <a:t>Zweite Ebene</a:t>
+              <a:rPr lang="en-US"/>
+              <a:t>Second level</a:t>
             </a:r>
           </a:p>
           <a:p>
             <a:pPr lvl="2"/>
             <a:r>
-              <a:rPr lang="de-DE"/>
-              <a:t>Dritte Ebene</a:t>
+              <a:rPr lang="en-US"/>
+              <a:t>Third level</a:t>
             </a:r>
           </a:p>
           <a:p>
             <a:pPr lvl="3"/>
             <a:r>
-              <a:rPr lang="de-DE"/>
-              <a:t>Vierte Ebene</a:t>
+              <a:rPr lang="en-US"/>
+              <a:t>Fourth level</a:t>
             </a:r>
           </a:p>
           <a:p>
             <a:pPr lvl="4"/>
             <a:r>
-              <a:rPr lang="de-DE"/>
-              <a:t>Fünfte Ebene</a:t>
+              <a:rPr lang="en-US"/>
+              <a:t>Fifth level</a:t>
             </a:r>
             <a:endParaRPr lang="en-US" dirty="0"/>
           </a:p>
@@ -3021,8 +3026,8 @@
         </p:nvSpPr>
         <p:spPr>
           <a:xfrm>
-            <a:off x="1470124" y="28060644"/>
-            <a:ext cx="4811316" cy="1611875"/>
+            <a:off x="1487477" y="28228381"/>
+            <a:ext cx="4868109" cy="1621510"/>
           </a:xfrm>
           <a:prstGeom prst="rect">
             <a:avLst/>
@@ -3032,7 +3037,7 @@
           <a:bodyPr vert="horz" lIns="91440" tIns="45720" rIns="91440" bIns="45720" rtlCol="0" anchor="ctr"/>
           <a:lstStyle>
             <a:lvl1pPr algn="l">
-              <a:defRPr sz="2806">
+              <a:defRPr sz="2839">
                 <a:solidFill>
                   <a:schemeClr val="tx1">
                     <a:tint val="75000"/>
@@ -3044,7 +3049,7 @@
           <a:p>
             <a:fld id="{DCC59FF0-020B-4F2F-9C83-EF26E34AF9B2}" type="datetimeFigureOut">
               <a:rPr lang="de-DE" smtClean="0"/>
-              <a:t>17.02.2025</a:t>
+              <a:t>22.02.2025</a:t>
             </a:fld>
             <a:endParaRPr lang="de-DE"/>
           </a:p>
@@ -3062,8 +3067,8 @@
         </p:nvSpPr>
         <p:spPr>
           <a:xfrm>
-            <a:off x="7083326" y="28060644"/>
-            <a:ext cx="7216973" cy="1611875"/>
+            <a:off x="7166938" y="28228381"/>
+            <a:ext cx="7302163" cy="1621510"/>
           </a:xfrm>
           <a:prstGeom prst="rect">
             <a:avLst/>
@@ -3073,7 +3078,7 @@
           <a:bodyPr vert="horz" lIns="91440" tIns="45720" rIns="91440" bIns="45720" rtlCol="0" anchor="ctr"/>
           <a:lstStyle>
             <a:lvl1pPr algn="ctr">
-              <a:defRPr sz="2806">
+              <a:defRPr sz="2839">
                 <a:solidFill>
                   <a:schemeClr val="tx1">
                     <a:tint val="75000"/>
@@ -3099,8 +3104,8 @@
         </p:nvSpPr>
         <p:spPr>
           <a:xfrm>
-            <a:off x="15102185" y="28060644"/>
-            <a:ext cx="4811316" cy="1611875"/>
+            <a:off x="15280452" y="28228381"/>
+            <a:ext cx="4868109" cy="1621510"/>
           </a:xfrm>
           <a:prstGeom prst="rect">
             <a:avLst/>
@@ -3110,7 +3115,7 @@
           <a:bodyPr vert="horz" lIns="91440" tIns="45720" rIns="91440" bIns="45720" rtlCol="0" anchor="ctr"/>
           <a:lstStyle>
             <a:lvl1pPr algn="r">
-              <a:defRPr sz="2806">
+              <a:defRPr sz="2839">
                 <a:solidFill>
                   <a:schemeClr val="tx1">
                     <a:tint val="75000"/>
@@ -3131,27 +3136,27 @@
     </p:spTree>
     <p:extLst>
       <p:ext uri="{BB962C8B-B14F-4D97-AF65-F5344CB8AC3E}">
-        <p14:creationId xmlns:p14="http://schemas.microsoft.com/office/powerpoint/2010/main" val="1955188958"/>
+        <p14:creationId xmlns:p14="http://schemas.microsoft.com/office/powerpoint/2010/main" val="3648897174"/>
       </p:ext>
     </p:extLst>
   </p:cSld>
   <p:clrMap bg1="lt1" tx1="dk1" bg2="lt2" tx2="dk2" accent1="accent1" accent2="accent2" accent3="accent3" accent4="accent4" accent5="accent5" accent6="accent6" hlink="hlink" folHlink="folHlink"/>
   <p:sldLayoutIdLst>
-    <p:sldLayoutId id="2147483697" r:id="rId1"/>
-    <p:sldLayoutId id="2147483698" r:id="rId2"/>
-    <p:sldLayoutId id="2147483699" r:id="rId3"/>
-    <p:sldLayoutId id="2147483700" r:id="rId4"/>
-    <p:sldLayoutId id="2147483701" r:id="rId5"/>
-    <p:sldLayoutId id="2147483702" r:id="rId6"/>
-    <p:sldLayoutId id="2147483703" r:id="rId7"/>
-    <p:sldLayoutId id="2147483704" r:id="rId8"/>
-    <p:sldLayoutId id="2147483705" r:id="rId9"/>
-    <p:sldLayoutId id="2147483706" r:id="rId10"/>
-    <p:sldLayoutId id="2147483707" r:id="rId11"/>
+    <p:sldLayoutId id="2147483721" r:id="rId1"/>
+    <p:sldLayoutId id="2147483722" r:id="rId2"/>
+    <p:sldLayoutId id="2147483723" r:id="rId3"/>
+    <p:sldLayoutId id="2147483724" r:id="rId4"/>
+    <p:sldLayoutId id="2147483725" r:id="rId5"/>
+    <p:sldLayoutId id="2147483726" r:id="rId6"/>
+    <p:sldLayoutId id="2147483727" r:id="rId7"/>
+    <p:sldLayoutId id="2147483728" r:id="rId8"/>
+    <p:sldLayoutId id="2147483729" r:id="rId9"/>
+    <p:sldLayoutId id="2147483730" r:id="rId10"/>
+    <p:sldLayoutId id="2147483731" r:id="rId11"/>
   </p:sldLayoutIdLst>
   <p:txStyles>
     <p:titleStyle>
-      <a:lvl1pPr algn="l" defTabSz="2138324" rtl="0" eaLnBrk="1" latinLnBrk="0" hangingPunct="1">
+      <a:lvl1pPr algn="l" defTabSz="2163562" rtl="0" eaLnBrk="1" latinLnBrk="0" hangingPunct="1">
         <a:lnSpc>
           <a:spcPct val="90000"/>
         </a:lnSpc>
@@ -3159,7 +3164,7 @@
           <a:spcPct val="0"/>
         </a:spcBef>
         <a:buNone/>
-        <a:defRPr sz="10289" kern="1200">
+        <a:defRPr sz="10411" kern="1200">
           <a:solidFill>
             <a:schemeClr val="tx1"/>
           </a:solidFill>
@@ -3170,16 +3175,16 @@
       </a:lvl1pPr>
     </p:titleStyle>
     <p:bodyStyle>
-      <a:lvl1pPr marL="534581" indent="-534581" algn="l" defTabSz="2138324" rtl="0" eaLnBrk="1" latinLnBrk="0" hangingPunct="1">
+      <a:lvl1pPr marL="540890" indent="-540890" algn="l" defTabSz="2163562" rtl="0" eaLnBrk="1" latinLnBrk="0" hangingPunct="1">
         <a:lnSpc>
           <a:spcPct val="90000"/>
         </a:lnSpc>
         <a:spcBef>
-          <a:spcPts val="2339"/>
+          <a:spcPts val="2366"/>
         </a:spcBef>
         <a:buFont typeface="Arial" panose="020B0604020202020204" pitchFamily="34" charset="0"/>
         <a:buChar char="•"/>
-        <a:defRPr sz="6548" kern="1200">
+        <a:defRPr sz="6625" kern="1200">
           <a:solidFill>
             <a:schemeClr val="tx1"/>
           </a:solidFill>
@@ -3188,16 +3193,16 @@
           <a:cs typeface="+mn-cs"/>
         </a:defRPr>
       </a:lvl1pPr>
-      <a:lvl2pPr marL="1603743" indent="-534581" algn="l" defTabSz="2138324" rtl="0" eaLnBrk="1" latinLnBrk="0" hangingPunct="1">
+      <a:lvl2pPr marL="1622671" indent="-540890" algn="l" defTabSz="2163562" rtl="0" eaLnBrk="1" latinLnBrk="0" hangingPunct="1">
         <a:lnSpc>
           <a:spcPct val="90000"/>
         </a:lnSpc>
         <a:spcBef>
-          <a:spcPts val="1169"/>
+          <a:spcPts val="1183"/>
         </a:spcBef>
         <a:buFont typeface="Arial" panose="020B0604020202020204" pitchFamily="34" charset="0"/>
         <a:buChar char="•"/>
-        <a:defRPr sz="5612" kern="1200">
+        <a:defRPr sz="5679" kern="1200">
           <a:solidFill>
             <a:schemeClr val="tx1"/>
           </a:solidFill>
@@ -3206,16 +3211,16 @@
           <a:cs typeface="+mn-cs"/>
         </a:defRPr>
       </a:lvl2pPr>
-      <a:lvl3pPr marL="2672906" indent="-534581" algn="l" defTabSz="2138324" rtl="0" eaLnBrk="1" latinLnBrk="0" hangingPunct="1">
+      <a:lvl3pPr marL="2704452" indent="-540890" algn="l" defTabSz="2163562" rtl="0" eaLnBrk="1" latinLnBrk="0" hangingPunct="1">
         <a:lnSpc>
           <a:spcPct val="90000"/>
         </a:lnSpc>
         <a:spcBef>
-          <a:spcPts val="1169"/>
+          <a:spcPts val="1183"/>
         </a:spcBef>
         <a:buFont typeface="Arial" panose="020B0604020202020204" pitchFamily="34" charset="0"/>
         <a:buChar char="•"/>
-        <a:defRPr sz="4677" kern="1200">
+        <a:defRPr sz="4732" kern="1200">
           <a:solidFill>
             <a:schemeClr val="tx1"/>
           </a:solidFill>
@@ -3224,16 +3229,16 @@
           <a:cs typeface="+mn-cs"/>
         </a:defRPr>
       </a:lvl3pPr>
-      <a:lvl4pPr marL="3742068" indent="-534581" algn="l" defTabSz="2138324" rtl="0" eaLnBrk="1" latinLnBrk="0" hangingPunct="1">
+      <a:lvl4pPr marL="3786233" indent="-540890" algn="l" defTabSz="2163562" rtl="0" eaLnBrk="1" latinLnBrk="0" hangingPunct="1">
         <a:lnSpc>
           <a:spcPct val="90000"/>
         </a:lnSpc>
         <a:spcBef>
-          <a:spcPts val="1169"/>
+          <a:spcPts val="1183"/>
         </a:spcBef>
         <a:buFont typeface="Arial" panose="020B0604020202020204" pitchFamily="34" charset="0"/>
         <a:buChar char="•"/>
-        <a:defRPr sz="4209" kern="1200">
+        <a:defRPr sz="4259" kern="1200">
           <a:solidFill>
             <a:schemeClr val="tx1"/>
           </a:solidFill>
@@ -3242,16 +3247,16 @@
           <a:cs typeface="+mn-cs"/>
         </a:defRPr>
       </a:lvl4pPr>
-      <a:lvl5pPr marL="4811230" indent="-534581" algn="l" defTabSz="2138324" rtl="0" eaLnBrk="1" latinLnBrk="0" hangingPunct="1">
+      <a:lvl5pPr marL="4868014" indent="-540890" algn="l" defTabSz="2163562" rtl="0" eaLnBrk="1" latinLnBrk="0" hangingPunct="1">
         <a:lnSpc>
           <a:spcPct val="90000"/>
         </a:lnSpc>
         <a:spcBef>
-          <a:spcPts val="1169"/>
+          <a:spcPts val="1183"/>
         </a:spcBef>
         <a:buFont typeface="Arial" panose="020B0604020202020204" pitchFamily="34" charset="0"/>
         <a:buChar char="•"/>
-        <a:defRPr sz="4209" kern="1200">
+        <a:defRPr sz="4259" kern="1200">
           <a:solidFill>
             <a:schemeClr val="tx1"/>
           </a:solidFill>
@@ -3260,16 +3265,16 @@
           <a:cs typeface="+mn-cs"/>
         </a:defRPr>
       </a:lvl5pPr>
-      <a:lvl6pPr marL="5880392" indent="-534581" algn="l" defTabSz="2138324" rtl="0" eaLnBrk="1" latinLnBrk="0" hangingPunct="1">
+      <a:lvl6pPr marL="5949795" indent="-540890" algn="l" defTabSz="2163562" rtl="0" eaLnBrk="1" latinLnBrk="0" hangingPunct="1">
         <a:lnSpc>
           <a:spcPct val="90000"/>
         </a:lnSpc>
         <a:spcBef>
-          <a:spcPts val="1169"/>
+          <a:spcPts val="1183"/>
         </a:spcBef>
         <a:buFont typeface="Arial" panose="020B0604020202020204" pitchFamily="34" charset="0"/>
         <a:buChar char="•"/>
-        <a:defRPr sz="4209" kern="1200">
+        <a:defRPr sz="4259" kern="1200">
           <a:solidFill>
             <a:schemeClr val="tx1"/>
           </a:solidFill>
@@ -3278,16 +3283,16 @@
           <a:cs typeface="+mn-cs"/>
         </a:defRPr>
       </a:lvl6pPr>
-      <a:lvl7pPr marL="6949554" indent="-534581" algn="l" defTabSz="2138324" rtl="0" eaLnBrk="1" latinLnBrk="0" hangingPunct="1">
+      <a:lvl7pPr marL="7031576" indent="-540890" algn="l" defTabSz="2163562" rtl="0" eaLnBrk="1" latinLnBrk="0" hangingPunct="1">
         <a:lnSpc>
           <a:spcPct val="90000"/>
         </a:lnSpc>
         <a:spcBef>
-          <a:spcPts val="1169"/>
+          <a:spcPts val="1183"/>
         </a:spcBef>
         <a:buFont typeface="Arial" panose="020B0604020202020204" pitchFamily="34" charset="0"/>
         <a:buChar char="•"/>
-        <a:defRPr sz="4209" kern="1200">
+        <a:defRPr sz="4259" kern="1200">
           <a:solidFill>
             <a:schemeClr val="tx1"/>
           </a:solidFill>
@@ -3296,16 +3301,16 @@
           <a:cs typeface="+mn-cs"/>
         </a:defRPr>
       </a:lvl7pPr>
-      <a:lvl8pPr marL="8018717" indent="-534581" algn="l" defTabSz="2138324" rtl="0" eaLnBrk="1" latinLnBrk="0" hangingPunct="1">
+      <a:lvl8pPr marL="8113357" indent="-540890" algn="l" defTabSz="2163562" rtl="0" eaLnBrk="1" latinLnBrk="0" hangingPunct="1">
         <a:lnSpc>
           <a:spcPct val="90000"/>
         </a:lnSpc>
         <a:spcBef>
-          <a:spcPts val="1169"/>
+          <a:spcPts val="1183"/>
         </a:spcBef>
         <a:buFont typeface="Arial" panose="020B0604020202020204" pitchFamily="34" charset="0"/>
         <a:buChar char="•"/>
-        <a:defRPr sz="4209" kern="1200">
+        <a:defRPr sz="4259" kern="1200">
           <a:solidFill>
             <a:schemeClr val="tx1"/>
           </a:solidFill>
@@ -3314,16 +3319,16 @@
           <a:cs typeface="+mn-cs"/>
         </a:defRPr>
       </a:lvl8pPr>
-      <a:lvl9pPr marL="9087879" indent="-534581" algn="l" defTabSz="2138324" rtl="0" eaLnBrk="1" latinLnBrk="0" hangingPunct="1">
+      <a:lvl9pPr marL="9195138" indent="-540890" algn="l" defTabSz="2163562" rtl="0" eaLnBrk="1" latinLnBrk="0" hangingPunct="1">
         <a:lnSpc>
           <a:spcPct val="90000"/>
         </a:lnSpc>
         <a:spcBef>
-          <a:spcPts val="1169"/>
+          <a:spcPts val="1183"/>
         </a:spcBef>
         <a:buFont typeface="Arial" panose="020B0604020202020204" pitchFamily="34" charset="0"/>
         <a:buChar char="•"/>
-        <a:defRPr sz="4209" kern="1200">
+        <a:defRPr sz="4259" kern="1200">
           <a:solidFill>
             <a:schemeClr val="tx1"/>
           </a:solidFill>
@@ -3337,8 +3342,8 @@
       <a:defPPr>
         <a:defRPr lang="en-US"/>
       </a:defPPr>
-      <a:lvl1pPr marL="0" algn="l" defTabSz="2138324" rtl="0" eaLnBrk="1" latinLnBrk="0" hangingPunct="1">
-        <a:defRPr sz="4209" kern="1200">
+      <a:lvl1pPr marL="0" algn="l" defTabSz="2163562" rtl="0" eaLnBrk="1" latinLnBrk="0" hangingPunct="1">
+        <a:defRPr sz="4259" kern="1200">
           <a:solidFill>
             <a:schemeClr val="tx1"/>
           </a:solidFill>
@@ -3347,8 +3352,8 @@
           <a:cs typeface="+mn-cs"/>
         </a:defRPr>
       </a:lvl1pPr>
-      <a:lvl2pPr marL="1069162" algn="l" defTabSz="2138324" rtl="0" eaLnBrk="1" latinLnBrk="0" hangingPunct="1">
-        <a:defRPr sz="4209" kern="1200">
+      <a:lvl2pPr marL="1081781" algn="l" defTabSz="2163562" rtl="0" eaLnBrk="1" latinLnBrk="0" hangingPunct="1">
+        <a:defRPr sz="4259" kern="1200">
           <a:solidFill>
             <a:schemeClr val="tx1"/>
           </a:solidFill>
@@ -3357,8 +3362,8 @@
           <a:cs typeface="+mn-cs"/>
         </a:defRPr>
       </a:lvl2pPr>
-      <a:lvl3pPr marL="2138324" algn="l" defTabSz="2138324" rtl="0" eaLnBrk="1" latinLnBrk="0" hangingPunct="1">
-        <a:defRPr sz="4209" kern="1200">
+      <a:lvl3pPr marL="2163562" algn="l" defTabSz="2163562" rtl="0" eaLnBrk="1" latinLnBrk="0" hangingPunct="1">
+        <a:defRPr sz="4259" kern="1200">
           <a:solidFill>
             <a:schemeClr val="tx1"/>
           </a:solidFill>
@@ -3367,8 +3372,8 @@
           <a:cs typeface="+mn-cs"/>
         </a:defRPr>
       </a:lvl3pPr>
-      <a:lvl4pPr marL="3207487" algn="l" defTabSz="2138324" rtl="0" eaLnBrk="1" latinLnBrk="0" hangingPunct="1">
-        <a:defRPr sz="4209" kern="1200">
+      <a:lvl4pPr marL="3245343" algn="l" defTabSz="2163562" rtl="0" eaLnBrk="1" latinLnBrk="0" hangingPunct="1">
+        <a:defRPr sz="4259" kern="1200">
           <a:solidFill>
             <a:schemeClr val="tx1"/>
           </a:solidFill>
@@ -3377,8 +3382,8 @@
           <a:cs typeface="+mn-cs"/>
         </a:defRPr>
       </a:lvl4pPr>
-      <a:lvl5pPr marL="4276649" algn="l" defTabSz="2138324" rtl="0" eaLnBrk="1" latinLnBrk="0" hangingPunct="1">
-        <a:defRPr sz="4209" kern="1200">
+      <a:lvl5pPr marL="4327124" algn="l" defTabSz="2163562" rtl="0" eaLnBrk="1" latinLnBrk="0" hangingPunct="1">
+        <a:defRPr sz="4259" kern="1200">
           <a:solidFill>
             <a:schemeClr val="tx1"/>
           </a:solidFill>
@@ -3387,8 +3392,8 @@
           <a:cs typeface="+mn-cs"/>
         </a:defRPr>
       </a:lvl5pPr>
-      <a:lvl6pPr marL="5345811" algn="l" defTabSz="2138324" rtl="0" eaLnBrk="1" latinLnBrk="0" hangingPunct="1">
-        <a:defRPr sz="4209" kern="1200">
+      <a:lvl6pPr marL="5408905" algn="l" defTabSz="2163562" rtl="0" eaLnBrk="1" latinLnBrk="0" hangingPunct="1">
+        <a:defRPr sz="4259" kern="1200">
           <a:solidFill>
             <a:schemeClr val="tx1"/>
           </a:solidFill>
@@ -3397,8 +3402,8 @@
           <a:cs typeface="+mn-cs"/>
         </a:defRPr>
       </a:lvl6pPr>
-      <a:lvl7pPr marL="6414973" algn="l" defTabSz="2138324" rtl="0" eaLnBrk="1" latinLnBrk="0" hangingPunct="1">
-        <a:defRPr sz="4209" kern="1200">
+      <a:lvl7pPr marL="6490686" algn="l" defTabSz="2163562" rtl="0" eaLnBrk="1" latinLnBrk="0" hangingPunct="1">
+        <a:defRPr sz="4259" kern="1200">
           <a:solidFill>
             <a:schemeClr val="tx1"/>
           </a:solidFill>
@@ -3407,8 +3412,8 @@
           <a:cs typeface="+mn-cs"/>
         </a:defRPr>
       </a:lvl7pPr>
-      <a:lvl8pPr marL="7484135" algn="l" defTabSz="2138324" rtl="0" eaLnBrk="1" latinLnBrk="0" hangingPunct="1">
-        <a:defRPr sz="4209" kern="1200">
+      <a:lvl8pPr marL="7572466" algn="l" defTabSz="2163562" rtl="0" eaLnBrk="1" latinLnBrk="0" hangingPunct="1">
+        <a:defRPr sz="4259" kern="1200">
           <a:solidFill>
             <a:schemeClr val="tx1"/>
           </a:solidFill>
@@ -3417,8 +3422,8 @@
           <a:cs typeface="+mn-cs"/>
         </a:defRPr>
       </a:lvl8pPr>
-      <a:lvl9pPr marL="8553298" algn="l" defTabSz="2138324" rtl="0" eaLnBrk="1" latinLnBrk="0" hangingPunct="1">
-        <a:defRPr sz="4209" kern="1200">
+      <a:lvl9pPr marL="8654247" algn="l" defTabSz="2163562" rtl="0" eaLnBrk="1" latinLnBrk="0" hangingPunct="1">
+        <a:defRPr sz="4259" kern="1200">
           <a:solidFill>
             <a:schemeClr val="tx1"/>
           </a:solidFill>
@@ -3469,8 +3474,8 @@
         </p:nvSpPr>
         <p:spPr>
           <a:xfrm>
-            <a:off x="-14862" y="5228035"/>
-            <a:ext cx="21432580" cy="25030418"/>
+            <a:off x="0" y="5318522"/>
+            <a:ext cx="21655270" cy="25588197"/>
           </a:xfrm>
           <a:prstGeom prst="rect">
             <a:avLst/>
@@ -3512,7 +3517,7 @@
           <a:lstStyle/>
           <a:p>
             <a:pPr algn="ctr"/>
-            <a:endParaRPr lang="de-DE" sz="1600" noProof="0" dirty="0">
+            <a:endParaRPr lang="de-DE" sz="1600" dirty="0">
               <a:latin typeface="Times New Roman" panose="02020603050405020304" pitchFamily="18" charset="0"/>
               <a:cs typeface="Times New Roman" panose="02020603050405020304" pitchFamily="18" charset="0"/>
             </a:endParaRPr>
@@ -3533,8 +3538,8 @@
         </p:nvSpPr>
         <p:spPr>
           <a:xfrm>
-            <a:off x="-14861" y="1"/>
-            <a:ext cx="21432584" cy="2425172"/>
+            <a:off x="-484319" y="-422754"/>
+            <a:ext cx="22499338" cy="2558878"/>
           </a:xfrm>
           <a:prstGeom prst="rect">
             <a:avLst/>
@@ -3567,7 +3572,7 @@
           <a:lstStyle/>
           <a:p>
             <a:pPr algn="ctr"/>
-            <a:endParaRPr lang="de-DE" sz="3387" b="1" noProof="0" dirty="0">
+            <a:endParaRPr lang="de-DE" sz="3387" b="1" dirty="0">
               <a:solidFill>
                 <a:schemeClr val="bg1">
                   <a:lumMod val="50000"/>
@@ -3582,61 +3587,6 @@
       </p:sp>
       <p:sp>
         <p:nvSpPr>
-          <p:cNvPr id="107" name="Rechteck 106">
-            <a:extLst>
-              <a:ext uri="{FF2B5EF4-FFF2-40B4-BE49-F238E27FC236}">
-                <a16:creationId xmlns:a16="http://schemas.microsoft.com/office/drawing/2014/main" id="{8DF1CF56-0CA3-D226-149A-8FF07E45C7F5}"/>
-              </a:ext>
-            </a:extLst>
-          </p:cNvPr>
-          <p:cNvSpPr/>
-          <p:nvPr/>
-        </p:nvSpPr>
-        <p:spPr>
-          <a:xfrm>
-            <a:off x="-14860" y="1899589"/>
-            <a:ext cx="21432580" cy="3403138"/>
-          </a:xfrm>
-          <a:prstGeom prst="rect">
-            <a:avLst/>
-          </a:prstGeom>
-          <a:solidFill>
-            <a:schemeClr val="bg1"/>
-          </a:solidFill>
-          <a:ln>
-            <a:noFill/>
-          </a:ln>
-        </p:spPr>
-        <p:style>
-          <a:lnRef idx="2">
-            <a:schemeClr val="accent1">
-              <a:shade val="50000"/>
-            </a:schemeClr>
-          </a:lnRef>
-          <a:fillRef idx="1">
-            <a:schemeClr val="accent1"/>
-          </a:fillRef>
-          <a:effectRef idx="0">
-            <a:schemeClr val="accent1"/>
-          </a:effectRef>
-          <a:fontRef idx="minor">
-            <a:schemeClr val="lt1"/>
-          </a:fontRef>
-        </p:style>
-        <p:txBody>
-          <a:bodyPr rtlCol="0" anchor="ctr"/>
-          <a:lstStyle/>
-          <a:p>
-            <a:pPr algn="ctr"/>
-            <a:endParaRPr lang="de-DE" sz="1600" noProof="0" dirty="0">
-              <a:latin typeface="Times New Roman" panose="02020603050405020304" pitchFamily="18" charset="0"/>
-              <a:cs typeface="Times New Roman" panose="02020603050405020304" pitchFamily="18" charset="0"/>
-            </a:endParaRPr>
-          </a:p>
-        </p:txBody>
-      </p:sp>
-      <p:sp>
-        <p:nvSpPr>
           <p:cNvPr id="112" name="Rechteck 111">
             <a:extLst>
               <a:ext uri="{FF2B5EF4-FFF2-40B4-BE49-F238E27FC236}">
@@ -3649,8 +3599,8 @@
         </p:nvSpPr>
         <p:spPr>
           <a:xfrm>
-            <a:off x="-14863" y="1721844"/>
-            <a:ext cx="21432587" cy="346170"/>
+            <a:off x="-257907" y="1812332"/>
+            <a:ext cx="22171094" cy="346170"/>
           </a:xfrm>
           <a:prstGeom prst="rect">
             <a:avLst/>
@@ -3683,7 +3633,7 @@
           <a:lstStyle/>
           <a:p>
             <a:pPr algn="ctr"/>
-            <a:endParaRPr lang="de-DE" sz="1600" noProof="0" dirty="0">
+            <a:endParaRPr lang="de-DE" sz="1600" dirty="0">
               <a:latin typeface="Times New Roman" panose="02020603050405020304" pitchFamily="18" charset="0"/>
               <a:cs typeface="Times New Roman" panose="02020603050405020304" pitchFamily="18" charset="0"/>
             </a:endParaRPr>
@@ -3704,7 +3654,7 @@
         </p:nvSpPr>
         <p:spPr>
           <a:xfrm>
-            <a:off x="1102175" y="2013175"/>
+            <a:off x="1228382" y="2103663"/>
             <a:ext cx="14296174" cy="1446550"/>
           </a:xfrm>
           <a:prstGeom prst="rect">
@@ -3720,7 +3670,7 @@
           <a:p>
             <a:pPr algn="ctr"/>
             <a:r>
-              <a:rPr lang="de-DE" sz="8800" b="1" noProof="0" dirty="0">
+              <a:rPr lang="de-DE" sz="8800" b="1" dirty="0">
                 <a:solidFill>
                   <a:srgbClr val="A2232C"/>
                 </a:solidFill>
@@ -3747,7 +3697,7 @@
         </p:nvSpPr>
         <p:spPr>
           <a:xfrm>
-            <a:off x="1102175" y="4229132"/>
+            <a:off x="1228382" y="4319622"/>
             <a:ext cx="13477050" cy="1015663"/>
           </a:xfrm>
           <a:prstGeom prst="rect">
@@ -3763,7 +3713,7 @@
           <a:p>
             <a:pPr algn="ctr"/>
             <a:r>
-              <a:rPr lang="de-DE" sz="6000" b="1" noProof="0" dirty="0">
+              <a:rPr lang="de-DE" sz="6000" b="1" dirty="0">
                 <a:solidFill>
                   <a:schemeClr val="bg1">
                     <a:lumMod val="50000"/>
@@ -3792,8 +3742,8 @@
         </p:nvSpPr>
         <p:spPr>
           <a:xfrm>
-            <a:off x="-14861" y="29380671"/>
-            <a:ext cx="21432579" cy="894542"/>
+            <a:off x="323164" y="29438780"/>
+            <a:ext cx="21110683" cy="894542"/>
           </a:xfrm>
           <a:prstGeom prst="rect">
             <a:avLst/>
@@ -3827,7 +3777,7 @@
           <a:p>
             <a:pPr algn="ctr"/>
             <a:r>
-              <a:rPr lang="de-DE" sz="4657" b="1" noProof="0" dirty="0">
+              <a:rPr lang="de-DE" sz="4657" b="1" dirty="0">
                 <a:solidFill>
                   <a:schemeClr val="bg1">
                     <a:lumMod val="50000"/>
@@ -3856,7 +3806,7 @@
         </p:nvSpPr>
         <p:spPr>
           <a:xfrm>
-            <a:off x="57122" y="28935211"/>
+            <a:off x="183331" y="29025699"/>
             <a:ext cx="21360597" cy="266288"/>
           </a:xfrm>
           <a:prstGeom prst="rect">
@@ -3890,7 +3840,7 @@
           <a:lstStyle/>
           <a:p>
             <a:pPr algn="ctr"/>
-            <a:endParaRPr lang="de-DE" sz="1600" noProof="0" dirty="0">
+            <a:endParaRPr lang="de-DE" sz="1600" dirty="0">
               <a:latin typeface="Times New Roman" panose="02020603050405020304" pitchFamily="18" charset="0"/>
               <a:cs typeface="Times New Roman" panose="02020603050405020304" pitchFamily="18" charset="0"/>
             </a:endParaRPr>
@@ -3913,8 +3863,8 @@
         </p:nvSpPr>
         <p:spPr>
           <a:xfrm>
-            <a:off x="220405" y="9279390"/>
-            <a:ext cx="9359900" cy="5047065"/>
+            <a:off x="323166" y="9369880"/>
+            <a:ext cx="9383346" cy="5047065"/>
           </a:xfrm>
           <a:prstGeom prst="rect">
             <a:avLst/>
@@ -3947,7 +3897,7 @@
           <a:lstStyle/>
           <a:p>
             <a:pPr algn="ctr"/>
-            <a:endParaRPr lang="de-DE" sz="440" noProof="0" dirty="0">
+            <a:endParaRPr lang="de-DE" sz="440" dirty="0">
               <a:latin typeface="Times New Roman" panose="02020603050405020304" pitchFamily="18" charset="0"/>
               <a:cs typeface="Times New Roman" panose="02020603050405020304" pitchFamily="18" charset="0"/>
             </a:endParaRPr>
@@ -3970,8 +3920,8 @@
         </p:nvSpPr>
         <p:spPr>
           <a:xfrm>
-            <a:off x="213563" y="8807881"/>
-            <a:ext cx="9375712" cy="817695"/>
+            <a:off x="328194" y="8898371"/>
+            <a:ext cx="9378317" cy="817695"/>
           </a:xfrm>
           <a:prstGeom prst="rect">
             <a:avLst/>
@@ -4004,7 +3954,7 @@
           <a:lstStyle/>
           <a:p>
             <a:r>
-              <a:rPr lang="de-DE" sz="4400" b="1" noProof="0" dirty="0">
+              <a:rPr lang="de-DE" sz="4400" b="1" dirty="0">
                 <a:solidFill>
                   <a:schemeClr val="tx1"/>
                 </a:solidFill>
@@ -4032,7 +3982,7 @@
         </p:nvSpPr>
         <p:spPr>
           <a:xfrm>
-            <a:off x="196366" y="6303994"/>
+            <a:off x="322573" y="6394482"/>
             <a:ext cx="9375712" cy="2250944"/>
           </a:xfrm>
           <a:prstGeom prst="rect">
@@ -4066,7 +4016,7 @@
           <a:lstStyle/>
           <a:p>
             <a:pPr algn="ctr"/>
-            <a:endParaRPr lang="de-DE" sz="440" noProof="0" dirty="0">
+            <a:endParaRPr lang="de-DE" sz="440" dirty="0">
               <a:latin typeface="Times New Roman" panose="02020603050405020304" pitchFamily="18" charset="0"/>
               <a:cs typeface="Times New Roman" panose="02020603050405020304" pitchFamily="18" charset="0"/>
             </a:endParaRPr>
@@ -4089,7 +4039,7 @@
         </p:nvSpPr>
         <p:spPr>
           <a:xfrm>
-            <a:off x="196257" y="5531561"/>
+            <a:off x="322464" y="5622049"/>
             <a:ext cx="9384048" cy="786948"/>
           </a:xfrm>
           <a:prstGeom prst="rect">
@@ -4123,7 +4073,7 @@
           <a:lstStyle/>
           <a:p>
             <a:r>
-              <a:rPr lang="de-DE" sz="4400" b="1" noProof="0" dirty="0">
+              <a:rPr lang="de-DE" sz="4400" b="1" dirty="0">
                 <a:solidFill>
                   <a:schemeClr val="tx1"/>
                 </a:solidFill>
@@ -4132,13 +4082,13 @@
               </a:rPr>
               <a:t> Fragestellung❓</a:t>
             </a:r>
-            <a:endParaRPr lang="de-DE" sz="4400" noProof="0" dirty="0">
+            <a:endParaRPr lang="de-DE" sz="4400" dirty="0">
               <a:latin typeface="Aptos" panose="020B0004020202020204" pitchFamily="34" charset="0"/>
               <a:cs typeface="Times New Roman" panose="02020603050405020304" pitchFamily="18" charset="0"/>
             </a:endParaRPr>
           </a:p>
           <a:p>
-            <a:endParaRPr lang="de-DE" sz="4400" b="1" noProof="0" dirty="0">
+            <a:endParaRPr lang="de-DE" sz="4400" b="1" dirty="0">
               <a:solidFill>
                 <a:schemeClr val="tx1"/>
               </a:solidFill>
@@ -4176,7 +4126,7 @@
         </p:blipFill>
         <p:spPr>
           <a:xfrm>
-            <a:off x="318463" y="187480"/>
+            <a:off x="444670" y="277968"/>
             <a:ext cx="1440000" cy="1440000"/>
           </a:xfrm>
           <a:prstGeom prst="rect">
@@ -4222,7 +4172,7 @@
         </p:blipFill>
         <p:spPr>
           <a:xfrm>
-            <a:off x="1743578" y="238429"/>
+            <a:off x="1869785" y="328917"/>
             <a:ext cx="3205044" cy="1327242"/>
           </a:xfrm>
           <a:prstGeom prst="rect">
@@ -4244,7 +4194,7 @@
         </p:nvSpPr>
         <p:spPr>
           <a:xfrm>
-            <a:off x="1102175" y="3478814"/>
+            <a:off x="1228382" y="3569302"/>
             <a:ext cx="14296174" cy="707886"/>
           </a:xfrm>
           <a:prstGeom prst="rect">
@@ -4260,7 +4210,7 @@
           <a:p>
             <a:pPr algn="ctr"/>
             <a:r>
-              <a:rPr lang="de-DE" sz="4000" b="1" noProof="0" dirty="0">
+              <a:rPr lang="de-DE" sz="4000" b="1" dirty="0">
                 <a:solidFill>
                   <a:srgbClr val="A2232C"/>
                 </a:solidFill>
@@ -4300,7 +4250,7 @@
         </p:blipFill>
         <p:spPr>
           <a:xfrm>
-            <a:off x="13506035" y="-119571"/>
+            <a:off x="13632244" y="-29083"/>
             <a:ext cx="8135123" cy="1666962"/>
           </a:xfrm>
           <a:prstGeom prst="rect">
@@ -4324,8 +4274,8 @@
         </p:nvSpPr>
         <p:spPr>
           <a:xfrm>
-            <a:off x="9891220" y="5519326"/>
-            <a:ext cx="11224555" cy="786948"/>
+            <a:off x="10017429" y="5609814"/>
+            <a:ext cx="11354569" cy="786948"/>
           </a:xfrm>
           <a:prstGeom prst="rect">
             <a:avLst/>
@@ -4358,7 +4308,7 @@
           <a:lstStyle/>
           <a:p>
             <a:r>
-              <a:rPr lang="de-DE" sz="4400" b="1" noProof="0" dirty="0">
+              <a:rPr lang="de-DE" sz="4400" b="1" dirty="0">
                 <a:solidFill>
                   <a:schemeClr val="tx1"/>
                 </a:solidFill>
@@ -4368,7 +4318,7 @@
               <a:t> Ziel</a:t>
             </a:r>
             <a:r>
-              <a:rPr lang="de-DE" sz="4400" noProof="0" dirty="0">
+              <a:rPr lang="de-DE" sz="4400" dirty="0">
                 <a:latin typeface="Aptos" panose="020B0004020202020204" pitchFamily="34" charset="0"/>
                 <a:cs typeface="Times New Roman" panose="02020603050405020304" pitchFamily="18" charset="0"/>
               </a:rPr>
@@ -4376,7 +4326,7 @@
             </a:r>
           </a:p>
           <a:p>
-            <a:endParaRPr lang="de-DE" sz="4400" b="1" noProof="0" dirty="0">
+            <a:endParaRPr lang="de-DE" sz="4400" b="1" dirty="0">
               <a:solidFill>
                 <a:schemeClr val="tx1"/>
               </a:solidFill>
@@ -4402,8 +4352,8 @@
         </p:nvSpPr>
         <p:spPr>
           <a:xfrm>
-            <a:off x="9891219" y="6268844"/>
-            <a:ext cx="11224555" cy="8039972"/>
+            <a:off x="10017429" y="6359332"/>
+            <a:ext cx="11354570" cy="8039972"/>
           </a:xfrm>
           <a:prstGeom prst="rect">
             <a:avLst/>
@@ -4439,7 +4389,7 @@
               <a:buFont typeface="Arial" panose="020B0604020202020204" pitchFamily="34" charset="0"/>
               <a:buChar char="•"/>
             </a:pPr>
-            <a:endParaRPr lang="de-DE" sz="800" noProof="0" dirty="0">
+            <a:endParaRPr lang="de-DE" sz="800" dirty="0">
               <a:latin typeface="Times New Roman" panose="02020603050405020304" pitchFamily="18" charset="0"/>
               <a:cs typeface="Times New Roman" panose="02020603050405020304" pitchFamily="18" charset="0"/>
             </a:endParaRPr>
@@ -4460,7 +4410,7 @@
         </p:nvSpPr>
         <p:spPr>
           <a:xfrm>
-            <a:off x="285167" y="6559560"/>
+            <a:off x="411376" y="6650048"/>
             <a:ext cx="9227209" cy="1754326"/>
           </a:xfrm>
           <a:prstGeom prst="rect">
@@ -4475,7 +4425,7 @@
           <a:lstStyle/>
           <a:p>
             <a:r>
-              <a:rPr lang="de-DE" sz="3600" noProof="0" dirty="0">
+              <a:rPr lang="de-DE" sz="3600" dirty="0">
                 <a:latin typeface="Aptos" panose="020B0004020202020204" pitchFamily="34" charset="0"/>
                 <a:cs typeface="Times New Roman" panose="02020603050405020304" pitchFamily="18" charset="0"/>
               </a:rPr>
@@ -4484,30 +4434,16 @@
           </a:p>
           <a:p>
             <a:r>
-              <a:rPr lang="de-DE" sz="3600" noProof="0" dirty="0">
-                <a:latin typeface="Aptos" panose="020B0004020202020204" pitchFamily="34" charset="0"/>
-                <a:cs typeface="Times New Roman" panose="02020603050405020304" pitchFamily="18" charset="0"/>
-              </a:rPr>
-              <a:t>⚖️ </a:t>
-            </a:r>
-            <a:r>
               <a:rPr lang="de-DE" sz="3600" dirty="0">
                 <a:latin typeface="Aptos" panose="020B0004020202020204" pitchFamily="34" charset="0"/>
                 <a:cs typeface="Times New Roman" panose="02020603050405020304" pitchFamily="18" charset="0"/>
               </a:rPr>
-              <a:t>Verstärkte</a:t>
-            </a:r>
-            <a:r>
-              <a:rPr lang="de-DE" sz="3600" noProof="0" dirty="0">
-                <a:latin typeface="Aptos" panose="020B0004020202020204" pitchFamily="34" charset="0"/>
-                <a:cs typeface="Times New Roman" panose="02020603050405020304" pitchFamily="18" charset="0"/>
-              </a:rPr>
-              <a:t> Subjektivität im Journalismus ?</a:t>
-            </a:r>
-          </a:p>
-          <a:p>
-            <a:r>
-              <a:rPr lang="de-DE" sz="3600" noProof="0" dirty="0">
+              <a:t>⚖️ Verstärkte Subjektivität im Journalismus ?</a:t>
+            </a:r>
+          </a:p>
+          <a:p>
+            <a:r>
+              <a:rPr lang="de-DE" sz="3600" dirty="0">
                 <a:latin typeface="Aptos" panose="020B0004020202020204" pitchFamily="34" charset="0"/>
                 <a:cs typeface="Times New Roman" panose="02020603050405020304" pitchFamily="18" charset="0"/>
               </a:rPr>
@@ -4530,7 +4466,7 @@
         </p:nvSpPr>
         <p:spPr>
           <a:xfrm>
-            <a:off x="9983546" y="6439282"/>
+            <a:off x="10109755" y="6529770"/>
             <a:ext cx="11092857" cy="7848302"/>
           </a:xfrm>
           <a:prstGeom prst="rect">
@@ -4545,21 +4481,21 @@
           <a:lstStyle/>
           <a:p>
             <a:r>
-              <a:rPr lang="de-DE" sz="3600" noProof="0" dirty="0">
+              <a:rPr lang="de-DE" sz="3600" dirty="0">
                 <a:latin typeface="Aptos" panose="020B0004020202020204" pitchFamily="34" charset="0"/>
                 <a:cs typeface="Times New Roman" panose="02020603050405020304" pitchFamily="18" charset="0"/>
               </a:rPr>
               <a:t>🔍 Analyse von „</a:t>
             </a:r>
             <a:r>
-              <a:rPr lang="de-DE" sz="3600" b="1" noProof="0" dirty="0">
+              <a:rPr lang="de-DE" sz="3600" b="1" dirty="0">
                 <a:latin typeface="Aptos" panose="020B0004020202020204" pitchFamily="34" charset="0"/>
                 <a:cs typeface="Times New Roman" panose="02020603050405020304" pitchFamily="18" charset="0"/>
               </a:rPr>
               <a:t>The New York Times</a:t>
             </a:r>
             <a:r>
-              <a:rPr lang="de-DE" sz="3600" noProof="0" dirty="0">
+              <a:rPr lang="de-DE" sz="3600" dirty="0">
                 <a:latin typeface="Aptos" panose="020B0004020202020204" pitchFamily="34" charset="0"/>
                 <a:cs typeface="Times New Roman" panose="02020603050405020304" pitchFamily="18" charset="0"/>
               </a:rPr>
@@ -4572,24 +4508,17 @@
                 <a:latin typeface="Aptos" panose="020B0004020202020204" pitchFamily="34" charset="0"/>
                 <a:cs typeface="Times New Roman" panose="02020603050405020304" pitchFamily="18" charset="0"/>
               </a:rPr>
-              <a:t>      </a:t>
-            </a:r>
-            <a:r>
-              <a:rPr lang="de-DE" sz="3600" noProof="0" dirty="0">
-                <a:latin typeface="Aptos" panose="020B0004020202020204" pitchFamily="34" charset="0"/>
-                <a:cs typeface="Times New Roman" panose="02020603050405020304" pitchFamily="18" charset="0"/>
-              </a:rPr>
-              <a:t> „</a:t>
-            </a:r>
-            <a:r>
-              <a:rPr lang="de-DE" sz="3600" b="1" noProof="0" dirty="0">
+              <a:t>       „</a:t>
+            </a:r>
+            <a:r>
+              <a:rPr lang="de-DE" sz="3600" b="1" dirty="0">
                 <a:latin typeface="Aptos" panose="020B0004020202020204" pitchFamily="34" charset="0"/>
                 <a:cs typeface="Times New Roman" panose="02020603050405020304" pitchFamily="18" charset="0"/>
               </a:rPr>
               <a:t>The Guardian</a:t>
             </a:r>
             <a:r>
-              <a:rPr lang="de-DE" sz="3600" noProof="0" dirty="0">
+              <a:rPr lang="de-DE" sz="3600" dirty="0">
                 <a:latin typeface="Aptos" panose="020B0004020202020204" pitchFamily="34" charset="0"/>
                 <a:cs typeface="Times New Roman" panose="02020603050405020304" pitchFamily="18" charset="0"/>
               </a:rPr>
@@ -4598,21 +4527,21 @@
           </a:p>
           <a:p>
             <a:r>
-              <a:rPr lang="de-DE" sz="3600" noProof="0" dirty="0">
+              <a:rPr lang="de-DE" sz="3600" dirty="0">
                 <a:latin typeface="Aptos" panose="020B0004020202020204" pitchFamily="34" charset="0"/>
                 <a:cs typeface="Times New Roman" panose="02020603050405020304" pitchFamily="18" charset="0"/>
               </a:rPr>
               <a:t>📢 </a:t>
             </a:r>
             <a:r>
-              <a:rPr lang="de-DE" sz="3600" b="1" noProof="0" dirty="0">
+              <a:rPr lang="de-DE" sz="3600" b="1" dirty="0">
                 <a:latin typeface="Aptos" panose="020B0004020202020204" pitchFamily="34" charset="0"/>
                 <a:cs typeface="Times New Roman" panose="02020603050405020304" pitchFamily="18" charset="0"/>
               </a:rPr>
               <a:t>Vergleich</a:t>
             </a:r>
             <a:r>
-              <a:rPr lang="de-DE" sz="3600" noProof="0" dirty="0">
+              <a:rPr lang="de-DE" sz="3600" dirty="0">
                 <a:latin typeface="Aptos" panose="020B0004020202020204" pitchFamily="34" charset="0"/>
                 <a:cs typeface="Times New Roman" panose="02020603050405020304" pitchFamily="18" charset="0"/>
               </a:rPr>
@@ -4625,14 +4554,7 @@
                 <a:latin typeface="Aptos" panose="020B0004020202020204" pitchFamily="34" charset="0"/>
                 <a:cs typeface="Times New Roman" panose="02020603050405020304" pitchFamily="18" charset="0"/>
               </a:rPr>
-              <a:t>       </a:t>
-            </a:r>
-            <a:r>
-              <a:rPr lang="de-DE" sz="3600" noProof="0" dirty="0">
-                <a:latin typeface="Aptos" panose="020B0004020202020204" pitchFamily="34" charset="0"/>
-                <a:cs typeface="Times New Roman" panose="02020603050405020304" pitchFamily="18" charset="0"/>
-              </a:rPr>
-              <a:t> britischen Zeitung  in den Rubriken „World“, </a:t>
+              <a:t>        britischen Zeitung  in den Rubriken „World“, </a:t>
             </a:r>
           </a:p>
           <a:p>
@@ -4641,14 +4563,7 @@
                 <a:latin typeface="Aptos" panose="020B0004020202020204" pitchFamily="34" charset="0"/>
                 <a:cs typeface="Times New Roman" panose="02020603050405020304" pitchFamily="18" charset="0"/>
               </a:rPr>
-              <a:t> </a:t>
-            </a:r>
-            <a:r>
-              <a:rPr lang="de-DE" sz="3600" noProof="0" dirty="0">
-                <a:latin typeface="Aptos" panose="020B0004020202020204" pitchFamily="34" charset="0"/>
-                <a:cs typeface="Times New Roman" panose="02020603050405020304" pitchFamily="18" charset="0"/>
-              </a:rPr>
-              <a:t>      „Opinion“ und „Politics“</a:t>
+              <a:t>       „Opinion“ und „Politics“</a:t>
             </a:r>
           </a:p>
           <a:p>
@@ -4657,14 +4572,7 @@
                 <a:latin typeface="Aptos" panose="020B0004020202020204" pitchFamily="34" charset="0"/>
                 <a:cs typeface="Times New Roman" panose="02020603050405020304" pitchFamily="18" charset="0"/>
               </a:rPr>
-              <a:t>📅 Langzeitdatenanalyse </a:t>
-            </a:r>
-            <a:r>
-              <a:rPr lang="de-DE" sz="3600" noProof="0" dirty="0">
-                <a:latin typeface="Aptos" panose="020B0004020202020204" pitchFamily="34" charset="0"/>
-                <a:cs typeface="Times New Roman" panose="02020603050405020304" pitchFamily="18" charset="0"/>
-              </a:rPr>
-              <a:t>von 120.000 Artikeln</a:t>
+              <a:t>📅 Langzeitdatenanalyse von 120.000 Artikeln</a:t>
             </a:r>
           </a:p>
           <a:p>
@@ -4673,33 +4581,26 @@
                 <a:latin typeface="Aptos" panose="020B0004020202020204" pitchFamily="34" charset="0"/>
                 <a:cs typeface="Times New Roman" panose="02020603050405020304" pitchFamily="18" charset="0"/>
               </a:rPr>
-              <a:t>      </a:t>
-            </a:r>
-            <a:r>
-              <a:rPr lang="de-DE" sz="3600" noProof="0" dirty="0">
-                <a:latin typeface="Aptos" panose="020B0004020202020204" pitchFamily="34" charset="0"/>
-                <a:cs typeface="Times New Roman" panose="02020603050405020304" pitchFamily="18" charset="0"/>
-              </a:rPr>
-              <a:t>  zwischen 2010 – 2011 und 2020 – 2021</a:t>
-            </a:r>
-          </a:p>
-          <a:p>
-            <a:r>
-              <a:rPr lang="de-DE" sz="3600" noProof="0" dirty="0">
+              <a:t>        zwischen 2010 – 2011 und 2020 – 2021</a:t>
+            </a:r>
+          </a:p>
+          <a:p>
+            <a:r>
+              <a:rPr lang="de-DE" sz="3600" dirty="0">
                 <a:latin typeface="Aptos" panose="020B0004020202020204" pitchFamily="34" charset="0"/>
                 <a:cs typeface="Times New Roman" panose="02020603050405020304" pitchFamily="18" charset="0"/>
               </a:rPr>
               <a:t>🔎 Identifikation von </a:t>
             </a:r>
             <a:r>
-              <a:rPr lang="de-DE" sz="3600" b="1" noProof="0" dirty="0">
+              <a:rPr lang="de-DE" sz="3600" b="1" dirty="0">
                 <a:latin typeface="Aptos" panose="020B0004020202020204" pitchFamily="34" charset="0"/>
                 <a:cs typeface="Times New Roman" panose="02020603050405020304" pitchFamily="18" charset="0"/>
               </a:rPr>
               <a:t>langfristigen Trends</a:t>
             </a:r>
             <a:r>
-              <a:rPr lang="de-DE" sz="3600" noProof="0" dirty="0">
+              <a:rPr lang="de-DE" sz="3600" dirty="0">
                 <a:latin typeface="Aptos" panose="020B0004020202020204" pitchFamily="34" charset="0"/>
                 <a:cs typeface="Times New Roman" panose="02020603050405020304" pitchFamily="18" charset="0"/>
               </a:rPr>
@@ -4712,47 +4613,40 @@
                 <a:latin typeface="Aptos" panose="020B0004020202020204" pitchFamily="34" charset="0"/>
                 <a:cs typeface="Times New Roman" panose="02020603050405020304" pitchFamily="18" charset="0"/>
               </a:rPr>
-              <a:t>      </a:t>
-            </a:r>
-            <a:r>
-              <a:rPr lang="de-DE" sz="3600" noProof="0" dirty="0">
-                <a:latin typeface="Aptos" panose="020B0004020202020204" pitchFamily="34" charset="0"/>
-                <a:cs typeface="Times New Roman" panose="02020603050405020304" pitchFamily="18" charset="0"/>
-              </a:rPr>
-              <a:t> Journalismus</a:t>
-            </a:r>
-          </a:p>
-          <a:p>
-            <a:r>
-              <a:rPr lang="de-DE" sz="3600" noProof="0" dirty="0">
+              <a:t>       Journalismus</a:t>
+            </a:r>
+          </a:p>
+          <a:p>
+            <a:r>
+              <a:rPr lang="de-DE" sz="3600" dirty="0">
                 <a:latin typeface="Aptos" panose="020B0004020202020204" pitchFamily="34" charset="0"/>
                 <a:cs typeface="Times New Roman" panose="02020603050405020304" pitchFamily="18" charset="0"/>
               </a:rPr>
               <a:t>📊 Untersuchung von </a:t>
             </a:r>
             <a:r>
-              <a:rPr lang="de-DE" sz="3600" b="1" noProof="0" dirty="0">
+              <a:rPr lang="de-DE" sz="3600" b="1" dirty="0">
                 <a:latin typeface="Aptos" panose="020B0004020202020204" pitchFamily="34" charset="0"/>
                 <a:cs typeface="Times New Roman" panose="02020603050405020304" pitchFamily="18" charset="0"/>
               </a:rPr>
               <a:t>Subjektivität</a:t>
             </a:r>
             <a:r>
-              <a:rPr lang="de-DE" sz="3600" noProof="0" dirty="0">
+              <a:rPr lang="de-DE" sz="3600" dirty="0">
                 <a:latin typeface="Aptos" panose="020B0004020202020204" pitchFamily="34" charset="0"/>
                 <a:cs typeface="Times New Roman" panose="02020603050405020304" pitchFamily="18" charset="0"/>
               </a:rPr>
               <a:t>, </a:t>
             </a:r>
             <a:r>
-              <a:rPr lang="de-DE" sz="3600" b="1" noProof="0" dirty="0">
+              <a:rPr lang="de-DE" sz="3600" b="1" dirty="0">
                 <a:latin typeface="Aptos" panose="020B0004020202020204" pitchFamily="34" charset="0"/>
                 <a:cs typeface="Times New Roman" panose="02020603050405020304" pitchFamily="18" charset="0"/>
               </a:rPr>
               <a:t>Polarisierung</a:t>
             </a:r>
             <a:r>
-              <a:rPr lang="de-DE" sz="3600" noProof="0" dirty="0">
+              <a:rPr lang="de-DE" sz="3600" dirty="0">
                 <a:latin typeface="Aptos" panose="020B0004020202020204" pitchFamily="34" charset="0"/>
                 <a:cs typeface="Times New Roman" panose="02020603050405020304" pitchFamily="18" charset="0"/>
               </a:rPr>
@@ -4765,14 +4659,7 @@
                 <a:latin typeface="Aptos" panose="020B0004020202020204" pitchFamily="34" charset="0"/>
                 <a:cs typeface="Times New Roman" panose="02020603050405020304" pitchFamily="18" charset="0"/>
               </a:rPr>
-              <a:t>      </a:t>
-            </a:r>
-            <a:r>
-              <a:rPr lang="de-DE" sz="3600" noProof="0" dirty="0">
-                <a:latin typeface="Aptos" panose="020B0004020202020204" pitchFamily="34" charset="0"/>
-                <a:cs typeface="Times New Roman" panose="02020603050405020304" pitchFamily="18" charset="0"/>
-              </a:rPr>
-              <a:t> Anzahl und Länge der Artikel</a:t>
+              <a:t>       Anzahl und Länge der Artikel</a:t>
             </a:r>
           </a:p>
           <a:p>
@@ -4809,7 +4696,7 @@
           </a:p>
           <a:p>
             <a:r>
-              <a:rPr lang="de-DE" sz="3600" noProof="0" dirty="0">
+              <a:rPr lang="de-DE" sz="3600" dirty="0">
                 <a:latin typeface="Aptos" panose="020B0004020202020204" pitchFamily="34" charset="0"/>
                 <a:cs typeface="Times New Roman" panose="02020603050405020304" pitchFamily="18" charset="0"/>
               </a:rPr>
@@ -4832,7 +4719,7 @@
         </p:nvSpPr>
         <p:spPr>
           <a:xfrm>
-            <a:off x="267851" y="9763269"/>
+            <a:off x="394058" y="9853759"/>
             <a:ext cx="9261842" cy="4524315"/>
           </a:xfrm>
           <a:prstGeom prst="rect">
@@ -4847,34 +4734,34 @@
           <a:lstStyle/>
           <a:p>
             <a:r>
-              <a:rPr lang="de-DE" sz="3200" noProof="0" dirty="0">
+              <a:rPr lang="de-DE" sz="3200" dirty="0">
                 <a:latin typeface="Aptos" panose="020B0004020202020204" pitchFamily="34" charset="0"/>
                 <a:cs typeface="Times New Roman" panose="02020603050405020304" pitchFamily="18" charset="0"/>
               </a:rPr>
               <a:t>💻 </a:t>
             </a:r>
             <a:r>
-              <a:rPr lang="de-DE" sz="3200" b="1" noProof="0" dirty="0">
+              <a:rPr lang="de-DE" sz="3200" b="1" dirty="0">
                 <a:latin typeface="Aptos" panose="020B0004020202020204" pitchFamily="34" charset="0"/>
                 <a:cs typeface="Times New Roman" panose="02020603050405020304" pitchFamily="18" charset="0"/>
               </a:rPr>
               <a:t>Datenbeschaffung:</a:t>
             </a:r>
-            <a:endParaRPr lang="de-DE" sz="3200" noProof="0" dirty="0">
+            <a:endParaRPr lang="de-DE" sz="3200" dirty="0">
               <a:latin typeface="Aptos" panose="020B0004020202020204" pitchFamily="34" charset="0"/>
               <a:cs typeface="Times New Roman" panose="02020603050405020304" pitchFamily="18" charset="0"/>
             </a:endParaRPr>
           </a:p>
           <a:p>
             <a:r>
-              <a:rPr lang="de-DE" sz="3200" noProof="0" dirty="0">
+              <a:rPr lang="de-DE" sz="3200" dirty="0">
                 <a:latin typeface="Aptos" panose="020B0004020202020204" pitchFamily="34" charset="0"/>
                 <a:cs typeface="Times New Roman" panose="02020603050405020304" pitchFamily="18" charset="0"/>
               </a:rPr>
               <a:t>	🌐 Web Scraping mit </a:t>
             </a:r>
             <a:r>
-              <a:rPr lang="de-DE" sz="3200" b="1" noProof="0" dirty="0">
+              <a:rPr lang="de-DE" sz="3200" b="1" dirty="0">
                 <a:latin typeface="Aptos" panose="020B0004020202020204" pitchFamily="34" charset="0"/>
                 <a:cs typeface="Times New Roman" panose="02020603050405020304" pitchFamily="18" charset="0"/>
               </a:rPr>
@@ -4883,34 +4770,34 @@
           </a:p>
           <a:p>
             <a:r>
-              <a:rPr lang="de-DE" sz="3200" b="1" noProof="0" dirty="0">
+              <a:rPr lang="de-DE" sz="3200" b="1" dirty="0">
                 <a:latin typeface="Aptos" panose="020B0004020202020204" pitchFamily="34" charset="0"/>
                 <a:cs typeface="Times New Roman" panose="02020603050405020304" pitchFamily="18" charset="0"/>
               </a:rPr>
               <a:t>             BeautifulSoup</a:t>
             </a:r>
-            <a:endParaRPr lang="de-DE" sz="3200" noProof="0" dirty="0">
+            <a:endParaRPr lang="de-DE" sz="3200" dirty="0">
               <a:latin typeface="Aptos" panose="020B0004020202020204" pitchFamily="34" charset="0"/>
               <a:cs typeface="Times New Roman" panose="02020603050405020304" pitchFamily="18" charset="0"/>
             </a:endParaRPr>
           </a:p>
           <a:p>
             <a:r>
-              <a:rPr lang="de-DE" sz="3200" noProof="0" dirty="0">
+              <a:rPr lang="de-DE" sz="3200" dirty="0">
                 <a:latin typeface="Aptos" panose="020B0004020202020204" pitchFamily="34" charset="0"/>
                 <a:cs typeface="Times New Roman" panose="02020603050405020304" pitchFamily="18" charset="0"/>
               </a:rPr>
               <a:t>	🔗 Nutzung der </a:t>
             </a:r>
             <a:r>
-              <a:rPr lang="de-DE" sz="3200" b="1" noProof="0" dirty="0">
+              <a:rPr lang="de-DE" sz="3200" b="1" dirty="0">
                 <a:latin typeface="Aptos" panose="020B0004020202020204" pitchFamily="34" charset="0"/>
                 <a:cs typeface="Times New Roman" panose="02020603050405020304" pitchFamily="18" charset="0"/>
               </a:rPr>
               <a:t>APIs</a:t>
             </a:r>
             <a:r>
-              <a:rPr lang="de-DE" sz="3200" noProof="0" dirty="0">
+              <a:rPr lang="de-DE" sz="3200" dirty="0">
                 <a:latin typeface="Aptos" panose="020B0004020202020204" pitchFamily="34" charset="0"/>
                 <a:cs typeface="Times New Roman" panose="02020603050405020304" pitchFamily="18" charset="0"/>
               </a:rPr>
@@ -4919,74 +4806,74 @@
           </a:p>
           <a:p>
             <a:r>
-              <a:rPr lang="de-DE" sz="3200" noProof="0" dirty="0">
+              <a:rPr lang="de-DE" sz="3200" dirty="0">
                 <a:latin typeface="Aptos" panose="020B0004020202020204" pitchFamily="34" charset="0"/>
                 <a:cs typeface="Times New Roman" panose="02020603050405020304" pitchFamily="18" charset="0"/>
               </a:rPr>
               <a:t>📊 </a:t>
             </a:r>
             <a:r>
-              <a:rPr lang="de-DE" sz="3200" b="1" noProof="0" dirty="0">
+              <a:rPr lang="de-DE" sz="3200" b="1" dirty="0">
                 <a:latin typeface="Aptos" panose="020B0004020202020204" pitchFamily="34" charset="0"/>
                 <a:cs typeface="Times New Roman" panose="02020603050405020304" pitchFamily="18" charset="0"/>
               </a:rPr>
               <a:t>Analyse:</a:t>
             </a:r>
-            <a:endParaRPr lang="de-DE" sz="3200" noProof="0" dirty="0">
+            <a:endParaRPr lang="de-DE" sz="3200" dirty="0">
               <a:latin typeface="Aptos" panose="020B0004020202020204" pitchFamily="34" charset="0"/>
               <a:cs typeface="Times New Roman" panose="02020603050405020304" pitchFamily="18" charset="0"/>
             </a:endParaRPr>
           </a:p>
           <a:p>
             <a:r>
-              <a:rPr lang="de-DE" sz="3200" noProof="0" dirty="0">
+              <a:rPr lang="de-DE" sz="3200" dirty="0">
                 <a:latin typeface="Aptos" panose="020B0004020202020204" pitchFamily="34" charset="0"/>
                 <a:cs typeface="Times New Roman" panose="02020603050405020304" pitchFamily="18" charset="0"/>
               </a:rPr>
               <a:t>	🤖 Sentimentanalyse mit </a:t>
             </a:r>
             <a:r>
-              <a:rPr lang="de-DE" sz="3200" b="1" noProof="0" dirty="0">
+              <a:rPr lang="de-DE" sz="3200" b="1" dirty="0">
                 <a:latin typeface="Aptos" panose="020B0004020202020204" pitchFamily="34" charset="0"/>
                 <a:cs typeface="Times New Roman" panose="02020603050405020304" pitchFamily="18" charset="0"/>
               </a:rPr>
               <a:t>TextBlob</a:t>
             </a:r>
-            <a:endParaRPr lang="de-DE" sz="3200" noProof="0" dirty="0">
+            <a:endParaRPr lang="de-DE" sz="3200" dirty="0">
               <a:latin typeface="Aptos" panose="020B0004020202020204" pitchFamily="34" charset="0"/>
               <a:cs typeface="Times New Roman" panose="02020603050405020304" pitchFamily="18" charset="0"/>
             </a:endParaRPr>
           </a:p>
           <a:p>
             <a:r>
-              <a:rPr lang="de-DE" sz="3200" noProof="0" dirty="0">
+              <a:rPr lang="de-DE" sz="3200" dirty="0">
                 <a:latin typeface="Aptos" panose="020B0004020202020204" pitchFamily="34" charset="0"/>
                 <a:cs typeface="Times New Roman" panose="02020603050405020304" pitchFamily="18" charset="0"/>
               </a:rPr>
               <a:t>	📉 Berechnung von </a:t>
             </a:r>
             <a:r>
-              <a:rPr lang="de-DE" sz="3200" b="1" noProof="0" dirty="0">
+              <a:rPr lang="de-DE" sz="3200" b="1" dirty="0">
                 <a:latin typeface="Aptos" panose="020B0004020202020204" pitchFamily="34" charset="0"/>
                 <a:cs typeface="Times New Roman" panose="02020603050405020304" pitchFamily="18" charset="0"/>
               </a:rPr>
               <a:t>Subjektivität &amp; Polarisation</a:t>
             </a:r>
-            <a:endParaRPr lang="de-DE" sz="3200" noProof="0" dirty="0">
+            <a:endParaRPr lang="de-DE" sz="3200" dirty="0">
               <a:latin typeface="Aptos" panose="020B0004020202020204" pitchFamily="34" charset="0"/>
               <a:cs typeface="Times New Roman" panose="02020603050405020304" pitchFamily="18" charset="0"/>
             </a:endParaRPr>
           </a:p>
           <a:p>
             <a:r>
-              <a:rPr lang="de-DE" sz="3200" noProof="0" dirty="0">
+              <a:rPr lang="de-DE" sz="3200" dirty="0">
                 <a:latin typeface="Aptos" panose="020B0004020202020204" pitchFamily="34" charset="0"/>
                 <a:cs typeface="Times New Roman" panose="02020603050405020304" pitchFamily="18" charset="0"/>
               </a:rPr>
               <a:t>	💾Speicherung und Visualisierung mit </a:t>
             </a:r>
             <a:r>
-              <a:rPr lang="de-DE" sz="3200" b="1" noProof="0" dirty="0">
+              <a:rPr lang="de-DE" sz="3200" b="1" dirty="0">
                 <a:latin typeface="Aptos" panose="020B0004020202020204" pitchFamily="34" charset="0"/>
                 <a:cs typeface="Times New Roman" panose="02020603050405020304" pitchFamily="18" charset="0"/>
               </a:rPr>
@@ -4995,16 +4882,76 @@
           </a:p>
           <a:p>
             <a:r>
-              <a:rPr lang="de-DE" sz="3200" b="1" noProof="0" dirty="0">
+              <a:rPr lang="de-DE" sz="3200" b="1" dirty="0">
                 <a:latin typeface="Aptos" panose="020B0004020202020204" pitchFamily="34" charset="0"/>
                 <a:cs typeface="Times New Roman" panose="02020603050405020304" pitchFamily="18" charset="0"/>
               </a:rPr>
               <a:t>             Plotly, Streamlit</a:t>
             </a:r>
-            <a:endParaRPr lang="de-DE" sz="3200" noProof="0" dirty="0">
+            <a:endParaRPr lang="de-DE" sz="3200" dirty="0">
               <a:latin typeface="Aptos" panose="020B0004020202020204" pitchFamily="34" charset="0"/>
               <a:cs typeface="Times New Roman" panose="02020603050405020304" pitchFamily="18" charset="0"/>
             </a:endParaRPr>
+          </a:p>
+        </p:txBody>
+      </p:sp>
+      <p:sp>
+        <p:nvSpPr>
+          <p:cNvPr id="24" name="Rechteck 94">
+            <a:extLst>
+              <a:ext uri="{FF2B5EF4-FFF2-40B4-BE49-F238E27FC236}">
+                <a16:creationId xmlns:a16="http://schemas.microsoft.com/office/drawing/2014/main" id="{5963F808-2FD6-CE5B-2630-163FF0CB0E70}"/>
+              </a:ext>
+            </a:extLst>
+          </p:cNvPr>
+          <p:cNvSpPr>
+            <a:spLocks/>
+          </p:cNvSpPr>
+          <p:nvPr/>
+        </p:nvSpPr>
+        <p:spPr>
+          <a:xfrm>
+            <a:off x="346612" y="26830707"/>
+            <a:ext cx="21087235" cy="2640452"/>
+          </a:xfrm>
+          <a:prstGeom prst="rect">
+            <a:avLst/>
+          </a:prstGeom>
+          <a:solidFill>
+            <a:schemeClr val="bg1"/>
+          </a:solidFill>
+          <a:ln>
+            <a:noFill/>
+          </a:ln>
+        </p:spPr>
+        <p:style>
+          <a:lnRef idx="2">
+            <a:schemeClr val="accent1">
+              <a:shade val="50000"/>
+            </a:schemeClr>
+          </a:lnRef>
+          <a:fillRef idx="1">
+            <a:schemeClr val="accent1"/>
+          </a:fillRef>
+          <a:effectRef idx="0">
+            <a:schemeClr val="accent1"/>
+          </a:effectRef>
+          <a:fontRef idx="minor">
+            <a:schemeClr val="lt1"/>
+          </a:fontRef>
+        </p:style>
+        <p:txBody>
+          <a:bodyPr rtlCol="0" anchor="ctr"/>
+          <a:lstStyle/>
+          <a:p>
+            <a:pPr algn="ctr"/>
+            <a:r>
+              <a:rPr lang="de-DE" sz="440" dirty="0">
+                <a:latin typeface="Times New Roman" panose="02020603050405020304" pitchFamily="18" charset="0"/>
+                <a:cs typeface="Times New Roman" panose="02020603050405020304" pitchFamily="18" charset="0"/>
+              </a:rPr>
+              <a:t>https://github.com/AdminL3/Jugend-Forscht/</a:t>
+            </a:r>
           </a:p>
         </p:txBody>
       </p:sp>
@@ -5022,7 +4969,7 @@
         </p:nvGrpSpPr>
         <p:grpSpPr>
           <a:xfrm>
-            <a:off x="14719841" y="2329753"/>
+            <a:off x="14846048" y="2420241"/>
             <a:ext cx="6151910" cy="2505502"/>
             <a:chOff x="10171330" y="10945675"/>
             <a:chExt cx="10905073" cy="4441333"/>
@@ -5177,66 +5124,6 @@
           </p:spPr>
         </p:pic>
       </p:grpSp>
-      <p:sp>
-        <p:nvSpPr>
-          <p:cNvPr id="24" name="Rechteck 94">
-            <a:extLst>
-              <a:ext uri="{FF2B5EF4-FFF2-40B4-BE49-F238E27FC236}">
-                <a16:creationId xmlns:a16="http://schemas.microsoft.com/office/drawing/2014/main" id="{5963F808-2FD6-CE5B-2630-163FF0CB0E70}"/>
-              </a:ext>
-            </a:extLst>
-          </p:cNvPr>
-          <p:cNvSpPr>
-            <a:spLocks/>
-          </p:cNvSpPr>
-          <p:nvPr/>
-        </p:nvSpPr>
-        <p:spPr>
-          <a:xfrm>
-            <a:off x="220406" y="26740219"/>
-            <a:ext cx="21063788" cy="2640452"/>
-          </a:xfrm>
-          <a:prstGeom prst="rect">
-            <a:avLst/>
-          </a:prstGeom>
-          <a:solidFill>
-            <a:schemeClr val="bg1"/>
-          </a:solidFill>
-          <a:ln>
-            <a:noFill/>
-          </a:ln>
-        </p:spPr>
-        <p:style>
-          <a:lnRef idx="2">
-            <a:schemeClr val="accent1">
-              <a:shade val="50000"/>
-            </a:schemeClr>
-          </a:lnRef>
-          <a:fillRef idx="1">
-            <a:schemeClr val="accent1"/>
-          </a:fillRef>
-          <a:effectRef idx="0">
-            <a:schemeClr val="accent1"/>
-          </a:effectRef>
-          <a:fontRef idx="minor">
-            <a:schemeClr val="lt1"/>
-          </a:fontRef>
-        </p:style>
-        <p:txBody>
-          <a:bodyPr rtlCol="0" anchor="ctr"/>
-          <a:lstStyle/>
-          <a:p>
-            <a:pPr algn="ctr"/>
-            <a:r>
-              <a:rPr lang="de-DE" sz="440" noProof="0" dirty="0">
-                <a:latin typeface="Times New Roman" panose="02020603050405020304" pitchFamily="18" charset="0"/>
-                <a:cs typeface="Times New Roman" panose="02020603050405020304" pitchFamily="18" charset="0"/>
-              </a:rPr>
-              <a:t>https://github.com/AdminL3/Jugend-Forscht/</a:t>
-            </a:r>
-          </a:p>
-        </p:txBody>
-      </p:sp>
       <p:grpSp>
         <p:nvGrpSpPr>
           <p:cNvPr id="2" name="Group 1">
@@ -5251,7 +5138,7 @@
         </p:nvGrpSpPr>
         <p:grpSpPr>
           <a:xfrm>
-            <a:off x="188844" y="14489853"/>
+            <a:off x="315051" y="14580343"/>
             <a:ext cx="21095350" cy="7063275"/>
             <a:chOff x="161821" y="14366748"/>
             <a:chExt cx="21095350" cy="7063275"/>
@@ -5308,7 +5195,7 @@
             <a:p>
               <a:pPr algn="ctr"/>
               <a:r>
-                <a:rPr lang="de-DE" sz="3200" noProof="0" dirty="0">
+                <a:rPr lang="de-DE" sz="3200" dirty="0">
                   <a:latin typeface="Times New Roman" panose="02020603050405020304" pitchFamily="18" charset="0"/>
                   <a:cs typeface="Times New Roman" panose="02020603050405020304" pitchFamily="18" charset="0"/>
                 </a:rPr>
@@ -5385,7 +5272,7 @@
             <a:lstStyle/>
             <a:p>
               <a:r>
-                <a:rPr lang="de-DE" sz="2400" b="1" noProof="0" dirty="0"/>
+                <a:rPr lang="de-DE" sz="2400" b="1" dirty="0"/>
                 <a:t>📊Polarisation:</a:t>
               </a:r>
             </a:p>
@@ -5395,7 +5282,7 @@
                 <a:buChar char="-"/>
               </a:pPr>
               <a:r>
-                <a:rPr lang="de-DE" sz="2400" noProof="0" dirty="0"/>
+                <a:rPr lang="de-DE" sz="2400" dirty="0"/>
                 <a:t>konstanter Durchschnittswert (0,1)</a:t>
               </a:r>
             </a:p>
@@ -5405,7 +5292,7 @@
                 <a:buChar char="-"/>
               </a:pPr>
               <a:r>
-                <a:rPr lang="de-DE" sz="2400" noProof="0" dirty="0"/>
+                <a:rPr lang="de-DE" sz="2400" dirty="0"/>
                 <a:t>keine klare Tendenz</a:t>
               </a:r>
             </a:p>
@@ -5462,7 +5349,7 @@
             <a:p>
               <a:pPr algn="ctr"/>
               <a:r>
-                <a:rPr lang="de-DE" sz="3200" noProof="0" dirty="0">
+                <a:rPr lang="de-DE" sz="3200" dirty="0">
                   <a:latin typeface="Times New Roman" panose="02020603050405020304" pitchFamily="18" charset="0"/>
                   <a:cs typeface="Times New Roman" panose="02020603050405020304" pitchFamily="18" charset="0"/>
                 </a:rPr>
@@ -5539,38 +5426,38 @@
             <a:lstStyle/>
             <a:p>
               <a:r>
-                <a:rPr lang="de-DE" sz="2400" b="1" noProof="0" dirty="0"/>
+                <a:rPr lang="de-DE" sz="2400" b="1" dirty="0"/>
                 <a:t>⚖️ Subjektivität:</a:t>
               </a:r>
             </a:p>
             <a:p>
               <a:r>
-                <a:rPr lang="de-DE" sz="2400" noProof="0" dirty="0"/>
+                <a:rPr lang="de-DE" sz="2400" dirty="0"/>
                 <a:t>„Politics“ 	➡️</a:t>
               </a:r>
               <a:r>
-                <a:rPr lang="de-DE" sz="2400" noProof="0" dirty="0">
+                <a:rPr lang="de-DE" sz="2400" dirty="0">
                   <a:sym typeface="Wingdings" panose="05000000000000000000" pitchFamily="2" charset="2"/>
                 </a:rPr>
                 <a:t> zunehmend objektiv </a:t>
               </a:r>
               <a:br>
-                <a:rPr lang="de-DE" sz="2400" noProof="0" dirty="0">
+                <a:rPr lang="de-DE" sz="2400" dirty="0">
                   <a:sym typeface="Wingdings" panose="05000000000000000000" pitchFamily="2" charset="2"/>
                 </a:rPr>
               </a:br>
               <a:r>
-                <a:rPr lang="de-DE" sz="2400" noProof="0" dirty="0">
+                <a:rPr lang="de-DE" sz="2400" dirty="0">
                   <a:sym typeface="Wingdings" panose="05000000000000000000" pitchFamily="2" charset="2"/>
                 </a:rPr>
                 <a:t>„W</a:t>
               </a:r>
               <a:r>
-                <a:rPr lang="de-DE" sz="2400" noProof="0" dirty="0"/>
+                <a:rPr lang="de-DE" sz="2400" dirty="0"/>
                 <a:t>orld“ 	➡️</a:t>
               </a:r>
               <a:r>
-                <a:rPr lang="de-DE" sz="2400" noProof="0" dirty="0">
+                <a:rPr lang="de-DE" sz="2400" dirty="0">
                   <a:sym typeface="Wingdings" panose="05000000000000000000" pitchFamily="2" charset="2"/>
                 </a:rPr>
                 <a:t> konstant objektiv</a:t>
@@ -5578,24 +5465,18 @@
             </a:p>
             <a:p>
               <a:r>
-                <a:rPr lang="de-DE" sz="2400" noProof="0" dirty="0"/>
+                <a:rPr lang="de-DE" sz="2400" dirty="0"/>
                 <a:t>„Opinion“ 	➡️</a:t>
               </a:r>
               <a:r>
                 <a:rPr lang="de-DE" sz="2400" dirty="0">
                   <a:sym typeface="Wingdings" panose="05000000000000000000" pitchFamily="2" charset="2"/>
                 </a:rPr>
-                <a:t> </a:t>
-              </a:r>
-              <a:r>
-                <a:rPr lang="de-DE" sz="2400" noProof="0" dirty="0">
-                  <a:sym typeface="Wingdings" panose="05000000000000000000" pitchFamily="2" charset="2"/>
-                </a:rPr>
-                <a:t>konstant subjektiv</a:t>
+                <a:t> konstant subjektiv</a:t>
               </a:r>
             </a:p>
             <a:p>
-              <a:endParaRPr lang="de-DE" sz="2400" noProof="0" dirty="0">
+              <a:endParaRPr lang="de-DE" sz="2400" dirty="0">
                 <a:sym typeface="Wingdings" panose="05000000000000000000" pitchFamily="2" charset="2"/>
               </a:endParaRPr>
             </a:p>
@@ -5738,7 +5619,7 @@
             <a:p>
               <a:pPr algn="ctr"/>
               <a:r>
-                <a:rPr lang="de-DE" sz="3200" noProof="0" dirty="0">
+                <a:rPr lang="de-DE" sz="3200" dirty="0">
                   <a:latin typeface="Times New Roman" panose="02020603050405020304" pitchFamily="18" charset="0"/>
                   <a:cs typeface="Times New Roman" panose="02020603050405020304" pitchFamily="18" charset="0"/>
                 </a:rPr>
@@ -5776,38 +5657,30 @@
             <a:lstStyle/>
             <a:p>
               <a:r>
-                <a:rPr lang="de-DE" sz="2400" b="1" noProof="0" dirty="0"/>
+                <a:rPr lang="de-DE" sz="2400" b="1" dirty="0"/>
                 <a:t>📉 Artikellänge </a:t>
               </a:r>
               <a:r>
-                <a:rPr lang="de-DE" sz="2400" noProof="0" dirty="0"/>
-                <a:t>(Wörter </a:t>
-              </a:r>
-              <a:r>
                 <a:rPr lang="de-DE" sz="2400" dirty="0"/>
-                <a:t>pro</a:t>
-              </a:r>
-              <a:r>
-                <a:rPr lang="de-DE" sz="2400" noProof="0" dirty="0"/>
-                <a:t> Artikel):</a:t>
+                <a:t>(Wörter pro Artikel):</a:t>
               </a:r>
             </a:p>
             <a:p>
               <a:r>
-                <a:rPr lang="de-DE" sz="2400" noProof="0" dirty="0"/>
+                <a:rPr lang="de-DE" sz="2400" dirty="0"/>
                 <a:t>- Guardian ca. 800 Wörter</a:t>
               </a:r>
             </a:p>
             <a:p>
               <a:r>
-                <a:rPr lang="de-DE" sz="2400" noProof="0" dirty="0"/>
+                <a:rPr lang="de-DE" sz="2400" dirty="0"/>
                 <a:t>- New York Times ca. 1.100 Wörter</a:t>
               </a:r>
               <a:br>
-                <a:rPr lang="de-DE" sz="2400" noProof="0" dirty="0"/>
+                <a:rPr lang="de-DE" sz="2400" dirty="0"/>
               </a:br>
               <a:r>
-                <a:rPr lang="de-DE" sz="2400" noProof="0" dirty="0"/>
+                <a:rPr lang="de-DE" sz="2400" dirty="0"/>
                 <a:t>- keine signifikanten Veränderungen</a:t>
               </a:r>
             </a:p>
@@ -5946,7 +5819,7 @@
             <a:p>
               <a:pPr algn="ctr"/>
               <a:r>
-                <a:rPr lang="de-DE" sz="3200" noProof="0" dirty="0">
+                <a:rPr lang="de-DE" sz="3200" dirty="0">
                   <a:latin typeface="Times New Roman" panose="02020603050405020304" pitchFamily="18" charset="0"/>
                   <a:cs typeface="Times New Roman" panose="02020603050405020304" pitchFamily="18" charset="0"/>
                 </a:rPr>
@@ -5986,49 +5859,33 @@
             <a:lstStyle/>
             <a:p>
               <a:r>
-                <a:rPr lang="de-DE" sz="2400" b="1" noProof="0" dirty="0"/>
+                <a:rPr lang="de-DE" sz="2400" b="1" dirty="0"/>
                 <a:t>🔢 Artikelanzahl:</a:t>
               </a:r>
-              <a:endParaRPr lang="de-DE" sz="2400" noProof="0" dirty="0"/>
+              <a:endParaRPr lang="de-DE" sz="2400" dirty="0"/>
             </a:p>
             <a:p>
               <a:r>
-                <a:rPr lang="de-DE" sz="2400" noProof="0" dirty="0"/>
-                <a:t>- Guardian</a:t>
-              </a:r>
-              <a:r>
                 <a:rPr lang="de-DE" sz="2400" dirty="0"/>
-                <a:t>: Anzahl</a:t>
-              </a:r>
-              <a:r>
-                <a:rPr lang="de-DE" sz="2400" noProof="0" dirty="0"/>
-                <a:t> in „Opinion“ ist </a:t>
+                <a:t>- Guardian: Anzahl in „Opinion“ ist </a:t>
               </a:r>
             </a:p>
             <a:p>
               <a:r>
                 <a:rPr lang="de-DE" sz="2400" dirty="0"/>
-                <a:t>   </a:t>
-              </a:r>
-              <a:r>
-                <a:rPr lang="de-DE" sz="2400" noProof="0" dirty="0"/>
-                <a:t>gesunken</a:t>
+                <a:t>   gesunken</a:t>
               </a:r>
             </a:p>
             <a:p>
               <a:r>
-                <a:rPr lang="de-DE" sz="2400" noProof="0" dirty="0"/>
+                <a:rPr lang="de-DE" sz="2400" dirty="0"/>
                 <a:t>- New-York-Times: Anzahl in</a:t>
               </a:r>
             </a:p>
             <a:p>
               <a:r>
                 <a:rPr lang="de-DE" sz="2400" dirty="0"/>
-                <a:t>  </a:t>
-              </a:r>
-              <a:r>
-                <a:rPr lang="de-DE" sz="2400" noProof="0" dirty="0"/>
-                <a:t> „Politics“ gestiegen</a:t>
+                <a:t>   „Politics“ gestiegen</a:t>
               </a:r>
             </a:p>
           </p:txBody>
@@ -6165,7 +6022,7 @@
             <a:lstStyle/>
             <a:p>
               <a:r>
-                <a:rPr lang="de-DE" sz="4400" b="1" noProof="0" dirty="0">
+                <a:rPr lang="de-DE" sz="4400" b="1" dirty="0">
                   <a:solidFill>
                     <a:schemeClr val="tx1"/>
                   </a:solidFill>
@@ -6205,7 +6062,7 @@
         </p:blipFill>
         <p:spPr>
           <a:xfrm>
-            <a:off x="220404" y="26728818"/>
+            <a:off x="323165" y="26819306"/>
             <a:ext cx="2651998" cy="2651998"/>
           </a:xfrm>
           <a:prstGeom prst="rect">
@@ -6229,7 +6086,7 @@
         </p:nvSpPr>
         <p:spPr>
           <a:xfrm>
-            <a:off x="220405" y="26087961"/>
+            <a:off x="323166" y="26178449"/>
             <a:ext cx="4916136" cy="653174"/>
           </a:xfrm>
           <a:prstGeom prst="rect">
@@ -6263,7 +6120,7 @@
           <a:lstStyle/>
           <a:p>
             <a:r>
-              <a:rPr lang="de-DE" sz="3600" b="1" noProof="0" dirty="0">
+              <a:rPr lang="de-DE" sz="3600" b="1" dirty="0">
                 <a:solidFill>
                   <a:schemeClr val="tx1"/>
                 </a:solidFill>
@@ -6291,7 +6148,7 @@
         </p:nvSpPr>
         <p:spPr>
           <a:xfrm>
-            <a:off x="5530298" y="26094056"/>
+            <a:off x="5656505" y="26184546"/>
             <a:ext cx="4965724" cy="650511"/>
           </a:xfrm>
           <a:prstGeom prst="rect">
@@ -6325,7 +6182,7 @@
           <a:lstStyle/>
           <a:p>
             <a:r>
-              <a:rPr lang="de-DE" sz="3200" b="1" noProof="0" dirty="0">
+              <a:rPr lang="de-DE" sz="3200" b="1" dirty="0">
                 <a:solidFill>
                   <a:schemeClr val="tx1"/>
                 </a:solidFill>
@@ -6334,7 +6191,7 @@
               </a:rPr>
               <a:t>Mehr über mein Projekt:</a:t>
             </a:r>
-            <a:endParaRPr lang="de-DE" sz="4000" b="1" noProof="0" dirty="0">
+            <a:endParaRPr lang="de-DE" sz="4000" b="1" dirty="0">
               <a:solidFill>
                 <a:schemeClr val="tx1"/>
               </a:solidFill>
@@ -6360,8 +6217,8 @@
         </p:nvSpPr>
         <p:spPr>
           <a:xfrm>
-            <a:off x="10847051" y="26089929"/>
-            <a:ext cx="10447856" cy="650511"/>
+            <a:off x="10973258" y="26190579"/>
+            <a:ext cx="10460590" cy="638887"/>
           </a:xfrm>
           <a:prstGeom prst="rect">
             <a:avLst/>
@@ -6394,7 +6251,7 @@
           <a:lstStyle/>
           <a:p>
             <a:r>
-              <a:rPr lang="de-DE" sz="3200" b="1" noProof="0" dirty="0">
+              <a:rPr lang="de-DE" sz="3200" b="1" dirty="0">
                 <a:solidFill>
                   <a:schemeClr val="tx1"/>
                 </a:solidFill>
@@ -6403,7 +6260,7 @@
               </a:rPr>
               <a:t>Interaktive Webseiten:</a:t>
             </a:r>
-            <a:endParaRPr lang="de-DE" sz="4000" b="1" noProof="0" dirty="0">
+            <a:endParaRPr lang="de-DE" sz="4000" b="1" dirty="0">
               <a:solidFill>
                 <a:schemeClr val="tx1"/>
               </a:solidFill>
@@ -6440,7 +6297,7 @@
         </p:blipFill>
         <p:spPr>
           <a:xfrm>
-            <a:off x="5566303" y="26750691"/>
+            <a:off x="5692510" y="26841179"/>
             <a:ext cx="2653200" cy="2629980"/>
           </a:xfrm>
           <a:prstGeom prst="rect">
@@ -6462,7 +6319,7 @@
         </p:nvSpPr>
         <p:spPr>
           <a:xfrm>
-            <a:off x="10847051" y="26864057"/>
+            <a:off x="10973260" y="26954547"/>
             <a:ext cx="2556433" cy="461665"/>
           </a:xfrm>
           <a:prstGeom prst="rect">
@@ -6497,7 +6354,7 @@
         </p:nvSpPr>
         <p:spPr>
           <a:xfrm>
-            <a:off x="16275213" y="26885296"/>
+            <a:off x="16401422" y="26975786"/>
             <a:ext cx="2556433" cy="461665"/>
           </a:xfrm>
           <a:prstGeom prst="rect">
@@ -6545,7 +6402,7 @@
         </p:blipFill>
         <p:spPr>
           <a:xfrm>
-            <a:off x="18485770" y="26741135"/>
+            <a:off x="18611979" y="26831625"/>
             <a:ext cx="2646719" cy="2539331"/>
           </a:xfrm>
           <a:prstGeom prst="rect">
@@ -6567,7 +6424,7 @@
         </p:nvSpPr>
         <p:spPr>
           <a:xfrm>
-            <a:off x="8141071" y="27002556"/>
+            <a:off x="8267278" y="27093046"/>
             <a:ext cx="2305150" cy="646331"/>
           </a:xfrm>
           <a:prstGeom prst="rect">
@@ -6602,10 +6459,10 @@
         </p:nvGrpSpPr>
         <p:grpSpPr>
           <a:xfrm>
-            <a:off x="199223" y="21655693"/>
-            <a:ext cx="21110924" cy="4332409"/>
-            <a:chOff x="156948" y="21547635"/>
-            <a:chExt cx="21110924" cy="4332409"/>
+            <a:off x="318716" y="21746183"/>
+            <a:ext cx="21106063" cy="4332409"/>
+            <a:chOff x="150234" y="21547635"/>
+            <a:chExt cx="21106063" cy="4332409"/>
           </a:xfrm>
         </p:grpSpPr>
         <p:sp>
@@ -6676,7 +6533,7 @@
           </p:nvSpPr>
           <p:spPr>
             <a:xfrm>
-              <a:off x="161809" y="21547635"/>
+              <a:off x="150234" y="21547635"/>
               <a:ext cx="21106063" cy="753300"/>
             </a:xfrm>
             <a:prstGeom prst="rect">
@@ -6710,7 +6567,7 @@
             <a:lstStyle/>
             <a:p>
               <a:r>
-                <a:rPr lang="de-DE" sz="4400" b="1" noProof="0" dirty="0">
+                <a:rPr lang="de-DE" sz="4400" b="1" dirty="0">
                   <a:solidFill>
                     <a:schemeClr val="tx1"/>
                   </a:solidFill>
@@ -6751,18 +6608,11 @@
             <a:lstStyle/>
             <a:p>
               <a:r>
-                <a:rPr lang="de-DE" sz="2800" noProof="0" dirty="0">
-                  <a:latin typeface="Aptos" panose="020B0004020202020204" pitchFamily="34" charset="0"/>
-                  <a:cs typeface="Times New Roman" panose="02020603050405020304" pitchFamily="18" charset="0"/>
-                </a:rPr>
-                <a:t>- „World“ - Artikel grundsätzlich eher objektiv im </a:t>
-              </a:r>
-              <a:r>
                 <a:rPr lang="de-DE" sz="2800" dirty="0">
                   <a:latin typeface="Aptos" panose="020B0004020202020204" pitchFamily="34" charset="0"/>
                   <a:cs typeface="Times New Roman" panose="02020603050405020304" pitchFamily="18" charset="0"/>
                 </a:rPr>
-                <a:t>Vergleich zu „Opinion“ ➡️ stärkere Meinungsbildung in der Rubrik „Opinion“, keine </a:t>
+                <a:t>- „World“ - Artikel grundsätzlich eher objektiv im Vergleich zu „Opinion“ ➡️ stärkere Meinungsbildung in der Rubrik „Opinion“, keine </a:t>
               </a:r>
             </a:p>
             <a:p>
@@ -6789,34 +6639,7 @@
                   <a:latin typeface="Aptos" panose="020B0004020202020204" pitchFamily="34" charset="0"/>
                   <a:cs typeface="Times New Roman" panose="02020603050405020304" pitchFamily="18" charset="0"/>
                 </a:rPr>
-                <a:t>- Keine signifikante Änderung in der Artikellänge ➡️ </a:t>
-              </a:r>
-              <a:r>
-                <a:rPr lang="de-DE" sz="2800" noProof="0" dirty="0">
-                  <a:latin typeface="Aptos" panose="020B0004020202020204" pitchFamily="34" charset="0"/>
-                  <a:cs typeface="Times New Roman" panose="02020603050405020304" pitchFamily="18" charset="0"/>
-                </a:rPr>
-                <a:t>Kein Einfluss von sozialen Medien oder dem Trend zu kürzeren Texten erkennbar</a:t>
-              </a:r>
-              <a:endParaRPr lang="de-DE" sz="2800" dirty="0">
-                <a:latin typeface="Aptos" panose="020B0004020202020204" pitchFamily="34" charset="0"/>
-                <a:cs typeface="Times New Roman" panose="02020603050405020304" pitchFamily="18" charset="0"/>
-              </a:endParaRPr>
-            </a:p>
-            <a:p>
-              <a:r>
-                <a:rPr lang="de-DE" sz="2800" dirty="0">
-                  <a:latin typeface="Aptos" panose="020B0004020202020204" pitchFamily="34" charset="0"/>
-                  <a:cs typeface="Times New Roman" panose="02020603050405020304" pitchFamily="18" charset="0"/>
-                </a:rPr>
-                <a:t>- Deutliche Veränderungen in der Artikelanzahl ➡️ </a:t>
-              </a:r>
-              <a:r>
-                <a:rPr lang="de-DE" sz="2800" noProof="0" dirty="0">
-                  <a:latin typeface="Aptos" panose="020B0004020202020204" pitchFamily="34" charset="0"/>
-                  <a:cs typeface="Times New Roman" panose="02020603050405020304" pitchFamily="18" charset="0"/>
-                </a:rPr>
-                <a:t>Mögliche Gründe: geänderte redaktionelle Schwerpunkte oder eine veränderte </a:t>
+                <a:t>- Keine signifikante Änderung in der Artikellänge ➡️ Kein Einfluss von sozialen Medien oder dem Trend zu kürzeren Texten erkennbar</a:t>
               </a:r>
             </a:p>
             <a:p>
@@ -6825,19 +6648,21 @@
                   <a:latin typeface="Aptos" panose="020B0004020202020204" pitchFamily="34" charset="0"/>
                   <a:cs typeface="Times New Roman" panose="02020603050405020304" pitchFamily="18" charset="0"/>
                 </a:rPr>
-                <a:t>   </a:t>
-              </a:r>
-              <a:r>
-                <a:rPr lang="de-DE" sz="2800" noProof="0" dirty="0">
-                  <a:latin typeface="Aptos" panose="020B0004020202020204" pitchFamily="34" charset="0"/>
-                  <a:cs typeface="Times New Roman" panose="02020603050405020304" pitchFamily="18" charset="0"/>
-                </a:rPr>
-                <a:t>Nachrichtenlage</a:t>
+                <a:t>- Deutliche Veränderungen in der Artikelanzahl ➡️ Mögliche Gründe: geänderte redaktionelle Schwerpunkte oder eine veränderte </a:t>
               </a:r>
             </a:p>
             <a:p>
               <a:r>
-                <a:rPr lang="de-DE" sz="2800" noProof="0" dirty="0">
+                <a:rPr lang="de-DE" sz="2800" dirty="0">
+                  <a:latin typeface="Aptos" panose="020B0004020202020204" pitchFamily="34" charset="0"/>
+                  <a:cs typeface="Times New Roman" panose="02020603050405020304" pitchFamily="18" charset="0"/>
+                </a:rPr>
+                <a:t>   Nachrichtenlage</a:t>
+              </a:r>
+            </a:p>
+            <a:p>
+              <a:r>
+                <a:rPr lang="de-DE" sz="2800" dirty="0">
                   <a:latin typeface="Aptos" panose="020B0004020202020204" pitchFamily="34" charset="0"/>
                   <a:cs typeface="Times New Roman" panose="02020603050405020304" pitchFamily="18" charset="0"/>
                 </a:rPr>
@@ -6875,7 +6700,7 @@
         </p:blipFill>
         <p:spPr>
           <a:xfrm>
-            <a:off x="13486485" y="26750691"/>
+            <a:off x="13612692" y="26841179"/>
             <a:ext cx="2635620" cy="2635620"/>
           </a:xfrm>
           <a:prstGeom prst="rect">
@@ -6897,9 +6722,9 @@
 </file>
 
 <file path=ppt/theme/theme1.xml><?xml version="1.0" encoding="utf-8"?>
-<a:theme xmlns:a="http://schemas.openxmlformats.org/drawingml/2006/main" name="Office 2013 – 2022-Design">
+<a:theme xmlns:a="http://schemas.openxmlformats.org/drawingml/2006/main" name="Office Theme">
   <a:themeElements>
-    <a:clrScheme name="Office 2013 – 2022-Design">
+    <a:clrScheme name="Office Theme">
       <a:dk1>
         <a:sysClr val="windowText" lastClr="000000"/>
       </a:dk1>
@@ -6937,7 +6762,7 @@
         <a:srgbClr val="954F72"/>
       </a:folHlink>
     </a:clrScheme>
-    <a:fontScheme name="Office 2013 – 2022-Design">
+    <a:fontScheme name="Office Theme">
       <a:majorFont>
         <a:latin typeface="Calibri Light" panose="020F0302020204030204"/>
         <a:ea typeface=""/>
@@ -7009,7 +6834,7 @@
         <a:font script="Geor" typeface="Sylfaen"/>
       </a:minorFont>
     </a:fontScheme>
-    <a:fmtScheme name="Office 2013 – 2022-Design">
+    <a:fmtScheme name="Office Theme">
       <a:fillStyleLst>
         <a:solidFill>
           <a:schemeClr val="phClr"/>
